--- a/AprestOralMCE.pptx
+++ b/AprestOralMCE.pptx
@@ -9,6 +9,10 @@
     <p:sldId id="257" r:id="rId3"/>
     <p:sldId id="258" r:id="rId4"/>
     <p:sldId id="259" r:id="rId5"/>
+    <p:sldId id="262" r:id="rId6"/>
+    <p:sldId id="263" r:id="rId7"/>
+    <p:sldId id="260" r:id="rId8"/>
+    <p:sldId id="261" r:id="rId9"/>
   </p:sldIdLst>
   <p:sldSz cx="12192000" cy="6858000"/>
   <p:notesSz cx="6858000" cy="9144000"/>
@@ -107,7 +111,2843 @@
       </a:defRPr>
     </a:lvl9pPr>
   </p:defaultTextStyle>
+  <p:extLst>
+    <p:ext uri="{EFAFB233-063F-42B5-8137-9DF3F51BA10A}">
+      <p15:sldGuideLst xmlns:p15="http://schemas.microsoft.com/office/powerpoint/2012/main"/>
+    </p:ext>
+  </p:extLst>
 </p:presentation>
+</file>
+
+<file path=ppt/charts/chart1.xml><?xml version="1.0" encoding="utf-8"?>
+<c:chartSpace xmlns:c="http://schemas.openxmlformats.org/drawingml/2006/chart" xmlns:a="http://schemas.openxmlformats.org/drawingml/2006/main" xmlns:r="http://schemas.openxmlformats.org/officeDocument/2006/relationships" xmlns:c16r2="http://schemas.microsoft.com/office/drawing/2015/06/chart">
+  <c:date1904 val="0"/>
+  <c:lang val="pt-PT"/>
+  <c:roundedCorners val="0"/>
+  <mc:AlternateContent xmlns:mc="http://schemas.openxmlformats.org/markup-compatibility/2006">
+    <mc:Choice xmlns:c14="http://schemas.microsoft.com/office/drawing/2007/8/2/chart" Requires="c14">
+      <c14:style val="102"/>
+    </mc:Choice>
+    <mc:Fallback>
+      <c:style val="2"/>
+    </mc:Fallback>
+  </mc:AlternateContent>
+  <c:chart>
+    <c:title>
+      <c:tx>
+        <c:rich>
+          <a:bodyPr rot="0" spcFirstLastPara="1" vertOverflow="ellipsis" vert="horz" wrap="square" anchor="ctr" anchorCtr="1"/>
+          <a:lstStyle/>
+          <a:p>
+            <a:pPr>
+              <a:defRPr lang="en-US" sz="1680" b="0" i="0" u="none" strike="noStrike" kern="1200" spc="0" baseline="0">
+                <a:solidFill>
+                  <a:sysClr val="windowText" lastClr="000000">
+                    <a:lumMod val="65000"/>
+                    <a:lumOff val="35000"/>
+                  </a:sysClr>
+                </a:solidFill>
+                <a:effectLst/>
+                <a:latin typeface="+mn-lt"/>
+                <a:ea typeface="+mn-ea"/>
+                <a:cs typeface="+mn-cs"/>
+              </a:defRPr>
+            </a:pPr>
+            <a:r>
+              <a:rPr lang="pt-PT" sz="1400"/>
+              <a:t>Tensão em função da distância(bobinas em série)</a:t>
+            </a:r>
+          </a:p>
+        </c:rich>
+      </c:tx>
+      <c:layout>
+        <c:manualLayout>
+          <c:xMode val="edge"/>
+          <c:yMode val="edge"/>
+          <c:x val="0.15586111111111112"/>
+          <c:y val="4.1666666666666664E-2"/>
+        </c:manualLayout>
+      </c:layout>
+      <c:overlay val="0"/>
+      <c:spPr>
+        <a:noFill/>
+        <a:ln>
+          <a:noFill/>
+        </a:ln>
+        <a:effectLst/>
+      </c:spPr>
+    </c:title>
+    <c:autoTitleDeleted val="0"/>
+    <c:plotArea>
+      <c:layout/>
+      <c:scatterChart>
+        <c:scatterStyle val="lineMarker"/>
+        <c:varyColors val="0"/>
+        <c:ser>
+          <c:idx val="1"/>
+          <c:order val="0"/>
+          <c:tx>
+            <c:v>Bobina 1</c:v>
+          </c:tx>
+          <c:xVal>
+            <c:numRef>
+              <c:f>Folha1!$B$8:$B$48</c:f>
+              <c:numCache>
+                <c:formatCode>General</c:formatCode>
+                <c:ptCount val="41"/>
+                <c:pt idx="0">
+                  <c:v>0</c:v>
+                </c:pt>
+                <c:pt idx="1">
+                  <c:v>0.01</c:v>
+                </c:pt>
+                <c:pt idx="2">
+                  <c:v>0.02</c:v>
+                </c:pt>
+                <c:pt idx="3">
+                  <c:v>0.03</c:v>
+                </c:pt>
+                <c:pt idx="4">
+                  <c:v>0.04</c:v>
+                </c:pt>
+                <c:pt idx="5">
+                  <c:v>0.05</c:v>
+                </c:pt>
+                <c:pt idx="6">
+                  <c:v>0.06</c:v>
+                </c:pt>
+                <c:pt idx="7">
+                  <c:v>7.0000000000000007E-2</c:v>
+                </c:pt>
+                <c:pt idx="8">
+                  <c:v>0.08</c:v>
+                </c:pt>
+                <c:pt idx="9">
+                  <c:v>0.09</c:v>
+                </c:pt>
+                <c:pt idx="10">
+                  <c:v>0.1</c:v>
+                </c:pt>
+                <c:pt idx="11">
+                  <c:v>0.11</c:v>
+                </c:pt>
+                <c:pt idx="12">
+                  <c:v>0.12</c:v>
+                </c:pt>
+                <c:pt idx="13">
+                  <c:v>0.13</c:v>
+                </c:pt>
+                <c:pt idx="14">
+                  <c:v>0.14000000000000001</c:v>
+                </c:pt>
+                <c:pt idx="15">
+                  <c:v>0.15</c:v>
+                </c:pt>
+                <c:pt idx="16">
+                  <c:v>0.16</c:v>
+                </c:pt>
+                <c:pt idx="17">
+                  <c:v>0.17</c:v>
+                </c:pt>
+                <c:pt idx="18">
+                  <c:v>0.18</c:v>
+                </c:pt>
+                <c:pt idx="19">
+                  <c:v>0.19</c:v>
+                </c:pt>
+                <c:pt idx="20">
+                  <c:v>0.2</c:v>
+                </c:pt>
+                <c:pt idx="21">
+                  <c:v>0.21</c:v>
+                </c:pt>
+                <c:pt idx="22">
+                  <c:v>0.22</c:v>
+                </c:pt>
+                <c:pt idx="23">
+                  <c:v>0.23</c:v>
+                </c:pt>
+                <c:pt idx="24">
+                  <c:v>0.24</c:v>
+                </c:pt>
+                <c:pt idx="25">
+                  <c:v>0.25</c:v>
+                </c:pt>
+                <c:pt idx="26">
+                  <c:v>0.26</c:v>
+                </c:pt>
+                <c:pt idx="27">
+                  <c:v>0.27</c:v>
+                </c:pt>
+                <c:pt idx="28">
+                  <c:v>0.28000000000000003</c:v>
+                </c:pt>
+                <c:pt idx="29">
+                  <c:v>0.28999999999999998</c:v>
+                </c:pt>
+                <c:pt idx="30">
+                  <c:v>0.3</c:v>
+                </c:pt>
+                <c:pt idx="31">
+                  <c:v>0.31</c:v>
+                </c:pt>
+                <c:pt idx="32">
+                  <c:v>0.32</c:v>
+                </c:pt>
+                <c:pt idx="33">
+                  <c:v>0.33</c:v>
+                </c:pt>
+                <c:pt idx="34">
+                  <c:v>0.34</c:v>
+                </c:pt>
+                <c:pt idx="35">
+                  <c:v>0.35</c:v>
+                </c:pt>
+                <c:pt idx="36">
+                  <c:v>0.36</c:v>
+                </c:pt>
+                <c:pt idx="37">
+                  <c:v>0.37</c:v>
+                </c:pt>
+                <c:pt idx="38">
+                  <c:v>0.38</c:v>
+                </c:pt>
+                <c:pt idx="39">
+                  <c:v>0.39</c:v>
+                </c:pt>
+                <c:pt idx="40">
+                  <c:v>0.4</c:v>
+                </c:pt>
+              </c:numCache>
+            </c:numRef>
+          </c:xVal>
+          <c:yVal>
+            <c:numRef>
+              <c:f>Folha1!$E$8:$E$48</c:f>
+              <c:numCache>
+                <c:formatCode>General</c:formatCode>
+                <c:ptCount val="41"/>
+                <c:pt idx="0">
+                  <c:v>3.5000000000000001E-3</c:v>
+                </c:pt>
+                <c:pt idx="1">
+                  <c:v>3.5000000000000001E-3</c:v>
+                </c:pt>
+                <c:pt idx="2">
+                  <c:v>3.7000000000000002E-3</c:v>
+                </c:pt>
+                <c:pt idx="3">
+                  <c:v>3.5999999999999999E-3</c:v>
+                </c:pt>
+                <c:pt idx="4">
+                  <c:v>3.5999999999999999E-3</c:v>
+                </c:pt>
+                <c:pt idx="5">
+                  <c:v>3.5999999999999999E-3</c:v>
+                </c:pt>
+                <c:pt idx="6">
+                  <c:v>3.5999999999999999E-3</c:v>
+                </c:pt>
+                <c:pt idx="7">
+                  <c:v>3.5999999999999999E-3</c:v>
+                </c:pt>
+                <c:pt idx="8">
+                  <c:v>3.7000000000000002E-3</c:v>
+                </c:pt>
+                <c:pt idx="9">
+                  <c:v>3.8E-3</c:v>
+                </c:pt>
+                <c:pt idx="10">
+                  <c:v>3.8999999999999998E-3</c:v>
+                </c:pt>
+                <c:pt idx="11">
+                  <c:v>4.0999999999999995E-3</c:v>
+                </c:pt>
+                <c:pt idx="12">
+                  <c:v>4.0999999999999995E-3</c:v>
+                </c:pt>
+                <c:pt idx="13">
+                  <c:v>4.4000000000000003E-3</c:v>
+                </c:pt>
+                <c:pt idx="14">
+                  <c:v>4.5999999999999999E-3</c:v>
+                </c:pt>
+                <c:pt idx="15">
+                  <c:v>4.7999999999999996E-3</c:v>
+                </c:pt>
+                <c:pt idx="16">
+                  <c:v>5.1999999999999998E-3</c:v>
+                </c:pt>
+                <c:pt idx="17">
+                  <c:v>5.4999999999999997E-3</c:v>
+                </c:pt>
+                <c:pt idx="18">
+                  <c:v>6.0999999999999995E-3</c:v>
+                </c:pt>
+                <c:pt idx="19">
+                  <c:v>6.7000000000000002E-3</c:v>
+                </c:pt>
+                <c:pt idx="20">
+                  <c:v>7.7999999999999996E-3</c:v>
+                </c:pt>
+                <c:pt idx="21">
+                  <c:v>9.1999999999999998E-3</c:v>
+                </c:pt>
+                <c:pt idx="22">
+                  <c:v>1.11E-2</c:v>
+                </c:pt>
+                <c:pt idx="23">
+                  <c:v>1.41E-2</c:v>
+                </c:pt>
+                <c:pt idx="24">
+                  <c:v>1.84E-2</c:v>
+                </c:pt>
+                <c:pt idx="25">
+                  <c:v>2.41E-2</c:v>
+                </c:pt>
+                <c:pt idx="26">
+                  <c:v>3.1800000000000002E-2</c:v>
+                </c:pt>
+                <c:pt idx="27">
+                  <c:v>4.2500000000000003E-2</c:v>
+                </c:pt>
+                <c:pt idx="28">
+                  <c:v>5.2700000000000004E-2</c:v>
+                </c:pt>
+                <c:pt idx="29">
+                  <c:v>5.8299999999999998E-2</c:v>
+                </c:pt>
+                <c:pt idx="30">
+                  <c:v>5.4799999999999995E-2</c:v>
+                </c:pt>
+                <c:pt idx="31">
+                  <c:v>4.4999999999999998E-2</c:v>
+                </c:pt>
+                <c:pt idx="32">
+                  <c:v>3.4200000000000001E-2</c:v>
+                </c:pt>
+                <c:pt idx="33">
+                  <c:v>2.4799999999999999E-2</c:v>
+                </c:pt>
+                <c:pt idx="34">
+                  <c:v>1.8600000000000002E-2</c:v>
+                </c:pt>
+                <c:pt idx="35">
+                  <c:v>1.43E-2</c:v>
+                </c:pt>
+                <c:pt idx="36">
+                  <c:v>1.15E-2</c:v>
+                </c:pt>
+                <c:pt idx="37">
+                  <c:v>9.4999999999999998E-3</c:v>
+                </c:pt>
+                <c:pt idx="38">
+                  <c:v>8.0999999999999996E-3</c:v>
+                </c:pt>
+                <c:pt idx="39">
+                  <c:v>7.0999999999999995E-3</c:v>
+                </c:pt>
+                <c:pt idx="40">
+                  <c:v>6.4000000000000003E-3</c:v>
+                </c:pt>
+              </c:numCache>
+            </c:numRef>
+          </c:yVal>
+          <c:smooth val="0"/>
+          <c:extLst>
+            <c:ext xmlns:c16="http://schemas.microsoft.com/office/drawing/2014/chart" uri="{C3380CC4-5D6E-409C-BE32-E72D297353CC}">
+              <c16:uniqueId val="{00000000-242D-4FBC-ACF8-A27C88F08C75}"/>
+            </c:ext>
+          </c:extLst>
+        </c:ser>
+        <c:ser>
+          <c:idx val="2"/>
+          <c:order val="1"/>
+          <c:tx>
+            <c:v>Bobina 2</c:v>
+          </c:tx>
+          <c:spPr>
+            <a:ln w="19050" cap="rnd">
+              <a:solidFill>
+                <a:schemeClr val="accent1"/>
+              </a:solidFill>
+              <a:round/>
+            </a:ln>
+            <a:effectLst/>
+          </c:spPr>
+          <c:xVal>
+            <c:numRef>
+              <c:f>Folha1!$G$8:$G$48</c:f>
+              <c:numCache>
+                <c:formatCode>General</c:formatCode>
+                <c:ptCount val="41"/>
+                <c:pt idx="0">
+                  <c:v>0</c:v>
+                </c:pt>
+                <c:pt idx="1">
+                  <c:v>0.01</c:v>
+                </c:pt>
+                <c:pt idx="2">
+                  <c:v>0.02</c:v>
+                </c:pt>
+                <c:pt idx="3">
+                  <c:v>0.03</c:v>
+                </c:pt>
+                <c:pt idx="4">
+                  <c:v>0.04</c:v>
+                </c:pt>
+                <c:pt idx="5">
+                  <c:v>0.05</c:v>
+                </c:pt>
+                <c:pt idx="6">
+                  <c:v>0.06</c:v>
+                </c:pt>
+                <c:pt idx="7">
+                  <c:v>7.0000000000000007E-2</c:v>
+                </c:pt>
+                <c:pt idx="8">
+                  <c:v>0.08</c:v>
+                </c:pt>
+                <c:pt idx="9">
+                  <c:v>0.09</c:v>
+                </c:pt>
+                <c:pt idx="10">
+                  <c:v>0.1</c:v>
+                </c:pt>
+                <c:pt idx="11">
+                  <c:v>0.11</c:v>
+                </c:pt>
+                <c:pt idx="12">
+                  <c:v>0.12</c:v>
+                </c:pt>
+                <c:pt idx="13">
+                  <c:v>0.13</c:v>
+                </c:pt>
+                <c:pt idx="14">
+                  <c:v>0.14000000000000001</c:v>
+                </c:pt>
+                <c:pt idx="15">
+                  <c:v>0.15</c:v>
+                </c:pt>
+                <c:pt idx="16">
+                  <c:v>0.16</c:v>
+                </c:pt>
+                <c:pt idx="17">
+                  <c:v>0.17</c:v>
+                </c:pt>
+                <c:pt idx="18">
+                  <c:v>0.18</c:v>
+                </c:pt>
+                <c:pt idx="19">
+                  <c:v>0.19</c:v>
+                </c:pt>
+                <c:pt idx="20">
+                  <c:v>0.2</c:v>
+                </c:pt>
+                <c:pt idx="21">
+                  <c:v>0.21</c:v>
+                </c:pt>
+                <c:pt idx="22">
+                  <c:v>0.22</c:v>
+                </c:pt>
+                <c:pt idx="23">
+                  <c:v>0.23</c:v>
+                </c:pt>
+                <c:pt idx="24">
+                  <c:v>0.24</c:v>
+                </c:pt>
+                <c:pt idx="25">
+                  <c:v>0.25</c:v>
+                </c:pt>
+                <c:pt idx="26">
+                  <c:v>0.26</c:v>
+                </c:pt>
+                <c:pt idx="27">
+                  <c:v>0.27</c:v>
+                </c:pt>
+                <c:pt idx="28">
+                  <c:v>0.28000000000000003</c:v>
+                </c:pt>
+                <c:pt idx="29">
+                  <c:v>0.28999999999999998</c:v>
+                </c:pt>
+                <c:pt idx="30">
+                  <c:v>0.3</c:v>
+                </c:pt>
+                <c:pt idx="31">
+                  <c:v>0.31</c:v>
+                </c:pt>
+                <c:pt idx="32">
+                  <c:v>0.32</c:v>
+                </c:pt>
+                <c:pt idx="33">
+                  <c:v>0.33</c:v>
+                </c:pt>
+                <c:pt idx="34">
+                  <c:v>0.34</c:v>
+                </c:pt>
+                <c:pt idx="35">
+                  <c:v>0.35</c:v>
+                </c:pt>
+                <c:pt idx="36">
+                  <c:v>0.36</c:v>
+                </c:pt>
+                <c:pt idx="37">
+                  <c:v>0.37</c:v>
+                </c:pt>
+                <c:pt idx="38">
+                  <c:v>0.38</c:v>
+                </c:pt>
+                <c:pt idx="39">
+                  <c:v>0.39</c:v>
+                </c:pt>
+                <c:pt idx="40">
+                  <c:v>0.4</c:v>
+                </c:pt>
+              </c:numCache>
+            </c:numRef>
+          </c:xVal>
+          <c:yVal>
+            <c:numRef>
+              <c:f>Folha1!$J$8:$J$48</c:f>
+              <c:numCache>
+                <c:formatCode>General</c:formatCode>
+                <c:ptCount val="41"/>
+                <c:pt idx="0">
+                  <c:v>4.4000000000000003E-3</c:v>
+                </c:pt>
+                <c:pt idx="1">
+                  <c:v>4.4000000000000003E-3</c:v>
+                </c:pt>
+                <c:pt idx="2">
+                  <c:v>4.4999999999999997E-3</c:v>
+                </c:pt>
+                <c:pt idx="3">
+                  <c:v>4.4999999999999997E-3</c:v>
+                </c:pt>
+                <c:pt idx="4">
+                  <c:v>4.4999999999999997E-3</c:v>
+                </c:pt>
+                <c:pt idx="5">
+                  <c:v>4.4999999999999997E-3</c:v>
+                </c:pt>
+                <c:pt idx="6">
+                  <c:v>4.5999999999999999E-3</c:v>
+                </c:pt>
+                <c:pt idx="7">
+                  <c:v>4.5999999999999999E-3</c:v>
+                </c:pt>
+                <c:pt idx="8">
+                  <c:v>4.5999999999999999E-3</c:v>
+                </c:pt>
+                <c:pt idx="9">
+                  <c:v>4.5999999999999999E-3</c:v>
+                </c:pt>
+                <c:pt idx="10">
+                  <c:v>4.5999999999999999E-3</c:v>
+                </c:pt>
+                <c:pt idx="11">
+                  <c:v>4.7999999999999996E-3</c:v>
+                </c:pt>
+                <c:pt idx="12">
+                  <c:v>4.7000000000000002E-3</c:v>
+                </c:pt>
+                <c:pt idx="13">
+                  <c:v>4.7999999999999996E-3</c:v>
+                </c:pt>
+                <c:pt idx="14">
+                  <c:v>4.7999999999999996E-3</c:v>
+                </c:pt>
+                <c:pt idx="15">
+                  <c:v>4.9000000000000007E-3</c:v>
+                </c:pt>
+                <c:pt idx="16">
+                  <c:v>5.0000000000000001E-3</c:v>
+                </c:pt>
+                <c:pt idx="17">
+                  <c:v>5.0999999999999995E-3</c:v>
+                </c:pt>
+                <c:pt idx="18">
+                  <c:v>5.4999999999999997E-3</c:v>
+                </c:pt>
+                <c:pt idx="19">
+                  <c:v>5.5999999999999999E-3</c:v>
+                </c:pt>
+                <c:pt idx="20">
+                  <c:v>5.7999999999999996E-3</c:v>
+                </c:pt>
+                <c:pt idx="21">
+                  <c:v>6.0000000000000001E-3</c:v>
+                </c:pt>
+                <c:pt idx="22">
+                  <c:v>6.4000000000000003E-3</c:v>
+                </c:pt>
+                <c:pt idx="23">
+                  <c:v>6.9000000000000008E-3</c:v>
+                </c:pt>
+                <c:pt idx="24">
+                  <c:v>7.4999999999999997E-3</c:v>
+                </c:pt>
+                <c:pt idx="25">
+                  <c:v>8.5000000000000006E-3</c:v>
+                </c:pt>
+                <c:pt idx="26">
+                  <c:v>9.8000000000000014E-3</c:v>
+                </c:pt>
+                <c:pt idx="27">
+                  <c:v>1.1699999999999999E-2</c:v>
+                </c:pt>
+                <c:pt idx="28">
+                  <c:v>1.43E-2</c:v>
+                </c:pt>
+                <c:pt idx="29">
+                  <c:v>1.8200000000000001E-2</c:v>
+                </c:pt>
+                <c:pt idx="30">
+                  <c:v>2.4E-2</c:v>
+                </c:pt>
+                <c:pt idx="31">
+                  <c:v>3.2399999999999998E-2</c:v>
+                </c:pt>
+                <c:pt idx="32">
+                  <c:v>4.2000000000000003E-2</c:v>
+                </c:pt>
+                <c:pt idx="33">
+                  <c:v>5.3100000000000001E-2</c:v>
+                </c:pt>
+                <c:pt idx="34">
+                  <c:v>5.7200000000000001E-2</c:v>
+                </c:pt>
+                <c:pt idx="35">
+                  <c:v>5.1400000000000001E-2</c:v>
+                </c:pt>
+                <c:pt idx="36">
+                  <c:v>3.8399999999999997E-2</c:v>
+                </c:pt>
+                <c:pt idx="37">
+                  <c:v>2.81E-2</c:v>
+                </c:pt>
+                <c:pt idx="38">
+                  <c:v>2.0899999999999998E-2</c:v>
+                </c:pt>
+                <c:pt idx="39">
+                  <c:v>1.5800000000000002E-2</c:v>
+                </c:pt>
+                <c:pt idx="40">
+                  <c:v>1.26E-2</c:v>
+                </c:pt>
+              </c:numCache>
+            </c:numRef>
+          </c:yVal>
+          <c:smooth val="0"/>
+          <c:extLst>
+            <c:ext xmlns:c16="http://schemas.microsoft.com/office/drawing/2014/chart" uri="{C3380CC4-5D6E-409C-BE32-E72D297353CC}">
+              <c16:uniqueId val="{00000001-242D-4FBC-ACF8-A27C88F08C75}"/>
+            </c:ext>
+          </c:extLst>
+        </c:ser>
+        <c:ser>
+          <c:idx val="3"/>
+          <c:order val="2"/>
+          <c:tx>
+            <c:v>Bobina 1 + Bobina 2</c:v>
+          </c:tx>
+          <c:spPr>
+            <a:ln w="19050" cap="rnd">
+              <a:solidFill>
+                <a:schemeClr val="accent1"/>
+              </a:solidFill>
+              <a:round/>
+            </a:ln>
+            <a:effectLst/>
+          </c:spPr>
+          <c:xVal>
+            <c:numRef>
+              <c:f>Folha1!$L$8:$L$48</c:f>
+              <c:numCache>
+                <c:formatCode>General</c:formatCode>
+                <c:ptCount val="41"/>
+                <c:pt idx="0">
+                  <c:v>0</c:v>
+                </c:pt>
+                <c:pt idx="1">
+                  <c:v>0.01</c:v>
+                </c:pt>
+                <c:pt idx="2">
+                  <c:v>0.02</c:v>
+                </c:pt>
+                <c:pt idx="3">
+                  <c:v>0.03</c:v>
+                </c:pt>
+                <c:pt idx="4">
+                  <c:v>0.04</c:v>
+                </c:pt>
+                <c:pt idx="5">
+                  <c:v>0.05</c:v>
+                </c:pt>
+                <c:pt idx="6">
+                  <c:v>0.06</c:v>
+                </c:pt>
+                <c:pt idx="7">
+                  <c:v>7.0000000000000007E-2</c:v>
+                </c:pt>
+                <c:pt idx="8">
+                  <c:v>0.08</c:v>
+                </c:pt>
+                <c:pt idx="9">
+                  <c:v>0.09</c:v>
+                </c:pt>
+                <c:pt idx="10">
+                  <c:v>0.1</c:v>
+                </c:pt>
+                <c:pt idx="11">
+                  <c:v>0.11</c:v>
+                </c:pt>
+                <c:pt idx="12">
+                  <c:v>0.12</c:v>
+                </c:pt>
+                <c:pt idx="13">
+                  <c:v>0.13</c:v>
+                </c:pt>
+                <c:pt idx="14">
+                  <c:v>0.14000000000000001</c:v>
+                </c:pt>
+                <c:pt idx="15">
+                  <c:v>0.15</c:v>
+                </c:pt>
+                <c:pt idx="16">
+                  <c:v>0.16</c:v>
+                </c:pt>
+                <c:pt idx="17">
+                  <c:v>0.17</c:v>
+                </c:pt>
+                <c:pt idx="18">
+                  <c:v>0.18</c:v>
+                </c:pt>
+                <c:pt idx="19">
+                  <c:v>0.19</c:v>
+                </c:pt>
+                <c:pt idx="20">
+                  <c:v>0.2</c:v>
+                </c:pt>
+                <c:pt idx="21">
+                  <c:v>0.21</c:v>
+                </c:pt>
+                <c:pt idx="22">
+                  <c:v>0.22</c:v>
+                </c:pt>
+                <c:pt idx="23">
+                  <c:v>0.23</c:v>
+                </c:pt>
+                <c:pt idx="24">
+                  <c:v>0.24</c:v>
+                </c:pt>
+                <c:pt idx="25">
+                  <c:v>0.25</c:v>
+                </c:pt>
+                <c:pt idx="26">
+                  <c:v>0.26</c:v>
+                </c:pt>
+                <c:pt idx="27">
+                  <c:v>0.27</c:v>
+                </c:pt>
+                <c:pt idx="28">
+                  <c:v>0.28000000000000003</c:v>
+                </c:pt>
+                <c:pt idx="29">
+                  <c:v>0.28999999999999998</c:v>
+                </c:pt>
+                <c:pt idx="30">
+                  <c:v>0.3</c:v>
+                </c:pt>
+                <c:pt idx="31">
+                  <c:v>0.31</c:v>
+                </c:pt>
+                <c:pt idx="32">
+                  <c:v>0.32</c:v>
+                </c:pt>
+                <c:pt idx="33">
+                  <c:v>0.33</c:v>
+                </c:pt>
+                <c:pt idx="34">
+                  <c:v>0.34</c:v>
+                </c:pt>
+                <c:pt idx="35">
+                  <c:v>0.35</c:v>
+                </c:pt>
+                <c:pt idx="36">
+                  <c:v>0.36</c:v>
+                </c:pt>
+                <c:pt idx="37">
+                  <c:v>0.37</c:v>
+                </c:pt>
+                <c:pt idx="38">
+                  <c:v>0.38</c:v>
+                </c:pt>
+                <c:pt idx="39">
+                  <c:v>0.39</c:v>
+                </c:pt>
+                <c:pt idx="40">
+                  <c:v>0.4</c:v>
+                </c:pt>
+              </c:numCache>
+            </c:numRef>
+          </c:xVal>
+          <c:yVal>
+            <c:numRef>
+              <c:f>Folha1!$Q$8:$Q$48</c:f>
+              <c:numCache>
+                <c:formatCode>General</c:formatCode>
+                <c:ptCount val="41"/>
+                <c:pt idx="0">
+                  <c:v>7.9000000000000008E-3</c:v>
+                </c:pt>
+                <c:pt idx="1">
+                  <c:v>7.9000000000000008E-3</c:v>
+                </c:pt>
+                <c:pt idx="2">
+                  <c:v>8.199999999999999E-3</c:v>
+                </c:pt>
+                <c:pt idx="3">
+                  <c:v>8.0999999999999996E-3</c:v>
+                </c:pt>
+                <c:pt idx="4">
+                  <c:v>8.0999999999999996E-3</c:v>
+                </c:pt>
+                <c:pt idx="5">
+                  <c:v>8.0999999999999996E-3</c:v>
+                </c:pt>
+                <c:pt idx="6">
+                  <c:v>8.199999999999999E-3</c:v>
+                </c:pt>
+                <c:pt idx="7">
+                  <c:v>8.199999999999999E-3</c:v>
+                </c:pt>
+                <c:pt idx="8">
+                  <c:v>8.3000000000000001E-3</c:v>
+                </c:pt>
+                <c:pt idx="9">
+                  <c:v>8.3999999999999977E-3</c:v>
+                </c:pt>
+                <c:pt idx="10">
+                  <c:v>8.5000000000000006E-3</c:v>
+                </c:pt>
+                <c:pt idx="11">
+                  <c:v>8.8999999999999982E-3</c:v>
+                </c:pt>
+                <c:pt idx="12">
+                  <c:v>8.8000000000000005E-3</c:v>
+                </c:pt>
+                <c:pt idx="13">
+                  <c:v>9.1999999999999998E-3</c:v>
+                </c:pt>
+                <c:pt idx="14">
+                  <c:v>9.3999999999999986E-3</c:v>
+                </c:pt>
+                <c:pt idx="15">
+                  <c:v>9.6999999999999986E-3</c:v>
+                </c:pt>
+                <c:pt idx="16">
+                  <c:v>1.0199999999999999E-2</c:v>
+                </c:pt>
+                <c:pt idx="17">
+                  <c:v>1.06E-2</c:v>
+                </c:pt>
+                <c:pt idx="18">
+                  <c:v>1.1599999999999999E-2</c:v>
+                </c:pt>
+                <c:pt idx="19">
+                  <c:v>1.23E-2</c:v>
+                </c:pt>
+                <c:pt idx="20">
+                  <c:v>1.3599999999999999E-2</c:v>
+                </c:pt>
+                <c:pt idx="21">
+                  <c:v>1.52E-2</c:v>
+                </c:pt>
+                <c:pt idx="22">
+                  <c:v>1.7500000000000002E-2</c:v>
+                </c:pt>
+                <c:pt idx="23">
+                  <c:v>2.1000000000000001E-2</c:v>
+                </c:pt>
+                <c:pt idx="24">
+                  <c:v>2.5899999999999999E-2</c:v>
+                </c:pt>
+                <c:pt idx="25">
+                  <c:v>3.2600000000000004E-2</c:v>
+                </c:pt>
+                <c:pt idx="26">
+                  <c:v>4.1599999999999998E-2</c:v>
+                </c:pt>
+                <c:pt idx="27">
+                  <c:v>5.4200000000000005E-2</c:v>
+                </c:pt>
+                <c:pt idx="28">
+                  <c:v>6.7000000000000004E-2</c:v>
+                </c:pt>
+                <c:pt idx="29">
+                  <c:v>7.6499999999999999E-2</c:v>
+                </c:pt>
+                <c:pt idx="30">
+                  <c:v>7.8799999999999995E-2</c:v>
+                </c:pt>
+                <c:pt idx="31">
+                  <c:v>7.740000000000001E-2</c:v>
+                </c:pt>
+                <c:pt idx="32">
+                  <c:v>7.6200000000000004E-2</c:v>
+                </c:pt>
+                <c:pt idx="33">
+                  <c:v>7.7900000000000011E-2</c:v>
+                </c:pt>
+                <c:pt idx="34">
+                  <c:v>7.5800000000000006E-2</c:v>
+                </c:pt>
+                <c:pt idx="35">
+                  <c:v>6.5700000000000008E-2</c:v>
+                </c:pt>
+                <c:pt idx="36">
+                  <c:v>4.99E-2</c:v>
+                </c:pt>
+                <c:pt idx="37">
+                  <c:v>3.7600000000000001E-2</c:v>
+                </c:pt>
+                <c:pt idx="38">
+                  <c:v>2.9000000000000001E-2</c:v>
+                </c:pt>
+                <c:pt idx="39">
+                  <c:v>2.29E-2</c:v>
+                </c:pt>
+                <c:pt idx="40">
+                  <c:v>1.9E-2</c:v>
+                </c:pt>
+              </c:numCache>
+            </c:numRef>
+          </c:yVal>
+          <c:smooth val="0"/>
+          <c:extLst>
+            <c:ext xmlns:c16="http://schemas.microsoft.com/office/drawing/2014/chart" uri="{C3380CC4-5D6E-409C-BE32-E72D297353CC}">
+              <c16:uniqueId val="{00000002-242D-4FBC-ACF8-A27C88F08C75}"/>
+            </c:ext>
+          </c:extLst>
+        </c:ser>
+        <c:ser>
+          <c:idx val="0"/>
+          <c:order val="3"/>
+          <c:tx>
+            <c:v>Bobinas em série</c:v>
+          </c:tx>
+          <c:spPr>
+            <a:ln w="19050" cap="rnd">
+              <a:solidFill>
+                <a:schemeClr val="accent1"/>
+              </a:solidFill>
+              <a:round/>
+            </a:ln>
+            <a:effectLst/>
+          </c:spPr>
+          <c:marker>
+            <c:symbol val="circle"/>
+            <c:size val="5"/>
+            <c:spPr>
+              <a:solidFill>
+                <a:schemeClr val="accent1"/>
+              </a:solidFill>
+              <a:ln w="9525">
+                <a:solidFill>
+                  <a:schemeClr val="accent1"/>
+                </a:solidFill>
+              </a:ln>
+              <a:effectLst/>
+            </c:spPr>
+          </c:marker>
+          <c:xVal>
+            <c:numRef>
+              <c:f>Folha1!$L$8:$L$48</c:f>
+              <c:numCache>
+                <c:formatCode>General</c:formatCode>
+                <c:ptCount val="41"/>
+                <c:pt idx="0">
+                  <c:v>0</c:v>
+                </c:pt>
+                <c:pt idx="1">
+                  <c:v>0.01</c:v>
+                </c:pt>
+                <c:pt idx="2">
+                  <c:v>0.02</c:v>
+                </c:pt>
+                <c:pt idx="3">
+                  <c:v>0.03</c:v>
+                </c:pt>
+                <c:pt idx="4">
+                  <c:v>0.04</c:v>
+                </c:pt>
+                <c:pt idx="5">
+                  <c:v>0.05</c:v>
+                </c:pt>
+                <c:pt idx="6">
+                  <c:v>0.06</c:v>
+                </c:pt>
+                <c:pt idx="7">
+                  <c:v>7.0000000000000007E-2</c:v>
+                </c:pt>
+                <c:pt idx="8">
+                  <c:v>0.08</c:v>
+                </c:pt>
+                <c:pt idx="9">
+                  <c:v>0.09</c:v>
+                </c:pt>
+                <c:pt idx="10">
+                  <c:v>0.1</c:v>
+                </c:pt>
+                <c:pt idx="11">
+                  <c:v>0.11</c:v>
+                </c:pt>
+                <c:pt idx="12">
+                  <c:v>0.12</c:v>
+                </c:pt>
+                <c:pt idx="13">
+                  <c:v>0.13</c:v>
+                </c:pt>
+                <c:pt idx="14">
+                  <c:v>0.14000000000000001</c:v>
+                </c:pt>
+                <c:pt idx="15">
+                  <c:v>0.15</c:v>
+                </c:pt>
+                <c:pt idx="16">
+                  <c:v>0.16</c:v>
+                </c:pt>
+                <c:pt idx="17">
+                  <c:v>0.17</c:v>
+                </c:pt>
+                <c:pt idx="18">
+                  <c:v>0.18</c:v>
+                </c:pt>
+                <c:pt idx="19">
+                  <c:v>0.19</c:v>
+                </c:pt>
+                <c:pt idx="20">
+                  <c:v>0.2</c:v>
+                </c:pt>
+                <c:pt idx="21">
+                  <c:v>0.21</c:v>
+                </c:pt>
+                <c:pt idx="22">
+                  <c:v>0.22</c:v>
+                </c:pt>
+                <c:pt idx="23">
+                  <c:v>0.23</c:v>
+                </c:pt>
+                <c:pt idx="24">
+                  <c:v>0.24</c:v>
+                </c:pt>
+                <c:pt idx="25">
+                  <c:v>0.25</c:v>
+                </c:pt>
+                <c:pt idx="26">
+                  <c:v>0.26</c:v>
+                </c:pt>
+                <c:pt idx="27">
+                  <c:v>0.27</c:v>
+                </c:pt>
+                <c:pt idx="28">
+                  <c:v>0.28000000000000003</c:v>
+                </c:pt>
+                <c:pt idx="29">
+                  <c:v>0.28999999999999998</c:v>
+                </c:pt>
+                <c:pt idx="30">
+                  <c:v>0.3</c:v>
+                </c:pt>
+                <c:pt idx="31">
+                  <c:v>0.31</c:v>
+                </c:pt>
+                <c:pt idx="32">
+                  <c:v>0.32</c:v>
+                </c:pt>
+                <c:pt idx="33">
+                  <c:v>0.33</c:v>
+                </c:pt>
+                <c:pt idx="34">
+                  <c:v>0.34</c:v>
+                </c:pt>
+                <c:pt idx="35">
+                  <c:v>0.35</c:v>
+                </c:pt>
+                <c:pt idx="36">
+                  <c:v>0.36</c:v>
+                </c:pt>
+                <c:pt idx="37">
+                  <c:v>0.37</c:v>
+                </c:pt>
+                <c:pt idx="38">
+                  <c:v>0.38</c:v>
+                </c:pt>
+                <c:pt idx="39">
+                  <c:v>0.39</c:v>
+                </c:pt>
+                <c:pt idx="40">
+                  <c:v>0.4</c:v>
+                </c:pt>
+              </c:numCache>
+            </c:numRef>
+          </c:xVal>
+          <c:yVal>
+            <c:numRef>
+              <c:f>Folha1!$O$8:$O$48</c:f>
+              <c:numCache>
+                <c:formatCode>General</c:formatCode>
+                <c:ptCount val="41"/>
+                <c:pt idx="0">
+                  <c:v>4.5999999999999999E-3</c:v>
+                </c:pt>
+                <c:pt idx="1">
+                  <c:v>4.5999999999999999E-3</c:v>
+                </c:pt>
+                <c:pt idx="2">
+                  <c:v>4.9000000000000007E-3</c:v>
+                </c:pt>
+                <c:pt idx="3">
+                  <c:v>4.9000000000000007E-3</c:v>
+                </c:pt>
+                <c:pt idx="4">
+                  <c:v>5.0000000000000001E-3</c:v>
+                </c:pt>
+                <c:pt idx="5">
+                  <c:v>5.0000000000000001E-3</c:v>
+                </c:pt>
+                <c:pt idx="6">
+                  <c:v>5.0999999999999995E-3</c:v>
+                </c:pt>
+                <c:pt idx="7">
+                  <c:v>5.0999999999999995E-3</c:v>
+                </c:pt>
+                <c:pt idx="8">
+                  <c:v>5.1999999999999998E-3</c:v>
+                </c:pt>
+                <c:pt idx="9">
+                  <c:v>5.3E-3</c:v>
+                </c:pt>
+                <c:pt idx="10">
+                  <c:v>5.4999999999999997E-3</c:v>
+                </c:pt>
+                <c:pt idx="11">
+                  <c:v>5.5999999999999999E-3</c:v>
+                </c:pt>
+                <c:pt idx="12">
+                  <c:v>5.7999999999999996E-3</c:v>
+                </c:pt>
+                <c:pt idx="13">
+                  <c:v>6.0999999999999995E-3</c:v>
+                </c:pt>
+                <c:pt idx="14">
+                  <c:v>6.3E-3</c:v>
+                </c:pt>
+                <c:pt idx="15">
+                  <c:v>6.7999999999999996E-3</c:v>
+                </c:pt>
+                <c:pt idx="16">
+                  <c:v>7.3000000000000001E-3</c:v>
+                </c:pt>
+                <c:pt idx="17">
+                  <c:v>7.7999999999999996E-3</c:v>
+                </c:pt>
+                <c:pt idx="18">
+                  <c:v>8.8000000000000005E-3</c:v>
+                </c:pt>
+                <c:pt idx="19">
+                  <c:v>9.9000000000000008E-3</c:v>
+                </c:pt>
+                <c:pt idx="20">
+                  <c:v>1.15E-2</c:v>
+                </c:pt>
+                <c:pt idx="21">
+                  <c:v>1.3800000000000002E-2</c:v>
+                </c:pt>
+                <c:pt idx="22">
+                  <c:v>1.7000000000000001E-2</c:v>
+                </c:pt>
+                <c:pt idx="23">
+                  <c:v>2.23E-2</c:v>
+                </c:pt>
+                <c:pt idx="24">
+                  <c:v>2.8399999999999998E-2</c:v>
+                </c:pt>
+                <c:pt idx="25">
+                  <c:v>3.78E-2</c:v>
+                </c:pt>
+                <c:pt idx="26">
+                  <c:v>4.9299999999999997E-2</c:v>
+                </c:pt>
+                <c:pt idx="27">
+                  <c:v>0.06</c:v>
+                </c:pt>
+                <c:pt idx="28">
+                  <c:v>6.5500000000000003E-2</c:v>
+                </c:pt>
+                <c:pt idx="29">
+                  <c:v>6.5200000000000008E-2</c:v>
+                </c:pt>
+                <c:pt idx="30">
+                  <c:v>6.0999999999999999E-2</c:v>
+                </c:pt>
+                <c:pt idx="31">
+                  <c:v>5.8700000000000002E-2</c:v>
+                </c:pt>
+                <c:pt idx="32">
+                  <c:v>6.0700000000000004E-2</c:v>
+                </c:pt>
+                <c:pt idx="33">
+                  <c:v>6.6200000000000009E-2</c:v>
+                </c:pt>
+                <c:pt idx="34">
+                  <c:v>6.9699999999999998E-2</c:v>
+                </c:pt>
+                <c:pt idx="35">
+                  <c:v>5.9299999999999999E-2</c:v>
+                </c:pt>
+                <c:pt idx="36">
+                  <c:v>4.4299999999999999E-2</c:v>
+                </c:pt>
+                <c:pt idx="37">
+                  <c:v>3.1100000000000003E-2</c:v>
+                </c:pt>
+                <c:pt idx="38">
+                  <c:v>2.2600000000000002E-2</c:v>
+                </c:pt>
+                <c:pt idx="39">
+                  <c:v>1.7299999999999999E-2</c:v>
+                </c:pt>
+                <c:pt idx="40">
+                  <c:v>1.3599999999999999E-2</c:v>
+                </c:pt>
+              </c:numCache>
+            </c:numRef>
+          </c:yVal>
+          <c:smooth val="0"/>
+          <c:extLst>
+            <c:ext xmlns:c16="http://schemas.microsoft.com/office/drawing/2014/chart" uri="{C3380CC4-5D6E-409C-BE32-E72D297353CC}">
+              <c16:uniqueId val="{00000003-242D-4FBC-ACF8-A27C88F08C75}"/>
+            </c:ext>
+          </c:extLst>
+        </c:ser>
+        <c:dLbls>
+          <c:showLegendKey val="0"/>
+          <c:showVal val="0"/>
+          <c:showCatName val="0"/>
+          <c:showSerName val="0"/>
+          <c:showPercent val="0"/>
+          <c:showBubbleSize val="0"/>
+        </c:dLbls>
+        <c:axId val="1310237040"/>
+        <c:axId val="1310235792"/>
+      </c:scatterChart>
+      <c:valAx>
+        <c:axId val="1310237040"/>
+        <c:scaling>
+          <c:orientation val="minMax"/>
+        </c:scaling>
+        <c:delete val="0"/>
+        <c:axPos val="b"/>
+        <c:majorGridlines>
+          <c:spPr>
+            <a:ln w="9525" cap="flat" cmpd="sng" algn="ctr">
+              <a:solidFill>
+                <a:schemeClr val="tx1">
+                  <a:lumMod val="15000"/>
+                  <a:lumOff val="85000"/>
+                </a:schemeClr>
+              </a:solidFill>
+              <a:round/>
+            </a:ln>
+            <a:effectLst/>
+          </c:spPr>
+        </c:majorGridlines>
+        <c:title>
+          <c:tx>
+            <c:rich>
+              <a:bodyPr/>
+              <a:lstStyle/>
+              <a:p>
+                <a:pPr>
+                  <a:defRPr/>
+                </a:pPr>
+                <a:r>
+                  <a:rPr lang="pt-PT" dirty="0"/>
+                  <a:t>Distância</a:t>
+                </a:r>
+                <a:r>
+                  <a:rPr lang="pt-PT" baseline="0" dirty="0"/>
+                  <a:t> (m)</a:t>
+                </a:r>
+                <a:endParaRPr lang="pt-PT" dirty="0"/>
+              </a:p>
+            </c:rich>
+          </c:tx>
+          <c:overlay val="0"/>
+        </c:title>
+        <c:numFmt formatCode="General" sourceLinked="1"/>
+        <c:majorTickMark val="none"/>
+        <c:minorTickMark val="none"/>
+        <c:tickLblPos val="nextTo"/>
+        <c:spPr>
+          <a:noFill/>
+          <a:ln w="9525" cap="flat" cmpd="sng" algn="ctr">
+            <a:solidFill>
+              <a:schemeClr val="tx1">
+                <a:lumMod val="25000"/>
+                <a:lumOff val="75000"/>
+              </a:schemeClr>
+            </a:solidFill>
+            <a:round/>
+          </a:ln>
+          <a:effectLst/>
+        </c:spPr>
+        <c:txPr>
+          <a:bodyPr rot="-60000000" spcFirstLastPara="1" vertOverflow="ellipsis" vert="horz" wrap="square" anchor="ctr" anchorCtr="1"/>
+          <a:lstStyle/>
+          <a:p>
+            <a:pPr>
+              <a:defRPr lang="en-US" sz="1400" b="0" i="0" u="none" strike="noStrike" kern="1200" spc="0" baseline="0">
+                <a:solidFill>
+                  <a:sysClr val="windowText" lastClr="000000">
+                    <a:lumMod val="65000"/>
+                    <a:lumOff val="35000"/>
+                  </a:sysClr>
+                </a:solidFill>
+                <a:effectLst/>
+                <a:latin typeface="+mn-lt"/>
+                <a:ea typeface="+mn-ea"/>
+                <a:cs typeface="+mn-cs"/>
+              </a:defRPr>
+            </a:pPr>
+            <a:endParaRPr lang="pt-PT"/>
+          </a:p>
+        </c:txPr>
+        <c:crossAx val="1310235792"/>
+        <c:crosses val="autoZero"/>
+        <c:crossBetween val="midCat"/>
+      </c:valAx>
+      <c:valAx>
+        <c:axId val="1310235792"/>
+        <c:scaling>
+          <c:orientation val="minMax"/>
+        </c:scaling>
+        <c:delete val="0"/>
+        <c:axPos val="l"/>
+        <c:majorGridlines>
+          <c:spPr>
+            <a:ln w="9525" cap="flat" cmpd="sng" algn="ctr">
+              <a:solidFill>
+                <a:schemeClr val="tx1">
+                  <a:lumMod val="15000"/>
+                  <a:lumOff val="85000"/>
+                </a:schemeClr>
+              </a:solidFill>
+              <a:round/>
+            </a:ln>
+            <a:effectLst/>
+          </c:spPr>
+        </c:majorGridlines>
+        <c:title>
+          <c:tx>
+            <c:rich>
+              <a:bodyPr/>
+              <a:lstStyle/>
+              <a:p>
+                <a:pPr>
+                  <a:defRPr/>
+                </a:pPr>
+                <a:r>
+                  <a:rPr lang="pt-PT" dirty="0"/>
+                  <a:t>Tensão</a:t>
+                </a:r>
+                <a:r>
+                  <a:rPr lang="pt-PT" baseline="0" dirty="0"/>
+                  <a:t> (V)</a:t>
+                </a:r>
+                <a:endParaRPr lang="pt-PT" dirty="0"/>
+              </a:p>
+            </c:rich>
+          </c:tx>
+          <c:overlay val="0"/>
+        </c:title>
+        <c:numFmt formatCode="General" sourceLinked="1"/>
+        <c:majorTickMark val="none"/>
+        <c:minorTickMark val="none"/>
+        <c:tickLblPos val="nextTo"/>
+        <c:spPr>
+          <a:noFill/>
+          <a:ln w="9525" cap="flat" cmpd="sng" algn="ctr">
+            <a:solidFill>
+              <a:schemeClr val="tx1">
+                <a:lumMod val="25000"/>
+                <a:lumOff val="75000"/>
+              </a:schemeClr>
+            </a:solidFill>
+            <a:round/>
+          </a:ln>
+          <a:effectLst/>
+        </c:spPr>
+        <c:txPr>
+          <a:bodyPr rot="-60000000" spcFirstLastPara="1" vertOverflow="ellipsis" vert="horz" wrap="square" anchor="ctr" anchorCtr="1"/>
+          <a:lstStyle/>
+          <a:p>
+            <a:pPr>
+              <a:defRPr lang="en-US" sz="1400" b="0" i="0" u="none" strike="noStrike" kern="1200" spc="0" baseline="0">
+                <a:solidFill>
+                  <a:sysClr val="windowText" lastClr="000000">
+                    <a:lumMod val="65000"/>
+                    <a:lumOff val="35000"/>
+                  </a:sysClr>
+                </a:solidFill>
+                <a:effectLst/>
+                <a:latin typeface="+mn-lt"/>
+                <a:ea typeface="+mn-ea"/>
+                <a:cs typeface="+mn-cs"/>
+              </a:defRPr>
+            </a:pPr>
+            <a:endParaRPr lang="pt-PT"/>
+          </a:p>
+        </c:txPr>
+        <c:crossAx val="1310237040"/>
+        <c:crosses val="autoZero"/>
+        <c:crossBetween val="midCat"/>
+      </c:valAx>
+    </c:plotArea>
+    <c:legend>
+      <c:legendPos val="r"/>
+      <c:overlay val="0"/>
+    </c:legend>
+    <c:plotVisOnly val="1"/>
+    <c:dispBlanksAs val="gap"/>
+    <c:showDLblsOverMax val="0"/>
+  </c:chart>
+  <c:txPr>
+    <a:bodyPr/>
+    <a:lstStyle/>
+    <a:p>
+      <a:pPr>
+        <a:defRPr lang="en-US" sz="1400" b="0" i="0" u="none" strike="noStrike" kern="1200" spc="0" baseline="0">
+          <a:solidFill>
+            <a:sysClr val="windowText" lastClr="000000">
+              <a:lumMod val="65000"/>
+              <a:lumOff val="35000"/>
+            </a:sysClr>
+          </a:solidFill>
+          <a:effectLst/>
+          <a:latin typeface="+mn-lt"/>
+          <a:ea typeface="+mn-ea"/>
+          <a:cs typeface="+mn-cs"/>
+        </a:defRPr>
+      </a:pPr>
+      <a:endParaRPr lang="pt-PT"/>
+    </a:p>
+  </c:txPr>
+  <c:externalData r:id="rId1">
+    <c:autoUpdate val="0"/>
+  </c:externalData>
+</c:chartSpace>
+</file>
+
+<file path=ppt/charts/chart2.xml><?xml version="1.0" encoding="utf-8"?>
+<c:chartSpace xmlns:c="http://schemas.openxmlformats.org/drawingml/2006/chart" xmlns:a="http://schemas.openxmlformats.org/drawingml/2006/main" xmlns:r="http://schemas.openxmlformats.org/officeDocument/2006/relationships" xmlns:c16r2="http://schemas.microsoft.com/office/drawing/2015/06/chart">
+  <c:date1904 val="0"/>
+  <c:lang val="pt-PT"/>
+  <c:roundedCorners val="0"/>
+  <mc:AlternateContent xmlns:mc="http://schemas.openxmlformats.org/markup-compatibility/2006">
+    <mc:Choice xmlns:c14="http://schemas.microsoft.com/office/drawing/2007/8/2/chart" Requires="c14">
+      <c14:style val="102"/>
+    </mc:Choice>
+    <mc:Fallback>
+      <c:style val="2"/>
+    </mc:Fallback>
+  </mc:AlternateContent>
+  <c:chart>
+    <c:title>
+      <c:tx>
+        <c:rich>
+          <a:bodyPr rot="0" spcFirstLastPara="1" vertOverflow="ellipsis" vert="horz" wrap="square" anchor="ctr" anchorCtr="1"/>
+          <a:lstStyle/>
+          <a:p>
+            <a:pPr>
+              <a:defRPr sz="1400" b="0" i="0" u="none" strike="noStrike" kern="1200" spc="0" baseline="0">
+                <a:solidFill>
+                  <a:schemeClr val="tx1">
+                    <a:lumMod val="65000"/>
+                    <a:lumOff val="35000"/>
+                  </a:schemeClr>
+                </a:solidFill>
+                <a:latin typeface="+mn-lt"/>
+                <a:ea typeface="+mn-ea"/>
+                <a:cs typeface="+mn-cs"/>
+              </a:defRPr>
+            </a:pPr>
+            <a:r>
+              <a:rPr lang="pt-PT"/>
+              <a:t>B1</a:t>
+            </a:r>
+            <a:r>
+              <a:rPr lang="pt-PT" baseline="0"/>
+              <a:t> em função da distância</a:t>
+            </a:r>
+            <a:endParaRPr lang="pt-PT"/>
+          </a:p>
+        </c:rich>
+      </c:tx>
+      <c:overlay val="0"/>
+      <c:spPr>
+        <a:noFill/>
+        <a:ln>
+          <a:noFill/>
+        </a:ln>
+        <a:effectLst/>
+      </c:spPr>
+    </c:title>
+    <c:autoTitleDeleted val="0"/>
+    <c:plotArea>
+      <c:layout/>
+      <c:scatterChart>
+        <c:scatterStyle val="lineMarker"/>
+        <c:varyColors val="0"/>
+        <c:ser>
+          <c:idx val="2"/>
+          <c:order val="0"/>
+          <c:tx>
+            <c:v>Bobinas em série</c:v>
+          </c:tx>
+          <c:xVal>
+            <c:numRef>
+              <c:f>Folha1!$B$8:$B$48</c:f>
+              <c:numCache>
+                <c:formatCode>General</c:formatCode>
+                <c:ptCount val="41"/>
+                <c:pt idx="0">
+                  <c:v>0</c:v>
+                </c:pt>
+                <c:pt idx="1">
+                  <c:v>0.01</c:v>
+                </c:pt>
+                <c:pt idx="2">
+                  <c:v>0.02</c:v>
+                </c:pt>
+                <c:pt idx="3">
+                  <c:v>0.03</c:v>
+                </c:pt>
+                <c:pt idx="4">
+                  <c:v>0.04</c:v>
+                </c:pt>
+                <c:pt idx="5">
+                  <c:v>0.05</c:v>
+                </c:pt>
+                <c:pt idx="6">
+                  <c:v>0.06</c:v>
+                </c:pt>
+                <c:pt idx="7">
+                  <c:v>7.0000000000000007E-2</c:v>
+                </c:pt>
+                <c:pt idx="8">
+                  <c:v>0.08</c:v>
+                </c:pt>
+                <c:pt idx="9">
+                  <c:v>0.09</c:v>
+                </c:pt>
+                <c:pt idx="10">
+                  <c:v>0.1</c:v>
+                </c:pt>
+                <c:pt idx="11">
+                  <c:v>0.11</c:v>
+                </c:pt>
+                <c:pt idx="12">
+                  <c:v>0.12</c:v>
+                </c:pt>
+                <c:pt idx="13">
+                  <c:v>0.13</c:v>
+                </c:pt>
+                <c:pt idx="14">
+                  <c:v>0.14000000000000001</c:v>
+                </c:pt>
+                <c:pt idx="15">
+                  <c:v>0.15</c:v>
+                </c:pt>
+                <c:pt idx="16">
+                  <c:v>0.16</c:v>
+                </c:pt>
+                <c:pt idx="17">
+                  <c:v>0.17</c:v>
+                </c:pt>
+                <c:pt idx="18">
+                  <c:v>0.18</c:v>
+                </c:pt>
+                <c:pt idx="19">
+                  <c:v>0.19</c:v>
+                </c:pt>
+                <c:pt idx="20">
+                  <c:v>0.2</c:v>
+                </c:pt>
+                <c:pt idx="21">
+                  <c:v>0.21</c:v>
+                </c:pt>
+                <c:pt idx="22">
+                  <c:v>0.22</c:v>
+                </c:pt>
+                <c:pt idx="23">
+                  <c:v>0.23</c:v>
+                </c:pt>
+                <c:pt idx="24">
+                  <c:v>0.24</c:v>
+                </c:pt>
+                <c:pt idx="25">
+                  <c:v>0.25</c:v>
+                </c:pt>
+                <c:pt idx="26">
+                  <c:v>0.26</c:v>
+                </c:pt>
+                <c:pt idx="27">
+                  <c:v>0.27</c:v>
+                </c:pt>
+                <c:pt idx="28">
+                  <c:v>0.28000000000000003</c:v>
+                </c:pt>
+                <c:pt idx="29">
+                  <c:v>0.28999999999999998</c:v>
+                </c:pt>
+                <c:pt idx="30">
+                  <c:v>0.3</c:v>
+                </c:pt>
+                <c:pt idx="31">
+                  <c:v>0.31</c:v>
+                </c:pt>
+                <c:pt idx="32">
+                  <c:v>0.32</c:v>
+                </c:pt>
+                <c:pt idx="33">
+                  <c:v>0.33</c:v>
+                </c:pt>
+                <c:pt idx="34">
+                  <c:v>0.34</c:v>
+                </c:pt>
+                <c:pt idx="35">
+                  <c:v>0.35</c:v>
+                </c:pt>
+                <c:pt idx="36">
+                  <c:v>0.36</c:v>
+                </c:pt>
+                <c:pt idx="37">
+                  <c:v>0.37</c:v>
+                </c:pt>
+                <c:pt idx="38">
+                  <c:v>0.38</c:v>
+                </c:pt>
+                <c:pt idx="39">
+                  <c:v>0.39</c:v>
+                </c:pt>
+                <c:pt idx="40">
+                  <c:v>0.4</c:v>
+                </c:pt>
+              </c:numCache>
+            </c:numRef>
+          </c:xVal>
+          <c:yVal>
+            <c:numRef>
+              <c:f>Folha1!$N$8:$N$48</c:f>
+              <c:numCache>
+                <c:formatCode>General</c:formatCode>
+                <c:ptCount val="41"/>
+                <c:pt idx="0">
+                  <c:v>1.4618779388187787E-4</c:v>
+                </c:pt>
+                <c:pt idx="1">
+                  <c:v>1.4618779388187787E-4</c:v>
+                </c:pt>
+                <c:pt idx="2">
+                  <c:v>1.5572178043939166E-4</c:v>
+                </c:pt>
+                <c:pt idx="3">
+                  <c:v>1.5572178043939166E-4</c:v>
+                </c:pt>
+                <c:pt idx="4">
+                  <c:v>1.5889977595856292E-4</c:v>
+                </c:pt>
+                <c:pt idx="5">
+                  <c:v>1.5889977595856292E-4</c:v>
+                </c:pt>
+                <c:pt idx="6">
+                  <c:v>1.6207777147773415E-4</c:v>
+                </c:pt>
+                <c:pt idx="7">
+                  <c:v>1.6207777147773415E-4</c:v>
+                </c:pt>
+                <c:pt idx="8">
+                  <c:v>1.6525576699690544E-4</c:v>
+                </c:pt>
+                <c:pt idx="9">
+                  <c:v>1.6843376251607668E-4</c:v>
+                </c:pt>
+                <c:pt idx="10">
+                  <c:v>1.747897535544192E-4</c:v>
+                </c:pt>
+                <c:pt idx="11">
+                  <c:v>1.7796774907359044E-4</c:v>
+                </c:pt>
+                <c:pt idx="12">
+                  <c:v>1.8432374011193297E-4</c:v>
+                </c:pt>
+                <c:pt idx="13">
+                  <c:v>1.9385772666944673E-4</c:v>
+                </c:pt>
+                <c:pt idx="14">
+                  <c:v>2.0021371770778925E-4</c:v>
+                </c:pt>
+                <c:pt idx="15">
+                  <c:v>2.1610369530364554E-4</c:v>
+                </c:pt>
+                <c:pt idx="16">
+                  <c:v>2.3199367289950185E-4</c:v>
+                </c:pt>
+                <c:pt idx="17">
+                  <c:v>2.4788365049535811E-4</c:v>
+                </c:pt>
+                <c:pt idx="18">
+                  <c:v>2.7966360568707079E-4</c:v>
+                </c:pt>
+                <c:pt idx="19">
+                  <c:v>3.1462155639795457E-4</c:v>
+                </c:pt>
+                <c:pt idx="20">
+                  <c:v>3.6546948470469472E-4</c:v>
+                </c:pt>
+                <c:pt idx="21">
+                  <c:v>4.3856338164563366E-4</c:v>
+                </c:pt>
+                <c:pt idx="22">
+                  <c:v>5.402592382591139E-4</c:v>
+                </c:pt>
+                <c:pt idx="23">
+                  <c:v>7.0869300077519061E-4</c:v>
+                </c:pt>
+                <c:pt idx="24">
+                  <c:v>9.0255072744463731E-4</c:v>
+                </c:pt>
+                <c:pt idx="25">
+                  <c:v>1.2012823062467356E-3</c:v>
+                </c:pt>
+                <c:pt idx="26">
+                  <c:v>1.5667517909514301E-3</c:v>
+                </c:pt>
+                <c:pt idx="27">
+                  <c:v>1.906797311502755E-3</c:v>
+                </c:pt>
+                <c:pt idx="28">
+                  <c:v>2.0815870650571743E-3</c:v>
+                </c:pt>
+                <c:pt idx="29">
+                  <c:v>2.0720530784996607E-3</c:v>
+                </c:pt>
+                <c:pt idx="30">
+                  <c:v>1.9385772666944674E-3</c:v>
+                </c:pt>
+                <c:pt idx="31">
+                  <c:v>1.8654833697535286E-3</c:v>
+                </c:pt>
+                <c:pt idx="32">
+                  <c:v>1.9290432801369539E-3</c:v>
+                </c:pt>
+                <c:pt idx="33">
+                  <c:v>2.1038330336913729E-3</c:v>
+                </c:pt>
+                <c:pt idx="34">
+                  <c:v>2.2150628768623673E-3</c:v>
+                </c:pt>
+                <c:pt idx="35">
+                  <c:v>1.8845513428685562E-3</c:v>
+                </c:pt>
+                <c:pt idx="36">
+                  <c:v>1.4078520149928672E-3</c:v>
+                </c:pt>
+                <c:pt idx="37">
+                  <c:v>9.883566064622614E-4</c:v>
+                </c:pt>
+                <c:pt idx="38">
+                  <c:v>7.182269873327044E-4</c:v>
+                </c:pt>
+                <c:pt idx="39">
+                  <c:v>5.4979322481662769E-4</c:v>
+                </c:pt>
+                <c:pt idx="40">
+                  <c:v>4.3220739060729108E-4</c:v>
+                </c:pt>
+              </c:numCache>
+            </c:numRef>
+          </c:yVal>
+          <c:smooth val="0"/>
+          <c:extLst>
+            <c:ext xmlns:c16="http://schemas.microsoft.com/office/drawing/2014/chart" uri="{C3380CC4-5D6E-409C-BE32-E72D297353CC}">
+              <c16:uniqueId val="{00000000-BC98-4B9A-B1DA-53DE60783A28}"/>
+            </c:ext>
+          </c:extLst>
+        </c:ser>
+        <c:ser>
+          <c:idx val="3"/>
+          <c:order val="1"/>
+          <c:tx>
+            <c:v>Bobina 1 + Bobina 2</c:v>
+          </c:tx>
+          <c:xVal>
+            <c:numRef>
+              <c:f>Folha1!$B$8:$B$48</c:f>
+              <c:numCache>
+                <c:formatCode>General</c:formatCode>
+                <c:ptCount val="41"/>
+                <c:pt idx="0">
+                  <c:v>0</c:v>
+                </c:pt>
+                <c:pt idx="1">
+                  <c:v>0.01</c:v>
+                </c:pt>
+                <c:pt idx="2">
+                  <c:v>0.02</c:v>
+                </c:pt>
+                <c:pt idx="3">
+                  <c:v>0.03</c:v>
+                </c:pt>
+                <c:pt idx="4">
+                  <c:v>0.04</c:v>
+                </c:pt>
+                <c:pt idx="5">
+                  <c:v>0.05</c:v>
+                </c:pt>
+                <c:pt idx="6">
+                  <c:v>0.06</c:v>
+                </c:pt>
+                <c:pt idx="7">
+                  <c:v>7.0000000000000007E-2</c:v>
+                </c:pt>
+                <c:pt idx="8">
+                  <c:v>0.08</c:v>
+                </c:pt>
+                <c:pt idx="9">
+                  <c:v>0.09</c:v>
+                </c:pt>
+                <c:pt idx="10">
+                  <c:v>0.1</c:v>
+                </c:pt>
+                <c:pt idx="11">
+                  <c:v>0.11</c:v>
+                </c:pt>
+                <c:pt idx="12">
+                  <c:v>0.12</c:v>
+                </c:pt>
+                <c:pt idx="13">
+                  <c:v>0.13</c:v>
+                </c:pt>
+                <c:pt idx="14">
+                  <c:v>0.14000000000000001</c:v>
+                </c:pt>
+                <c:pt idx="15">
+                  <c:v>0.15</c:v>
+                </c:pt>
+                <c:pt idx="16">
+                  <c:v>0.16</c:v>
+                </c:pt>
+                <c:pt idx="17">
+                  <c:v>0.17</c:v>
+                </c:pt>
+                <c:pt idx="18">
+                  <c:v>0.18</c:v>
+                </c:pt>
+                <c:pt idx="19">
+                  <c:v>0.19</c:v>
+                </c:pt>
+                <c:pt idx="20">
+                  <c:v>0.2</c:v>
+                </c:pt>
+                <c:pt idx="21">
+                  <c:v>0.21</c:v>
+                </c:pt>
+                <c:pt idx="22">
+                  <c:v>0.22</c:v>
+                </c:pt>
+                <c:pt idx="23">
+                  <c:v>0.23</c:v>
+                </c:pt>
+                <c:pt idx="24">
+                  <c:v>0.24</c:v>
+                </c:pt>
+                <c:pt idx="25">
+                  <c:v>0.25</c:v>
+                </c:pt>
+                <c:pt idx="26">
+                  <c:v>0.26</c:v>
+                </c:pt>
+                <c:pt idx="27">
+                  <c:v>0.27</c:v>
+                </c:pt>
+                <c:pt idx="28">
+                  <c:v>0.28000000000000003</c:v>
+                </c:pt>
+                <c:pt idx="29">
+                  <c:v>0.28999999999999998</c:v>
+                </c:pt>
+                <c:pt idx="30">
+                  <c:v>0.3</c:v>
+                </c:pt>
+                <c:pt idx="31">
+                  <c:v>0.31</c:v>
+                </c:pt>
+                <c:pt idx="32">
+                  <c:v>0.32</c:v>
+                </c:pt>
+                <c:pt idx="33">
+                  <c:v>0.33</c:v>
+                </c:pt>
+                <c:pt idx="34">
+                  <c:v>0.34</c:v>
+                </c:pt>
+                <c:pt idx="35">
+                  <c:v>0.35</c:v>
+                </c:pt>
+                <c:pt idx="36">
+                  <c:v>0.36</c:v>
+                </c:pt>
+                <c:pt idx="37">
+                  <c:v>0.37</c:v>
+                </c:pt>
+                <c:pt idx="38">
+                  <c:v>0.38</c:v>
+                </c:pt>
+                <c:pt idx="39">
+                  <c:v>0.39</c:v>
+                </c:pt>
+                <c:pt idx="40">
+                  <c:v>0.4</c:v>
+                </c:pt>
+              </c:numCache>
+            </c:numRef>
+          </c:xVal>
+          <c:yVal>
+            <c:numRef>
+              <c:f>Folha1!$T$8:$T$48</c:f>
+              <c:numCache>
+                <c:formatCode>General</c:formatCode>
+                <c:ptCount val="41"/>
+                <c:pt idx="0">
+                  <c:v>2.5106164601452943E-4</c:v>
+                </c:pt>
+                <c:pt idx="1">
+                  <c:v>2.5106164601452943E-4</c:v>
+                </c:pt>
+                <c:pt idx="2">
+                  <c:v>2.6059563257204316E-4</c:v>
+                </c:pt>
+                <c:pt idx="3">
+                  <c:v>2.574176370528719E-4</c:v>
+                </c:pt>
+                <c:pt idx="4">
+                  <c:v>2.574176370528719E-4</c:v>
+                </c:pt>
+                <c:pt idx="5">
+                  <c:v>2.574176370528719E-4</c:v>
+                </c:pt>
+                <c:pt idx="6">
+                  <c:v>2.6059563257204316E-4</c:v>
+                </c:pt>
+                <c:pt idx="7">
+                  <c:v>2.6059563257204316E-4</c:v>
+                </c:pt>
+                <c:pt idx="8">
+                  <c:v>2.6377362809121442E-4</c:v>
+                </c:pt>
+                <c:pt idx="9">
+                  <c:v>2.6695162361038563E-4</c:v>
+                </c:pt>
+                <c:pt idx="10">
+                  <c:v>2.701296191295569E-4</c:v>
+                </c:pt>
+                <c:pt idx="11">
+                  <c:v>2.8284160120624195E-4</c:v>
+                </c:pt>
+                <c:pt idx="12">
+                  <c:v>2.7966360568707068E-4</c:v>
+                </c:pt>
+                <c:pt idx="13">
+                  <c:v>2.9237558776375579E-4</c:v>
+                </c:pt>
+                <c:pt idx="14">
+                  <c:v>2.9873157880209826E-4</c:v>
+                </c:pt>
+                <c:pt idx="15">
+                  <c:v>3.0826556535961205E-4</c:v>
+                </c:pt>
+                <c:pt idx="16">
+                  <c:v>3.2415554295546836E-4</c:v>
+                </c:pt>
+                <c:pt idx="17">
+                  <c:v>3.3686752503215336E-4</c:v>
+                </c:pt>
+                <c:pt idx="18">
+                  <c:v>3.6864748022386593E-4</c:v>
+                </c:pt>
+                <c:pt idx="19">
+                  <c:v>3.9089344885806477E-4</c:v>
+                </c:pt>
+                <c:pt idx="20">
+                  <c:v>4.3220739060729108E-4</c:v>
+                </c:pt>
+                <c:pt idx="21">
+                  <c:v>4.8305531891403123E-4</c:v>
+                </c:pt>
+                <c:pt idx="22">
+                  <c:v>5.5614921585497011E-4</c:v>
+                </c:pt>
+                <c:pt idx="23">
+                  <c:v>6.6737905902596419E-4</c:v>
+                </c:pt>
+                <c:pt idx="24">
+                  <c:v>8.2310083946535585E-4</c:v>
+                </c:pt>
+                <c:pt idx="25">
+                  <c:v>1.0360265392498301E-3</c:v>
+                </c:pt>
+                <c:pt idx="26">
+                  <c:v>1.3220461359752435E-3</c:v>
+                </c:pt>
+                <c:pt idx="27">
+                  <c:v>1.7224735713908218E-3</c:v>
+                </c:pt>
+                <c:pt idx="28">
+                  <c:v>2.129256997844743E-3</c:v>
+                </c:pt>
+                <c:pt idx="29">
+                  <c:v>2.4311665721660127E-3</c:v>
+                </c:pt>
+                <c:pt idx="30">
+                  <c:v>2.5042604691069515E-3</c:v>
+                </c:pt>
+                <c:pt idx="31">
+                  <c:v>2.4597685318385539E-3</c:v>
+                </c:pt>
+                <c:pt idx="32">
+                  <c:v>2.4216325856084991E-3</c:v>
+                </c:pt>
+                <c:pt idx="33">
+                  <c:v>2.47565850943441E-3</c:v>
+                </c:pt>
+                <c:pt idx="34">
+                  <c:v>2.4089206035318137E-3</c:v>
+                </c:pt>
+                <c:pt idx="35">
+                  <c:v>2.0879430560955163E-3</c:v>
+                </c:pt>
+                <c:pt idx="36">
+                  <c:v>1.5858197640664579E-3</c:v>
+                </c:pt>
+                <c:pt idx="37">
+                  <c:v>1.194926315208393E-3</c:v>
+                </c:pt>
+                <c:pt idx="38">
+                  <c:v>9.2161870055966467E-4</c:v>
+                </c:pt>
+                <c:pt idx="39">
+                  <c:v>7.2776097389021818E-4</c:v>
+                </c:pt>
+                <c:pt idx="40">
+                  <c:v>6.0381914864253905E-4</c:v>
+                </c:pt>
+              </c:numCache>
+            </c:numRef>
+          </c:yVal>
+          <c:smooth val="0"/>
+          <c:extLst>
+            <c:ext xmlns:c16="http://schemas.microsoft.com/office/drawing/2014/chart" uri="{C3380CC4-5D6E-409C-BE32-E72D297353CC}">
+              <c16:uniqueId val="{00000001-BC98-4B9A-B1DA-53DE60783A28}"/>
+            </c:ext>
+          </c:extLst>
+        </c:ser>
+        <c:ser>
+          <c:idx val="4"/>
+          <c:order val="2"/>
+          <c:tx>
+            <c:v>Bobina 2</c:v>
+          </c:tx>
+          <c:xVal>
+            <c:numRef>
+              <c:f>Folha1!$B$8:$B$48</c:f>
+              <c:numCache>
+                <c:formatCode>General</c:formatCode>
+                <c:ptCount val="41"/>
+                <c:pt idx="0">
+                  <c:v>0</c:v>
+                </c:pt>
+                <c:pt idx="1">
+                  <c:v>0.01</c:v>
+                </c:pt>
+                <c:pt idx="2">
+                  <c:v>0.02</c:v>
+                </c:pt>
+                <c:pt idx="3">
+                  <c:v>0.03</c:v>
+                </c:pt>
+                <c:pt idx="4">
+                  <c:v>0.04</c:v>
+                </c:pt>
+                <c:pt idx="5">
+                  <c:v>0.05</c:v>
+                </c:pt>
+                <c:pt idx="6">
+                  <c:v>0.06</c:v>
+                </c:pt>
+                <c:pt idx="7">
+                  <c:v>7.0000000000000007E-2</c:v>
+                </c:pt>
+                <c:pt idx="8">
+                  <c:v>0.08</c:v>
+                </c:pt>
+                <c:pt idx="9">
+                  <c:v>0.09</c:v>
+                </c:pt>
+                <c:pt idx="10">
+                  <c:v>0.1</c:v>
+                </c:pt>
+                <c:pt idx="11">
+                  <c:v>0.11</c:v>
+                </c:pt>
+                <c:pt idx="12">
+                  <c:v>0.12</c:v>
+                </c:pt>
+                <c:pt idx="13">
+                  <c:v>0.13</c:v>
+                </c:pt>
+                <c:pt idx="14">
+                  <c:v>0.14000000000000001</c:v>
+                </c:pt>
+                <c:pt idx="15">
+                  <c:v>0.15</c:v>
+                </c:pt>
+                <c:pt idx="16">
+                  <c:v>0.16</c:v>
+                </c:pt>
+                <c:pt idx="17">
+                  <c:v>0.17</c:v>
+                </c:pt>
+                <c:pt idx="18">
+                  <c:v>0.18</c:v>
+                </c:pt>
+                <c:pt idx="19">
+                  <c:v>0.19</c:v>
+                </c:pt>
+                <c:pt idx="20">
+                  <c:v>0.2</c:v>
+                </c:pt>
+                <c:pt idx="21">
+                  <c:v>0.21</c:v>
+                </c:pt>
+                <c:pt idx="22">
+                  <c:v>0.22</c:v>
+                </c:pt>
+                <c:pt idx="23">
+                  <c:v>0.23</c:v>
+                </c:pt>
+                <c:pt idx="24">
+                  <c:v>0.24</c:v>
+                </c:pt>
+                <c:pt idx="25">
+                  <c:v>0.25</c:v>
+                </c:pt>
+                <c:pt idx="26">
+                  <c:v>0.26</c:v>
+                </c:pt>
+                <c:pt idx="27">
+                  <c:v>0.27</c:v>
+                </c:pt>
+                <c:pt idx="28">
+                  <c:v>0.28000000000000003</c:v>
+                </c:pt>
+                <c:pt idx="29">
+                  <c:v>0.28999999999999998</c:v>
+                </c:pt>
+                <c:pt idx="30">
+                  <c:v>0.3</c:v>
+                </c:pt>
+                <c:pt idx="31">
+                  <c:v>0.31</c:v>
+                </c:pt>
+                <c:pt idx="32">
+                  <c:v>0.32</c:v>
+                </c:pt>
+                <c:pt idx="33">
+                  <c:v>0.33</c:v>
+                </c:pt>
+                <c:pt idx="34">
+                  <c:v>0.34</c:v>
+                </c:pt>
+                <c:pt idx="35">
+                  <c:v>0.35</c:v>
+                </c:pt>
+                <c:pt idx="36">
+                  <c:v>0.36</c:v>
+                </c:pt>
+                <c:pt idx="37">
+                  <c:v>0.37</c:v>
+                </c:pt>
+                <c:pt idx="38">
+                  <c:v>0.38</c:v>
+                </c:pt>
+                <c:pt idx="39">
+                  <c:v>0.39</c:v>
+                </c:pt>
+                <c:pt idx="40">
+                  <c:v>0.4</c:v>
+                </c:pt>
+              </c:numCache>
+            </c:numRef>
+          </c:xVal>
+          <c:yVal>
+            <c:numRef>
+              <c:f>Folha1!$I$8:$I$48</c:f>
+              <c:numCache>
+                <c:formatCode>General</c:formatCode>
+                <c:ptCount val="41"/>
+                <c:pt idx="0">
+                  <c:v>1.398318028435354E-4</c:v>
+                </c:pt>
+                <c:pt idx="1">
+                  <c:v>1.398318028435354E-4</c:v>
+                </c:pt>
+                <c:pt idx="2">
+                  <c:v>1.430097983627066E-4</c:v>
+                </c:pt>
+                <c:pt idx="3">
+                  <c:v>1.430097983627066E-4</c:v>
+                </c:pt>
+                <c:pt idx="4">
+                  <c:v>1.430097983627066E-4</c:v>
+                </c:pt>
+                <c:pt idx="5">
+                  <c:v>1.430097983627066E-4</c:v>
+                </c:pt>
+                <c:pt idx="6">
+                  <c:v>1.4618779388187787E-4</c:v>
+                </c:pt>
+                <c:pt idx="7">
+                  <c:v>1.4618779388187787E-4</c:v>
+                </c:pt>
+                <c:pt idx="8">
+                  <c:v>1.4618779388187787E-4</c:v>
+                </c:pt>
+                <c:pt idx="9">
+                  <c:v>1.4618779388187787E-4</c:v>
+                </c:pt>
+                <c:pt idx="10">
+                  <c:v>1.4618779388187787E-4</c:v>
+                </c:pt>
+                <c:pt idx="11">
+                  <c:v>1.5254378492022039E-4</c:v>
+                </c:pt>
+                <c:pt idx="12">
+                  <c:v>1.4936578940104913E-4</c:v>
+                </c:pt>
+                <c:pt idx="13">
+                  <c:v>1.5254378492022039E-4</c:v>
+                </c:pt>
+                <c:pt idx="14">
+                  <c:v>1.5254378492022039E-4</c:v>
+                </c:pt>
+                <c:pt idx="15">
+                  <c:v>1.5572178043939166E-4</c:v>
+                </c:pt>
+                <c:pt idx="16">
+                  <c:v>1.5889977595856292E-4</c:v>
+                </c:pt>
+                <c:pt idx="17">
+                  <c:v>1.6207777147773415E-4</c:v>
+                </c:pt>
+                <c:pt idx="18">
+                  <c:v>1.747897535544192E-4</c:v>
+                </c:pt>
+                <c:pt idx="19">
+                  <c:v>1.7796774907359044E-4</c:v>
+                </c:pt>
+                <c:pt idx="20">
+                  <c:v>1.8432374011193297E-4</c:v>
+                </c:pt>
+                <c:pt idx="21">
+                  <c:v>1.9067973115027549E-4</c:v>
+                </c:pt>
+                <c:pt idx="22">
+                  <c:v>2.0339171322696054E-4</c:v>
+                </c:pt>
+                <c:pt idx="23">
+                  <c:v>2.1928169082281683E-4</c:v>
+                </c:pt>
+                <c:pt idx="24">
+                  <c:v>2.3834966393784438E-4</c:v>
+                </c:pt>
+                <c:pt idx="25">
+                  <c:v>2.7012961912955695E-4</c:v>
+                </c:pt>
+                <c:pt idx="26">
+                  <c:v>3.1144356087878331E-4</c:v>
+                </c:pt>
+                <c:pt idx="27">
+                  <c:v>3.7182547574303719E-4</c:v>
+                </c:pt>
+                <c:pt idx="28">
+                  <c:v>4.5445335924148992E-4</c:v>
+                </c:pt>
+                <c:pt idx="29">
+                  <c:v>5.7839518448916894E-4</c:v>
+                </c:pt>
+                <c:pt idx="30">
+                  <c:v>7.6271892460110196E-4</c:v>
+                </c:pt>
+                <c:pt idx="31">
+                  <c:v>1.0296705482114876E-3</c:v>
+                </c:pt>
+                <c:pt idx="32">
+                  <c:v>1.3347581180519284E-3</c:v>
+                </c:pt>
+                <c:pt idx="33">
+                  <c:v>1.6875156206799381E-3</c:v>
+                </c:pt>
+                <c:pt idx="34">
+                  <c:v>1.8178134369659597E-3</c:v>
+                </c:pt>
+                <c:pt idx="35">
+                  <c:v>1.6334896968540266E-3</c:v>
+                </c:pt>
+                <c:pt idx="36">
+                  <c:v>1.2203502793617631E-3</c:v>
+                </c:pt>
+                <c:pt idx="37">
+                  <c:v>8.9301674088712352E-4</c:v>
+                </c:pt>
+                <c:pt idx="38">
+                  <c:v>6.6420106350679282E-4</c:v>
+                </c:pt>
+                <c:pt idx="39">
+                  <c:v>5.0212329202905886E-4</c:v>
+                </c:pt>
+                <c:pt idx="40">
+                  <c:v>4.004274354155785E-4</c:v>
+                </c:pt>
+              </c:numCache>
+            </c:numRef>
+          </c:yVal>
+          <c:smooth val="0"/>
+          <c:extLst>
+            <c:ext xmlns:c16="http://schemas.microsoft.com/office/drawing/2014/chart" uri="{C3380CC4-5D6E-409C-BE32-E72D297353CC}">
+              <c16:uniqueId val="{00000002-BC98-4B9A-B1DA-53DE60783A28}"/>
+            </c:ext>
+          </c:extLst>
+        </c:ser>
+        <c:ser>
+          <c:idx val="0"/>
+          <c:order val="3"/>
+          <c:tx>
+            <c:v>Bobina 1</c:v>
+          </c:tx>
+          <c:spPr>
+            <a:ln w="19050" cap="rnd">
+              <a:solidFill>
+                <a:schemeClr val="accent1"/>
+              </a:solidFill>
+              <a:round/>
+            </a:ln>
+            <a:effectLst/>
+          </c:spPr>
+          <c:marker>
+            <c:symbol val="circle"/>
+            <c:size val="5"/>
+            <c:spPr>
+              <a:solidFill>
+                <a:schemeClr val="accent1"/>
+              </a:solidFill>
+              <a:ln w="9525">
+                <a:solidFill>
+                  <a:schemeClr val="accent1"/>
+                </a:solidFill>
+              </a:ln>
+              <a:effectLst/>
+            </c:spPr>
+          </c:marker>
+          <c:xVal>
+            <c:numRef>
+              <c:f>Folha1!$B$8:$B$48</c:f>
+              <c:numCache>
+                <c:formatCode>General</c:formatCode>
+                <c:ptCount val="41"/>
+                <c:pt idx="0">
+                  <c:v>0</c:v>
+                </c:pt>
+                <c:pt idx="1">
+                  <c:v>0.01</c:v>
+                </c:pt>
+                <c:pt idx="2">
+                  <c:v>0.02</c:v>
+                </c:pt>
+                <c:pt idx="3">
+                  <c:v>0.03</c:v>
+                </c:pt>
+                <c:pt idx="4">
+                  <c:v>0.04</c:v>
+                </c:pt>
+                <c:pt idx="5">
+                  <c:v>0.05</c:v>
+                </c:pt>
+                <c:pt idx="6">
+                  <c:v>0.06</c:v>
+                </c:pt>
+                <c:pt idx="7">
+                  <c:v>7.0000000000000007E-2</c:v>
+                </c:pt>
+                <c:pt idx="8">
+                  <c:v>0.08</c:v>
+                </c:pt>
+                <c:pt idx="9">
+                  <c:v>0.09</c:v>
+                </c:pt>
+                <c:pt idx="10">
+                  <c:v>0.1</c:v>
+                </c:pt>
+                <c:pt idx="11">
+                  <c:v>0.11</c:v>
+                </c:pt>
+                <c:pt idx="12">
+                  <c:v>0.12</c:v>
+                </c:pt>
+                <c:pt idx="13">
+                  <c:v>0.13</c:v>
+                </c:pt>
+                <c:pt idx="14">
+                  <c:v>0.14000000000000001</c:v>
+                </c:pt>
+                <c:pt idx="15">
+                  <c:v>0.15</c:v>
+                </c:pt>
+                <c:pt idx="16">
+                  <c:v>0.16</c:v>
+                </c:pt>
+                <c:pt idx="17">
+                  <c:v>0.17</c:v>
+                </c:pt>
+                <c:pt idx="18">
+                  <c:v>0.18</c:v>
+                </c:pt>
+                <c:pt idx="19">
+                  <c:v>0.19</c:v>
+                </c:pt>
+                <c:pt idx="20">
+                  <c:v>0.2</c:v>
+                </c:pt>
+                <c:pt idx="21">
+                  <c:v>0.21</c:v>
+                </c:pt>
+                <c:pt idx="22">
+                  <c:v>0.22</c:v>
+                </c:pt>
+                <c:pt idx="23">
+                  <c:v>0.23</c:v>
+                </c:pt>
+                <c:pt idx="24">
+                  <c:v>0.24</c:v>
+                </c:pt>
+                <c:pt idx="25">
+                  <c:v>0.25</c:v>
+                </c:pt>
+                <c:pt idx="26">
+                  <c:v>0.26</c:v>
+                </c:pt>
+                <c:pt idx="27">
+                  <c:v>0.27</c:v>
+                </c:pt>
+                <c:pt idx="28">
+                  <c:v>0.28000000000000003</c:v>
+                </c:pt>
+                <c:pt idx="29">
+                  <c:v>0.28999999999999998</c:v>
+                </c:pt>
+                <c:pt idx="30">
+                  <c:v>0.3</c:v>
+                </c:pt>
+                <c:pt idx="31">
+                  <c:v>0.31</c:v>
+                </c:pt>
+                <c:pt idx="32">
+                  <c:v>0.32</c:v>
+                </c:pt>
+                <c:pt idx="33">
+                  <c:v>0.33</c:v>
+                </c:pt>
+                <c:pt idx="34">
+                  <c:v>0.34</c:v>
+                </c:pt>
+                <c:pt idx="35">
+                  <c:v>0.35</c:v>
+                </c:pt>
+                <c:pt idx="36">
+                  <c:v>0.36</c:v>
+                </c:pt>
+                <c:pt idx="37">
+                  <c:v>0.37</c:v>
+                </c:pt>
+                <c:pt idx="38">
+                  <c:v>0.38</c:v>
+                </c:pt>
+                <c:pt idx="39">
+                  <c:v>0.39</c:v>
+                </c:pt>
+                <c:pt idx="40">
+                  <c:v>0.4</c:v>
+                </c:pt>
+              </c:numCache>
+            </c:numRef>
+          </c:xVal>
+          <c:yVal>
+            <c:numRef>
+              <c:f>Folha1!$D$8:$D$48</c:f>
+              <c:numCache>
+                <c:formatCode>General</c:formatCode>
+                <c:ptCount val="41"/>
+                <c:pt idx="0">
+                  <c:v>1.1122984317099403E-4</c:v>
+                </c:pt>
+                <c:pt idx="1">
+                  <c:v>1.1122984317099403E-4</c:v>
+                </c:pt>
+                <c:pt idx="2">
+                  <c:v>1.1758583420933656E-4</c:v>
+                </c:pt>
+                <c:pt idx="3">
+                  <c:v>1.1440783869016529E-4</c:v>
+                </c:pt>
+                <c:pt idx="4">
+                  <c:v>1.1440783869016529E-4</c:v>
+                </c:pt>
+                <c:pt idx="5">
+                  <c:v>1.1440783869016529E-4</c:v>
+                </c:pt>
+                <c:pt idx="6">
+                  <c:v>1.1440783869016529E-4</c:v>
+                </c:pt>
+                <c:pt idx="7">
+                  <c:v>1.1440783869016529E-4</c:v>
+                </c:pt>
+                <c:pt idx="8">
+                  <c:v>1.1758583420933656E-4</c:v>
+                </c:pt>
+                <c:pt idx="9">
+                  <c:v>1.2076382972850779E-4</c:v>
+                </c:pt>
+                <c:pt idx="10">
+                  <c:v>1.2394182524767906E-4</c:v>
+                </c:pt>
+                <c:pt idx="11">
+                  <c:v>1.3029781628602158E-4</c:v>
+                </c:pt>
+                <c:pt idx="12">
+                  <c:v>1.3029781628602158E-4</c:v>
+                </c:pt>
+                <c:pt idx="13">
+                  <c:v>1.398318028435354E-4</c:v>
+                </c:pt>
+                <c:pt idx="14">
+                  <c:v>1.4618779388187787E-4</c:v>
+                </c:pt>
+                <c:pt idx="15">
+                  <c:v>1.5254378492022039E-4</c:v>
+                </c:pt>
+                <c:pt idx="16">
+                  <c:v>1.6525576699690544E-4</c:v>
+                </c:pt>
+                <c:pt idx="17">
+                  <c:v>1.747897535544192E-4</c:v>
+                </c:pt>
+                <c:pt idx="18">
+                  <c:v>1.9385772666944673E-4</c:v>
+                </c:pt>
+                <c:pt idx="19">
+                  <c:v>2.129256997844743E-4</c:v>
+                </c:pt>
+                <c:pt idx="20">
+                  <c:v>2.4788365049535811E-4</c:v>
+                </c:pt>
+                <c:pt idx="21">
+                  <c:v>2.9237558776375574E-4</c:v>
+                </c:pt>
+                <c:pt idx="22">
+                  <c:v>3.5275750262800962E-4</c:v>
+                </c:pt>
+                <c:pt idx="23">
+                  <c:v>4.4809736820314739E-4</c:v>
+                </c:pt>
+                <c:pt idx="24">
+                  <c:v>5.8475117552751147E-4</c:v>
+                </c:pt>
+                <c:pt idx="25">
+                  <c:v>7.6589692012027323E-4</c:v>
+                </c:pt>
+                <c:pt idx="26">
+                  <c:v>1.0106025750964602E-3</c:v>
+                </c:pt>
+                <c:pt idx="27">
+                  <c:v>1.3506480956477847E-3</c:v>
+                </c:pt>
+                <c:pt idx="28">
+                  <c:v>1.6748036386032533E-3</c:v>
+                </c:pt>
+                <c:pt idx="29">
+                  <c:v>1.8527713876768436E-3</c:v>
+                </c:pt>
+                <c:pt idx="30">
+                  <c:v>1.7415415445058494E-3</c:v>
+                </c:pt>
+                <c:pt idx="31">
+                  <c:v>1.4300979836270663E-3</c:v>
+                </c:pt>
+                <c:pt idx="32">
+                  <c:v>1.0868744675565705E-3</c:v>
+                </c:pt>
+                <c:pt idx="33">
+                  <c:v>7.8814288875447207E-4</c:v>
+                </c:pt>
+                <c:pt idx="34">
+                  <c:v>5.91107166565854E-4</c:v>
+                </c:pt>
+                <c:pt idx="35">
+                  <c:v>4.5445335924148992E-4</c:v>
+                </c:pt>
+                <c:pt idx="36">
+                  <c:v>3.6546948470469472E-4</c:v>
+                </c:pt>
+                <c:pt idx="37">
+                  <c:v>3.0190957432126952E-4</c:v>
+                </c:pt>
+                <c:pt idx="38">
+                  <c:v>2.574176370528719E-4</c:v>
+                </c:pt>
+                <c:pt idx="39">
+                  <c:v>2.2563768186115933E-4</c:v>
+                </c:pt>
+                <c:pt idx="40">
+                  <c:v>2.0339171322696054E-4</c:v>
+                </c:pt>
+              </c:numCache>
+            </c:numRef>
+          </c:yVal>
+          <c:smooth val="0"/>
+          <c:extLst>
+            <c:ext xmlns:c16="http://schemas.microsoft.com/office/drawing/2014/chart" uri="{C3380CC4-5D6E-409C-BE32-E72D297353CC}">
+              <c16:uniqueId val="{00000003-BC98-4B9A-B1DA-53DE60783A28}"/>
+            </c:ext>
+          </c:extLst>
+        </c:ser>
+        <c:dLbls>
+          <c:showLegendKey val="0"/>
+          <c:showVal val="0"/>
+          <c:showCatName val="0"/>
+          <c:showSerName val="0"/>
+          <c:showPercent val="0"/>
+          <c:showBubbleSize val="0"/>
+        </c:dLbls>
+        <c:axId val="1404682640"/>
+        <c:axId val="1404681392"/>
+      </c:scatterChart>
+      <c:valAx>
+        <c:axId val="1404682640"/>
+        <c:scaling>
+          <c:orientation val="minMax"/>
+        </c:scaling>
+        <c:delete val="0"/>
+        <c:axPos val="b"/>
+        <c:majorGridlines>
+          <c:spPr>
+            <a:ln w="9525" cap="flat" cmpd="sng" algn="ctr">
+              <a:solidFill>
+                <a:schemeClr val="tx1">
+                  <a:lumMod val="15000"/>
+                  <a:lumOff val="85000"/>
+                </a:schemeClr>
+              </a:solidFill>
+              <a:round/>
+            </a:ln>
+            <a:effectLst/>
+          </c:spPr>
+        </c:majorGridlines>
+        <c:title>
+          <c:tx>
+            <c:rich>
+              <a:bodyPr/>
+              <a:lstStyle/>
+              <a:p>
+                <a:pPr>
+                  <a:defRPr/>
+                </a:pPr>
+                <a:r>
+                  <a:rPr lang="pt-PT" dirty="0"/>
+                  <a:t>Distância</a:t>
+                </a:r>
+                <a:r>
+                  <a:rPr lang="pt-PT" baseline="0" dirty="0"/>
+                  <a:t> (m)</a:t>
+                </a:r>
+                <a:endParaRPr lang="pt-PT" dirty="0"/>
+              </a:p>
+            </c:rich>
+          </c:tx>
+          <c:overlay val="0"/>
+        </c:title>
+        <c:numFmt formatCode="General" sourceLinked="1"/>
+        <c:majorTickMark val="none"/>
+        <c:minorTickMark val="none"/>
+        <c:tickLblPos val="nextTo"/>
+        <c:spPr>
+          <a:noFill/>
+          <a:ln w="9525" cap="flat" cmpd="sng" algn="ctr">
+            <a:solidFill>
+              <a:schemeClr val="tx1">
+                <a:lumMod val="25000"/>
+                <a:lumOff val="75000"/>
+              </a:schemeClr>
+            </a:solidFill>
+            <a:round/>
+          </a:ln>
+          <a:effectLst/>
+        </c:spPr>
+        <c:txPr>
+          <a:bodyPr rot="-60000000" spcFirstLastPara="1" vertOverflow="ellipsis" vert="horz" wrap="square" anchor="ctr" anchorCtr="1"/>
+          <a:lstStyle/>
+          <a:p>
+            <a:pPr>
+              <a:defRPr sz="900" b="0" i="0" u="none" strike="noStrike" kern="1200" baseline="0">
+                <a:solidFill>
+                  <a:schemeClr val="tx1">
+                    <a:lumMod val="65000"/>
+                    <a:lumOff val="35000"/>
+                  </a:schemeClr>
+                </a:solidFill>
+                <a:latin typeface="+mn-lt"/>
+                <a:ea typeface="+mn-ea"/>
+                <a:cs typeface="+mn-cs"/>
+              </a:defRPr>
+            </a:pPr>
+            <a:endParaRPr lang="pt-PT"/>
+          </a:p>
+        </c:txPr>
+        <c:crossAx val="1404681392"/>
+        <c:crosses val="autoZero"/>
+        <c:crossBetween val="midCat"/>
+      </c:valAx>
+      <c:valAx>
+        <c:axId val="1404681392"/>
+        <c:scaling>
+          <c:orientation val="minMax"/>
+        </c:scaling>
+        <c:delete val="0"/>
+        <c:axPos val="l"/>
+        <c:majorGridlines>
+          <c:spPr>
+            <a:ln w="9525" cap="flat" cmpd="sng" algn="ctr">
+              <a:solidFill>
+                <a:schemeClr val="tx1">
+                  <a:lumMod val="15000"/>
+                  <a:lumOff val="85000"/>
+                </a:schemeClr>
+              </a:solidFill>
+              <a:round/>
+            </a:ln>
+            <a:effectLst/>
+          </c:spPr>
+        </c:majorGridlines>
+        <c:title>
+          <c:tx>
+            <c:rich>
+              <a:bodyPr/>
+              <a:lstStyle/>
+              <a:p>
+                <a:pPr>
+                  <a:defRPr/>
+                </a:pPr>
+                <a:r>
+                  <a:rPr lang="pt-PT" dirty="0"/>
+                  <a:t>Campo</a:t>
+                </a:r>
+                <a:r>
+                  <a:rPr lang="pt-PT" baseline="0" dirty="0"/>
+                  <a:t> magnético (T)</a:t>
+                </a:r>
+                <a:endParaRPr lang="pt-PT" dirty="0"/>
+              </a:p>
+            </c:rich>
+          </c:tx>
+          <c:overlay val="0"/>
+        </c:title>
+        <c:numFmt formatCode="General" sourceLinked="1"/>
+        <c:majorTickMark val="none"/>
+        <c:minorTickMark val="none"/>
+        <c:tickLblPos val="nextTo"/>
+        <c:spPr>
+          <a:noFill/>
+          <a:ln w="9525" cap="flat" cmpd="sng" algn="ctr">
+            <a:solidFill>
+              <a:schemeClr val="tx1">
+                <a:lumMod val="25000"/>
+                <a:lumOff val="75000"/>
+              </a:schemeClr>
+            </a:solidFill>
+            <a:round/>
+          </a:ln>
+          <a:effectLst/>
+        </c:spPr>
+        <c:txPr>
+          <a:bodyPr rot="-60000000" spcFirstLastPara="1" vertOverflow="ellipsis" vert="horz" wrap="square" anchor="ctr" anchorCtr="1"/>
+          <a:lstStyle/>
+          <a:p>
+            <a:pPr>
+              <a:defRPr sz="900" b="0" i="0" u="none" strike="noStrike" kern="1200" baseline="0">
+                <a:solidFill>
+                  <a:schemeClr val="tx1">
+                    <a:lumMod val="65000"/>
+                    <a:lumOff val="35000"/>
+                  </a:schemeClr>
+                </a:solidFill>
+                <a:latin typeface="+mn-lt"/>
+                <a:ea typeface="+mn-ea"/>
+                <a:cs typeface="+mn-cs"/>
+              </a:defRPr>
+            </a:pPr>
+            <a:endParaRPr lang="pt-PT"/>
+          </a:p>
+        </c:txPr>
+        <c:crossAx val="1404682640"/>
+        <c:crosses val="autoZero"/>
+        <c:crossBetween val="midCat"/>
+      </c:valAx>
+    </c:plotArea>
+    <c:legend>
+      <c:legendPos val="r"/>
+      <c:overlay val="0"/>
+    </c:legend>
+    <c:plotVisOnly val="1"/>
+    <c:dispBlanksAs val="gap"/>
+    <c:showDLblsOverMax val="0"/>
+  </c:chart>
+  <c:txPr>
+    <a:bodyPr/>
+    <a:lstStyle/>
+    <a:p>
+      <a:pPr>
+        <a:defRPr/>
+      </a:pPr>
+      <a:endParaRPr lang="pt-PT"/>
+    </a:p>
+  </c:txPr>
+  <c:externalData r:id="rId1">
+    <c:autoUpdate val="0"/>
+  </c:externalData>
+</c:chartSpace>
 </file>
 
 <file path=ppt/slideLayouts/slideLayout1.xml><?xml version="1.0" encoding="utf-8"?>
@@ -832,7 +3672,7 @@
           <a:p>
             <a:fld id="{F5B47447-E320-4C83-987A-FA98BF98DC25}" type="datetimeFigureOut">
               <a:rPr lang="pt-PT" smtClean="0"/>
-              <a:t>11/01/2021</a:t>
+              <a:t>12/01/2021</a:t>
             </a:fld>
             <a:endParaRPr lang="pt-PT"/>
           </a:p>
@@ -1083,7 +3923,7 @@
           <a:p>
             <a:fld id="{F5B47447-E320-4C83-987A-FA98BF98DC25}" type="datetimeFigureOut">
               <a:rPr lang="pt-PT" smtClean="0"/>
-              <a:t>11/01/2021</a:t>
+              <a:t>12/01/2021</a:t>
             </a:fld>
             <a:endParaRPr lang="pt-PT"/>
           </a:p>
@@ -1397,7 +4237,7 @@
           <a:p>
             <a:fld id="{F5B47447-E320-4C83-987A-FA98BF98DC25}" type="datetimeFigureOut">
               <a:rPr lang="pt-PT" smtClean="0"/>
-              <a:t>11/01/2021</a:t>
+              <a:t>12/01/2021</a:t>
             </a:fld>
             <a:endParaRPr lang="pt-PT"/>
           </a:p>
@@ -1738,7 +4578,7 @@
           <a:p>
             <a:fld id="{F5B47447-E320-4C83-987A-FA98BF98DC25}" type="datetimeFigureOut">
               <a:rPr lang="pt-PT" smtClean="0"/>
-              <a:t>11/01/2021</a:t>
+              <a:t>12/01/2021</a:t>
             </a:fld>
             <a:endParaRPr lang="pt-PT"/>
           </a:p>
@@ -2052,7 +4892,7 @@
           <a:p>
             <a:fld id="{F5B47447-E320-4C83-987A-FA98BF98DC25}" type="datetimeFigureOut">
               <a:rPr lang="pt-PT" smtClean="0"/>
-              <a:t>11/01/2021</a:t>
+              <a:t>12/01/2021</a:t>
             </a:fld>
             <a:endParaRPr lang="pt-PT"/>
           </a:p>
@@ -2445,7 +5285,7 @@
           <a:p>
             <a:fld id="{F5B47447-E320-4C83-987A-FA98BF98DC25}" type="datetimeFigureOut">
               <a:rPr lang="pt-PT" smtClean="0"/>
-              <a:t>11/01/2021</a:t>
+              <a:t>12/01/2021</a:t>
             </a:fld>
             <a:endParaRPr lang="pt-PT"/>
           </a:p>
@@ -2615,7 +5455,7 @@
           <a:p>
             <a:fld id="{F5B47447-E320-4C83-987A-FA98BF98DC25}" type="datetimeFigureOut">
               <a:rPr lang="pt-PT" smtClean="0"/>
-              <a:t>11/01/2021</a:t>
+              <a:t>12/01/2021</a:t>
             </a:fld>
             <a:endParaRPr lang="pt-PT"/>
           </a:p>
@@ -2795,7 +5635,7 @@
           <a:p>
             <a:fld id="{F5B47447-E320-4C83-987A-FA98BF98DC25}" type="datetimeFigureOut">
               <a:rPr lang="pt-PT" smtClean="0"/>
-              <a:t>11/01/2021</a:t>
+              <a:t>12/01/2021</a:t>
             </a:fld>
             <a:endParaRPr lang="pt-PT"/>
           </a:p>
@@ -2971,7 +5811,7 @@
           <a:p>
             <a:fld id="{F5B47447-E320-4C83-987A-FA98BF98DC25}" type="datetimeFigureOut">
               <a:rPr lang="pt-PT" smtClean="0"/>
-              <a:t>11/01/2021</a:t>
+              <a:t>12/01/2021</a:t>
             </a:fld>
             <a:endParaRPr lang="pt-PT"/>
           </a:p>
@@ -3218,7 +6058,7 @@
           <a:p>
             <a:fld id="{F5B47447-E320-4C83-987A-FA98BF98DC25}" type="datetimeFigureOut">
               <a:rPr lang="pt-PT" smtClean="0"/>
-              <a:t>11/01/2021</a:t>
+              <a:t>12/01/2021</a:t>
             </a:fld>
             <a:endParaRPr lang="pt-PT"/>
           </a:p>
@@ -3450,7 +6290,7 @@
           <a:p>
             <a:fld id="{F5B47447-E320-4C83-987A-FA98BF98DC25}" type="datetimeFigureOut">
               <a:rPr lang="pt-PT" smtClean="0"/>
-              <a:t>11/01/2021</a:t>
+              <a:t>12/01/2021</a:t>
             </a:fld>
             <a:endParaRPr lang="pt-PT"/>
           </a:p>
@@ -3824,7 +6664,7 @@
           <a:p>
             <a:fld id="{F5B47447-E320-4C83-987A-FA98BF98DC25}" type="datetimeFigureOut">
               <a:rPr lang="pt-PT" smtClean="0"/>
-              <a:t>11/01/2021</a:t>
+              <a:t>12/01/2021</a:t>
             </a:fld>
             <a:endParaRPr lang="pt-PT"/>
           </a:p>
@@ -3947,7 +6787,7 @@
           <a:p>
             <a:fld id="{F5B47447-E320-4C83-987A-FA98BF98DC25}" type="datetimeFigureOut">
               <a:rPr lang="pt-PT" smtClean="0"/>
-              <a:t>11/01/2021</a:t>
+              <a:t>12/01/2021</a:t>
             </a:fld>
             <a:endParaRPr lang="pt-PT"/>
           </a:p>
@@ -4042,7 +6882,7 @@
           <a:p>
             <a:fld id="{F5B47447-E320-4C83-987A-FA98BF98DC25}" type="datetimeFigureOut">
               <a:rPr lang="pt-PT" smtClean="0"/>
-              <a:t>11/01/2021</a:t>
+              <a:t>12/01/2021</a:t>
             </a:fld>
             <a:endParaRPr lang="pt-PT"/>
           </a:p>
@@ -4297,7 +7137,7 @@
           <a:p>
             <a:fld id="{F5B47447-E320-4C83-987A-FA98BF98DC25}" type="datetimeFigureOut">
               <a:rPr lang="pt-PT" smtClean="0"/>
-              <a:t>11/01/2021</a:t>
+              <a:t>12/01/2021</a:t>
             </a:fld>
             <a:endParaRPr lang="pt-PT"/>
           </a:p>
@@ -4560,7 +7400,7 @@
           <a:p>
             <a:fld id="{F5B47447-E320-4C83-987A-FA98BF98DC25}" type="datetimeFigureOut">
               <a:rPr lang="pt-PT" smtClean="0"/>
-              <a:t>11/01/2021</a:t>
+              <a:t>12/01/2021</a:t>
             </a:fld>
             <a:endParaRPr lang="pt-PT"/>
           </a:p>
@@ -5303,7 +8143,7 @@
           <a:p>
             <a:fld id="{F5B47447-E320-4C83-987A-FA98BF98DC25}" type="datetimeFigureOut">
               <a:rPr lang="pt-PT" smtClean="0"/>
-              <a:t>11/01/2021</a:t>
+              <a:t>12/01/2021</a:t>
             </a:fld>
             <a:endParaRPr lang="pt-PT"/>
           </a:p>
@@ -7725,7 +10565,9 @@
           </a:xfrm>
         </p:spPr>
         <p:txBody>
-          <a:bodyPr/>
+          <a:bodyPr>
+            <a:normAutofit fontScale="92500"/>
+          </a:bodyPr>
           <a:lstStyle/>
           <a:p>
             <a:r>
@@ -7735,7 +10577,25 @@
                 <a:ea typeface="Times New Roman" panose="02020603050405020304" pitchFamily="18" charset="0"/>
                 <a:cs typeface="Times New Roman" panose="02020603050405020304" pitchFamily="18" charset="0"/>
               </a:rPr>
-              <a:t>A constante de calibração, cc:  0,031779955 V/A; </a:t>
+              <a:t>A constante de calibração, </a:t>
+            </a:r>
+            <a:r>
+              <a:rPr lang="pt-PT" sz="1800" dirty="0" err="1">
+                <a:effectLst/>
+                <a:latin typeface="Calibri" panose="020F0502020204030204" pitchFamily="34" charset="0"/>
+                <a:ea typeface="Times New Roman" panose="02020603050405020304" pitchFamily="18" charset="0"/>
+                <a:cs typeface="Times New Roman" panose="02020603050405020304" pitchFamily="18" charset="0"/>
+              </a:rPr>
+              <a:t>cc</a:t>
+            </a:r>
+            <a:r>
+              <a:rPr lang="pt-PT" sz="1800" dirty="0">
+                <a:effectLst/>
+                <a:latin typeface="Calibri" panose="020F0502020204030204" pitchFamily="34" charset="0"/>
+                <a:ea typeface="Times New Roman" panose="02020603050405020304" pitchFamily="18" charset="0"/>
+                <a:cs typeface="Times New Roman" panose="02020603050405020304" pitchFamily="18" charset="0"/>
+              </a:rPr>
+              <a:t> =  0,031779955 V/A; </a:t>
             </a:r>
           </a:p>
           <a:p>
@@ -7763,7 +10623,7 @@
                 <a:ea typeface="Times New Roman" panose="02020603050405020304" pitchFamily="18" charset="0"/>
                 <a:cs typeface="Times New Roman" panose="02020603050405020304" pitchFamily="18" charset="0"/>
               </a:rPr>
-              <a:t>Número de espiras, N: 119,6. </a:t>
+              <a:t>Número de espiras, N = 119,6. </a:t>
             </a:r>
             <a:endParaRPr lang="pt-PT" sz="1800" dirty="0">
               <a:effectLst/>
@@ -7875,6 +10735,1307 @@
     <p:extLst>
       <p:ext uri="{BB962C8B-B14F-4D97-AF65-F5344CB8AC3E}">
         <p14:creationId xmlns:p14="http://schemas.microsoft.com/office/powerpoint/2010/main" val="2823494034"/>
+      </p:ext>
+    </p:extLst>
+  </p:cSld>
+  <p:clrMapOvr>
+    <a:masterClrMapping/>
+  </p:clrMapOvr>
+</p:sld>
+</file>
+
+<file path=ppt/slides/slide5.xml><?xml version="1.0" encoding="utf-8"?>
+<p:sld xmlns:a="http://schemas.openxmlformats.org/drawingml/2006/main" xmlns:r="http://schemas.openxmlformats.org/officeDocument/2006/relationships" xmlns:p="http://schemas.openxmlformats.org/presentationml/2006/main">
+  <p:cSld>
+    <p:spTree>
+      <p:nvGrpSpPr>
+        <p:cNvPr id="1" name=""/>
+        <p:cNvGrpSpPr/>
+        <p:nvPr/>
+      </p:nvGrpSpPr>
+      <p:grpSpPr>
+        <a:xfrm>
+          <a:off x="0" y="0"/>
+          <a:ext cx="0" cy="0"/>
+          <a:chOff x="0" y="0"/>
+          <a:chExt cx="0" cy="0"/>
+        </a:xfrm>
+      </p:grpSpPr>
+      <p:sp>
+        <p:nvSpPr>
+          <p:cNvPr id="2" name="Título 1">
+            <a:extLst>
+              <a:ext uri="{FF2B5EF4-FFF2-40B4-BE49-F238E27FC236}">
+                <a16:creationId xmlns:a16="http://schemas.microsoft.com/office/drawing/2014/main" id="{FCE86053-C3E9-4793-856B-477BAAB3CC0B}"/>
+              </a:ext>
+            </a:extLst>
+          </p:cNvPr>
+          <p:cNvSpPr>
+            <a:spLocks noGrp="1"/>
+          </p:cNvSpPr>
+          <p:nvPr>
+            <p:ph type="title"/>
+          </p:nvPr>
+        </p:nvSpPr>
+        <p:spPr/>
+        <p:txBody>
+          <a:bodyPr/>
+          <a:lstStyle/>
+          <a:p>
+            <a:r>
+              <a:rPr lang="pt-PT" dirty="0"/>
+              <a:t>Verificação do princípio de sobreposição</a:t>
+            </a:r>
+          </a:p>
+        </p:txBody>
+      </p:sp>
+      <p:graphicFrame>
+        <p:nvGraphicFramePr>
+          <p:cNvPr id="4" name="Marcador de Posição de Conteúdo 3">
+            <a:extLst>
+              <a:ext uri="{FF2B5EF4-FFF2-40B4-BE49-F238E27FC236}">
+                <a16:creationId xmlns:a16="http://schemas.microsoft.com/office/drawing/2014/main" id="{A2031860-744C-4E13-8738-CDAB78502E5E}"/>
+              </a:ext>
+            </a:extLst>
+          </p:cNvPr>
+          <p:cNvGraphicFramePr>
+            <a:graphicFrameLocks noGrp="1"/>
+          </p:cNvGraphicFramePr>
+          <p:nvPr>
+            <p:ph idx="1"/>
+            <p:extLst>
+              <p:ext uri="{D42A27DB-BD31-4B8C-83A1-F6EECF244321}">
+                <p14:modId xmlns:p14="http://schemas.microsoft.com/office/powerpoint/2010/main" val="1213075620"/>
+              </p:ext>
+            </p:extLst>
+          </p:nvPr>
+        </p:nvGraphicFramePr>
+        <p:xfrm>
+          <a:off x="677863" y="2160588"/>
+          <a:ext cx="8596312" cy="3881437"/>
+        </p:xfrm>
+        <a:graphic>
+          <a:graphicData uri="http://schemas.openxmlformats.org/drawingml/2006/chart">
+            <c:chart xmlns:c="http://schemas.openxmlformats.org/drawingml/2006/chart" xmlns:r="http://schemas.openxmlformats.org/officeDocument/2006/relationships" r:id="rId2"/>
+          </a:graphicData>
+        </a:graphic>
+      </p:graphicFrame>
+    </p:spTree>
+    <p:extLst>
+      <p:ext uri="{BB962C8B-B14F-4D97-AF65-F5344CB8AC3E}">
+        <p14:creationId xmlns:p14="http://schemas.microsoft.com/office/powerpoint/2010/main" val="2049121099"/>
+      </p:ext>
+    </p:extLst>
+  </p:cSld>
+  <p:clrMapOvr>
+    <a:masterClrMapping/>
+  </p:clrMapOvr>
+</p:sld>
+</file>
+
+<file path=ppt/slides/slide6.xml><?xml version="1.0" encoding="utf-8"?>
+<p:sld xmlns:a="http://schemas.openxmlformats.org/drawingml/2006/main" xmlns:r="http://schemas.openxmlformats.org/officeDocument/2006/relationships" xmlns:p="http://schemas.openxmlformats.org/presentationml/2006/main">
+  <p:cSld>
+    <p:spTree>
+      <p:nvGrpSpPr>
+        <p:cNvPr id="1" name=""/>
+        <p:cNvGrpSpPr/>
+        <p:nvPr/>
+      </p:nvGrpSpPr>
+      <p:grpSpPr>
+        <a:xfrm>
+          <a:off x="0" y="0"/>
+          <a:ext cx="0" cy="0"/>
+          <a:chOff x="0" y="0"/>
+          <a:chExt cx="0" cy="0"/>
+        </a:xfrm>
+      </p:grpSpPr>
+      <p:sp>
+        <p:nvSpPr>
+          <p:cNvPr id="2" name="Título 1">
+            <a:extLst>
+              <a:ext uri="{FF2B5EF4-FFF2-40B4-BE49-F238E27FC236}">
+                <a16:creationId xmlns:a16="http://schemas.microsoft.com/office/drawing/2014/main" id="{E2644567-ED0F-4515-8FE8-9CEA894A2EC5}"/>
+              </a:ext>
+            </a:extLst>
+          </p:cNvPr>
+          <p:cNvSpPr>
+            <a:spLocks noGrp="1"/>
+          </p:cNvSpPr>
+          <p:nvPr>
+            <p:ph type="title"/>
+          </p:nvPr>
+        </p:nvSpPr>
+        <p:spPr/>
+        <p:txBody>
+          <a:bodyPr/>
+          <a:lstStyle/>
+          <a:p>
+            <a:r>
+              <a:rPr lang="pt-PT" dirty="0"/>
+              <a:t>Verificação do princípio de sobreposição</a:t>
+            </a:r>
+          </a:p>
+        </p:txBody>
+      </p:sp>
+      <mc:AlternateContent xmlns:mc="http://schemas.openxmlformats.org/markup-compatibility/2006">
+        <mc:Choice xmlns:a14="http://schemas.microsoft.com/office/drawing/2010/main" Requires="a14">
+          <p:sp>
+            <p:nvSpPr>
+              <p:cNvPr id="3" name="Marcador de Posição de Conteúdo 2">
+                <a:extLst>
+                  <a:ext uri="{FF2B5EF4-FFF2-40B4-BE49-F238E27FC236}">
+                    <a16:creationId xmlns:a16="http://schemas.microsoft.com/office/drawing/2014/main" id="{F40447F8-6EDC-4AA2-94E7-514DA0343628}"/>
+                  </a:ext>
+                </a:extLst>
+              </p:cNvPr>
+              <p:cNvSpPr>
+                <a:spLocks noGrp="1"/>
+              </p:cNvSpPr>
+              <p:nvPr>
+                <p:ph idx="1"/>
+              </p:nvPr>
+            </p:nvSpPr>
+            <p:spPr/>
+            <p:txBody>
+              <a:bodyPr/>
+              <a:lstStyle/>
+              <a:p>
+                <a:r>
+                  <a:rPr lang="pt-PT" dirty="0"/>
+                  <a:t>Tendo previamente obtido o valor da tensão para várias distâncias e tendo em conta o seguinte:</a:t>
+                </a:r>
+              </a:p>
+              <a:p>
+                <a14:m>
+                  <m:oMath xmlns:m="http://schemas.openxmlformats.org/officeDocument/2006/math">
+                    <m:r>
+                      <a:rPr lang="pt-PT" i="1" dirty="0" smtClean="0">
+                        <a:latin typeface="Cambria Math" panose="02040503050406030204" pitchFamily="18" charset="0"/>
+                      </a:rPr>
+                      <m:t>𝐵</m:t>
+                    </m:r>
+                    <m:r>
+                      <a:rPr lang="pt-PT" i="0" dirty="0" smtClean="0">
+                        <a:latin typeface="Cambria Math" panose="02040503050406030204" pitchFamily="18" charset="0"/>
+                      </a:rPr>
+                      <m:t>=</m:t>
+                    </m:r>
+                    <m:r>
+                      <a:rPr lang="pt-PT" i="1" dirty="0" smtClean="0">
+                        <a:latin typeface="Cambria Math" panose="02040503050406030204" pitchFamily="18" charset="0"/>
+                      </a:rPr>
+                      <m:t>𝐶𝐶</m:t>
+                    </m:r>
+                    <m:r>
+                      <a:rPr lang="pt-PT" i="0" dirty="0" smtClean="0">
+                        <a:latin typeface="Cambria Math" panose="02040503050406030204" pitchFamily="18" charset="0"/>
+                      </a:rPr>
+                      <m:t>⋅</m:t>
+                    </m:r>
+                    <m:sSub>
+                      <m:sSubPr>
+                        <m:ctrlPr>
+                          <a:rPr lang="pt-PT" i="1" dirty="0" smtClean="0">
+                            <a:solidFill>
+                              <a:srgbClr val="836967"/>
+                            </a:solidFill>
+                            <a:latin typeface="Cambria Math" panose="02040503050406030204" pitchFamily="18" charset="0"/>
+                          </a:rPr>
+                        </m:ctrlPr>
+                      </m:sSubPr>
+                      <m:e>
+                        <m:r>
+                          <a:rPr lang="pt-PT" b="0" i="1" dirty="0" smtClean="0">
+                            <a:solidFill>
+                              <a:srgbClr val="836967"/>
+                            </a:solidFill>
+                            <a:latin typeface="Cambria Math" panose="02040503050406030204" pitchFamily="18" charset="0"/>
+                          </a:rPr>
+                          <m:t>𝑉</m:t>
+                        </m:r>
+                      </m:e>
+                      <m:sub>
+                        <m:r>
+                          <a:rPr lang="pt-PT" i="1" dirty="0" smtClean="0">
+                            <a:latin typeface="Cambria Math" panose="02040503050406030204" pitchFamily="18" charset="0"/>
+                          </a:rPr>
+                          <m:t>𝐻</m:t>
+                        </m:r>
+                      </m:sub>
+                    </m:sSub>
+                    <m:r>
+                      <a:rPr lang="pt-PT" i="0" dirty="0" smtClean="0">
+                        <a:latin typeface="Cambria Math" panose="02040503050406030204" pitchFamily="18" charset="0"/>
+                      </a:rPr>
+                      <m:t>⇔</m:t>
+                    </m:r>
+                    <m:f>
+                      <m:fPr>
+                        <m:ctrlPr>
+                          <a:rPr lang="pt-PT" i="1" dirty="0" smtClean="0">
+                            <a:solidFill>
+                              <a:srgbClr val="836967"/>
+                            </a:solidFill>
+                            <a:latin typeface="Cambria Math" panose="02040503050406030204" pitchFamily="18" charset="0"/>
+                          </a:rPr>
+                        </m:ctrlPr>
+                      </m:fPr>
+                      <m:num>
+                        <m:r>
+                          <a:rPr lang="pt-PT" i="1" dirty="0" smtClean="0">
+                            <a:latin typeface="Cambria Math" panose="02040503050406030204" pitchFamily="18" charset="0"/>
+                          </a:rPr>
+                          <m:t>𝐵</m:t>
+                        </m:r>
+                      </m:num>
+                      <m:den>
+                        <m:sSub>
+                          <m:sSubPr>
+                            <m:ctrlPr>
+                              <a:rPr lang="pt-PT" i="1" dirty="0" smtClean="0">
+                                <a:solidFill>
+                                  <a:srgbClr val="836967"/>
+                                </a:solidFill>
+                                <a:latin typeface="Cambria Math" panose="02040503050406030204" pitchFamily="18" charset="0"/>
+                              </a:rPr>
+                            </m:ctrlPr>
+                          </m:sSubPr>
+                          <m:e>
+                            <m:r>
+                              <a:rPr lang="pt-PT" b="0" i="1" dirty="0" smtClean="0">
+                                <a:solidFill>
+                                  <a:srgbClr val="836967"/>
+                                </a:solidFill>
+                                <a:latin typeface="Cambria Math" panose="02040503050406030204" pitchFamily="18" charset="0"/>
+                              </a:rPr>
+                              <m:t>𝑉</m:t>
+                            </m:r>
+                          </m:e>
+                          <m:sub>
+                            <m:r>
+                              <a:rPr lang="pt-PT" i="1" dirty="0" smtClean="0">
+                                <a:latin typeface="Cambria Math" panose="02040503050406030204" pitchFamily="18" charset="0"/>
+                              </a:rPr>
+                              <m:t>𝐻</m:t>
+                            </m:r>
+                          </m:sub>
+                        </m:sSub>
+                      </m:den>
+                    </m:f>
+                    <m:r>
+                      <a:rPr lang="pt-PT" i="0" dirty="0" smtClean="0">
+                        <a:latin typeface="Cambria Math" panose="02040503050406030204" pitchFamily="18" charset="0"/>
+                      </a:rPr>
+                      <m:t>=</m:t>
+                    </m:r>
+                    <m:r>
+                      <a:rPr lang="pt-PT" i="1" dirty="0" smtClean="0">
+                        <a:latin typeface="Cambria Math" panose="02040503050406030204" pitchFamily="18" charset="0"/>
+                      </a:rPr>
+                      <m:t>𝐶𝐶</m:t>
+                    </m:r>
+                    <m:r>
+                      <a:rPr lang="pt-PT" dirty="0">
+                        <a:latin typeface="Cambria Math" panose="02040503050406030204" pitchFamily="18" charset="0"/>
+                      </a:rPr>
+                      <m:t>⇔</m:t>
+                    </m:r>
+                    <m:r>
+                      <a:rPr lang="pt-PT" i="1" dirty="0" smtClean="0">
+                        <a:latin typeface="Cambria Math" panose="02040503050406030204" pitchFamily="18" charset="0"/>
+                      </a:rPr>
+                      <m:t>𝐶𝐶</m:t>
+                    </m:r>
+                    <m:r>
+                      <a:rPr lang="pt-PT" i="0" dirty="0" smtClean="0">
+                        <a:latin typeface="Cambria Math" panose="02040503050406030204" pitchFamily="18" charset="0"/>
+                      </a:rPr>
+                      <m:t>=</m:t>
+                    </m:r>
+                    <m:f>
+                      <m:fPr>
+                        <m:ctrlPr>
+                          <a:rPr lang="pt-PT" i="1" dirty="0" smtClean="0">
+                            <a:solidFill>
+                              <a:srgbClr val="836967"/>
+                            </a:solidFill>
+                            <a:latin typeface="Cambria Math" panose="02040503050406030204" pitchFamily="18" charset="0"/>
+                          </a:rPr>
+                        </m:ctrlPr>
+                      </m:fPr>
+                      <m:num>
+                        <m:r>
+                          <a:rPr lang="pt-PT" i="1" dirty="0" smtClean="0">
+                            <a:latin typeface="Cambria Math" panose="02040503050406030204" pitchFamily="18" charset="0"/>
+                          </a:rPr>
+                          <m:t>𝑚</m:t>
+                        </m:r>
+                      </m:num>
+                      <m:den>
+                        <m:sSub>
+                          <m:sSubPr>
+                            <m:ctrlPr>
+                              <a:rPr lang="pt-PT" i="1" dirty="0" smtClean="0">
+                                <a:solidFill>
+                                  <a:srgbClr val="836967"/>
+                                </a:solidFill>
+                                <a:latin typeface="Cambria Math" panose="02040503050406030204" pitchFamily="18" charset="0"/>
+                              </a:rPr>
+                            </m:ctrlPr>
+                          </m:sSubPr>
+                          <m:e>
+                            <m:r>
+                              <a:rPr lang="pt-PT" i="1" dirty="0" smtClean="0">
+                                <a:latin typeface="Cambria Math" panose="02040503050406030204" pitchFamily="18" charset="0"/>
+                              </a:rPr>
+                              <m:t>𝜇</m:t>
+                            </m:r>
+                          </m:e>
+                          <m:sub>
+                            <m:r>
+                              <a:rPr lang="pt-PT" i="0" dirty="0" smtClean="0">
+                                <a:latin typeface="Cambria Math" panose="02040503050406030204" pitchFamily="18" charset="0"/>
+                              </a:rPr>
+                              <m:t>0</m:t>
+                            </m:r>
+                          </m:sub>
+                        </m:sSub>
+                        <m:r>
+                          <a:rPr lang="pt-PT" i="0" dirty="0" smtClean="0">
+                            <a:latin typeface="Cambria Math" panose="02040503050406030204" pitchFamily="18" charset="0"/>
+                          </a:rPr>
+                          <m:t>⋅</m:t>
+                        </m:r>
+                        <m:f>
+                          <m:fPr>
+                            <m:ctrlPr>
+                              <a:rPr lang="pt-PT" i="1" dirty="0" smtClean="0">
+                                <a:solidFill>
+                                  <a:srgbClr val="836967"/>
+                                </a:solidFill>
+                                <a:latin typeface="Cambria Math" panose="02040503050406030204" pitchFamily="18" charset="0"/>
+                              </a:rPr>
+                            </m:ctrlPr>
+                          </m:fPr>
+                          <m:num>
+                            <m:r>
+                              <a:rPr lang="pt-PT" i="1" dirty="0" smtClean="0">
+                                <a:latin typeface="Cambria Math" panose="02040503050406030204" pitchFamily="18" charset="0"/>
+                              </a:rPr>
+                              <m:t>𝑁</m:t>
+                            </m:r>
+                          </m:num>
+                          <m:den>
+                            <m:r>
+                              <a:rPr lang="pt-PT" i="1" dirty="0" smtClean="0">
+                                <a:latin typeface="Cambria Math" panose="02040503050406030204" pitchFamily="18" charset="0"/>
+                              </a:rPr>
+                              <m:t>𝐿</m:t>
+                            </m:r>
+                          </m:den>
+                        </m:f>
+                      </m:den>
+                    </m:f>
+                  </m:oMath>
+                </a14:m>
+                <a:r>
+                  <a:rPr lang="pt-PT" dirty="0"/>
+                  <a:t>;</a:t>
+                </a:r>
+              </a:p>
+              <a:p>
+                <a14:m>
+                  <m:oMath xmlns:m="http://schemas.openxmlformats.org/officeDocument/2006/math">
+                    <m:f>
+                      <m:fPr>
+                        <m:ctrlPr>
+                          <a:rPr lang="pt-PT" i="1" dirty="0">
+                            <a:solidFill>
+                              <a:srgbClr val="836967"/>
+                            </a:solidFill>
+                            <a:latin typeface="Cambria Math" panose="02040503050406030204" pitchFamily="18" charset="0"/>
+                          </a:rPr>
+                        </m:ctrlPr>
+                      </m:fPr>
+                      <m:num>
+                        <m:r>
+                          <a:rPr lang="pt-PT" i="1" dirty="0">
+                            <a:latin typeface="Cambria Math" panose="02040503050406030204" pitchFamily="18" charset="0"/>
+                          </a:rPr>
+                          <m:t>𝐵</m:t>
+                        </m:r>
+                      </m:num>
+                      <m:den>
+                        <m:sSub>
+                          <m:sSubPr>
+                            <m:ctrlPr>
+                              <a:rPr lang="pt-PT" i="1" dirty="0">
+                                <a:solidFill>
+                                  <a:srgbClr val="836967"/>
+                                </a:solidFill>
+                                <a:latin typeface="Cambria Math" panose="02040503050406030204" pitchFamily="18" charset="0"/>
+                              </a:rPr>
+                            </m:ctrlPr>
+                          </m:sSubPr>
+                          <m:e>
+                            <m:r>
+                              <a:rPr lang="pt-PT" i="1" dirty="0">
+                                <a:solidFill>
+                                  <a:srgbClr val="836967"/>
+                                </a:solidFill>
+                                <a:latin typeface="Cambria Math" panose="02040503050406030204" pitchFamily="18" charset="0"/>
+                              </a:rPr>
+                              <m:t>𝑉</m:t>
+                            </m:r>
+                          </m:e>
+                          <m:sub>
+                            <m:r>
+                              <a:rPr lang="pt-PT" i="1" dirty="0">
+                                <a:latin typeface="Cambria Math" panose="02040503050406030204" pitchFamily="18" charset="0"/>
+                              </a:rPr>
+                              <m:t>𝐻</m:t>
+                            </m:r>
+                          </m:sub>
+                        </m:sSub>
+                      </m:den>
+                    </m:f>
+                  </m:oMath>
+                </a14:m>
+                <a:r>
+                  <a:rPr lang="pt-PT" dirty="0"/>
+                  <a:t> = </a:t>
+                </a:r>
+                <a14:m>
+                  <m:oMath xmlns:m="http://schemas.openxmlformats.org/officeDocument/2006/math">
+                    <m:f>
+                      <m:fPr>
+                        <m:ctrlPr>
+                          <a:rPr lang="pt-PT" i="1" dirty="0">
+                            <a:solidFill>
+                              <a:srgbClr val="836967"/>
+                            </a:solidFill>
+                            <a:latin typeface="Cambria Math" panose="02040503050406030204" pitchFamily="18" charset="0"/>
+                          </a:rPr>
+                        </m:ctrlPr>
+                      </m:fPr>
+                      <m:num>
+                        <m:r>
+                          <a:rPr lang="pt-PT" i="1" dirty="0">
+                            <a:latin typeface="Cambria Math" panose="02040503050406030204" pitchFamily="18" charset="0"/>
+                          </a:rPr>
+                          <m:t>𝑚</m:t>
+                        </m:r>
+                      </m:num>
+                      <m:den>
+                        <m:sSub>
+                          <m:sSubPr>
+                            <m:ctrlPr>
+                              <a:rPr lang="pt-PT" i="1" dirty="0">
+                                <a:solidFill>
+                                  <a:srgbClr val="836967"/>
+                                </a:solidFill>
+                                <a:latin typeface="Cambria Math" panose="02040503050406030204" pitchFamily="18" charset="0"/>
+                              </a:rPr>
+                            </m:ctrlPr>
+                          </m:sSubPr>
+                          <m:e>
+                            <m:r>
+                              <a:rPr lang="pt-PT" i="1" dirty="0">
+                                <a:latin typeface="Cambria Math" panose="02040503050406030204" pitchFamily="18" charset="0"/>
+                              </a:rPr>
+                              <m:t>𝜇</m:t>
+                            </m:r>
+                          </m:e>
+                          <m:sub>
+                            <m:r>
+                              <a:rPr lang="pt-PT" dirty="0">
+                                <a:latin typeface="Cambria Math" panose="02040503050406030204" pitchFamily="18" charset="0"/>
+                              </a:rPr>
+                              <m:t>0</m:t>
+                            </m:r>
+                          </m:sub>
+                        </m:sSub>
+                        <m:r>
+                          <a:rPr lang="pt-PT" dirty="0">
+                            <a:latin typeface="Cambria Math" panose="02040503050406030204" pitchFamily="18" charset="0"/>
+                          </a:rPr>
+                          <m:t>⋅</m:t>
+                        </m:r>
+                        <m:f>
+                          <m:fPr>
+                            <m:ctrlPr>
+                              <a:rPr lang="pt-PT" i="1" dirty="0">
+                                <a:solidFill>
+                                  <a:srgbClr val="836967"/>
+                                </a:solidFill>
+                                <a:latin typeface="Cambria Math" panose="02040503050406030204" pitchFamily="18" charset="0"/>
+                              </a:rPr>
+                            </m:ctrlPr>
+                          </m:fPr>
+                          <m:num>
+                            <m:r>
+                              <a:rPr lang="pt-PT" i="1" dirty="0">
+                                <a:latin typeface="Cambria Math" panose="02040503050406030204" pitchFamily="18" charset="0"/>
+                              </a:rPr>
+                              <m:t>𝑁</m:t>
+                            </m:r>
+                          </m:num>
+                          <m:den>
+                            <m:r>
+                              <a:rPr lang="pt-PT" i="1" dirty="0">
+                                <a:latin typeface="Cambria Math" panose="02040503050406030204" pitchFamily="18" charset="0"/>
+                              </a:rPr>
+                              <m:t>𝐿</m:t>
+                            </m:r>
+                          </m:den>
+                        </m:f>
+                      </m:den>
+                    </m:f>
+                  </m:oMath>
+                </a14:m>
+                <a:r>
+                  <a:rPr lang="pt-PT" dirty="0"/>
+                  <a:t> </a:t>
+                </a:r>
+                <a14:m>
+                  <m:oMath xmlns:m="http://schemas.openxmlformats.org/officeDocument/2006/math">
+                    <m:r>
+                      <a:rPr lang="pt-PT" dirty="0">
+                        <a:latin typeface="Cambria Math" panose="02040503050406030204" pitchFamily="18" charset="0"/>
+                      </a:rPr>
+                      <m:t>⇔</m:t>
+                    </m:r>
+                  </m:oMath>
+                </a14:m>
+                <a:r>
+                  <a:rPr lang="pt-PT" dirty="0"/>
+                  <a:t> </a:t>
+                </a:r>
+                <a14:m>
+                  <m:oMath xmlns:m="http://schemas.openxmlformats.org/officeDocument/2006/math">
+                    <m:r>
+                      <a:rPr lang="pt-PT" i="1" dirty="0">
+                        <a:latin typeface="Cambria Math" panose="02040503050406030204" pitchFamily="18" charset="0"/>
+                      </a:rPr>
+                      <m:t>𝐵</m:t>
+                    </m:r>
+                  </m:oMath>
+                </a14:m>
+                <a:r>
+                  <a:rPr lang="pt-PT" dirty="0"/>
+                  <a:t> = </a:t>
+                </a:r>
+                <a14:m>
+                  <m:oMath xmlns:m="http://schemas.openxmlformats.org/officeDocument/2006/math">
+                    <m:f>
+                      <m:fPr>
+                        <m:ctrlPr>
+                          <a:rPr lang="pt-PT" i="1" dirty="0">
+                            <a:solidFill>
+                              <a:srgbClr val="836967"/>
+                            </a:solidFill>
+                            <a:latin typeface="Cambria Math" panose="02040503050406030204" pitchFamily="18" charset="0"/>
+                          </a:rPr>
+                        </m:ctrlPr>
+                      </m:fPr>
+                      <m:num>
+                        <m:r>
+                          <a:rPr lang="pt-PT" i="1" dirty="0">
+                            <a:latin typeface="Cambria Math" panose="02040503050406030204" pitchFamily="18" charset="0"/>
+                          </a:rPr>
+                          <m:t>𝑚</m:t>
+                        </m:r>
+                      </m:num>
+                      <m:den>
+                        <m:sSub>
+                          <m:sSubPr>
+                            <m:ctrlPr>
+                              <a:rPr lang="pt-PT" i="1" dirty="0">
+                                <a:solidFill>
+                                  <a:srgbClr val="836967"/>
+                                </a:solidFill>
+                                <a:latin typeface="Cambria Math" panose="02040503050406030204" pitchFamily="18" charset="0"/>
+                              </a:rPr>
+                            </m:ctrlPr>
+                          </m:sSubPr>
+                          <m:e>
+                            <m:r>
+                              <a:rPr lang="pt-PT" i="1" dirty="0">
+                                <a:latin typeface="Cambria Math" panose="02040503050406030204" pitchFamily="18" charset="0"/>
+                              </a:rPr>
+                              <m:t>𝜇</m:t>
+                            </m:r>
+                          </m:e>
+                          <m:sub>
+                            <m:r>
+                              <a:rPr lang="pt-PT" dirty="0">
+                                <a:latin typeface="Cambria Math" panose="02040503050406030204" pitchFamily="18" charset="0"/>
+                              </a:rPr>
+                              <m:t>0</m:t>
+                            </m:r>
+                          </m:sub>
+                        </m:sSub>
+                        <m:r>
+                          <a:rPr lang="pt-PT" dirty="0">
+                            <a:latin typeface="Cambria Math" panose="02040503050406030204" pitchFamily="18" charset="0"/>
+                          </a:rPr>
+                          <m:t>⋅</m:t>
+                        </m:r>
+                        <m:f>
+                          <m:fPr>
+                            <m:ctrlPr>
+                              <a:rPr lang="pt-PT" i="1" dirty="0">
+                                <a:solidFill>
+                                  <a:srgbClr val="836967"/>
+                                </a:solidFill>
+                                <a:latin typeface="Cambria Math" panose="02040503050406030204" pitchFamily="18" charset="0"/>
+                              </a:rPr>
+                            </m:ctrlPr>
+                          </m:fPr>
+                          <m:num>
+                            <m:r>
+                              <a:rPr lang="pt-PT" i="1" dirty="0">
+                                <a:latin typeface="Cambria Math" panose="02040503050406030204" pitchFamily="18" charset="0"/>
+                              </a:rPr>
+                              <m:t>𝑁</m:t>
+                            </m:r>
+                          </m:num>
+                          <m:den>
+                            <m:r>
+                              <a:rPr lang="pt-PT" i="1" dirty="0">
+                                <a:latin typeface="Cambria Math" panose="02040503050406030204" pitchFamily="18" charset="0"/>
+                              </a:rPr>
+                              <m:t>𝐿</m:t>
+                            </m:r>
+                          </m:den>
+                        </m:f>
+                      </m:den>
+                    </m:f>
+                  </m:oMath>
+                </a14:m>
+                <a:r>
+                  <a:rPr lang="pt-PT" dirty="0"/>
+                  <a:t> </a:t>
+                </a:r>
+                <a14:m>
+                  <m:oMath xmlns:m="http://schemas.openxmlformats.org/officeDocument/2006/math">
+                    <m:r>
+                      <a:rPr lang="pt-PT" dirty="0">
+                        <a:latin typeface="Cambria Math" panose="02040503050406030204" pitchFamily="18" charset="0"/>
+                      </a:rPr>
+                      <m:t>⋅</m:t>
+                    </m:r>
+                  </m:oMath>
+                </a14:m>
+                <a:r>
+                  <a:rPr lang="pt-PT" dirty="0">
+                    <a:solidFill>
+                      <a:srgbClr val="836967"/>
+                    </a:solidFill>
+                  </a:rPr>
+                  <a:t> </a:t>
+                </a:r>
+                <a14:m>
+                  <m:oMath xmlns:m="http://schemas.openxmlformats.org/officeDocument/2006/math">
+                    <m:sSub>
+                      <m:sSubPr>
+                        <m:ctrlPr>
+                          <a:rPr lang="pt-PT" i="1" dirty="0">
+                            <a:solidFill>
+                              <a:srgbClr val="836967"/>
+                            </a:solidFill>
+                            <a:latin typeface="Cambria Math" panose="02040503050406030204" pitchFamily="18" charset="0"/>
+                          </a:rPr>
+                        </m:ctrlPr>
+                      </m:sSubPr>
+                      <m:e>
+                        <m:r>
+                          <a:rPr lang="pt-PT" i="1" dirty="0">
+                            <a:solidFill>
+                              <a:srgbClr val="836967"/>
+                            </a:solidFill>
+                            <a:latin typeface="Cambria Math" panose="02040503050406030204" pitchFamily="18" charset="0"/>
+                          </a:rPr>
+                          <m:t>𝑉</m:t>
+                        </m:r>
+                      </m:e>
+                      <m:sub>
+                        <m:r>
+                          <a:rPr lang="pt-PT" i="1" dirty="0">
+                            <a:latin typeface="Cambria Math" panose="02040503050406030204" pitchFamily="18" charset="0"/>
+                          </a:rPr>
+                          <m:t>𝐻</m:t>
+                        </m:r>
+                      </m:sub>
+                    </m:sSub>
+                  </m:oMath>
+                </a14:m>
+                <a:r>
+                  <a:rPr lang="pt-PT" dirty="0"/>
+                  <a:t>;</a:t>
+                </a:r>
+              </a:p>
+              <a:p>
+                <a:endParaRPr lang="pt-PT" dirty="0"/>
+              </a:p>
+              <a:p>
+                <a:r>
+                  <a:rPr lang="pt-PT" dirty="0"/>
+                  <a:t>Conseguimos calcular o campo para as várias distâncias medidas.</a:t>
+                </a:r>
+              </a:p>
+              <a:p>
+                <a:endParaRPr lang="pt-PT" dirty="0"/>
+              </a:p>
+            </p:txBody>
+          </p:sp>
+        </mc:Choice>
+        <mc:Fallback>
+          <p:sp>
+            <p:nvSpPr>
+              <p:cNvPr id="3" name="Marcador de Posição de Conteúdo 2">
+                <a:extLst>
+                  <a:ext uri="{FF2B5EF4-FFF2-40B4-BE49-F238E27FC236}">
+                    <a16:creationId xmlns:a16="http://schemas.microsoft.com/office/drawing/2014/main" id="{F40447F8-6EDC-4AA2-94E7-514DA0343628}"/>
+                  </a:ext>
+                </a:extLst>
+              </p:cNvPr>
+              <p:cNvSpPr>
+                <a:spLocks noGrp="1" noRot="1" noChangeAspect="1" noMove="1" noResize="1" noEditPoints="1" noAdjustHandles="1" noChangeArrowheads="1" noChangeShapeType="1" noTextEdit="1"/>
+              </p:cNvSpPr>
+              <p:nvPr>
+                <p:ph idx="1"/>
+              </p:nvPr>
+            </p:nvSpPr>
+            <p:spPr>
+              <a:blipFill>
+                <a:blip r:embed="rId2"/>
+                <a:stretch>
+                  <a:fillRect l="-142" t="-942" r="-993"/>
+                </a:stretch>
+              </a:blipFill>
+            </p:spPr>
+            <p:txBody>
+              <a:bodyPr/>
+              <a:lstStyle/>
+              <a:p>
+                <a:r>
+                  <a:rPr lang="pt-PT">
+                    <a:noFill/>
+                  </a:rPr>
+                  <a:t> </a:t>
+                </a:r>
+              </a:p>
+            </p:txBody>
+          </p:sp>
+        </mc:Fallback>
+      </mc:AlternateContent>
+    </p:spTree>
+    <p:extLst>
+      <p:ext uri="{BB962C8B-B14F-4D97-AF65-F5344CB8AC3E}">
+        <p14:creationId xmlns:p14="http://schemas.microsoft.com/office/powerpoint/2010/main" val="3150831697"/>
+      </p:ext>
+    </p:extLst>
+  </p:cSld>
+  <p:clrMapOvr>
+    <a:masterClrMapping/>
+  </p:clrMapOvr>
+</p:sld>
+</file>
+
+<file path=ppt/slides/slide7.xml><?xml version="1.0" encoding="utf-8"?>
+<p:sld xmlns:a="http://schemas.openxmlformats.org/drawingml/2006/main" xmlns:r="http://schemas.openxmlformats.org/officeDocument/2006/relationships" xmlns:p="http://schemas.openxmlformats.org/presentationml/2006/main">
+  <p:cSld>
+    <p:bg>
+      <p:bgPr>
+        <a:solidFill>
+          <a:schemeClr val="bg1"/>
+        </a:solidFill>
+        <a:effectLst/>
+      </p:bgPr>
+    </p:bg>
+    <p:spTree>
+      <p:nvGrpSpPr>
+        <p:cNvPr id="1" name=""/>
+        <p:cNvGrpSpPr/>
+        <p:nvPr/>
+      </p:nvGrpSpPr>
+      <p:grpSpPr>
+        <a:xfrm>
+          <a:off x="0" y="0"/>
+          <a:ext cx="0" cy="0"/>
+          <a:chOff x="0" y="0"/>
+          <a:chExt cx="0" cy="0"/>
+        </a:xfrm>
+      </p:grpSpPr>
+      <p:sp useBgFill="1">
+        <p:nvSpPr>
+          <p:cNvPr id="24" name="Rectangle 8">
+            <a:extLst>
+              <a:ext uri="{FF2B5EF4-FFF2-40B4-BE49-F238E27FC236}">
+                <a16:creationId xmlns:a16="http://schemas.microsoft.com/office/drawing/2014/main" id="{9F4444CE-BC8D-4D61-B303-4C05614E62AB}"/>
+              </a:ext>
+              <a:ext uri="{C183D7F6-B498-43B3-948B-1728B52AA6E4}">
+                <adec:decorative xmlns:adec="http://schemas.microsoft.com/office/drawing/2017/decorative" val="1"/>
+              </a:ext>
+            </a:extLst>
+          </p:cNvPr>
+          <p:cNvSpPr>
+            <a:spLocks noGrp="1" noRot="1" noChangeAspect="1" noMove="1" noResize="1" noEditPoints="1" noAdjustHandles="1" noChangeArrowheads="1" noChangeShapeType="1" noTextEdit="1"/>
+          </p:cNvSpPr>
+          <p:nvPr>
+            <p:extLst>
+              <p:ext uri="{386F3935-93C4-4BCD-93E2-E3B085C9AB24}">
+                <p16:designElem xmlns:p16="http://schemas.microsoft.com/office/powerpoint/2015/main" val="1"/>
+              </p:ext>
+            </p:extLst>
+          </p:nvPr>
+        </p:nvSpPr>
+        <p:spPr>
+          <a:xfrm>
+            <a:off x="0" y="0"/>
+            <a:ext cx="12192000" cy="6858000"/>
+          </a:xfrm>
+          <a:prstGeom prst="rect">
+            <a:avLst/>
+          </a:prstGeom>
+          <a:ln>
+            <a:noFill/>
+          </a:ln>
+        </p:spPr>
+        <p:style>
+          <a:lnRef idx="2">
+            <a:schemeClr val="accent1">
+              <a:shade val="50000"/>
+            </a:schemeClr>
+          </a:lnRef>
+          <a:fillRef idx="1">
+            <a:schemeClr val="accent1"/>
+          </a:fillRef>
+          <a:effectRef idx="0">
+            <a:schemeClr val="accent1"/>
+          </a:effectRef>
+          <a:fontRef idx="minor">
+            <a:schemeClr val="lt1"/>
+          </a:fontRef>
+        </p:style>
+        <p:txBody>
+          <a:bodyPr rtlCol="0" anchor="ctr"/>
+          <a:lstStyle/>
+          <a:p>
+            <a:pPr algn="ctr"/>
+            <a:endParaRPr lang="en-US"/>
+          </a:p>
+        </p:txBody>
+      </p:sp>
+      <p:sp>
+        <p:nvSpPr>
+          <p:cNvPr id="2" name="Título 1">
+            <a:extLst>
+              <a:ext uri="{FF2B5EF4-FFF2-40B4-BE49-F238E27FC236}">
+                <a16:creationId xmlns:a16="http://schemas.microsoft.com/office/drawing/2014/main" id="{33CAADD2-77DE-418B-A894-01BC2973786C}"/>
+              </a:ext>
+            </a:extLst>
+          </p:cNvPr>
+          <p:cNvSpPr>
+            <a:spLocks noGrp="1"/>
+          </p:cNvSpPr>
+          <p:nvPr>
+            <p:ph type="title"/>
+          </p:nvPr>
+        </p:nvSpPr>
+        <p:spPr>
+          <a:xfrm>
+            <a:off x="1286933" y="609600"/>
+            <a:ext cx="9694745" cy="775317"/>
+          </a:xfrm>
+        </p:spPr>
+        <p:txBody>
+          <a:bodyPr>
+            <a:normAutofit/>
+          </a:bodyPr>
+          <a:lstStyle/>
+          <a:p>
+            <a:r>
+              <a:rPr lang="pt-PT" dirty="0"/>
+              <a:t>Verificação do princípio de sobreposição</a:t>
+            </a:r>
+          </a:p>
+        </p:txBody>
+      </p:sp>
+      <p:sp>
+        <p:nvSpPr>
+          <p:cNvPr id="25" name="Isosceles Triangle 10">
+            <a:extLst>
+              <a:ext uri="{FF2B5EF4-FFF2-40B4-BE49-F238E27FC236}">
+                <a16:creationId xmlns:a16="http://schemas.microsoft.com/office/drawing/2014/main" id="{73772B81-181F-48B7-8826-4D9686D15DF5}"/>
+              </a:ext>
+              <a:ext uri="{C183D7F6-B498-43B3-948B-1728B52AA6E4}">
+                <adec:decorative xmlns:adec="http://schemas.microsoft.com/office/drawing/2017/decorative" val="1"/>
+              </a:ext>
+            </a:extLst>
+          </p:cNvPr>
+          <p:cNvSpPr>
+            <a:spLocks noGrp="1" noRot="1" noChangeAspect="1" noMove="1" noResize="1" noEditPoints="1" noAdjustHandles="1" noChangeArrowheads="1" noChangeShapeType="1" noTextEdit="1"/>
+          </p:cNvSpPr>
+          <p:nvPr>
+            <p:extLst>
+              <p:ext uri="{386F3935-93C4-4BCD-93E2-E3B085C9AB24}">
+                <p16:designElem xmlns:p16="http://schemas.microsoft.com/office/powerpoint/2015/main" val="1"/>
+              </p:ext>
+            </p:extLst>
+          </p:nvPr>
+        </p:nvSpPr>
+        <p:spPr>
+          <a:xfrm rot="10800000">
+            <a:off x="0" y="0"/>
+            <a:ext cx="842596" cy="5666154"/>
+          </a:xfrm>
+          <a:prstGeom prst="triangle">
+            <a:avLst>
+              <a:gd name="adj" fmla="val 100000"/>
+            </a:avLst>
+          </a:prstGeom>
+          <a:solidFill>
+            <a:schemeClr val="accent1">
+              <a:alpha val="85000"/>
+            </a:schemeClr>
+          </a:solidFill>
+          <a:ln>
+            <a:noFill/>
+          </a:ln>
+          <a:effectLst/>
+        </p:spPr>
+        <p:style>
+          <a:lnRef idx="1">
+            <a:schemeClr val="accent1"/>
+          </a:lnRef>
+          <a:fillRef idx="3">
+            <a:schemeClr val="accent1"/>
+          </a:fillRef>
+          <a:effectRef idx="2">
+            <a:schemeClr val="accent1"/>
+          </a:effectRef>
+          <a:fontRef idx="minor">
+            <a:schemeClr val="lt1"/>
+          </a:fontRef>
+        </p:style>
+      </p:sp>
+      <p:sp>
+        <p:nvSpPr>
+          <p:cNvPr id="13" name="Isosceles Triangle 12">
+            <a:extLst>
+              <a:ext uri="{FF2B5EF4-FFF2-40B4-BE49-F238E27FC236}">
+                <a16:creationId xmlns:a16="http://schemas.microsoft.com/office/drawing/2014/main" id="{B2205F6E-03C6-4E92-877C-E2482F6599AA}"/>
+              </a:ext>
+              <a:ext uri="{C183D7F6-B498-43B3-948B-1728B52AA6E4}">
+                <adec:decorative xmlns:adec="http://schemas.microsoft.com/office/drawing/2017/decorative" val="1"/>
+              </a:ext>
+            </a:extLst>
+          </p:cNvPr>
+          <p:cNvSpPr>
+            <a:spLocks noGrp="1" noRot="1" noChangeAspect="1" noMove="1" noResize="1" noEditPoints="1" noAdjustHandles="1" noChangeArrowheads="1" noChangeShapeType="1" noTextEdit="1"/>
+          </p:cNvSpPr>
+          <p:nvPr>
+            <p:extLst>
+              <p:ext uri="{386F3935-93C4-4BCD-93E2-E3B085C9AB24}">
+                <p16:designElem xmlns:p16="http://schemas.microsoft.com/office/powerpoint/2015/main" val="1"/>
+              </p:ext>
+            </p:extLst>
+          </p:nvPr>
+        </p:nvSpPr>
+        <p:spPr>
+          <a:xfrm flipH="1">
+            <a:off x="11743267" y="4013200"/>
+            <a:ext cx="448733" cy="2844800"/>
+          </a:xfrm>
+          <a:prstGeom prst="triangle">
+            <a:avLst>
+              <a:gd name="adj" fmla="val 0"/>
+            </a:avLst>
+          </a:prstGeom>
+          <a:solidFill>
+            <a:schemeClr val="accent1">
+              <a:alpha val="85000"/>
+            </a:schemeClr>
+          </a:solidFill>
+          <a:ln>
+            <a:noFill/>
+          </a:ln>
+          <a:effectLst/>
+        </p:spPr>
+        <p:style>
+          <a:lnRef idx="1">
+            <a:schemeClr val="accent1"/>
+          </a:lnRef>
+          <a:fillRef idx="3">
+            <a:schemeClr val="accent1"/>
+          </a:fillRef>
+          <a:effectRef idx="2">
+            <a:schemeClr val="accent1"/>
+          </a:effectRef>
+          <a:fontRef idx="minor">
+            <a:schemeClr val="lt1"/>
+          </a:fontRef>
+        </p:style>
+      </p:sp>
+      <p:graphicFrame>
+        <p:nvGraphicFramePr>
+          <p:cNvPr id="4" name="Marcador de Posição de Conteúdo 3">
+            <a:extLst>
+              <a:ext uri="{FF2B5EF4-FFF2-40B4-BE49-F238E27FC236}">
+                <a16:creationId xmlns:a16="http://schemas.microsoft.com/office/drawing/2014/main" id="{F90A7CAC-479E-436E-B009-DB7E530B1904}"/>
+              </a:ext>
+            </a:extLst>
+          </p:cNvPr>
+          <p:cNvGraphicFramePr>
+            <a:graphicFrameLocks noGrp="1"/>
+          </p:cNvGraphicFramePr>
+          <p:nvPr>
+            <p:ph idx="1"/>
+            <p:extLst>
+              <p:ext uri="{D42A27DB-BD31-4B8C-83A1-F6EECF244321}">
+                <p14:modId xmlns:p14="http://schemas.microsoft.com/office/powerpoint/2010/main" val="491706088"/>
+              </p:ext>
+            </p:extLst>
+          </p:nvPr>
+        </p:nvGraphicFramePr>
+        <p:xfrm>
+          <a:off x="1286934" y="2104008"/>
+          <a:ext cx="9357392" cy="3938017"/>
+        </p:xfrm>
+        <a:graphic>
+          <a:graphicData uri="http://schemas.openxmlformats.org/drawingml/2006/chart">
+            <c:chart xmlns:c="http://schemas.openxmlformats.org/drawingml/2006/chart" xmlns:r="http://schemas.openxmlformats.org/officeDocument/2006/relationships" r:id="rId2"/>
+          </a:graphicData>
+        </a:graphic>
+      </p:graphicFrame>
+    </p:spTree>
+    <p:extLst>
+      <p:ext uri="{BB962C8B-B14F-4D97-AF65-F5344CB8AC3E}">
+        <p14:creationId xmlns:p14="http://schemas.microsoft.com/office/powerpoint/2010/main" val="637849929"/>
+      </p:ext>
+    </p:extLst>
+  </p:cSld>
+  <p:clrMapOvr>
+    <a:masterClrMapping/>
+  </p:clrMapOvr>
+</p:sld>
+</file>
+
+<file path=ppt/slides/slide8.xml><?xml version="1.0" encoding="utf-8"?>
+<p:sld xmlns:a="http://schemas.openxmlformats.org/drawingml/2006/main" xmlns:r="http://schemas.openxmlformats.org/officeDocument/2006/relationships" xmlns:p="http://schemas.openxmlformats.org/presentationml/2006/main">
+  <p:cSld>
+    <p:spTree>
+      <p:nvGrpSpPr>
+        <p:cNvPr id="1" name=""/>
+        <p:cNvGrpSpPr/>
+        <p:nvPr/>
+      </p:nvGrpSpPr>
+      <p:grpSpPr>
+        <a:xfrm>
+          <a:off x="0" y="0"/>
+          <a:ext cx="0" cy="0"/>
+          <a:chOff x="0" y="0"/>
+          <a:chExt cx="0" cy="0"/>
+        </a:xfrm>
+      </p:grpSpPr>
+      <p:sp>
+        <p:nvSpPr>
+          <p:cNvPr id="2" name="Título 1">
+            <a:extLst>
+              <a:ext uri="{FF2B5EF4-FFF2-40B4-BE49-F238E27FC236}">
+                <a16:creationId xmlns:a16="http://schemas.microsoft.com/office/drawing/2014/main" id="{BD9C7FE9-BF60-453D-BD9E-EFFFB113E391}"/>
+              </a:ext>
+            </a:extLst>
+          </p:cNvPr>
+          <p:cNvSpPr>
+            <a:spLocks noGrp="1"/>
+          </p:cNvSpPr>
+          <p:nvPr>
+            <p:ph type="title"/>
+          </p:nvPr>
+        </p:nvSpPr>
+        <p:spPr/>
+        <p:txBody>
+          <a:bodyPr/>
+          <a:lstStyle/>
+          <a:p>
+            <a:r>
+              <a:rPr lang="pt-PT" dirty="0"/>
+              <a:t>Cálculo de número de espiras</a:t>
+            </a:r>
+          </a:p>
+        </p:txBody>
+      </p:sp>
+      <mc:AlternateContent xmlns:mc="http://schemas.openxmlformats.org/markup-compatibility/2006">
+        <mc:Choice xmlns:a14="http://schemas.microsoft.com/office/drawing/2010/main" Requires="a14">
+          <p:sp>
+            <p:nvSpPr>
+              <p:cNvPr id="3" name="Marcador de Posição de Conteúdo 2">
+                <a:extLst>
+                  <a:ext uri="{FF2B5EF4-FFF2-40B4-BE49-F238E27FC236}">
+                    <a16:creationId xmlns:a16="http://schemas.microsoft.com/office/drawing/2014/main" id="{EEC238DE-4776-4CAF-9496-80BB5E0F347C}"/>
+                  </a:ext>
+                </a:extLst>
+              </p:cNvPr>
+              <p:cNvSpPr>
+                <a:spLocks noGrp="1"/>
+              </p:cNvSpPr>
+              <p:nvPr>
+                <p:ph idx="1"/>
+              </p:nvPr>
+            </p:nvSpPr>
+            <p:spPr>
+              <a:xfrm>
+                <a:off x="677334" y="2760954"/>
+                <a:ext cx="8596668" cy="2166647"/>
+              </a:xfrm>
+            </p:spPr>
+            <p:txBody>
+              <a:bodyPr numCol="1"/>
+              <a:lstStyle/>
+              <a:p>
+                <a:pPr algn="ctr"/>
+                <a:r>
+                  <a:rPr lang="pt-PT" dirty="0"/>
+                  <a:t>De forma a conseguirmos obter o número de espiras, foi usada a seguinte expressão, </a:t>
+                </a:r>
+                <a14:m>
+                  <m:oMath xmlns:m="http://schemas.openxmlformats.org/officeDocument/2006/math">
+                    <m:sSub>
+                      <m:sSubPr>
+                        <m:ctrlPr>
+                          <a:rPr lang="pt-PT" smtClean="0">
+                            <a:solidFill>
+                              <a:srgbClr val="836967"/>
+                            </a:solidFill>
+                            <a:latin typeface="Cambria Math" panose="02040503050406030204" pitchFamily="18" charset="0"/>
+                          </a:rPr>
+                        </m:ctrlPr>
+                      </m:sSubPr>
+                      <m:e>
+                        <m:r>
+                          <a:rPr lang="pt-PT" i="1">
+                            <a:latin typeface="Cambria Math" panose="02040503050406030204" pitchFamily="18" charset="0"/>
+                          </a:rPr>
+                          <m:t>𝐵</m:t>
+                        </m:r>
+                      </m:e>
+                      <m:sub>
+                        <m:r>
+                          <a:rPr lang="pt-PT" i="1">
+                            <a:latin typeface="Cambria Math" panose="02040503050406030204" pitchFamily="18" charset="0"/>
+                          </a:rPr>
+                          <m:t>𝑝</m:t>
+                        </m:r>
+                      </m:sub>
+                    </m:sSub>
+                    <m:r>
+                      <a:rPr lang="pt-PT" i="0">
+                        <a:latin typeface="Cambria Math" panose="02040503050406030204" pitchFamily="18" charset="0"/>
+                      </a:rPr>
+                      <m:t>=</m:t>
+                    </m:r>
+                    <m:r>
+                      <a:rPr lang="pt-PT" i="1">
+                        <a:latin typeface="Cambria Math" panose="02040503050406030204" pitchFamily="18" charset="0"/>
+                      </a:rPr>
+                      <m:t>𝑁</m:t>
+                    </m:r>
+                    <m:r>
+                      <a:rPr lang="pt-PT" i="0">
+                        <a:latin typeface="Cambria Math" panose="02040503050406030204" pitchFamily="18" charset="0"/>
+                      </a:rPr>
+                      <m:t>⋅</m:t>
+                    </m:r>
+                    <m:sSub>
+                      <m:sSubPr>
+                        <m:ctrlPr>
+                          <a:rPr lang="pt-PT" i="1">
+                            <a:solidFill>
+                              <a:srgbClr val="836967"/>
+                            </a:solidFill>
+                            <a:latin typeface="Cambria Math" panose="02040503050406030204" pitchFamily="18" charset="0"/>
+                          </a:rPr>
+                        </m:ctrlPr>
+                      </m:sSubPr>
+                      <m:e>
+                        <m:r>
+                          <a:rPr lang="pt-PT" i="1">
+                            <a:latin typeface="Cambria Math" panose="02040503050406030204" pitchFamily="18" charset="0"/>
+                          </a:rPr>
+                          <m:t>𝐵</m:t>
+                        </m:r>
+                      </m:e>
+                      <m:sub>
+                        <m:r>
+                          <a:rPr lang="pt-PT" i="1">
+                            <a:latin typeface="Cambria Math" panose="02040503050406030204" pitchFamily="18" charset="0"/>
+                          </a:rPr>
+                          <m:t>𝑇</m:t>
+                        </m:r>
+                      </m:sub>
+                    </m:sSub>
+                  </m:oMath>
+                </a14:m>
+                <a:r>
+                  <a:rPr lang="pt-PT" dirty="0"/>
+                  <a:t>, sendo que o valor obtido foi de N = 119,6 espiras.</a:t>
+                </a:r>
+              </a:p>
+            </p:txBody>
+          </p:sp>
+        </mc:Choice>
+        <mc:Fallback>
+          <p:sp>
+            <p:nvSpPr>
+              <p:cNvPr id="3" name="Marcador de Posição de Conteúdo 2">
+                <a:extLst>
+                  <a:ext uri="{FF2B5EF4-FFF2-40B4-BE49-F238E27FC236}">
+                    <a16:creationId xmlns:a16="http://schemas.microsoft.com/office/drawing/2014/main" id="{EEC238DE-4776-4CAF-9496-80BB5E0F347C}"/>
+                  </a:ext>
+                </a:extLst>
+              </p:cNvPr>
+              <p:cNvSpPr>
+                <a:spLocks noGrp="1" noRot="1" noChangeAspect="1" noMove="1" noResize="1" noEditPoints="1" noAdjustHandles="1" noChangeArrowheads="1" noChangeShapeType="1" noTextEdit="1"/>
+              </p:cNvSpPr>
+              <p:nvPr>
+                <p:ph idx="1"/>
+              </p:nvPr>
+            </p:nvSpPr>
+            <p:spPr>
+              <a:xfrm>
+                <a:off x="677334" y="2760954"/>
+                <a:ext cx="8596668" cy="2166647"/>
+              </a:xfrm>
+              <a:blipFill>
+                <a:blip r:embed="rId2"/>
+                <a:stretch>
+                  <a:fillRect t="-1972"/>
+                </a:stretch>
+              </a:blipFill>
+            </p:spPr>
+            <p:txBody>
+              <a:bodyPr/>
+              <a:lstStyle/>
+              <a:p>
+                <a:r>
+                  <a:rPr lang="pt-PT">
+                    <a:noFill/>
+                  </a:rPr>
+                  <a:t> </a:t>
+                </a:r>
+              </a:p>
+            </p:txBody>
+          </p:sp>
+        </mc:Fallback>
+      </mc:AlternateContent>
+    </p:spTree>
+    <p:extLst>
+      <p:ext uri="{BB962C8B-B14F-4D97-AF65-F5344CB8AC3E}">
+        <p14:creationId xmlns:p14="http://schemas.microsoft.com/office/powerpoint/2010/main" val="2715772204"/>
       </p:ext>
     </p:extLst>
   </p:cSld>

--- a/AprestOralMCE.pptx
+++ b/AprestOralMCE.pptx
@@ -6,9 +6,15 @@
   </p:sldMasterIdLst>
   <p:sldIdLst>
     <p:sldId id="256" r:id="rId2"/>
-    <p:sldId id="257" r:id="rId3"/>
-    <p:sldId id="258" r:id="rId4"/>
-    <p:sldId id="259" r:id="rId5"/>
+    <p:sldId id="265" r:id="rId3"/>
+    <p:sldId id="259" r:id="rId4"/>
+    <p:sldId id="264" r:id="rId5"/>
+    <p:sldId id="266" r:id="rId6"/>
+    <p:sldId id="258" r:id="rId7"/>
+    <p:sldId id="262" r:id="rId8"/>
+    <p:sldId id="263" r:id="rId9"/>
+    <p:sldId id="260" r:id="rId10"/>
+    <p:sldId id="261" r:id="rId11"/>
   </p:sldIdLst>
   <p:sldSz cx="12192000" cy="6858000"/>
   <p:notesSz cx="6858000" cy="9144000"/>
@@ -107,7 +113,2843 @@
       </a:defRPr>
     </a:lvl9pPr>
   </p:defaultTextStyle>
+  <p:extLst>
+    <p:ext uri="{EFAFB233-063F-42B5-8137-9DF3F51BA10A}">
+      <p15:sldGuideLst xmlns:p15="http://schemas.microsoft.com/office/powerpoint/2012/main"/>
+    </p:ext>
+  </p:extLst>
 </p:presentation>
+</file>
+
+<file path=ppt/charts/chart1.xml><?xml version="1.0" encoding="utf-8"?>
+<c:chartSpace xmlns:c="http://schemas.openxmlformats.org/drawingml/2006/chart" xmlns:a="http://schemas.openxmlformats.org/drawingml/2006/main" xmlns:r="http://schemas.openxmlformats.org/officeDocument/2006/relationships" xmlns:c16r2="http://schemas.microsoft.com/office/drawing/2015/06/chart">
+  <c:date1904 val="0"/>
+  <c:lang val="pt-PT"/>
+  <c:roundedCorners val="0"/>
+  <mc:AlternateContent xmlns:mc="http://schemas.openxmlformats.org/markup-compatibility/2006">
+    <mc:Choice xmlns:c14="http://schemas.microsoft.com/office/drawing/2007/8/2/chart" Requires="c14">
+      <c14:style val="102"/>
+    </mc:Choice>
+    <mc:Fallback>
+      <c:style val="2"/>
+    </mc:Fallback>
+  </mc:AlternateContent>
+  <c:chart>
+    <c:title>
+      <c:tx>
+        <c:rich>
+          <a:bodyPr rot="0" spcFirstLastPara="1" vertOverflow="ellipsis" vert="horz" wrap="square" anchor="ctr" anchorCtr="1"/>
+          <a:lstStyle/>
+          <a:p>
+            <a:pPr>
+              <a:defRPr lang="en-US" sz="1680" b="0" i="0" u="none" strike="noStrike" kern="1200" spc="0" baseline="0">
+                <a:solidFill>
+                  <a:sysClr val="windowText" lastClr="000000">
+                    <a:lumMod val="65000"/>
+                    <a:lumOff val="35000"/>
+                  </a:sysClr>
+                </a:solidFill>
+                <a:effectLst/>
+                <a:latin typeface="+mn-lt"/>
+                <a:ea typeface="+mn-ea"/>
+                <a:cs typeface="+mn-cs"/>
+              </a:defRPr>
+            </a:pPr>
+            <a:r>
+              <a:rPr lang="pt-PT" sz="1400"/>
+              <a:t>Tensão em função da distância(bobinas em série)</a:t>
+            </a:r>
+          </a:p>
+        </c:rich>
+      </c:tx>
+      <c:layout>
+        <c:manualLayout>
+          <c:xMode val="edge"/>
+          <c:yMode val="edge"/>
+          <c:x val="0.15586111111111112"/>
+          <c:y val="4.1666666666666664E-2"/>
+        </c:manualLayout>
+      </c:layout>
+      <c:overlay val="0"/>
+      <c:spPr>
+        <a:noFill/>
+        <a:ln>
+          <a:noFill/>
+        </a:ln>
+        <a:effectLst/>
+      </c:spPr>
+    </c:title>
+    <c:autoTitleDeleted val="0"/>
+    <c:plotArea>
+      <c:layout/>
+      <c:scatterChart>
+        <c:scatterStyle val="lineMarker"/>
+        <c:varyColors val="0"/>
+        <c:ser>
+          <c:idx val="1"/>
+          <c:order val="0"/>
+          <c:tx>
+            <c:v>Bobina 1</c:v>
+          </c:tx>
+          <c:xVal>
+            <c:numRef>
+              <c:f>Folha1!$B$8:$B$48</c:f>
+              <c:numCache>
+                <c:formatCode>General</c:formatCode>
+                <c:ptCount val="41"/>
+                <c:pt idx="0">
+                  <c:v>0</c:v>
+                </c:pt>
+                <c:pt idx="1">
+                  <c:v>0.01</c:v>
+                </c:pt>
+                <c:pt idx="2">
+                  <c:v>0.02</c:v>
+                </c:pt>
+                <c:pt idx="3">
+                  <c:v>0.03</c:v>
+                </c:pt>
+                <c:pt idx="4">
+                  <c:v>0.04</c:v>
+                </c:pt>
+                <c:pt idx="5">
+                  <c:v>0.05</c:v>
+                </c:pt>
+                <c:pt idx="6">
+                  <c:v>0.06</c:v>
+                </c:pt>
+                <c:pt idx="7">
+                  <c:v>7.0000000000000007E-2</c:v>
+                </c:pt>
+                <c:pt idx="8">
+                  <c:v>0.08</c:v>
+                </c:pt>
+                <c:pt idx="9">
+                  <c:v>0.09</c:v>
+                </c:pt>
+                <c:pt idx="10">
+                  <c:v>0.1</c:v>
+                </c:pt>
+                <c:pt idx="11">
+                  <c:v>0.11</c:v>
+                </c:pt>
+                <c:pt idx="12">
+                  <c:v>0.12</c:v>
+                </c:pt>
+                <c:pt idx="13">
+                  <c:v>0.13</c:v>
+                </c:pt>
+                <c:pt idx="14">
+                  <c:v>0.14000000000000001</c:v>
+                </c:pt>
+                <c:pt idx="15">
+                  <c:v>0.15</c:v>
+                </c:pt>
+                <c:pt idx="16">
+                  <c:v>0.16</c:v>
+                </c:pt>
+                <c:pt idx="17">
+                  <c:v>0.17</c:v>
+                </c:pt>
+                <c:pt idx="18">
+                  <c:v>0.18</c:v>
+                </c:pt>
+                <c:pt idx="19">
+                  <c:v>0.19</c:v>
+                </c:pt>
+                <c:pt idx="20">
+                  <c:v>0.2</c:v>
+                </c:pt>
+                <c:pt idx="21">
+                  <c:v>0.21</c:v>
+                </c:pt>
+                <c:pt idx="22">
+                  <c:v>0.22</c:v>
+                </c:pt>
+                <c:pt idx="23">
+                  <c:v>0.23</c:v>
+                </c:pt>
+                <c:pt idx="24">
+                  <c:v>0.24</c:v>
+                </c:pt>
+                <c:pt idx="25">
+                  <c:v>0.25</c:v>
+                </c:pt>
+                <c:pt idx="26">
+                  <c:v>0.26</c:v>
+                </c:pt>
+                <c:pt idx="27">
+                  <c:v>0.27</c:v>
+                </c:pt>
+                <c:pt idx="28">
+                  <c:v>0.28000000000000003</c:v>
+                </c:pt>
+                <c:pt idx="29">
+                  <c:v>0.28999999999999998</c:v>
+                </c:pt>
+                <c:pt idx="30">
+                  <c:v>0.3</c:v>
+                </c:pt>
+                <c:pt idx="31">
+                  <c:v>0.31</c:v>
+                </c:pt>
+                <c:pt idx="32">
+                  <c:v>0.32</c:v>
+                </c:pt>
+                <c:pt idx="33">
+                  <c:v>0.33</c:v>
+                </c:pt>
+                <c:pt idx="34">
+                  <c:v>0.34</c:v>
+                </c:pt>
+                <c:pt idx="35">
+                  <c:v>0.35</c:v>
+                </c:pt>
+                <c:pt idx="36">
+                  <c:v>0.36</c:v>
+                </c:pt>
+                <c:pt idx="37">
+                  <c:v>0.37</c:v>
+                </c:pt>
+                <c:pt idx="38">
+                  <c:v>0.38</c:v>
+                </c:pt>
+                <c:pt idx="39">
+                  <c:v>0.39</c:v>
+                </c:pt>
+                <c:pt idx="40">
+                  <c:v>0.4</c:v>
+                </c:pt>
+              </c:numCache>
+            </c:numRef>
+          </c:xVal>
+          <c:yVal>
+            <c:numRef>
+              <c:f>Folha1!$E$8:$E$48</c:f>
+              <c:numCache>
+                <c:formatCode>General</c:formatCode>
+                <c:ptCount val="41"/>
+                <c:pt idx="0">
+                  <c:v>3.5000000000000001E-3</c:v>
+                </c:pt>
+                <c:pt idx="1">
+                  <c:v>3.5000000000000001E-3</c:v>
+                </c:pt>
+                <c:pt idx="2">
+                  <c:v>3.7000000000000002E-3</c:v>
+                </c:pt>
+                <c:pt idx="3">
+                  <c:v>3.5999999999999999E-3</c:v>
+                </c:pt>
+                <c:pt idx="4">
+                  <c:v>3.5999999999999999E-3</c:v>
+                </c:pt>
+                <c:pt idx="5">
+                  <c:v>3.5999999999999999E-3</c:v>
+                </c:pt>
+                <c:pt idx="6">
+                  <c:v>3.5999999999999999E-3</c:v>
+                </c:pt>
+                <c:pt idx="7">
+                  <c:v>3.5999999999999999E-3</c:v>
+                </c:pt>
+                <c:pt idx="8">
+                  <c:v>3.7000000000000002E-3</c:v>
+                </c:pt>
+                <c:pt idx="9">
+                  <c:v>3.8E-3</c:v>
+                </c:pt>
+                <c:pt idx="10">
+                  <c:v>3.8999999999999998E-3</c:v>
+                </c:pt>
+                <c:pt idx="11">
+                  <c:v>4.0999999999999995E-3</c:v>
+                </c:pt>
+                <c:pt idx="12">
+                  <c:v>4.0999999999999995E-3</c:v>
+                </c:pt>
+                <c:pt idx="13">
+                  <c:v>4.4000000000000003E-3</c:v>
+                </c:pt>
+                <c:pt idx="14">
+                  <c:v>4.5999999999999999E-3</c:v>
+                </c:pt>
+                <c:pt idx="15">
+                  <c:v>4.7999999999999996E-3</c:v>
+                </c:pt>
+                <c:pt idx="16">
+                  <c:v>5.1999999999999998E-3</c:v>
+                </c:pt>
+                <c:pt idx="17">
+                  <c:v>5.4999999999999997E-3</c:v>
+                </c:pt>
+                <c:pt idx="18">
+                  <c:v>6.0999999999999995E-3</c:v>
+                </c:pt>
+                <c:pt idx="19">
+                  <c:v>6.7000000000000002E-3</c:v>
+                </c:pt>
+                <c:pt idx="20">
+                  <c:v>7.7999999999999996E-3</c:v>
+                </c:pt>
+                <c:pt idx="21">
+                  <c:v>9.1999999999999998E-3</c:v>
+                </c:pt>
+                <c:pt idx="22">
+                  <c:v>1.11E-2</c:v>
+                </c:pt>
+                <c:pt idx="23">
+                  <c:v>1.41E-2</c:v>
+                </c:pt>
+                <c:pt idx="24">
+                  <c:v>1.84E-2</c:v>
+                </c:pt>
+                <c:pt idx="25">
+                  <c:v>2.41E-2</c:v>
+                </c:pt>
+                <c:pt idx="26">
+                  <c:v>3.1800000000000002E-2</c:v>
+                </c:pt>
+                <c:pt idx="27">
+                  <c:v>4.2500000000000003E-2</c:v>
+                </c:pt>
+                <c:pt idx="28">
+                  <c:v>5.2700000000000004E-2</c:v>
+                </c:pt>
+                <c:pt idx="29">
+                  <c:v>5.8299999999999998E-2</c:v>
+                </c:pt>
+                <c:pt idx="30">
+                  <c:v>5.4799999999999995E-2</c:v>
+                </c:pt>
+                <c:pt idx="31">
+                  <c:v>4.4999999999999998E-2</c:v>
+                </c:pt>
+                <c:pt idx="32">
+                  <c:v>3.4200000000000001E-2</c:v>
+                </c:pt>
+                <c:pt idx="33">
+                  <c:v>2.4799999999999999E-2</c:v>
+                </c:pt>
+                <c:pt idx="34">
+                  <c:v>1.8600000000000002E-2</c:v>
+                </c:pt>
+                <c:pt idx="35">
+                  <c:v>1.43E-2</c:v>
+                </c:pt>
+                <c:pt idx="36">
+                  <c:v>1.15E-2</c:v>
+                </c:pt>
+                <c:pt idx="37">
+                  <c:v>9.4999999999999998E-3</c:v>
+                </c:pt>
+                <c:pt idx="38">
+                  <c:v>8.0999999999999996E-3</c:v>
+                </c:pt>
+                <c:pt idx="39">
+                  <c:v>7.0999999999999995E-3</c:v>
+                </c:pt>
+                <c:pt idx="40">
+                  <c:v>6.4000000000000003E-3</c:v>
+                </c:pt>
+              </c:numCache>
+            </c:numRef>
+          </c:yVal>
+          <c:smooth val="0"/>
+          <c:extLst>
+            <c:ext xmlns:c16="http://schemas.microsoft.com/office/drawing/2014/chart" uri="{C3380CC4-5D6E-409C-BE32-E72D297353CC}">
+              <c16:uniqueId val="{00000000-242D-4FBC-ACF8-A27C88F08C75}"/>
+            </c:ext>
+          </c:extLst>
+        </c:ser>
+        <c:ser>
+          <c:idx val="2"/>
+          <c:order val="1"/>
+          <c:tx>
+            <c:v>Bobina 2</c:v>
+          </c:tx>
+          <c:spPr>
+            <a:ln w="19050" cap="rnd">
+              <a:solidFill>
+                <a:schemeClr val="accent1"/>
+              </a:solidFill>
+              <a:round/>
+            </a:ln>
+            <a:effectLst/>
+          </c:spPr>
+          <c:xVal>
+            <c:numRef>
+              <c:f>Folha1!$G$8:$G$48</c:f>
+              <c:numCache>
+                <c:formatCode>General</c:formatCode>
+                <c:ptCount val="41"/>
+                <c:pt idx="0">
+                  <c:v>0</c:v>
+                </c:pt>
+                <c:pt idx="1">
+                  <c:v>0.01</c:v>
+                </c:pt>
+                <c:pt idx="2">
+                  <c:v>0.02</c:v>
+                </c:pt>
+                <c:pt idx="3">
+                  <c:v>0.03</c:v>
+                </c:pt>
+                <c:pt idx="4">
+                  <c:v>0.04</c:v>
+                </c:pt>
+                <c:pt idx="5">
+                  <c:v>0.05</c:v>
+                </c:pt>
+                <c:pt idx="6">
+                  <c:v>0.06</c:v>
+                </c:pt>
+                <c:pt idx="7">
+                  <c:v>7.0000000000000007E-2</c:v>
+                </c:pt>
+                <c:pt idx="8">
+                  <c:v>0.08</c:v>
+                </c:pt>
+                <c:pt idx="9">
+                  <c:v>0.09</c:v>
+                </c:pt>
+                <c:pt idx="10">
+                  <c:v>0.1</c:v>
+                </c:pt>
+                <c:pt idx="11">
+                  <c:v>0.11</c:v>
+                </c:pt>
+                <c:pt idx="12">
+                  <c:v>0.12</c:v>
+                </c:pt>
+                <c:pt idx="13">
+                  <c:v>0.13</c:v>
+                </c:pt>
+                <c:pt idx="14">
+                  <c:v>0.14000000000000001</c:v>
+                </c:pt>
+                <c:pt idx="15">
+                  <c:v>0.15</c:v>
+                </c:pt>
+                <c:pt idx="16">
+                  <c:v>0.16</c:v>
+                </c:pt>
+                <c:pt idx="17">
+                  <c:v>0.17</c:v>
+                </c:pt>
+                <c:pt idx="18">
+                  <c:v>0.18</c:v>
+                </c:pt>
+                <c:pt idx="19">
+                  <c:v>0.19</c:v>
+                </c:pt>
+                <c:pt idx="20">
+                  <c:v>0.2</c:v>
+                </c:pt>
+                <c:pt idx="21">
+                  <c:v>0.21</c:v>
+                </c:pt>
+                <c:pt idx="22">
+                  <c:v>0.22</c:v>
+                </c:pt>
+                <c:pt idx="23">
+                  <c:v>0.23</c:v>
+                </c:pt>
+                <c:pt idx="24">
+                  <c:v>0.24</c:v>
+                </c:pt>
+                <c:pt idx="25">
+                  <c:v>0.25</c:v>
+                </c:pt>
+                <c:pt idx="26">
+                  <c:v>0.26</c:v>
+                </c:pt>
+                <c:pt idx="27">
+                  <c:v>0.27</c:v>
+                </c:pt>
+                <c:pt idx="28">
+                  <c:v>0.28000000000000003</c:v>
+                </c:pt>
+                <c:pt idx="29">
+                  <c:v>0.28999999999999998</c:v>
+                </c:pt>
+                <c:pt idx="30">
+                  <c:v>0.3</c:v>
+                </c:pt>
+                <c:pt idx="31">
+                  <c:v>0.31</c:v>
+                </c:pt>
+                <c:pt idx="32">
+                  <c:v>0.32</c:v>
+                </c:pt>
+                <c:pt idx="33">
+                  <c:v>0.33</c:v>
+                </c:pt>
+                <c:pt idx="34">
+                  <c:v>0.34</c:v>
+                </c:pt>
+                <c:pt idx="35">
+                  <c:v>0.35</c:v>
+                </c:pt>
+                <c:pt idx="36">
+                  <c:v>0.36</c:v>
+                </c:pt>
+                <c:pt idx="37">
+                  <c:v>0.37</c:v>
+                </c:pt>
+                <c:pt idx="38">
+                  <c:v>0.38</c:v>
+                </c:pt>
+                <c:pt idx="39">
+                  <c:v>0.39</c:v>
+                </c:pt>
+                <c:pt idx="40">
+                  <c:v>0.4</c:v>
+                </c:pt>
+              </c:numCache>
+            </c:numRef>
+          </c:xVal>
+          <c:yVal>
+            <c:numRef>
+              <c:f>Folha1!$J$8:$J$48</c:f>
+              <c:numCache>
+                <c:formatCode>General</c:formatCode>
+                <c:ptCount val="41"/>
+                <c:pt idx="0">
+                  <c:v>4.4000000000000003E-3</c:v>
+                </c:pt>
+                <c:pt idx="1">
+                  <c:v>4.4000000000000003E-3</c:v>
+                </c:pt>
+                <c:pt idx="2">
+                  <c:v>4.4999999999999997E-3</c:v>
+                </c:pt>
+                <c:pt idx="3">
+                  <c:v>4.4999999999999997E-3</c:v>
+                </c:pt>
+                <c:pt idx="4">
+                  <c:v>4.4999999999999997E-3</c:v>
+                </c:pt>
+                <c:pt idx="5">
+                  <c:v>4.4999999999999997E-3</c:v>
+                </c:pt>
+                <c:pt idx="6">
+                  <c:v>4.5999999999999999E-3</c:v>
+                </c:pt>
+                <c:pt idx="7">
+                  <c:v>4.5999999999999999E-3</c:v>
+                </c:pt>
+                <c:pt idx="8">
+                  <c:v>4.5999999999999999E-3</c:v>
+                </c:pt>
+                <c:pt idx="9">
+                  <c:v>4.5999999999999999E-3</c:v>
+                </c:pt>
+                <c:pt idx="10">
+                  <c:v>4.5999999999999999E-3</c:v>
+                </c:pt>
+                <c:pt idx="11">
+                  <c:v>4.7999999999999996E-3</c:v>
+                </c:pt>
+                <c:pt idx="12">
+                  <c:v>4.7000000000000002E-3</c:v>
+                </c:pt>
+                <c:pt idx="13">
+                  <c:v>4.7999999999999996E-3</c:v>
+                </c:pt>
+                <c:pt idx="14">
+                  <c:v>4.7999999999999996E-3</c:v>
+                </c:pt>
+                <c:pt idx="15">
+                  <c:v>4.9000000000000007E-3</c:v>
+                </c:pt>
+                <c:pt idx="16">
+                  <c:v>5.0000000000000001E-3</c:v>
+                </c:pt>
+                <c:pt idx="17">
+                  <c:v>5.0999999999999995E-3</c:v>
+                </c:pt>
+                <c:pt idx="18">
+                  <c:v>5.4999999999999997E-3</c:v>
+                </c:pt>
+                <c:pt idx="19">
+                  <c:v>5.5999999999999999E-3</c:v>
+                </c:pt>
+                <c:pt idx="20">
+                  <c:v>5.7999999999999996E-3</c:v>
+                </c:pt>
+                <c:pt idx="21">
+                  <c:v>6.0000000000000001E-3</c:v>
+                </c:pt>
+                <c:pt idx="22">
+                  <c:v>6.4000000000000003E-3</c:v>
+                </c:pt>
+                <c:pt idx="23">
+                  <c:v>6.9000000000000008E-3</c:v>
+                </c:pt>
+                <c:pt idx="24">
+                  <c:v>7.4999999999999997E-3</c:v>
+                </c:pt>
+                <c:pt idx="25">
+                  <c:v>8.5000000000000006E-3</c:v>
+                </c:pt>
+                <c:pt idx="26">
+                  <c:v>9.8000000000000014E-3</c:v>
+                </c:pt>
+                <c:pt idx="27">
+                  <c:v>1.1699999999999999E-2</c:v>
+                </c:pt>
+                <c:pt idx="28">
+                  <c:v>1.43E-2</c:v>
+                </c:pt>
+                <c:pt idx="29">
+                  <c:v>1.8200000000000001E-2</c:v>
+                </c:pt>
+                <c:pt idx="30">
+                  <c:v>2.4E-2</c:v>
+                </c:pt>
+                <c:pt idx="31">
+                  <c:v>3.2399999999999998E-2</c:v>
+                </c:pt>
+                <c:pt idx="32">
+                  <c:v>4.2000000000000003E-2</c:v>
+                </c:pt>
+                <c:pt idx="33">
+                  <c:v>5.3100000000000001E-2</c:v>
+                </c:pt>
+                <c:pt idx="34">
+                  <c:v>5.7200000000000001E-2</c:v>
+                </c:pt>
+                <c:pt idx="35">
+                  <c:v>5.1400000000000001E-2</c:v>
+                </c:pt>
+                <c:pt idx="36">
+                  <c:v>3.8399999999999997E-2</c:v>
+                </c:pt>
+                <c:pt idx="37">
+                  <c:v>2.81E-2</c:v>
+                </c:pt>
+                <c:pt idx="38">
+                  <c:v>2.0899999999999998E-2</c:v>
+                </c:pt>
+                <c:pt idx="39">
+                  <c:v>1.5800000000000002E-2</c:v>
+                </c:pt>
+                <c:pt idx="40">
+                  <c:v>1.26E-2</c:v>
+                </c:pt>
+              </c:numCache>
+            </c:numRef>
+          </c:yVal>
+          <c:smooth val="0"/>
+          <c:extLst>
+            <c:ext xmlns:c16="http://schemas.microsoft.com/office/drawing/2014/chart" uri="{C3380CC4-5D6E-409C-BE32-E72D297353CC}">
+              <c16:uniqueId val="{00000001-242D-4FBC-ACF8-A27C88F08C75}"/>
+            </c:ext>
+          </c:extLst>
+        </c:ser>
+        <c:ser>
+          <c:idx val="3"/>
+          <c:order val="2"/>
+          <c:tx>
+            <c:v>Bobina 1 + Bobina 2</c:v>
+          </c:tx>
+          <c:spPr>
+            <a:ln w="19050" cap="rnd">
+              <a:solidFill>
+                <a:schemeClr val="accent1"/>
+              </a:solidFill>
+              <a:round/>
+            </a:ln>
+            <a:effectLst/>
+          </c:spPr>
+          <c:xVal>
+            <c:numRef>
+              <c:f>Folha1!$L$8:$L$48</c:f>
+              <c:numCache>
+                <c:formatCode>General</c:formatCode>
+                <c:ptCount val="41"/>
+                <c:pt idx="0">
+                  <c:v>0</c:v>
+                </c:pt>
+                <c:pt idx="1">
+                  <c:v>0.01</c:v>
+                </c:pt>
+                <c:pt idx="2">
+                  <c:v>0.02</c:v>
+                </c:pt>
+                <c:pt idx="3">
+                  <c:v>0.03</c:v>
+                </c:pt>
+                <c:pt idx="4">
+                  <c:v>0.04</c:v>
+                </c:pt>
+                <c:pt idx="5">
+                  <c:v>0.05</c:v>
+                </c:pt>
+                <c:pt idx="6">
+                  <c:v>0.06</c:v>
+                </c:pt>
+                <c:pt idx="7">
+                  <c:v>7.0000000000000007E-2</c:v>
+                </c:pt>
+                <c:pt idx="8">
+                  <c:v>0.08</c:v>
+                </c:pt>
+                <c:pt idx="9">
+                  <c:v>0.09</c:v>
+                </c:pt>
+                <c:pt idx="10">
+                  <c:v>0.1</c:v>
+                </c:pt>
+                <c:pt idx="11">
+                  <c:v>0.11</c:v>
+                </c:pt>
+                <c:pt idx="12">
+                  <c:v>0.12</c:v>
+                </c:pt>
+                <c:pt idx="13">
+                  <c:v>0.13</c:v>
+                </c:pt>
+                <c:pt idx="14">
+                  <c:v>0.14000000000000001</c:v>
+                </c:pt>
+                <c:pt idx="15">
+                  <c:v>0.15</c:v>
+                </c:pt>
+                <c:pt idx="16">
+                  <c:v>0.16</c:v>
+                </c:pt>
+                <c:pt idx="17">
+                  <c:v>0.17</c:v>
+                </c:pt>
+                <c:pt idx="18">
+                  <c:v>0.18</c:v>
+                </c:pt>
+                <c:pt idx="19">
+                  <c:v>0.19</c:v>
+                </c:pt>
+                <c:pt idx="20">
+                  <c:v>0.2</c:v>
+                </c:pt>
+                <c:pt idx="21">
+                  <c:v>0.21</c:v>
+                </c:pt>
+                <c:pt idx="22">
+                  <c:v>0.22</c:v>
+                </c:pt>
+                <c:pt idx="23">
+                  <c:v>0.23</c:v>
+                </c:pt>
+                <c:pt idx="24">
+                  <c:v>0.24</c:v>
+                </c:pt>
+                <c:pt idx="25">
+                  <c:v>0.25</c:v>
+                </c:pt>
+                <c:pt idx="26">
+                  <c:v>0.26</c:v>
+                </c:pt>
+                <c:pt idx="27">
+                  <c:v>0.27</c:v>
+                </c:pt>
+                <c:pt idx="28">
+                  <c:v>0.28000000000000003</c:v>
+                </c:pt>
+                <c:pt idx="29">
+                  <c:v>0.28999999999999998</c:v>
+                </c:pt>
+                <c:pt idx="30">
+                  <c:v>0.3</c:v>
+                </c:pt>
+                <c:pt idx="31">
+                  <c:v>0.31</c:v>
+                </c:pt>
+                <c:pt idx="32">
+                  <c:v>0.32</c:v>
+                </c:pt>
+                <c:pt idx="33">
+                  <c:v>0.33</c:v>
+                </c:pt>
+                <c:pt idx="34">
+                  <c:v>0.34</c:v>
+                </c:pt>
+                <c:pt idx="35">
+                  <c:v>0.35</c:v>
+                </c:pt>
+                <c:pt idx="36">
+                  <c:v>0.36</c:v>
+                </c:pt>
+                <c:pt idx="37">
+                  <c:v>0.37</c:v>
+                </c:pt>
+                <c:pt idx="38">
+                  <c:v>0.38</c:v>
+                </c:pt>
+                <c:pt idx="39">
+                  <c:v>0.39</c:v>
+                </c:pt>
+                <c:pt idx="40">
+                  <c:v>0.4</c:v>
+                </c:pt>
+              </c:numCache>
+            </c:numRef>
+          </c:xVal>
+          <c:yVal>
+            <c:numRef>
+              <c:f>Folha1!$Q$8:$Q$48</c:f>
+              <c:numCache>
+                <c:formatCode>General</c:formatCode>
+                <c:ptCount val="41"/>
+                <c:pt idx="0">
+                  <c:v>7.9000000000000008E-3</c:v>
+                </c:pt>
+                <c:pt idx="1">
+                  <c:v>7.9000000000000008E-3</c:v>
+                </c:pt>
+                <c:pt idx="2">
+                  <c:v>8.199999999999999E-3</c:v>
+                </c:pt>
+                <c:pt idx="3">
+                  <c:v>8.0999999999999996E-3</c:v>
+                </c:pt>
+                <c:pt idx="4">
+                  <c:v>8.0999999999999996E-3</c:v>
+                </c:pt>
+                <c:pt idx="5">
+                  <c:v>8.0999999999999996E-3</c:v>
+                </c:pt>
+                <c:pt idx="6">
+                  <c:v>8.199999999999999E-3</c:v>
+                </c:pt>
+                <c:pt idx="7">
+                  <c:v>8.199999999999999E-3</c:v>
+                </c:pt>
+                <c:pt idx="8">
+                  <c:v>8.3000000000000001E-3</c:v>
+                </c:pt>
+                <c:pt idx="9">
+                  <c:v>8.3999999999999977E-3</c:v>
+                </c:pt>
+                <c:pt idx="10">
+                  <c:v>8.5000000000000006E-3</c:v>
+                </c:pt>
+                <c:pt idx="11">
+                  <c:v>8.8999999999999982E-3</c:v>
+                </c:pt>
+                <c:pt idx="12">
+                  <c:v>8.8000000000000005E-3</c:v>
+                </c:pt>
+                <c:pt idx="13">
+                  <c:v>9.1999999999999998E-3</c:v>
+                </c:pt>
+                <c:pt idx="14">
+                  <c:v>9.3999999999999986E-3</c:v>
+                </c:pt>
+                <c:pt idx="15">
+                  <c:v>9.6999999999999986E-3</c:v>
+                </c:pt>
+                <c:pt idx="16">
+                  <c:v>1.0199999999999999E-2</c:v>
+                </c:pt>
+                <c:pt idx="17">
+                  <c:v>1.06E-2</c:v>
+                </c:pt>
+                <c:pt idx="18">
+                  <c:v>1.1599999999999999E-2</c:v>
+                </c:pt>
+                <c:pt idx="19">
+                  <c:v>1.23E-2</c:v>
+                </c:pt>
+                <c:pt idx="20">
+                  <c:v>1.3599999999999999E-2</c:v>
+                </c:pt>
+                <c:pt idx="21">
+                  <c:v>1.52E-2</c:v>
+                </c:pt>
+                <c:pt idx="22">
+                  <c:v>1.7500000000000002E-2</c:v>
+                </c:pt>
+                <c:pt idx="23">
+                  <c:v>2.1000000000000001E-2</c:v>
+                </c:pt>
+                <c:pt idx="24">
+                  <c:v>2.5899999999999999E-2</c:v>
+                </c:pt>
+                <c:pt idx="25">
+                  <c:v>3.2600000000000004E-2</c:v>
+                </c:pt>
+                <c:pt idx="26">
+                  <c:v>4.1599999999999998E-2</c:v>
+                </c:pt>
+                <c:pt idx="27">
+                  <c:v>5.4200000000000005E-2</c:v>
+                </c:pt>
+                <c:pt idx="28">
+                  <c:v>6.7000000000000004E-2</c:v>
+                </c:pt>
+                <c:pt idx="29">
+                  <c:v>7.6499999999999999E-2</c:v>
+                </c:pt>
+                <c:pt idx="30">
+                  <c:v>7.8799999999999995E-2</c:v>
+                </c:pt>
+                <c:pt idx="31">
+                  <c:v>7.740000000000001E-2</c:v>
+                </c:pt>
+                <c:pt idx="32">
+                  <c:v>7.6200000000000004E-2</c:v>
+                </c:pt>
+                <c:pt idx="33">
+                  <c:v>7.7900000000000011E-2</c:v>
+                </c:pt>
+                <c:pt idx="34">
+                  <c:v>7.5800000000000006E-2</c:v>
+                </c:pt>
+                <c:pt idx="35">
+                  <c:v>6.5700000000000008E-2</c:v>
+                </c:pt>
+                <c:pt idx="36">
+                  <c:v>4.99E-2</c:v>
+                </c:pt>
+                <c:pt idx="37">
+                  <c:v>3.7600000000000001E-2</c:v>
+                </c:pt>
+                <c:pt idx="38">
+                  <c:v>2.9000000000000001E-2</c:v>
+                </c:pt>
+                <c:pt idx="39">
+                  <c:v>2.29E-2</c:v>
+                </c:pt>
+                <c:pt idx="40">
+                  <c:v>1.9E-2</c:v>
+                </c:pt>
+              </c:numCache>
+            </c:numRef>
+          </c:yVal>
+          <c:smooth val="0"/>
+          <c:extLst>
+            <c:ext xmlns:c16="http://schemas.microsoft.com/office/drawing/2014/chart" uri="{C3380CC4-5D6E-409C-BE32-E72D297353CC}">
+              <c16:uniqueId val="{00000002-242D-4FBC-ACF8-A27C88F08C75}"/>
+            </c:ext>
+          </c:extLst>
+        </c:ser>
+        <c:ser>
+          <c:idx val="0"/>
+          <c:order val="3"/>
+          <c:tx>
+            <c:v>Bobinas em série</c:v>
+          </c:tx>
+          <c:spPr>
+            <a:ln w="19050" cap="rnd">
+              <a:solidFill>
+                <a:schemeClr val="accent1"/>
+              </a:solidFill>
+              <a:round/>
+            </a:ln>
+            <a:effectLst/>
+          </c:spPr>
+          <c:marker>
+            <c:symbol val="circle"/>
+            <c:size val="5"/>
+            <c:spPr>
+              <a:solidFill>
+                <a:schemeClr val="accent1"/>
+              </a:solidFill>
+              <a:ln w="9525">
+                <a:solidFill>
+                  <a:schemeClr val="accent1"/>
+                </a:solidFill>
+              </a:ln>
+              <a:effectLst/>
+            </c:spPr>
+          </c:marker>
+          <c:xVal>
+            <c:numRef>
+              <c:f>Folha1!$L$8:$L$48</c:f>
+              <c:numCache>
+                <c:formatCode>General</c:formatCode>
+                <c:ptCount val="41"/>
+                <c:pt idx="0">
+                  <c:v>0</c:v>
+                </c:pt>
+                <c:pt idx="1">
+                  <c:v>0.01</c:v>
+                </c:pt>
+                <c:pt idx="2">
+                  <c:v>0.02</c:v>
+                </c:pt>
+                <c:pt idx="3">
+                  <c:v>0.03</c:v>
+                </c:pt>
+                <c:pt idx="4">
+                  <c:v>0.04</c:v>
+                </c:pt>
+                <c:pt idx="5">
+                  <c:v>0.05</c:v>
+                </c:pt>
+                <c:pt idx="6">
+                  <c:v>0.06</c:v>
+                </c:pt>
+                <c:pt idx="7">
+                  <c:v>7.0000000000000007E-2</c:v>
+                </c:pt>
+                <c:pt idx="8">
+                  <c:v>0.08</c:v>
+                </c:pt>
+                <c:pt idx="9">
+                  <c:v>0.09</c:v>
+                </c:pt>
+                <c:pt idx="10">
+                  <c:v>0.1</c:v>
+                </c:pt>
+                <c:pt idx="11">
+                  <c:v>0.11</c:v>
+                </c:pt>
+                <c:pt idx="12">
+                  <c:v>0.12</c:v>
+                </c:pt>
+                <c:pt idx="13">
+                  <c:v>0.13</c:v>
+                </c:pt>
+                <c:pt idx="14">
+                  <c:v>0.14000000000000001</c:v>
+                </c:pt>
+                <c:pt idx="15">
+                  <c:v>0.15</c:v>
+                </c:pt>
+                <c:pt idx="16">
+                  <c:v>0.16</c:v>
+                </c:pt>
+                <c:pt idx="17">
+                  <c:v>0.17</c:v>
+                </c:pt>
+                <c:pt idx="18">
+                  <c:v>0.18</c:v>
+                </c:pt>
+                <c:pt idx="19">
+                  <c:v>0.19</c:v>
+                </c:pt>
+                <c:pt idx="20">
+                  <c:v>0.2</c:v>
+                </c:pt>
+                <c:pt idx="21">
+                  <c:v>0.21</c:v>
+                </c:pt>
+                <c:pt idx="22">
+                  <c:v>0.22</c:v>
+                </c:pt>
+                <c:pt idx="23">
+                  <c:v>0.23</c:v>
+                </c:pt>
+                <c:pt idx="24">
+                  <c:v>0.24</c:v>
+                </c:pt>
+                <c:pt idx="25">
+                  <c:v>0.25</c:v>
+                </c:pt>
+                <c:pt idx="26">
+                  <c:v>0.26</c:v>
+                </c:pt>
+                <c:pt idx="27">
+                  <c:v>0.27</c:v>
+                </c:pt>
+                <c:pt idx="28">
+                  <c:v>0.28000000000000003</c:v>
+                </c:pt>
+                <c:pt idx="29">
+                  <c:v>0.28999999999999998</c:v>
+                </c:pt>
+                <c:pt idx="30">
+                  <c:v>0.3</c:v>
+                </c:pt>
+                <c:pt idx="31">
+                  <c:v>0.31</c:v>
+                </c:pt>
+                <c:pt idx="32">
+                  <c:v>0.32</c:v>
+                </c:pt>
+                <c:pt idx="33">
+                  <c:v>0.33</c:v>
+                </c:pt>
+                <c:pt idx="34">
+                  <c:v>0.34</c:v>
+                </c:pt>
+                <c:pt idx="35">
+                  <c:v>0.35</c:v>
+                </c:pt>
+                <c:pt idx="36">
+                  <c:v>0.36</c:v>
+                </c:pt>
+                <c:pt idx="37">
+                  <c:v>0.37</c:v>
+                </c:pt>
+                <c:pt idx="38">
+                  <c:v>0.38</c:v>
+                </c:pt>
+                <c:pt idx="39">
+                  <c:v>0.39</c:v>
+                </c:pt>
+                <c:pt idx="40">
+                  <c:v>0.4</c:v>
+                </c:pt>
+              </c:numCache>
+            </c:numRef>
+          </c:xVal>
+          <c:yVal>
+            <c:numRef>
+              <c:f>Folha1!$O$8:$O$48</c:f>
+              <c:numCache>
+                <c:formatCode>General</c:formatCode>
+                <c:ptCount val="41"/>
+                <c:pt idx="0">
+                  <c:v>4.5999999999999999E-3</c:v>
+                </c:pt>
+                <c:pt idx="1">
+                  <c:v>4.5999999999999999E-3</c:v>
+                </c:pt>
+                <c:pt idx="2">
+                  <c:v>4.9000000000000007E-3</c:v>
+                </c:pt>
+                <c:pt idx="3">
+                  <c:v>4.9000000000000007E-3</c:v>
+                </c:pt>
+                <c:pt idx="4">
+                  <c:v>5.0000000000000001E-3</c:v>
+                </c:pt>
+                <c:pt idx="5">
+                  <c:v>5.0000000000000001E-3</c:v>
+                </c:pt>
+                <c:pt idx="6">
+                  <c:v>5.0999999999999995E-3</c:v>
+                </c:pt>
+                <c:pt idx="7">
+                  <c:v>5.0999999999999995E-3</c:v>
+                </c:pt>
+                <c:pt idx="8">
+                  <c:v>5.1999999999999998E-3</c:v>
+                </c:pt>
+                <c:pt idx="9">
+                  <c:v>5.3E-3</c:v>
+                </c:pt>
+                <c:pt idx="10">
+                  <c:v>5.4999999999999997E-3</c:v>
+                </c:pt>
+                <c:pt idx="11">
+                  <c:v>5.5999999999999999E-3</c:v>
+                </c:pt>
+                <c:pt idx="12">
+                  <c:v>5.7999999999999996E-3</c:v>
+                </c:pt>
+                <c:pt idx="13">
+                  <c:v>6.0999999999999995E-3</c:v>
+                </c:pt>
+                <c:pt idx="14">
+                  <c:v>6.3E-3</c:v>
+                </c:pt>
+                <c:pt idx="15">
+                  <c:v>6.7999999999999996E-3</c:v>
+                </c:pt>
+                <c:pt idx="16">
+                  <c:v>7.3000000000000001E-3</c:v>
+                </c:pt>
+                <c:pt idx="17">
+                  <c:v>7.7999999999999996E-3</c:v>
+                </c:pt>
+                <c:pt idx="18">
+                  <c:v>8.8000000000000005E-3</c:v>
+                </c:pt>
+                <c:pt idx="19">
+                  <c:v>9.9000000000000008E-3</c:v>
+                </c:pt>
+                <c:pt idx="20">
+                  <c:v>1.15E-2</c:v>
+                </c:pt>
+                <c:pt idx="21">
+                  <c:v>1.3800000000000002E-2</c:v>
+                </c:pt>
+                <c:pt idx="22">
+                  <c:v>1.7000000000000001E-2</c:v>
+                </c:pt>
+                <c:pt idx="23">
+                  <c:v>2.23E-2</c:v>
+                </c:pt>
+                <c:pt idx="24">
+                  <c:v>2.8399999999999998E-2</c:v>
+                </c:pt>
+                <c:pt idx="25">
+                  <c:v>3.78E-2</c:v>
+                </c:pt>
+                <c:pt idx="26">
+                  <c:v>4.9299999999999997E-2</c:v>
+                </c:pt>
+                <c:pt idx="27">
+                  <c:v>0.06</c:v>
+                </c:pt>
+                <c:pt idx="28">
+                  <c:v>6.5500000000000003E-2</c:v>
+                </c:pt>
+                <c:pt idx="29">
+                  <c:v>6.5200000000000008E-2</c:v>
+                </c:pt>
+                <c:pt idx="30">
+                  <c:v>6.0999999999999999E-2</c:v>
+                </c:pt>
+                <c:pt idx="31">
+                  <c:v>5.8700000000000002E-2</c:v>
+                </c:pt>
+                <c:pt idx="32">
+                  <c:v>6.0700000000000004E-2</c:v>
+                </c:pt>
+                <c:pt idx="33">
+                  <c:v>6.6200000000000009E-2</c:v>
+                </c:pt>
+                <c:pt idx="34">
+                  <c:v>6.9699999999999998E-2</c:v>
+                </c:pt>
+                <c:pt idx="35">
+                  <c:v>5.9299999999999999E-2</c:v>
+                </c:pt>
+                <c:pt idx="36">
+                  <c:v>4.4299999999999999E-2</c:v>
+                </c:pt>
+                <c:pt idx="37">
+                  <c:v>3.1100000000000003E-2</c:v>
+                </c:pt>
+                <c:pt idx="38">
+                  <c:v>2.2600000000000002E-2</c:v>
+                </c:pt>
+                <c:pt idx="39">
+                  <c:v>1.7299999999999999E-2</c:v>
+                </c:pt>
+                <c:pt idx="40">
+                  <c:v>1.3599999999999999E-2</c:v>
+                </c:pt>
+              </c:numCache>
+            </c:numRef>
+          </c:yVal>
+          <c:smooth val="0"/>
+          <c:extLst>
+            <c:ext xmlns:c16="http://schemas.microsoft.com/office/drawing/2014/chart" uri="{C3380CC4-5D6E-409C-BE32-E72D297353CC}">
+              <c16:uniqueId val="{00000003-242D-4FBC-ACF8-A27C88F08C75}"/>
+            </c:ext>
+          </c:extLst>
+        </c:ser>
+        <c:dLbls>
+          <c:showLegendKey val="0"/>
+          <c:showVal val="0"/>
+          <c:showCatName val="0"/>
+          <c:showSerName val="0"/>
+          <c:showPercent val="0"/>
+          <c:showBubbleSize val="0"/>
+        </c:dLbls>
+        <c:axId val="1310237040"/>
+        <c:axId val="1310235792"/>
+      </c:scatterChart>
+      <c:valAx>
+        <c:axId val="1310237040"/>
+        <c:scaling>
+          <c:orientation val="minMax"/>
+        </c:scaling>
+        <c:delete val="0"/>
+        <c:axPos val="b"/>
+        <c:majorGridlines>
+          <c:spPr>
+            <a:ln w="9525" cap="flat" cmpd="sng" algn="ctr">
+              <a:solidFill>
+                <a:schemeClr val="tx1">
+                  <a:lumMod val="15000"/>
+                  <a:lumOff val="85000"/>
+                </a:schemeClr>
+              </a:solidFill>
+              <a:round/>
+            </a:ln>
+            <a:effectLst/>
+          </c:spPr>
+        </c:majorGridlines>
+        <c:title>
+          <c:tx>
+            <c:rich>
+              <a:bodyPr/>
+              <a:lstStyle/>
+              <a:p>
+                <a:pPr>
+                  <a:defRPr/>
+                </a:pPr>
+                <a:r>
+                  <a:rPr lang="pt-PT" dirty="0"/>
+                  <a:t>Distância</a:t>
+                </a:r>
+                <a:r>
+                  <a:rPr lang="pt-PT" baseline="0" dirty="0"/>
+                  <a:t> (m)</a:t>
+                </a:r>
+                <a:endParaRPr lang="pt-PT" dirty="0"/>
+              </a:p>
+            </c:rich>
+          </c:tx>
+          <c:overlay val="0"/>
+        </c:title>
+        <c:numFmt formatCode="General" sourceLinked="1"/>
+        <c:majorTickMark val="none"/>
+        <c:minorTickMark val="none"/>
+        <c:tickLblPos val="nextTo"/>
+        <c:spPr>
+          <a:noFill/>
+          <a:ln w="9525" cap="flat" cmpd="sng" algn="ctr">
+            <a:solidFill>
+              <a:schemeClr val="tx1">
+                <a:lumMod val="25000"/>
+                <a:lumOff val="75000"/>
+              </a:schemeClr>
+            </a:solidFill>
+            <a:round/>
+          </a:ln>
+          <a:effectLst/>
+        </c:spPr>
+        <c:txPr>
+          <a:bodyPr rot="-60000000" spcFirstLastPara="1" vertOverflow="ellipsis" vert="horz" wrap="square" anchor="ctr" anchorCtr="1"/>
+          <a:lstStyle/>
+          <a:p>
+            <a:pPr>
+              <a:defRPr lang="en-US" sz="1400" b="0" i="0" u="none" strike="noStrike" kern="1200" spc="0" baseline="0">
+                <a:solidFill>
+                  <a:sysClr val="windowText" lastClr="000000">
+                    <a:lumMod val="65000"/>
+                    <a:lumOff val="35000"/>
+                  </a:sysClr>
+                </a:solidFill>
+                <a:effectLst/>
+                <a:latin typeface="+mn-lt"/>
+                <a:ea typeface="+mn-ea"/>
+                <a:cs typeface="+mn-cs"/>
+              </a:defRPr>
+            </a:pPr>
+            <a:endParaRPr lang="pt-PT"/>
+          </a:p>
+        </c:txPr>
+        <c:crossAx val="1310235792"/>
+        <c:crosses val="autoZero"/>
+        <c:crossBetween val="midCat"/>
+      </c:valAx>
+      <c:valAx>
+        <c:axId val="1310235792"/>
+        <c:scaling>
+          <c:orientation val="minMax"/>
+        </c:scaling>
+        <c:delete val="0"/>
+        <c:axPos val="l"/>
+        <c:majorGridlines>
+          <c:spPr>
+            <a:ln w="9525" cap="flat" cmpd="sng" algn="ctr">
+              <a:solidFill>
+                <a:schemeClr val="tx1">
+                  <a:lumMod val="15000"/>
+                  <a:lumOff val="85000"/>
+                </a:schemeClr>
+              </a:solidFill>
+              <a:round/>
+            </a:ln>
+            <a:effectLst/>
+          </c:spPr>
+        </c:majorGridlines>
+        <c:title>
+          <c:tx>
+            <c:rich>
+              <a:bodyPr/>
+              <a:lstStyle/>
+              <a:p>
+                <a:pPr>
+                  <a:defRPr/>
+                </a:pPr>
+                <a:r>
+                  <a:rPr lang="pt-PT" dirty="0"/>
+                  <a:t>Tensão</a:t>
+                </a:r>
+                <a:r>
+                  <a:rPr lang="pt-PT" baseline="0" dirty="0"/>
+                  <a:t> (V)</a:t>
+                </a:r>
+                <a:endParaRPr lang="pt-PT" dirty="0"/>
+              </a:p>
+            </c:rich>
+          </c:tx>
+          <c:overlay val="0"/>
+        </c:title>
+        <c:numFmt formatCode="General" sourceLinked="1"/>
+        <c:majorTickMark val="none"/>
+        <c:minorTickMark val="none"/>
+        <c:tickLblPos val="nextTo"/>
+        <c:spPr>
+          <a:noFill/>
+          <a:ln w="9525" cap="flat" cmpd="sng" algn="ctr">
+            <a:solidFill>
+              <a:schemeClr val="tx1">
+                <a:lumMod val="25000"/>
+                <a:lumOff val="75000"/>
+              </a:schemeClr>
+            </a:solidFill>
+            <a:round/>
+          </a:ln>
+          <a:effectLst/>
+        </c:spPr>
+        <c:txPr>
+          <a:bodyPr rot="-60000000" spcFirstLastPara="1" vertOverflow="ellipsis" vert="horz" wrap="square" anchor="ctr" anchorCtr="1"/>
+          <a:lstStyle/>
+          <a:p>
+            <a:pPr>
+              <a:defRPr lang="en-US" sz="1400" b="0" i="0" u="none" strike="noStrike" kern="1200" spc="0" baseline="0">
+                <a:solidFill>
+                  <a:sysClr val="windowText" lastClr="000000">
+                    <a:lumMod val="65000"/>
+                    <a:lumOff val="35000"/>
+                  </a:sysClr>
+                </a:solidFill>
+                <a:effectLst/>
+                <a:latin typeface="+mn-lt"/>
+                <a:ea typeface="+mn-ea"/>
+                <a:cs typeface="+mn-cs"/>
+              </a:defRPr>
+            </a:pPr>
+            <a:endParaRPr lang="pt-PT"/>
+          </a:p>
+        </c:txPr>
+        <c:crossAx val="1310237040"/>
+        <c:crosses val="autoZero"/>
+        <c:crossBetween val="midCat"/>
+      </c:valAx>
+    </c:plotArea>
+    <c:legend>
+      <c:legendPos val="r"/>
+      <c:overlay val="0"/>
+    </c:legend>
+    <c:plotVisOnly val="1"/>
+    <c:dispBlanksAs val="gap"/>
+    <c:showDLblsOverMax val="0"/>
+  </c:chart>
+  <c:txPr>
+    <a:bodyPr/>
+    <a:lstStyle/>
+    <a:p>
+      <a:pPr>
+        <a:defRPr lang="en-US" sz="1400" b="0" i="0" u="none" strike="noStrike" kern="1200" spc="0" baseline="0">
+          <a:solidFill>
+            <a:sysClr val="windowText" lastClr="000000">
+              <a:lumMod val="65000"/>
+              <a:lumOff val="35000"/>
+            </a:sysClr>
+          </a:solidFill>
+          <a:effectLst/>
+          <a:latin typeface="+mn-lt"/>
+          <a:ea typeface="+mn-ea"/>
+          <a:cs typeface="+mn-cs"/>
+        </a:defRPr>
+      </a:pPr>
+      <a:endParaRPr lang="pt-PT"/>
+    </a:p>
+  </c:txPr>
+  <c:externalData r:id="rId1">
+    <c:autoUpdate val="0"/>
+  </c:externalData>
+</c:chartSpace>
+</file>
+
+<file path=ppt/charts/chart2.xml><?xml version="1.0" encoding="utf-8"?>
+<c:chartSpace xmlns:c="http://schemas.openxmlformats.org/drawingml/2006/chart" xmlns:a="http://schemas.openxmlformats.org/drawingml/2006/main" xmlns:r="http://schemas.openxmlformats.org/officeDocument/2006/relationships" xmlns:c16r2="http://schemas.microsoft.com/office/drawing/2015/06/chart">
+  <c:date1904 val="0"/>
+  <c:lang val="pt-PT"/>
+  <c:roundedCorners val="0"/>
+  <mc:AlternateContent xmlns:mc="http://schemas.openxmlformats.org/markup-compatibility/2006">
+    <mc:Choice xmlns:c14="http://schemas.microsoft.com/office/drawing/2007/8/2/chart" Requires="c14">
+      <c14:style val="102"/>
+    </mc:Choice>
+    <mc:Fallback>
+      <c:style val="2"/>
+    </mc:Fallback>
+  </mc:AlternateContent>
+  <c:chart>
+    <c:title>
+      <c:tx>
+        <c:rich>
+          <a:bodyPr rot="0" spcFirstLastPara="1" vertOverflow="ellipsis" vert="horz" wrap="square" anchor="ctr" anchorCtr="1"/>
+          <a:lstStyle/>
+          <a:p>
+            <a:pPr>
+              <a:defRPr sz="1400" b="0" i="0" u="none" strike="noStrike" kern="1200" spc="0" baseline="0">
+                <a:solidFill>
+                  <a:schemeClr val="tx1">
+                    <a:lumMod val="65000"/>
+                    <a:lumOff val="35000"/>
+                  </a:schemeClr>
+                </a:solidFill>
+                <a:latin typeface="+mn-lt"/>
+                <a:ea typeface="+mn-ea"/>
+                <a:cs typeface="+mn-cs"/>
+              </a:defRPr>
+            </a:pPr>
+            <a:r>
+              <a:rPr lang="pt-PT"/>
+              <a:t>B1</a:t>
+            </a:r>
+            <a:r>
+              <a:rPr lang="pt-PT" baseline="0"/>
+              <a:t> em função da distância</a:t>
+            </a:r>
+            <a:endParaRPr lang="pt-PT"/>
+          </a:p>
+        </c:rich>
+      </c:tx>
+      <c:overlay val="0"/>
+      <c:spPr>
+        <a:noFill/>
+        <a:ln>
+          <a:noFill/>
+        </a:ln>
+        <a:effectLst/>
+      </c:spPr>
+    </c:title>
+    <c:autoTitleDeleted val="0"/>
+    <c:plotArea>
+      <c:layout/>
+      <c:scatterChart>
+        <c:scatterStyle val="lineMarker"/>
+        <c:varyColors val="0"/>
+        <c:ser>
+          <c:idx val="2"/>
+          <c:order val="0"/>
+          <c:tx>
+            <c:v>Bobinas em série</c:v>
+          </c:tx>
+          <c:xVal>
+            <c:numRef>
+              <c:f>Folha1!$B$8:$B$48</c:f>
+              <c:numCache>
+                <c:formatCode>General</c:formatCode>
+                <c:ptCount val="41"/>
+                <c:pt idx="0">
+                  <c:v>0</c:v>
+                </c:pt>
+                <c:pt idx="1">
+                  <c:v>0.01</c:v>
+                </c:pt>
+                <c:pt idx="2">
+                  <c:v>0.02</c:v>
+                </c:pt>
+                <c:pt idx="3">
+                  <c:v>0.03</c:v>
+                </c:pt>
+                <c:pt idx="4">
+                  <c:v>0.04</c:v>
+                </c:pt>
+                <c:pt idx="5">
+                  <c:v>0.05</c:v>
+                </c:pt>
+                <c:pt idx="6">
+                  <c:v>0.06</c:v>
+                </c:pt>
+                <c:pt idx="7">
+                  <c:v>7.0000000000000007E-2</c:v>
+                </c:pt>
+                <c:pt idx="8">
+                  <c:v>0.08</c:v>
+                </c:pt>
+                <c:pt idx="9">
+                  <c:v>0.09</c:v>
+                </c:pt>
+                <c:pt idx="10">
+                  <c:v>0.1</c:v>
+                </c:pt>
+                <c:pt idx="11">
+                  <c:v>0.11</c:v>
+                </c:pt>
+                <c:pt idx="12">
+                  <c:v>0.12</c:v>
+                </c:pt>
+                <c:pt idx="13">
+                  <c:v>0.13</c:v>
+                </c:pt>
+                <c:pt idx="14">
+                  <c:v>0.14000000000000001</c:v>
+                </c:pt>
+                <c:pt idx="15">
+                  <c:v>0.15</c:v>
+                </c:pt>
+                <c:pt idx="16">
+                  <c:v>0.16</c:v>
+                </c:pt>
+                <c:pt idx="17">
+                  <c:v>0.17</c:v>
+                </c:pt>
+                <c:pt idx="18">
+                  <c:v>0.18</c:v>
+                </c:pt>
+                <c:pt idx="19">
+                  <c:v>0.19</c:v>
+                </c:pt>
+                <c:pt idx="20">
+                  <c:v>0.2</c:v>
+                </c:pt>
+                <c:pt idx="21">
+                  <c:v>0.21</c:v>
+                </c:pt>
+                <c:pt idx="22">
+                  <c:v>0.22</c:v>
+                </c:pt>
+                <c:pt idx="23">
+                  <c:v>0.23</c:v>
+                </c:pt>
+                <c:pt idx="24">
+                  <c:v>0.24</c:v>
+                </c:pt>
+                <c:pt idx="25">
+                  <c:v>0.25</c:v>
+                </c:pt>
+                <c:pt idx="26">
+                  <c:v>0.26</c:v>
+                </c:pt>
+                <c:pt idx="27">
+                  <c:v>0.27</c:v>
+                </c:pt>
+                <c:pt idx="28">
+                  <c:v>0.28000000000000003</c:v>
+                </c:pt>
+                <c:pt idx="29">
+                  <c:v>0.28999999999999998</c:v>
+                </c:pt>
+                <c:pt idx="30">
+                  <c:v>0.3</c:v>
+                </c:pt>
+                <c:pt idx="31">
+                  <c:v>0.31</c:v>
+                </c:pt>
+                <c:pt idx="32">
+                  <c:v>0.32</c:v>
+                </c:pt>
+                <c:pt idx="33">
+                  <c:v>0.33</c:v>
+                </c:pt>
+                <c:pt idx="34">
+                  <c:v>0.34</c:v>
+                </c:pt>
+                <c:pt idx="35">
+                  <c:v>0.35</c:v>
+                </c:pt>
+                <c:pt idx="36">
+                  <c:v>0.36</c:v>
+                </c:pt>
+                <c:pt idx="37">
+                  <c:v>0.37</c:v>
+                </c:pt>
+                <c:pt idx="38">
+                  <c:v>0.38</c:v>
+                </c:pt>
+                <c:pt idx="39">
+                  <c:v>0.39</c:v>
+                </c:pt>
+                <c:pt idx="40">
+                  <c:v>0.4</c:v>
+                </c:pt>
+              </c:numCache>
+            </c:numRef>
+          </c:xVal>
+          <c:yVal>
+            <c:numRef>
+              <c:f>Folha1!$N$8:$N$48</c:f>
+              <c:numCache>
+                <c:formatCode>General</c:formatCode>
+                <c:ptCount val="41"/>
+                <c:pt idx="0">
+                  <c:v>1.4618779388187787E-4</c:v>
+                </c:pt>
+                <c:pt idx="1">
+                  <c:v>1.4618779388187787E-4</c:v>
+                </c:pt>
+                <c:pt idx="2">
+                  <c:v>1.5572178043939166E-4</c:v>
+                </c:pt>
+                <c:pt idx="3">
+                  <c:v>1.5572178043939166E-4</c:v>
+                </c:pt>
+                <c:pt idx="4">
+                  <c:v>1.5889977595856292E-4</c:v>
+                </c:pt>
+                <c:pt idx="5">
+                  <c:v>1.5889977595856292E-4</c:v>
+                </c:pt>
+                <c:pt idx="6">
+                  <c:v>1.6207777147773415E-4</c:v>
+                </c:pt>
+                <c:pt idx="7">
+                  <c:v>1.6207777147773415E-4</c:v>
+                </c:pt>
+                <c:pt idx="8">
+                  <c:v>1.6525576699690544E-4</c:v>
+                </c:pt>
+                <c:pt idx="9">
+                  <c:v>1.6843376251607668E-4</c:v>
+                </c:pt>
+                <c:pt idx="10">
+                  <c:v>1.747897535544192E-4</c:v>
+                </c:pt>
+                <c:pt idx="11">
+                  <c:v>1.7796774907359044E-4</c:v>
+                </c:pt>
+                <c:pt idx="12">
+                  <c:v>1.8432374011193297E-4</c:v>
+                </c:pt>
+                <c:pt idx="13">
+                  <c:v>1.9385772666944673E-4</c:v>
+                </c:pt>
+                <c:pt idx="14">
+                  <c:v>2.0021371770778925E-4</c:v>
+                </c:pt>
+                <c:pt idx="15">
+                  <c:v>2.1610369530364554E-4</c:v>
+                </c:pt>
+                <c:pt idx="16">
+                  <c:v>2.3199367289950185E-4</c:v>
+                </c:pt>
+                <c:pt idx="17">
+                  <c:v>2.4788365049535811E-4</c:v>
+                </c:pt>
+                <c:pt idx="18">
+                  <c:v>2.7966360568707079E-4</c:v>
+                </c:pt>
+                <c:pt idx="19">
+                  <c:v>3.1462155639795457E-4</c:v>
+                </c:pt>
+                <c:pt idx="20">
+                  <c:v>3.6546948470469472E-4</c:v>
+                </c:pt>
+                <c:pt idx="21">
+                  <c:v>4.3856338164563366E-4</c:v>
+                </c:pt>
+                <c:pt idx="22">
+                  <c:v>5.402592382591139E-4</c:v>
+                </c:pt>
+                <c:pt idx="23">
+                  <c:v>7.0869300077519061E-4</c:v>
+                </c:pt>
+                <c:pt idx="24">
+                  <c:v>9.0255072744463731E-4</c:v>
+                </c:pt>
+                <c:pt idx="25">
+                  <c:v>1.2012823062467356E-3</c:v>
+                </c:pt>
+                <c:pt idx="26">
+                  <c:v>1.5667517909514301E-3</c:v>
+                </c:pt>
+                <c:pt idx="27">
+                  <c:v>1.906797311502755E-3</c:v>
+                </c:pt>
+                <c:pt idx="28">
+                  <c:v>2.0815870650571743E-3</c:v>
+                </c:pt>
+                <c:pt idx="29">
+                  <c:v>2.0720530784996607E-3</c:v>
+                </c:pt>
+                <c:pt idx="30">
+                  <c:v>1.9385772666944674E-3</c:v>
+                </c:pt>
+                <c:pt idx="31">
+                  <c:v>1.8654833697535286E-3</c:v>
+                </c:pt>
+                <c:pt idx="32">
+                  <c:v>1.9290432801369539E-3</c:v>
+                </c:pt>
+                <c:pt idx="33">
+                  <c:v>2.1038330336913729E-3</c:v>
+                </c:pt>
+                <c:pt idx="34">
+                  <c:v>2.2150628768623673E-3</c:v>
+                </c:pt>
+                <c:pt idx="35">
+                  <c:v>1.8845513428685562E-3</c:v>
+                </c:pt>
+                <c:pt idx="36">
+                  <c:v>1.4078520149928672E-3</c:v>
+                </c:pt>
+                <c:pt idx="37">
+                  <c:v>9.883566064622614E-4</c:v>
+                </c:pt>
+                <c:pt idx="38">
+                  <c:v>7.182269873327044E-4</c:v>
+                </c:pt>
+                <c:pt idx="39">
+                  <c:v>5.4979322481662769E-4</c:v>
+                </c:pt>
+                <c:pt idx="40">
+                  <c:v>4.3220739060729108E-4</c:v>
+                </c:pt>
+              </c:numCache>
+            </c:numRef>
+          </c:yVal>
+          <c:smooth val="0"/>
+          <c:extLst>
+            <c:ext xmlns:c16="http://schemas.microsoft.com/office/drawing/2014/chart" uri="{C3380CC4-5D6E-409C-BE32-E72D297353CC}">
+              <c16:uniqueId val="{00000000-BC98-4B9A-B1DA-53DE60783A28}"/>
+            </c:ext>
+          </c:extLst>
+        </c:ser>
+        <c:ser>
+          <c:idx val="3"/>
+          <c:order val="1"/>
+          <c:tx>
+            <c:v>Bobina 1 + Bobina 2</c:v>
+          </c:tx>
+          <c:xVal>
+            <c:numRef>
+              <c:f>Folha1!$B$8:$B$48</c:f>
+              <c:numCache>
+                <c:formatCode>General</c:formatCode>
+                <c:ptCount val="41"/>
+                <c:pt idx="0">
+                  <c:v>0</c:v>
+                </c:pt>
+                <c:pt idx="1">
+                  <c:v>0.01</c:v>
+                </c:pt>
+                <c:pt idx="2">
+                  <c:v>0.02</c:v>
+                </c:pt>
+                <c:pt idx="3">
+                  <c:v>0.03</c:v>
+                </c:pt>
+                <c:pt idx="4">
+                  <c:v>0.04</c:v>
+                </c:pt>
+                <c:pt idx="5">
+                  <c:v>0.05</c:v>
+                </c:pt>
+                <c:pt idx="6">
+                  <c:v>0.06</c:v>
+                </c:pt>
+                <c:pt idx="7">
+                  <c:v>7.0000000000000007E-2</c:v>
+                </c:pt>
+                <c:pt idx="8">
+                  <c:v>0.08</c:v>
+                </c:pt>
+                <c:pt idx="9">
+                  <c:v>0.09</c:v>
+                </c:pt>
+                <c:pt idx="10">
+                  <c:v>0.1</c:v>
+                </c:pt>
+                <c:pt idx="11">
+                  <c:v>0.11</c:v>
+                </c:pt>
+                <c:pt idx="12">
+                  <c:v>0.12</c:v>
+                </c:pt>
+                <c:pt idx="13">
+                  <c:v>0.13</c:v>
+                </c:pt>
+                <c:pt idx="14">
+                  <c:v>0.14000000000000001</c:v>
+                </c:pt>
+                <c:pt idx="15">
+                  <c:v>0.15</c:v>
+                </c:pt>
+                <c:pt idx="16">
+                  <c:v>0.16</c:v>
+                </c:pt>
+                <c:pt idx="17">
+                  <c:v>0.17</c:v>
+                </c:pt>
+                <c:pt idx="18">
+                  <c:v>0.18</c:v>
+                </c:pt>
+                <c:pt idx="19">
+                  <c:v>0.19</c:v>
+                </c:pt>
+                <c:pt idx="20">
+                  <c:v>0.2</c:v>
+                </c:pt>
+                <c:pt idx="21">
+                  <c:v>0.21</c:v>
+                </c:pt>
+                <c:pt idx="22">
+                  <c:v>0.22</c:v>
+                </c:pt>
+                <c:pt idx="23">
+                  <c:v>0.23</c:v>
+                </c:pt>
+                <c:pt idx="24">
+                  <c:v>0.24</c:v>
+                </c:pt>
+                <c:pt idx="25">
+                  <c:v>0.25</c:v>
+                </c:pt>
+                <c:pt idx="26">
+                  <c:v>0.26</c:v>
+                </c:pt>
+                <c:pt idx="27">
+                  <c:v>0.27</c:v>
+                </c:pt>
+                <c:pt idx="28">
+                  <c:v>0.28000000000000003</c:v>
+                </c:pt>
+                <c:pt idx="29">
+                  <c:v>0.28999999999999998</c:v>
+                </c:pt>
+                <c:pt idx="30">
+                  <c:v>0.3</c:v>
+                </c:pt>
+                <c:pt idx="31">
+                  <c:v>0.31</c:v>
+                </c:pt>
+                <c:pt idx="32">
+                  <c:v>0.32</c:v>
+                </c:pt>
+                <c:pt idx="33">
+                  <c:v>0.33</c:v>
+                </c:pt>
+                <c:pt idx="34">
+                  <c:v>0.34</c:v>
+                </c:pt>
+                <c:pt idx="35">
+                  <c:v>0.35</c:v>
+                </c:pt>
+                <c:pt idx="36">
+                  <c:v>0.36</c:v>
+                </c:pt>
+                <c:pt idx="37">
+                  <c:v>0.37</c:v>
+                </c:pt>
+                <c:pt idx="38">
+                  <c:v>0.38</c:v>
+                </c:pt>
+                <c:pt idx="39">
+                  <c:v>0.39</c:v>
+                </c:pt>
+                <c:pt idx="40">
+                  <c:v>0.4</c:v>
+                </c:pt>
+              </c:numCache>
+            </c:numRef>
+          </c:xVal>
+          <c:yVal>
+            <c:numRef>
+              <c:f>Folha1!$T$8:$T$48</c:f>
+              <c:numCache>
+                <c:formatCode>General</c:formatCode>
+                <c:ptCount val="41"/>
+                <c:pt idx="0">
+                  <c:v>2.5106164601452943E-4</c:v>
+                </c:pt>
+                <c:pt idx="1">
+                  <c:v>2.5106164601452943E-4</c:v>
+                </c:pt>
+                <c:pt idx="2">
+                  <c:v>2.6059563257204316E-4</c:v>
+                </c:pt>
+                <c:pt idx="3">
+                  <c:v>2.574176370528719E-4</c:v>
+                </c:pt>
+                <c:pt idx="4">
+                  <c:v>2.574176370528719E-4</c:v>
+                </c:pt>
+                <c:pt idx="5">
+                  <c:v>2.574176370528719E-4</c:v>
+                </c:pt>
+                <c:pt idx="6">
+                  <c:v>2.6059563257204316E-4</c:v>
+                </c:pt>
+                <c:pt idx="7">
+                  <c:v>2.6059563257204316E-4</c:v>
+                </c:pt>
+                <c:pt idx="8">
+                  <c:v>2.6377362809121442E-4</c:v>
+                </c:pt>
+                <c:pt idx="9">
+                  <c:v>2.6695162361038563E-4</c:v>
+                </c:pt>
+                <c:pt idx="10">
+                  <c:v>2.701296191295569E-4</c:v>
+                </c:pt>
+                <c:pt idx="11">
+                  <c:v>2.8284160120624195E-4</c:v>
+                </c:pt>
+                <c:pt idx="12">
+                  <c:v>2.7966360568707068E-4</c:v>
+                </c:pt>
+                <c:pt idx="13">
+                  <c:v>2.9237558776375579E-4</c:v>
+                </c:pt>
+                <c:pt idx="14">
+                  <c:v>2.9873157880209826E-4</c:v>
+                </c:pt>
+                <c:pt idx="15">
+                  <c:v>3.0826556535961205E-4</c:v>
+                </c:pt>
+                <c:pt idx="16">
+                  <c:v>3.2415554295546836E-4</c:v>
+                </c:pt>
+                <c:pt idx="17">
+                  <c:v>3.3686752503215336E-4</c:v>
+                </c:pt>
+                <c:pt idx="18">
+                  <c:v>3.6864748022386593E-4</c:v>
+                </c:pt>
+                <c:pt idx="19">
+                  <c:v>3.9089344885806477E-4</c:v>
+                </c:pt>
+                <c:pt idx="20">
+                  <c:v>4.3220739060729108E-4</c:v>
+                </c:pt>
+                <c:pt idx="21">
+                  <c:v>4.8305531891403123E-4</c:v>
+                </c:pt>
+                <c:pt idx="22">
+                  <c:v>5.5614921585497011E-4</c:v>
+                </c:pt>
+                <c:pt idx="23">
+                  <c:v>6.6737905902596419E-4</c:v>
+                </c:pt>
+                <c:pt idx="24">
+                  <c:v>8.2310083946535585E-4</c:v>
+                </c:pt>
+                <c:pt idx="25">
+                  <c:v>1.0360265392498301E-3</c:v>
+                </c:pt>
+                <c:pt idx="26">
+                  <c:v>1.3220461359752435E-3</c:v>
+                </c:pt>
+                <c:pt idx="27">
+                  <c:v>1.7224735713908218E-3</c:v>
+                </c:pt>
+                <c:pt idx="28">
+                  <c:v>2.129256997844743E-3</c:v>
+                </c:pt>
+                <c:pt idx="29">
+                  <c:v>2.4311665721660127E-3</c:v>
+                </c:pt>
+                <c:pt idx="30">
+                  <c:v>2.5042604691069515E-3</c:v>
+                </c:pt>
+                <c:pt idx="31">
+                  <c:v>2.4597685318385539E-3</c:v>
+                </c:pt>
+                <c:pt idx="32">
+                  <c:v>2.4216325856084991E-3</c:v>
+                </c:pt>
+                <c:pt idx="33">
+                  <c:v>2.47565850943441E-3</c:v>
+                </c:pt>
+                <c:pt idx="34">
+                  <c:v>2.4089206035318137E-3</c:v>
+                </c:pt>
+                <c:pt idx="35">
+                  <c:v>2.0879430560955163E-3</c:v>
+                </c:pt>
+                <c:pt idx="36">
+                  <c:v>1.5858197640664579E-3</c:v>
+                </c:pt>
+                <c:pt idx="37">
+                  <c:v>1.194926315208393E-3</c:v>
+                </c:pt>
+                <c:pt idx="38">
+                  <c:v>9.2161870055966467E-4</c:v>
+                </c:pt>
+                <c:pt idx="39">
+                  <c:v>7.2776097389021818E-4</c:v>
+                </c:pt>
+                <c:pt idx="40">
+                  <c:v>6.0381914864253905E-4</c:v>
+                </c:pt>
+              </c:numCache>
+            </c:numRef>
+          </c:yVal>
+          <c:smooth val="0"/>
+          <c:extLst>
+            <c:ext xmlns:c16="http://schemas.microsoft.com/office/drawing/2014/chart" uri="{C3380CC4-5D6E-409C-BE32-E72D297353CC}">
+              <c16:uniqueId val="{00000001-BC98-4B9A-B1DA-53DE60783A28}"/>
+            </c:ext>
+          </c:extLst>
+        </c:ser>
+        <c:ser>
+          <c:idx val="4"/>
+          <c:order val="2"/>
+          <c:tx>
+            <c:v>Bobina 2</c:v>
+          </c:tx>
+          <c:xVal>
+            <c:numRef>
+              <c:f>Folha1!$B$8:$B$48</c:f>
+              <c:numCache>
+                <c:formatCode>General</c:formatCode>
+                <c:ptCount val="41"/>
+                <c:pt idx="0">
+                  <c:v>0</c:v>
+                </c:pt>
+                <c:pt idx="1">
+                  <c:v>0.01</c:v>
+                </c:pt>
+                <c:pt idx="2">
+                  <c:v>0.02</c:v>
+                </c:pt>
+                <c:pt idx="3">
+                  <c:v>0.03</c:v>
+                </c:pt>
+                <c:pt idx="4">
+                  <c:v>0.04</c:v>
+                </c:pt>
+                <c:pt idx="5">
+                  <c:v>0.05</c:v>
+                </c:pt>
+                <c:pt idx="6">
+                  <c:v>0.06</c:v>
+                </c:pt>
+                <c:pt idx="7">
+                  <c:v>7.0000000000000007E-2</c:v>
+                </c:pt>
+                <c:pt idx="8">
+                  <c:v>0.08</c:v>
+                </c:pt>
+                <c:pt idx="9">
+                  <c:v>0.09</c:v>
+                </c:pt>
+                <c:pt idx="10">
+                  <c:v>0.1</c:v>
+                </c:pt>
+                <c:pt idx="11">
+                  <c:v>0.11</c:v>
+                </c:pt>
+                <c:pt idx="12">
+                  <c:v>0.12</c:v>
+                </c:pt>
+                <c:pt idx="13">
+                  <c:v>0.13</c:v>
+                </c:pt>
+                <c:pt idx="14">
+                  <c:v>0.14000000000000001</c:v>
+                </c:pt>
+                <c:pt idx="15">
+                  <c:v>0.15</c:v>
+                </c:pt>
+                <c:pt idx="16">
+                  <c:v>0.16</c:v>
+                </c:pt>
+                <c:pt idx="17">
+                  <c:v>0.17</c:v>
+                </c:pt>
+                <c:pt idx="18">
+                  <c:v>0.18</c:v>
+                </c:pt>
+                <c:pt idx="19">
+                  <c:v>0.19</c:v>
+                </c:pt>
+                <c:pt idx="20">
+                  <c:v>0.2</c:v>
+                </c:pt>
+                <c:pt idx="21">
+                  <c:v>0.21</c:v>
+                </c:pt>
+                <c:pt idx="22">
+                  <c:v>0.22</c:v>
+                </c:pt>
+                <c:pt idx="23">
+                  <c:v>0.23</c:v>
+                </c:pt>
+                <c:pt idx="24">
+                  <c:v>0.24</c:v>
+                </c:pt>
+                <c:pt idx="25">
+                  <c:v>0.25</c:v>
+                </c:pt>
+                <c:pt idx="26">
+                  <c:v>0.26</c:v>
+                </c:pt>
+                <c:pt idx="27">
+                  <c:v>0.27</c:v>
+                </c:pt>
+                <c:pt idx="28">
+                  <c:v>0.28000000000000003</c:v>
+                </c:pt>
+                <c:pt idx="29">
+                  <c:v>0.28999999999999998</c:v>
+                </c:pt>
+                <c:pt idx="30">
+                  <c:v>0.3</c:v>
+                </c:pt>
+                <c:pt idx="31">
+                  <c:v>0.31</c:v>
+                </c:pt>
+                <c:pt idx="32">
+                  <c:v>0.32</c:v>
+                </c:pt>
+                <c:pt idx="33">
+                  <c:v>0.33</c:v>
+                </c:pt>
+                <c:pt idx="34">
+                  <c:v>0.34</c:v>
+                </c:pt>
+                <c:pt idx="35">
+                  <c:v>0.35</c:v>
+                </c:pt>
+                <c:pt idx="36">
+                  <c:v>0.36</c:v>
+                </c:pt>
+                <c:pt idx="37">
+                  <c:v>0.37</c:v>
+                </c:pt>
+                <c:pt idx="38">
+                  <c:v>0.38</c:v>
+                </c:pt>
+                <c:pt idx="39">
+                  <c:v>0.39</c:v>
+                </c:pt>
+                <c:pt idx="40">
+                  <c:v>0.4</c:v>
+                </c:pt>
+              </c:numCache>
+            </c:numRef>
+          </c:xVal>
+          <c:yVal>
+            <c:numRef>
+              <c:f>Folha1!$I$8:$I$48</c:f>
+              <c:numCache>
+                <c:formatCode>General</c:formatCode>
+                <c:ptCount val="41"/>
+                <c:pt idx="0">
+                  <c:v>1.398318028435354E-4</c:v>
+                </c:pt>
+                <c:pt idx="1">
+                  <c:v>1.398318028435354E-4</c:v>
+                </c:pt>
+                <c:pt idx="2">
+                  <c:v>1.430097983627066E-4</c:v>
+                </c:pt>
+                <c:pt idx="3">
+                  <c:v>1.430097983627066E-4</c:v>
+                </c:pt>
+                <c:pt idx="4">
+                  <c:v>1.430097983627066E-4</c:v>
+                </c:pt>
+                <c:pt idx="5">
+                  <c:v>1.430097983627066E-4</c:v>
+                </c:pt>
+                <c:pt idx="6">
+                  <c:v>1.4618779388187787E-4</c:v>
+                </c:pt>
+                <c:pt idx="7">
+                  <c:v>1.4618779388187787E-4</c:v>
+                </c:pt>
+                <c:pt idx="8">
+                  <c:v>1.4618779388187787E-4</c:v>
+                </c:pt>
+                <c:pt idx="9">
+                  <c:v>1.4618779388187787E-4</c:v>
+                </c:pt>
+                <c:pt idx="10">
+                  <c:v>1.4618779388187787E-4</c:v>
+                </c:pt>
+                <c:pt idx="11">
+                  <c:v>1.5254378492022039E-4</c:v>
+                </c:pt>
+                <c:pt idx="12">
+                  <c:v>1.4936578940104913E-4</c:v>
+                </c:pt>
+                <c:pt idx="13">
+                  <c:v>1.5254378492022039E-4</c:v>
+                </c:pt>
+                <c:pt idx="14">
+                  <c:v>1.5254378492022039E-4</c:v>
+                </c:pt>
+                <c:pt idx="15">
+                  <c:v>1.5572178043939166E-4</c:v>
+                </c:pt>
+                <c:pt idx="16">
+                  <c:v>1.5889977595856292E-4</c:v>
+                </c:pt>
+                <c:pt idx="17">
+                  <c:v>1.6207777147773415E-4</c:v>
+                </c:pt>
+                <c:pt idx="18">
+                  <c:v>1.747897535544192E-4</c:v>
+                </c:pt>
+                <c:pt idx="19">
+                  <c:v>1.7796774907359044E-4</c:v>
+                </c:pt>
+                <c:pt idx="20">
+                  <c:v>1.8432374011193297E-4</c:v>
+                </c:pt>
+                <c:pt idx="21">
+                  <c:v>1.9067973115027549E-4</c:v>
+                </c:pt>
+                <c:pt idx="22">
+                  <c:v>2.0339171322696054E-4</c:v>
+                </c:pt>
+                <c:pt idx="23">
+                  <c:v>2.1928169082281683E-4</c:v>
+                </c:pt>
+                <c:pt idx="24">
+                  <c:v>2.3834966393784438E-4</c:v>
+                </c:pt>
+                <c:pt idx="25">
+                  <c:v>2.7012961912955695E-4</c:v>
+                </c:pt>
+                <c:pt idx="26">
+                  <c:v>3.1144356087878331E-4</c:v>
+                </c:pt>
+                <c:pt idx="27">
+                  <c:v>3.7182547574303719E-4</c:v>
+                </c:pt>
+                <c:pt idx="28">
+                  <c:v>4.5445335924148992E-4</c:v>
+                </c:pt>
+                <c:pt idx="29">
+                  <c:v>5.7839518448916894E-4</c:v>
+                </c:pt>
+                <c:pt idx="30">
+                  <c:v>7.6271892460110196E-4</c:v>
+                </c:pt>
+                <c:pt idx="31">
+                  <c:v>1.0296705482114876E-3</c:v>
+                </c:pt>
+                <c:pt idx="32">
+                  <c:v>1.3347581180519284E-3</c:v>
+                </c:pt>
+                <c:pt idx="33">
+                  <c:v>1.6875156206799381E-3</c:v>
+                </c:pt>
+                <c:pt idx="34">
+                  <c:v>1.8178134369659597E-3</c:v>
+                </c:pt>
+                <c:pt idx="35">
+                  <c:v>1.6334896968540266E-3</c:v>
+                </c:pt>
+                <c:pt idx="36">
+                  <c:v>1.2203502793617631E-3</c:v>
+                </c:pt>
+                <c:pt idx="37">
+                  <c:v>8.9301674088712352E-4</c:v>
+                </c:pt>
+                <c:pt idx="38">
+                  <c:v>6.6420106350679282E-4</c:v>
+                </c:pt>
+                <c:pt idx="39">
+                  <c:v>5.0212329202905886E-4</c:v>
+                </c:pt>
+                <c:pt idx="40">
+                  <c:v>4.004274354155785E-4</c:v>
+                </c:pt>
+              </c:numCache>
+            </c:numRef>
+          </c:yVal>
+          <c:smooth val="0"/>
+          <c:extLst>
+            <c:ext xmlns:c16="http://schemas.microsoft.com/office/drawing/2014/chart" uri="{C3380CC4-5D6E-409C-BE32-E72D297353CC}">
+              <c16:uniqueId val="{00000002-BC98-4B9A-B1DA-53DE60783A28}"/>
+            </c:ext>
+          </c:extLst>
+        </c:ser>
+        <c:ser>
+          <c:idx val="0"/>
+          <c:order val="3"/>
+          <c:tx>
+            <c:v>Bobina 1</c:v>
+          </c:tx>
+          <c:spPr>
+            <a:ln w="19050" cap="rnd">
+              <a:solidFill>
+                <a:schemeClr val="accent1"/>
+              </a:solidFill>
+              <a:round/>
+            </a:ln>
+            <a:effectLst/>
+          </c:spPr>
+          <c:marker>
+            <c:symbol val="circle"/>
+            <c:size val="5"/>
+            <c:spPr>
+              <a:solidFill>
+                <a:schemeClr val="accent1"/>
+              </a:solidFill>
+              <a:ln w="9525">
+                <a:solidFill>
+                  <a:schemeClr val="accent1"/>
+                </a:solidFill>
+              </a:ln>
+              <a:effectLst/>
+            </c:spPr>
+          </c:marker>
+          <c:xVal>
+            <c:numRef>
+              <c:f>Folha1!$B$8:$B$48</c:f>
+              <c:numCache>
+                <c:formatCode>General</c:formatCode>
+                <c:ptCount val="41"/>
+                <c:pt idx="0">
+                  <c:v>0</c:v>
+                </c:pt>
+                <c:pt idx="1">
+                  <c:v>0.01</c:v>
+                </c:pt>
+                <c:pt idx="2">
+                  <c:v>0.02</c:v>
+                </c:pt>
+                <c:pt idx="3">
+                  <c:v>0.03</c:v>
+                </c:pt>
+                <c:pt idx="4">
+                  <c:v>0.04</c:v>
+                </c:pt>
+                <c:pt idx="5">
+                  <c:v>0.05</c:v>
+                </c:pt>
+                <c:pt idx="6">
+                  <c:v>0.06</c:v>
+                </c:pt>
+                <c:pt idx="7">
+                  <c:v>7.0000000000000007E-2</c:v>
+                </c:pt>
+                <c:pt idx="8">
+                  <c:v>0.08</c:v>
+                </c:pt>
+                <c:pt idx="9">
+                  <c:v>0.09</c:v>
+                </c:pt>
+                <c:pt idx="10">
+                  <c:v>0.1</c:v>
+                </c:pt>
+                <c:pt idx="11">
+                  <c:v>0.11</c:v>
+                </c:pt>
+                <c:pt idx="12">
+                  <c:v>0.12</c:v>
+                </c:pt>
+                <c:pt idx="13">
+                  <c:v>0.13</c:v>
+                </c:pt>
+                <c:pt idx="14">
+                  <c:v>0.14000000000000001</c:v>
+                </c:pt>
+                <c:pt idx="15">
+                  <c:v>0.15</c:v>
+                </c:pt>
+                <c:pt idx="16">
+                  <c:v>0.16</c:v>
+                </c:pt>
+                <c:pt idx="17">
+                  <c:v>0.17</c:v>
+                </c:pt>
+                <c:pt idx="18">
+                  <c:v>0.18</c:v>
+                </c:pt>
+                <c:pt idx="19">
+                  <c:v>0.19</c:v>
+                </c:pt>
+                <c:pt idx="20">
+                  <c:v>0.2</c:v>
+                </c:pt>
+                <c:pt idx="21">
+                  <c:v>0.21</c:v>
+                </c:pt>
+                <c:pt idx="22">
+                  <c:v>0.22</c:v>
+                </c:pt>
+                <c:pt idx="23">
+                  <c:v>0.23</c:v>
+                </c:pt>
+                <c:pt idx="24">
+                  <c:v>0.24</c:v>
+                </c:pt>
+                <c:pt idx="25">
+                  <c:v>0.25</c:v>
+                </c:pt>
+                <c:pt idx="26">
+                  <c:v>0.26</c:v>
+                </c:pt>
+                <c:pt idx="27">
+                  <c:v>0.27</c:v>
+                </c:pt>
+                <c:pt idx="28">
+                  <c:v>0.28000000000000003</c:v>
+                </c:pt>
+                <c:pt idx="29">
+                  <c:v>0.28999999999999998</c:v>
+                </c:pt>
+                <c:pt idx="30">
+                  <c:v>0.3</c:v>
+                </c:pt>
+                <c:pt idx="31">
+                  <c:v>0.31</c:v>
+                </c:pt>
+                <c:pt idx="32">
+                  <c:v>0.32</c:v>
+                </c:pt>
+                <c:pt idx="33">
+                  <c:v>0.33</c:v>
+                </c:pt>
+                <c:pt idx="34">
+                  <c:v>0.34</c:v>
+                </c:pt>
+                <c:pt idx="35">
+                  <c:v>0.35</c:v>
+                </c:pt>
+                <c:pt idx="36">
+                  <c:v>0.36</c:v>
+                </c:pt>
+                <c:pt idx="37">
+                  <c:v>0.37</c:v>
+                </c:pt>
+                <c:pt idx="38">
+                  <c:v>0.38</c:v>
+                </c:pt>
+                <c:pt idx="39">
+                  <c:v>0.39</c:v>
+                </c:pt>
+                <c:pt idx="40">
+                  <c:v>0.4</c:v>
+                </c:pt>
+              </c:numCache>
+            </c:numRef>
+          </c:xVal>
+          <c:yVal>
+            <c:numRef>
+              <c:f>Folha1!$D$8:$D$48</c:f>
+              <c:numCache>
+                <c:formatCode>General</c:formatCode>
+                <c:ptCount val="41"/>
+                <c:pt idx="0">
+                  <c:v>1.1122984317099403E-4</c:v>
+                </c:pt>
+                <c:pt idx="1">
+                  <c:v>1.1122984317099403E-4</c:v>
+                </c:pt>
+                <c:pt idx="2">
+                  <c:v>1.1758583420933656E-4</c:v>
+                </c:pt>
+                <c:pt idx="3">
+                  <c:v>1.1440783869016529E-4</c:v>
+                </c:pt>
+                <c:pt idx="4">
+                  <c:v>1.1440783869016529E-4</c:v>
+                </c:pt>
+                <c:pt idx="5">
+                  <c:v>1.1440783869016529E-4</c:v>
+                </c:pt>
+                <c:pt idx="6">
+                  <c:v>1.1440783869016529E-4</c:v>
+                </c:pt>
+                <c:pt idx="7">
+                  <c:v>1.1440783869016529E-4</c:v>
+                </c:pt>
+                <c:pt idx="8">
+                  <c:v>1.1758583420933656E-4</c:v>
+                </c:pt>
+                <c:pt idx="9">
+                  <c:v>1.2076382972850779E-4</c:v>
+                </c:pt>
+                <c:pt idx="10">
+                  <c:v>1.2394182524767906E-4</c:v>
+                </c:pt>
+                <c:pt idx="11">
+                  <c:v>1.3029781628602158E-4</c:v>
+                </c:pt>
+                <c:pt idx="12">
+                  <c:v>1.3029781628602158E-4</c:v>
+                </c:pt>
+                <c:pt idx="13">
+                  <c:v>1.398318028435354E-4</c:v>
+                </c:pt>
+                <c:pt idx="14">
+                  <c:v>1.4618779388187787E-4</c:v>
+                </c:pt>
+                <c:pt idx="15">
+                  <c:v>1.5254378492022039E-4</c:v>
+                </c:pt>
+                <c:pt idx="16">
+                  <c:v>1.6525576699690544E-4</c:v>
+                </c:pt>
+                <c:pt idx="17">
+                  <c:v>1.747897535544192E-4</c:v>
+                </c:pt>
+                <c:pt idx="18">
+                  <c:v>1.9385772666944673E-4</c:v>
+                </c:pt>
+                <c:pt idx="19">
+                  <c:v>2.129256997844743E-4</c:v>
+                </c:pt>
+                <c:pt idx="20">
+                  <c:v>2.4788365049535811E-4</c:v>
+                </c:pt>
+                <c:pt idx="21">
+                  <c:v>2.9237558776375574E-4</c:v>
+                </c:pt>
+                <c:pt idx="22">
+                  <c:v>3.5275750262800962E-4</c:v>
+                </c:pt>
+                <c:pt idx="23">
+                  <c:v>4.4809736820314739E-4</c:v>
+                </c:pt>
+                <c:pt idx="24">
+                  <c:v>5.8475117552751147E-4</c:v>
+                </c:pt>
+                <c:pt idx="25">
+                  <c:v>7.6589692012027323E-4</c:v>
+                </c:pt>
+                <c:pt idx="26">
+                  <c:v>1.0106025750964602E-3</c:v>
+                </c:pt>
+                <c:pt idx="27">
+                  <c:v>1.3506480956477847E-3</c:v>
+                </c:pt>
+                <c:pt idx="28">
+                  <c:v>1.6748036386032533E-3</c:v>
+                </c:pt>
+                <c:pt idx="29">
+                  <c:v>1.8527713876768436E-3</c:v>
+                </c:pt>
+                <c:pt idx="30">
+                  <c:v>1.7415415445058494E-3</c:v>
+                </c:pt>
+                <c:pt idx="31">
+                  <c:v>1.4300979836270663E-3</c:v>
+                </c:pt>
+                <c:pt idx="32">
+                  <c:v>1.0868744675565705E-3</c:v>
+                </c:pt>
+                <c:pt idx="33">
+                  <c:v>7.8814288875447207E-4</c:v>
+                </c:pt>
+                <c:pt idx="34">
+                  <c:v>5.91107166565854E-4</c:v>
+                </c:pt>
+                <c:pt idx="35">
+                  <c:v>4.5445335924148992E-4</c:v>
+                </c:pt>
+                <c:pt idx="36">
+                  <c:v>3.6546948470469472E-4</c:v>
+                </c:pt>
+                <c:pt idx="37">
+                  <c:v>3.0190957432126952E-4</c:v>
+                </c:pt>
+                <c:pt idx="38">
+                  <c:v>2.574176370528719E-4</c:v>
+                </c:pt>
+                <c:pt idx="39">
+                  <c:v>2.2563768186115933E-4</c:v>
+                </c:pt>
+                <c:pt idx="40">
+                  <c:v>2.0339171322696054E-4</c:v>
+                </c:pt>
+              </c:numCache>
+            </c:numRef>
+          </c:yVal>
+          <c:smooth val="0"/>
+          <c:extLst>
+            <c:ext xmlns:c16="http://schemas.microsoft.com/office/drawing/2014/chart" uri="{C3380CC4-5D6E-409C-BE32-E72D297353CC}">
+              <c16:uniqueId val="{00000003-BC98-4B9A-B1DA-53DE60783A28}"/>
+            </c:ext>
+          </c:extLst>
+        </c:ser>
+        <c:dLbls>
+          <c:showLegendKey val="0"/>
+          <c:showVal val="0"/>
+          <c:showCatName val="0"/>
+          <c:showSerName val="0"/>
+          <c:showPercent val="0"/>
+          <c:showBubbleSize val="0"/>
+        </c:dLbls>
+        <c:axId val="1404682640"/>
+        <c:axId val="1404681392"/>
+      </c:scatterChart>
+      <c:valAx>
+        <c:axId val="1404682640"/>
+        <c:scaling>
+          <c:orientation val="minMax"/>
+        </c:scaling>
+        <c:delete val="0"/>
+        <c:axPos val="b"/>
+        <c:majorGridlines>
+          <c:spPr>
+            <a:ln w="9525" cap="flat" cmpd="sng" algn="ctr">
+              <a:solidFill>
+                <a:schemeClr val="tx1">
+                  <a:lumMod val="15000"/>
+                  <a:lumOff val="85000"/>
+                </a:schemeClr>
+              </a:solidFill>
+              <a:round/>
+            </a:ln>
+            <a:effectLst/>
+          </c:spPr>
+        </c:majorGridlines>
+        <c:title>
+          <c:tx>
+            <c:rich>
+              <a:bodyPr/>
+              <a:lstStyle/>
+              <a:p>
+                <a:pPr>
+                  <a:defRPr/>
+                </a:pPr>
+                <a:r>
+                  <a:rPr lang="pt-PT" dirty="0"/>
+                  <a:t>Distância</a:t>
+                </a:r>
+                <a:r>
+                  <a:rPr lang="pt-PT" baseline="0" dirty="0"/>
+                  <a:t> (m)</a:t>
+                </a:r>
+                <a:endParaRPr lang="pt-PT" dirty="0"/>
+              </a:p>
+            </c:rich>
+          </c:tx>
+          <c:overlay val="0"/>
+        </c:title>
+        <c:numFmt formatCode="General" sourceLinked="1"/>
+        <c:majorTickMark val="none"/>
+        <c:minorTickMark val="none"/>
+        <c:tickLblPos val="nextTo"/>
+        <c:spPr>
+          <a:noFill/>
+          <a:ln w="9525" cap="flat" cmpd="sng" algn="ctr">
+            <a:solidFill>
+              <a:schemeClr val="tx1">
+                <a:lumMod val="25000"/>
+                <a:lumOff val="75000"/>
+              </a:schemeClr>
+            </a:solidFill>
+            <a:round/>
+          </a:ln>
+          <a:effectLst/>
+        </c:spPr>
+        <c:txPr>
+          <a:bodyPr rot="-60000000" spcFirstLastPara="1" vertOverflow="ellipsis" vert="horz" wrap="square" anchor="ctr" anchorCtr="1"/>
+          <a:lstStyle/>
+          <a:p>
+            <a:pPr>
+              <a:defRPr sz="900" b="0" i="0" u="none" strike="noStrike" kern="1200" baseline="0">
+                <a:solidFill>
+                  <a:schemeClr val="tx1">
+                    <a:lumMod val="65000"/>
+                    <a:lumOff val="35000"/>
+                  </a:schemeClr>
+                </a:solidFill>
+                <a:latin typeface="+mn-lt"/>
+                <a:ea typeface="+mn-ea"/>
+                <a:cs typeface="+mn-cs"/>
+              </a:defRPr>
+            </a:pPr>
+            <a:endParaRPr lang="pt-PT"/>
+          </a:p>
+        </c:txPr>
+        <c:crossAx val="1404681392"/>
+        <c:crosses val="autoZero"/>
+        <c:crossBetween val="midCat"/>
+      </c:valAx>
+      <c:valAx>
+        <c:axId val="1404681392"/>
+        <c:scaling>
+          <c:orientation val="minMax"/>
+        </c:scaling>
+        <c:delete val="0"/>
+        <c:axPos val="l"/>
+        <c:majorGridlines>
+          <c:spPr>
+            <a:ln w="9525" cap="flat" cmpd="sng" algn="ctr">
+              <a:solidFill>
+                <a:schemeClr val="tx1">
+                  <a:lumMod val="15000"/>
+                  <a:lumOff val="85000"/>
+                </a:schemeClr>
+              </a:solidFill>
+              <a:round/>
+            </a:ln>
+            <a:effectLst/>
+          </c:spPr>
+        </c:majorGridlines>
+        <c:title>
+          <c:tx>
+            <c:rich>
+              <a:bodyPr/>
+              <a:lstStyle/>
+              <a:p>
+                <a:pPr>
+                  <a:defRPr/>
+                </a:pPr>
+                <a:r>
+                  <a:rPr lang="pt-PT" dirty="0"/>
+                  <a:t>Campo</a:t>
+                </a:r>
+                <a:r>
+                  <a:rPr lang="pt-PT" baseline="0" dirty="0"/>
+                  <a:t> magnético (T)</a:t>
+                </a:r>
+                <a:endParaRPr lang="pt-PT" dirty="0"/>
+              </a:p>
+            </c:rich>
+          </c:tx>
+          <c:overlay val="0"/>
+        </c:title>
+        <c:numFmt formatCode="General" sourceLinked="1"/>
+        <c:majorTickMark val="none"/>
+        <c:minorTickMark val="none"/>
+        <c:tickLblPos val="nextTo"/>
+        <c:spPr>
+          <a:noFill/>
+          <a:ln w="9525" cap="flat" cmpd="sng" algn="ctr">
+            <a:solidFill>
+              <a:schemeClr val="tx1">
+                <a:lumMod val="25000"/>
+                <a:lumOff val="75000"/>
+              </a:schemeClr>
+            </a:solidFill>
+            <a:round/>
+          </a:ln>
+          <a:effectLst/>
+        </c:spPr>
+        <c:txPr>
+          <a:bodyPr rot="-60000000" spcFirstLastPara="1" vertOverflow="ellipsis" vert="horz" wrap="square" anchor="ctr" anchorCtr="1"/>
+          <a:lstStyle/>
+          <a:p>
+            <a:pPr>
+              <a:defRPr sz="900" b="0" i="0" u="none" strike="noStrike" kern="1200" baseline="0">
+                <a:solidFill>
+                  <a:schemeClr val="tx1">
+                    <a:lumMod val="65000"/>
+                    <a:lumOff val="35000"/>
+                  </a:schemeClr>
+                </a:solidFill>
+                <a:latin typeface="+mn-lt"/>
+                <a:ea typeface="+mn-ea"/>
+                <a:cs typeface="+mn-cs"/>
+              </a:defRPr>
+            </a:pPr>
+            <a:endParaRPr lang="pt-PT"/>
+          </a:p>
+        </c:txPr>
+        <c:crossAx val="1404682640"/>
+        <c:crosses val="autoZero"/>
+        <c:crossBetween val="midCat"/>
+      </c:valAx>
+    </c:plotArea>
+    <c:legend>
+      <c:legendPos val="r"/>
+      <c:overlay val="0"/>
+    </c:legend>
+    <c:plotVisOnly val="1"/>
+    <c:dispBlanksAs val="gap"/>
+    <c:showDLblsOverMax val="0"/>
+  </c:chart>
+  <c:txPr>
+    <a:bodyPr/>
+    <a:lstStyle/>
+    <a:p>
+      <a:pPr>
+        <a:defRPr/>
+      </a:pPr>
+      <a:endParaRPr lang="pt-PT"/>
+    </a:p>
+  </c:txPr>
+  <c:externalData r:id="rId1">
+    <c:autoUpdate val="0"/>
+  </c:externalData>
+</c:chartSpace>
 </file>
 
 <file path=ppt/slideLayouts/slideLayout1.xml><?xml version="1.0" encoding="utf-8"?>
@@ -832,7 +3674,7 @@
           <a:p>
             <a:fld id="{F5B47447-E320-4C83-987A-FA98BF98DC25}" type="datetimeFigureOut">
               <a:rPr lang="pt-PT" smtClean="0"/>
-              <a:t>11/01/2021</a:t>
+              <a:t>13/01/2021</a:t>
             </a:fld>
             <a:endParaRPr lang="pt-PT"/>
           </a:p>
@@ -1083,7 +3925,7 @@
           <a:p>
             <a:fld id="{F5B47447-E320-4C83-987A-FA98BF98DC25}" type="datetimeFigureOut">
               <a:rPr lang="pt-PT" smtClean="0"/>
-              <a:t>11/01/2021</a:t>
+              <a:t>13/01/2021</a:t>
             </a:fld>
             <a:endParaRPr lang="pt-PT"/>
           </a:p>
@@ -1397,7 +4239,7 @@
           <a:p>
             <a:fld id="{F5B47447-E320-4C83-987A-FA98BF98DC25}" type="datetimeFigureOut">
               <a:rPr lang="pt-PT" smtClean="0"/>
-              <a:t>11/01/2021</a:t>
+              <a:t>13/01/2021</a:t>
             </a:fld>
             <a:endParaRPr lang="pt-PT"/>
           </a:p>
@@ -1738,7 +4580,7 @@
           <a:p>
             <a:fld id="{F5B47447-E320-4C83-987A-FA98BF98DC25}" type="datetimeFigureOut">
               <a:rPr lang="pt-PT" smtClean="0"/>
-              <a:t>11/01/2021</a:t>
+              <a:t>13/01/2021</a:t>
             </a:fld>
             <a:endParaRPr lang="pt-PT"/>
           </a:p>
@@ -2052,7 +4894,7 @@
           <a:p>
             <a:fld id="{F5B47447-E320-4C83-987A-FA98BF98DC25}" type="datetimeFigureOut">
               <a:rPr lang="pt-PT" smtClean="0"/>
-              <a:t>11/01/2021</a:t>
+              <a:t>13/01/2021</a:t>
             </a:fld>
             <a:endParaRPr lang="pt-PT"/>
           </a:p>
@@ -2445,7 +5287,7 @@
           <a:p>
             <a:fld id="{F5B47447-E320-4C83-987A-FA98BF98DC25}" type="datetimeFigureOut">
               <a:rPr lang="pt-PT" smtClean="0"/>
-              <a:t>11/01/2021</a:t>
+              <a:t>13/01/2021</a:t>
             </a:fld>
             <a:endParaRPr lang="pt-PT"/>
           </a:p>
@@ -2615,7 +5457,7 @@
           <a:p>
             <a:fld id="{F5B47447-E320-4C83-987A-FA98BF98DC25}" type="datetimeFigureOut">
               <a:rPr lang="pt-PT" smtClean="0"/>
-              <a:t>11/01/2021</a:t>
+              <a:t>13/01/2021</a:t>
             </a:fld>
             <a:endParaRPr lang="pt-PT"/>
           </a:p>
@@ -2795,7 +5637,7 @@
           <a:p>
             <a:fld id="{F5B47447-E320-4C83-987A-FA98BF98DC25}" type="datetimeFigureOut">
               <a:rPr lang="pt-PT" smtClean="0"/>
-              <a:t>11/01/2021</a:t>
+              <a:t>13/01/2021</a:t>
             </a:fld>
             <a:endParaRPr lang="pt-PT"/>
           </a:p>
@@ -2971,7 +5813,7 @@
           <a:p>
             <a:fld id="{F5B47447-E320-4C83-987A-FA98BF98DC25}" type="datetimeFigureOut">
               <a:rPr lang="pt-PT" smtClean="0"/>
-              <a:t>11/01/2021</a:t>
+              <a:t>13/01/2021</a:t>
             </a:fld>
             <a:endParaRPr lang="pt-PT"/>
           </a:p>
@@ -3218,7 +6060,7 @@
           <a:p>
             <a:fld id="{F5B47447-E320-4C83-987A-FA98BF98DC25}" type="datetimeFigureOut">
               <a:rPr lang="pt-PT" smtClean="0"/>
-              <a:t>11/01/2021</a:t>
+              <a:t>13/01/2021</a:t>
             </a:fld>
             <a:endParaRPr lang="pt-PT"/>
           </a:p>
@@ -3450,7 +6292,7 @@
           <a:p>
             <a:fld id="{F5B47447-E320-4C83-987A-FA98BF98DC25}" type="datetimeFigureOut">
               <a:rPr lang="pt-PT" smtClean="0"/>
-              <a:t>11/01/2021</a:t>
+              <a:t>13/01/2021</a:t>
             </a:fld>
             <a:endParaRPr lang="pt-PT"/>
           </a:p>
@@ -3824,7 +6666,7 @@
           <a:p>
             <a:fld id="{F5B47447-E320-4C83-987A-FA98BF98DC25}" type="datetimeFigureOut">
               <a:rPr lang="pt-PT" smtClean="0"/>
-              <a:t>11/01/2021</a:t>
+              <a:t>13/01/2021</a:t>
             </a:fld>
             <a:endParaRPr lang="pt-PT"/>
           </a:p>
@@ -3947,7 +6789,7 @@
           <a:p>
             <a:fld id="{F5B47447-E320-4C83-987A-FA98BF98DC25}" type="datetimeFigureOut">
               <a:rPr lang="pt-PT" smtClean="0"/>
-              <a:t>11/01/2021</a:t>
+              <a:t>13/01/2021</a:t>
             </a:fld>
             <a:endParaRPr lang="pt-PT"/>
           </a:p>
@@ -4042,7 +6884,7 @@
           <a:p>
             <a:fld id="{F5B47447-E320-4C83-987A-FA98BF98DC25}" type="datetimeFigureOut">
               <a:rPr lang="pt-PT" smtClean="0"/>
-              <a:t>11/01/2021</a:t>
+              <a:t>13/01/2021</a:t>
             </a:fld>
             <a:endParaRPr lang="pt-PT"/>
           </a:p>
@@ -4297,7 +7139,7 @@
           <a:p>
             <a:fld id="{F5B47447-E320-4C83-987A-FA98BF98DC25}" type="datetimeFigureOut">
               <a:rPr lang="pt-PT" smtClean="0"/>
-              <a:t>11/01/2021</a:t>
+              <a:t>13/01/2021</a:t>
             </a:fld>
             <a:endParaRPr lang="pt-PT"/>
           </a:p>
@@ -4560,7 +7402,7 @@
           <a:p>
             <a:fld id="{F5B47447-E320-4C83-987A-FA98BF98DC25}" type="datetimeFigureOut">
               <a:rPr lang="pt-PT" smtClean="0"/>
-              <a:t>11/01/2021</a:t>
+              <a:t>13/01/2021</a:t>
             </a:fld>
             <a:endParaRPr lang="pt-PT"/>
           </a:p>
@@ -5303,7 +8145,7 @@
           <a:p>
             <a:fld id="{F5B47447-E320-4C83-987A-FA98BF98DC25}" type="datetimeFigureOut">
               <a:rPr lang="pt-PT" smtClean="0"/>
-              <a:t>11/01/2021</a:t>
+              <a:t>13/01/2021</a:t>
             </a:fld>
             <a:endParaRPr lang="pt-PT"/>
           </a:p>
@@ -6622,17 +9464,6 @@
           <a:p>
             <a:pPr algn="l"/>
             <a:r>
-              <a:rPr lang="en-US" dirty="0" err="1">
-                <a:solidFill>
-                  <a:schemeClr val="tx1">
-                    <a:lumMod val="75000"/>
-                    <a:lumOff val="25000"/>
-                  </a:schemeClr>
-                </a:solidFill>
-              </a:rPr>
-              <a:t>Trabalho</a:t>
-            </a:r>
-            <a:r>
               <a:rPr lang="en-US" dirty="0">
                 <a:solidFill>
                   <a:schemeClr val="tx1">
@@ -6641,29 +9472,7 @@
                   </a:schemeClr>
                 </a:solidFill>
               </a:rPr>
-              <a:t> </a:t>
-            </a:r>
-            <a:r>
-              <a:rPr lang="en-US" dirty="0" err="1">
-                <a:solidFill>
-                  <a:schemeClr val="tx1">
-                    <a:lumMod val="75000"/>
-                    <a:lumOff val="25000"/>
-                  </a:schemeClr>
-                </a:solidFill>
-              </a:rPr>
-              <a:t>Realizado</a:t>
-            </a:r>
-            <a:r>
-              <a:rPr lang="en-US" dirty="0">
-                <a:solidFill>
-                  <a:schemeClr val="tx1">
-                    <a:lumMod val="75000"/>
-                    <a:lumOff val="25000"/>
-                  </a:schemeClr>
-                </a:solidFill>
-              </a:rPr>
-              <a:t> por:</a:t>
+              <a:t>Trabalho Realizado por:</a:t>
             </a:r>
           </a:p>
           <a:p>
@@ -6714,29 +9523,7 @@
                   </a:schemeClr>
                 </a:solidFill>
               </a:rPr>
-              <a:t>João </a:t>
-            </a:r>
-            <a:r>
-              <a:rPr lang="en-US" dirty="0" err="1">
-                <a:solidFill>
-                  <a:schemeClr val="tx1">
-                    <a:lumMod val="75000"/>
-                    <a:lumOff val="25000"/>
-                  </a:schemeClr>
-                </a:solidFill>
-              </a:rPr>
-              <a:t>Figueiredo</a:t>
-            </a:r>
-            <a:r>
-              <a:rPr lang="en-US" dirty="0">
-                <a:solidFill>
-                  <a:schemeClr val="tx1">
-                    <a:lumMod val="75000"/>
-                    <a:lumOff val="25000"/>
-                  </a:schemeClr>
-                </a:solidFill>
-              </a:rPr>
-              <a:t>	nº 98506</a:t>
+              <a:t>João Figueiredo	nº 98506</a:t>
             </a:r>
           </a:p>
         </p:txBody>
@@ -7497,6 +10284,227 @@
 </p:sld>
 </file>
 
+<file path=ppt/slides/slide10.xml><?xml version="1.0" encoding="utf-8"?>
+<p:sld xmlns:a="http://schemas.openxmlformats.org/drawingml/2006/main" xmlns:r="http://schemas.openxmlformats.org/officeDocument/2006/relationships" xmlns:p="http://schemas.openxmlformats.org/presentationml/2006/main">
+  <p:cSld>
+    <p:spTree>
+      <p:nvGrpSpPr>
+        <p:cNvPr id="1" name=""/>
+        <p:cNvGrpSpPr/>
+        <p:nvPr/>
+      </p:nvGrpSpPr>
+      <p:grpSpPr>
+        <a:xfrm>
+          <a:off x="0" y="0"/>
+          <a:ext cx="0" cy="0"/>
+          <a:chOff x="0" y="0"/>
+          <a:chExt cx="0" cy="0"/>
+        </a:xfrm>
+      </p:grpSpPr>
+      <p:sp>
+        <p:nvSpPr>
+          <p:cNvPr id="2" name="Título 1">
+            <a:extLst>
+              <a:ext uri="{FF2B5EF4-FFF2-40B4-BE49-F238E27FC236}">
+                <a16:creationId xmlns:a16="http://schemas.microsoft.com/office/drawing/2014/main" id="{BD9C7FE9-BF60-453D-BD9E-EFFFB113E391}"/>
+              </a:ext>
+            </a:extLst>
+          </p:cNvPr>
+          <p:cNvSpPr>
+            <a:spLocks noGrp="1"/>
+          </p:cNvSpPr>
+          <p:nvPr>
+            <p:ph type="title"/>
+          </p:nvPr>
+        </p:nvSpPr>
+        <p:spPr/>
+        <p:txBody>
+          <a:bodyPr/>
+          <a:lstStyle/>
+          <a:p>
+            <a:r>
+              <a:rPr lang="pt-PT" dirty="0"/>
+              <a:t>Cálculo de número de espiras</a:t>
+            </a:r>
+          </a:p>
+        </p:txBody>
+      </p:sp>
+      <mc:AlternateContent xmlns:mc="http://schemas.openxmlformats.org/markup-compatibility/2006" xmlns:a14="http://schemas.microsoft.com/office/drawing/2010/main">
+        <mc:Choice Requires="a14">
+          <p:sp>
+            <p:nvSpPr>
+              <p:cNvPr id="3" name="Marcador de Posição de Conteúdo 2">
+                <a:extLst>
+                  <a:ext uri="{FF2B5EF4-FFF2-40B4-BE49-F238E27FC236}">
+                    <a16:creationId xmlns:a16="http://schemas.microsoft.com/office/drawing/2014/main" id="{EEC238DE-4776-4CAF-9496-80BB5E0F347C}"/>
+                  </a:ext>
+                </a:extLst>
+              </p:cNvPr>
+              <p:cNvSpPr>
+                <a:spLocks noGrp="1"/>
+              </p:cNvSpPr>
+              <p:nvPr>
+                <p:ph idx="1"/>
+              </p:nvPr>
+            </p:nvSpPr>
+            <p:spPr>
+              <a:xfrm>
+                <a:off x="677334" y="2760954"/>
+                <a:ext cx="8596668" cy="2166647"/>
+              </a:xfrm>
+            </p:spPr>
+            <p:txBody>
+              <a:bodyPr numCol="1"/>
+              <a:lstStyle/>
+              <a:p>
+                <a:pPr algn="ctr"/>
+                <a:r>
+                  <a:rPr lang="pt-PT" dirty="0"/>
+                  <a:t>De forma a conseguirmos obter o número de espiras, foi usada a seguinte expressão, </a:t>
+                </a:r>
+                <a14:m>
+                  <m:oMath xmlns:m="http://schemas.openxmlformats.org/officeDocument/2006/math">
+                    <m:sSub>
+                      <m:sSubPr>
+                        <m:ctrlPr>
+                          <a:rPr lang="pt-PT" i="1" smtClean="0">
+                            <a:solidFill>
+                              <a:srgbClr val="836967"/>
+                            </a:solidFill>
+                            <a:latin typeface="Cambria Math" panose="02040503050406030204" pitchFamily="18" charset="0"/>
+                          </a:rPr>
+                        </m:ctrlPr>
+                      </m:sSubPr>
+                      <m:e>
+                        <m:r>
+                          <a:rPr lang="pt-PT" i="1">
+                            <a:latin typeface="Cambria Math" panose="02040503050406030204" pitchFamily="18" charset="0"/>
+                          </a:rPr>
+                          <m:t>𝐵</m:t>
+                        </m:r>
+                      </m:e>
+                      <m:sub>
+                        <m:r>
+                          <a:rPr lang="pt-PT" i="1">
+                            <a:latin typeface="Cambria Math" panose="02040503050406030204" pitchFamily="18" charset="0"/>
+                          </a:rPr>
+                          <m:t>𝑝</m:t>
+                        </m:r>
+                      </m:sub>
+                    </m:sSub>
+                    <m:r>
+                      <a:rPr lang="pt-PT" i="0">
+                        <a:latin typeface="Cambria Math" panose="02040503050406030204" pitchFamily="18" charset="0"/>
+                      </a:rPr>
+                      <m:t>=</m:t>
+                    </m:r>
+                    <m:r>
+                      <a:rPr lang="pt-PT" i="1">
+                        <a:latin typeface="Cambria Math" panose="02040503050406030204" pitchFamily="18" charset="0"/>
+                      </a:rPr>
+                      <m:t>𝑁</m:t>
+                    </m:r>
+                    <m:r>
+                      <a:rPr lang="pt-PT" i="0">
+                        <a:latin typeface="Cambria Math" panose="02040503050406030204" pitchFamily="18" charset="0"/>
+                      </a:rPr>
+                      <m:t>⋅</m:t>
+                    </m:r>
+                    <m:sSub>
+                      <m:sSubPr>
+                        <m:ctrlPr>
+                          <a:rPr lang="pt-PT" i="1">
+                            <a:solidFill>
+                              <a:srgbClr val="836967"/>
+                            </a:solidFill>
+                            <a:latin typeface="Cambria Math" panose="02040503050406030204" pitchFamily="18" charset="0"/>
+                          </a:rPr>
+                        </m:ctrlPr>
+                      </m:sSubPr>
+                      <m:e>
+                        <m:r>
+                          <a:rPr lang="pt-PT" i="1">
+                            <a:latin typeface="Cambria Math" panose="02040503050406030204" pitchFamily="18" charset="0"/>
+                          </a:rPr>
+                          <m:t>𝐵</m:t>
+                        </m:r>
+                      </m:e>
+                      <m:sub>
+                        <m:r>
+                          <a:rPr lang="pt-PT" i="1">
+                            <a:latin typeface="Cambria Math" panose="02040503050406030204" pitchFamily="18" charset="0"/>
+                          </a:rPr>
+                          <m:t>𝑇</m:t>
+                        </m:r>
+                      </m:sub>
+                    </m:sSub>
+                  </m:oMath>
+                </a14:m>
+                <a:r>
+                  <a:rPr lang="pt-PT" dirty="0"/>
+                  <a:t>, sendo que o valor obtido foi de N = 119,6 espiras.</a:t>
+                </a:r>
+              </a:p>
+            </p:txBody>
+          </p:sp>
+        </mc:Choice>
+        <mc:Fallback xmlns="">
+          <p:sp>
+            <p:nvSpPr>
+              <p:cNvPr id="3" name="Marcador de Posição de Conteúdo 2">
+                <a:extLst>
+                  <a:ext uri="{FF2B5EF4-FFF2-40B4-BE49-F238E27FC236}">
+                    <a16:creationId xmlns:a16="http://schemas.microsoft.com/office/drawing/2014/main" id="{EEC238DE-4776-4CAF-9496-80BB5E0F347C}"/>
+                  </a:ext>
+                </a:extLst>
+              </p:cNvPr>
+              <p:cNvSpPr>
+                <a:spLocks noGrp="1" noRot="1" noChangeAspect="1" noMove="1" noResize="1" noEditPoints="1" noAdjustHandles="1" noChangeArrowheads="1" noChangeShapeType="1" noTextEdit="1"/>
+              </p:cNvSpPr>
+              <p:nvPr>
+                <p:ph idx="1"/>
+              </p:nvPr>
+            </p:nvSpPr>
+            <p:spPr>
+              <a:xfrm>
+                <a:off x="677334" y="2760954"/>
+                <a:ext cx="8596668" cy="2166647"/>
+              </a:xfrm>
+              <a:blipFill>
+                <a:blip r:embed="rId2"/>
+                <a:stretch>
+                  <a:fillRect t="-1972"/>
+                </a:stretch>
+              </a:blipFill>
+            </p:spPr>
+            <p:txBody>
+              <a:bodyPr/>
+              <a:lstStyle/>
+              <a:p>
+                <a:r>
+                  <a:rPr lang="pt-PT">
+                    <a:noFill/>
+                  </a:rPr>
+                  <a:t> </a:t>
+                </a:r>
+              </a:p>
+            </p:txBody>
+          </p:sp>
+        </mc:Fallback>
+      </mc:AlternateContent>
+    </p:spTree>
+    <p:extLst>
+      <p:ext uri="{BB962C8B-B14F-4D97-AF65-F5344CB8AC3E}">
+        <p14:creationId xmlns:p14="http://schemas.microsoft.com/office/powerpoint/2010/main" val="2715772204"/>
+      </p:ext>
+    </p:extLst>
+  </p:cSld>
+  <p:clrMapOvr>
+    <a:masterClrMapping/>
+  </p:clrMapOvr>
+</p:sld>
+</file>
+
 <file path=ppt/slides/slide2.xml><?xml version="1.0" encoding="utf-8"?>
 <p:sld xmlns:a="http://schemas.openxmlformats.org/drawingml/2006/main" xmlns:r="http://schemas.openxmlformats.org/officeDocument/2006/relationships" xmlns:p="http://schemas.openxmlformats.org/presentationml/2006/main">
   <p:cSld>
@@ -7519,7 +10527,1718 @@
           <p:cNvPr id="2" name="Título 1">
             <a:extLst>
               <a:ext uri="{FF2B5EF4-FFF2-40B4-BE49-F238E27FC236}">
-                <a16:creationId xmlns:a16="http://schemas.microsoft.com/office/drawing/2014/main" id="{6BA8F749-D3D0-4934-9745-B6A2A59872D7}"/>
+                <a16:creationId xmlns:a16="http://schemas.microsoft.com/office/drawing/2014/main" id="{EBAE80FE-AF79-4898-B792-6B6C98A2255B}"/>
+              </a:ext>
+            </a:extLst>
+          </p:cNvPr>
+          <p:cNvSpPr>
+            <a:spLocks noGrp="1"/>
+          </p:cNvSpPr>
+          <p:nvPr>
+            <p:ph type="title"/>
+          </p:nvPr>
+        </p:nvSpPr>
+        <p:spPr>
+          <a:xfrm>
+            <a:off x="908154" y="1017973"/>
+            <a:ext cx="8596668" cy="1320800"/>
+          </a:xfrm>
+        </p:spPr>
+        <p:txBody>
+          <a:bodyPr/>
+          <a:lstStyle/>
+          <a:p>
+            <a:r>
+              <a:rPr lang="pt-PT" dirty="0"/>
+              <a:t>Estrutura</a:t>
+            </a:r>
+          </a:p>
+        </p:txBody>
+      </p:sp>
+      <p:sp>
+        <p:nvSpPr>
+          <p:cNvPr id="3" name="Marcador de Posição de Conteúdo 2">
+            <a:extLst>
+              <a:ext uri="{FF2B5EF4-FFF2-40B4-BE49-F238E27FC236}">
+                <a16:creationId xmlns:a16="http://schemas.microsoft.com/office/drawing/2014/main" id="{51166448-6680-4D3C-9F84-23AEB8CA1BA2}"/>
+              </a:ext>
+            </a:extLst>
+          </p:cNvPr>
+          <p:cNvSpPr>
+            <a:spLocks noGrp="1"/>
+          </p:cNvSpPr>
+          <p:nvPr>
+            <p:ph idx="1"/>
+          </p:nvPr>
+        </p:nvSpPr>
+        <p:spPr>
+          <a:xfrm>
+            <a:off x="2728077" y="2610529"/>
+            <a:ext cx="4098852" cy="2317072"/>
+          </a:xfrm>
+        </p:spPr>
+        <p:txBody>
+          <a:bodyPr/>
+          <a:lstStyle/>
+          <a:p>
+            <a:r>
+              <a:rPr lang="pt-PT" dirty="0"/>
+              <a:t>Introdução à matéria lecionada</a:t>
+            </a:r>
+          </a:p>
+          <a:p>
+            <a:r>
+              <a:rPr lang="pt-PT" dirty="0"/>
+              <a:t>Resultados atingidos</a:t>
+            </a:r>
+          </a:p>
+          <a:p>
+            <a:r>
+              <a:rPr lang="pt-PT" dirty="0"/>
+              <a:t>Desenvolvimento da Parte A</a:t>
+            </a:r>
+          </a:p>
+          <a:p>
+            <a:r>
+              <a:rPr lang="pt-PT" dirty="0"/>
+              <a:t>Desenvolvimento da Parte B</a:t>
+            </a:r>
+          </a:p>
+          <a:p>
+            <a:r>
+              <a:rPr lang="pt-PT" dirty="0"/>
+              <a:t>Conclusão</a:t>
+            </a:r>
+          </a:p>
+        </p:txBody>
+      </p:sp>
+    </p:spTree>
+    <p:extLst>
+      <p:ext uri="{BB962C8B-B14F-4D97-AF65-F5344CB8AC3E}">
+        <p14:creationId xmlns:p14="http://schemas.microsoft.com/office/powerpoint/2010/main" val="2863848840"/>
+      </p:ext>
+    </p:extLst>
+  </p:cSld>
+  <p:clrMapOvr>
+    <a:masterClrMapping/>
+  </p:clrMapOvr>
+</p:sld>
+</file>
+
+<file path=ppt/slides/slide3.xml><?xml version="1.0" encoding="utf-8"?>
+<p:sld xmlns:a="http://schemas.openxmlformats.org/drawingml/2006/main" xmlns:r="http://schemas.openxmlformats.org/officeDocument/2006/relationships" xmlns:p="http://schemas.openxmlformats.org/presentationml/2006/main">
+  <p:cSld>
+    <p:bg>
+      <p:bgPr>
+        <a:solidFill>
+          <a:schemeClr val="bg1"/>
+        </a:solidFill>
+        <a:effectLst/>
+      </p:bgPr>
+    </p:bg>
+    <p:spTree>
+      <p:nvGrpSpPr>
+        <p:cNvPr id="1" name=""/>
+        <p:cNvGrpSpPr/>
+        <p:nvPr/>
+      </p:nvGrpSpPr>
+      <p:grpSpPr>
+        <a:xfrm>
+          <a:off x="0" y="0"/>
+          <a:ext cx="0" cy="0"/>
+          <a:chOff x="0" y="0"/>
+          <a:chExt cx="0" cy="0"/>
+        </a:xfrm>
+      </p:grpSpPr>
+      <p:sp>
+        <p:nvSpPr>
+          <p:cNvPr id="2" name="Título 1">
+            <a:extLst>
+              <a:ext uri="{FF2B5EF4-FFF2-40B4-BE49-F238E27FC236}">
+                <a16:creationId xmlns:a16="http://schemas.microsoft.com/office/drawing/2014/main" id="{92593C5E-9565-4674-9980-D754EC769295}"/>
+              </a:ext>
+            </a:extLst>
+          </p:cNvPr>
+          <p:cNvSpPr>
+            <a:spLocks noGrp="1"/>
+          </p:cNvSpPr>
+          <p:nvPr>
+            <p:ph type="title"/>
+          </p:nvPr>
+        </p:nvSpPr>
+        <p:spPr>
+          <a:xfrm>
+            <a:off x="677334" y="609600"/>
+            <a:ext cx="8596668" cy="1320800"/>
+          </a:xfrm>
+        </p:spPr>
+        <p:txBody>
+          <a:bodyPr anchor="t">
+            <a:normAutofit/>
+          </a:bodyPr>
+          <a:lstStyle/>
+          <a:p>
+            <a:r>
+              <a:rPr lang="pt-PT" dirty="0"/>
+              <a:t>Solenóide Padrão</a:t>
+            </a:r>
+          </a:p>
+        </p:txBody>
+      </p:sp>
+      <p:pic>
+        <p:nvPicPr>
+          <p:cNvPr id="5" name="Marcador de Posição de Conteúdo 4">
+            <a:extLst>
+              <a:ext uri="{FF2B5EF4-FFF2-40B4-BE49-F238E27FC236}">
+                <a16:creationId xmlns:a16="http://schemas.microsoft.com/office/drawing/2014/main" id="{D97449EC-AB5D-4D08-8251-BCD002DA0AC0}"/>
+              </a:ext>
+            </a:extLst>
+          </p:cNvPr>
+          <p:cNvPicPr>
+            <a:picLocks noChangeAspect="1"/>
+          </p:cNvPicPr>
+          <p:nvPr/>
+        </p:nvPicPr>
+        <p:blipFill>
+          <a:blip r:embed="rId2">
+            <a:extLst>
+              <a:ext uri="{28A0092B-C50C-407E-A947-70E740481C1C}">
+                <a14:useLocalDpi xmlns:a14="http://schemas.microsoft.com/office/drawing/2010/main" val="0"/>
+              </a:ext>
+            </a:extLst>
+          </a:blip>
+          <a:stretch>
+            <a:fillRect/>
+          </a:stretch>
+        </p:blipFill>
+        <p:spPr>
+          <a:xfrm>
+            <a:off x="2139599" y="4187763"/>
+            <a:ext cx="5283289" cy="1901983"/>
+          </a:xfrm>
+          <a:prstGeom prst="rect">
+            <a:avLst/>
+          </a:prstGeom>
+        </p:spPr>
+      </p:pic>
+      <mc:AlternateContent xmlns:mc="http://schemas.openxmlformats.org/markup-compatibility/2006">
+        <mc:Choice xmlns:a14="http://schemas.microsoft.com/office/drawing/2010/main" Requires="a14">
+          <p:sp>
+            <p:nvSpPr>
+              <p:cNvPr id="9" name="Content Placeholder 8">
+                <a:extLst>
+                  <a:ext uri="{FF2B5EF4-FFF2-40B4-BE49-F238E27FC236}">
+                    <a16:creationId xmlns:a16="http://schemas.microsoft.com/office/drawing/2014/main" id="{D61026FA-E483-436D-A638-D9B278CE5B3E}"/>
+                  </a:ext>
+                </a:extLst>
+              </p:cNvPr>
+              <p:cNvSpPr>
+                <a:spLocks noGrp="1"/>
+              </p:cNvSpPr>
+              <p:nvPr>
+                <p:ph idx="1"/>
+              </p:nvPr>
+            </p:nvSpPr>
+            <p:spPr>
+              <a:xfrm>
+                <a:off x="677334" y="1930400"/>
+                <a:ext cx="8511054" cy="2046796"/>
+              </a:xfrm>
+            </p:spPr>
+            <p:txBody>
+              <a:bodyPr>
+                <a:normAutofit lnSpcReduction="10000"/>
+              </a:bodyPr>
+              <a:lstStyle/>
+              <a:p>
+                <a:pPr/>
+                <a:r>
+                  <a:rPr lang="pt-PT" sz="1800" i="1" dirty="0">
+                    <a:effectLst/>
+                    <a:latin typeface="Calibri" panose="020F0502020204030204" pitchFamily="34" charset="0"/>
+                    <a:ea typeface="Times New Roman" panose="02020603050405020304" pitchFamily="18" charset="0"/>
+                    <a:cs typeface="Times New Roman" panose="02020603050405020304" pitchFamily="18" charset="0"/>
+                  </a:rPr>
+                  <a:t>Lei de Ampère</a:t>
+                </a:r>
+                <a:endParaRPr lang="pt-PT" sz="1800" i="1" dirty="0">
+                  <a:effectLst/>
+                  <a:latin typeface="Cambria Math" panose="02040503050406030204" pitchFamily="18" charset="0"/>
+                  <a:ea typeface="Times New Roman" panose="02020603050405020304" pitchFamily="18" charset="0"/>
+                  <a:cs typeface="Cambria Math" panose="02040503050406030204" pitchFamily="18" charset="0"/>
+                </a:endParaRPr>
+              </a:p>
+              <a:p>
+                <a:pPr/>
+                <a14:m>
+                  <m:oMath xmlns:m="http://schemas.openxmlformats.org/officeDocument/2006/math">
+                    <m:r>
+                      <a:rPr lang="pt-PT" sz="1800" smtClean="0">
+                        <a:effectLst/>
+                        <a:latin typeface="Cambria Math" panose="02040503050406030204" pitchFamily="18" charset="0"/>
+                        <a:ea typeface="Times New Roman" panose="02020603050405020304" pitchFamily="18" charset="0"/>
+                        <a:cs typeface="Cambria Math" panose="02040503050406030204" pitchFamily="18" charset="0"/>
+                      </a:rPr>
+                      <m:t>∮</m:t>
+                    </m:r>
+                    <m:acc>
+                      <m:accPr>
+                        <m:chr m:val="⃗"/>
+                        <m:ctrlPr>
+                          <a:rPr lang="pt-PT" sz="1800" i="1">
+                            <a:effectLst/>
+                            <a:latin typeface="Cambria Math" panose="02040503050406030204" pitchFamily="18" charset="0"/>
+                            <a:ea typeface="Times New Roman" panose="02020603050405020304" pitchFamily="18" charset="0"/>
+                            <a:cs typeface="Cambria Math" panose="02040503050406030204" pitchFamily="18" charset="0"/>
+                          </a:rPr>
+                        </m:ctrlPr>
+                      </m:accPr>
+                      <m:e>
+                        <m:r>
+                          <a:rPr lang="pt-PT" sz="1800" i="1">
+                            <a:effectLst/>
+                            <a:latin typeface="Cambria Math" panose="02040503050406030204" pitchFamily="18" charset="0"/>
+                            <a:ea typeface="Times New Roman" panose="02020603050405020304" pitchFamily="18" charset="0"/>
+                            <a:cs typeface="Cambria Math" panose="02040503050406030204" pitchFamily="18" charset="0"/>
+                          </a:rPr>
+                          <m:t>𝐵</m:t>
+                        </m:r>
+                      </m:e>
+                    </m:acc>
+                    <m:r>
+                      <a:rPr lang="pt-PT" sz="1800" i="1">
+                        <a:effectLst/>
+                        <a:latin typeface="Cambria Math" panose="02040503050406030204" pitchFamily="18" charset="0"/>
+                        <a:ea typeface="Times New Roman" panose="02020603050405020304" pitchFamily="18" charset="0"/>
+                        <a:cs typeface="Cambria Math" panose="02040503050406030204" pitchFamily="18" charset="0"/>
+                      </a:rPr>
+                      <m:t>×</m:t>
+                    </m:r>
+                    <m:r>
+                      <a:rPr lang="pt-PT" sz="1800" i="1">
+                        <a:effectLst/>
+                        <a:latin typeface="Cambria Math" panose="02040503050406030204" pitchFamily="18" charset="0"/>
+                        <a:ea typeface="Times New Roman" panose="02020603050405020304" pitchFamily="18" charset="0"/>
+                        <a:cs typeface="Cambria Math" panose="02040503050406030204" pitchFamily="18" charset="0"/>
+                      </a:rPr>
+                      <m:t>𝑑</m:t>
+                    </m:r>
+                    <m:acc>
+                      <m:accPr>
+                        <m:chr m:val="⃗"/>
+                        <m:ctrlPr>
+                          <a:rPr lang="pt-PT" sz="1800" i="1">
+                            <a:effectLst/>
+                            <a:latin typeface="Cambria Math" panose="02040503050406030204" pitchFamily="18" charset="0"/>
+                            <a:ea typeface="Times New Roman" panose="02020603050405020304" pitchFamily="18" charset="0"/>
+                            <a:cs typeface="Cambria Math" panose="02040503050406030204" pitchFamily="18" charset="0"/>
+                          </a:rPr>
+                        </m:ctrlPr>
+                      </m:accPr>
+                      <m:e>
+                        <m:r>
+                          <a:rPr lang="pt-PT" sz="1800" i="1">
+                            <a:effectLst/>
+                            <a:latin typeface="Cambria Math" panose="02040503050406030204" pitchFamily="18" charset="0"/>
+                            <a:ea typeface="Times New Roman" panose="02020603050405020304" pitchFamily="18" charset="0"/>
+                            <a:cs typeface="Cambria Math" panose="02040503050406030204" pitchFamily="18" charset="0"/>
+                          </a:rPr>
+                          <m:t>𝑙</m:t>
+                        </m:r>
+                      </m:e>
+                    </m:acc>
+                    <m:r>
+                      <a:rPr lang="pt-PT" sz="1800" i="1">
+                        <a:effectLst/>
+                        <a:latin typeface="Cambria Math" panose="02040503050406030204" pitchFamily="18" charset="0"/>
+                        <a:ea typeface="Times New Roman" panose="02020603050405020304" pitchFamily="18" charset="0"/>
+                        <a:cs typeface="Times New Roman" panose="02020603050405020304" pitchFamily="18" charset="0"/>
+                      </a:rPr>
+                      <m:t>= </m:t>
+                    </m:r>
+                    <m:sSub>
+                      <m:sSubPr>
+                        <m:ctrlPr>
+                          <a:rPr lang="pt-PT" sz="1800" i="1">
+                            <a:effectLst/>
+                            <a:latin typeface="Cambria Math" panose="02040503050406030204" pitchFamily="18" charset="0"/>
+                            <a:ea typeface="Times New Roman" panose="02020603050405020304" pitchFamily="18" charset="0"/>
+                            <a:cs typeface="Times New Roman" panose="02020603050405020304" pitchFamily="18" charset="0"/>
+                          </a:rPr>
+                        </m:ctrlPr>
+                      </m:sSubPr>
+                      <m:e>
+                        <m:r>
+                          <a:rPr lang="pt-PT" sz="1800" i="1">
+                            <a:effectLst/>
+                            <a:latin typeface="Cambria Math" panose="02040503050406030204" pitchFamily="18" charset="0"/>
+                            <a:ea typeface="Microsoft GothicNeo" panose="020B0500000101010101" pitchFamily="34" charset="-127"/>
+                            <a:cs typeface="Microsoft GothicNeo" panose="020B0500000101010101" pitchFamily="34" charset="-127"/>
+                          </a:rPr>
+                          <m:t>µ</m:t>
+                        </m:r>
+                      </m:e>
+                      <m:sub>
+                        <m:r>
+                          <a:rPr lang="pt-PT" sz="1800" i="1">
+                            <a:effectLst/>
+                            <a:latin typeface="Cambria Math" panose="02040503050406030204" pitchFamily="18" charset="0"/>
+                            <a:ea typeface="Times New Roman" panose="02020603050405020304" pitchFamily="18" charset="0"/>
+                            <a:cs typeface="Times New Roman" panose="02020603050405020304" pitchFamily="18" charset="0"/>
+                          </a:rPr>
+                          <m:t>0</m:t>
+                        </m:r>
+                      </m:sub>
+                    </m:sSub>
+                    <m:r>
+                      <a:rPr lang="pt-PT" sz="1800" i="1">
+                        <a:effectLst/>
+                        <a:latin typeface="Cambria Math" panose="02040503050406030204" pitchFamily="18" charset="0"/>
+                        <a:ea typeface="Times New Roman" panose="02020603050405020304" pitchFamily="18" charset="0"/>
+                        <a:cs typeface="Times New Roman" panose="02020603050405020304" pitchFamily="18" charset="0"/>
+                      </a:rPr>
+                      <m:t>×</m:t>
+                    </m:r>
+                    <m:sSub>
+                      <m:sSubPr>
+                        <m:ctrlPr>
+                          <a:rPr lang="pt-PT" sz="1800" i="1">
+                            <a:effectLst/>
+                            <a:latin typeface="Cambria Math" panose="02040503050406030204" pitchFamily="18" charset="0"/>
+                            <a:ea typeface="Times New Roman" panose="02020603050405020304" pitchFamily="18" charset="0"/>
+                            <a:cs typeface="Times New Roman" panose="02020603050405020304" pitchFamily="18" charset="0"/>
+                          </a:rPr>
+                        </m:ctrlPr>
+                      </m:sSubPr>
+                      <m:e>
+                        <m:r>
+                          <a:rPr lang="pt-PT" sz="1800" i="1">
+                            <a:effectLst/>
+                            <a:latin typeface="Cambria Math" panose="02040503050406030204" pitchFamily="18" charset="0"/>
+                            <a:ea typeface="Times New Roman" panose="02020603050405020304" pitchFamily="18" charset="0"/>
+                            <a:cs typeface="Times New Roman" panose="02020603050405020304" pitchFamily="18" charset="0"/>
+                          </a:rPr>
+                          <m:t>𝐼</m:t>
+                        </m:r>
+                      </m:e>
+                      <m:sub>
+                        <m:r>
+                          <a:rPr lang="pt-PT" sz="1800" i="1">
+                            <a:effectLst/>
+                            <a:latin typeface="Cambria Math" panose="02040503050406030204" pitchFamily="18" charset="0"/>
+                            <a:ea typeface="Times New Roman" panose="02020603050405020304" pitchFamily="18" charset="0"/>
+                            <a:cs typeface="Times New Roman" panose="02020603050405020304" pitchFamily="18" charset="0"/>
+                          </a:rPr>
+                          <m:t>𝑖𝑛𝑡</m:t>
+                        </m:r>
+                      </m:sub>
+                    </m:sSub>
+                    <m:r>
+                      <a:rPr lang="pt-PT" sz="1800" i="1">
+                        <a:effectLst/>
+                        <a:latin typeface="Cambria Math" panose="02040503050406030204" pitchFamily="18" charset="0"/>
+                        <a:ea typeface="Times New Roman" panose="02020603050405020304" pitchFamily="18" charset="0"/>
+                        <a:cs typeface="Times New Roman" panose="02020603050405020304" pitchFamily="18" charset="0"/>
+                      </a:rPr>
+                      <m:t> ⇒</m:t>
+                    </m:r>
+                    <m:r>
+                      <a:rPr lang="pt-PT" sz="1800" i="1">
+                        <a:effectLst/>
+                        <a:latin typeface="Cambria Math" panose="02040503050406030204" pitchFamily="18" charset="0"/>
+                        <a:ea typeface="Times New Roman" panose="02020603050405020304" pitchFamily="18" charset="0"/>
+                        <a:cs typeface="Times New Roman" panose="02020603050405020304" pitchFamily="18" charset="0"/>
+                      </a:rPr>
+                      <m:t>𝐵</m:t>
+                    </m:r>
+                    <m:r>
+                      <a:rPr lang="pt-PT" sz="1800" i="1">
+                        <a:effectLst/>
+                        <a:latin typeface="Cambria Math" panose="02040503050406030204" pitchFamily="18" charset="0"/>
+                        <a:ea typeface="Times New Roman" panose="02020603050405020304" pitchFamily="18" charset="0"/>
+                        <a:cs typeface="Times New Roman" panose="02020603050405020304" pitchFamily="18" charset="0"/>
+                      </a:rPr>
+                      <m:t>×</m:t>
+                    </m:r>
+                    <m:r>
+                      <a:rPr lang="pt-PT" sz="1800" i="1">
+                        <a:effectLst/>
+                        <a:latin typeface="Cambria Math" panose="02040503050406030204" pitchFamily="18" charset="0"/>
+                        <a:ea typeface="Times New Roman" panose="02020603050405020304" pitchFamily="18" charset="0"/>
+                        <a:cs typeface="Times New Roman" panose="02020603050405020304" pitchFamily="18" charset="0"/>
+                      </a:rPr>
+                      <m:t>𝑙</m:t>
+                    </m:r>
+                    <m:r>
+                      <a:rPr lang="pt-PT" sz="1800" i="1">
+                        <a:effectLst/>
+                        <a:latin typeface="Cambria Math" panose="02040503050406030204" pitchFamily="18" charset="0"/>
+                        <a:ea typeface="Times New Roman" panose="02020603050405020304" pitchFamily="18" charset="0"/>
+                        <a:cs typeface="Times New Roman" panose="02020603050405020304" pitchFamily="18" charset="0"/>
+                      </a:rPr>
+                      <m:t>= </m:t>
+                    </m:r>
+                    <m:f>
+                      <m:fPr>
+                        <m:ctrlPr>
+                          <a:rPr lang="pt-PT" sz="1800" i="1">
+                            <a:effectLst/>
+                            <a:latin typeface="Cambria Math" panose="02040503050406030204" pitchFamily="18" charset="0"/>
+                            <a:ea typeface="Times New Roman" panose="02020603050405020304" pitchFamily="18" charset="0"/>
+                            <a:cs typeface="Times New Roman" panose="02020603050405020304" pitchFamily="18" charset="0"/>
+                          </a:rPr>
+                        </m:ctrlPr>
+                      </m:fPr>
+                      <m:num>
+                        <m:sSub>
+                          <m:sSubPr>
+                            <m:ctrlPr>
+                              <a:rPr lang="pt-PT" sz="1800" i="1">
+                                <a:effectLst/>
+                                <a:latin typeface="Cambria Math" panose="02040503050406030204" pitchFamily="18" charset="0"/>
+                                <a:ea typeface="Times New Roman" panose="02020603050405020304" pitchFamily="18" charset="0"/>
+                                <a:cs typeface="Times New Roman" panose="02020603050405020304" pitchFamily="18" charset="0"/>
+                              </a:rPr>
+                            </m:ctrlPr>
+                          </m:sSubPr>
+                          <m:e>
+                            <m:r>
+                              <a:rPr lang="pt-PT" sz="1800" i="1">
+                                <a:effectLst/>
+                                <a:latin typeface="Cambria Math" panose="02040503050406030204" pitchFamily="18" charset="0"/>
+                                <a:ea typeface="Microsoft GothicNeo" panose="020B0500000101010101" pitchFamily="34" charset="-127"/>
+                                <a:cs typeface="Microsoft GothicNeo" panose="020B0500000101010101" pitchFamily="34" charset="-127"/>
+                              </a:rPr>
+                              <m:t>µ</m:t>
+                            </m:r>
+                          </m:e>
+                          <m:sub>
+                            <m:r>
+                              <a:rPr lang="pt-PT" sz="1800" i="1">
+                                <a:effectLst/>
+                                <a:latin typeface="Cambria Math" panose="02040503050406030204" pitchFamily="18" charset="0"/>
+                                <a:ea typeface="Times New Roman" panose="02020603050405020304" pitchFamily="18" charset="0"/>
+                                <a:cs typeface="Times New Roman" panose="02020603050405020304" pitchFamily="18" charset="0"/>
+                              </a:rPr>
+                              <m:t>0</m:t>
+                            </m:r>
+                          </m:sub>
+                        </m:sSub>
+                        <m:r>
+                          <a:rPr lang="pt-PT" sz="1800" i="1">
+                            <a:effectLst/>
+                            <a:latin typeface="Cambria Math" panose="02040503050406030204" pitchFamily="18" charset="0"/>
+                            <a:ea typeface="Times New Roman" panose="02020603050405020304" pitchFamily="18" charset="0"/>
+                            <a:cs typeface="Times New Roman" panose="02020603050405020304" pitchFamily="18" charset="0"/>
+                          </a:rPr>
+                          <m:t> × </m:t>
+                        </m:r>
+                        <m:r>
+                          <a:rPr lang="pt-PT" sz="1800" i="1">
+                            <a:effectLst/>
+                            <a:latin typeface="Cambria Math" panose="02040503050406030204" pitchFamily="18" charset="0"/>
+                            <a:ea typeface="Times New Roman" panose="02020603050405020304" pitchFamily="18" charset="0"/>
+                            <a:cs typeface="Times New Roman" panose="02020603050405020304" pitchFamily="18" charset="0"/>
+                          </a:rPr>
+                          <m:t>𝑁</m:t>
+                        </m:r>
+                        <m:r>
+                          <a:rPr lang="pt-PT" sz="1800" i="1">
+                            <a:effectLst/>
+                            <a:latin typeface="Cambria Math" panose="02040503050406030204" pitchFamily="18" charset="0"/>
+                            <a:ea typeface="Times New Roman" panose="02020603050405020304" pitchFamily="18" charset="0"/>
+                            <a:cs typeface="Times New Roman" panose="02020603050405020304" pitchFamily="18" charset="0"/>
+                          </a:rPr>
+                          <m:t> × </m:t>
+                        </m:r>
+                        <m:r>
+                          <a:rPr lang="pt-PT" sz="1800" i="1">
+                            <a:effectLst/>
+                            <a:latin typeface="Cambria Math" panose="02040503050406030204" pitchFamily="18" charset="0"/>
+                            <a:ea typeface="Times New Roman" panose="02020603050405020304" pitchFamily="18" charset="0"/>
+                            <a:cs typeface="Times New Roman" panose="02020603050405020304" pitchFamily="18" charset="0"/>
+                          </a:rPr>
+                          <m:t>𝑙</m:t>
+                        </m:r>
+                      </m:num>
+                      <m:den>
+                        <m:r>
+                          <a:rPr lang="pt-PT" sz="1800" i="1">
+                            <a:effectLst/>
+                            <a:latin typeface="Cambria Math" panose="02040503050406030204" pitchFamily="18" charset="0"/>
+                            <a:ea typeface="Times New Roman" panose="02020603050405020304" pitchFamily="18" charset="0"/>
+                            <a:cs typeface="Times New Roman" panose="02020603050405020304" pitchFamily="18" charset="0"/>
+                          </a:rPr>
+                          <m:t>𝐿</m:t>
+                        </m:r>
+                      </m:den>
+                    </m:f>
+                    <m:r>
+                      <a:rPr lang="pt-PT" sz="1800" i="1">
+                        <a:effectLst/>
+                        <a:latin typeface="Cambria Math" panose="02040503050406030204" pitchFamily="18" charset="0"/>
+                        <a:ea typeface="Times New Roman" panose="02020603050405020304" pitchFamily="18" charset="0"/>
+                        <a:cs typeface="Times New Roman" panose="02020603050405020304" pitchFamily="18" charset="0"/>
+                      </a:rPr>
+                      <m:t> </m:t>
+                    </m:r>
+                    <m:r>
+                      <a:rPr lang="pt-PT" sz="1800" i="1">
+                        <a:effectLst/>
+                        <a:latin typeface="Cambria Math" panose="02040503050406030204" pitchFamily="18" charset="0"/>
+                        <a:ea typeface="Times New Roman" panose="02020603050405020304" pitchFamily="18" charset="0"/>
+                        <a:cs typeface="Times New Roman" panose="02020603050405020304" pitchFamily="18" charset="0"/>
+                      </a:rPr>
+                      <m:t>𝐼</m:t>
+                    </m:r>
+                    <m:r>
+                      <a:rPr lang="pt-PT" sz="1800" i="1">
+                        <a:effectLst/>
+                        <a:latin typeface="Cambria Math" panose="02040503050406030204" pitchFamily="18" charset="0"/>
+                        <a:ea typeface="Times New Roman" panose="02020603050405020304" pitchFamily="18" charset="0"/>
+                        <a:cs typeface="Times New Roman" panose="02020603050405020304" pitchFamily="18" charset="0"/>
+                      </a:rPr>
+                      <m:t> ⇔ </m:t>
+                    </m:r>
+                    <m:sSub>
+                      <m:sSubPr>
+                        <m:ctrlPr>
+                          <a:rPr lang="pt-PT" sz="1800" i="1">
+                            <a:effectLst/>
+                            <a:latin typeface="Cambria Math" panose="02040503050406030204" pitchFamily="18" charset="0"/>
+                            <a:ea typeface="Times New Roman" panose="02020603050405020304" pitchFamily="18" charset="0"/>
+                            <a:cs typeface="Times New Roman" panose="02020603050405020304" pitchFamily="18" charset="0"/>
+                          </a:rPr>
+                        </m:ctrlPr>
+                      </m:sSubPr>
+                      <m:e>
+                        <m:r>
+                          <a:rPr lang="pt-PT" sz="1800" i="1">
+                            <a:effectLst/>
+                            <a:latin typeface="Cambria Math" panose="02040503050406030204" pitchFamily="18" charset="0"/>
+                            <a:ea typeface="Times New Roman" panose="02020603050405020304" pitchFamily="18" charset="0"/>
+                            <a:cs typeface="Times New Roman" panose="02020603050405020304" pitchFamily="18" charset="0"/>
+                          </a:rPr>
+                          <m:t>𝐵</m:t>
+                        </m:r>
+                      </m:e>
+                      <m:sub>
+                        <m:r>
+                          <a:rPr lang="pt-PT" sz="1800" i="1">
+                            <a:effectLst/>
+                            <a:latin typeface="Cambria Math" panose="02040503050406030204" pitchFamily="18" charset="0"/>
+                            <a:ea typeface="Times New Roman" panose="02020603050405020304" pitchFamily="18" charset="0"/>
+                            <a:cs typeface="Times New Roman" panose="02020603050405020304" pitchFamily="18" charset="0"/>
+                          </a:rPr>
+                          <m:t>𝑠𝑜𝑙</m:t>
+                        </m:r>
+                      </m:sub>
+                    </m:sSub>
+                    <m:r>
+                      <a:rPr lang="pt-PT" sz="1800" i="1">
+                        <a:effectLst/>
+                        <a:latin typeface="Cambria Math" panose="02040503050406030204" pitchFamily="18" charset="0"/>
+                        <a:ea typeface="Times New Roman" panose="02020603050405020304" pitchFamily="18" charset="0"/>
+                        <a:cs typeface="Times New Roman" panose="02020603050405020304" pitchFamily="18" charset="0"/>
+                      </a:rPr>
+                      <m:t>=</m:t>
+                    </m:r>
+                    <m:r>
+                      <a:rPr lang="pt-PT" sz="1800" i="1">
+                        <a:effectLst/>
+                        <a:latin typeface="Cambria Math" panose="02040503050406030204" pitchFamily="18" charset="0"/>
+                        <a:ea typeface="Microsoft GothicNeo" panose="020B0500000101010101" pitchFamily="34" charset="-127"/>
+                        <a:cs typeface="Microsoft GothicNeo" panose="020B0500000101010101" pitchFamily="34" charset="-127"/>
+                      </a:rPr>
+                      <m:t> </m:t>
+                    </m:r>
+                    <m:sSub>
+                      <m:sSubPr>
+                        <m:ctrlPr>
+                          <a:rPr lang="pt-PT" sz="1800" i="1">
+                            <a:effectLst/>
+                            <a:latin typeface="Cambria Math" panose="02040503050406030204" pitchFamily="18" charset="0"/>
+                            <a:ea typeface="Times New Roman" panose="02020603050405020304" pitchFamily="18" charset="0"/>
+                            <a:cs typeface="Times New Roman" panose="02020603050405020304" pitchFamily="18" charset="0"/>
+                          </a:rPr>
+                        </m:ctrlPr>
+                      </m:sSubPr>
+                      <m:e>
+                        <m:r>
+                          <a:rPr lang="pt-PT" sz="1800" i="1">
+                            <a:effectLst/>
+                            <a:latin typeface="Cambria Math" panose="02040503050406030204" pitchFamily="18" charset="0"/>
+                            <a:ea typeface="Microsoft GothicNeo" panose="020B0500000101010101" pitchFamily="34" charset="-127"/>
+                            <a:cs typeface="Microsoft GothicNeo" panose="020B0500000101010101" pitchFamily="34" charset="-127"/>
+                          </a:rPr>
+                          <m:t>µ</m:t>
+                        </m:r>
+                      </m:e>
+                      <m:sub>
+                        <m:r>
+                          <a:rPr lang="pt-PT" sz="1800" i="1">
+                            <a:effectLst/>
+                            <a:latin typeface="Cambria Math" panose="02040503050406030204" pitchFamily="18" charset="0"/>
+                            <a:ea typeface="Times New Roman" panose="02020603050405020304" pitchFamily="18" charset="0"/>
+                            <a:cs typeface="Times New Roman" panose="02020603050405020304" pitchFamily="18" charset="0"/>
+                          </a:rPr>
+                          <m:t>0</m:t>
+                        </m:r>
+                      </m:sub>
+                    </m:sSub>
+                    <m:f>
+                      <m:fPr>
+                        <m:ctrlPr>
+                          <a:rPr lang="pt-PT" sz="1800" i="1">
+                            <a:effectLst/>
+                            <a:latin typeface="Cambria Math" panose="02040503050406030204" pitchFamily="18" charset="0"/>
+                            <a:ea typeface="Times New Roman" panose="02020603050405020304" pitchFamily="18" charset="0"/>
+                            <a:cs typeface="Times New Roman" panose="02020603050405020304" pitchFamily="18" charset="0"/>
+                          </a:rPr>
+                        </m:ctrlPr>
+                      </m:fPr>
+                      <m:num>
+                        <m:r>
+                          <a:rPr lang="pt-PT" sz="1800" i="1">
+                            <a:effectLst/>
+                            <a:latin typeface="Cambria Math" panose="02040503050406030204" pitchFamily="18" charset="0"/>
+                            <a:ea typeface="Times New Roman" panose="02020603050405020304" pitchFamily="18" charset="0"/>
+                            <a:cs typeface="Times New Roman" panose="02020603050405020304" pitchFamily="18" charset="0"/>
+                          </a:rPr>
+                          <m:t>𝑁</m:t>
+                        </m:r>
+                      </m:num>
+                      <m:den>
+                        <m:r>
+                          <a:rPr lang="pt-PT" sz="1800" i="1">
+                            <a:effectLst/>
+                            <a:latin typeface="Cambria Math" panose="02040503050406030204" pitchFamily="18" charset="0"/>
+                            <a:ea typeface="Times New Roman" panose="02020603050405020304" pitchFamily="18" charset="0"/>
+                            <a:cs typeface="Times New Roman" panose="02020603050405020304" pitchFamily="18" charset="0"/>
+                          </a:rPr>
+                          <m:t>𝐿</m:t>
+                        </m:r>
+                      </m:den>
+                    </m:f>
+                    <m:sSub>
+                      <m:sSubPr>
+                        <m:ctrlPr>
+                          <a:rPr lang="pt-PT" sz="1800" i="1">
+                            <a:effectLst/>
+                            <a:latin typeface="Cambria Math" panose="02040503050406030204" pitchFamily="18" charset="0"/>
+                            <a:ea typeface="Times New Roman" panose="02020603050405020304" pitchFamily="18" charset="0"/>
+                            <a:cs typeface="Times New Roman" panose="02020603050405020304" pitchFamily="18" charset="0"/>
+                          </a:rPr>
+                        </m:ctrlPr>
+                      </m:sSubPr>
+                      <m:e>
+                        <m:r>
+                          <a:rPr lang="pt-PT" sz="1800" i="1">
+                            <a:effectLst/>
+                            <a:latin typeface="Cambria Math" panose="02040503050406030204" pitchFamily="18" charset="0"/>
+                            <a:ea typeface="Times New Roman" panose="02020603050405020304" pitchFamily="18" charset="0"/>
+                            <a:cs typeface="Times New Roman" panose="02020603050405020304" pitchFamily="18" charset="0"/>
+                          </a:rPr>
+                          <m:t>𝐼</m:t>
+                        </m:r>
+                      </m:e>
+                      <m:sub>
+                        <m:r>
+                          <a:rPr lang="pt-PT" sz="1800" i="1">
+                            <a:effectLst/>
+                            <a:latin typeface="Cambria Math" panose="02040503050406030204" pitchFamily="18" charset="0"/>
+                            <a:ea typeface="Times New Roman" panose="02020603050405020304" pitchFamily="18" charset="0"/>
+                            <a:cs typeface="Times New Roman" panose="02020603050405020304" pitchFamily="18" charset="0"/>
+                          </a:rPr>
+                          <m:t>𝑠</m:t>
+                        </m:r>
+                      </m:sub>
+                    </m:sSub>
+                  </m:oMath>
+                </a14:m>
+                <a:endParaRPr lang="pt-PT" sz="1800" dirty="0">
+                  <a:effectLst/>
+                  <a:latin typeface="Calibri" panose="020F0502020204030204" pitchFamily="34" charset="0"/>
+                  <a:ea typeface="Calibri" panose="020F0502020204030204" pitchFamily="34" charset="0"/>
+                  <a:cs typeface="Times New Roman" panose="02020603050405020304" pitchFamily="18" charset="0"/>
+                </a:endParaRPr>
+              </a:p>
+              <a:p>
+                <a:pPr marL="0" indent="0">
+                  <a:buNone/>
+                </a:pPr>
+                <a:r>
+                  <a:rPr lang="pt-PT" sz="1800" dirty="0">
+                    <a:effectLst/>
+                    <a:latin typeface="Calibri" panose="020F0502020204030204" pitchFamily="34" charset="0"/>
+                    <a:ea typeface="Times New Roman" panose="02020603050405020304" pitchFamily="18" charset="0"/>
+                    <a:cs typeface="Times New Roman" panose="02020603050405020304" pitchFamily="18" charset="0"/>
+                  </a:rPr>
+                  <a:t>Sendo </a:t>
+                </a:r>
+                <a14:m>
+                  <m:oMath xmlns:m="http://schemas.openxmlformats.org/officeDocument/2006/math">
+                    <m:f>
+                      <m:fPr>
+                        <m:ctrlPr>
+                          <a:rPr lang="pt-PT" sz="1800" i="1">
+                            <a:effectLst/>
+                            <a:latin typeface="Cambria Math" panose="02040503050406030204" pitchFamily="18" charset="0"/>
+                            <a:ea typeface="Times New Roman" panose="02020603050405020304" pitchFamily="18" charset="0"/>
+                          </a:rPr>
+                        </m:ctrlPr>
+                      </m:fPr>
+                      <m:num>
+                        <m:r>
+                          <a:rPr lang="pt-PT" sz="1800" i="1">
+                            <a:effectLst/>
+                            <a:latin typeface="Cambria Math" panose="02040503050406030204" pitchFamily="18" charset="0"/>
+                            <a:ea typeface="Times New Roman" panose="02020603050405020304" pitchFamily="18" charset="0"/>
+                            <a:cs typeface="Times New Roman" panose="02020603050405020304" pitchFamily="18" charset="0"/>
+                          </a:rPr>
+                          <m:t>𝑁</m:t>
+                        </m:r>
+                      </m:num>
+                      <m:den>
+                        <m:r>
+                          <a:rPr lang="pt-PT" sz="1800" i="1">
+                            <a:effectLst/>
+                            <a:latin typeface="Cambria Math" panose="02040503050406030204" pitchFamily="18" charset="0"/>
+                            <a:ea typeface="Times New Roman" panose="02020603050405020304" pitchFamily="18" charset="0"/>
+                            <a:cs typeface="Times New Roman" panose="02020603050405020304" pitchFamily="18" charset="0"/>
+                          </a:rPr>
+                          <m:t>𝐿</m:t>
+                        </m:r>
+                      </m:den>
+                    </m:f>
+                  </m:oMath>
+                </a14:m>
+                <a:r>
+                  <a:rPr lang="pt-PT" sz="1800" dirty="0">
+                    <a:effectLst/>
+                    <a:latin typeface="Calibri" panose="020F0502020204030204" pitchFamily="34" charset="0"/>
+                    <a:ea typeface="Times New Roman" panose="02020603050405020304" pitchFamily="18" charset="0"/>
+                    <a:cs typeface="Times New Roman" panose="02020603050405020304" pitchFamily="18" charset="0"/>
+                  </a:rPr>
+                  <a:t> o número de espiras por unidade de comprimento do solenóide, </a:t>
+                </a:r>
+                <a14:m>
+                  <m:oMath xmlns:m="http://schemas.openxmlformats.org/officeDocument/2006/math">
+                    <m:sSub>
+                      <m:sSubPr>
+                        <m:ctrlPr>
+                          <a:rPr lang="pt-PT" sz="1800" i="1">
+                            <a:effectLst/>
+                            <a:latin typeface="Cambria Math" panose="02040503050406030204" pitchFamily="18" charset="0"/>
+                            <a:ea typeface="Times New Roman" panose="02020603050405020304" pitchFamily="18" charset="0"/>
+                          </a:rPr>
+                        </m:ctrlPr>
+                      </m:sSubPr>
+                      <m:e>
+                        <m:r>
+                          <a:rPr lang="pt-PT" sz="1800" i="1">
+                            <a:effectLst/>
+                            <a:latin typeface="Cambria Math" panose="02040503050406030204" pitchFamily="18" charset="0"/>
+                            <a:ea typeface="Times New Roman" panose="02020603050405020304" pitchFamily="18" charset="0"/>
+                            <a:cs typeface="Times New Roman" panose="02020603050405020304" pitchFamily="18" charset="0"/>
+                          </a:rPr>
+                          <m:t>𝐼</m:t>
+                        </m:r>
+                      </m:e>
+                      <m:sub>
+                        <m:r>
+                          <a:rPr lang="pt-PT" sz="1800" i="1">
+                            <a:effectLst/>
+                            <a:latin typeface="Cambria Math" panose="02040503050406030204" pitchFamily="18" charset="0"/>
+                            <a:ea typeface="Times New Roman" panose="02020603050405020304" pitchFamily="18" charset="0"/>
+                            <a:cs typeface="Times New Roman" panose="02020603050405020304" pitchFamily="18" charset="0"/>
+                          </a:rPr>
+                          <m:t>𝑠</m:t>
+                        </m:r>
+                      </m:sub>
+                    </m:sSub>
+                  </m:oMath>
+                </a14:m>
+                <a:r>
+                  <a:rPr lang="pt-PT" sz="1800" dirty="0">
+                    <a:effectLst/>
+                    <a:latin typeface="Calibri" panose="020F0502020204030204" pitchFamily="34" charset="0"/>
+                    <a:ea typeface="Times New Roman" panose="02020603050405020304" pitchFamily="18" charset="0"/>
+                    <a:cs typeface="Times New Roman" panose="02020603050405020304" pitchFamily="18" charset="0"/>
+                  </a:rPr>
+                  <a:t> corrente que percorre o solenóide e a constante de permeabilidade magnética do vácuo,</a:t>
+                </a:r>
+              </a:p>
+              <a:p>
+                <a:pPr marL="0" indent="0">
+                  <a:buNone/>
+                </a:pPr>
+                <a14:m>
+                  <m:oMath xmlns:m="http://schemas.openxmlformats.org/officeDocument/2006/math">
+                    <m:sSub>
+                      <m:sSubPr>
+                        <m:ctrlPr>
+                          <a:rPr lang="pt-PT" sz="1800" i="1">
+                            <a:effectLst/>
+                            <a:latin typeface="Cambria Math" panose="02040503050406030204" pitchFamily="18" charset="0"/>
+                            <a:ea typeface="Times New Roman" panose="02020603050405020304" pitchFamily="18" charset="0"/>
+                          </a:rPr>
+                        </m:ctrlPr>
+                      </m:sSubPr>
+                      <m:e>
+                        <m:r>
+                          <a:rPr lang="pt-PT" sz="1800">
+                            <a:effectLst/>
+                            <a:latin typeface="Cambria Math" panose="02040503050406030204" pitchFamily="18" charset="0"/>
+                            <a:ea typeface="Times New Roman" panose="02020603050405020304" pitchFamily="18" charset="0"/>
+                            <a:cs typeface="Times New Roman" panose="02020603050405020304" pitchFamily="18" charset="0"/>
+                          </a:rPr>
+                          <m:t>µ</m:t>
+                        </m:r>
+                      </m:e>
+                      <m:sub>
+                        <m:r>
+                          <a:rPr lang="pt-PT" sz="1800">
+                            <a:effectLst/>
+                            <a:latin typeface="Cambria Math" panose="02040503050406030204" pitchFamily="18" charset="0"/>
+                            <a:ea typeface="Times New Roman" panose="02020603050405020304" pitchFamily="18" charset="0"/>
+                            <a:cs typeface="Times New Roman" panose="02020603050405020304" pitchFamily="18" charset="0"/>
+                          </a:rPr>
+                          <m:t>0</m:t>
+                        </m:r>
+                      </m:sub>
+                    </m:sSub>
+                    <m:r>
+                      <a:rPr lang="pt-PT" sz="1800">
+                        <a:effectLst/>
+                        <a:latin typeface="Cambria Math" panose="02040503050406030204" pitchFamily="18" charset="0"/>
+                        <a:ea typeface="Times New Roman" panose="02020603050405020304" pitchFamily="18" charset="0"/>
+                        <a:cs typeface="Times New Roman" panose="02020603050405020304" pitchFamily="18" charset="0"/>
+                      </a:rPr>
+                      <m:t>=4</m:t>
+                    </m:r>
+                    <m:r>
+                      <a:rPr lang="pt-PT" sz="1800" i="1">
+                        <a:effectLst/>
+                        <a:latin typeface="Cambria Math" panose="02040503050406030204" pitchFamily="18" charset="0"/>
+                        <a:ea typeface="Times New Roman" panose="02020603050405020304" pitchFamily="18" charset="0"/>
+                        <a:cs typeface="Times New Roman" panose="02020603050405020304" pitchFamily="18" charset="0"/>
+                      </a:rPr>
+                      <m:t>𝜋</m:t>
+                    </m:r>
+                    <m:r>
+                      <a:rPr lang="pt-PT" sz="1800">
+                        <a:effectLst/>
+                        <a:latin typeface="Cambria Math" panose="02040503050406030204" pitchFamily="18" charset="0"/>
+                        <a:ea typeface="Times New Roman" panose="02020603050405020304" pitchFamily="18" charset="0"/>
+                        <a:cs typeface="Times New Roman" panose="02020603050405020304" pitchFamily="18" charset="0"/>
+                      </a:rPr>
+                      <m:t>×</m:t>
+                    </m:r>
+                    <m:sSup>
+                      <m:sSupPr>
+                        <m:ctrlPr>
+                          <a:rPr lang="pt-PT" sz="1800" i="1">
+                            <a:effectLst/>
+                            <a:latin typeface="Cambria Math" panose="02040503050406030204" pitchFamily="18" charset="0"/>
+                            <a:ea typeface="Times New Roman" panose="02020603050405020304" pitchFamily="18" charset="0"/>
+                          </a:rPr>
+                        </m:ctrlPr>
+                      </m:sSupPr>
+                      <m:e>
+                        <m:r>
+                          <a:rPr lang="pt-PT" sz="1800">
+                            <a:effectLst/>
+                            <a:latin typeface="Cambria Math" panose="02040503050406030204" pitchFamily="18" charset="0"/>
+                            <a:ea typeface="Times New Roman" panose="02020603050405020304" pitchFamily="18" charset="0"/>
+                            <a:cs typeface="Times New Roman" panose="02020603050405020304" pitchFamily="18" charset="0"/>
+                          </a:rPr>
+                          <m:t>10</m:t>
+                        </m:r>
+                      </m:e>
+                      <m:sup>
+                        <m:r>
+                          <a:rPr lang="pt-PT" sz="1800" i="1">
+                            <a:effectLst/>
+                            <a:latin typeface="Cambria Math" panose="02040503050406030204" pitchFamily="18" charset="0"/>
+                            <a:ea typeface="Times New Roman" panose="02020603050405020304" pitchFamily="18" charset="0"/>
+                            <a:cs typeface="Times New Roman" panose="02020603050405020304" pitchFamily="18" charset="0"/>
+                          </a:rPr>
+                          <m:t>−</m:t>
+                        </m:r>
+                        <m:r>
+                          <a:rPr lang="pt-PT" sz="1800">
+                            <a:effectLst/>
+                            <a:latin typeface="Cambria Math" panose="02040503050406030204" pitchFamily="18" charset="0"/>
+                            <a:ea typeface="Times New Roman" panose="02020603050405020304" pitchFamily="18" charset="0"/>
+                            <a:cs typeface="Times New Roman" panose="02020603050405020304" pitchFamily="18" charset="0"/>
+                          </a:rPr>
+                          <m:t>7</m:t>
+                        </m:r>
+                      </m:sup>
+                    </m:sSup>
+                    <m:r>
+                      <a:rPr lang="pt-PT" sz="1800">
+                        <a:effectLst/>
+                        <a:latin typeface="Cambria Math" panose="02040503050406030204" pitchFamily="18" charset="0"/>
+                        <a:ea typeface="Times New Roman" panose="02020603050405020304" pitchFamily="18" charset="0"/>
+                        <a:cs typeface="Times New Roman" panose="02020603050405020304" pitchFamily="18" charset="0"/>
+                      </a:rPr>
+                      <m:t>(</m:t>
+                    </m:r>
+                    <m:r>
+                      <a:rPr lang="pt-PT" sz="1800" i="1">
+                        <a:effectLst/>
+                        <a:latin typeface="Cambria Math" panose="02040503050406030204" pitchFamily="18" charset="0"/>
+                        <a:ea typeface="Times New Roman" panose="02020603050405020304" pitchFamily="18" charset="0"/>
+                        <a:cs typeface="Times New Roman" panose="02020603050405020304" pitchFamily="18" charset="0"/>
+                      </a:rPr>
+                      <m:t>𝑇</m:t>
+                    </m:r>
+                    <m:r>
+                      <a:rPr lang="pt-PT" sz="1800">
+                        <a:effectLst/>
+                        <a:latin typeface="Cambria Math" panose="02040503050406030204" pitchFamily="18" charset="0"/>
+                        <a:ea typeface="Times New Roman" panose="02020603050405020304" pitchFamily="18" charset="0"/>
+                        <a:cs typeface="Times New Roman" panose="02020603050405020304" pitchFamily="18" charset="0"/>
+                      </a:rPr>
+                      <m:t>.</m:t>
+                    </m:r>
+                    <m:r>
+                      <a:rPr lang="pt-PT" sz="1800" i="1">
+                        <a:effectLst/>
+                        <a:latin typeface="Cambria Math" panose="02040503050406030204" pitchFamily="18" charset="0"/>
+                        <a:ea typeface="Times New Roman" panose="02020603050405020304" pitchFamily="18" charset="0"/>
+                        <a:cs typeface="Times New Roman" panose="02020603050405020304" pitchFamily="18" charset="0"/>
+                      </a:rPr>
+                      <m:t>𝑚</m:t>
+                    </m:r>
+                    <m:r>
+                      <a:rPr lang="pt-PT" sz="1800">
+                        <a:effectLst/>
+                        <a:latin typeface="Cambria Math" panose="02040503050406030204" pitchFamily="18" charset="0"/>
+                        <a:ea typeface="Times New Roman" panose="02020603050405020304" pitchFamily="18" charset="0"/>
+                        <a:cs typeface="Times New Roman" panose="02020603050405020304" pitchFamily="18" charset="0"/>
+                      </a:rPr>
+                      <m:t>/</m:t>
+                    </m:r>
+                    <m:r>
+                      <a:rPr lang="pt-PT" sz="1800" i="1">
+                        <a:effectLst/>
+                        <a:latin typeface="Cambria Math" panose="02040503050406030204" pitchFamily="18" charset="0"/>
+                        <a:ea typeface="Times New Roman" panose="02020603050405020304" pitchFamily="18" charset="0"/>
+                        <a:cs typeface="Times New Roman" panose="02020603050405020304" pitchFamily="18" charset="0"/>
+                      </a:rPr>
+                      <m:t>𝐴</m:t>
+                    </m:r>
+                    <m:r>
+                      <a:rPr lang="pt-PT" sz="1800">
+                        <a:effectLst/>
+                        <a:latin typeface="Cambria Math" panose="02040503050406030204" pitchFamily="18" charset="0"/>
+                        <a:ea typeface="Times New Roman" panose="02020603050405020304" pitchFamily="18" charset="0"/>
+                        <a:cs typeface="Times New Roman" panose="02020603050405020304" pitchFamily="18" charset="0"/>
+                      </a:rPr>
+                      <m:t>)</m:t>
+                    </m:r>
+                  </m:oMath>
+                </a14:m>
+                <a:r>
+                  <a:rPr lang="pt-PT" sz="1800" dirty="0">
+                    <a:effectLst/>
+                    <a:latin typeface="Calibri" panose="020F0502020204030204" pitchFamily="34" charset="0"/>
+                    <a:ea typeface="Times New Roman" panose="02020603050405020304" pitchFamily="18" charset="0"/>
+                    <a:cs typeface="Times New Roman" panose="02020603050405020304" pitchFamily="18" charset="0"/>
+                  </a:rPr>
+                  <a:t>.</a:t>
+                </a:r>
+                <a:endParaRPr lang="pt-PT" sz="1800" dirty="0">
+                  <a:effectLst/>
+                  <a:latin typeface="Calibri" panose="020F0502020204030204" pitchFamily="34" charset="0"/>
+                  <a:ea typeface="Calibri" panose="020F0502020204030204" pitchFamily="34" charset="0"/>
+                  <a:cs typeface="Times New Roman" panose="02020603050405020304" pitchFamily="18" charset="0"/>
+                </a:endParaRPr>
+              </a:p>
+              <a:p>
+                <a:endParaRPr lang="en-US" sz="1500" dirty="0"/>
+              </a:p>
+            </p:txBody>
+          </p:sp>
+        </mc:Choice>
+        <mc:Fallback>
+          <p:sp>
+            <p:nvSpPr>
+              <p:cNvPr id="9" name="Content Placeholder 8">
+                <a:extLst>
+                  <a:ext uri="{FF2B5EF4-FFF2-40B4-BE49-F238E27FC236}">
+                    <a16:creationId xmlns:a16="http://schemas.microsoft.com/office/drawing/2014/main" id="{D61026FA-E483-436D-A638-D9B278CE5B3E}"/>
+                  </a:ext>
+                </a:extLst>
+              </p:cNvPr>
+              <p:cNvSpPr>
+                <a:spLocks noGrp="1" noRot="1" noChangeAspect="1" noMove="1" noResize="1" noEditPoints="1" noAdjustHandles="1" noChangeArrowheads="1" noChangeShapeType="1" noTextEdit="1"/>
+              </p:cNvSpPr>
+              <p:nvPr>
+                <p:ph idx="1"/>
+              </p:nvPr>
+            </p:nvSpPr>
+            <p:spPr>
+              <a:xfrm>
+                <a:off x="677334" y="1930400"/>
+                <a:ext cx="8511054" cy="2046796"/>
+              </a:xfrm>
+              <a:blipFill>
+                <a:blip r:embed="rId3"/>
+                <a:stretch>
+                  <a:fillRect l="-573" t="-2985" r="-716" b="-597"/>
+                </a:stretch>
+              </a:blipFill>
+            </p:spPr>
+            <p:txBody>
+              <a:bodyPr/>
+              <a:lstStyle/>
+              <a:p>
+                <a:r>
+                  <a:rPr lang="pt-PT">
+                    <a:noFill/>
+                  </a:rPr>
+                  <a:t> </a:t>
+                </a:r>
+              </a:p>
+            </p:txBody>
+          </p:sp>
+        </mc:Fallback>
+      </mc:AlternateContent>
+    </p:spTree>
+    <p:extLst>
+      <p:ext uri="{BB962C8B-B14F-4D97-AF65-F5344CB8AC3E}">
+        <p14:creationId xmlns:p14="http://schemas.microsoft.com/office/powerpoint/2010/main" val="2823494034"/>
+      </p:ext>
+    </p:extLst>
+  </p:cSld>
+  <p:clrMapOvr>
+    <a:masterClrMapping/>
+  </p:clrMapOvr>
+</p:sld>
+</file>
+
+<file path=ppt/slides/slide4.xml><?xml version="1.0" encoding="utf-8"?>
+<p:sld xmlns:a="http://schemas.openxmlformats.org/drawingml/2006/main" xmlns:r="http://schemas.openxmlformats.org/officeDocument/2006/relationships" xmlns:p="http://schemas.openxmlformats.org/presentationml/2006/main">
+  <p:cSld>
+    <p:bg>
+      <p:bgPr>
+        <a:solidFill>
+          <a:schemeClr val="bg1"/>
+        </a:solidFill>
+        <a:effectLst/>
+      </p:bgPr>
+    </p:bg>
+    <p:spTree>
+      <p:nvGrpSpPr>
+        <p:cNvPr id="1" name=""/>
+        <p:cNvGrpSpPr/>
+        <p:nvPr/>
+      </p:nvGrpSpPr>
+      <p:grpSpPr>
+        <a:xfrm>
+          <a:off x="0" y="0"/>
+          <a:ext cx="0" cy="0"/>
+          <a:chOff x="0" y="0"/>
+          <a:chExt cx="0" cy="0"/>
+        </a:xfrm>
+      </p:grpSpPr>
+      <p:sp>
+        <p:nvSpPr>
+          <p:cNvPr id="2" name="Título 1">
+            <a:extLst>
+              <a:ext uri="{FF2B5EF4-FFF2-40B4-BE49-F238E27FC236}">
+                <a16:creationId xmlns:a16="http://schemas.microsoft.com/office/drawing/2014/main" id="{262C0EC6-B395-4B2B-A0B4-5985B0E24ECA}"/>
+              </a:ext>
+            </a:extLst>
+          </p:cNvPr>
+          <p:cNvSpPr>
+            <a:spLocks noGrp="1"/>
+          </p:cNvSpPr>
+          <p:nvPr>
+            <p:ph type="title"/>
+          </p:nvPr>
+        </p:nvSpPr>
+        <p:spPr>
+          <a:xfrm>
+            <a:off x="677334" y="609600"/>
+            <a:ext cx="8596668" cy="1320800"/>
+          </a:xfrm>
+        </p:spPr>
+        <p:txBody>
+          <a:bodyPr anchor="t">
+            <a:normAutofit/>
+          </a:bodyPr>
+          <a:lstStyle/>
+          <a:p>
+            <a:r>
+              <a:rPr lang="pt-PT" dirty="0"/>
+              <a:t>Bobinas de Helmholtz</a:t>
+            </a:r>
+          </a:p>
+        </p:txBody>
+      </p:sp>
+      <mc:AlternateContent xmlns:mc="http://schemas.openxmlformats.org/markup-compatibility/2006">
+        <mc:Choice xmlns:a14="http://schemas.microsoft.com/office/drawing/2010/main" Requires="a14">
+          <p:sp>
+            <p:nvSpPr>
+              <p:cNvPr id="9" name="Content Placeholder 8">
+                <a:extLst>
+                  <a:ext uri="{FF2B5EF4-FFF2-40B4-BE49-F238E27FC236}">
+                    <a16:creationId xmlns:a16="http://schemas.microsoft.com/office/drawing/2014/main" id="{0BE6EE48-0875-44AE-A721-E0946999FE3A}"/>
+                  </a:ext>
+                </a:extLst>
+              </p:cNvPr>
+              <p:cNvSpPr>
+                <a:spLocks noGrp="1"/>
+              </p:cNvSpPr>
+              <p:nvPr>
+                <p:ph idx="1"/>
+              </p:nvPr>
+            </p:nvSpPr>
+            <p:spPr>
+              <a:xfrm>
+                <a:off x="6238632" y="2577840"/>
+                <a:ext cx="3988443" cy="3880773"/>
+              </a:xfrm>
+            </p:spPr>
+            <p:txBody>
+              <a:bodyPr>
+                <a:normAutofit/>
+              </a:bodyPr>
+              <a:lstStyle/>
+              <a:p>
+                <a:r>
+                  <a:rPr lang="pt-PT" sz="1800" i="1" dirty="0">
+                    <a:effectLst/>
+                    <a:latin typeface="Cambria Math" panose="02040503050406030204" pitchFamily="18" charset="0"/>
+                    <a:ea typeface="Times New Roman" panose="02020603050405020304" pitchFamily="18" charset="0"/>
+                    <a:cs typeface="Times New Roman" panose="02020603050405020304" pitchFamily="18" charset="0"/>
+                  </a:rPr>
+                  <a:t>2 Bobinas com a distancia entre elas igual ao raio;</a:t>
+                </a:r>
+              </a:p>
+              <a:p>
+                <a:r>
+                  <a:rPr lang="pt-PT" i="1" dirty="0">
+                    <a:latin typeface="Cambria Math" panose="02040503050406030204" pitchFamily="18" charset="0"/>
+                    <a:ea typeface="Times New Roman" panose="02020603050405020304" pitchFamily="18" charset="0"/>
+                    <a:cs typeface="Times New Roman" panose="02020603050405020304" pitchFamily="18" charset="0"/>
+                  </a:rPr>
+                  <a:t>Mesmo nº espiras para ambas os enrolamentos;</a:t>
+                </a:r>
+              </a:p>
+              <a:p>
+                <a:r>
+                  <a:rPr lang="pt-PT" sz="1800" i="1" dirty="0">
+                    <a:effectLst/>
+                    <a:latin typeface="Cambria Math" panose="02040503050406030204" pitchFamily="18" charset="0"/>
+                    <a:ea typeface="Times New Roman" panose="02020603050405020304" pitchFamily="18" charset="0"/>
+                    <a:cs typeface="Times New Roman" panose="02020603050405020304" pitchFamily="18" charset="0"/>
+                  </a:rPr>
+                  <a:t>Percorridos por iguais correntes com o mesmo sentido;</a:t>
+                </a:r>
+              </a:p>
+              <a:p>
+                <a14:m>
+                  <m:oMath xmlns:m="http://schemas.openxmlformats.org/officeDocument/2006/math">
+                    <m:r>
+                      <a:rPr lang="pt-PT" sz="1800" i="1" smtClean="0">
+                        <a:effectLst/>
+                        <a:latin typeface="Cambria Math" panose="02040503050406030204" pitchFamily="18" charset="0"/>
+                        <a:ea typeface="Times New Roman" panose="02020603050405020304" pitchFamily="18" charset="0"/>
+                        <a:cs typeface="Times New Roman" panose="02020603050405020304" pitchFamily="18" charset="0"/>
+                      </a:rPr>
+                      <m:t>𝐵</m:t>
+                    </m:r>
+                    <m:d>
+                      <m:dPr>
+                        <m:ctrlPr>
+                          <a:rPr lang="pt-PT" sz="1800" i="1">
+                            <a:effectLst/>
+                            <a:latin typeface="Cambria Math" panose="02040503050406030204" pitchFamily="18" charset="0"/>
+                            <a:ea typeface="Times New Roman" panose="02020603050405020304" pitchFamily="18" charset="0"/>
+                            <a:cs typeface="Times New Roman" panose="02020603050405020304" pitchFamily="18" charset="0"/>
+                          </a:rPr>
+                        </m:ctrlPr>
+                      </m:dPr>
+                      <m:e>
+                        <m:r>
+                          <a:rPr lang="pt-PT" sz="1800" i="1">
+                            <a:effectLst/>
+                            <a:latin typeface="Cambria Math" panose="02040503050406030204" pitchFamily="18" charset="0"/>
+                            <a:ea typeface="Times New Roman" panose="02020603050405020304" pitchFamily="18" charset="0"/>
+                            <a:cs typeface="Times New Roman" panose="02020603050405020304" pitchFamily="18" charset="0"/>
+                          </a:rPr>
+                          <m:t>𝑥</m:t>
+                        </m:r>
+                      </m:e>
+                    </m:d>
+                    <m:r>
+                      <a:rPr lang="pt-PT" sz="1800" i="1">
+                        <a:effectLst/>
+                        <a:latin typeface="Cambria Math" panose="02040503050406030204" pitchFamily="18" charset="0"/>
+                        <a:ea typeface="Times New Roman" panose="02020603050405020304" pitchFamily="18" charset="0"/>
+                        <a:cs typeface="Times New Roman" panose="02020603050405020304" pitchFamily="18" charset="0"/>
+                      </a:rPr>
+                      <m:t>=</m:t>
+                    </m:r>
+                    <m:f>
+                      <m:fPr>
+                        <m:ctrlPr>
+                          <a:rPr lang="pt-PT" sz="1800" i="1">
+                            <a:effectLst/>
+                            <a:latin typeface="Cambria Math" panose="02040503050406030204" pitchFamily="18" charset="0"/>
+                            <a:ea typeface="Times New Roman" panose="02020603050405020304" pitchFamily="18" charset="0"/>
+                            <a:cs typeface="Times New Roman" panose="02020603050405020304" pitchFamily="18" charset="0"/>
+                          </a:rPr>
+                        </m:ctrlPr>
+                      </m:fPr>
+                      <m:num>
+                        <m:sSub>
+                          <m:sSubPr>
+                            <m:ctrlPr>
+                              <a:rPr lang="pt-PT" sz="1800" i="1">
+                                <a:effectLst/>
+                                <a:latin typeface="Cambria Math" panose="02040503050406030204" pitchFamily="18" charset="0"/>
+                                <a:ea typeface="Times New Roman" panose="02020603050405020304" pitchFamily="18" charset="0"/>
+                                <a:cs typeface="Times New Roman" panose="02020603050405020304" pitchFamily="18" charset="0"/>
+                              </a:rPr>
+                            </m:ctrlPr>
+                          </m:sSubPr>
+                          <m:e>
+                            <m:r>
+                              <a:rPr lang="pt-PT" sz="1800" i="1">
+                                <a:effectLst/>
+                                <a:latin typeface="Cambria Math" panose="02040503050406030204" pitchFamily="18" charset="0"/>
+                                <a:ea typeface="Microsoft GothicNeo" panose="020B0500000101010101" pitchFamily="34" charset="-127"/>
+                                <a:cs typeface="Microsoft GothicNeo" panose="020B0500000101010101" pitchFamily="34" charset="-127"/>
+                              </a:rPr>
+                              <m:t>µ</m:t>
+                            </m:r>
+                          </m:e>
+                          <m:sub>
+                            <m:r>
+                              <a:rPr lang="pt-PT" sz="1800" i="1">
+                                <a:effectLst/>
+                                <a:latin typeface="Cambria Math" panose="02040503050406030204" pitchFamily="18" charset="0"/>
+                                <a:ea typeface="Times New Roman" panose="02020603050405020304" pitchFamily="18" charset="0"/>
+                                <a:cs typeface="Times New Roman" panose="02020603050405020304" pitchFamily="18" charset="0"/>
+                              </a:rPr>
+                              <m:t>0</m:t>
+                            </m:r>
+                          </m:sub>
+                        </m:sSub>
+                      </m:num>
+                      <m:den>
+                        <m:r>
+                          <a:rPr lang="pt-PT" sz="1800" i="1">
+                            <a:effectLst/>
+                            <a:latin typeface="Cambria Math" panose="02040503050406030204" pitchFamily="18" charset="0"/>
+                            <a:ea typeface="Times New Roman" panose="02020603050405020304" pitchFamily="18" charset="0"/>
+                            <a:cs typeface="Times New Roman" panose="02020603050405020304" pitchFamily="18" charset="0"/>
+                          </a:rPr>
+                          <m:t>2</m:t>
+                        </m:r>
+                      </m:den>
+                    </m:f>
+                    <m:f>
+                      <m:fPr>
+                        <m:ctrlPr>
+                          <a:rPr lang="pt-PT" sz="1800" i="1">
+                            <a:effectLst/>
+                            <a:latin typeface="Cambria Math" panose="02040503050406030204" pitchFamily="18" charset="0"/>
+                            <a:ea typeface="Times New Roman" panose="02020603050405020304" pitchFamily="18" charset="0"/>
+                            <a:cs typeface="Times New Roman" panose="02020603050405020304" pitchFamily="18" charset="0"/>
+                          </a:rPr>
+                        </m:ctrlPr>
+                      </m:fPr>
+                      <m:num>
+                        <m:r>
+                          <a:rPr lang="pt-PT" sz="1800" i="1">
+                            <a:effectLst/>
+                            <a:latin typeface="Cambria Math" panose="02040503050406030204" pitchFamily="18" charset="0"/>
+                            <a:ea typeface="Times New Roman" panose="02020603050405020304" pitchFamily="18" charset="0"/>
+                            <a:cs typeface="Times New Roman" panose="02020603050405020304" pitchFamily="18" charset="0"/>
+                          </a:rPr>
+                          <m:t>𝐼</m:t>
+                        </m:r>
+                        <m:sSup>
+                          <m:sSupPr>
+                            <m:ctrlPr>
+                              <a:rPr lang="pt-PT" sz="1800" i="1">
+                                <a:effectLst/>
+                                <a:latin typeface="Cambria Math" panose="02040503050406030204" pitchFamily="18" charset="0"/>
+                                <a:ea typeface="Times New Roman" panose="02020603050405020304" pitchFamily="18" charset="0"/>
+                                <a:cs typeface="Times New Roman" panose="02020603050405020304" pitchFamily="18" charset="0"/>
+                              </a:rPr>
+                            </m:ctrlPr>
+                          </m:sSupPr>
+                          <m:e>
+                            <m:r>
+                              <a:rPr lang="pt-PT" sz="1800" i="1">
+                                <a:effectLst/>
+                                <a:latin typeface="Cambria Math" panose="02040503050406030204" pitchFamily="18" charset="0"/>
+                                <a:ea typeface="Times New Roman" panose="02020603050405020304" pitchFamily="18" charset="0"/>
+                                <a:cs typeface="Times New Roman" panose="02020603050405020304" pitchFamily="18" charset="0"/>
+                              </a:rPr>
+                              <m:t>𝑅</m:t>
+                            </m:r>
+                          </m:e>
+                          <m:sup>
+                            <m:r>
+                              <a:rPr lang="pt-PT" sz="1800" i="1">
+                                <a:effectLst/>
+                                <a:latin typeface="Cambria Math" panose="02040503050406030204" pitchFamily="18" charset="0"/>
+                                <a:ea typeface="Times New Roman" panose="02020603050405020304" pitchFamily="18" charset="0"/>
+                                <a:cs typeface="Times New Roman" panose="02020603050405020304" pitchFamily="18" charset="0"/>
+                              </a:rPr>
+                              <m:t>2</m:t>
+                            </m:r>
+                          </m:sup>
+                        </m:sSup>
+                      </m:num>
+                      <m:den>
+                        <m:sSup>
+                          <m:sSupPr>
+                            <m:ctrlPr>
+                              <a:rPr lang="pt-PT" sz="1800" i="1">
+                                <a:effectLst/>
+                                <a:latin typeface="Cambria Math" panose="02040503050406030204" pitchFamily="18" charset="0"/>
+                                <a:ea typeface="Times New Roman" panose="02020603050405020304" pitchFamily="18" charset="0"/>
+                                <a:cs typeface="Times New Roman" panose="02020603050405020304" pitchFamily="18" charset="0"/>
+                              </a:rPr>
+                            </m:ctrlPr>
+                          </m:sSupPr>
+                          <m:e>
+                            <m:d>
+                              <m:dPr>
+                                <m:ctrlPr>
+                                  <a:rPr lang="pt-PT" sz="1800" i="1">
+                                    <a:effectLst/>
+                                    <a:latin typeface="Cambria Math" panose="02040503050406030204" pitchFamily="18" charset="0"/>
+                                    <a:ea typeface="Times New Roman" panose="02020603050405020304" pitchFamily="18" charset="0"/>
+                                    <a:cs typeface="Times New Roman" panose="02020603050405020304" pitchFamily="18" charset="0"/>
+                                  </a:rPr>
+                                </m:ctrlPr>
+                              </m:dPr>
+                              <m:e>
+                                <m:sSup>
+                                  <m:sSupPr>
+                                    <m:ctrlPr>
+                                      <a:rPr lang="pt-PT" sz="1800" i="1">
+                                        <a:effectLst/>
+                                        <a:latin typeface="Cambria Math" panose="02040503050406030204" pitchFamily="18" charset="0"/>
+                                        <a:ea typeface="Times New Roman" panose="02020603050405020304" pitchFamily="18" charset="0"/>
+                                        <a:cs typeface="Times New Roman" panose="02020603050405020304" pitchFamily="18" charset="0"/>
+                                      </a:rPr>
+                                    </m:ctrlPr>
+                                  </m:sSupPr>
+                                  <m:e>
+                                    <m:r>
+                                      <a:rPr lang="pt-PT" sz="1800" i="1">
+                                        <a:effectLst/>
+                                        <a:latin typeface="Cambria Math" panose="02040503050406030204" pitchFamily="18" charset="0"/>
+                                        <a:ea typeface="Times New Roman" panose="02020603050405020304" pitchFamily="18" charset="0"/>
+                                        <a:cs typeface="Times New Roman" panose="02020603050405020304" pitchFamily="18" charset="0"/>
+                                      </a:rPr>
+                                      <m:t>𝑅</m:t>
+                                    </m:r>
+                                  </m:e>
+                                  <m:sup>
+                                    <m:r>
+                                      <a:rPr lang="pt-PT" sz="1800" i="1">
+                                        <a:effectLst/>
+                                        <a:latin typeface="Cambria Math" panose="02040503050406030204" pitchFamily="18" charset="0"/>
+                                        <a:ea typeface="Times New Roman" panose="02020603050405020304" pitchFamily="18" charset="0"/>
+                                        <a:cs typeface="Times New Roman" panose="02020603050405020304" pitchFamily="18" charset="0"/>
+                                      </a:rPr>
+                                      <m:t>2</m:t>
+                                    </m:r>
+                                  </m:sup>
+                                </m:sSup>
+                                <m:r>
+                                  <a:rPr lang="pt-PT" sz="1800" i="1">
+                                    <a:effectLst/>
+                                    <a:latin typeface="Cambria Math" panose="02040503050406030204" pitchFamily="18" charset="0"/>
+                                    <a:ea typeface="Times New Roman" panose="02020603050405020304" pitchFamily="18" charset="0"/>
+                                    <a:cs typeface="Times New Roman" panose="02020603050405020304" pitchFamily="18" charset="0"/>
+                                  </a:rPr>
+                                  <m:t>+</m:t>
+                                </m:r>
+                                <m:sSup>
+                                  <m:sSupPr>
+                                    <m:ctrlPr>
+                                      <a:rPr lang="pt-PT" sz="1800" i="1">
+                                        <a:effectLst/>
+                                        <a:latin typeface="Cambria Math" panose="02040503050406030204" pitchFamily="18" charset="0"/>
+                                        <a:ea typeface="Times New Roman" panose="02020603050405020304" pitchFamily="18" charset="0"/>
+                                        <a:cs typeface="Times New Roman" panose="02020603050405020304" pitchFamily="18" charset="0"/>
+                                      </a:rPr>
+                                    </m:ctrlPr>
+                                  </m:sSupPr>
+                                  <m:e>
+                                    <m:r>
+                                      <a:rPr lang="pt-PT" sz="1800" i="1">
+                                        <a:effectLst/>
+                                        <a:latin typeface="Cambria Math" panose="02040503050406030204" pitchFamily="18" charset="0"/>
+                                        <a:ea typeface="Times New Roman" panose="02020603050405020304" pitchFamily="18" charset="0"/>
+                                        <a:cs typeface="Times New Roman" panose="02020603050405020304" pitchFamily="18" charset="0"/>
+                                      </a:rPr>
+                                      <m:t>𝑥</m:t>
+                                    </m:r>
+                                  </m:e>
+                                  <m:sup>
+                                    <m:r>
+                                      <a:rPr lang="pt-PT" sz="1800" i="1">
+                                        <a:effectLst/>
+                                        <a:latin typeface="Cambria Math" panose="02040503050406030204" pitchFamily="18" charset="0"/>
+                                        <a:ea typeface="Times New Roman" panose="02020603050405020304" pitchFamily="18" charset="0"/>
+                                        <a:cs typeface="Times New Roman" panose="02020603050405020304" pitchFamily="18" charset="0"/>
+                                      </a:rPr>
+                                      <m:t>2</m:t>
+                                    </m:r>
+                                  </m:sup>
+                                </m:sSup>
+                              </m:e>
+                            </m:d>
+                          </m:e>
+                          <m:sup>
+                            <m:f>
+                              <m:fPr>
+                                <m:ctrlPr>
+                                  <a:rPr lang="pt-PT" sz="1800" i="1">
+                                    <a:effectLst/>
+                                    <a:latin typeface="Cambria Math" panose="02040503050406030204" pitchFamily="18" charset="0"/>
+                                    <a:ea typeface="Times New Roman" panose="02020603050405020304" pitchFamily="18" charset="0"/>
+                                    <a:cs typeface="Times New Roman" panose="02020603050405020304" pitchFamily="18" charset="0"/>
+                                  </a:rPr>
+                                </m:ctrlPr>
+                              </m:fPr>
+                              <m:num>
+                                <m:r>
+                                  <a:rPr lang="pt-PT" sz="1800" i="1">
+                                    <a:effectLst/>
+                                    <a:latin typeface="Cambria Math" panose="02040503050406030204" pitchFamily="18" charset="0"/>
+                                    <a:ea typeface="Times New Roman" panose="02020603050405020304" pitchFamily="18" charset="0"/>
+                                    <a:cs typeface="Times New Roman" panose="02020603050405020304" pitchFamily="18" charset="0"/>
+                                  </a:rPr>
+                                  <m:t>3</m:t>
+                                </m:r>
+                              </m:num>
+                              <m:den>
+                                <m:r>
+                                  <a:rPr lang="pt-PT" sz="1800" i="1">
+                                    <a:effectLst/>
+                                    <a:latin typeface="Cambria Math" panose="02040503050406030204" pitchFamily="18" charset="0"/>
+                                    <a:ea typeface="Times New Roman" panose="02020603050405020304" pitchFamily="18" charset="0"/>
+                                    <a:cs typeface="Times New Roman" panose="02020603050405020304" pitchFamily="18" charset="0"/>
+                                  </a:rPr>
+                                  <m:t>2</m:t>
+                                </m:r>
+                              </m:den>
+                            </m:f>
+                          </m:sup>
+                        </m:sSup>
+                        <m:r>
+                          <a:rPr lang="pt-PT" sz="1800" i="1">
+                            <a:effectLst/>
+                            <a:latin typeface="Cambria Math" panose="02040503050406030204" pitchFamily="18" charset="0"/>
+                            <a:ea typeface="Times New Roman" panose="02020603050405020304" pitchFamily="18" charset="0"/>
+                            <a:cs typeface="Times New Roman" panose="02020603050405020304" pitchFamily="18" charset="0"/>
+                          </a:rPr>
+                          <m:t> </m:t>
+                        </m:r>
+                      </m:den>
+                    </m:f>
+                  </m:oMath>
+                </a14:m>
+                <a:endParaRPr lang="pt-PT" sz="1800" dirty="0">
+                  <a:effectLst/>
+                  <a:latin typeface="Calibri" panose="020F0502020204030204" pitchFamily="34" charset="0"/>
+                  <a:ea typeface="Calibri" panose="020F0502020204030204" pitchFamily="34" charset="0"/>
+                  <a:cs typeface="Times New Roman" panose="02020603050405020304" pitchFamily="18" charset="0"/>
+                </a:endParaRPr>
+              </a:p>
+              <a:p>
+                <a14:m>
+                  <m:oMath xmlns:m="http://schemas.openxmlformats.org/officeDocument/2006/math">
+                    <m:sSub>
+                      <m:sSubPr>
+                        <m:ctrlPr>
+                          <a:rPr lang="pt-PT" sz="1800" b="0" i="1" smtClean="0">
+                            <a:effectLst/>
+                            <a:latin typeface="Cambria Math" panose="02040503050406030204" pitchFamily="18" charset="0"/>
+                            <a:ea typeface="Calibri" panose="020F0502020204030204" pitchFamily="34" charset="0"/>
+                            <a:cs typeface="Times New Roman" panose="02020603050405020304" pitchFamily="18" charset="0"/>
+                          </a:rPr>
+                        </m:ctrlPr>
+                      </m:sSubPr>
+                      <m:e>
+                        <m:r>
+                          <a:rPr lang="pt-PT" sz="1800" b="0" i="1" smtClean="0">
+                            <a:effectLst/>
+                            <a:latin typeface="Cambria Math" panose="02040503050406030204" pitchFamily="18" charset="0"/>
+                            <a:ea typeface="Calibri" panose="020F0502020204030204" pitchFamily="34" charset="0"/>
+                            <a:cs typeface="Times New Roman" panose="02020603050405020304" pitchFamily="18" charset="0"/>
+                          </a:rPr>
+                          <m:t>𝐵</m:t>
+                        </m:r>
+                      </m:e>
+                      <m:sub>
+                        <m:r>
+                          <a:rPr lang="pt-PT" sz="1800" b="0" i="1" smtClean="0">
+                            <a:effectLst/>
+                            <a:latin typeface="Cambria Math" panose="02040503050406030204" pitchFamily="18" charset="0"/>
+                            <a:ea typeface="Calibri" panose="020F0502020204030204" pitchFamily="34" charset="0"/>
+                            <a:cs typeface="Times New Roman" panose="02020603050405020304" pitchFamily="18" charset="0"/>
+                          </a:rPr>
+                          <m:t>𝑀𝑎𝑥</m:t>
+                        </m:r>
+                      </m:sub>
+                    </m:sSub>
+                  </m:oMath>
+                </a14:m>
+                <a:r>
+                  <a:rPr lang="pt-PT" sz="1800" dirty="0">
+                    <a:effectLst/>
+                    <a:latin typeface="Calibri" panose="020F0502020204030204" pitchFamily="34" charset="0"/>
+                    <a:ea typeface="Calibri" panose="020F0502020204030204" pitchFamily="34" charset="0"/>
+                    <a:cs typeface="Times New Roman" panose="02020603050405020304" pitchFamily="18" charset="0"/>
+                  </a:rPr>
+                  <a:t> quando x = 0m.</a:t>
+                </a:r>
+              </a:p>
+              <a:p>
+                <a:endParaRPr lang="en-US" dirty="0"/>
+              </a:p>
+            </p:txBody>
+          </p:sp>
+        </mc:Choice>
+        <mc:Fallback>
+          <p:sp>
+            <p:nvSpPr>
+              <p:cNvPr id="9" name="Content Placeholder 8">
+                <a:extLst>
+                  <a:ext uri="{FF2B5EF4-FFF2-40B4-BE49-F238E27FC236}">
+                    <a16:creationId xmlns:a16="http://schemas.microsoft.com/office/drawing/2014/main" id="{0BE6EE48-0875-44AE-A721-E0946999FE3A}"/>
+                  </a:ext>
+                </a:extLst>
+              </p:cNvPr>
+              <p:cNvSpPr>
+                <a:spLocks noGrp="1" noRot="1" noChangeAspect="1" noMove="1" noResize="1" noEditPoints="1" noAdjustHandles="1" noChangeArrowheads="1" noChangeShapeType="1" noTextEdit="1"/>
+              </p:cNvSpPr>
+              <p:nvPr>
+                <p:ph idx="1"/>
+              </p:nvPr>
+            </p:nvSpPr>
+            <p:spPr>
+              <a:xfrm>
+                <a:off x="6238632" y="2577840"/>
+                <a:ext cx="3988443" cy="3880773"/>
+              </a:xfrm>
+              <a:blipFill>
+                <a:blip r:embed="rId2"/>
+                <a:stretch>
+                  <a:fillRect l="-305" t="-1101"/>
+                </a:stretch>
+              </a:blipFill>
+            </p:spPr>
+            <p:txBody>
+              <a:bodyPr/>
+              <a:lstStyle/>
+              <a:p>
+                <a:r>
+                  <a:rPr lang="pt-PT">
+                    <a:noFill/>
+                  </a:rPr>
+                  <a:t> </a:t>
+                </a:r>
+              </a:p>
+            </p:txBody>
+          </p:sp>
+        </mc:Fallback>
+      </mc:AlternateContent>
+      <p:pic>
+        <p:nvPicPr>
+          <p:cNvPr id="5" name="Marcador de Posição de Conteúdo 4">
+            <a:extLst>
+              <a:ext uri="{FF2B5EF4-FFF2-40B4-BE49-F238E27FC236}">
+                <a16:creationId xmlns:a16="http://schemas.microsoft.com/office/drawing/2014/main" id="{C5849CF5-7B18-4C45-96D1-A2B86740B015}"/>
+              </a:ext>
+            </a:extLst>
+          </p:cNvPr>
+          <p:cNvPicPr>
+            <a:picLocks noChangeAspect="1"/>
+          </p:cNvPicPr>
+          <p:nvPr/>
+        </p:nvPicPr>
+        <p:blipFill rotWithShape="1">
+          <a:blip r:embed="rId3">
+            <a:extLst>
+              <a:ext uri="{28A0092B-C50C-407E-A947-70E740481C1C}">
+                <a14:useLocalDpi xmlns:a14="http://schemas.microsoft.com/office/drawing/2010/main" val="0"/>
+              </a:ext>
+            </a:extLst>
+          </a:blip>
+          <a:srcRect l="14749" r="3529" b="-2"/>
+          <a:stretch/>
+        </p:blipFill>
+        <p:spPr>
+          <a:xfrm>
+            <a:off x="677334" y="2159331"/>
+            <a:ext cx="5423429" cy="3882362"/>
+          </a:xfrm>
+          <a:prstGeom prst="rect">
+            <a:avLst/>
+          </a:prstGeom>
+          <a:ln>
+            <a:noFill/>
+          </a:ln>
+          <a:effectLst>
+            <a:softEdge rad="112500"/>
+          </a:effectLst>
+        </p:spPr>
+      </p:pic>
+    </p:spTree>
+    <p:extLst>
+      <p:ext uri="{BB962C8B-B14F-4D97-AF65-F5344CB8AC3E}">
+        <p14:creationId xmlns:p14="http://schemas.microsoft.com/office/powerpoint/2010/main" val="3784772140"/>
+      </p:ext>
+    </p:extLst>
+  </p:cSld>
+  <p:clrMapOvr>
+    <a:masterClrMapping/>
+  </p:clrMapOvr>
+</p:sld>
+</file>
+
+<file path=ppt/slides/slide5.xml><?xml version="1.0" encoding="utf-8"?>
+<p:sld xmlns:a="http://schemas.openxmlformats.org/drawingml/2006/main" xmlns:r="http://schemas.openxmlformats.org/officeDocument/2006/relationships" xmlns:p="http://schemas.openxmlformats.org/presentationml/2006/main">
+  <p:cSld>
+    <p:spTree>
+      <p:nvGrpSpPr>
+        <p:cNvPr id="1" name=""/>
+        <p:cNvGrpSpPr/>
+        <p:nvPr/>
+      </p:nvGrpSpPr>
+      <p:grpSpPr>
+        <a:xfrm>
+          <a:off x="0" y="0"/>
+          <a:ext cx="0" cy="0"/>
+          <a:chOff x="0" y="0"/>
+          <a:chExt cx="0" cy="0"/>
+        </a:xfrm>
+      </p:grpSpPr>
+      <p:sp>
+        <p:nvSpPr>
+          <p:cNvPr id="2" name="Título 1">
+            <a:extLst>
+              <a:ext uri="{FF2B5EF4-FFF2-40B4-BE49-F238E27FC236}">
+                <a16:creationId xmlns:a16="http://schemas.microsoft.com/office/drawing/2014/main" id="{BF0EED1B-AF17-4DEF-BF50-DF6B7900E351}"/>
               </a:ext>
             </a:extLst>
           </p:cNvPr>
@@ -7537,112 +12256,706 @@
           <a:p>
             <a:r>
               <a:rPr lang="pt-PT" dirty="0"/>
-              <a:t>Sumário </a:t>
+              <a:t>Tensão de Hall</a:t>
             </a:r>
           </a:p>
         </p:txBody>
       </p:sp>
-      <p:sp>
-        <p:nvSpPr>
-          <p:cNvPr id="3" name="Marcador de Posição de Conteúdo 2">
-            <a:extLst>
-              <a:ext uri="{FF2B5EF4-FFF2-40B4-BE49-F238E27FC236}">
-                <a16:creationId xmlns:a16="http://schemas.microsoft.com/office/drawing/2014/main" id="{2030F062-BF17-44DE-BCAA-D93F7E349045}"/>
-              </a:ext>
-            </a:extLst>
-          </p:cNvPr>
-          <p:cNvSpPr>
-            <a:spLocks noGrp="1"/>
-          </p:cNvSpPr>
-          <p:nvPr>
-            <p:ph idx="1"/>
-          </p:nvPr>
-        </p:nvSpPr>
-        <p:spPr>
-          <a:xfrm>
-            <a:off x="677334" y="1930400"/>
-            <a:ext cx="8596668" cy="4628662"/>
-          </a:xfrm>
-        </p:spPr>
-        <p:txBody>
-          <a:bodyPr>
-            <a:normAutofit lnSpcReduction="10000"/>
-          </a:bodyPr>
-          <a:lstStyle/>
-          <a:p>
-            <a:r>
-              <a:rPr lang="pt-PT" sz="2400" i="1" dirty="0"/>
-              <a:t>Principais objetivos:</a:t>
-            </a:r>
-          </a:p>
-          <a:p>
-            <a:pPr marL="0" indent="0">
-              <a:buNone/>
-            </a:pPr>
-            <a:endParaRPr lang="pt-PT" dirty="0"/>
-          </a:p>
-          <a:p>
-            <a:pPr marL="457200" lvl="1" indent="0">
-              <a:buNone/>
-            </a:pPr>
-            <a:r>
-              <a:rPr lang="pt-PT" sz="2000" dirty="0"/>
-              <a:t>Na Parte A:</a:t>
-            </a:r>
-          </a:p>
-          <a:p>
-            <a:pPr marL="800100" lvl="1" indent="-342900">
-              <a:buFont typeface="+mj-lt"/>
-              <a:buAutoNum type="arabicPeriod"/>
-            </a:pPr>
-            <a:r>
-              <a:rPr lang="pt-PT" sz="2000" dirty="0"/>
-              <a:t>Calibrar uma sonda de efeito de Hall por meio de um solenóide padrão. As grandezas a serem medidas são a intensidade (que produz vários valores de campo magnético) e a tensão de Hall. Pretende-se obter uma reta no gráfico.</a:t>
-            </a:r>
-          </a:p>
-          <a:p>
-            <a:pPr marL="457200" lvl="1" indent="0">
-              <a:buNone/>
-            </a:pPr>
-            <a:r>
-              <a:rPr lang="pt-PT" sz="2000" dirty="0"/>
-              <a:t>Na Parte B:</a:t>
-            </a:r>
-          </a:p>
-          <a:p>
-            <a:pPr marL="800100" lvl="1" indent="-342900">
-              <a:buFont typeface="+mj-lt"/>
-              <a:buAutoNum type="arabicPeriod"/>
-            </a:pPr>
-            <a:r>
-              <a:rPr lang="pt-PT" sz="2000" dirty="0"/>
-              <a:t>Com a intensidade a 0,5 A será medido a posição e a tensão para posteriormente se calcular o campo magnético e verificar o princípio da sobreposição com auxílio da parte A</a:t>
-            </a:r>
-          </a:p>
-          <a:p>
-            <a:pPr marL="457200" lvl="1" indent="0">
-              <a:buNone/>
-            </a:pPr>
-            <a:r>
-              <a:rPr lang="pt-PT" dirty="0"/>
-              <a:t>			</a:t>
-            </a:r>
-          </a:p>
-          <a:p>
-            <a:pPr marL="457200" lvl="1" indent="0">
-              <a:buNone/>
-            </a:pPr>
-            <a:r>
-              <a:rPr lang="pt-PT" dirty="0"/>
-              <a:t>	</a:t>
-            </a:r>
-          </a:p>
-        </p:txBody>
-      </p:sp>
+      <mc:AlternateContent xmlns:mc="http://schemas.openxmlformats.org/markup-compatibility/2006">
+        <mc:Choice xmlns:a14="http://schemas.microsoft.com/office/drawing/2010/main" Requires="a14">
+          <p:sp>
+            <p:nvSpPr>
+              <p:cNvPr id="3" name="Marcador de Posição de Conteúdo 2">
+                <a:extLst>
+                  <a:ext uri="{FF2B5EF4-FFF2-40B4-BE49-F238E27FC236}">
+                    <a16:creationId xmlns:a16="http://schemas.microsoft.com/office/drawing/2014/main" id="{A0EB5005-A798-4590-B830-3F109C3EDD8A}"/>
+                  </a:ext>
+                </a:extLst>
+              </p:cNvPr>
+              <p:cNvSpPr>
+                <a:spLocks noGrp="1"/>
+              </p:cNvSpPr>
+              <p:nvPr>
+                <p:ph idx="1"/>
+              </p:nvPr>
+            </p:nvSpPr>
+            <p:spPr>
+              <a:xfrm>
+                <a:off x="2168783" y="2480185"/>
+                <a:ext cx="8596668" cy="2944071"/>
+              </a:xfrm>
+            </p:spPr>
+            <p:txBody>
+              <a:bodyPr/>
+              <a:lstStyle/>
+              <a:p>
+                <a:r>
+                  <a:rPr lang="pt-PT" sz="1800" dirty="0">
+                    <a:effectLst/>
+                    <a:latin typeface="Calibri" panose="020F0502020204030204" pitchFamily="34" charset="0"/>
+                    <a:ea typeface="Times New Roman" panose="02020603050405020304" pitchFamily="18" charset="0"/>
+                    <a:cs typeface="Times New Roman" panose="02020603050405020304" pitchFamily="18" charset="0"/>
+                  </a:rPr>
+                  <a:t>Força de Lorentz: </a:t>
+                </a:r>
+                <a14:m>
+                  <m:oMath xmlns:m="http://schemas.openxmlformats.org/officeDocument/2006/math">
+                    <m:acc>
+                      <m:accPr>
+                        <m:chr m:val="⃗"/>
+                        <m:ctrlPr>
+                          <a:rPr lang="pt-PT" sz="1800" i="1" smtClean="0">
+                            <a:effectLst/>
+                            <a:latin typeface="Cambria Math" panose="02040503050406030204" pitchFamily="18" charset="0"/>
+                            <a:ea typeface="Times New Roman" panose="02020603050405020304" pitchFamily="18" charset="0"/>
+                          </a:rPr>
+                        </m:ctrlPr>
+                      </m:accPr>
+                      <m:e>
+                        <m:sSub>
+                          <m:sSubPr>
+                            <m:ctrlPr>
+                              <a:rPr lang="pt-PT" sz="1800" i="1">
+                                <a:effectLst/>
+                                <a:latin typeface="Cambria Math" panose="02040503050406030204" pitchFamily="18" charset="0"/>
+                                <a:ea typeface="Times New Roman" panose="02020603050405020304" pitchFamily="18" charset="0"/>
+                              </a:rPr>
+                            </m:ctrlPr>
+                          </m:sSubPr>
+                          <m:e>
+                            <m:r>
+                              <a:rPr lang="pt-PT" sz="1800" i="1">
+                                <a:effectLst/>
+                                <a:latin typeface="Cambria Math" panose="02040503050406030204" pitchFamily="18" charset="0"/>
+                                <a:ea typeface="Times New Roman" panose="02020603050405020304" pitchFamily="18" charset="0"/>
+                                <a:cs typeface="Times New Roman" panose="02020603050405020304" pitchFamily="18" charset="0"/>
+                              </a:rPr>
+                              <m:t>𝐹</m:t>
+                            </m:r>
+                          </m:e>
+                          <m:sub>
+                            <m:r>
+                              <a:rPr lang="pt-PT" sz="1800" i="1">
+                                <a:effectLst/>
+                                <a:latin typeface="Cambria Math" panose="02040503050406030204" pitchFamily="18" charset="0"/>
+                                <a:ea typeface="Times New Roman" panose="02020603050405020304" pitchFamily="18" charset="0"/>
+                                <a:cs typeface="Times New Roman" panose="02020603050405020304" pitchFamily="18" charset="0"/>
+                              </a:rPr>
+                              <m:t>𝑚</m:t>
+                            </m:r>
+                          </m:sub>
+                        </m:sSub>
+                      </m:e>
+                    </m:acc>
+                    <m:r>
+                      <a:rPr lang="pt-PT" sz="1800" i="1">
+                        <a:effectLst/>
+                        <a:latin typeface="Cambria Math" panose="02040503050406030204" pitchFamily="18" charset="0"/>
+                        <a:ea typeface="Times New Roman" panose="02020603050405020304" pitchFamily="18" charset="0"/>
+                        <a:cs typeface="Times New Roman" panose="02020603050405020304" pitchFamily="18" charset="0"/>
+                      </a:rPr>
+                      <m:t>=</m:t>
+                    </m:r>
+                    <m:r>
+                      <a:rPr lang="pt-PT" sz="1800" i="1">
+                        <a:effectLst/>
+                        <a:latin typeface="Cambria Math" panose="02040503050406030204" pitchFamily="18" charset="0"/>
+                        <a:ea typeface="Times New Roman" panose="02020603050405020304" pitchFamily="18" charset="0"/>
+                        <a:cs typeface="Times New Roman" panose="02020603050405020304" pitchFamily="18" charset="0"/>
+                      </a:rPr>
+                      <m:t>𝑞</m:t>
+                    </m:r>
+                    <m:acc>
+                      <m:accPr>
+                        <m:chr m:val="⃗"/>
+                        <m:ctrlPr>
+                          <a:rPr lang="pt-PT" sz="1800" i="1">
+                            <a:effectLst/>
+                            <a:latin typeface="Cambria Math" panose="02040503050406030204" pitchFamily="18" charset="0"/>
+                            <a:ea typeface="Times New Roman" panose="02020603050405020304" pitchFamily="18" charset="0"/>
+                          </a:rPr>
+                        </m:ctrlPr>
+                      </m:accPr>
+                      <m:e>
+                        <m:r>
+                          <a:rPr lang="pt-PT" sz="1800" i="1">
+                            <a:effectLst/>
+                            <a:latin typeface="Cambria Math" panose="02040503050406030204" pitchFamily="18" charset="0"/>
+                            <a:ea typeface="Times New Roman" panose="02020603050405020304" pitchFamily="18" charset="0"/>
+                            <a:cs typeface="Times New Roman" panose="02020603050405020304" pitchFamily="18" charset="0"/>
+                          </a:rPr>
+                          <m:t>𝑣</m:t>
+                        </m:r>
+                      </m:e>
+                    </m:acc>
+                    <m:r>
+                      <a:rPr lang="pt-PT" sz="1800" i="1">
+                        <a:effectLst/>
+                        <a:latin typeface="Cambria Math" panose="02040503050406030204" pitchFamily="18" charset="0"/>
+                        <a:ea typeface="Times New Roman" panose="02020603050405020304" pitchFamily="18" charset="0"/>
+                        <a:cs typeface="Times New Roman" panose="02020603050405020304" pitchFamily="18" charset="0"/>
+                      </a:rPr>
+                      <m:t>× </m:t>
+                    </m:r>
+                    <m:acc>
+                      <m:accPr>
+                        <m:chr m:val="⃗"/>
+                        <m:ctrlPr>
+                          <a:rPr lang="pt-PT" sz="1800" i="1">
+                            <a:effectLst/>
+                            <a:latin typeface="Cambria Math" panose="02040503050406030204" pitchFamily="18" charset="0"/>
+                            <a:ea typeface="Times New Roman" panose="02020603050405020304" pitchFamily="18" charset="0"/>
+                          </a:rPr>
+                        </m:ctrlPr>
+                      </m:accPr>
+                      <m:e>
+                        <m:r>
+                          <a:rPr lang="pt-PT" sz="1800" i="1">
+                            <a:effectLst/>
+                            <a:latin typeface="Cambria Math" panose="02040503050406030204" pitchFamily="18" charset="0"/>
+                            <a:ea typeface="Times New Roman" panose="02020603050405020304" pitchFamily="18" charset="0"/>
+                            <a:cs typeface="Times New Roman" panose="02020603050405020304" pitchFamily="18" charset="0"/>
+                          </a:rPr>
+                          <m:t>𝐵</m:t>
+                        </m:r>
+                      </m:e>
+                    </m:acc>
+                    <m:r>
+                      <a:rPr lang="pt-PT" sz="1800" i="1">
+                        <a:effectLst/>
+                        <a:latin typeface="Cambria Math" panose="02040503050406030204" pitchFamily="18" charset="0"/>
+                        <a:ea typeface="Times New Roman" panose="02020603050405020304" pitchFamily="18" charset="0"/>
+                        <a:cs typeface="Times New Roman" panose="02020603050405020304" pitchFamily="18" charset="0"/>
+                      </a:rPr>
+                      <m:t> </m:t>
+                    </m:r>
+                    <m:acc>
+                      <m:accPr>
+                        <m:chr m:val="̂"/>
+                        <m:ctrlPr>
+                          <a:rPr lang="pt-PT" sz="1800" i="1">
+                            <a:effectLst/>
+                            <a:latin typeface="Cambria Math" panose="02040503050406030204" pitchFamily="18" charset="0"/>
+                            <a:ea typeface="Times New Roman" panose="02020603050405020304" pitchFamily="18" charset="0"/>
+                          </a:rPr>
+                        </m:ctrlPr>
+                      </m:accPr>
+                      <m:e>
+                        <m:r>
+                          <a:rPr lang="pt-PT" sz="1800" i="1">
+                            <a:effectLst/>
+                            <a:latin typeface="Cambria Math" panose="02040503050406030204" pitchFamily="18" charset="0"/>
+                            <a:ea typeface="Times New Roman" panose="02020603050405020304" pitchFamily="18" charset="0"/>
+                            <a:cs typeface="Times New Roman" panose="02020603050405020304" pitchFamily="18" charset="0"/>
+                          </a:rPr>
+                          <m:t>𝑧</m:t>
+                        </m:r>
+                      </m:e>
+                    </m:acc>
+                  </m:oMath>
+                </a14:m>
+                <a:r>
+                  <a:rPr lang="pt-PT" sz="1800" dirty="0">
+                    <a:effectLst/>
+                    <a:latin typeface="Calibri" panose="020F0502020204030204" pitchFamily="34" charset="0"/>
+                    <a:ea typeface="Times New Roman" panose="02020603050405020304" pitchFamily="18" charset="0"/>
+                    <a:cs typeface="Times New Roman" panose="02020603050405020304" pitchFamily="18" charset="0"/>
+                  </a:rPr>
+                  <a:t> </a:t>
+                </a:r>
+              </a:p>
+              <a:p>
+                <a:r>
+                  <a:rPr lang="pt-PT" dirty="0">
+                    <a:latin typeface="Calibri" panose="020F0502020204030204" pitchFamily="34" charset="0"/>
+                    <a:ea typeface="Times New Roman" panose="02020603050405020304" pitchFamily="18" charset="0"/>
+                    <a:cs typeface="Times New Roman" panose="02020603050405020304" pitchFamily="18" charset="0"/>
+                  </a:rPr>
+                  <a:t>F</a:t>
+                </a:r>
+                <a:r>
+                  <a:rPr lang="pt-PT" sz="1800" dirty="0">
+                    <a:effectLst/>
+                    <a:latin typeface="Calibri" panose="020F0502020204030204" pitchFamily="34" charset="0"/>
+                    <a:ea typeface="Times New Roman" panose="02020603050405020304" pitchFamily="18" charset="0"/>
+                    <a:cs typeface="Times New Roman" panose="02020603050405020304" pitchFamily="18" charset="0"/>
+                  </a:rPr>
+                  <a:t>orça elétrica: </a:t>
+                </a:r>
+                <a14:m>
+                  <m:oMath xmlns:m="http://schemas.openxmlformats.org/officeDocument/2006/math">
+                    <m:acc>
+                      <m:accPr>
+                        <m:chr m:val="⃗"/>
+                        <m:ctrlPr>
+                          <a:rPr lang="pt-PT" sz="1800" i="1">
+                            <a:effectLst/>
+                            <a:latin typeface="Cambria Math" panose="02040503050406030204" pitchFamily="18" charset="0"/>
+                            <a:ea typeface="Times New Roman" panose="02020603050405020304" pitchFamily="18" charset="0"/>
+                          </a:rPr>
+                        </m:ctrlPr>
+                      </m:accPr>
+                      <m:e>
+                        <m:sSub>
+                          <m:sSubPr>
+                            <m:ctrlPr>
+                              <a:rPr lang="pt-PT" sz="1800" i="1">
+                                <a:effectLst/>
+                                <a:latin typeface="Cambria Math" panose="02040503050406030204" pitchFamily="18" charset="0"/>
+                                <a:ea typeface="Times New Roman" panose="02020603050405020304" pitchFamily="18" charset="0"/>
+                              </a:rPr>
+                            </m:ctrlPr>
+                          </m:sSubPr>
+                          <m:e>
+                            <m:r>
+                              <a:rPr lang="pt-PT" sz="1800" i="1">
+                                <a:effectLst/>
+                                <a:latin typeface="Cambria Math" panose="02040503050406030204" pitchFamily="18" charset="0"/>
+                                <a:ea typeface="Times New Roman" panose="02020603050405020304" pitchFamily="18" charset="0"/>
+                                <a:cs typeface="Times New Roman" panose="02020603050405020304" pitchFamily="18" charset="0"/>
+                              </a:rPr>
+                              <m:t>𝐹</m:t>
+                            </m:r>
+                          </m:e>
+                          <m:sub>
+                            <m:r>
+                              <a:rPr lang="pt-PT" sz="1800" i="1">
+                                <a:effectLst/>
+                                <a:latin typeface="Cambria Math" panose="02040503050406030204" pitchFamily="18" charset="0"/>
+                                <a:ea typeface="Times New Roman" panose="02020603050405020304" pitchFamily="18" charset="0"/>
+                                <a:cs typeface="Times New Roman" panose="02020603050405020304" pitchFamily="18" charset="0"/>
+                              </a:rPr>
+                              <m:t>𝐸</m:t>
+                            </m:r>
+                          </m:sub>
+                        </m:sSub>
+                      </m:e>
+                    </m:acc>
+                    <m:r>
+                      <a:rPr lang="pt-PT" sz="1800" i="1">
+                        <a:effectLst/>
+                        <a:latin typeface="Cambria Math" panose="02040503050406030204" pitchFamily="18" charset="0"/>
+                        <a:ea typeface="Times New Roman" panose="02020603050405020304" pitchFamily="18" charset="0"/>
+                        <a:cs typeface="Times New Roman" panose="02020603050405020304" pitchFamily="18" charset="0"/>
+                      </a:rPr>
+                      <m:t>=−</m:t>
+                    </m:r>
+                    <m:r>
+                      <a:rPr lang="pt-PT" sz="1800" i="1">
+                        <a:effectLst/>
+                        <a:latin typeface="Cambria Math" panose="02040503050406030204" pitchFamily="18" charset="0"/>
+                        <a:ea typeface="Times New Roman" panose="02020603050405020304" pitchFamily="18" charset="0"/>
+                        <a:cs typeface="Times New Roman" panose="02020603050405020304" pitchFamily="18" charset="0"/>
+                      </a:rPr>
+                      <m:t>𝑞</m:t>
+                    </m:r>
+                    <m:acc>
+                      <m:accPr>
+                        <m:chr m:val="⃗"/>
+                        <m:ctrlPr>
+                          <a:rPr lang="pt-PT" sz="1800" i="1">
+                            <a:effectLst/>
+                            <a:latin typeface="Cambria Math" panose="02040503050406030204" pitchFamily="18" charset="0"/>
+                            <a:ea typeface="Times New Roman" panose="02020603050405020304" pitchFamily="18" charset="0"/>
+                          </a:rPr>
+                        </m:ctrlPr>
+                      </m:accPr>
+                      <m:e>
+                        <m:r>
+                          <a:rPr lang="pt-PT" sz="1800" i="1">
+                            <a:effectLst/>
+                            <a:latin typeface="Cambria Math" panose="02040503050406030204" pitchFamily="18" charset="0"/>
+                            <a:ea typeface="Times New Roman" panose="02020603050405020304" pitchFamily="18" charset="0"/>
+                            <a:cs typeface="Times New Roman" panose="02020603050405020304" pitchFamily="18" charset="0"/>
+                          </a:rPr>
+                          <m:t>𝐸</m:t>
+                        </m:r>
+                      </m:e>
+                    </m:acc>
+                    <m:r>
+                      <a:rPr lang="pt-PT" sz="1800" i="1">
+                        <a:effectLst/>
+                        <a:latin typeface="Cambria Math" panose="02040503050406030204" pitchFamily="18" charset="0"/>
+                        <a:ea typeface="Times New Roman" panose="02020603050405020304" pitchFamily="18" charset="0"/>
+                        <a:cs typeface="Times New Roman" panose="02020603050405020304" pitchFamily="18" charset="0"/>
+                      </a:rPr>
+                      <m:t> </m:t>
+                    </m:r>
+                    <m:acc>
+                      <m:accPr>
+                        <m:chr m:val="̂"/>
+                        <m:ctrlPr>
+                          <a:rPr lang="pt-PT" sz="1800" i="1">
+                            <a:effectLst/>
+                            <a:latin typeface="Cambria Math" panose="02040503050406030204" pitchFamily="18" charset="0"/>
+                            <a:ea typeface="Times New Roman" panose="02020603050405020304" pitchFamily="18" charset="0"/>
+                          </a:rPr>
+                        </m:ctrlPr>
+                      </m:accPr>
+                      <m:e>
+                        <m:r>
+                          <a:rPr lang="pt-PT" sz="1800" i="1">
+                            <a:effectLst/>
+                            <a:latin typeface="Cambria Math" panose="02040503050406030204" pitchFamily="18" charset="0"/>
+                            <a:ea typeface="Times New Roman" panose="02020603050405020304" pitchFamily="18" charset="0"/>
+                            <a:cs typeface="Times New Roman" panose="02020603050405020304" pitchFamily="18" charset="0"/>
+                          </a:rPr>
+                          <m:t>𝑧</m:t>
+                        </m:r>
+                      </m:e>
+                    </m:acc>
+                  </m:oMath>
+                </a14:m>
+                <a:endParaRPr lang="pt-PT" dirty="0"/>
+              </a:p>
+              <a:p>
+                <a:r>
+                  <a:rPr lang="pt-PT" sz="1800" dirty="0">
+                    <a:effectLst/>
+                    <a:latin typeface="Calibri" panose="020F0502020204030204" pitchFamily="34" charset="0"/>
+                    <a:ea typeface="Times New Roman" panose="02020603050405020304" pitchFamily="18" charset="0"/>
+                    <a:cs typeface="Times New Roman" panose="02020603050405020304" pitchFamily="18" charset="0"/>
+                  </a:rPr>
+                  <a:t>Nesta situação </a:t>
+                </a:r>
+                <a:r>
+                  <a:rPr lang="pt-PT" dirty="0">
+                    <a:latin typeface="Calibri" panose="020F0502020204030204" pitchFamily="34" charset="0"/>
+                    <a:ea typeface="Times New Roman" panose="02020603050405020304" pitchFamily="18" charset="0"/>
+                    <a:cs typeface="Times New Roman" panose="02020603050405020304" pitchFamily="18" charset="0"/>
+                  </a:rPr>
+                  <a:t>de equilíbrio as forças igualam-se </a:t>
+                </a:r>
+                <a14:m>
+                  <m:oMath xmlns:m="http://schemas.openxmlformats.org/officeDocument/2006/math">
+                    <m:r>
+                      <a:rPr lang="pt-PT">
+                        <a:latin typeface="Calibri" panose="020F0502020204030204" pitchFamily="34" charset="0"/>
+                        <a:ea typeface="Times New Roman" panose="02020603050405020304" pitchFamily="18" charset="0"/>
+                        <a:cs typeface="Times New Roman" panose="02020603050405020304" pitchFamily="18" charset="0"/>
+                      </a:rPr>
+                      <m:t>𝑞𝐸</m:t>
+                    </m:r>
+                    <m:r>
+                      <a:rPr lang="pt-PT">
+                        <a:latin typeface="Calibri" panose="020F0502020204030204" pitchFamily="34" charset="0"/>
+                        <a:ea typeface="Times New Roman" panose="02020603050405020304" pitchFamily="18" charset="0"/>
+                        <a:cs typeface="Times New Roman" panose="02020603050405020304" pitchFamily="18" charset="0"/>
+                      </a:rPr>
+                      <m:t>=</m:t>
+                    </m:r>
+                    <m:r>
+                      <a:rPr lang="pt-PT">
+                        <a:latin typeface="Calibri" panose="020F0502020204030204" pitchFamily="34" charset="0"/>
+                        <a:ea typeface="Times New Roman" panose="02020603050405020304" pitchFamily="18" charset="0"/>
+                        <a:cs typeface="Times New Roman" panose="02020603050405020304" pitchFamily="18" charset="0"/>
+                      </a:rPr>
+                      <m:t>𝑞𝑣𝐵</m:t>
+                    </m:r>
+                  </m:oMath>
+                </a14:m>
+                <a:endParaRPr lang="pt-PT" dirty="0">
+                  <a:latin typeface="Calibri" panose="020F0502020204030204" pitchFamily="34" charset="0"/>
+                  <a:ea typeface="Times New Roman" panose="02020603050405020304" pitchFamily="18" charset="0"/>
+                  <a:cs typeface="Times New Roman" panose="02020603050405020304" pitchFamily="18" charset="0"/>
+                </a:endParaRPr>
+              </a:p>
+              <a:p>
+                <a:r>
+                  <a:rPr lang="pt-PT" dirty="0">
+                    <a:latin typeface="Calibri" panose="020F0502020204030204" pitchFamily="34" charset="0"/>
+                    <a:ea typeface="Times New Roman" panose="02020603050405020304" pitchFamily="18" charset="0"/>
+                    <a:cs typeface="Times New Roman" panose="02020603050405020304" pitchFamily="18" charset="0"/>
+                  </a:rPr>
+                  <a:t>Tensão de Hall: </a:t>
+                </a:r>
+                <a14:m>
+                  <m:oMath xmlns:m="http://schemas.openxmlformats.org/officeDocument/2006/math">
+                    <m:r>
+                      <a:rPr lang="pt-PT">
+                        <a:latin typeface="Calibri" panose="020F0502020204030204" pitchFamily="34" charset="0"/>
+                        <a:ea typeface="Times New Roman" panose="02020603050405020304" pitchFamily="18" charset="0"/>
+                        <a:cs typeface="Times New Roman" panose="02020603050405020304" pitchFamily="18" charset="0"/>
+                      </a:rPr>
+                      <m:t>𝑞𝐸</m:t>
+                    </m:r>
+                    <m:r>
+                      <a:rPr lang="pt-PT">
+                        <a:latin typeface="Calibri" panose="020F0502020204030204" pitchFamily="34" charset="0"/>
+                        <a:ea typeface="Times New Roman" panose="02020603050405020304" pitchFamily="18" charset="0"/>
+                        <a:cs typeface="Times New Roman" panose="02020603050405020304" pitchFamily="18" charset="0"/>
+                      </a:rPr>
+                      <m:t>=</m:t>
+                    </m:r>
+                    <m:r>
+                      <a:rPr lang="pt-PT">
+                        <a:latin typeface="Calibri" panose="020F0502020204030204" pitchFamily="34" charset="0"/>
+                        <a:ea typeface="Times New Roman" panose="02020603050405020304" pitchFamily="18" charset="0"/>
+                        <a:cs typeface="Times New Roman" panose="02020603050405020304" pitchFamily="18" charset="0"/>
+                      </a:rPr>
+                      <m:t>𝑞</m:t>
+                    </m:r>
+                    <m:f>
+                      <m:fPr>
+                        <m:ctrlPr>
+                          <a:rPr lang="pt-PT">
+                            <a:latin typeface="Calibri" panose="020F0502020204030204" pitchFamily="34" charset="0"/>
+                            <a:ea typeface="Times New Roman" panose="02020603050405020304" pitchFamily="18" charset="0"/>
+                            <a:cs typeface="Times New Roman" panose="02020603050405020304" pitchFamily="18" charset="0"/>
+                          </a:rPr>
+                        </m:ctrlPr>
+                      </m:fPr>
+                      <m:num>
+                        <m:sSub>
+                          <m:sSubPr>
+                            <m:ctrlPr>
+                              <a:rPr lang="pt-PT">
+                                <a:latin typeface="Calibri" panose="020F0502020204030204" pitchFamily="34" charset="0"/>
+                                <a:ea typeface="Times New Roman" panose="02020603050405020304" pitchFamily="18" charset="0"/>
+                                <a:cs typeface="Times New Roman" panose="02020603050405020304" pitchFamily="18" charset="0"/>
+                              </a:rPr>
+                            </m:ctrlPr>
+                          </m:sSubPr>
+                          <m:e>
+                            <m:r>
+                              <a:rPr lang="pt-PT">
+                                <a:latin typeface="Calibri" panose="020F0502020204030204" pitchFamily="34" charset="0"/>
+                                <a:ea typeface="Times New Roman" panose="02020603050405020304" pitchFamily="18" charset="0"/>
+                                <a:cs typeface="Times New Roman" panose="02020603050405020304" pitchFamily="18" charset="0"/>
+                              </a:rPr>
+                              <m:t>𝑉</m:t>
+                            </m:r>
+                          </m:e>
+                          <m:sub>
+                            <m:r>
+                              <a:rPr lang="pt-PT">
+                                <a:latin typeface="Calibri" panose="020F0502020204030204" pitchFamily="34" charset="0"/>
+                                <a:ea typeface="Times New Roman" panose="02020603050405020304" pitchFamily="18" charset="0"/>
+                                <a:cs typeface="Times New Roman" panose="02020603050405020304" pitchFamily="18" charset="0"/>
+                              </a:rPr>
+                              <m:t>𝐻</m:t>
+                            </m:r>
+                          </m:sub>
+                        </m:sSub>
+                      </m:num>
+                      <m:den>
+                        <m:r>
+                          <a:rPr lang="pt-PT">
+                            <a:latin typeface="Calibri" panose="020F0502020204030204" pitchFamily="34" charset="0"/>
+                            <a:ea typeface="Times New Roman" panose="02020603050405020304" pitchFamily="18" charset="0"/>
+                            <a:cs typeface="Times New Roman" panose="02020603050405020304" pitchFamily="18" charset="0"/>
+                          </a:rPr>
+                          <m:t>h</m:t>
+                        </m:r>
+                      </m:den>
+                    </m:f>
+                    <m:r>
+                      <a:rPr lang="pt-PT">
+                        <a:latin typeface="Calibri" panose="020F0502020204030204" pitchFamily="34" charset="0"/>
+                        <a:ea typeface="Times New Roman" panose="02020603050405020304" pitchFamily="18" charset="0"/>
+                        <a:cs typeface="Times New Roman" panose="02020603050405020304" pitchFamily="18" charset="0"/>
+                      </a:rPr>
+                      <m:t>=</m:t>
+                    </m:r>
+                    <m:r>
+                      <a:rPr lang="pt-PT">
+                        <a:latin typeface="Calibri" panose="020F0502020204030204" pitchFamily="34" charset="0"/>
+                        <a:ea typeface="Times New Roman" panose="02020603050405020304" pitchFamily="18" charset="0"/>
+                        <a:cs typeface="Times New Roman" panose="02020603050405020304" pitchFamily="18" charset="0"/>
+                      </a:rPr>
+                      <m:t>𝑞𝑣𝐵</m:t>
+                    </m:r>
+                    <m:r>
+                      <a:rPr lang="pt-PT">
+                        <a:latin typeface="Calibri" panose="020F0502020204030204" pitchFamily="34" charset="0"/>
+                        <a:ea typeface="Times New Roman" panose="02020603050405020304" pitchFamily="18" charset="0"/>
+                        <a:cs typeface="Times New Roman" panose="02020603050405020304" pitchFamily="18" charset="0"/>
+                      </a:rPr>
+                      <m:t> ⇒</m:t>
+                    </m:r>
+                    <m:sSub>
+                      <m:sSubPr>
+                        <m:ctrlPr>
+                          <a:rPr lang="pt-PT">
+                            <a:latin typeface="Calibri" panose="020F0502020204030204" pitchFamily="34" charset="0"/>
+                            <a:ea typeface="Times New Roman" panose="02020603050405020304" pitchFamily="18" charset="0"/>
+                            <a:cs typeface="Times New Roman" panose="02020603050405020304" pitchFamily="18" charset="0"/>
+                          </a:rPr>
+                        </m:ctrlPr>
+                      </m:sSubPr>
+                      <m:e>
+                        <m:r>
+                          <a:rPr lang="pt-PT">
+                            <a:latin typeface="Calibri" panose="020F0502020204030204" pitchFamily="34" charset="0"/>
+                            <a:ea typeface="Times New Roman" panose="02020603050405020304" pitchFamily="18" charset="0"/>
+                            <a:cs typeface="Times New Roman" panose="02020603050405020304" pitchFamily="18" charset="0"/>
+                          </a:rPr>
+                          <m:t>𝑉</m:t>
+                        </m:r>
+                      </m:e>
+                      <m:sub>
+                        <m:r>
+                          <a:rPr lang="pt-PT">
+                            <a:latin typeface="Calibri" panose="020F0502020204030204" pitchFamily="34" charset="0"/>
+                            <a:ea typeface="Times New Roman" panose="02020603050405020304" pitchFamily="18" charset="0"/>
+                            <a:cs typeface="Times New Roman" panose="02020603050405020304" pitchFamily="18" charset="0"/>
+                          </a:rPr>
+                          <m:t>h</m:t>
+                        </m:r>
+                      </m:sub>
+                    </m:sSub>
+                    <m:r>
+                      <a:rPr lang="pt-PT">
+                        <a:latin typeface="Calibri" panose="020F0502020204030204" pitchFamily="34" charset="0"/>
+                        <a:ea typeface="Times New Roman" panose="02020603050405020304" pitchFamily="18" charset="0"/>
+                        <a:cs typeface="Times New Roman" panose="02020603050405020304" pitchFamily="18" charset="0"/>
+                      </a:rPr>
+                      <m:t>=</m:t>
+                    </m:r>
+                    <m:r>
+                      <a:rPr lang="pt-PT">
+                        <a:latin typeface="Calibri" panose="020F0502020204030204" pitchFamily="34" charset="0"/>
+                        <a:ea typeface="Times New Roman" panose="02020603050405020304" pitchFamily="18" charset="0"/>
+                        <a:cs typeface="Times New Roman" panose="02020603050405020304" pitchFamily="18" charset="0"/>
+                      </a:rPr>
+                      <m:t>𝑣h𝐵</m:t>
+                    </m:r>
+                  </m:oMath>
+                </a14:m>
+                <a:endParaRPr lang="pt-PT" dirty="0">
+                  <a:latin typeface="Calibri" panose="020F0502020204030204" pitchFamily="34" charset="0"/>
+                  <a:ea typeface="Times New Roman" panose="02020603050405020304" pitchFamily="18" charset="0"/>
+                  <a:cs typeface="Times New Roman" panose="02020603050405020304" pitchFamily="18" charset="0"/>
+                </a:endParaRPr>
+              </a:p>
+              <a:p>
+                <a:r>
+                  <a:rPr lang="pt-PT" dirty="0">
+                    <a:latin typeface="Calibri" panose="020F0502020204030204" pitchFamily="34" charset="0"/>
+                    <a:ea typeface="Times New Roman" panose="02020603050405020304" pitchFamily="18" charset="0"/>
+                    <a:cs typeface="Times New Roman" panose="02020603050405020304" pitchFamily="18" charset="0"/>
+                  </a:rPr>
+                  <a:t>A constante de calibração, cc:  </a:t>
+                </a:r>
+                <a14:m>
+                  <m:oMath xmlns:m="http://schemas.openxmlformats.org/officeDocument/2006/math">
+                    <m:sSub>
+                      <m:sSubPr>
+                        <m:ctrlPr>
+                          <a:rPr lang="pt-PT" i="1">
+                            <a:latin typeface="Cambria Math" panose="02040503050406030204" pitchFamily="18" charset="0"/>
+                            <a:ea typeface="Times New Roman" panose="02020603050405020304" pitchFamily="18" charset="0"/>
+                            <a:cs typeface="Times New Roman" panose="02020603050405020304" pitchFamily="18" charset="0"/>
+                          </a:rPr>
+                        </m:ctrlPr>
+                      </m:sSubPr>
+                      <m:e>
+                        <m:r>
+                          <a:rPr lang="pt-PT">
+                            <a:latin typeface="Cambria Math" panose="02040503050406030204" pitchFamily="18" charset="0"/>
+                            <a:ea typeface="Times New Roman" panose="02020603050405020304" pitchFamily="18" charset="0"/>
+                            <a:cs typeface="Times New Roman" panose="02020603050405020304" pitchFamily="18" charset="0"/>
+                          </a:rPr>
+                          <m:t>𝑉</m:t>
+                        </m:r>
+                      </m:e>
+                      <m:sub>
+                        <m:r>
+                          <a:rPr lang="pt-PT">
+                            <a:latin typeface="Cambria Math" panose="02040503050406030204" pitchFamily="18" charset="0"/>
+                            <a:ea typeface="Times New Roman" panose="02020603050405020304" pitchFamily="18" charset="0"/>
+                            <a:cs typeface="Times New Roman" panose="02020603050405020304" pitchFamily="18" charset="0"/>
+                          </a:rPr>
+                          <m:t>h</m:t>
+                        </m:r>
+                      </m:sub>
+                    </m:sSub>
+                    <m:r>
+                      <a:rPr lang="pt-PT">
+                        <a:latin typeface="Cambria Math" panose="02040503050406030204" pitchFamily="18" charset="0"/>
+                        <a:ea typeface="Times New Roman" panose="02020603050405020304" pitchFamily="18" charset="0"/>
+                        <a:cs typeface="Times New Roman" panose="02020603050405020304" pitchFamily="18" charset="0"/>
+                      </a:rPr>
+                      <m:t>=</m:t>
+                    </m:r>
+                    <m:r>
+                      <m:rPr>
+                        <m:sty m:val="p"/>
+                      </m:rPr>
+                      <a:rPr lang="pt-PT" b="0" i="0" smtClean="0">
+                        <a:latin typeface="Cambria Math" panose="02040503050406030204" pitchFamily="18" charset="0"/>
+                        <a:ea typeface="Times New Roman" panose="02020603050405020304" pitchFamily="18" charset="0"/>
+                        <a:cs typeface="Times New Roman" panose="02020603050405020304" pitchFamily="18" charset="0"/>
+                      </a:rPr>
+                      <m:t>cc</m:t>
+                    </m:r>
+                    <m:r>
+                      <a:rPr lang="pt-PT">
+                        <a:latin typeface="Cambria Math" panose="02040503050406030204" pitchFamily="18" charset="0"/>
+                        <a:ea typeface="Times New Roman" panose="02020603050405020304" pitchFamily="18" charset="0"/>
+                        <a:cs typeface="Times New Roman" panose="02020603050405020304" pitchFamily="18" charset="0"/>
+                      </a:rPr>
+                      <m:t>𝐵</m:t>
+                    </m:r>
+                  </m:oMath>
+                </a14:m>
+                <a:endParaRPr lang="pt-PT" dirty="0">
+                  <a:latin typeface="Calibri" panose="020F0502020204030204" pitchFamily="34" charset="0"/>
+                  <a:ea typeface="Times New Roman" panose="02020603050405020304" pitchFamily="18" charset="0"/>
+                  <a:cs typeface="Times New Roman" panose="02020603050405020304" pitchFamily="18" charset="0"/>
+                </a:endParaRPr>
+              </a:p>
+            </p:txBody>
+          </p:sp>
+        </mc:Choice>
+        <mc:Fallback>
+          <p:sp>
+            <p:nvSpPr>
+              <p:cNvPr id="3" name="Marcador de Posição de Conteúdo 2">
+                <a:extLst>
+                  <a:ext uri="{FF2B5EF4-FFF2-40B4-BE49-F238E27FC236}">
+                    <a16:creationId xmlns:a16="http://schemas.microsoft.com/office/drawing/2014/main" id="{A0EB5005-A798-4590-B830-3F109C3EDD8A}"/>
+                  </a:ext>
+                </a:extLst>
+              </p:cNvPr>
+              <p:cNvSpPr>
+                <a:spLocks noGrp="1" noRot="1" noChangeAspect="1" noMove="1" noResize="1" noEditPoints="1" noAdjustHandles="1" noChangeArrowheads="1" noChangeShapeType="1" noTextEdit="1"/>
+              </p:cNvSpPr>
+              <p:nvPr>
+                <p:ph idx="1"/>
+              </p:nvPr>
+            </p:nvSpPr>
+            <p:spPr>
+              <a:xfrm>
+                <a:off x="2168783" y="2480185"/>
+                <a:ext cx="8596668" cy="2944071"/>
+              </a:xfrm>
+              <a:blipFill>
+                <a:blip r:embed="rId2"/>
+                <a:stretch>
+                  <a:fillRect l="-213" t="-1656"/>
+                </a:stretch>
+              </a:blipFill>
+            </p:spPr>
+            <p:txBody>
+              <a:bodyPr/>
+              <a:lstStyle/>
+              <a:p>
+                <a:r>
+                  <a:rPr lang="pt-PT">
+                    <a:noFill/>
+                  </a:rPr>
+                  <a:t> </a:t>
+                </a:r>
+              </a:p>
+            </p:txBody>
+          </p:sp>
+        </mc:Fallback>
+      </mc:AlternateContent>
     </p:spTree>
     <p:extLst>
       <p:ext uri="{BB962C8B-B14F-4D97-AF65-F5344CB8AC3E}">
-        <p14:creationId xmlns:p14="http://schemas.microsoft.com/office/powerpoint/2010/main" val="1809248008"/>
+        <p14:creationId xmlns:p14="http://schemas.microsoft.com/office/powerpoint/2010/main" val="1259330759"/>
       </p:ext>
     </p:extLst>
   </p:cSld>
@@ -7652,7 +12965,7 @@
 </p:sld>
 </file>
 
-<file path=ppt/slides/slide3.xml><?xml version="1.0" encoding="utf-8"?>
+<file path=ppt/slides/slide6.xml><?xml version="1.0" encoding="utf-8"?>
 <p:sld xmlns:a="http://schemas.openxmlformats.org/drawingml/2006/main" xmlns:r="http://schemas.openxmlformats.org/officeDocument/2006/relationships" xmlns:p="http://schemas.openxmlformats.org/presentationml/2006/main">
   <p:cSld>
     <p:spTree>
@@ -7725,7 +13038,9 @@
           </a:xfrm>
         </p:spPr>
         <p:txBody>
-          <a:bodyPr/>
+          <a:bodyPr>
+            <a:normAutofit fontScale="92500"/>
+          </a:bodyPr>
           <a:lstStyle/>
           <a:p>
             <a:r>
@@ -7735,7 +13050,25 @@
                 <a:ea typeface="Times New Roman" panose="02020603050405020304" pitchFamily="18" charset="0"/>
                 <a:cs typeface="Times New Roman" panose="02020603050405020304" pitchFamily="18" charset="0"/>
               </a:rPr>
-              <a:t>A constante de calibração, cc:  0,031779955 V/A; </a:t>
+              <a:t>A constante de calibração, </a:t>
+            </a:r>
+            <a:r>
+              <a:rPr lang="pt-PT" sz="1800" dirty="0" err="1">
+                <a:effectLst/>
+                <a:latin typeface="Calibri" panose="020F0502020204030204" pitchFamily="34" charset="0"/>
+                <a:ea typeface="Times New Roman" panose="02020603050405020304" pitchFamily="18" charset="0"/>
+                <a:cs typeface="Times New Roman" panose="02020603050405020304" pitchFamily="18" charset="0"/>
+              </a:rPr>
+              <a:t>cc</a:t>
+            </a:r>
+            <a:r>
+              <a:rPr lang="pt-PT" sz="1800" dirty="0">
+                <a:effectLst/>
+                <a:latin typeface="Calibri" panose="020F0502020204030204" pitchFamily="34" charset="0"/>
+                <a:ea typeface="Times New Roman" panose="02020603050405020304" pitchFamily="18" charset="0"/>
+                <a:cs typeface="Times New Roman" panose="02020603050405020304" pitchFamily="18" charset="0"/>
+              </a:rPr>
+              <a:t> =  0,031779955 V/A; </a:t>
             </a:r>
           </a:p>
           <a:p>
@@ -7763,7 +13096,7 @@
                 <a:ea typeface="Times New Roman" panose="02020603050405020304" pitchFamily="18" charset="0"/>
                 <a:cs typeface="Times New Roman" panose="02020603050405020304" pitchFamily="18" charset="0"/>
               </a:rPr>
-              <a:t>Número de espiras, N: 119,6. </a:t>
+              <a:t>Número de espiras, N = 119,6. </a:t>
             </a:r>
             <a:endParaRPr lang="pt-PT" sz="1800" dirty="0">
               <a:effectLst/>
@@ -7790,7 +13123,7 @@
 </p:sld>
 </file>
 
-<file path=ppt/slides/slide4.xml><?xml version="1.0" encoding="utf-8"?>
+<file path=ppt/slides/slide7.xml><?xml version="1.0" encoding="utf-8"?>
 <p:sld xmlns:a="http://schemas.openxmlformats.org/drawingml/2006/main" xmlns:r="http://schemas.openxmlformats.org/officeDocument/2006/relationships" xmlns:p="http://schemas.openxmlformats.org/presentationml/2006/main">
   <p:cSld>
     <p:spTree>
@@ -7812,7 +13145,7 @@
           <p:cNvPr id="2" name="Título 1">
             <a:extLst>
               <a:ext uri="{FF2B5EF4-FFF2-40B4-BE49-F238E27FC236}">
-                <a16:creationId xmlns:a16="http://schemas.microsoft.com/office/drawing/2014/main" id="{92593C5E-9565-4674-9980-D754EC769295}"/>
+                <a16:creationId xmlns:a16="http://schemas.microsoft.com/office/drawing/2014/main" id="{FCE86053-C3E9-4793-856B-477BAAB3CC0B}"/>
               </a:ext>
             </a:extLst>
           </p:cNvPr>
@@ -7830,17 +13163,78 @@
           <a:p>
             <a:r>
               <a:rPr lang="pt-PT" dirty="0"/>
-              <a:t>Introdução</a:t>
+              <a:t>Verificação do princípio de sobreposição</a:t>
             </a:r>
           </a:p>
         </p:txBody>
       </p:sp>
+      <p:graphicFrame>
+        <p:nvGraphicFramePr>
+          <p:cNvPr id="4" name="Marcador de Posição de Conteúdo 3">
+            <a:extLst>
+              <a:ext uri="{FF2B5EF4-FFF2-40B4-BE49-F238E27FC236}">
+                <a16:creationId xmlns:a16="http://schemas.microsoft.com/office/drawing/2014/main" id="{A2031860-744C-4E13-8738-CDAB78502E5E}"/>
+              </a:ext>
+            </a:extLst>
+          </p:cNvPr>
+          <p:cNvGraphicFramePr>
+            <a:graphicFrameLocks noGrp="1"/>
+          </p:cNvGraphicFramePr>
+          <p:nvPr>
+            <p:ph idx="1"/>
+            <p:extLst>
+              <p:ext uri="{D42A27DB-BD31-4B8C-83A1-F6EECF244321}">
+                <p14:modId xmlns:p14="http://schemas.microsoft.com/office/powerpoint/2010/main" val="1213075620"/>
+              </p:ext>
+            </p:extLst>
+          </p:nvPr>
+        </p:nvGraphicFramePr>
+        <p:xfrm>
+          <a:off x="677863" y="2160588"/>
+          <a:ext cx="8596312" cy="3881437"/>
+        </p:xfrm>
+        <a:graphic>
+          <a:graphicData uri="http://schemas.openxmlformats.org/drawingml/2006/chart">
+            <c:chart xmlns:c="http://schemas.openxmlformats.org/drawingml/2006/chart" xmlns:r="http://schemas.openxmlformats.org/officeDocument/2006/relationships" r:id="rId2"/>
+          </a:graphicData>
+        </a:graphic>
+      </p:graphicFrame>
+    </p:spTree>
+    <p:extLst>
+      <p:ext uri="{BB962C8B-B14F-4D97-AF65-F5344CB8AC3E}">
+        <p14:creationId xmlns:p14="http://schemas.microsoft.com/office/powerpoint/2010/main" val="2049121099"/>
+      </p:ext>
+    </p:extLst>
+  </p:cSld>
+  <p:clrMapOvr>
+    <a:masterClrMapping/>
+  </p:clrMapOvr>
+</p:sld>
+</file>
+
+<file path=ppt/slides/slide8.xml><?xml version="1.0" encoding="utf-8"?>
+<p:sld xmlns:a="http://schemas.openxmlformats.org/drawingml/2006/main" xmlns:r="http://schemas.openxmlformats.org/officeDocument/2006/relationships" xmlns:p="http://schemas.openxmlformats.org/presentationml/2006/main">
+  <p:cSld>
+    <p:spTree>
+      <p:nvGrpSpPr>
+        <p:cNvPr id="1" name=""/>
+        <p:cNvGrpSpPr/>
+        <p:nvPr/>
+      </p:nvGrpSpPr>
+      <p:grpSpPr>
+        <a:xfrm>
+          <a:off x="0" y="0"/>
+          <a:ext cx="0" cy="0"/>
+          <a:chOff x="0" y="0"/>
+          <a:chExt cx="0" cy="0"/>
+        </a:xfrm>
+      </p:grpSpPr>
       <p:sp>
         <p:nvSpPr>
-          <p:cNvPr id="3" name="Marcador de Posição de Conteúdo 2">
+          <p:cNvPr id="2" name="Título 1">
             <a:extLst>
               <a:ext uri="{FF2B5EF4-FFF2-40B4-BE49-F238E27FC236}">
-                <a16:creationId xmlns:a16="http://schemas.microsoft.com/office/drawing/2014/main" id="{959DACF2-DF95-4E85-AACA-A2A0E3EF9274}"/>
+                <a16:creationId xmlns:a16="http://schemas.microsoft.com/office/drawing/2014/main" id="{E2644567-ED0F-4515-8FE8-9CEA894A2EC5}"/>
               </a:ext>
             </a:extLst>
           </p:cNvPr>
@@ -7848,7 +13242,7 @@
             <a:spLocks noGrp="1"/>
           </p:cNvSpPr>
           <p:nvPr>
-            <p:ph idx="1"/>
+            <p:ph type="title"/>
           </p:nvPr>
         </p:nvSpPr>
         <p:spPr/>
@@ -7858,23 +13252,948 @@
           <a:p>
             <a:r>
               <a:rPr lang="pt-PT" dirty="0"/>
-              <a:t>Nesta experiência estuda-se a Lei de Ampère que se encontra </a:t>
+              <a:t>Verificação do princípio de sobreposição</a:t>
             </a:r>
-            <a:r>
-              <a:rPr lang="pt-PT"/>
-              <a:t>no capítulo 3.6;</a:t>
-            </a:r>
-            <a:endParaRPr lang="pt-PT" dirty="0"/>
-          </a:p>
-          <a:p>
-            <a:endParaRPr lang="pt-PT" dirty="0"/>
           </a:p>
         </p:txBody>
       </p:sp>
+      <mc:AlternateContent xmlns:mc="http://schemas.openxmlformats.org/markup-compatibility/2006" xmlns:a14="http://schemas.microsoft.com/office/drawing/2010/main">
+        <mc:Choice Requires="a14">
+          <p:sp>
+            <p:nvSpPr>
+              <p:cNvPr id="3" name="Marcador de Posição de Conteúdo 2">
+                <a:extLst>
+                  <a:ext uri="{FF2B5EF4-FFF2-40B4-BE49-F238E27FC236}">
+                    <a16:creationId xmlns:a16="http://schemas.microsoft.com/office/drawing/2014/main" id="{F40447F8-6EDC-4AA2-94E7-514DA0343628}"/>
+                  </a:ext>
+                </a:extLst>
+              </p:cNvPr>
+              <p:cNvSpPr>
+                <a:spLocks noGrp="1"/>
+              </p:cNvSpPr>
+              <p:nvPr>
+                <p:ph idx="1"/>
+              </p:nvPr>
+            </p:nvSpPr>
+            <p:spPr/>
+            <p:txBody>
+              <a:bodyPr/>
+              <a:lstStyle/>
+              <a:p>
+                <a:r>
+                  <a:rPr lang="pt-PT" dirty="0"/>
+                  <a:t>Tendo previamente obtido o valor da tensão para várias distâncias e tendo em conta o seguinte:</a:t>
+                </a:r>
+              </a:p>
+              <a:p>
+                <a14:m>
+                  <m:oMath xmlns:m="http://schemas.openxmlformats.org/officeDocument/2006/math">
+                    <m:r>
+                      <a:rPr lang="pt-PT" i="1" dirty="0" smtClean="0">
+                        <a:latin typeface="Cambria Math" panose="02040503050406030204" pitchFamily="18" charset="0"/>
+                      </a:rPr>
+                      <m:t>𝐵</m:t>
+                    </m:r>
+                    <m:r>
+                      <a:rPr lang="pt-PT" i="0" dirty="0" smtClean="0">
+                        <a:latin typeface="Cambria Math" panose="02040503050406030204" pitchFamily="18" charset="0"/>
+                      </a:rPr>
+                      <m:t>=</m:t>
+                    </m:r>
+                    <m:r>
+                      <a:rPr lang="pt-PT" i="1" dirty="0" smtClean="0">
+                        <a:latin typeface="Cambria Math" panose="02040503050406030204" pitchFamily="18" charset="0"/>
+                      </a:rPr>
+                      <m:t>𝐶𝐶</m:t>
+                    </m:r>
+                    <m:r>
+                      <a:rPr lang="pt-PT" i="0" dirty="0" smtClean="0">
+                        <a:latin typeface="Cambria Math" panose="02040503050406030204" pitchFamily="18" charset="0"/>
+                      </a:rPr>
+                      <m:t>⋅</m:t>
+                    </m:r>
+                    <m:sSub>
+                      <m:sSubPr>
+                        <m:ctrlPr>
+                          <a:rPr lang="pt-PT" i="1" dirty="0" smtClean="0">
+                            <a:solidFill>
+                              <a:srgbClr val="836967"/>
+                            </a:solidFill>
+                            <a:latin typeface="Cambria Math" panose="02040503050406030204" pitchFamily="18" charset="0"/>
+                          </a:rPr>
+                        </m:ctrlPr>
+                      </m:sSubPr>
+                      <m:e>
+                        <m:r>
+                          <a:rPr lang="pt-PT" b="0" i="1" dirty="0" smtClean="0">
+                            <a:solidFill>
+                              <a:srgbClr val="836967"/>
+                            </a:solidFill>
+                            <a:latin typeface="Cambria Math" panose="02040503050406030204" pitchFamily="18" charset="0"/>
+                          </a:rPr>
+                          <m:t>𝑉</m:t>
+                        </m:r>
+                      </m:e>
+                      <m:sub>
+                        <m:r>
+                          <a:rPr lang="pt-PT" i="1" dirty="0" smtClean="0">
+                            <a:latin typeface="Cambria Math" panose="02040503050406030204" pitchFamily="18" charset="0"/>
+                          </a:rPr>
+                          <m:t>𝐻</m:t>
+                        </m:r>
+                      </m:sub>
+                    </m:sSub>
+                    <m:r>
+                      <a:rPr lang="pt-PT" i="0" dirty="0" smtClean="0">
+                        <a:latin typeface="Cambria Math" panose="02040503050406030204" pitchFamily="18" charset="0"/>
+                      </a:rPr>
+                      <m:t>⇔</m:t>
+                    </m:r>
+                    <m:f>
+                      <m:fPr>
+                        <m:ctrlPr>
+                          <a:rPr lang="pt-PT" i="1" dirty="0" smtClean="0">
+                            <a:solidFill>
+                              <a:srgbClr val="836967"/>
+                            </a:solidFill>
+                            <a:latin typeface="Cambria Math" panose="02040503050406030204" pitchFamily="18" charset="0"/>
+                          </a:rPr>
+                        </m:ctrlPr>
+                      </m:fPr>
+                      <m:num>
+                        <m:r>
+                          <a:rPr lang="pt-PT" i="1" dirty="0" smtClean="0">
+                            <a:latin typeface="Cambria Math" panose="02040503050406030204" pitchFamily="18" charset="0"/>
+                          </a:rPr>
+                          <m:t>𝐵</m:t>
+                        </m:r>
+                      </m:num>
+                      <m:den>
+                        <m:sSub>
+                          <m:sSubPr>
+                            <m:ctrlPr>
+                              <a:rPr lang="pt-PT" i="1" dirty="0" smtClean="0">
+                                <a:solidFill>
+                                  <a:srgbClr val="836967"/>
+                                </a:solidFill>
+                                <a:latin typeface="Cambria Math" panose="02040503050406030204" pitchFamily="18" charset="0"/>
+                              </a:rPr>
+                            </m:ctrlPr>
+                          </m:sSubPr>
+                          <m:e>
+                            <m:r>
+                              <a:rPr lang="pt-PT" b="0" i="1" dirty="0" smtClean="0">
+                                <a:solidFill>
+                                  <a:srgbClr val="836967"/>
+                                </a:solidFill>
+                                <a:latin typeface="Cambria Math" panose="02040503050406030204" pitchFamily="18" charset="0"/>
+                              </a:rPr>
+                              <m:t>𝑉</m:t>
+                            </m:r>
+                          </m:e>
+                          <m:sub>
+                            <m:r>
+                              <a:rPr lang="pt-PT" i="1" dirty="0" smtClean="0">
+                                <a:latin typeface="Cambria Math" panose="02040503050406030204" pitchFamily="18" charset="0"/>
+                              </a:rPr>
+                              <m:t>𝐻</m:t>
+                            </m:r>
+                          </m:sub>
+                        </m:sSub>
+                      </m:den>
+                    </m:f>
+                    <m:r>
+                      <a:rPr lang="pt-PT" i="0" dirty="0" smtClean="0">
+                        <a:latin typeface="Cambria Math" panose="02040503050406030204" pitchFamily="18" charset="0"/>
+                      </a:rPr>
+                      <m:t>=</m:t>
+                    </m:r>
+                    <m:r>
+                      <a:rPr lang="pt-PT" i="1" dirty="0" smtClean="0">
+                        <a:latin typeface="Cambria Math" panose="02040503050406030204" pitchFamily="18" charset="0"/>
+                      </a:rPr>
+                      <m:t>𝐶𝐶</m:t>
+                    </m:r>
+                    <m:r>
+                      <a:rPr lang="pt-PT" dirty="0">
+                        <a:latin typeface="Cambria Math" panose="02040503050406030204" pitchFamily="18" charset="0"/>
+                      </a:rPr>
+                      <m:t>⇔</m:t>
+                    </m:r>
+                    <m:r>
+                      <a:rPr lang="pt-PT" i="1" dirty="0" smtClean="0">
+                        <a:latin typeface="Cambria Math" panose="02040503050406030204" pitchFamily="18" charset="0"/>
+                      </a:rPr>
+                      <m:t>𝐶𝐶</m:t>
+                    </m:r>
+                    <m:r>
+                      <a:rPr lang="pt-PT" i="0" dirty="0" smtClean="0">
+                        <a:latin typeface="Cambria Math" panose="02040503050406030204" pitchFamily="18" charset="0"/>
+                      </a:rPr>
+                      <m:t>=</m:t>
+                    </m:r>
+                    <m:f>
+                      <m:fPr>
+                        <m:ctrlPr>
+                          <a:rPr lang="pt-PT" i="1" dirty="0" smtClean="0">
+                            <a:solidFill>
+                              <a:srgbClr val="836967"/>
+                            </a:solidFill>
+                            <a:latin typeface="Cambria Math" panose="02040503050406030204" pitchFamily="18" charset="0"/>
+                          </a:rPr>
+                        </m:ctrlPr>
+                      </m:fPr>
+                      <m:num>
+                        <m:r>
+                          <a:rPr lang="pt-PT" i="1" dirty="0" smtClean="0">
+                            <a:latin typeface="Cambria Math" panose="02040503050406030204" pitchFamily="18" charset="0"/>
+                          </a:rPr>
+                          <m:t>𝑚</m:t>
+                        </m:r>
+                      </m:num>
+                      <m:den>
+                        <m:sSub>
+                          <m:sSubPr>
+                            <m:ctrlPr>
+                              <a:rPr lang="pt-PT" i="1" dirty="0" smtClean="0">
+                                <a:solidFill>
+                                  <a:srgbClr val="836967"/>
+                                </a:solidFill>
+                                <a:latin typeface="Cambria Math" panose="02040503050406030204" pitchFamily="18" charset="0"/>
+                              </a:rPr>
+                            </m:ctrlPr>
+                          </m:sSubPr>
+                          <m:e>
+                            <m:r>
+                              <a:rPr lang="pt-PT" i="1" dirty="0" smtClean="0">
+                                <a:latin typeface="Cambria Math" panose="02040503050406030204" pitchFamily="18" charset="0"/>
+                              </a:rPr>
+                              <m:t>𝜇</m:t>
+                            </m:r>
+                          </m:e>
+                          <m:sub>
+                            <m:r>
+                              <a:rPr lang="pt-PT" i="0" dirty="0" smtClean="0">
+                                <a:latin typeface="Cambria Math" panose="02040503050406030204" pitchFamily="18" charset="0"/>
+                              </a:rPr>
+                              <m:t>0</m:t>
+                            </m:r>
+                          </m:sub>
+                        </m:sSub>
+                        <m:r>
+                          <a:rPr lang="pt-PT" i="0" dirty="0" smtClean="0">
+                            <a:latin typeface="Cambria Math" panose="02040503050406030204" pitchFamily="18" charset="0"/>
+                          </a:rPr>
+                          <m:t>⋅</m:t>
+                        </m:r>
+                        <m:f>
+                          <m:fPr>
+                            <m:ctrlPr>
+                              <a:rPr lang="pt-PT" i="1" dirty="0" smtClean="0">
+                                <a:solidFill>
+                                  <a:srgbClr val="836967"/>
+                                </a:solidFill>
+                                <a:latin typeface="Cambria Math" panose="02040503050406030204" pitchFamily="18" charset="0"/>
+                              </a:rPr>
+                            </m:ctrlPr>
+                          </m:fPr>
+                          <m:num>
+                            <m:r>
+                              <a:rPr lang="pt-PT" i="1" dirty="0" smtClean="0">
+                                <a:latin typeface="Cambria Math" panose="02040503050406030204" pitchFamily="18" charset="0"/>
+                              </a:rPr>
+                              <m:t>𝑁</m:t>
+                            </m:r>
+                          </m:num>
+                          <m:den>
+                            <m:r>
+                              <a:rPr lang="pt-PT" i="1" dirty="0" smtClean="0">
+                                <a:latin typeface="Cambria Math" panose="02040503050406030204" pitchFamily="18" charset="0"/>
+                              </a:rPr>
+                              <m:t>𝐿</m:t>
+                            </m:r>
+                          </m:den>
+                        </m:f>
+                      </m:den>
+                    </m:f>
+                  </m:oMath>
+                </a14:m>
+                <a:r>
+                  <a:rPr lang="pt-PT" dirty="0"/>
+                  <a:t>;</a:t>
+                </a:r>
+              </a:p>
+              <a:p>
+                <a14:m>
+                  <m:oMath xmlns:m="http://schemas.openxmlformats.org/officeDocument/2006/math">
+                    <m:f>
+                      <m:fPr>
+                        <m:ctrlPr>
+                          <a:rPr lang="pt-PT" i="1" dirty="0">
+                            <a:solidFill>
+                              <a:srgbClr val="836967"/>
+                            </a:solidFill>
+                            <a:latin typeface="Cambria Math" panose="02040503050406030204" pitchFamily="18" charset="0"/>
+                          </a:rPr>
+                        </m:ctrlPr>
+                      </m:fPr>
+                      <m:num>
+                        <m:r>
+                          <a:rPr lang="pt-PT" i="1" dirty="0">
+                            <a:latin typeface="Cambria Math" panose="02040503050406030204" pitchFamily="18" charset="0"/>
+                          </a:rPr>
+                          <m:t>𝐵</m:t>
+                        </m:r>
+                      </m:num>
+                      <m:den>
+                        <m:sSub>
+                          <m:sSubPr>
+                            <m:ctrlPr>
+                              <a:rPr lang="pt-PT" i="1" dirty="0">
+                                <a:solidFill>
+                                  <a:srgbClr val="836967"/>
+                                </a:solidFill>
+                                <a:latin typeface="Cambria Math" panose="02040503050406030204" pitchFamily="18" charset="0"/>
+                              </a:rPr>
+                            </m:ctrlPr>
+                          </m:sSubPr>
+                          <m:e>
+                            <m:r>
+                              <a:rPr lang="pt-PT" i="1" dirty="0">
+                                <a:solidFill>
+                                  <a:srgbClr val="836967"/>
+                                </a:solidFill>
+                                <a:latin typeface="Cambria Math" panose="02040503050406030204" pitchFamily="18" charset="0"/>
+                              </a:rPr>
+                              <m:t>𝑉</m:t>
+                            </m:r>
+                          </m:e>
+                          <m:sub>
+                            <m:r>
+                              <a:rPr lang="pt-PT" i="1" dirty="0">
+                                <a:latin typeface="Cambria Math" panose="02040503050406030204" pitchFamily="18" charset="0"/>
+                              </a:rPr>
+                              <m:t>𝐻</m:t>
+                            </m:r>
+                          </m:sub>
+                        </m:sSub>
+                      </m:den>
+                    </m:f>
+                  </m:oMath>
+                </a14:m>
+                <a:r>
+                  <a:rPr lang="pt-PT" dirty="0"/>
+                  <a:t> = </a:t>
+                </a:r>
+                <a14:m>
+                  <m:oMath xmlns:m="http://schemas.openxmlformats.org/officeDocument/2006/math">
+                    <m:f>
+                      <m:fPr>
+                        <m:ctrlPr>
+                          <a:rPr lang="pt-PT" i="1" dirty="0">
+                            <a:solidFill>
+                              <a:srgbClr val="836967"/>
+                            </a:solidFill>
+                            <a:latin typeface="Cambria Math" panose="02040503050406030204" pitchFamily="18" charset="0"/>
+                          </a:rPr>
+                        </m:ctrlPr>
+                      </m:fPr>
+                      <m:num>
+                        <m:r>
+                          <a:rPr lang="pt-PT" i="1" dirty="0">
+                            <a:latin typeface="Cambria Math" panose="02040503050406030204" pitchFamily="18" charset="0"/>
+                          </a:rPr>
+                          <m:t>𝑚</m:t>
+                        </m:r>
+                      </m:num>
+                      <m:den>
+                        <m:sSub>
+                          <m:sSubPr>
+                            <m:ctrlPr>
+                              <a:rPr lang="pt-PT" i="1" dirty="0">
+                                <a:solidFill>
+                                  <a:srgbClr val="836967"/>
+                                </a:solidFill>
+                                <a:latin typeface="Cambria Math" panose="02040503050406030204" pitchFamily="18" charset="0"/>
+                              </a:rPr>
+                            </m:ctrlPr>
+                          </m:sSubPr>
+                          <m:e>
+                            <m:r>
+                              <a:rPr lang="pt-PT" i="1" dirty="0">
+                                <a:latin typeface="Cambria Math" panose="02040503050406030204" pitchFamily="18" charset="0"/>
+                              </a:rPr>
+                              <m:t>𝜇</m:t>
+                            </m:r>
+                          </m:e>
+                          <m:sub>
+                            <m:r>
+                              <a:rPr lang="pt-PT" dirty="0">
+                                <a:latin typeface="Cambria Math" panose="02040503050406030204" pitchFamily="18" charset="0"/>
+                              </a:rPr>
+                              <m:t>0</m:t>
+                            </m:r>
+                          </m:sub>
+                        </m:sSub>
+                        <m:r>
+                          <a:rPr lang="pt-PT" dirty="0">
+                            <a:latin typeface="Cambria Math" panose="02040503050406030204" pitchFamily="18" charset="0"/>
+                          </a:rPr>
+                          <m:t>⋅</m:t>
+                        </m:r>
+                        <m:f>
+                          <m:fPr>
+                            <m:ctrlPr>
+                              <a:rPr lang="pt-PT" i="1" dirty="0">
+                                <a:solidFill>
+                                  <a:srgbClr val="836967"/>
+                                </a:solidFill>
+                                <a:latin typeface="Cambria Math" panose="02040503050406030204" pitchFamily="18" charset="0"/>
+                              </a:rPr>
+                            </m:ctrlPr>
+                          </m:fPr>
+                          <m:num>
+                            <m:r>
+                              <a:rPr lang="pt-PT" i="1" dirty="0">
+                                <a:latin typeface="Cambria Math" panose="02040503050406030204" pitchFamily="18" charset="0"/>
+                              </a:rPr>
+                              <m:t>𝑁</m:t>
+                            </m:r>
+                          </m:num>
+                          <m:den>
+                            <m:r>
+                              <a:rPr lang="pt-PT" i="1" dirty="0">
+                                <a:latin typeface="Cambria Math" panose="02040503050406030204" pitchFamily="18" charset="0"/>
+                              </a:rPr>
+                              <m:t>𝐿</m:t>
+                            </m:r>
+                          </m:den>
+                        </m:f>
+                      </m:den>
+                    </m:f>
+                  </m:oMath>
+                </a14:m>
+                <a:r>
+                  <a:rPr lang="pt-PT" dirty="0"/>
+                  <a:t> </a:t>
+                </a:r>
+                <a14:m>
+                  <m:oMath xmlns:m="http://schemas.openxmlformats.org/officeDocument/2006/math">
+                    <m:r>
+                      <a:rPr lang="pt-PT" dirty="0">
+                        <a:latin typeface="Cambria Math" panose="02040503050406030204" pitchFamily="18" charset="0"/>
+                      </a:rPr>
+                      <m:t>⇔</m:t>
+                    </m:r>
+                  </m:oMath>
+                </a14:m>
+                <a:r>
+                  <a:rPr lang="pt-PT" dirty="0"/>
+                  <a:t> </a:t>
+                </a:r>
+                <a14:m>
+                  <m:oMath xmlns:m="http://schemas.openxmlformats.org/officeDocument/2006/math">
+                    <m:r>
+                      <a:rPr lang="pt-PT" i="1" dirty="0">
+                        <a:latin typeface="Cambria Math" panose="02040503050406030204" pitchFamily="18" charset="0"/>
+                      </a:rPr>
+                      <m:t>𝐵</m:t>
+                    </m:r>
+                  </m:oMath>
+                </a14:m>
+                <a:r>
+                  <a:rPr lang="pt-PT" dirty="0"/>
+                  <a:t> = </a:t>
+                </a:r>
+                <a14:m>
+                  <m:oMath xmlns:m="http://schemas.openxmlformats.org/officeDocument/2006/math">
+                    <m:f>
+                      <m:fPr>
+                        <m:ctrlPr>
+                          <a:rPr lang="pt-PT" i="1" dirty="0">
+                            <a:solidFill>
+                              <a:srgbClr val="836967"/>
+                            </a:solidFill>
+                            <a:latin typeface="Cambria Math" panose="02040503050406030204" pitchFamily="18" charset="0"/>
+                          </a:rPr>
+                        </m:ctrlPr>
+                      </m:fPr>
+                      <m:num>
+                        <m:r>
+                          <a:rPr lang="pt-PT" i="1" dirty="0">
+                            <a:latin typeface="Cambria Math" panose="02040503050406030204" pitchFamily="18" charset="0"/>
+                          </a:rPr>
+                          <m:t>𝑚</m:t>
+                        </m:r>
+                      </m:num>
+                      <m:den>
+                        <m:sSub>
+                          <m:sSubPr>
+                            <m:ctrlPr>
+                              <a:rPr lang="pt-PT" i="1" dirty="0">
+                                <a:solidFill>
+                                  <a:srgbClr val="836967"/>
+                                </a:solidFill>
+                                <a:latin typeface="Cambria Math" panose="02040503050406030204" pitchFamily="18" charset="0"/>
+                              </a:rPr>
+                            </m:ctrlPr>
+                          </m:sSubPr>
+                          <m:e>
+                            <m:r>
+                              <a:rPr lang="pt-PT" i="1" dirty="0">
+                                <a:latin typeface="Cambria Math" panose="02040503050406030204" pitchFamily="18" charset="0"/>
+                              </a:rPr>
+                              <m:t>𝜇</m:t>
+                            </m:r>
+                          </m:e>
+                          <m:sub>
+                            <m:r>
+                              <a:rPr lang="pt-PT" dirty="0">
+                                <a:latin typeface="Cambria Math" panose="02040503050406030204" pitchFamily="18" charset="0"/>
+                              </a:rPr>
+                              <m:t>0</m:t>
+                            </m:r>
+                          </m:sub>
+                        </m:sSub>
+                        <m:r>
+                          <a:rPr lang="pt-PT" dirty="0">
+                            <a:latin typeface="Cambria Math" panose="02040503050406030204" pitchFamily="18" charset="0"/>
+                          </a:rPr>
+                          <m:t>⋅</m:t>
+                        </m:r>
+                        <m:f>
+                          <m:fPr>
+                            <m:ctrlPr>
+                              <a:rPr lang="pt-PT" i="1" dirty="0">
+                                <a:solidFill>
+                                  <a:srgbClr val="836967"/>
+                                </a:solidFill>
+                                <a:latin typeface="Cambria Math" panose="02040503050406030204" pitchFamily="18" charset="0"/>
+                              </a:rPr>
+                            </m:ctrlPr>
+                          </m:fPr>
+                          <m:num>
+                            <m:r>
+                              <a:rPr lang="pt-PT" i="1" dirty="0">
+                                <a:latin typeface="Cambria Math" panose="02040503050406030204" pitchFamily="18" charset="0"/>
+                              </a:rPr>
+                              <m:t>𝑁</m:t>
+                            </m:r>
+                          </m:num>
+                          <m:den>
+                            <m:r>
+                              <a:rPr lang="pt-PT" i="1" dirty="0">
+                                <a:latin typeface="Cambria Math" panose="02040503050406030204" pitchFamily="18" charset="0"/>
+                              </a:rPr>
+                              <m:t>𝐿</m:t>
+                            </m:r>
+                          </m:den>
+                        </m:f>
+                      </m:den>
+                    </m:f>
+                  </m:oMath>
+                </a14:m>
+                <a:r>
+                  <a:rPr lang="pt-PT" dirty="0"/>
+                  <a:t> </a:t>
+                </a:r>
+                <a14:m>
+                  <m:oMath xmlns:m="http://schemas.openxmlformats.org/officeDocument/2006/math">
+                    <m:r>
+                      <a:rPr lang="pt-PT" dirty="0">
+                        <a:latin typeface="Cambria Math" panose="02040503050406030204" pitchFamily="18" charset="0"/>
+                      </a:rPr>
+                      <m:t>⋅</m:t>
+                    </m:r>
+                  </m:oMath>
+                </a14:m>
+                <a:r>
+                  <a:rPr lang="pt-PT" dirty="0">
+                    <a:solidFill>
+                      <a:srgbClr val="836967"/>
+                    </a:solidFill>
+                  </a:rPr>
+                  <a:t> </a:t>
+                </a:r>
+                <a14:m>
+                  <m:oMath xmlns:m="http://schemas.openxmlformats.org/officeDocument/2006/math">
+                    <m:sSub>
+                      <m:sSubPr>
+                        <m:ctrlPr>
+                          <a:rPr lang="pt-PT" i="1" dirty="0">
+                            <a:solidFill>
+                              <a:srgbClr val="836967"/>
+                            </a:solidFill>
+                            <a:latin typeface="Cambria Math" panose="02040503050406030204" pitchFamily="18" charset="0"/>
+                          </a:rPr>
+                        </m:ctrlPr>
+                      </m:sSubPr>
+                      <m:e>
+                        <m:r>
+                          <a:rPr lang="pt-PT" i="1" dirty="0">
+                            <a:solidFill>
+                              <a:srgbClr val="836967"/>
+                            </a:solidFill>
+                            <a:latin typeface="Cambria Math" panose="02040503050406030204" pitchFamily="18" charset="0"/>
+                          </a:rPr>
+                          <m:t>𝑉</m:t>
+                        </m:r>
+                      </m:e>
+                      <m:sub>
+                        <m:r>
+                          <a:rPr lang="pt-PT" i="1" dirty="0">
+                            <a:latin typeface="Cambria Math" panose="02040503050406030204" pitchFamily="18" charset="0"/>
+                          </a:rPr>
+                          <m:t>𝐻</m:t>
+                        </m:r>
+                      </m:sub>
+                    </m:sSub>
+                  </m:oMath>
+                </a14:m>
+                <a:r>
+                  <a:rPr lang="pt-PT" dirty="0"/>
+                  <a:t>;</a:t>
+                </a:r>
+              </a:p>
+              <a:p>
+                <a:endParaRPr lang="pt-PT" dirty="0"/>
+              </a:p>
+              <a:p>
+                <a:r>
+                  <a:rPr lang="pt-PT" dirty="0"/>
+                  <a:t>Conseguimos calcular o campo para as várias distâncias medidas.</a:t>
+                </a:r>
+              </a:p>
+              <a:p>
+                <a:endParaRPr lang="pt-PT" dirty="0"/>
+              </a:p>
+            </p:txBody>
+          </p:sp>
+        </mc:Choice>
+        <mc:Fallback xmlns="">
+          <p:sp>
+            <p:nvSpPr>
+              <p:cNvPr id="3" name="Marcador de Posição de Conteúdo 2">
+                <a:extLst>
+                  <a:ext uri="{FF2B5EF4-FFF2-40B4-BE49-F238E27FC236}">
+                    <a16:creationId xmlns:a16="http://schemas.microsoft.com/office/drawing/2014/main" id="{F40447F8-6EDC-4AA2-94E7-514DA0343628}"/>
+                  </a:ext>
+                </a:extLst>
+              </p:cNvPr>
+              <p:cNvSpPr>
+                <a:spLocks noGrp="1" noRot="1" noChangeAspect="1" noMove="1" noResize="1" noEditPoints="1" noAdjustHandles="1" noChangeArrowheads="1" noChangeShapeType="1" noTextEdit="1"/>
+              </p:cNvSpPr>
+              <p:nvPr>
+                <p:ph idx="1"/>
+              </p:nvPr>
+            </p:nvSpPr>
+            <p:spPr>
+              <a:blipFill>
+                <a:blip r:embed="rId2"/>
+                <a:stretch>
+                  <a:fillRect l="-142" t="-942" r="-993"/>
+                </a:stretch>
+              </a:blipFill>
+            </p:spPr>
+            <p:txBody>
+              <a:bodyPr/>
+              <a:lstStyle/>
+              <a:p>
+                <a:r>
+                  <a:rPr lang="pt-PT">
+                    <a:noFill/>
+                  </a:rPr>
+                  <a:t> </a:t>
+                </a:r>
+              </a:p>
+            </p:txBody>
+          </p:sp>
+        </mc:Fallback>
+      </mc:AlternateContent>
     </p:spTree>
     <p:extLst>
       <p:ext uri="{BB962C8B-B14F-4D97-AF65-F5344CB8AC3E}">
-        <p14:creationId xmlns:p14="http://schemas.microsoft.com/office/powerpoint/2010/main" val="2823494034"/>
+        <p14:creationId xmlns:p14="http://schemas.microsoft.com/office/powerpoint/2010/main" val="3150831697"/>
+      </p:ext>
+    </p:extLst>
+  </p:cSld>
+  <p:clrMapOvr>
+    <a:masterClrMapping/>
+  </p:clrMapOvr>
+</p:sld>
+</file>
+
+<file path=ppt/slides/slide9.xml><?xml version="1.0" encoding="utf-8"?>
+<p:sld xmlns:a="http://schemas.openxmlformats.org/drawingml/2006/main" xmlns:r="http://schemas.openxmlformats.org/officeDocument/2006/relationships" xmlns:p="http://schemas.openxmlformats.org/presentationml/2006/main">
+  <p:cSld>
+    <p:bg>
+      <p:bgPr>
+        <a:solidFill>
+          <a:schemeClr val="bg1"/>
+        </a:solidFill>
+        <a:effectLst/>
+      </p:bgPr>
+    </p:bg>
+    <p:spTree>
+      <p:nvGrpSpPr>
+        <p:cNvPr id="1" name=""/>
+        <p:cNvGrpSpPr/>
+        <p:nvPr/>
+      </p:nvGrpSpPr>
+      <p:grpSpPr>
+        <a:xfrm>
+          <a:off x="0" y="0"/>
+          <a:ext cx="0" cy="0"/>
+          <a:chOff x="0" y="0"/>
+          <a:chExt cx="0" cy="0"/>
+        </a:xfrm>
+      </p:grpSpPr>
+      <p:sp useBgFill="1">
+        <p:nvSpPr>
+          <p:cNvPr id="24" name="Rectangle 8">
+            <a:extLst>
+              <a:ext uri="{FF2B5EF4-FFF2-40B4-BE49-F238E27FC236}">
+                <a16:creationId xmlns:a16="http://schemas.microsoft.com/office/drawing/2014/main" id="{9F4444CE-BC8D-4D61-B303-4C05614E62AB}"/>
+              </a:ext>
+              <a:ext uri="{C183D7F6-B498-43B3-948B-1728B52AA6E4}">
+                <adec:decorative xmlns:adec="http://schemas.microsoft.com/office/drawing/2017/decorative" val="1"/>
+              </a:ext>
+            </a:extLst>
+          </p:cNvPr>
+          <p:cNvSpPr>
+            <a:spLocks noGrp="1" noRot="1" noChangeAspect="1" noMove="1" noResize="1" noEditPoints="1" noAdjustHandles="1" noChangeArrowheads="1" noChangeShapeType="1" noTextEdit="1"/>
+          </p:cNvSpPr>
+          <p:nvPr>
+            <p:extLst>
+              <p:ext uri="{386F3935-93C4-4BCD-93E2-E3B085C9AB24}">
+                <p16:designElem xmlns:p16="http://schemas.microsoft.com/office/powerpoint/2015/main" val="1"/>
+              </p:ext>
+            </p:extLst>
+          </p:nvPr>
+        </p:nvSpPr>
+        <p:spPr>
+          <a:xfrm>
+            <a:off x="0" y="0"/>
+            <a:ext cx="12192000" cy="6858000"/>
+          </a:xfrm>
+          <a:prstGeom prst="rect">
+            <a:avLst/>
+          </a:prstGeom>
+          <a:ln>
+            <a:noFill/>
+          </a:ln>
+        </p:spPr>
+        <p:style>
+          <a:lnRef idx="2">
+            <a:schemeClr val="accent1">
+              <a:shade val="50000"/>
+            </a:schemeClr>
+          </a:lnRef>
+          <a:fillRef idx="1">
+            <a:schemeClr val="accent1"/>
+          </a:fillRef>
+          <a:effectRef idx="0">
+            <a:schemeClr val="accent1"/>
+          </a:effectRef>
+          <a:fontRef idx="minor">
+            <a:schemeClr val="lt1"/>
+          </a:fontRef>
+        </p:style>
+        <p:txBody>
+          <a:bodyPr rtlCol="0" anchor="ctr"/>
+          <a:lstStyle/>
+          <a:p>
+            <a:pPr algn="ctr"/>
+            <a:endParaRPr lang="en-US"/>
+          </a:p>
+        </p:txBody>
+      </p:sp>
+      <p:sp>
+        <p:nvSpPr>
+          <p:cNvPr id="2" name="Título 1">
+            <a:extLst>
+              <a:ext uri="{FF2B5EF4-FFF2-40B4-BE49-F238E27FC236}">
+                <a16:creationId xmlns:a16="http://schemas.microsoft.com/office/drawing/2014/main" id="{33CAADD2-77DE-418B-A894-01BC2973786C}"/>
+              </a:ext>
+            </a:extLst>
+          </p:cNvPr>
+          <p:cNvSpPr>
+            <a:spLocks noGrp="1"/>
+          </p:cNvSpPr>
+          <p:nvPr>
+            <p:ph type="title"/>
+          </p:nvPr>
+        </p:nvSpPr>
+        <p:spPr>
+          <a:xfrm>
+            <a:off x="1286933" y="609600"/>
+            <a:ext cx="9694745" cy="775317"/>
+          </a:xfrm>
+        </p:spPr>
+        <p:txBody>
+          <a:bodyPr>
+            <a:normAutofit/>
+          </a:bodyPr>
+          <a:lstStyle/>
+          <a:p>
+            <a:r>
+              <a:rPr lang="pt-PT" dirty="0"/>
+              <a:t>Verificação do princípio de sobreposição</a:t>
+            </a:r>
+          </a:p>
+        </p:txBody>
+      </p:sp>
+      <p:sp>
+        <p:nvSpPr>
+          <p:cNvPr id="25" name="Isosceles Triangle 10">
+            <a:extLst>
+              <a:ext uri="{FF2B5EF4-FFF2-40B4-BE49-F238E27FC236}">
+                <a16:creationId xmlns:a16="http://schemas.microsoft.com/office/drawing/2014/main" id="{73772B81-181F-48B7-8826-4D9686D15DF5}"/>
+              </a:ext>
+              <a:ext uri="{C183D7F6-B498-43B3-948B-1728B52AA6E4}">
+                <adec:decorative xmlns:adec="http://schemas.microsoft.com/office/drawing/2017/decorative" val="1"/>
+              </a:ext>
+            </a:extLst>
+          </p:cNvPr>
+          <p:cNvSpPr>
+            <a:spLocks noGrp="1" noRot="1" noChangeAspect="1" noMove="1" noResize="1" noEditPoints="1" noAdjustHandles="1" noChangeArrowheads="1" noChangeShapeType="1" noTextEdit="1"/>
+          </p:cNvSpPr>
+          <p:nvPr>
+            <p:extLst>
+              <p:ext uri="{386F3935-93C4-4BCD-93E2-E3B085C9AB24}">
+                <p16:designElem xmlns:p16="http://schemas.microsoft.com/office/powerpoint/2015/main" val="1"/>
+              </p:ext>
+            </p:extLst>
+          </p:nvPr>
+        </p:nvSpPr>
+        <p:spPr>
+          <a:xfrm rot="10800000">
+            <a:off x="0" y="0"/>
+            <a:ext cx="842596" cy="5666154"/>
+          </a:xfrm>
+          <a:prstGeom prst="triangle">
+            <a:avLst>
+              <a:gd name="adj" fmla="val 100000"/>
+            </a:avLst>
+          </a:prstGeom>
+          <a:solidFill>
+            <a:schemeClr val="accent1">
+              <a:alpha val="85000"/>
+            </a:schemeClr>
+          </a:solidFill>
+          <a:ln>
+            <a:noFill/>
+          </a:ln>
+          <a:effectLst/>
+        </p:spPr>
+        <p:style>
+          <a:lnRef idx="1">
+            <a:schemeClr val="accent1"/>
+          </a:lnRef>
+          <a:fillRef idx="3">
+            <a:schemeClr val="accent1"/>
+          </a:fillRef>
+          <a:effectRef idx="2">
+            <a:schemeClr val="accent1"/>
+          </a:effectRef>
+          <a:fontRef idx="minor">
+            <a:schemeClr val="lt1"/>
+          </a:fontRef>
+        </p:style>
+      </p:sp>
+      <p:sp>
+        <p:nvSpPr>
+          <p:cNvPr id="13" name="Isosceles Triangle 12">
+            <a:extLst>
+              <a:ext uri="{FF2B5EF4-FFF2-40B4-BE49-F238E27FC236}">
+                <a16:creationId xmlns:a16="http://schemas.microsoft.com/office/drawing/2014/main" id="{B2205F6E-03C6-4E92-877C-E2482F6599AA}"/>
+              </a:ext>
+              <a:ext uri="{C183D7F6-B498-43B3-948B-1728B52AA6E4}">
+                <adec:decorative xmlns:adec="http://schemas.microsoft.com/office/drawing/2017/decorative" val="1"/>
+              </a:ext>
+            </a:extLst>
+          </p:cNvPr>
+          <p:cNvSpPr>
+            <a:spLocks noGrp="1" noRot="1" noChangeAspect="1" noMove="1" noResize="1" noEditPoints="1" noAdjustHandles="1" noChangeArrowheads="1" noChangeShapeType="1" noTextEdit="1"/>
+          </p:cNvSpPr>
+          <p:nvPr>
+            <p:extLst>
+              <p:ext uri="{386F3935-93C4-4BCD-93E2-E3B085C9AB24}">
+                <p16:designElem xmlns:p16="http://schemas.microsoft.com/office/powerpoint/2015/main" val="1"/>
+              </p:ext>
+            </p:extLst>
+          </p:nvPr>
+        </p:nvSpPr>
+        <p:spPr>
+          <a:xfrm flipH="1">
+            <a:off x="11743267" y="4013200"/>
+            <a:ext cx="448733" cy="2844800"/>
+          </a:xfrm>
+          <a:prstGeom prst="triangle">
+            <a:avLst>
+              <a:gd name="adj" fmla="val 0"/>
+            </a:avLst>
+          </a:prstGeom>
+          <a:solidFill>
+            <a:schemeClr val="accent1">
+              <a:alpha val="85000"/>
+            </a:schemeClr>
+          </a:solidFill>
+          <a:ln>
+            <a:noFill/>
+          </a:ln>
+          <a:effectLst/>
+        </p:spPr>
+        <p:style>
+          <a:lnRef idx="1">
+            <a:schemeClr val="accent1"/>
+          </a:lnRef>
+          <a:fillRef idx="3">
+            <a:schemeClr val="accent1"/>
+          </a:fillRef>
+          <a:effectRef idx="2">
+            <a:schemeClr val="accent1"/>
+          </a:effectRef>
+          <a:fontRef idx="minor">
+            <a:schemeClr val="lt1"/>
+          </a:fontRef>
+        </p:style>
+      </p:sp>
+      <p:graphicFrame>
+        <p:nvGraphicFramePr>
+          <p:cNvPr id="4" name="Marcador de Posição de Conteúdo 3">
+            <a:extLst>
+              <a:ext uri="{FF2B5EF4-FFF2-40B4-BE49-F238E27FC236}">
+                <a16:creationId xmlns:a16="http://schemas.microsoft.com/office/drawing/2014/main" id="{F90A7CAC-479E-436E-B009-DB7E530B1904}"/>
+              </a:ext>
+            </a:extLst>
+          </p:cNvPr>
+          <p:cNvGraphicFramePr>
+            <a:graphicFrameLocks noGrp="1"/>
+          </p:cNvGraphicFramePr>
+          <p:nvPr>
+            <p:ph idx="1"/>
+            <p:extLst>
+              <p:ext uri="{D42A27DB-BD31-4B8C-83A1-F6EECF244321}">
+                <p14:modId xmlns:p14="http://schemas.microsoft.com/office/powerpoint/2010/main" val="491706088"/>
+              </p:ext>
+            </p:extLst>
+          </p:nvPr>
+        </p:nvGraphicFramePr>
+        <p:xfrm>
+          <a:off x="1286934" y="2104008"/>
+          <a:ext cx="9357392" cy="3938017"/>
+        </p:xfrm>
+        <a:graphic>
+          <a:graphicData uri="http://schemas.openxmlformats.org/drawingml/2006/chart">
+            <c:chart xmlns:c="http://schemas.openxmlformats.org/drawingml/2006/chart" xmlns:r="http://schemas.openxmlformats.org/officeDocument/2006/relationships" r:id="rId2"/>
+          </a:graphicData>
+        </a:graphic>
+      </p:graphicFrame>
+    </p:spTree>
+    <p:extLst>
+      <p:ext uri="{BB962C8B-B14F-4D97-AF65-F5344CB8AC3E}">
+        <p14:creationId xmlns:p14="http://schemas.microsoft.com/office/powerpoint/2010/main" val="637849929"/>
       </p:ext>
     </p:extLst>
   </p:cSld>

--- a/AprestOralMCE.pptx
+++ b/AprestOralMCE.pptx
@@ -6,15 +6,21 @@
   </p:sldMasterIdLst>
   <p:sldIdLst>
     <p:sldId id="256" r:id="rId2"/>
-    <p:sldId id="265" r:id="rId3"/>
+    <p:sldId id="271" r:id="rId3"/>
     <p:sldId id="259" r:id="rId4"/>
-    <p:sldId id="264" r:id="rId5"/>
-    <p:sldId id="266" r:id="rId6"/>
+    <p:sldId id="270" r:id="rId5"/>
+    <p:sldId id="272" r:id="rId6"/>
     <p:sldId id="258" r:id="rId7"/>
-    <p:sldId id="262" r:id="rId8"/>
-    <p:sldId id="263" r:id="rId9"/>
-    <p:sldId id="260" r:id="rId10"/>
-    <p:sldId id="261" r:id="rId11"/>
+    <p:sldId id="264" r:id="rId8"/>
+    <p:sldId id="267" r:id="rId9"/>
+    <p:sldId id="268" r:id="rId10"/>
+    <p:sldId id="265" r:id="rId11"/>
+    <p:sldId id="266" r:id="rId12"/>
+    <p:sldId id="269" r:id="rId13"/>
+    <p:sldId id="262" r:id="rId14"/>
+    <p:sldId id="263" r:id="rId15"/>
+    <p:sldId id="260" r:id="rId16"/>
+    <p:sldId id="261" r:id="rId17"/>
   </p:sldIdLst>
   <p:sldSz cx="12192000" cy="6858000"/>
   <p:notesSz cx="6858000" cy="9144000"/>
@@ -122,6 +128,734 @@
 </file>
 
 <file path=ppt/charts/chart1.xml><?xml version="1.0" encoding="utf-8"?>
+<c:chartSpace xmlns:c="http://schemas.openxmlformats.org/drawingml/2006/chart" xmlns:a="http://schemas.openxmlformats.org/drawingml/2006/main" xmlns:r="http://schemas.openxmlformats.org/officeDocument/2006/relationships" xmlns:c16r2="http://schemas.microsoft.com/office/drawing/2015/06/chart">
+  <c:date1904 val="0"/>
+  <c:lang val="pt-PT"/>
+  <c:roundedCorners val="0"/>
+  <mc:AlternateContent xmlns:mc="http://schemas.openxmlformats.org/markup-compatibility/2006">
+    <mc:Choice xmlns:c14="http://schemas.microsoft.com/office/drawing/2007/8/2/chart" Requires="c14">
+      <c14:style val="102"/>
+    </mc:Choice>
+    <mc:Fallback>
+      <c:style val="2"/>
+    </mc:Fallback>
+  </mc:AlternateContent>
+  <c:chart>
+    <c:title>
+      <c:tx>
+        <c:rich>
+          <a:bodyPr rot="0" spcFirstLastPara="1" vertOverflow="ellipsis" vert="horz" wrap="square" anchor="ctr" anchorCtr="1"/>
+          <a:lstStyle/>
+          <a:p>
+            <a:pPr>
+              <a:defRPr sz="1400" b="0" i="0" u="none" strike="noStrike" kern="1200" spc="0" baseline="0">
+                <a:solidFill>
+                  <a:schemeClr val="tx1">
+                    <a:lumMod val="65000"/>
+                    <a:lumOff val="35000"/>
+                  </a:schemeClr>
+                </a:solidFill>
+                <a:latin typeface="+mn-lt"/>
+                <a:ea typeface="+mn-ea"/>
+                <a:cs typeface="+mn-cs"/>
+              </a:defRPr>
+            </a:pPr>
+            <a:r>
+              <a:rPr lang="en-US"/>
+              <a:t>Tensão de Hall em função da Intensidade</a:t>
+            </a:r>
+          </a:p>
+        </c:rich>
+      </c:tx>
+      <c:layout>
+        <c:manualLayout>
+          <c:xMode val="edge"/>
+          <c:yMode val="edge"/>
+          <c:x val="0.28385116992711928"/>
+          <c:y val="1.3488450514247175E-2"/>
+        </c:manualLayout>
+      </c:layout>
+      <c:overlay val="0"/>
+      <c:spPr>
+        <a:noFill/>
+        <a:ln>
+          <a:noFill/>
+        </a:ln>
+        <a:effectLst/>
+      </c:spPr>
+      <c:txPr>
+        <a:bodyPr rot="0" spcFirstLastPara="1" vertOverflow="ellipsis" vert="horz" wrap="square" anchor="ctr" anchorCtr="1"/>
+        <a:lstStyle/>
+        <a:p>
+          <a:pPr>
+            <a:defRPr sz="1400" b="0" i="0" u="none" strike="noStrike" kern="1200" spc="0" baseline="0">
+              <a:solidFill>
+                <a:schemeClr val="tx1">
+                  <a:lumMod val="65000"/>
+                  <a:lumOff val="35000"/>
+                </a:schemeClr>
+              </a:solidFill>
+              <a:latin typeface="+mn-lt"/>
+              <a:ea typeface="+mn-ea"/>
+              <a:cs typeface="+mn-cs"/>
+            </a:defRPr>
+          </a:pPr>
+          <a:endParaRPr lang="pt-PT"/>
+        </a:p>
+      </c:txPr>
+    </c:title>
+    <c:autoTitleDeleted val="0"/>
+    <c:plotArea>
+      <c:layout>
+        <c:manualLayout>
+          <c:layoutTarget val="inner"/>
+          <c:xMode val="edge"/>
+          <c:yMode val="edge"/>
+          <c:x val="8.1067930375216327E-2"/>
+          <c:y val="8.075572495774902E-2"/>
+          <c:w val="0.89179299221659436"/>
+          <c:h val="0.76403150668381925"/>
+        </c:manualLayout>
+      </c:layout>
+      <c:lineChart>
+        <c:grouping val="standard"/>
+        <c:varyColors val="0"/>
+        <c:ser>
+          <c:idx val="0"/>
+          <c:order val="0"/>
+          <c:tx>
+            <c:strRef>
+              <c:f>Folha1!$D$1</c:f>
+              <c:strCache>
+                <c:ptCount val="1"/>
+                <c:pt idx="0">
+                  <c:v>Tensão de Hall</c:v>
+                </c:pt>
+              </c:strCache>
+            </c:strRef>
+          </c:tx>
+          <c:spPr>
+            <a:ln w="28575" cap="rnd">
+              <a:solidFill>
+                <a:schemeClr val="accent1"/>
+              </a:solidFill>
+              <a:round/>
+            </a:ln>
+            <a:effectLst/>
+          </c:spPr>
+          <c:marker>
+            <c:symbol val="none"/>
+          </c:marker>
+          <c:dLbls>
+            <c:dLbl>
+              <c:idx val="2"/>
+              <c:layout>
+                <c:manualLayout>
+                  <c:x val="-2.8274874731567663E-2"/>
+                  <c:y val="6.7442252571235876E-3"/>
+                </c:manualLayout>
+              </c:layout>
+              <c:dLblPos val="r"/>
+              <c:showLegendKey val="0"/>
+              <c:showVal val="1"/>
+              <c:showCatName val="0"/>
+              <c:showSerName val="0"/>
+              <c:showPercent val="0"/>
+              <c:showBubbleSize val="0"/>
+              <c:extLst>
+                <c:ext xmlns:c15="http://schemas.microsoft.com/office/drawing/2012/chart" uri="{CE6537A1-D6FC-4f65-9D91-7224C49458BB}"/>
+                <c:ext xmlns:c16="http://schemas.microsoft.com/office/drawing/2014/chart" uri="{C3380CC4-5D6E-409C-BE32-E72D297353CC}">
+                  <c16:uniqueId val="{00000000-D049-44FF-960C-4EFE1298385D}"/>
+                </c:ext>
+              </c:extLst>
+            </c:dLbl>
+            <c:spPr>
+              <a:noFill/>
+              <a:ln>
+                <a:noFill/>
+              </a:ln>
+              <a:effectLst/>
+            </c:spPr>
+            <c:txPr>
+              <a:bodyPr rot="0" spcFirstLastPara="1" vertOverflow="ellipsis" vert="horz" wrap="square" lIns="38100" tIns="19050" rIns="38100" bIns="19050" anchor="ctr" anchorCtr="1">
+                <a:spAutoFit/>
+              </a:bodyPr>
+              <a:lstStyle/>
+              <a:p>
+                <a:pPr>
+                  <a:defRPr sz="900" b="0" i="0" u="none" strike="noStrike" kern="1200" baseline="0">
+                    <a:solidFill>
+                      <a:schemeClr val="tx1">
+                        <a:lumMod val="75000"/>
+                        <a:lumOff val="25000"/>
+                      </a:schemeClr>
+                    </a:solidFill>
+                    <a:latin typeface="+mn-lt"/>
+                    <a:ea typeface="+mn-ea"/>
+                    <a:cs typeface="+mn-cs"/>
+                  </a:defRPr>
+                </a:pPr>
+                <a:endParaRPr lang="pt-PT"/>
+              </a:p>
+            </c:txPr>
+            <c:dLblPos val="ctr"/>
+            <c:showLegendKey val="0"/>
+            <c:showVal val="1"/>
+            <c:showCatName val="0"/>
+            <c:showSerName val="0"/>
+            <c:showPercent val="0"/>
+            <c:showBubbleSize val="0"/>
+            <c:showLeaderLines val="0"/>
+            <c:extLst>
+              <c:ext xmlns:c15="http://schemas.microsoft.com/office/drawing/2012/chart" uri="{CE6537A1-D6FC-4f65-9D91-7224C49458BB}">
+                <c15:showLeaderLines val="1"/>
+                <c15:leaderLines>
+                  <c:spPr>
+                    <a:ln w="9525" cap="flat" cmpd="sng" algn="ctr">
+                      <a:solidFill>
+                        <a:schemeClr val="tx1">
+                          <a:lumMod val="35000"/>
+                          <a:lumOff val="65000"/>
+                        </a:schemeClr>
+                      </a:solidFill>
+                      <a:round/>
+                    </a:ln>
+                    <a:effectLst/>
+                  </c:spPr>
+                </c15:leaderLines>
+              </c:ext>
+            </c:extLst>
+          </c:dLbls>
+          <c:trendline>
+            <c:spPr>
+              <a:ln w="19050" cap="rnd">
+                <a:solidFill>
+                  <a:schemeClr val="accent1"/>
+                </a:solidFill>
+                <a:prstDash val="sysDot"/>
+              </a:ln>
+              <a:effectLst/>
+            </c:spPr>
+            <c:trendlineType val="linear"/>
+            <c:dispRSqr val="0"/>
+            <c:dispEq val="1"/>
+            <c:trendlineLbl>
+              <c:layout>
+                <c:manualLayout>
+                  <c:x val="-0.10232596069334832"/>
+                  <c:y val="-4.0689185475487798E-2"/>
+                </c:manualLayout>
+              </c:layout>
+              <c:numFmt formatCode="General" sourceLinked="0"/>
+              <c:spPr>
+                <a:noFill/>
+                <a:ln>
+                  <a:noFill/>
+                </a:ln>
+                <a:effectLst/>
+              </c:spPr>
+              <c:txPr>
+                <a:bodyPr rot="0" spcFirstLastPara="1" vertOverflow="ellipsis" vert="horz" wrap="square" anchor="ctr" anchorCtr="1"/>
+                <a:lstStyle/>
+                <a:p>
+                  <a:pPr>
+                    <a:defRPr sz="900" b="0" i="0" u="none" strike="noStrike" kern="1200" baseline="0">
+                      <a:solidFill>
+                        <a:schemeClr val="tx1">
+                          <a:lumMod val="65000"/>
+                          <a:lumOff val="35000"/>
+                        </a:schemeClr>
+                      </a:solidFill>
+                      <a:latin typeface="+mn-lt"/>
+                      <a:ea typeface="+mn-ea"/>
+                      <a:cs typeface="+mn-cs"/>
+                    </a:defRPr>
+                  </a:pPr>
+                  <a:endParaRPr lang="pt-PT"/>
+                </a:p>
+              </c:txPr>
+            </c:trendlineLbl>
+          </c:trendline>
+          <c:cat>
+            <c:numRef>
+              <c:f>Folha1!$C$2:$C$30</c:f>
+              <c:numCache>
+                <c:formatCode>General</c:formatCode>
+                <c:ptCount val="29"/>
+                <c:pt idx="0">
+                  <c:v>0.01</c:v>
+                </c:pt>
+                <c:pt idx="1">
+                  <c:v>0.03</c:v>
+                </c:pt>
+                <c:pt idx="2">
+                  <c:v>0.05</c:v>
+                </c:pt>
+                <c:pt idx="3">
+                  <c:v>7.0000000000000007E-2</c:v>
+                </c:pt>
+                <c:pt idx="4">
+                  <c:v>0.09</c:v>
+                </c:pt>
+                <c:pt idx="5">
+                  <c:v>0.11</c:v>
+                </c:pt>
+                <c:pt idx="6">
+                  <c:v>0.13</c:v>
+                </c:pt>
+                <c:pt idx="7">
+                  <c:v>0.15</c:v>
+                </c:pt>
+                <c:pt idx="8">
+                  <c:v>0.17</c:v>
+                </c:pt>
+                <c:pt idx="9">
+                  <c:v>0.19</c:v>
+                </c:pt>
+                <c:pt idx="10">
+                  <c:v>0.21</c:v>
+                </c:pt>
+                <c:pt idx="11">
+                  <c:v>0.23</c:v>
+                </c:pt>
+                <c:pt idx="12">
+                  <c:v>0.25</c:v>
+                </c:pt>
+                <c:pt idx="13">
+                  <c:v>0.27</c:v>
+                </c:pt>
+                <c:pt idx="14">
+                  <c:v>0.28999999999999998</c:v>
+                </c:pt>
+                <c:pt idx="15">
+                  <c:v>0.31</c:v>
+                </c:pt>
+                <c:pt idx="16">
+                  <c:v>0.33</c:v>
+                </c:pt>
+                <c:pt idx="17">
+                  <c:v>0.35</c:v>
+                </c:pt>
+                <c:pt idx="18">
+                  <c:v>0.37</c:v>
+                </c:pt>
+                <c:pt idx="19">
+                  <c:v>0.39</c:v>
+                </c:pt>
+                <c:pt idx="20">
+                  <c:v>0.41</c:v>
+                </c:pt>
+                <c:pt idx="21">
+                  <c:v>0.43</c:v>
+                </c:pt>
+                <c:pt idx="22">
+                  <c:v>0.45</c:v>
+                </c:pt>
+                <c:pt idx="23">
+                  <c:v>0.47</c:v>
+                </c:pt>
+                <c:pt idx="24">
+                  <c:v>0.49</c:v>
+                </c:pt>
+                <c:pt idx="25">
+                  <c:v>0.51</c:v>
+                </c:pt>
+                <c:pt idx="26">
+                  <c:v>0.53</c:v>
+                </c:pt>
+                <c:pt idx="27">
+                  <c:v>0.55000000000000004</c:v>
+                </c:pt>
+                <c:pt idx="28">
+                  <c:v>0.56999999999999995</c:v>
+                </c:pt>
+              </c:numCache>
+            </c:numRef>
+          </c:cat>
+          <c:val>
+            <c:numRef>
+              <c:f>Folha1!$D$2:$D$30</c:f>
+              <c:numCache>
+                <c:formatCode>General</c:formatCode>
+                <c:ptCount val="29"/>
+                <c:pt idx="0">
+                  <c:v>1E-3</c:v>
+                </c:pt>
+                <c:pt idx="1">
+                  <c:v>3.5000000000000001E-3</c:v>
+                </c:pt>
+                <c:pt idx="2">
+                  <c:v>6.0000000000000001E-3</c:v>
+                </c:pt>
+                <c:pt idx="3">
+                  <c:v>9.8000000000000014E-3</c:v>
+                </c:pt>
+                <c:pt idx="4">
+                  <c:v>1.1599999999999999E-2</c:v>
+                </c:pt>
+                <c:pt idx="5">
+                  <c:v>1.4199999999999999E-2</c:v>
+                </c:pt>
+                <c:pt idx="6">
+                  <c:v>1.7299999999999999E-2</c:v>
+                </c:pt>
+                <c:pt idx="7">
+                  <c:v>2.01E-2</c:v>
+                </c:pt>
+                <c:pt idx="8">
+                  <c:v>2.3199999999999998E-2</c:v>
+                </c:pt>
+                <c:pt idx="9">
+                  <c:v>2.5700000000000001E-2</c:v>
+                </c:pt>
+                <c:pt idx="10">
+                  <c:v>2.8799999999999999E-2</c:v>
+                </c:pt>
+                <c:pt idx="11">
+                  <c:v>3.1300000000000001E-2</c:v>
+                </c:pt>
+                <c:pt idx="12">
+                  <c:v>3.3799999999999997E-2</c:v>
+                </c:pt>
+                <c:pt idx="13">
+                  <c:v>3.6999999999999998E-2</c:v>
+                </c:pt>
+                <c:pt idx="14">
+                  <c:v>3.9600000000000003E-2</c:v>
+                </c:pt>
+                <c:pt idx="15">
+                  <c:v>4.1799999999999997E-2</c:v>
+                </c:pt>
+                <c:pt idx="16">
+                  <c:v>4.4899999999999995E-2</c:v>
+                </c:pt>
+                <c:pt idx="17">
+                  <c:v>4.8500000000000001E-2</c:v>
+                </c:pt>
+                <c:pt idx="18">
+                  <c:v>5.0500000000000003E-2</c:v>
+                </c:pt>
+                <c:pt idx="19">
+                  <c:v>5.33E-2</c:v>
+                </c:pt>
+                <c:pt idx="20">
+                  <c:v>5.62E-2</c:v>
+                </c:pt>
+                <c:pt idx="21">
+                  <c:v>5.9299999999999999E-2</c:v>
+                </c:pt>
+                <c:pt idx="22">
+                  <c:v>6.1799999999999994E-2</c:v>
+                </c:pt>
+                <c:pt idx="23">
+                  <c:v>6.4500000000000002E-2</c:v>
+                </c:pt>
+                <c:pt idx="24">
+                  <c:v>6.6700000000000009E-2</c:v>
+                </c:pt>
+                <c:pt idx="25">
+                  <c:v>7.0000000000000007E-2</c:v>
+                </c:pt>
+                <c:pt idx="26">
+                  <c:v>7.3799999999999991E-2</c:v>
+                </c:pt>
+                <c:pt idx="27">
+                  <c:v>7.5499999999999998E-2</c:v>
+                </c:pt>
+                <c:pt idx="28">
+                  <c:v>7.85E-2</c:v>
+                </c:pt>
+              </c:numCache>
+            </c:numRef>
+          </c:val>
+          <c:smooth val="0"/>
+          <c:extLst>
+            <c:ext xmlns:c16="http://schemas.microsoft.com/office/drawing/2014/chart" uri="{C3380CC4-5D6E-409C-BE32-E72D297353CC}">
+              <c16:uniqueId val="{00000002-D049-44FF-960C-4EFE1298385D}"/>
+            </c:ext>
+          </c:extLst>
+        </c:ser>
+        <c:dLbls>
+          <c:dLblPos val="ctr"/>
+          <c:showLegendKey val="0"/>
+          <c:showVal val="1"/>
+          <c:showCatName val="0"/>
+          <c:showSerName val="0"/>
+          <c:showPercent val="0"/>
+          <c:showBubbleSize val="0"/>
+        </c:dLbls>
+        <c:smooth val="0"/>
+        <c:axId val="662320848"/>
+        <c:axId val="662320208"/>
+      </c:lineChart>
+      <c:catAx>
+        <c:axId val="662320848"/>
+        <c:scaling>
+          <c:orientation val="minMax"/>
+        </c:scaling>
+        <c:delete val="0"/>
+        <c:axPos val="b"/>
+        <c:title>
+          <c:tx>
+            <c:rich>
+              <a:bodyPr rot="0" spcFirstLastPara="1" vertOverflow="ellipsis" vert="horz" wrap="square" anchor="ctr" anchorCtr="1"/>
+              <a:lstStyle/>
+              <a:p>
+                <a:pPr>
+                  <a:defRPr sz="1000" b="0" i="0" u="none" strike="noStrike" kern="1200" baseline="0">
+                    <a:solidFill>
+                      <a:schemeClr val="tx1">
+                        <a:lumMod val="65000"/>
+                        <a:lumOff val="35000"/>
+                      </a:schemeClr>
+                    </a:solidFill>
+                    <a:latin typeface="+mn-lt"/>
+                    <a:ea typeface="+mn-ea"/>
+                    <a:cs typeface="+mn-cs"/>
+                  </a:defRPr>
+                </a:pPr>
+                <a:r>
+                  <a:rPr lang="pt-PT"/>
+                  <a:t>Intensidade (A)</a:t>
+                </a:r>
+              </a:p>
+            </c:rich>
+          </c:tx>
+          <c:overlay val="0"/>
+          <c:spPr>
+            <a:noFill/>
+            <a:ln>
+              <a:noFill/>
+            </a:ln>
+            <a:effectLst/>
+          </c:spPr>
+          <c:txPr>
+            <a:bodyPr rot="0" spcFirstLastPara="1" vertOverflow="ellipsis" vert="horz" wrap="square" anchor="ctr" anchorCtr="1"/>
+            <a:lstStyle/>
+            <a:p>
+              <a:pPr>
+                <a:defRPr sz="1000" b="0" i="0" u="none" strike="noStrike" kern="1200" baseline="0">
+                  <a:solidFill>
+                    <a:schemeClr val="tx1">
+                      <a:lumMod val="65000"/>
+                      <a:lumOff val="35000"/>
+                    </a:schemeClr>
+                  </a:solidFill>
+                  <a:latin typeface="+mn-lt"/>
+                  <a:ea typeface="+mn-ea"/>
+                  <a:cs typeface="+mn-cs"/>
+                </a:defRPr>
+              </a:pPr>
+              <a:endParaRPr lang="pt-PT"/>
+            </a:p>
+          </c:txPr>
+        </c:title>
+        <c:numFmt formatCode="General" sourceLinked="1"/>
+        <c:majorTickMark val="none"/>
+        <c:minorTickMark val="none"/>
+        <c:tickLblPos val="nextTo"/>
+        <c:spPr>
+          <a:noFill/>
+          <a:ln w="9525" cap="flat" cmpd="sng" algn="ctr">
+            <a:solidFill>
+              <a:schemeClr val="tx1">
+                <a:lumMod val="15000"/>
+                <a:lumOff val="85000"/>
+              </a:schemeClr>
+            </a:solidFill>
+            <a:round/>
+          </a:ln>
+          <a:effectLst/>
+        </c:spPr>
+        <c:txPr>
+          <a:bodyPr rot="-60000000" spcFirstLastPara="1" vertOverflow="ellipsis" vert="horz" wrap="square" anchor="ctr" anchorCtr="1"/>
+          <a:lstStyle/>
+          <a:p>
+            <a:pPr>
+              <a:defRPr sz="900" b="0" i="0" u="none" strike="noStrike" kern="1200" baseline="0">
+                <a:solidFill>
+                  <a:schemeClr val="tx1">
+                    <a:lumMod val="65000"/>
+                    <a:lumOff val="35000"/>
+                  </a:schemeClr>
+                </a:solidFill>
+                <a:latin typeface="+mn-lt"/>
+                <a:ea typeface="+mn-ea"/>
+                <a:cs typeface="+mn-cs"/>
+              </a:defRPr>
+            </a:pPr>
+            <a:endParaRPr lang="pt-PT"/>
+          </a:p>
+        </c:txPr>
+        <c:crossAx val="662320208"/>
+        <c:crosses val="autoZero"/>
+        <c:auto val="1"/>
+        <c:lblAlgn val="ctr"/>
+        <c:lblOffset val="100"/>
+        <c:noMultiLvlLbl val="0"/>
+      </c:catAx>
+      <c:valAx>
+        <c:axId val="662320208"/>
+        <c:scaling>
+          <c:orientation val="minMax"/>
+        </c:scaling>
+        <c:delete val="0"/>
+        <c:axPos val="l"/>
+        <c:majorGridlines>
+          <c:spPr>
+            <a:ln w="9525" cap="flat" cmpd="sng" algn="ctr">
+              <a:solidFill>
+                <a:schemeClr val="tx1">
+                  <a:lumMod val="15000"/>
+                  <a:lumOff val="85000"/>
+                </a:schemeClr>
+              </a:solidFill>
+              <a:round/>
+            </a:ln>
+            <a:effectLst/>
+          </c:spPr>
+        </c:majorGridlines>
+        <c:title>
+          <c:tx>
+            <c:rich>
+              <a:bodyPr rot="-5400000" spcFirstLastPara="1" vertOverflow="ellipsis" vert="horz" wrap="square" anchor="ctr" anchorCtr="1"/>
+              <a:lstStyle/>
+              <a:p>
+                <a:pPr>
+                  <a:defRPr sz="1000" b="0" i="0" u="none" strike="noStrike" kern="1200" baseline="0">
+                    <a:solidFill>
+                      <a:schemeClr val="tx1">
+                        <a:lumMod val="65000"/>
+                        <a:lumOff val="35000"/>
+                      </a:schemeClr>
+                    </a:solidFill>
+                    <a:latin typeface="+mn-lt"/>
+                    <a:ea typeface="+mn-ea"/>
+                    <a:cs typeface="+mn-cs"/>
+                  </a:defRPr>
+                </a:pPr>
+                <a:r>
+                  <a:rPr lang="pt-PT"/>
+                  <a:t>Tensão de Hall (V)</a:t>
+                </a:r>
+              </a:p>
+            </c:rich>
+          </c:tx>
+          <c:layout>
+            <c:manualLayout>
+              <c:xMode val="edge"/>
+              <c:yMode val="edge"/>
+              <c:x val="6.7311206352370515E-3"/>
+              <c:y val="0.3285106812331311"/>
+            </c:manualLayout>
+          </c:layout>
+          <c:overlay val="0"/>
+          <c:spPr>
+            <a:noFill/>
+            <a:ln>
+              <a:noFill/>
+            </a:ln>
+            <a:effectLst/>
+          </c:spPr>
+          <c:txPr>
+            <a:bodyPr rot="-5400000" spcFirstLastPara="1" vertOverflow="ellipsis" vert="horz" wrap="square" anchor="ctr" anchorCtr="1"/>
+            <a:lstStyle/>
+            <a:p>
+              <a:pPr>
+                <a:defRPr sz="1000" b="0" i="0" u="none" strike="noStrike" kern="1200" baseline="0">
+                  <a:solidFill>
+                    <a:schemeClr val="tx1">
+                      <a:lumMod val="65000"/>
+                      <a:lumOff val="35000"/>
+                    </a:schemeClr>
+                  </a:solidFill>
+                  <a:latin typeface="+mn-lt"/>
+                  <a:ea typeface="+mn-ea"/>
+                  <a:cs typeface="+mn-cs"/>
+                </a:defRPr>
+              </a:pPr>
+              <a:endParaRPr lang="pt-PT"/>
+            </a:p>
+          </c:txPr>
+        </c:title>
+        <c:numFmt formatCode="General" sourceLinked="1"/>
+        <c:majorTickMark val="none"/>
+        <c:minorTickMark val="none"/>
+        <c:tickLblPos val="nextTo"/>
+        <c:spPr>
+          <a:noFill/>
+          <a:ln>
+            <a:noFill/>
+          </a:ln>
+          <a:effectLst/>
+        </c:spPr>
+        <c:txPr>
+          <a:bodyPr rot="-60000000" spcFirstLastPara="1" vertOverflow="ellipsis" vert="horz" wrap="square" anchor="ctr" anchorCtr="1"/>
+          <a:lstStyle/>
+          <a:p>
+            <a:pPr>
+              <a:defRPr sz="900" b="0" i="0" u="none" strike="noStrike" kern="1200" baseline="0">
+                <a:solidFill>
+                  <a:schemeClr val="tx1">
+                    <a:lumMod val="65000"/>
+                    <a:lumOff val="35000"/>
+                  </a:schemeClr>
+                </a:solidFill>
+                <a:latin typeface="+mn-lt"/>
+                <a:ea typeface="+mn-ea"/>
+                <a:cs typeface="+mn-cs"/>
+              </a:defRPr>
+            </a:pPr>
+            <a:endParaRPr lang="pt-PT"/>
+          </a:p>
+        </c:txPr>
+        <c:crossAx val="662320848"/>
+        <c:crosses val="autoZero"/>
+        <c:crossBetween val="between"/>
+      </c:valAx>
+      <c:spPr>
+        <a:noFill/>
+        <a:ln>
+          <a:noFill/>
+        </a:ln>
+        <a:effectLst/>
+      </c:spPr>
+    </c:plotArea>
+    <c:plotVisOnly val="1"/>
+    <c:dispBlanksAs val="gap"/>
+    <c:extLst>
+      <c:ext xmlns:c16r3="http://schemas.microsoft.com/office/drawing/2017/03/chart" uri="{56B9EC1D-385E-4148-901F-78D8002777C0}">
+        <c16r3:dataDisplayOptions16>
+          <c16r3:dispNaAsBlank val="1"/>
+        </c16r3:dataDisplayOptions16>
+      </c:ext>
+    </c:extLst>
+    <c:showDLblsOverMax val="0"/>
+  </c:chart>
+  <c:spPr>
+    <a:noFill/>
+    <a:ln>
+      <a:noFill/>
+    </a:ln>
+    <a:effectLst/>
+  </c:spPr>
+  <c:txPr>
+    <a:bodyPr/>
+    <a:lstStyle/>
+    <a:p>
+      <a:pPr>
+        <a:defRPr/>
+      </a:pPr>
+      <a:endParaRPr lang="pt-PT"/>
+    </a:p>
+  </c:txPr>
+  <c:externalData r:id="rId3">
+    <c:autoUpdate val="0"/>
+  </c:externalData>
+</c:chartSpace>
+</file>
+
+<file path=ppt/charts/chart2.xml><?xml version="1.0" encoding="utf-8"?>
 <c:chartSpace xmlns:c="http://schemas.openxmlformats.org/drawingml/2006/chart" xmlns:a="http://schemas.openxmlformats.org/drawingml/2006/main" xmlns:r="http://schemas.openxmlformats.org/officeDocument/2006/relationships" xmlns:c16r2="http://schemas.microsoft.com/office/drawing/2015/06/chart">
   <c:date1904 val="0"/>
   <c:lang val="pt-PT"/>
@@ -1554,7 +2288,7 @@
 </c:chartSpace>
 </file>
 
-<file path=ppt/charts/chart2.xml><?xml version="1.0" encoding="utf-8"?>
+<file path=ppt/charts/chart3.xml><?xml version="1.0" encoding="utf-8"?>
 <c:chartSpace xmlns:c="http://schemas.openxmlformats.org/drawingml/2006/chart" xmlns:a="http://schemas.openxmlformats.org/drawingml/2006/main" xmlns:r="http://schemas.openxmlformats.org/officeDocument/2006/relationships" xmlns:c16r2="http://schemas.microsoft.com/office/drawing/2015/06/chart">
   <c:date1904 val="0"/>
   <c:lang val="pt-PT"/>
@@ -2950,6 +3684,533 @@
     <c:autoUpdate val="0"/>
   </c:externalData>
 </c:chartSpace>
+</file>
+
+<file path=ppt/charts/colors1.xml><?xml version="1.0" encoding="utf-8"?>
+<cs:colorStyle xmlns:cs="http://schemas.microsoft.com/office/drawing/2012/chartStyle" xmlns:a="http://schemas.openxmlformats.org/drawingml/2006/main" meth="acrossLinear" id="2">
+  <a:schemeClr val="accent1"/>
+  <a:schemeClr val="accent2"/>
+  <a:schemeClr val="accent3"/>
+  <a:schemeClr val="accent4"/>
+  <a:schemeClr val="accent5"/>
+  <a:schemeClr val="accent6"/>
+</cs:colorStyle>
+</file>
+
+<file path=ppt/charts/style1.xml><?xml version="1.0" encoding="utf-8"?>
+<cs:chartStyle xmlns:cs="http://schemas.microsoft.com/office/drawing/2012/chartStyle" xmlns:a="http://schemas.openxmlformats.org/drawingml/2006/main" id="227">
+  <cs:axisTitle>
+    <cs:lnRef idx="0"/>
+    <cs:fillRef idx="0"/>
+    <cs:effectRef idx="0"/>
+    <cs:fontRef idx="minor">
+      <a:schemeClr val="tx1">
+        <a:lumMod val="65000"/>
+        <a:lumOff val="35000"/>
+      </a:schemeClr>
+    </cs:fontRef>
+    <cs:defRPr sz="1000" kern="1200"/>
+  </cs:axisTitle>
+  <cs:categoryAxis>
+    <cs:lnRef idx="0"/>
+    <cs:fillRef idx="0"/>
+    <cs:effectRef idx="0"/>
+    <cs:fontRef idx="minor">
+      <a:schemeClr val="tx1">
+        <a:lumMod val="65000"/>
+        <a:lumOff val="35000"/>
+      </a:schemeClr>
+    </cs:fontRef>
+    <cs:spPr>
+      <a:ln w="9525" cap="flat" cmpd="sng" algn="ctr">
+        <a:solidFill>
+          <a:schemeClr val="tx1">
+            <a:lumMod val="15000"/>
+            <a:lumOff val="85000"/>
+          </a:schemeClr>
+        </a:solidFill>
+        <a:round/>
+      </a:ln>
+    </cs:spPr>
+    <cs:defRPr sz="900" kern="1200"/>
+  </cs:categoryAxis>
+  <cs:chartArea mods="allowNoFillOverride allowNoLineOverride">
+    <cs:lnRef idx="0"/>
+    <cs:fillRef idx="0"/>
+    <cs:effectRef idx="0"/>
+    <cs:fontRef idx="minor">
+      <a:schemeClr val="tx1"/>
+    </cs:fontRef>
+    <cs:spPr>
+      <a:solidFill>
+        <a:schemeClr val="bg1"/>
+      </a:solidFill>
+      <a:ln w="9525" cap="flat" cmpd="sng" algn="ctr">
+        <a:solidFill>
+          <a:schemeClr val="tx1">
+            <a:lumMod val="15000"/>
+            <a:lumOff val="85000"/>
+          </a:schemeClr>
+        </a:solidFill>
+        <a:round/>
+      </a:ln>
+    </cs:spPr>
+    <cs:defRPr sz="1000" kern="1200"/>
+  </cs:chartArea>
+  <cs:dataLabel>
+    <cs:lnRef idx="0"/>
+    <cs:fillRef idx="0"/>
+    <cs:effectRef idx="0"/>
+    <cs:fontRef idx="minor">
+      <a:schemeClr val="tx1">
+        <a:lumMod val="75000"/>
+        <a:lumOff val="25000"/>
+      </a:schemeClr>
+    </cs:fontRef>
+    <cs:defRPr sz="900" kern="1200"/>
+  </cs:dataLabel>
+  <cs:dataLabelCallout>
+    <cs:lnRef idx="0"/>
+    <cs:fillRef idx="0"/>
+    <cs:effectRef idx="0"/>
+    <cs:fontRef idx="minor">
+      <a:schemeClr val="dk1">
+        <a:lumMod val="65000"/>
+        <a:lumOff val="35000"/>
+      </a:schemeClr>
+    </cs:fontRef>
+    <cs:spPr>
+      <a:solidFill>
+        <a:schemeClr val="lt1"/>
+      </a:solidFill>
+      <a:ln>
+        <a:solidFill>
+          <a:schemeClr val="dk1">
+            <a:lumMod val="25000"/>
+            <a:lumOff val="75000"/>
+          </a:schemeClr>
+        </a:solidFill>
+      </a:ln>
+    </cs:spPr>
+    <cs:defRPr sz="900" kern="1200"/>
+    <cs:bodyPr rot="0" spcFirstLastPara="1" vertOverflow="clip" horzOverflow="clip" vert="horz" wrap="square" lIns="36576" tIns="18288" rIns="36576" bIns="18288" anchor="ctr" anchorCtr="1">
+      <a:spAutoFit/>
+    </cs:bodyPr>
+  </cs:dataLabelCallout>
+  <cs:dataPoint>
+    <cs:lnRef idx="0"/>
+    <cs:fillRef idx="1">
+      <cs:styleClr val="auto"/>
+    </cs:fillRef>
+    <cs:effectRef idx="0"/>
+    <cs:fontRef idx="minor">
+      <a:schemeClr val="tx1"/>
+    </cs:fontRef>
+    <cs:spPr>
+      <a:solidFill>
+        <a:schemeClr val="phClr"/>
+      </a:solidFill>
+    </cs:spPr>
+  </cs:dataPoint>
+  <cs:dataPoint3D>
+    <cs:lnRef idx="0"/>
+    <cs:fillRef idx="1">
+      <cs:styleClr val="auto"/>
+    </cs:fillRef>
+    <cs:effectRef idx="0"/>
+    <cs:fontRef idx="minor">
+      <a:schemeClr val="tx1"/>
+    </cs:fontRef>
+    <cs:spPr>
+      <a:solidFill>
+        <a:schemeClr val="phClr"/>
+      </a:solidFill>
+    </cs:spPr>
+  </cs:dataPoint3D>
+  <cs:dataPointLine>
+    <cs:lnRef idx="0">
+      <cs:styleClr val="auto"/>
+    </cs:lnRef>
+    <cs:fillRef idx="1"/>
+    <cs:effectRef idx="0"/>
+    <cs:fontRef idx="minor">
+      <a:schemeClr val="tx1"/>
+    </cs:fontRef>
+    <cs:spPr>
+      <a:ln w="28575" cap="rnd">
+        <a:solidFill>
+          <a:schemeClr val="phClr"/>
+        </a:solidFill>
+        <a:round/>
+      </a:ln>
+    </cs:spPr>
+  </cs:dataPointLine>
+  <cs:dataPointMarker>
+    <cs:lnRef idx="0">
+      <cs:styleClr val="auto"/>
+    </cs:lnRef>
+    <cs:fillRef idx="1">
+      <cs:styleClr val="auto"/>
+    </cs:fillRef>
+    <cs:effectRef idx="0"/>
+    <cs:fontRef idx="minor">
+      <a:schemeClr val="tx1"/>
+    </cs:fontRef>
+    <cs:spPr>
+      <a:solidFill>
+        <a:schemeClr val="phClr"/>
+      </a:solidFill>
+      <a:ln w="9525">
+        <a:solidFill>
+          <a:schemeClr val="phClr"/>
+        </a:solidFill>
+      </a:ln>
+    </cs:spPr>
+  </cs:dataPointMarker>
+  <cs:dataPointMarkerLayout symbol="circle" size="5"/>
+  <cs:dataPointWireframe>
+    <cs:lnRef idx="0">
+      <cs:styleClr val="auto"/>
+    </cs:lnRef>
+    <cs:fillRef idx="1"/>
+    <cs:effectRef idx="0"/>
+    <cs:fontRef idx="minor">
+      <a:schemeClr val="tx1"/>
+    </cs:fontRef>
+    <cs:spPr>
+      <a:ln w="9525" cap="rnd">
+        <a:solidFill>
+          <a:schemeClr val="phClr"/>
+        </a:solidFill>
+        <a:round/>
+      </a:ln>
+    </cs:spPr>
+  </cs:dataPointWireframe>
+  <cs:dataTable>
+    <cs:lnRef idx="0"/>
+    <cs:fillRef idx="0"/>
+    <cs:effectRef idx="0"/>
+    <cs:fontRef idx="minor">
+      <a:schemeClr val="tx1">
+        <a:lumMod val="65000"/>
+        <a:lumOff val="35000"/>
+      </a:schemeClr>
+    </cs:fontRef>
+    <cs:spPr>
+      <a:noFill/>
+      <a:ln w="9525" cap="flat" cmpd="sng" algn="ctr">
+        <a:solidFill>
+          <a:schemeClr val="tx1">
+            <a:lumMod val="15000"/>
+            <a:lumOff val="85000"/>
+          </a:schemeClr>
+        </a:solidFill>
+        <a:round/>
+      </a:ln>
+    </cs:spPr>
+    <cs:defRPr sz="900" kern="1200"/>
+  </cs:dataTable>
+  <cs:downBar>
+    <cs:lnRef idx="0"/>
+    <cs:fillRef idx="0"/>
+    <cs:effectRef idx="0"/>
+    <cs:fontRef idx="minor">
+      <a:schemeClr val="dk1"/>
+    </cs:fontRef>
+    <cs:spPr>
+      <a:solidFill>
+        <a:schemeClr val="dk1">
+          <a:lumMod val="65000"/>
+          <a:lumOff val="35000"/>
+        </a:schemeClr>
+      </a:solidFill>
+      <a:ln w="9525">
+        <a:solidFill>
+          <a:schemeClr val="tx1">
+            <a:lumMod val="65000"/>
+            <a:lumOff val="35000"/>
+          </a:schemeClr>
+        </a:solidFill>
+      </a:ln>
+    </cs:spPr>
+  </cs:downBar>
+  <cs:dropLine>
+    <cs:lnRef idx="0"/>
+    <cs:fillRef idx="0"/>
+    <cs:effectRef idx="0"/>
+    <cs:fontRef idx="minor">
+      <a:schemeClr val="tx1"/>
+    </cs:fontRef>
+    <cs:spPr>
+      <a:ln w="9525" cap="flat" cmpd="sng" algn="ctr">
+        <a:solidFill>
+          <a:schemeClr val="tx1">
+            <a:lumMod val="35000"/>
+            <a:lumOff val="65000"/>
+          </a:schemeClr>
+        </a:solidFill>
+        <a:round/>
+      </a:ln>
+    </cs:spPr>
+  </cs:dropLine>
+  <cs:errorBar>
+    <cs:lnRef idx="0"/>
+    <cs:fillRef idx="0"/>
+    <cs:effectRef idx="0"/>
+    <cs:fontRef idx="minor">
+      <a:schemeClr val="tx1"/>
+    </cs:fontRef>
+    <cs:spPr>
+      <a:ln w="9525" cap="flat" cmpd="sng" algn="ctr">
+        <a:solidFill>
+          <a:schemeClr val="tx1">
+            <a:lumMod val="65000"/>
+            <a:lumOff val="35000"/>
+          </a:schemeClr>
+        </a:solidFill>
+        <a:round/>
+      </a:ln>
+    </cs:spPr>
+  </cs:errorBar>
+  <cs:floor>
+    <cs:lnRef idx="0"/>
+    <cs:fillRef idx="0"/>
+    <cs:effectRef idx="0"/>
+    <cs:fontRef idx="minor">
+      <a:schemeClr val="tx1"/>
+    </cs:fontRef>
+    <cs:spPr>
+      <a:noFill/>
+      <a:ln>
+        <a:noFill/>
+      </a:ln>
+    </cs:spPr>
+  </cs:floor>
+  <cs:gridlineMajor>
+    <cs:lnRef idx="0"/>
+    <cs:fillRef idx="0"/>
+    <cs:effectRef idx="0"/>
+    <cs:fontRef idx="minor">
+      <a:schemeClr val="tx1"/>
+    </cs:fontRef>
+    <cs:spPr>
+      <a:ln w="9525" cap="flat" cmpd="sng" algn="ctr">
+        <a:solidFill>
+          <a:schemeClr val="tx1">
+            <a:lumMod val="15000"/>
+            <a:lumOff val="85000"/>
+          </a:schemeClr>
+        </a:solidFill>
+        <a:round/>
+      </a:ln>
+    </cs:spPr>
+  </cs:gridlineMajor>
+  <cs:gridlineMinor>
+    <cs:lnRef idx="0"/>
+    <cs:fillRef idx="0"/>
+    <cs:effectRef idx="0"/>
+    <cs:fontRef idx="minor">
+      <a:schemeClr val="tx1"/>
+    </cs:fontRef>
+    <cs:spPr>
+      <a:ln w="9525" cap="flat" cmpd="sng" algn="ctr">
+        <a:solidFill>
+          <a:schemeClr val="tx1">
+            <a:lumMod val="5000"/>
+            <a:lumOff val="95000"/>
+          </a:schemeClr>
+        </a:solidFill>
+        <a:round/>
+      </a:ln>
+    </cs:spPr>
+  </cs:gridlineMinor>
+  <cs:hiLoLine>
+    <cs:lnRef idx="0"/>
+    <cs:fillRef idx="0"/>
+    <cs:effectRef idx="0"/>
+    <cs:fontRef idx="minor">
+      <a:schemeClr val="tx1"/>
+    </cs:fontRef>
+    <cs:spPr>
+      <a:ln w="9525" cap="flat" cmpd="sng" algn="ctr">
+        <a:solidFill>
+          <a:schemeClr val="tx1">
+            <a:lumMod val="75000"/>
+            <a:lumOff val="25000"/>
+          </a:schemeClr>
+        </a:solidFill>
+        <a:round/>
+      </a:ln>
+    </cs:spPr>
+  </cs:hiLoLine>
+  <cs:leaderLine>
+    <cs:lnRef idx="0"/>
+    <cs:fillRef idx="0"/>
+    <cs:effectRef idx="0"/>
+    <cs:fontRef idx="minor">
+      <a:schemeClr val="tx1"/>
+    </cs:fontRef>
+    <cs:spPr>
+      <a:ln w="9525" cap="flat" cmpd="sng" algn="ctr">
+        <a:solidFill>
+          <a:schemeClr val="tx1">
+            <a:lumMod val="35000"/>
+            <a:lumOff val="65000"/>
+          </a:schemeClr>
+        </a:solidFill>
+        <a:round/>
+      </a:ln>
+    </cs:spPr>
+  </cs:leaderLine>
+  <cs:legend>
+    <cs:lnRef idx="0"/>
+    <cs:fillRef idx="0"/>
+    <cs:effectRef idx="0"/>
+    <cs:fontRef idx="minor">
+      <a:schemeClr val="tx1">
+        <a:lumMod val="65000"/>
+        <a:lumOff val="35000"/>
+      </a:schemeClr>
+    </cs:fontRef>
+    <cs:defRPr sz="900" kern="1200"/>
+  </cs:legend>
+  <cs:plotArea mods="allowNoFillOverride allowNoLineOverride">
+    <cs:lnRef idx="0"/>
+    <cs:fillRef idx="0"/>
+    <cs:effectRef idx="0"/>
+    <cs:fontRef idx="minor">
+      <a:schemeClr val="tx1"/>
+    </cs:fontRef>
+  </cs:plotArea>
+  <cs:plotArea3D mods="allowNoFillOverride allowNoLineOverride">
+    <cs:lnRef idx="0"/>
+    <cs:fillRef idx="0"/>
+    <cs:effectRef idx="0"/>
+    <cs:fontRef idx="minor">
+      <a:schemeClr val="tx1"/>
+    </cs:fontRef>
+  </cs:plotArea3D>
+  <cs:seriesAxis>
+    <cs:lnRef idx="0"/>
+    <cs:fillRef idx="0"/>
+    <cs:effectRef idx="0"/>
+    <cs:fontRef idx="minor">
+      <a:schemeClr val="tx1">
+        <a:lumMod val="65000"/>
+        <a:lumOff val="35000"/>
+      </a:schemeClr>
+    </cs:fontRef>
+    <cs:defRPr sz="900" kern="1200"/>
+  </cs:seriesAxis>
+  <cs:seriesLine>
+    <cs:lnRef idx="0"/>
+    <cs:fillRef idx="0"/>
+    <cs:effectRef idx="0"/>
+    <cs:fontRef idx="minor">
+      <a:schemeClr val="tx1"/>
+    </cs:fontRef>
+    <cs:spPr>
+      <a:ln w="9525" cap="flat" cmpd="sng" algn="ctr">
+        <a:solidFill>
+          <a:schemeClr val="tx1">
+            <a:lumMod val="35000"/>
+            <a:lumOff val="65000"/>
+          </a:schemeClr>
+        </a:solidFill>
+        <a:round/>
+      </a:ln>
+    </cs:spPr>
+  </cs:seriesLine>
+  <cs:title>
+    <cs:lnRef idx="0"/>
+    <cs:fillRef idx="0"/>
+    <cs:effectRef idx="0"/>
+    <cs:fontRef idx="minor">
+      <a:schemeClr val="tx1">
+        <a:lumMod val="65000"/>
+        <a:lumOff val="35000"/>
+      </a:schemeClr>
+    </cs:fontRef>
+    <cs:defRPr sz="1400" b="0" kern="1200" spc="0" baseline="0"/>
+  </cs:title>
+  <cs:trendline>
+    <cs:lnRef idx="0">
+      <cs:styleClr val="auto"/>
+    </cs:lnRef>
+    <cs:fillRef idx="0"/>
+    <cs:effectRef idx="0"/>
+    <cs:fontRef idx="minor">
+      <a:schemeClr val="tx1"/>
+    </cs:fontRef>
+    <cs:spPr>
+      <a:ln w="19050" cap="rnd">
+        <a:solidFill>
+          <a:schemeClr val="phClr"/>
+        </a:solidFill>
+        <a:prstDash val="sysDot"/>
+      </a:ln>
+    </cs:spPr>
+  </cs:trendline>
+  <cs:trendlineLabel>
+    <cs:lnRef idx="0"/>
+    <cs:fillRef idx="0"/>
+    <cs:effectRef idx="0"/>
+    <cs:fontRef idx="minor">
+      <a:schemeClr val="tx1">
+        <a:lumMod val="65000"/>
+        <a:lumOff val="35000"/>
+      </a:schemeClr>
+    </cs:fontRef>
+    <cs:defRPr sz="900" kern="1200"/>
+  </cs:trendlineLabel>
+  <cs:upBar>
+    <cs:lnRef idx="0"/>
+    <cs:fillRef idx="0"/>
+    <cs:effectRef idx="0"/>
+    <cs:fontRef idx="minor">
+      <a:schemeClr val="dk1"/>
+    </cs:fontRef>
+    <cs:spPr>
+      <a:solidFill>
+        <a:schemeClr val="lt1"/>
+      </a:solidFill>
+      <a:ln w="9525">
+        <a:solidFill>
+          <a:schemeClr val="tx1">
+            <a:lumMod val="15000"/>
+            <a:lumOff val="85000"/>
+          </a:schemeClr>
+        </a:solidFill>
+      </a:ln>
+    </cs:spPr>
+  </cs:upBar>
+  <cs:valueAxis>
+    <cs:lnRef idx="0"/>
+    <cs:fillRef idx="0"/>
+    <cs:effectRef idx="0"/>
+    <cs:fontRef idx="minor">
+      <a:schemeClr val="tx1">
+        <a:lumMod val="65000"/>
+        <a:lumOff val="35000"/>
+      </a:schemeClr>
+    </cs:fontRef>
+    <cs:defRPr sz="900" kern="1200"/>
+  </cs:valueAxis>
+  <cs:wall>
+    <cs:lnRef idx="0"/>
+    <cs:fillRef idx="0"/>
+    <cs:effectRef idx="0"/>
+    <cs:fontRef idx="minor">
+      <a:schemeClr val="tx1"/>
+    </cs:fontRef>
+    <cs:spPr>
+      <a:noFill/>
+      <a:ln>
+        <a:noFill/>
+      </a:ln>
+    </cs:spPr>
+  </cs:wall>
+</cs:chartStyle>
 </file>
 
 <file path=ppt/slideLayouts/slideLayout1.xml><?xml version="1.0" encoding="utf-8"?>
@@ -9464,6 +10725,17 @@
           <a:p>
             <a:pPr algn="l"/>
             <a:r>
+              <a:rPr lang="en-US" dirty="0" err="1">
+                <a:solidFill>
+                  <a:schemeClr val="tx1">
+                    <a:lumMod val="75000"/>
+                    <a:lumOff val="25000"/>
+                  </a:schemeClr>
+                </a:solidFill>
+              </a:rPr>
+              <a:t>Trabalho</a:t>
+            </a:r>
+            <a:r>
               <a:rPr lang="en-US" dirty="0">
                 <a:solidFill>
                   <a:schemeClr val="tx1">
@@ -9472,7 +10744,29 @@
                   </a:schemeClr>
                 </a:solidFill>
               </a:rPr>
-              <a:t>Trabalho Realizado por:</a:t>
+              <a:t> </a:t>
+            </a:r>
+            <a:r>
+              <a:rPr lang="en-US" dirty="0" err="1">
+                <a:solidFill>
+                  <a:schemeClr val="tx1">
+                    <a:lumMod val="75000"/>
+                    <a:lumOff val="25000"/>
+                  </a:schemeClr>
+                </a:solidFill>
+              </a:rPr>
+              <a:t>Realizado</a:t>
+            </a:r>
+            <a:r>
+              <a:rPr lang="en-US" dirty="0">
+                <a:solidFill>
+                  <a:schemeClr val="tx1">
+                    <a:lumMod val="75000"/>
+                    <a:lumOff val="25000"/>
+                  </a:schemeClr>
+                </a:solidFill>
+              </a:rPr>
+              <a:t> por:</a:t>
             </a:r>
           </a:p>
           <a:p>
@@ -9523,7 +10817,29 @@
                   </a:schemeClr>
                 </a:solidFill>
               </a:rPr>
-              <a:t>João Figueiredo	nº 98506</a:t>
+              <a:t>João </a:t>
+            </a:r>
+            <a:r>
+              <a:rPr lang="en-US" dirty="0" err="1">
+                <a:solidFill>
+                  <a:schemeClr val="tx1">
+                    <a:lumMod val="75000"/>
+                    <a:lumOff val="25000"/>
+                  </a:schemeClr>
+                </a:solidFill>
+              </a:rPr>
+              <a:t>Figueiredo</a:t>
+            </a:r>
+            <a:r>
+              <a:rPr lang="en-US" dirty="0">
+                <a:solidFill>
+                  <a:schemeClr val="tx1">
+                    <a:lumMod val="75000"/>
+                    <a:lumOff val="25000"/>
+                  </a:schemeClr>
+                </a:solidFill>
+              </a:rPr>
+              <a:t>	nº 98506</a:t>
             </a:r>
           </a:p>
         </p:txBody>
@@ -10287,6 +11603,2908 @@
 <file path=ppt/slides/slide10.xml><?xml version="1.0" encoding="utf-8"?>
 <p:sld xmlns:a="http://schemas.openxmlformats.org/drawingml/2006/main" xmlns:r="http://schemas.openxmlformats.org/officeDocument/2006/relationships" xmlns:p="http://schemas.openxmlformats.org/presentationml/2006/main">
   <p:cSld>
+    <p:bg>
+      <p:bgPr>
+        <a:solidFill>
+          <a:schemeClr val="bg1"/>
+        </a:solidFill>
+        <a:effectLst/>
+      </p:bgPr>
+    </p:bg>
+    <p:spTree>
+      <p:nvGrpSpPr>
+        <p:cNvPr id="1" name=""/>
+        <p:cNvGrpSpPr/>
+        <p:nvPr/>
+      </p:nvGrpSpPr>
+      <p:grpSpPr>
+        <a:xfrm>
+          <a:off x="0" y="0"/>
+          <a:ext cx="0" cy="0"/>
+          <a:chOff x="0" y="0"/>
+          <a:chExt cx="0" cy="0"/>
+        </a:xfrm>
+      </p:grpSpPr>
+      <p:graphicFrame>
+        <p:nvGraphicFramePr>
+          <p:cNvPr id="36" name="Gráfico 3">
+            <a:extLst>
+              <a:ext uri="{FF2B5EF4-FFF2-40B4-BE49-F238E27FC236}">
+                <a16:creationId xmlns:a16="http://schemas.microsoft.com/office/drawing/2014/main" id="{4AFB57F6-89CE-454E-8D41-CB710B1F65B9}"/>
+              </a:ext>
+              <a:ext uri="{C183D7F6-B498-43B3-948B-1728B52AA6E4}">
+                <adec:decorative xmlns:adec="http://schemas.microsoft.com/office/drawing/2017/decorative" val="1"/>
+              </a:ext>
+            </a:extLst>
+          </p:cNvPr>
+          <p:cNvGraphicFramePr>
+            <a:graphicFrameLocks noGrp="1"/>
+          </p:cNvGraphicFramePr>
+          <p:nvPr>
+            <p:ph idx="1"/>
+            <p:extLst>
+              <p:ext uri="{D42A27DB-BD31-4B8C-83A1-F6EECF244321}">
+                <p14:modId xmlns:p14="http://schemas.microsoft.com/office/powerpoint/2010/main" val="2885311688"/>
+              </p:ext>
+            </p:extLst>
+          </p:nvPr>
+        </p:nvGraphicFramePr>
+        <p:xfrm>
+          <a:off x="619492" y="584075"/>
+          <a:ext cx="8710487" cy="3848439"/>
+        </p:xfrm>
+        <a:graphic>
+          <a:graphicData uri="http://schemas.openxmlformats.org/drawingml/2006/chart">
+            <c:chart xmlns:c="http://schemas.openxmlformats.org/drawingml/2006/chart" xmlns:r="http://schemas.openxmlformats.org/officeDocument/2006/relationships" r:id="rId2"/>
+          </a:graphicData>
+        </a:graphic>
+      </p:graphicFrame>
+      <mc:AlternateContent xmlns:mc="http://schemas.openxmlformats.org/markup-compatibility/2006" xmlns:a14="http://schemas.microsoft.com/office/drawing/2010/main">
+        <mc:Choice Requires="a14">
+          <p:sp>
+            <p:nvSpPr>
+              <p:cNvPr id="40" name="CaixaDeTexto 39">
+                <a:extLst>
+                  <a:ext uri="{FF2B5EF4-FFF2-40B4-BE49-F238E27FC236}">
+                    <a16:creationId xmlns:a16="http://schemas.microsoft.com/office/drawing/2014/main" id="{BD976522-29D6-4D79-8EF1-7CD220B35AF8}"/>
+                  </a:ext>
+                </a:extLst>
+              </p:cNvPr>
+              <p:cNvSpPr txBox="1"/>
+              <p:nvPr/>
+            </p:nvSpPr>
+            <p:spPr>
+              <a:xfrm>
+                <a:off x="2000388" y="5306746"/>
+                <a:ext cx="8191223" cy="704295"/>
+              </a:xfrm>
+              <a:prstGeom prst="rect">
+                <a:avLst/>
+              </a:prstGeom>
+              <a:noFill/>
+            </p:spPr>
+            <p:txBody>
+              <a:bodyPr wrap="square">
+                <a:spAutoFit/>
+              </a:bodyPr>
+              <a:lstStyle/>
+              <a:p>
+                <a14:m>
+                  <m:oMath xmlns:m="http://schemas.openxmlformats.org/officeDocument/2006/math">
+                    <m:r>
+                      <a:rPr lang="pt-PT" sz="2800" i="1" smtClean="0">
+                        <a:latin typeface="Cambria Math" panose="02040503050406030204" pitchFamily="18" charset="0"/>
+                      </a:rPr>
+                      <m:t>𝑐𝑐</m:t>
+                    </m:r>
+                    <m:r>
+                      <a:rPr lang="pt-PT" sz="2800" i="0">
+                        <a:latin typeface="Cambria Math" panose="02040503050406030204" pitchFamily="18" charset="0"/>
+                      </a:rPr>
+                      <m:t>=</m:t>
+                    </m:r>
+                    <m:f>
+                      <m:fPr>
+                        <m:ctrlPr>
+                          <a:rPr lang="pt-PT" sz="2800" i="1">
+                            <a:solidFill>
+                              <a:srgbClr val="836967"/>
+                            </a:solidFill>
+                            <a:latin typeface="Cambria Math" panose="02040503050406030204" pitchFamily="18" charset="0"/>
+                          </a:rPr>
+                        </m:ctrlPr>
+                      </m:fPr>
+                      <m:num>
+                        <m:r>
+                          <a:rPr lang="pt-PT" sz="2800" i="0">
+                            <a:latin typeface="Cambria Math" panose="02040503050406030204" pitchFamily="18" charset="0"/>
+                          </a:rPr>
+                          <m:t>0,0028</m:t>
+                        </m:r>
+                      </m:num>
+                      <m:den>
+                        <m:r>
+                          <a:rPr lang="pt-PT" sz="2800" i="0">
+                            <a:latin typeface="Cambria Math" panose="02040503050406030204" pitchFamily="18" charset="0"/>
+                          </a:rPr>
+                          <m:t>4</m:t>
+                        </m:r>
+                        <m:r>
+                          <a:rPr lang="pt-PT" sz="2800" i="1">
+                            <a:latin typeface="Cambria Math" panose="02040503050406030204" pitchFamily="18" charset="0"/>
+                          </a:rPr>
+                          <m:t>𝜋</m:t>
+                        </m:r>
+                        <m:r>
+                          <a:rPr lang="pt-PT" sz="2800" i="0">
+                            <a:latin typeface="Cambria Math" panose="02040503050406030204" pitchFamily="18" charset="0"/>
+                          </a:rPr>
+                          <m:t>×</m:t>
+                        </m:r>
+                        <m:sSup>
+                          <m:sSupPr>
+                            <m:ctrlPr>
+                              <a:rPr lang="pt-PT" sz="2800" i="1">
+                                <a:solidFill>
+                                  <a:srgbClr val="836967"/>
+                                </a:solidFill>
+                                <a:latin typeface="Cambria Math" panose="02040503050406030204" pitchFamily="18" charset="0"/>
+                              </a:rPr>
+                            </m:ctrlPr>
+                          </m:sSupPr>
+                          <m:e>
+                            <m:r>
+                              <a:rPr lang="pt-PT" sz="2800" i="0">
+                                <a:latin typeface="Cambria Math" panose="02040503050406030204" pitchFamily="18" charset="0"/>
+                              </a:rPr>
+                              <m:t>10</m:t>
+                            </m:r>
+                          </m:e>
+                          <m:sup>
+                            <m:r>
+                              <a:rPr lang="pt-PT" sz="2800" i="0">
+                                <a:latin typeface="Cambria Math" panose="02040503050406030204" pitchFamily="18" charset="0"/>
+                              </a:rPr>
+                              <m:t>−7</m:t>
+                            </m:r>
+                          </m:sup>
+                        </m:sSup>
+                        <m:r>
+                          <a:rPr lang="pt-PT" sz="2800" i="0">
+                            <a:latin typeface="Cambria Math" panose="02040503050406030204" pitchFamily="18" charset="0"/>
+                          </a:rPr>
+                          <m:t>×3467</m:t>
+                        </m:r>
+                      </m:den>
+                    </m:f>
+                    <m:r>
+                      <a:rPr lang="pt-PT" sz="2800" i="0">
+                        <a:latin typeface="Cambria Math" panose="02040503050406030204" pitchFamily="18" charset="0"/>
+                      </a:rPr>
+                      <m:t>=0,6427</m:t>
+                    </m:r>
+                  </m:oMath>
+                </a14:m>
+                <a:r>
+                  <a:rPr lang="pt-PT" sz="2800" dirty="0"/>
+                  <a:t>V/A</a:t>
+                </a:r>
+              </a:p>
+            </p:txBody>
+          </p:sp>
+        </mc:Choice>
+        <mc:Fallback xmlns="">
+          <p:sp>
+            <p:nvSpPr>
+              <p:cNvPr id="40" name="CaixaDeTexto 39">
+                <a:extLst>
+                  <a:ext uri="{FF2B5EF4-FFF2-40B4-BE49-F238E27FC236}">
+                    <a16:creationId xmlns:a16="http://schemas.microsoft.com/office/drawing/2014/main" id="{BD976522-29D6-4D79-8EF1-7CD220B35AF8}"/>
+                  </a:ext>
+                </a:extLst>
+              </p:cNvPr>
+              <p:cNvSpPr txBox="1">
+                <a:spLocks noRot="1" noChangeAspect="1" noMove="1" noResize="1" noEditPoints="1" noAdjustHandles="1" noChangeArrowheads="1" noChangeShapeType="1" noTextEdit="1"/>
+              </p:cNvSpPr>
+              <p:nvPr/>
+            </p:nvSpPr>
+            <p:spPr>
+              <a:xfrm>
+                <a:off x="2000388" y="5306746"/>
+                <a:ext cx="8191223" cy="704295"/>
+              </a:xfrm>
+              <a:prstGeom prst="rect">
+                <a:avLst/>
+              </a:prstGeom>
+              <a:blipFill>
+                <a:blip r:embed="rId3"/>
+                <a:stretch>
+                  <a:fillRect b="-10435"/>
+                </a:stretch>
+              </a:blipFill>
+            </p:spPr>
+            <p:txBody>
+              <a:bodyPr/>
+              <a:lstStyle/>
+              <a:p>
+                <a:r>
+                  <a:rPr lang="pt-PT">
+                    <a:noFill/>
+                  </a:rPr>
+                  <a:t> </a:t>
+                </a:r>
+              </a:p>
+            </p:txBody>
+          </p:sp>
+        </mc:Fallback>
+      </mc:AlternateContent>
+    </p:spTree>
+    <p:extLst>
+      <p:ext uri="{BB962C8B-B14F-4D97-AF65-F5344CB8AC3E}">
+        <p14:creationId xmlns:p14="http://schemas.microsoft.com/office/powerpoint/2010/main" val="3272975514"/>
+      </p:ext>
+    </p:extLst>
+  </p:cSld>
+  <p:clrMapOvr>
+    <a:masterClrMapping/>
+  </p:clrMapOvr>
+</p:sld>
+</file>
+
+<file path=ppt/slides/slide11.xml><?xml version="1.0" encoding="utf-8"?>
+<p:sld xmlns:a="http://schemas.openxmlformats.org/drawingml/2006/main" xmlns:r="http://schemas.openxmlformats.org/officeDocument/2006/relationships" xmlns:p="http://schemas.openxmlformats.org/presentationml/2006/main">
+  <p:cSld>
+    <p:spTree>
+      <p:nvGrpSpPr>
+        <p:cNvPr id="1" name=""/>
+        <p:cNvGrpSpPr/>
+        <p:nvPr/>
+      </p:nvGrpSpPr>
+      <p:grpSpPr>
+        <a:xfrm>
+          <a:off x="0" y="0"/>
+          <a:ext cx="0" cy="0"/>
+          <a:chOff x="0" y="0"/>
+          <a:chExt cx="0" cy="0"/>
+        </a:xfrm>
+      </p:grpSpPr>
+      <mc:AlternateContent xmlns:mc="http://schemas.openxmlformats.org/markup-compatibility/2006" xmlns:a14="http://schemas.microsoft.com/office/drawing/2010/main">
+        <mc:Choice Requires="a14">
+          <p:sp>
+            <p:nvSpPr>
+              <p:cNvPr id="3" name="Marcador de Posição de Conteúdo 2">
+                <a:extLst>
+                  <a:ext uri="{FF2B5EF4-FFF2-40B4-BE49-F238E27FC236}">
+                    <a16:creationId xmlns:a16="http://schemas.microsoft.com/office/drawing/2014/main" id="{6B3975BC-11F6-43C1-94FA-553682610029}"/>
+                  </a:ext>
+                </a:extLst>
+              </p:cNvPr>
+              <p:cNvSpPr>
+                <a:spLocks noGrp="1"/>
+              </p:cNvSpPr>
+              <p:nvPr>
+                <p:ph idx="1"/>
+              </p:nvPr>
+            </p:nvSpPr>
+            <p:spPr>
+              <a:xfrm>
+                <a:off x="309864" y="721065"/>
+                <a:ext cx="8596668" cy="2853781"/>
+              </a:xfrm>
+            </p:spPr>
+            <p:txBody>
+              <a:bodyPr>
+                <a:normAutofit/>
+              </a:bodyPr>
+              <a:lstStyle/>
+              <a:p>
+                <a:pPr marL="0" indent="0">
+                  <a:buNone/>
+                </a:pPr>
+                <a:endParaRPr lang="pt-PT" b="1" dirty="0">
+                  <a:solidFill>
+                    <a:schemeClr val="accent1"/>
+                  </a:solidFill>
+                </a:endParaRPr>
+              </a:p>
+              <a:p>
+                <a:r>
+                  <a:rPr lang="pt-PT" sz="1400" dirty="0"/>
+                  <a:t>Amperímetro(</a:t>
+                </a:r>
+                <a14:m>
+                  <m:oMath xmlns:m="http://schemas.openxmlformats.org/officeDocument/2006/math">
+                    <m:r>
+                      <a:rPr lang="pt-PT" sz="1400" i="1" smtClean="0">
+                        <a:latin typeface="Cambria Math" panose="02040503050406030204" pitchFamily="18" charset="0"/>
+                      </a:rPr>
+                      <m:t>𝛥</m:t>
+                    </m:r>
+                    <m:r>
+                      <a:rPr lang="pt-PT" sz="1400" i="1" smtClean="0">
+                        <a:latin typeface="Cambria Math" panose="02040503050406030204" pitchFamily="18" charset="0"/>
+                      </a:rPr>
+                      <m:t>𝐼</m:t>
+                    </m:r>
+                  </m:oMath>
+                </a14:m>
+                <a:r>
+                  <a:rPr lang="pt-PT" sz="1400" dirty="0"/>
+                  <a:t>)= 0.01 A</a:t>
+                </a:r>
+              </a:p>
+              <a:p>
+                <a:r>
+                  <a:rPr lang="pt-PT" sz="1400" dirty="0"/>
+                  <a:t>Solenoide (</a:t>
+                </a:r>
+                <a14:m>
+                  <m:oMath xmlns:m="http://schemas.openxmlformats.org/officeDocument/2006/math">
+                    <m:r>
+                      <a:rPr lang="pt-PT" sz="1400" i="1" smtClean="0">
+                        <a:latin typeface="Cambria Math" panose="02040503050406030204" pitchFamily="18" charset="0"/>
+                      </a:rPr>
+                      <m:t>𝛥</m:t>
+                    </m:r>
+                    <m:f>
+                      <m:fPr>
+                        <m:ctrlPr>
+                          <a:rPr lang="pt-PT" sz="1400" i="1">
+                            <a:solidFill>
+                              <a:srgbClr val="836967"/>
+                            </a:solidFill>
+                            <a:latin typeface="Cambria Math" panose="02040503050406030204" pitchFamily="18" charset="0"/>
+                          </a:rPr>
+                        </m:ctrlPr>
+                      </m:fPr>
+                      <m:num>
+                        <m:r>
+                          <a:rPr lang="pt-PT" sz="1400" i="1">
+                            <a:latin typeface="Cambria Math" panose="02040503050406030204" pitchFamily="18" charset="0"/>
+                          </a:rPr>
+                          <m:t>𝑁</m:t>
+                        </m:r>
+                      </m:num>
+                      <m:den>
+                        <m:r>
+                          <a:rPr lang="pt-PT" sz="1400" i="1">
+                            <a:latin typeface="Cambria Math" panose="02040503050406030204" pitchFamily="18" charset="0"/>
+                          </a:rPr>
+                          <m:t>𝐿</m:t>
+                        </m:r>
+                      </m:den>
+                    </m:f>
+                    <m:r>
+                      <a:rPr lang="pt-PT" sz="1400" i="1">
+                        <a:latin typeface="Cambria Math" panose="02040503050406030204" pitchFamily="18" charset="0"/>
+                      </a:rPr>
+                      <m:t> </m:t>
+                    </m:r>
+                  </m:oMath>
+                </a14:m>
+                <a:r>
+                  <a:rPr lang="pt-PT" sz="1400" dirty="0"/>
+                  <a:t>)= 60 espiras</a:t>
+                </a:r>
+              </a:p>
+              <a:p>
+                <a:r>
+                  <a:rPr lang="pt-PT" sz="1400" dirty="0"/>
+                  <a:t>Medidor de Efeito Hall(</a:t>
+                </a:r>
+                <a14:m>
+                  <m:oMath xmlns:m="http://schemas.openxmlformats.org/officeDocument/2006/math">
+                    <m:r>
+                      <a:rPr lang="pt-PT" sz="1400" i="1" smtClean="0">
+                        <a:latin typeface="Cambria Math" panose="02040503050406030204" pitchFamily="18" charset="0"/>
+                      </a:rPr>
+                      <m:t>𝛥</m:t>
+                    </m:r>
+                    <m:sSub>
+                      <m:sSubPr>
+                        <m:ctrlPr>
+                          <a:rPr lang="pt-PT" sz="1400" i="1">
+                            <a:solidFill>
+                              <a:srgbClr val="836967"/>
+                            </a:solidFill>
+                            <a:latin typeface="Cambria Math" panose="02040503050406030204" pitchFamily="18" charset="0"/>
+                          </a:rPr>
+                        </m:ctrlPr>
+                      </m:sSubPr>
+                      <m:e>
+                        <m:r>
+                          <a:rPr lang="pt-PT" sz="1400" i="1">
+                            <a:latin typeface="Cambria Math" panose="02040503050406030204" pitchFamily="18" charset="0"/>
+                          </a:rPr>
+                          <m:t>𝑉</m:t>
+                        </m:r>
+                      </m:e>
+                      <m:sub>
+                        <m:r>
+                          <a:rPr lang="pt-PT" sz="1400" i="1">
+                            <a:latin typeface="Cambria Math" panose="02040503050406030204" pitchFamily="18" charset="0"/>
+                          </a:rPr>
+                          <m:t>𝐻</m:t>
+                        </m:r>
+                      </m:sub>
+                    </m:sSub>
+                  </m:oMath>
+                </a14:m>
+                <a:r>
+                  <a:rPr lang="pt-PT" sz="1400" dirty="0"/>
+                  <a:t>)= 0.001 V</a:t>
+                </a:r>
+              </a:p>
+            </p:txBody>
+          </p:sp>
+        </mc:Choice>
+        <mc:Fallback xmlns="">
+          <p:sp>
+            <p:nvSpPr>
+              <p:cNvPr id="3" name="Marcador de Posição de Conteúdo 2">
+                <a:extLst>
+                  <a:ext uri="{FF2B5EF4-FFF2-40B4-BE49-F238E27FC236}">
+                    <a16:creationId xmlns:a16="http://schemas.microsoft.com/office/drawing/2014/main" id="{6B3975BC-11F6-43C1-94FA-553682610029}"/>
+                  </a:ext>
+                </a:extLst>
+              </p:cNvPr>
+              <p:cNvSpPr>
+                <a:spLocks noGrp="1" noRot="1" noChangeAspect="1" noMove="1" noResize="1" noEditPoints="1" noAdjustHandles="1" noChangeArrowheads="1" noChangeShapeType="1" noTextEdit="1"/>
+              </p:cNvSpPr>
+              <p:nvPr>
+                <p:ph idx="1"/>
+              </p:nvPr>
+            </p:nvSpPr>
+            <p:spPr>
+              <a:xfrm>
+                <a:off x="309864" y="721065"/>
+                <a:ext cx="8596668" cy="2853781"/>
+              </a:xfrm>
+              <a:blipFill>
+                <a:blip r:embed="rId2"/>
+                <a:stretch>
+                  <a:fillRect/>
+                </a:stretch>
+              </a:blipFill>
+            </p:spPr>
+            <p:txBody>
+              <a:bodyPr/>
+              <a:lstStyle/>
+              <a:p>
+                <a:r>
+                  <a:rPr lang="pt-PT">
+                    <a:noFill/>
+                  </a:rPr>
+                  <a:t> </a:t>
+                </a:r>
+              </a:p>
+            </p:txBody>
+          </p:sp>
+        </mc:Fallback>
+      </mc:AlternateContent>
+      <mc:AlternateContent xmlns:mc="http://schemas.openxmlformats.org/markup-compatibility/2006" xmlns:a14="http://schemas.microsoft.com/office/drawing/2010/main">
+        <mc:Choice Requires="a14">
+          <p:sp>
+            <p:nvSpPr>
+              <p:cNvPr id="5" name="CaixaDeTexto 4">
+                <a:extLst>
+                  <a:ext uri="{FF2B5EF4-FFF2-40B4-BE49-F238E27FC236}">
+                    <a16:creationId xmlns:a16="http://schemas.microsoft.com/office/drawing/2014/main" id="{1BB055C3-EBD5-48CC-AE35-929F558B2AC4}"/>
+                  </a:ext>
+                </a:extLst>
+              </p:cNvPr>
+              <p:cNvSpPr txBox="1"/>
+              <p:nvPr/>
+            </p:nvSpPr>
+            <p:spPr>
+              <a:xfrm>
+                <a:off x="295780" y="3356108"/>
+                <a:ext cx="9596927" cy="972702"/>
+              </a:xfrm>
+              <a:prstGeom prst="rect">
+                <a:avLst/>
+              </a:prstGeom>
+              <a:noFill/>
+            </p:spPr>
+            <p:txBody>
+              <a:bodyPr wrap="square">
+                <a:spAutoFit/>
+              </a:bodyPr>
+              <a:lstStyle/>
+              <a:p>
+                <a:pPr/>
+                <a14:m>
+                  <m:oMathPara xmlns:m="http://schemas.openxmlformats.org/officeDocument/2006/math">
+                    <m:oMathParaPr>
+                      <m:jc m:val="centerGroup"/>
+                    </m:oMathParaPr>
+                    <m:oMath xmlns:m="http://schemas.openxmlformats.org/officeDocument/2006/math">
+                      <m:r>
+                        <a:rPr lang="pt-PT" i="1" smtClean="0">
+                          <a:latin typeface="Cambria Math" panose="02040503050406030204" pitchFamily="18" charset="0"/>
+                        </a:rPr>
+                        <m:t>𝛥</m:t>
+                      </m:r>
+                      <m:r>
+                        <a:rPr lang="pt-PT" i="1" smtClean="0">
+                          <a:latin typeface="Cambria Math" panose="02040503050406030204" pitchFamily="18" charset="0"/>
+                        </a:rPr>
+                        <m:t>𝑐𝑐</m:t>
+                      </m:r>
+                      <m:r>
+                        <a:rPr lang="pt-PT" i="0">
+                          <a:latin typeface="Cambria Math" panose="02040503050406030204" pitchFamily="18" charset="0"/>
+                        </a:rPr>
+                        <m:t>=</m:t>
+                      </m:r>
+                      <m:d>
+                        <m:dPr>
+                          <m:begChr m:val="|"/>
+                          <m:endChr m:val="|"/>
+                          <m:ctrlPr>
+                            <a:rPr lang="pt-PT" i="1">
+                              <a:solidFill>
+                                <a:srgbClr val="836967"/>
+                              </a:solidFill>
+                              <a:latin typeface="Cambria Math" panose="02040503050406030204" pitchFamily="18" charset="0"/>
+                            </a:rPr>
+                          </m:ctrlPr>
+                        </m:dPr>
+                        <m:e>
+                          <m:f>
+                            <m:fPr>
+                              <m:ctrlPr>
+                                <a:rPr lang="pt-PT" i="1">
+                                  <a:solidFill>
+                                    <a:srgbClr val="836967"/>
+                                  </a:solidFill>
+                                  <a:latin typeface="Cambria Math" panose="02040503050406030204" pitchFamily="18" charset="0"/>
+                                </a:rPr>
+                              </m:ctrlPr>
+                            </m:fPr>
+                            <m:num>
+                              <m:r>
+                                <a:rPr lang="pt-PT" i="0">
+                                  <a:latin typeface="Cambria Math" panose="02040503050406030204" pitchFamily="18" charset="0"/>
+                                </a:rPr>
+                                <m:t>1</m:t>
+                              </m:r>
+                            </m:num>
+                            <m:den>
+                              <m:sSub>
+                                <m:sSubPr>
+                                  <m:ctrlPr>
+                                    <a:rPr lang="pt-PT" i="1">
+                                      <a:solidFill>
+                                        <a:srgbClr val="836967"/>
+                                      </a:solidFill>
+                                      <a:latin typeface="Cambria Math" panose="02040503050406030204" pitchFamily="18" charset="0"/>
+                                    </a:rPr>
+                                  </m:ctrlPr>
+                                </m:sSubPr>
+                                <m:e>
+                                  <m:r>
+                                    <a:rPr lang="pt-PT" i="0">
+                                      <a:latin typeface="Cambria Math" panose="02040503050406030204" pitchFamily="18" charset="0"/>
+                                    </a:rPr>
+                                    <m:t>µ</m:t>
+                                  </m:r>
+                                </m:e>
+                                <m:sub>
+                                  <m:r>
+                                    <a:rPr lang="pt-PT" i="0">
+                                      <a:latin typeface="Cambria Math" panose="02040503050406030204" pitchFamily="18" charset="0"/>
+                                    </a:rPr>
+                                    <m:t>0</m:t>
+                                  </m:r>
+                                </m:sub>
+                              </m:sSub>
+                              <m:r>
+                                <a:rPr lang="pt-PT" i="0">
+                                  <a:latin typeface="Cambria Math" panose="02040503050406030204" pitchFamily="18" charset="0"/>
+                                </a:rPr>
+                                <m:t>×</m:t>
+                              </m:r>
+                              <m:f>
+                                <m:fPr>
+                                  <m:ctrlPr>
+                                    <a:rPr lang="pt-PT" i="1">
+                                      <a:solidFill>
+                                        <a:srgbClr val="836967"/>
+                                      </a:solidFill>
+                                      <a:latin typeface="Cambria Math" panose="02040503050406030204" pitchFamily="18" charset="0"/>
+                                    </a:rPr>
+                                  </m:ctrlPr>
+                                </m:fPr>
+                                <m:num>
+                                  <m:r>
+                                    <a:rPr lang="pt-PT" i="1">
+                                      <a:latin typeface="Cambria Math" panose="02040503050406030204" pitchFamily="18" charset="0"/>
+                                    </a:rPr>
+                                    <m:t>𝑁</m:t>
+                                  </m:r>
+                                </m:num>
+                                <m:den>
+                                  <m:r>
+                                    <a:rPr lang="pt-PT" i="1">
+                                      <a:latin typeface="Cambria Math" panose="02040503050406030204" pitchFamily="18" charset="0"/>
+                                    </a:rPr>
+                                    <m:t>𝐿</m:t>
+                                  </m:r>
+                                </m:den>
+                              </m:f>
+                              <m:r>
+                                <a:rPr lang="pt-PT" i="0">
+                                  <a:latin typeface="Cambria Math" panose="02040503050406030204" pitchFamily="18" charset="0"/>
+                                </a:rPr>
+                                <m:t> ×</m:t>
+                              </m:r>
+                              <m:r>
+                                <a:rPr lang="pt-PT" i="1">
+                                  <a:latin typeface="Cambria Math" panose="02040503050406030204" pitchFamily="18" charset="0"/>
+                                </a:rPr>
+                                <m:t>𝑙</m:t>
+                              </m:r>
+                            </m:den>
+                          </m:f>
+                        </m:e>
+                      </m:d>
+                      <m:r>
+                        <a:rPr lang="pt-PT" i="0">
+                          <a:latin typeface="Cambria Math" panose="02040503050406030204" pitchFamily="18" charset="0"/>
+                        </a:rPr>
+                        <m:t>×</m:t>
+                      </m:r>
+                      <m:r>
+                        <a:rPr lang="pt-PT" i="1">
+                          <a:latin typeface="Cambria Math" panose="02040503050406030204" pitchFamily="18" charset="0"/>
+                        </a:rPr>
+                        <m:t>𝛥</m:t>
+                      </m:r>
+                      <m:sSub>
+                        <m:sSubPr>
+                          <m:ctrlPr>
+                            <a:rPr lang="pt-PT" i="1">
+                              <a:solidFill>
+                                <a:srgbClr val="836967"/>
+                              </a:solidFill>
+                              <a:latin typeface="Cambria Math" panose="02040503050406030204" pitchFamily="18" charset="0"/>
+                            </a:rPr>
+                          </m:ctrlPr>
+                        </m:sSubPr>
+                        <m:e>
+                          <m:r>
+                            <a:rPr lang="pt-PT" i="1">
+                              <a:latin typeface="Cambria Math" panose="02040503050406030204" pitchFamily="18" charset="0"/>
+                            </a:rPr>
+                            <m:t>𝑉</m:t>
+                          </m:r>
+                        </m:e>
+                        <m:sub>
+                          <m:r>
+                            <a:rPr lang="pt-PT" i="1">
+                              <a:latin typeface="Cambria Math" panose="02040503050406030204" pitchFamily="18" charset="0"/>
+                            </a:rPr>
+                            <m:t>𝐻</m:t>
+                          </m:r>
+                        </m:sub>
+                      </m:sSub>
+                      <m:r>
+                        <a:rPr lang="pt-PT" i="0">
+                          <a:latin typeface="Cambria Math" panose="02040503050406030204" pitchFamily="18" charset="0"/>
+                        </a:rPr>
+                        <m:t>+</m:t>
+                      </m:r>
+                      <m:d>
+                        <m:dPr>
+                          <m:begChr m:val="|"/>
+                          <m:endChr m:val="|"/>
+                          <m:ctrlPr>
+                            <a:rPr lang="pt-PT" i="1">
+                              <a:solidFill>
+                                <a:srgbClr val="836967"/>
+                              </a:solidFill>
+                              <a:latin typeface="Cambria Math" panose="02040503050406030204" pitchFamily="18" charset="0"/>
+                            </a:rPr>
+                          </m:ctrlPr>
+                        </m:dPr>
+                        <m:e>
+                          <m:f>
+                            <m:fPr>
+                              <m:ctrlPr>
+                                <a:rPr lang="pt-PT" i="1">
+                                  <a:solidFill>
+                                    <a:srgbClr val="836967"/>
+                                  </a:solidFill>
+                                  <a:latin typeface="Cambria Math" panose="02040503050406030204" pitchFamily="18" charset="0"/>
+                                </a:rPr>
+                              </m:ctrlPr>
+                            </m:fPr>
+                            <m:num>
+                              <m:sSub>
+                                <m:sSubPr>
+                                  <m:ctrlPr>
+                                    <a:rPr lang="pt-PT" i="1">
+                                      <a:solidFill>
+                                        <a:srgbClr val="836967"/>
+                                      </a:solidFill>
+                                      <a:latin typeface="Cambria Math" panose="02040503050406030204" pitchFamily="18" charset="0"/>
+                                    </a:rPr>
+                                  </m:ctrlPr>
+                                </m:sSubPr>
+                                <m:e>
+                                  <m:r>
+                                    <a:rPr lang="pt-PT" i="1">
+                                      <a:latin typeface="Cambria Math" panose="02040503050406030204" pitchFamily="18" charset="0"/>
+                                    </a:rPr>
+                                    <m:t>𝑉</m:t>
+                                  </m:r>
+                                </m:e>
+                                <m:sub>
+                                  <m:r>
+                                    <a:rPr lang="pt-PT" i="1">
+                                      <a:latin typeface="Cambria Math" panose="02040503050406030204" pitchFamily="18" charset="0"/>
+                                    </a:rPr>
+                                    <m:t>𝐻</m:t>
+                                  </m:r>
+                                </m:sub>
+                              </m:sSub>
+                            </m:num>
+                            <m:den>
+                              <m:sSub>
+                                <m:sSubPr>
+                                  <m:ctrlPr>
+                                    <a:rPr lang="pt-PT" i="1">
+                                      <a:solidFill>
+                                        <a:srgbClr val="836967"/>
+                                      </a:solidFill>
+                                      <a:latin typeface="Cambria Math" panose="02040503050406030204" pitchFamily="18" charset="0"/>
+                                    </a:rPr>
+                                  </m:ctrlPr>
+                                </m:sSubPr>
+                                <m:e>
+                                  <m:r>
+                                    <a:rPr lang="pt-PT" i="0">
+                                      <a:latin typeface="Cambria Math" panose="02040503050406030204" pitchFamily="18" charset="0"/>
+                                    </a:rPr>
+                                    <m:t>−µ</m:t>
+                                  </m:r>
+                                </m:e>
+                                <m:sub>
+                                  <m:r>
+                                    <a:rPr lang="pt-PT" i="0">
+                                      <a:latin typeface="Cambria Math" panose="02040503050406030204" pitchFamily="18" charset="0"/>
+                                    </a:rPr>
+                                    <m:t>0</m:t>
+                                  </m:r>
+                                </m:sub>
+                              </m:sSub>
+                              <m:r>
+                                <a:rPr lang="pt-PT" i="0">
+                                  <a:latin typeface="Cambria Math" panose="02040503050406030204" pitchFamily="18" charset="0"/>
+                                </a:rPr>
+                                <m:t>×</m:t>
+                              </m:r>
+                              <m:sSup>
+                                <m:sSupPr>
+                                  <m:ctrlPr>
+                                    <a:rPr lang="pt-PT" i="1">
+                                      <a:solidFill>
+                                        <a:srgbClr val="836967"/>
+                                      </a:solidFill>
+                                      <a:latin typeface="Cambria Math" panose="02040503050406030204" pitchFamily="18" charset="0"/>
+                                    </a:rPr>
+                                  </m:ctrlPr>
+                                </m:sSupPr>
+                                <m:e>
+                                  <m:d>
+                                    <m:dPr>
+                                      <m:ctrlPr>
+                                        <a:rPr lang="pt-PT" i="1">
+                                          <a:solidFill>
+                                            <a:srgbClr val="836967"/>
+                                          </a:solidFill>
+                                          <a:latin typeface="Cambria Math" panose="02040503050406030204" pitchFamily="18" charset="0"/>
+                                        </a:rPr>
+                                      </m:ctrlPr>
+                                    </m:dPr>
+                                    <m:e>
+                                      <m:f>
+                                        <m:fPr>
+                                          <m:ctrlPr>
+                                            <a:rPr lang="pt-PT" i="1">
+                                              <a:solidFill>
+                                                <a:srgbClr val="836967"/>
+                                              </a:solidFill>
+                                              <a:latin typeface="Cambria Math" panose="02040503050406030204" pitchFamily="18" charset="0"/>
+                                            </a:rPr>
+                                          </m:ctrlPr>
+                                        </m:fPr>
+                                        <m:num>
+                                          <m:r>
+                                            <a:rPr lang="pt-PT" i="1">
+                                              <a:latin typeface="Cambria Math" panose="02040503050406030204" pitchFamily="18" charset="0"/>
+                                            </a:rPr>
+                                            <m:t>𝑁</m:t>
+                                          </m:r>
+                                        </m:num>
+                                        <m:den>
+                                          <m:r>
+                                            <a:rPr lang="pt-PT" i="1">
+                                              <a:latin typeface="Cambria Math" panose="02040503050406030204" pitchFamily="18" charset="0"/>
+                                            </a:rPr>
+                                            <m:t>𝐿</m:t>
+                                          </m:r>
+                                        </m:den>
+                                      </m:f>
+                                    </m:e>
+                                  </m:d>
+                                </m:e>
+                                <m:sup>
+                                  <m:r>
+                                    <a:rPr lang="pt-PT" i="0">
+                                      <a:latin typeface="Cambria Math" panose="02040503050406030204" pitchFamily="18" charset="0"/>
+                                    </a:rPr>
+                                    <m:t>2</m:t>
+                                  </m:r>
+                                </m:sup>
+                              </m:sSup>
+                              <m:r>
+                                <a:rPr lang="pt-PT" i="0">
+                                  <a:latin typeface="Cambria Math" panose="02040503050406030204" pitchFamily="18" charset="0"/>
+                                </a:rPr>
+                                <m:t> ×</m:t>
+                              </m:r>
+                              <m:r>
+                                <a:rPr lang="pt-PT" i="1">
+                                  <a:latin typeface="Cambria Math" panose="02040503050406030204" pitchFamily="18" charset="0"/>
+                                </a:rPr>
+                                <m:t>𝑙</m:t>
+                              </m:r>
+                            </m:den>
+                          </m:f>
+                        </m:e>
+                      </m:d>
+                      <m:r>
+                        <a:rPr lang="pt-PT">
+                          <a:latin typeface="Cambria Math" panose="02040503050406030204" pitchFamily="18" charset="0"/>
+                        </a:rPr>
+                        <m:t>×</m:t>
+                      </m:r>
+                      <m:r>
+                        <a:rPr lang="pt-PT" i="1" smtClean="0">
+                          <a:latin typeface="Cambria Math" panose="02040503050406030204" pitchFamily="18" charset="0"/>
+                        </a:rPr>
+                        <m:t>𝛥</m:t>
+                      </m:r>
+                      <m:f>
+                        <m:fPr>
+                          <m:ctrlPr>
+                            <a:rPr lang="pt-PT" i="1">
+                              <a:solidFill>
+                                <a:srgbClr val="836967"/>
+                              </a:solidFill>
+                              <a:latin typeface="Cambria Math" panose="02040503050406030204" pitchFamily="18" charset="0"/>
+                            </a:rPr>
+                          </m:ctrlPr>
+                        </m:fPr>
+                        <m:num>
+                          <m:r>
+                            <a:rPr lang="pt-PT" i="1">
+                              <a:latin typeface="Cambria Math" panose="02040503050406030204" pitchFamily="18" charset="0"/>
+                            </a:rPr>
+                            <m:t>𝑁</m:t>
+                          </m:r>
+                        </m:num>
+                        <m:den>
+                          <m:r>
+                            <a:rPr lang="pt-PT" i="1">
+                              <a:latin typeface="Cambria Math" panose="02040503050406030204" pitchFamily="18" charset="0"/>
+                            </a:rPr>
+                            <m:t>𝐿</m:t>
+                          </m:r>
+                        </m:den>
+                      </m:f>
+                      <m:r>
+                        <a:rPr lang="pt-PT" i="0">
+                          <a:latin typeface="Cambria Math" panose="02040503050406030204" pitchFamily="18" charset="0"/>
+                        </a:rPr>
+                        <m:t>+</m:t>
+                      </m:r>
+                      <m:d>
+                        <m:dPr>
+                          <m:begChr m:val="|"/>
+                          <m:endChr m:val="|"/>
+                          <m:ctrlPr>
+                            <a:rPr lang="pt-PT" i="1">
+                              <a:solidFill>
+                                <a:srgbClr val="836967"/>
+                              </a:solidFill>
+                              <a:latin typeface="Cambria Math" panose="02040503050406030204" pitchFamily="18" charset="0"/>
+                            </a:rPr>
+                          </m:ctrlPr>
+                        </m:dPr>
+                        <m:e>
+                          <m:f>
+                            <m:fPr>
+                              <m:ctrlPr>
+                                <a:rPr lang="pt-PT" i="1">
+                                  <a:solidFill>
+                                    <a:srgbClr val="836967"/>
+                                  </a:solidFill>
+                                  <a:latin typeface="Cambria Math" panose="02040503050406030204" pitchFamily="18" charset="0"/>
+                                </a:rPr>
+                              </m:ctrlPr>
+                            </m:fPr>
+                            <m:num>
+                              <m:sSub>
+                                <m:sSubPr>
+                                  <m:ctrlPr>
+                                    <a:rPr lang="pt-PT" i="1">
+                                      <a:solidFill>
+                                        <a:srgbClr val="836967"/>
+                                      </a:solidFill>
+                                      <a:latin typeface="Cambria Math" panose="02040503050406030204" pitchFamily="18" charset="0"/>
+                                    </a:rPr>
+                                  </m:ctrlPr>
+                                </m:sSubPr>
+                                <m:e>
+                                  <m:r>
+                                    <a:rPr lang="pt-PT" i="1">
+                                      <a:latin typeface="Cambria Math" panose="02040503050406030204" pitchFamily="18" charset="0"/>
+                                    </a:rPr>
+                                    <m:t>𝑉</m:t>
+                                  </m:r>
+                                </m:e>
+                                <m:sub>
+                                  <m:r>
+                                    <a:rPr lang="pt-PT" i="1">
+                                      <a:latin typeface="Cambria Math" panose="02040503050406030204" pitchFamily="18" charset="0"/>
+                                    </a:rPr>
+                                    <m:t>𝐻</m:t>
+                                  </m:r>
+                                </m:sub>
+                              </m:sSub>
+                            </m:num>
+                            <m:den>
+                              <m:sSub>
+                                <m:sSubPr>
+                                  <m:ctrlPr>
+                                    <a:rPr lang="pt-PT" i="1">
+                                      <a:solidFill>
+                                        <a:srgbClr val="836967"/>
+                                      </a:solidFill>
+                                      <a:latin typeface="Cambria Math" panose="02040503050406030204" pitchFamily="18" charset="0"/>
+                                    </a:rPr>
+                                  </m:ctrlPr>
+                                </m:sSubPr>
+                                <m:e>
+                                  <m:r>
+                                    <a:rPr lang="pt-PT" i="0">
+                                      <a:latin typeface="Cambria Math" panose="02040503050406030204" pitchFamily="18" charset="0"/>
+                                    </a:rPr>
+                                    <m:t>−µ</m:t>
+                                  </m:r>
+                                </m:e>
+                                <m:sub>
+                                  <m:r>
+                                    <a:rPr lang="pt-PT" i="0">
+                                      <a:latin typeface="Cambria Math" panose="02040503050406030204" pitchFamily="18" charset="0"/>
+                                    </a:rPr>
+                                    <m:t>0</m:t>
+                                  </m:r>
+                                </m:sub>
+                              </m:sSub>
+                              <m:r>
+                                <a:rPr lang="pt-PT" i="0">
+                                  <a:latin typeface="Cambria Math" panose="02040503050406030204" pitchFamily="18" charset="0"/>
+                                </a:rPr>
+                                <m:t>×</m:t>
+                              </m:r>
+                              <m:f>
+                                <m:fPr>
+                                  <m:ctrlPr>
+                                    <a:rPr lang="pt-PT" i="1">
+                                      <a:solidFill>
+                                        <a:srgbClr val="836967"/>
+                                      </a:solidFill>
+                                      <a:latin typeface="Cambria Math" panose="02040503050406030204" pitchFamily="18" charset="0"/>
+                                    </a:rPr>
+                                  </m:ctrlPr>
+                                </m:fPr>
+                                <m:num>
+                                  <m:r>
+                                    <a:rPr lang="pt-PT" i="1">
+                                      <a:latin typeface="Cambria Math" panose="02040503050406030204" pitchFamily="18" charset="0"/>
+                                    </a:rPr>
+                                    <m:t>𝑁</m:t>
+                                  </m:r>
+                                </m:num>
+                                <m:den>
+                                  <m:r>
+                                    <a:rPr lang="pt-PT" i="1">
+                                      <a:latin typeface="Cambria Math" panose="02040503050406030204" pitchFamily="18" charset="0"/>
+                                    </a:rPr>
+                                    <m:t>𝐿</m:t>
+                                  </m:r>
+                                </m:den>
+                              </m:f>
+                              <m:r>
+                                <a:rPr lang="pt-PT" i="0">
+                                  <a:latin typeface="Cambria Math" panose="02040503050406030204" pitchFamily="18" charset="0"/>
+                                </a:rPr>
+                                <m:t> ×</m:t>
+                              </m:r>
+                              <m:sSup>
+                                <m:sSupPr>
+                                  <m:ctrlPr>
+                                    <a:rPr lang="pt-PT" i="1">
+                                      <a:solidFill>
+                                        <a:srgbClr val="836967"/>
+                                      </a:solidFill>
+                                      <a:latin typeface="Cambria Math" panose="02040503050406030204" pitchFamily="18" charset="0"/>
+                                    </a:rPr>
+                                  </m:ctrlPr>
+                                </m:sSupPr>
+                                <m:e>
+                                  <m:r>
+                                    <a:rPr lang="pt-PT" i="1">
+                                      <a:latin typeface="Cambria Math" panose="02040503050406030204" pitchFamily="18" charset="0"/>
+                                    </a:rPr>
+                                    <m:t>𝑙</m:t>
+                                  </m:r>
+                                </m:e>
+                                <m:sup>
+                                  <m:r>
+                                    <a:rPr lang="pt-PT" i="0">
+                                      <a:latin typeface="Cambria Math" panose="02040503050406030204" pitchFamily="18" charset="0"/>
+                                    </a:rPr>
+                                    <m:t>2</m:t>
+                                  </m:r>
+                                </m:sup>
+                              </m:sSup>
+                            </m:den>
+                          </m:f>
+                        </m:e>
+                      </m:d>
+                      <m:r>
+                        <a:rPr lang="pt-PT" i="0">
+                          <a:latin typeface="Cambria Math" panose="02040503050406030204" pitchFamily="18" charset="0"/>
+                        </a:rPr>
+                        <m:t>×</m:t>
+                      </m:r>
+                      <m:r>
+                        <a:rPr lang="pt-PT" i="1">
+                          <a:latin typeface="Cambria Math" panose="02040503050406030204" pitchFamily="18" charset="0"/>
+                        </a:rPr>
+                        <m:t>𝛥</m:t>
+                      </m:r>
+                      <m:r>
+                        <a:rPr lang="pt-PT" i="1">
+                          <a:latin typeface="Cambria Math" panose="02040503050406030204" pitchFamily="18" charset="0"/>
+                        </a:rPr>
+                        <m:t>𝐼</m:t>
+                      </m:r>
+                      <m:r>
+                        <a:rPr lang="pt-PT" i="0">
+                          <a:latin typeface="Cambria Math" panose="02040503050406030204" pitchFamily="18" charset="0"/>
+                        </a:rPr>
+                        <m:t>= 6,24×</m:t>
+                      </m:r>
+                      <m:sSup>
+                        <m:sSupPr>
+                          <m:ctrlPr>
+                            <a:rPr lang="pt-PT" i="1">
+                              <a:solidFill>
+                                <a:srgbClr val="836967"/>
+                              </a:solidFill>
+                              <a:latin typeface="Cambria Math" panose="02040503050406030204" pitchFamily="18" charset="0"/>
+                            </a:rPr>
+                          </m:ctrlPr>
+                        </m:sSupPr>
+                        <m:e>
+                          <m:r>
+                            <a:rPr lang="pt-PT" i="0">
+                              <a:latin typeface="Cambria Math" panose="02040503050406030204" pitchFamily="18" charset="0"/>
+                            </a:rPr>
+                            <m:t>10</m:t>
+                          </m:r>
+                        </m:e>
+                        <m:sup>
+                          <m:r>
+                            <a:rPr lang="pt-PT" i="0">
+                              <a:latin typeface="Cambria Math" panose="02040503050406030204" pitchFamily="18" charset="0"/>
+                            </a:rPr>
+                            <m:t>−5</m:t>
+                          </m:r>
+                        </m:sup>
+                      </m:sSup>
+                    </m:oMath>
+                  </m:oMathPara>
+                </a14:m>
+                <a:endParaRPr lang="pt-PT" dirty="0"/>
+              </a:p>
+            </p:txBody>
+          </p:sp>
+        </mc:Choice>
+        <mc:Fallback xmlns="">
+          <p:sp>
+            <p:nvSpPr>
+              <p:cNvPr id="5" name="CaixaDeTexto 4">
+                <a:extLst>
+                  <a:ext uri="{FF2B5EF4-FFF2-40B4-BE49-F238E27FC236}">
+                    <a16:creationId xmlns:a16="http://schemas.microsoft.com/office/drawing/2014/main" id="{1BB055C3-EBD5-48CC-AE35-929F558B2AC4}"/>
+                  </a:ext>
+                </a:extLst>
+              </p:cNvPr>
+              <p:cNvSpPr txBox="1">
+                <a:spLocks noRot="1" noChangeAspect="1" noMove="1" noResize="1" noEditPoints="1" noAdjustHandles="1" noChangeArrowheads="1" noChangeShapeType="1" noTextEdit="1"/>
+              </p:cNvSpPr>
+              <p:nvPr/>
+            </p:nvSpPr>
+            <p:spPr>
+              <a:xfrm>
+                <a:off x="295780" y="3356108"/>
+                <a:ext cx="9596927" cy="972702"/>
+              </a:xfrm>
+              <a:prstGeom prst="rect">
+                <a:avLst/>
+              </a:prstGeom>
+              <a:blipFill>
+                <a:blip r:embed="rId3"/>
+                <a:stretch>
+                  <a:fillRect/>
+                </a:stretch>
+              </a:blipFill>
+            </p:spPr>
+            <p:txBody>
+              <a:bodyPr/>
+              <a:lstStyle/>
+              <a:p>
+                <a:r>
+                  <a:rPr lang="pt-PT">
+                    <a:noFill/>
+                  </a:rPr>
+                  <a:t> </a:t>
+                </a:r>
+              </a:p>
+            </p:txBody>
+          </p:sp>
+        </mc:Fallback>
+      </mc:AlternateContent>
+      <mc:AlternateContent xmlns:mc="http://schemas.openxmlformats.org/markup-compatibility/2006" xmlns:a14="http://schemas.microsoft.com/office/drawing/2010/main">
+        <mc:Choice Requires="a14">
+          <p:sp>
+            <p:nvSpPr>
+              <p:cNvPr id="6" name="Marcador de Posição de Conteúdo 2">
+                <a:extLst>
+                  <a:ext uri="{FF2B5EF4-FFF2-40B4-BE49-F238E27FC236}">
+                    <a16:creationId xmlns:a16="http://schemas.microsoft.com/office/drawing/2014/main" id="{C0BDB47D-9DA1-4118-9010-632157583094}"/>
+                  </a:ext>
+                </a:extLst>
+              </p:cNvPr>
+              <p:cNvSpPr txBox="1">
+                <a:spLocks/>
+              </p:cNvSpPr>
+              <p:nvPr/>
+            </p:nvSpPr>
+            <p:spPr>
+              <a:xfrm>
+                <a:off x="2027253" y="5398630"/>
+                <a:ext cx="4734370" cy="904784"/>
+              </a:xfrm>
+              <a:prstGeom prst="rect">
+                <a:avLst/>
+              </a:prstGeom>
+            </p:spPr>
+            <p:txBody>
+              <a:bodyPr vert="horz" lIns="91440" tIns="45720" rIns="91440" bIns="45720" rtlCol="0">
+                <a:normAutofit/>
+              </a:bodyPr>
+              <a:lstStyle>
+                <a:lvl1pPr marL="342900" indent="-342900" algn="l" defTabSz="457200" rtl="0" eaLnBrk="1" latinLnBrk="0" hangingPunct="1">
+                  <a:spcBef>
+                    <a:spcPts val="1000"/>
+                  </a:spcBef>
+                  <a:spcAft>
+                    <a:spcPts val="0"/>
+                  </a:spcAft>
+                  <a:buClr>
+                    <a:schemeClr val="accent1"/>
+                  </a:buClr>
+                  <a:buSzPct val="80000"/>
+                  <a:buFont typeface="Wingdings 3" charset="2"/>
+                  <a:buChar char=""/>
+                  <a:defRPr sz="1800" kern="1200">
+                    <a:solidFill>
+                      <a:schemeClr val="tx1">
+                        <a:lumMod val="75000"/>
+                        <a:lumOff val="25000"/>
+                      </a:schemeClr>
+                    </a:solidFill>
+                    <a:latin typeface="+mn-lt"/>
+                    <a:ea typeface="+mn-ea"/>
+                    <a:cs typeface="+mn-cs"/>
+                  </a:defRPr>
+                </a:lvl1pPr>
+                <a:lvl2pPr marL="742950" indent="-285750" algn="l" defTabSz="457200" rtl="0" eaLnBrk="1" latinLnBrk="0" hangingPunct="1">
+                  <a:spcBef>
+                    <a:spcPts val="1000"/>
+                  </a:spcBef>
+                  <a:spcAft>
+                    <a:spcPts val="0"/>
+                  </a:spcAft>
+                  <a:buClr>
+                    <a:schemeClr val="accent1"/>
+                  </a:buClr>
+                  <a:buSzPct val="80000"/>
+                  <a:buFont typeface="Wingdings 3" charset="2"/>
+                  <a:buChar char=""/>
+                  <a:defRPr sz="1600" kern="1200">
+                    <a:solidFill>
+                      <a:schemeClr val="tx1">
+                        <a:lumMod val="75000"/>
+                        <a:lumOff val="25000"/>
+                      </a:schemeClr>
+                    </a:solidFill>
+                    <a:latin typeface="+mn-lt"/>
+                    <a:ea typeface="+mn-ea"/>
+                    <a:cs typeface="+mn-cs"/>
+                  </a:defRPr>
+                </a:lvl2pPr>
+                <a:lvl3pPr marL="1143000" indent="-228600" algn="l" defTabSz="457200" rtl="0" eaLnBrk="1" latinLnBrk="0" hangingPunct="1">
+                  <a:spcBef>
+                    <a:spcPts val="1000"/>
+                  </a:spcBef>
+                  <a:spcAft>
+                    <a:spcPts val="0"/>
+                  </a:spcAft>
+                  <a:buClr>
+                    <a:schemeClr val="accent1"/>
+                  </a:buClr>
+                  <a:buSzPct val="80000"/>
+                  <a:buFont typeface="Wingdings 3" charset="2"/>
+                  <a:buChar char=""/>
+                  <a:defRPr sz="1400" kern="1200">
+                    <a:solidFill>
+                      <a:schemeClr val="tx1">
+                        <a:lumMod val="75000"/>
+                        <a:lumOff val="25000"/>
+                      </a:schemeClr>
+                    </a:solidFill>
+                    <a:latin typeface="+mn-lt"/>
+                    <a:ea typeface="+mn-ea"/>
+                    <a:cs typeface="+mn-cs"/>
+                  </a:defRPr>
+                </a:lvl3pPr>
+                <a:lvl4pPr marL="1600200" indent="-228600" algn="l" defTabSz="457200" rtl="0" eaLnBrk="1" latinLnBrk="0" hangingPunct="1">
+                  <a:spcBef>
+                    <a:spcPts val="1000"/>
+                  </a:spcBef>
+                  <a:spcAft>
+                    <a:spcPts val="0"/>
+                  </a:spcAft>
+                  <a:buClr>
+                    <a:schemeClr val="accent1"/>
+                  </a:buClr>
+                  <a:buSzPct val="80000"/>
+                  <a:buFont typeface="Wingdings 3" charset="2"/>
+                  <a:buChar char=""/>
+                  <a:defRPr sz="1200" kern="1200">
+                    <a:solidFill>
+                      <a:schemeClr val="tx1">
+                        <a:lumMod val="75000"/>
+                        <a:lumOff val="25000"/>
+                      </a:schemeClr>
+                    </a:solidFill>
+                    <a:latin typeface="+mn-lt"/>
+                    <a:ea typeface="+mn-ea"/>
+                    <a:cs typeface="+mn-cs"/>
+                  </a:defRPr>
+                </a:lvl4pPr>
+                <a:lvl5pPr marL="2057400" indent="-228600" algn="l" defTabSz="457200" rtl="0" eaLnBrk="1" latinLnBrk="0" hangingPunct="1">
+                  <a:spcBef>
+                    <a:spcPts val="1000"/>
+                  </a:spcBef>
+                  <a:spcAft>
+                    <a:spcPts val="0"/>
+                  </a:spcAft>
+                  <a:buClr>
+                    <a:schemeClr val="accent1"/>
+                  </a:buClr>
+                  <a:buSzPct val="80000"/>
+                  <a:buFont typeface="Wingdings 3" charset="2"/>
+                  <a:buChar char=""/>
+                  <a:defRPr sz="1200" kern="1200">
+                    <a:solidFill>
+                      <a:schemeClr val="tx1">
+                        <a:lumMod val="75000"/>
+                        <a:lumOff val="25000"/>
+                      </a:schemeClr>
+                    </a:solidFill>
+                    <a:latin typeface="+mn-lt"/>
+                    <a:ea typeface="+mn-ea"/>
+                    <a:cs typeface="+mn-cs"/>
+                  </a:defRPr>
+                </a:lvl5pPr>
+                <a:lvl6pPr marL="2514600" indent="-228600" algn="l" defTabSz="457200" rtl="0" eaLnBrk="1" latinLnBrk="0" hangingPunct="1">
+                  <a:spcBef>
+                    <a:spcPts val="1000"/>
+                  </a:spcBef>
+                  <a:spcAft>
+                    <a:spcPts val="0"/>
+                  </a:spcAft>
+                  <a:buClr>
+                    <a:schemeClr val="accent1"/>
+                  </a:buClr>
+                  <a:buSzPct val="80000"/>
+                  <a:buFont typeface="Wingdings 3" charset="2"/>
+                  <a:buChar char=""/>
+                  <a:defRPr sz="1200" kern="1200">
+                    <a:solidFill>
+                      <a:schemeClr val="tx1">
+                        <a:lumMod val="75000"/>
+                        <a:lumOff val="25000"/>
+                      </a:schemeClr>
+                    </a:solidFill>
+                    <a:latin typeface="+mn-lt"/>
+                    <a:ea typeface="+mn-ea"/>
+                    <a:cs typeface="+mn-cs"/>
+                  </a:defRPr>
+                </a:lvl6pPr>
+                <a:lvl7pPr marL="2971800" indent="-228600" algn="l" defTabSz="457200" rtl="0" eaLnBrk="1" latinLnBrk="0" hangingPunct="1">
+                  <a:spcBef>
+                    <a:spcPts val="1000"/>
+                  </a:spcBef>
+                  <a:spcAft>
+                    <a:spcPts val="0"/>
+                  </a:spcAft>
+                  <a:buClr>
+                    <a:schemeClr val="accent1"/>
+                  </a:buClr>
+                  <a:buSzPct val="80000"/>
+                  <a:buFont typeface="Wingdings 3" charset="2"/>
+                  <a:buChar char=""/>
+                  <a:defRPr sz="1200" kern="1200">
+                    <a:solidFill>
+                      <a:schemeClr val="tx1">
+                        <a:lumMod val="75000"/>
+                        <a:lumOff val="25000"/>
+                      </a:schemeClr>
+                    </a:solidFill>
+                    <a:latin typeface="+mn-lt"/>
+                    <a:ea typeface="+mn-ea"/>
+                    <a:cs typeface="+mn-cs"/>
+                  </a:defRPr>
+                </a:lvl7pPr>
+                <a:lvl8pPr marL="3429000" indent="-228600" algn="l" defTabSz="457200" rtl="0" eaLnBrk="1" latinLnBrk="0" hangingPunct="1">
+                  <a:spcBef>
+                    <a:spcPts val="1000"/>
+                  </a:spcBef>
+                  <a:spcAft>
+                    <a:spcPts val="0"/>
+                  </a:spcAft>
+                  <a:buClr>
+                    <a:schemeClr val="accent1"/>
+                  </a:buClr>
+                  <a:buSzPct val="80000"/>
+                  <a:buFont typeface="Wingdings 3" charset="2"/>
+                  <a:buChar char=""/>
+                  <a:defRPr sz="1200" kern="1200">
+                    <a:solidFill>
+                      <a:schemeClr val="tx1">
+                        <a:lumMod val="75000"/>
+                        <a:lumOff val="25000"/>
+                      </a:schemeClr>
+                    </a:solidFill>
+                    <a:latin typeface="+mn-lt"/>
+                    <a:ea typeface="+mn-ea"/>
+                    <a:cs typeface="+mn-cs"/>
+                  </a:defRPr>
+                </a:lvl8pPr>
+                <a:lvl9pPr marL="3886200" indent="-228600" algn="l" defTabSz="457200" rtl="0" eaLnBrk="1" latinLnBrk="0" hangingPunct="1">
+                  <a:spcBef>
+                    <a:spcPts val="1000"/>
+                  </a:spcBef>
+                  <a:spcAft>
+                    <a:spcPts val="0"/>
+                  </a:spcAft>
+                  <a:buClr>
+                    <a:schemeClr val="accent1"/>
+                  </a:buClr>
+                  <a:buSzPct val="80000"/>
+                  <a:buFont typeface="Wingdings 3" charset="2"/>
+                  <a:buChar char=""/>
+                  <a:defRPr sz="1200" kern="1200">
+                    <a:solidFill>
+                      <a:schemeClr val="tx1">
+                        <a:lumMod val="75000"/>
+                        <a:lumOff val="25000"/>
+                      </a:schemeClr>
+                    </a:solidFill>
+                    <a:latin typeface="+mn-lt"/>
+                    <a:ea typeface="+mn-ea"/>
+                    <a:cs typeface="+mn-cs"/>
+                  </a:defRPr>
+                </a:lvl9pPr>
+              </a:lstStyle>
+              <a:p>
+                <a:pPr marL="0" indent="0">
+                  <a:buFont typeface="Wingdings 3" charset="2"/>
+                  <a:buNone/>
+                </a:pPr>
+                <a14:m>
+                  <m:oMathPara xmlns:m="http://schemas.openxmlformats.org/officeDocument/2006/math">
+                    <m:oMathParaPr>
+                      <m:jc m:val="centerGroup"/>
+                    </m:oMathParaPr>
+                    <m:oMath xmlns:m="http://schemas.openxmlformats.org/officeDocument/2006/math">
+                      <m:f>
+                        <m:fPr>
+                          <m:ctrlPr>
+                            <a:rPr lang="pt-PT" i="1" smtClean="0">
+                              <a:latin typeface="Cambria Math" panose="02040503050406030204" pitchFamily="18" charset="0"/>
+                              <a:ea typeface="Times New Roman" panose="02020603050405020304" pitchFamily="18" charset="0"/>
+                              <a:cs typeface="Times New Roman" panose="02020603050405020304" pitchFamily="18" charset="0"/>
+                            </a:rPr>
+                          </m:ctrlPr>
+                        </m:fPr>
+                        <m:num>
+                          <m:r>
+                            <a:rPr lang="pt-PT" i="1">
+                              <a:latin typeface="Cambria Math" panose="02040503050406030204" pitchFamily="18" charset="0"/>
+                              <a:ea typeface="Times New Roman" panose="02020603050405020304" pitchFamily="18" charset="0"/>
+                              <a:cs typeface="Times New Roman" panose="02020603050405020304" pitchFamily="18" charset="0"/>
+                            </a:rPr>
+                            <m:t>𝛥</m:t>
+                          </m:r>
+                          <m:r>
+                            <a:rPr lang="pt-PT" i="1">
+                              <a:latin typeface="Cambria Math" panose="02040503050406030204" pitchFamily="18" charset="0"/>
+                              <a:ea typeface="Times New Roman" panose="02020603050405020304" pitchFamily="18" charset="0"/>
+                              <a:cs typeface="Times New Roman" panose="02020603050405020304" pitchFamily="18" charset="0"/>
+                            </a:rPr>
+                            <m:t>𝑐𝑐</m:t>
+                          </m:r>
+                        </m:num>
+                        <m:den>
+                          <m:r>
+                            <a:rPr lang="pt-PT" i="1">
+                              <a:latin typeface="Cambria Math" panose="02040503050406030204" pitchFamily="18" charset="0"/>
+                              <a:ea typeface="Times New Roman" panose="02020603050405020304" pitchFamily="18" charset="0"/>
+                              <a:cs typeface="Times New Roman" panose="02020603050405020304" pitchFamily="18" charset="0"/>
+                            </a:rPr>
+                            <m:t>𝑐𝑐</m:t>
+                          </m:r>
+                        </m:den>
+                      </m:f>
+                      <m:r>
+                        <a:rPr lang="pt-PT" i="1">
+                          <a:latin typeface="Cambria Math" panose="02040503050406030204" pitchFamily="18" charset="0"/>
+                          <a:ea typeface="Times New Roman" panose="02020603050405020304" pitchFamily="18" charset="0"/>
+                          <a:cs typeface="Times New Roman" panose="02020603050405020304" pitchFamily="18" charset="0"/>
+                        </a:rPr>
+                        <m:t>×100=</m:t>
+                      </m:r>
+                      <m:f>
+                        <m:fPr>
+                          <m:ctrlPr>
+                            <a:rPr lang="pt-PT" i="1">
+                              <a:latin typeface="Cambria Math" panose="02040503050406030204" pitchFamily="18" charset="0"/>
+                              <a:ea typeface="Times New Roman" panose="02020603050405020304" pitchFamily="18" charset="0"/>
+                              <a:cs typeface="Times New Roman" panose="02020603050405020304" pitchFamily="18" charset="0"/>
+                            </a:rPr>
+                          </m:ctrlPr>
+                        </m:fPr>
+                        <m:num>
+                          <m:r>
+                            <a:rPr lang="pt-PT" i="1">
+                              <a:latin typeface="Cambria Math" panose="02040503050406030204" pitchFamily="18" charset="0"/>
+                              <a:ea typeface="Times New Roman" panose="02020603050405020304" pitchFamily="18" charset="0"/>
+                              <a:cs typeface="Times New Roman" panose="02020603050405020304" pitchFamily="18" charset="0"/>
+                            </a:rPr>
+                            <m:t>6,24×</m:t>
+                          </m:r>
+                          <m:sSup>
+                            <m:sSupPr>
+                              <m:ctrlPr>
+                                <a:rPr lang="pt-PT" i="1">
+                                  <a:latin typeface="Cambria Math" panose="02040503050406030204" pitchFamily="18" charset="0"/>
+                                  <a:ea typeface="Times New Roman" panose="02020603050405020304" pitchFamily="18" charset="0"/>
+                                  <a:cs typeface="Times New Roman" panose="02020603050405020304" pitchFamily="18" charset="0"/>
+                                </a:rPr>
+                              </m:ctrlPr>
+                            </m:sSupPr>
+                            <m:e>
+                              <m:r>
+                                <a:rPr lang="pt-PT" i="1">
+                                  <a:latin typeface="Cambria Math" panose="02040503050406030204" pitchFamily="18" charset="0"/>
+                                  <a:ea typeface="Times New Roman" panose="02020603050405020304" pitchFamily="18" charset="0"/>
+                                  <a:cs typeface="Times New Roman" panose="02020603050405020304" pitchFamily="18" charset="0"/>
+                                </a:rPr>
+                                <m:t>10</m:t>
+                              </m:r>
+                            </m:e>
+                            <m:sup>
+                              <m:r>
+                                <a:rPr lang="pt-PT" i="1">
+                                  <a:latin typeface="Cambria Math" panose="02040503050406030204" pitchFamily="18" charset="0"/>
+                                  <a:ea typeface="Times New Roman" panose="02020603050405020304" pitchFamily="18" charset="0"/>
+                                  <a:cs typeface="Times New Roman" panose="02020603050405020304" pitchFamily="18" charset="0"/>
+                                </a:rPr>
+                                <m:t>−5</m:t>
+                              </m:r>
+                            </m:sup>
+                          </m:sSup>
+                        </m:num>
+                        <m:den>
+                          <m:r>
+                            <a:rPr lang="pt-PT" i="1">
+                              <a:latin typeface="Cambria Math" panose="02040503050406030204" pitchFamily="18" charset="0"/>
+                              <a:ea typeface="Times New Roman" panose="02020603050405020304" pitchFamily="18" charset="0"/>
+                              <a:cs typeface="Times New Roman" panose="02020603050405020304" pitchFamily="18" charset="0"/>
+                            </a:rPr>
+                            <m:t>0,6427</m:t>
+                          </m:r>
+                        </m:den>
+                      </m:f>
+                      <m:r>
+                        <a:rPr lang="pt-PT" i="1">
+                          <a:latin typeface="Cambria Math" panose="02040503050406030204" pitchFamily="18" charset="0"/>
+                          <a:ea typeface="Times New Roman" panose="02020603050405020304" pitchFamily="18" charset="0"/>
+                          <a:cs typeface="Times New Roman" panose="02020603050405020304" pitchFamily="18" charset="0"/>
+                        </a:rPr>
+                        <m:t>×100=9,7%</m:t>
+                      </m:r>
+                    </m:oMath>
+                  </m:oMathPara>
+                </a14:m>
+                <a:endParaRPr lang="pt-PT" dirty="0">
+                  <a:latin typeface="Calibri" panose="020F0502020204030204" pitchFamily="34" charset="0"/>
+                  <a:ea typeface="Calibri" panose="020F0502020204030204" pitchFamily="34" charset="0"/>
+                  <a:cs typeface="Times New Roman" panose="02020603050405020304" pitchFamily="18" charset="0"/>
+                </a:endParaRPr>
+              </a:p>
+              <a:p>
+                <a:pPr marL="0" indent="0">
+                  <a:buFont typeface="Wingdings 3" charset="2"/>
+                  <a:buNone/>
+                </a:pPr>
+                <a:endParaRPr lang="pt-PT" dirty="0"/>
+              </a:p>
+            </p:txBody>
+          </p:sp>
+        </mc:Choice>
+        <mc:Fallback xmlns="">
+          <p:sp>
+            <p:nvSpPr>
+              <p:cNvPr id="6" name="Marcador de Posição de Conteúdo 2">
+                <a:extLst>
+                  <a:ext uri="{FF2B5EF4-FFF2-40B4-BE49-F238E27FC236}">
+                    <a16:creationId xmlns:a16="http://schemas.microsoft.com/office/drawing/2014/main" id="{C0BDB47D-9DA1-4118-9010-632157583094}"/>
+                  </a:ext>
+                </a:extLst>
+              </p:cNvPr>
+              <p:cNvSpPr txBox="1">
+                <a:spLocks noRot="1" noChangeAspect="1" noMove="1" noResize="1" noEditPoints="1" noAdjustHandles="1" noChangeArrowheads="1" noChangeShapeType="1" noTextEdit="1"/>
+              </p:cNvSpPr>
+              <p:nvPr/>
+            </p:nvSpPr>
+            <p:spPr>
+              <a:xfrm>
+                <a:off x="2027253" y="5398630"/>
+                <a:ext cx="4734370" cy="904784"/>
+              </a:xfrm>
+              <a:prstGeom prst="rect">
+                <a:avLst/>
+              </a:prstGeom>
+              <a:blipFill>
+                <a:blip r:embed="rId4"/>
+                <a:stretch>
+                  <a:fillRect/>
+                </a:stretch>
+              </a:blipFill>
+            </p:spPr>
+            <p:txBody>
+              <a:bodyPr/>
+              <a:lstStyle/>
+              <a:p>
+                <a:r>
+                  <a:rPr lang="pt-PT">
+                    <a:noFill/>
+                  </a:rPr>
+                  <a:t> </a:t>
+                </a:r>
+              </a:p>
+            </p:txBody>
+          </p:sp>
+        </mc:Fallback>
+      </mc:AlternateContent>
+      <p:sp>
+        <p:nvSpPr>
+          <p:cNvPr id="7" name="CaixaDeTexto 6">
+            <a:extLst>
+              <a:ext uri="{FF2B5EF4-FFF2-40B4-BE49-F238E27FC236}">
+                <a16:creationId xmlns:a16="http://schemas.microsoft.com/office/drawing/2014/main" id="{2BF6BEEA-B6C5-4BC1-B6C9-D949B2883EAD}"/>
+              </a:ext>
+            </a:extLst>
+          </p:cNvPr>
+          <p:cNvSpPr txBox="1"/>
+          <p:nvPr/>
+        </p:nvSpPr>
+        <p:spPr>
+          <a:xfrm>
+            <a:off x="807421" y="4886540"/>
+            <a:ext cx="2168415" cy="369332"/>
+          </a:xfrm>
+          <a:prstGeom prst="rect">
+            <a:avLst/>
+          </a:prstGeom>
+          <a:noFill/>
+        </p:spPr>
+        <p:txBody>
+          <a:bodyPr wrap="square" rtlCol="0">
+            <a:spAutoFit/>
+          </a:bodyPr>
+          <a:lstStyle/>
+          <a:p>
+            <a:r>
+              <a:rPr lang="pt-PT" b="1" dirty="0">
+                <a:solidFill>
+                  <a:schemeClr val="accent1"/>
+                </a:solidFill>
+              </a:rPr>
+              <a:t>Erro Relativo</a:t>
+            </a:r>
+          </a:p>
+        </p:txBody>
+      </p:sp>
+      <p:sp>
+        <p:nvSpPr>
+          <p:cNvPr id="10" name="CaixaDeTexto 9">
+            <a:extLst>
+              <a:ext uri="{FF2B5EF4-FFF2-40B4-BE49-F238E27FC236}">
+                <a16:creationId xmlns:a16="http://schemas.microsoft.com/office/drawing/2014/main" id="{39F89963-318C-4EA7-9F90-BE8FDBF0FF5D}"/>
+              </a:ext>
+            </a:extLst>
+          </p:cNvPr>
+          <p:cNvSpPr txBox="1"/>
+          <p:nvPr/>
+        </p:nvSpPr>
+        <p:spPr>
+          <a:xfrm>
+            <a:off x="807419" y="2613712"/>
+            <a:ext cx="2168415" cy="369332"/>
+          </a:xfrm>
+          <a:prstGeom prst="rect">
+            <a:avLst/>
+          </a:prstGeom>
+          <a:noFill/>
+        </p:spPr>
+        <p:txBody>
+          <a:bodyPr wrap="square" rtlCol="0">
+            <a:spAutoFit/>
+          </a:bodyPr>
+          <a:lstStyle/>
+          <a:p>
+            <a:r>
+              <a:rPr lang="pt-PT" b="1" dirty="0">
+                <a:solidFill>
+                  <a:schemeClr val="accent1"/>
+                </a:solidFill>
+              </a:rPr>
+              <a:t>Erro da calibração</a:t>
+            </a:r>
+          </a:p>
+        </p:txBody>
+      </p:sp>
+      <p:sp>
+        <p:nvSpPr>
+          <p:cNvPr id="11" name="CaixaDeTexto 10">
+            <a:extLst>
+              <a:ext uri="{FF2B5EF4-FFF2-40B4-BE49-F238E27FC236}">
+                <a16:creationId xmlns:a16="http://schemas.microsoft.com/office/drawing/2014/main" id="{5FD98D7D-DCCA-4CFE-9007-58553BB19E6C}"/>
+              </a:ext>
+            </a:extLst>
+          </p:cNvPr>
+          <p:cNvSpPr txBox="1"/>
+          <p:nvPr/>
+        </p:nvSpPr>
+        <p:spPr>
+          <a:xfrm>
+            <a:off x="807419" y="560325"/>
+            <a:ext cx="2168415" cy="369332"/>
+          </a:xfrm>
+          <a:prstGeom prst="rect">
+            <a:avLst/>
+          </a:prstGeom>
+          <a:noFill/>
+        </p:spPr>
+        <p:txBody>
+          <a:bodyPr wrap="square" rtlCol="0">
+            <a:spAutoFit/>
+          </a:bodyPr>
+          <a:lstStyle/>
+          <a:p>
+            <a:r>
+              <a:rPr lang="pt-PT" b="1" dirty="0">
+                <a:solidFill>
+                  <a:schemeClr val="accent1"/>
+                </a:solidFill>
+              </a:rPr>
+              <a:t>Erro do Material</a:t>
+            </a:r>
+          </a:p>
+        </p:txBody>
+      </p:sp>
+    </p:spTree>
+    <p:extLst>
+      <p:ext uri="{BB962C8B-B14F-4D97-AF65-F5344CB8AC3E}">
+        <p14:creationId xmlns:p14="http://schemas.microsoft.com/office/powerpoint/2010/main" val="1168258717"/>
+      </p:ext>
+    </p:extLst>
+  </p:cSld>
+  <p:clrMapOvr>
+    <a:masterClrMapping/>
+  </p:clrMapOvr>
+</p:sld>
+</file>
+
+<file path=ppt/slides/slide12.xml><?xml version="1.0" encoding="utf-8"?>
+<p:sld xmlns:a="http://schemas.openxmlformats.org/drawingml/2006/main" xmlns:r="http://schemas.openxmlformats.org/officeDocument/2006/relationships" xmlns:p="http://schemas.openxmlformats.org/presentationml/2006/main">
+  <p:cSld>
+    <p:spTree>
+      <p:nvGrpSpPr>
+        <p:cNvPr id="1" name=""/>
+        <p:cNvGrpSpPr/>
+        <p:nvPr/>
+      </p:nvGrpSpPr>
+      <p:grpSpPr>
+        <a:xfrm>
+          <a:off x="0" y="0"/>
+          <a:ext cx="0" cy="0"/>
+          <a:chOff x="0" y="0"/>
+          <a:chExt cx="0" cy="0"/>
+        </a:xfrm>
+      </p:grpSpPr>
+      <p:sp>
+        <p:nvSpPr>
+          <p:cNvPr id="2" name="Título 1">
+            <a:extLst>
+              <a:ext uri="{FF2B5EF4-FFF2-40B4-BE49-F238E27FC236}">
+                <a16:creationId xmlns:a16="http://schemas.microsoft.com/office/drawing/2014/main" id="{9B8BF9DC-C88E-43FA-B285-0BE481A92A19}"/>
+              </a:ext>
+            </a:extLst>
+          </p:cNvPr>
+          <p:cNvSpPr>
+            <a:spLocks noGrp="1"/>
+          </p:cNvSpPr>
+          <p:nvPr>
+            <p:ph type="title"/>
+          </p:nvPr>
+        </p:nvSpPr>
+        <p:spPr>
+          <a:xfrm>
+            <a:off x="538384" y="2669136"/>
+            <a:ext cx="9460195" cy="1320800"/>
+          </a:xfrm>
+        </p:spPr>
+        <p:txBody>
+          <a:bodyPr>
+            <a:normAutofit fontScale="90000"/>
+          </a:bodyPr>
+          <a:lstStyle/>
+          <a:p>
+            <a:r>
+              <a:rPr lang="pt-PT" dirty="0"/>
+              <a:t>Parte B-</a:t>
+            </a:r>
+            <a:br>
+              <a:rPr lang="pt-PT" dirty="0"/>
+            </a:br>
+            <a:r>
+              <a:rPr lang="pt-PT" dirty="0"/>
+              <a:t>Princípio da sobreposição para o campo magnético</a:t>
+            </a:r>
+          </a:p>
+        </p:txBody>
+      </p:sp>
+    </p:spTree>
+    <p:extLst>
+      <p:ext uri="{BB962C8B-B14F-4D97-AF65-F5344CB8AC3E}">
+        <p14:creationId xmlns:p14="http://schemas.microsoft.com/office/powerpoint/2010/main" val="2726431456"/>
+      </p:ext>
+    </p:extLst>
+  </p:cSld>
+  <p:clrMapOvr>
+    <a:masterClrMapping/>
+  </p:clrMapOvr>
+</p:sld>
+</file>
+
+<file path=ppt/slides/slide13.xml><?xml version="1.0" encoding="utf-8"?>
+<p:sld xmlns:a="http://schemas.openxmlformats.org/drawingml/2006/main" xmlns:r="http://schemas.openxmlformats.org/officeDocument/2006/relationships" xmlns:p="http://schemas.openxmlformats.org/presentationml/2006/main">
+  <p:cSld>
+    <p:spTree>
+      <p:nvGrpSpPr>
+        <p:cNvPr id="1" name=""/>
+        <p:cNvGrpSpPr/>
+        <p:nvPr/>
+      </p:nvGrpSpPr>
+      <p:grpSpPr>
+        <a:xfrm>
+          <a:off x="0" y="0"/>
+          <a:ext cx="0" cy="0"/>
+          <a:chOff x="0" y="0"/>
+          <a:chExt cx="0" cy="0"/>
+        </a:xfrm>
+      </p:grpSpPr>
+      <p:sp>
+        <p:nvSpPr>
+          <p:cNvPr id="2" name="Título 1">
+            <a:extLst>
+              <a:ext uri="{FF2B5EF4-FFF2-40B4-BE49-F238E27FC236}">
+                <a16:creationId xmlns:a16="http://schemas.microsoft.com/office/drawing/2014/main" id="{FCE86053-C3E9-4793-856B-477BAAB3CC0B}"/>
+              </a:ext>
+            </a:extLst>
+          </p:cNvPr>
+          <p:cNvSpPr>
+            <a:spLocks noGrp="1"/>
+          </p:cNvSpPr>
+          <p:nvPr>
+            <p:ph type="title"/>
+          </p:nvPr>
+        </p:nvSpPr>
+        <p:spPr/>
+        <p:txBody>
+          <a:bodyPr/>
+          <a:lstStyle/>
+          <a:p>
+            <a:r>
+              <a:rPr lang="pt-PT" dirty="0"/>
+              <a:t>Verificação do princípio de sobreposição</a:t>
+            </a:r>
+          </a:p>
+        </p:txBody>
+      </p:sp>
+      <p:graphicFrame>
+        <p:nvGraphicFramePr>
+          <p:cNvPr id="4" name="Marcador de Posição de Conteúdo 3">
+            <a:extLst>
+              <a:ext uri="{FF2B5EF4-FFF2-40B4-BE49-F238E27FC236}">
+                <a16:creationId xmlns:a16="http://schemas.microsoft.com/office/drawing/2014/main" id="{A2031860-744C-4E13-8738-CDAB78502E5E}"/>
+              </a:ext>
+            </a:extLst>
+          </p:cNvPr>
+          <p:cNvGraphicFramePr>
+            <a:graphicFrameLocks noGrp="1"/>
+          </p:cNvGraphicFramePr>
+          <p:nvPr>
+            <p:ph idx="1"/>
+            <p:extLst>
+              <p:ext uri="{D42A27DB-BD31-4B8C-83A1-F6EECF244321}">
+                <p14:modId xmlns:p14="http://schemas.microsoft.com/office/powerpoint/2010/main" val="1213075620"/>
+              </p:ext>
+            </p:extLst>
+          </p:nvPr>
+        </p:nvGraphicFramePr>
+        <p:xfrm>
+          <a:off x="677863" y="2160588"/>
+          <a:ext cx="8596312" cy="3881437"/>
+        </p:xfrm>
+        <a:graphic>
+          <a:graphicData uri="http://schemas.openxmlformats.org/drawingml/2006/chart">
+            <c:chart xmlns:c="http://schemas.openxmlformats.org/drawingml/2006/chart" xmlns:r="http://schemas.openxmlformats.org/officeDocument/2006/relationships" r:id="rId2"/>
+          </a:graphicData>
+        </a:graphic>
+      </p:graphicFrame>
+    </p:spTree>
+    <p:extLst>
+      <p:ext uri="{BB962C8B-B14F-4D97-AF65-F5344CB8AC3E}">
+        <p14:creationId xmlns:p14="http://schemas.microsoft.com/office/powerpoint/2010/main" val="2049121099"/>
+      </p:ext>
+    </p:extLst>
+  </p:cSld>
+  <p:clrMapOvr>
+    <a:masterClrMapping/>
+  </p:clrMapOvr>
+</p:sld>
+</file>
+
+<file path=ppt/slides/slide14.xml><?xml version="1.0" encoding="utf-8"?>
+<p:sld xmlns:a="http://schemas.openxmlformats.org/drawingml/2006/main" xmlns:r="http://schemas.openxmlformats.org/officeDocument/2006/relationships" xmlns:p="http://schemas.openxmlformats.org/presentationml/2006/main">
+  <p:cSld>
+    <p:spTree>
+      <p:nvGrpSpPr>
+        <p:cNvPr id="1" name=""/>
+        <p:cNvGrpSpPr/>
+        <p:nvPr/>
+      </p:nvGrpSpPr>
+      <p:grpSpPr>
+        <a:xfrm>
+          <a:off x="0" y="0"/>
+          <a:ext cx="0" cy="0"/>
+          <a:chOff x="0" y="0"/>
+          <a:chExt cx="0" cy="0"/>
+        </a:xfrm>
+      </p:grpSpPr>
+      <p:sp>
+        <p:nvSpPr>
+          <p:cNvPr id="2" name="Título 1">
+            <a:extLst>
+              <a:ext uri="{FF2B5EF4-FFF2-40B4-BE49-F238E27FC236}">
+                <a16:creationId xmlns:a16="http://schemas.microsoft.com/office/drawing/2014/main" id="{E2644567-ED0F-4515-8FE8-9CEA894A2EC5}"/>
+              </a:ext>
+            </a:extLst>
+          </p:cNvPr>
+          <p:cNvSpPr>
+            <a:spLocks noGrp="1"/>
+          </p:cNvSpPr>
+          <p:nvPr>
+            <p:ph type="title"/>
+          </p:nvPr>
+        </p:nvSpPr>
+        <p:spPr/>
+        <p:txBody>
+          <a:bodyPr/>
+          <a:lstStyle/>
+          <a:p>
+            <a:r>
+              <a:rPr lang="pt-PT" dirty="0"/>
+              <a:t>Verificação do princípio de sobreposição</a:t>
+            </a:r>
+          </a:p>
+        </p:txBody>
+      </p:sp>
+      <mc:AlternateContent xmlns:mc="http://schemas.openxmlformats.org/markup-compatibility/2006" xmlns:a14="http://schemas.microsoft.com/office/drawing/2010/main">
+        <mc:Choice Requires="a14">
+          <p:sp>
+            <p:nvSpPr>
+              <p:cNvPr id="3" name="Marcador de Posição de Conteúdo 2">
+                <a:extLst>
+                  <a:ext uri="{FF2B5EF4-FFF2-40B4-BE49-F238E27FC236}">
+                    <a16:creationId xmlns:a16="http://schemas.microsoft.com/office/drawing/2014/main" id="{F40447F8-6EDC-4AA2-94E7-514DA0343628}"/>
+                  </a:ext>
+                </a:extLst>
+              </p:cNvPr>
+              <p:cNvSpPr>
+                <a:spLocks noGrp="1"/>
+              </p:cNvSpPr>
+              <p:nvPr>
+                <p:ph idx="1"/>
+              </p:nvPr>
+            </p:nvSpPr>
+            <p:spPr/>
+            <p:txBody>
+              <a:bodyPr/>
+              <a:lstStyle/>
+              <a:p>
+                <a:r>
+                  <a:rPr lang="pt-PT" dirty="0"/>
+                  <a:t>Tendo previamente obtido o valor da tensão para várias distâncias e tendo em conta o seguinte:</a:t>
+                </a:r>
+              </a:p>
+              <a:p>
+                <a14:m>
+                  <m:oMath xmlns:m="http://schemas.openxmlformats.org/officeDocument/2006/math">
+                    <m:r>
+                      <a:rPr lang="pt-PT" i="1" dirty="0" smtClean="0">
+                        <a:latin typeface="Cambria Math" panose="02040503050406030204" pitchFamily="18" charset="0"/>
+                      </a:rPr>
+                      <m:t>𝐵</m:t>
+                    </m:r>
+                    <m:r>
+                      <a:rPr lang="pt-PT" i="0" dirty="0" smtClean="0">
+                        <a:latin typeface="Cambria Math" panose="02040503050406030204" pitchFamily="18" charset="0"/>
+                      </a:rPr>
+                      <m:t>=</m:t>
+                    </m:r>
+                    <m:r>
+                      <a:rPr lang="pt-PT" i="1" dirty="0" smtClean="0">
+                        <a:latin typeface="Cambria Math" panose="02040503050406030204" pitchFamily="18" charset="0"/>
+                      </a:rPr>
+                      <m:t>𝐶𝐶</m:t>
+                    </m:r>
+                    <m:r>
+                      <a:rPr lang="pt-PT" i="0" dirty="0" smtClean="0">
+                        <a:latin typeface="Cambria Math" panose="02040503050406030204" pitchFamily="18" charset="0"/>
+                      </a:rPr>
+                      <m:t>⋅</m:t>
+                    </m:r>
+                    <m:sSub>
+                      <m:sSubPr>
+                        <m:ctrlPr>
+                          <a:rPr lang="pt-PT" i="1" dirty="0" smtClean="0">
+                            <a:solidFill>
+                              <a:srgbClr val="836967"/>
+                            </a:solidFill>
+                            <a:latin typeface="Cambria Math" panose="02040503050406030204" pitchFamily="18" charset="0"/>
+                          </a:rPr>
+                        </m:ctrlPr>
+                      </m:sSubPr>
+                      <m:e>
+                        <m:r>
+                          <a:rPr lang="pt-PT" b="0" i="1" dirty="0" smtClean="0">
+                            <a:solidFill>
+                              <a:srgbClr val="836967"/>
+                            </a:solidFill>
+                            <a:latin typeface="Cambria Math" panose="02040503050406030204" pitchFamily="18" charset="0"/>
+                          </a:rPr>
+                          <m:t>𝑉</m:t>
+                        </m:r>
+                      </m:e>
+                      <m:sub>
+                        <m:r>
+                          <a:rPr lang="pt-PT" i="1" dirty="0" smtClean="0">
+                            <a:latin typeface="Cambria Math" panose="02040503050406030204" pitchFamily="18" charset="0"/>
+                          </a:rPr>
+                          <m:t>𝐻</m:t>
+                        </m:r>
+                      </m:sub>
+                    </m:sSub>
+                    <m:r>
+                      <a:rPr lang="pt-PT" i="0" dirty="0" smtClean="0">
+                        <a:latin typeface="Cambria Math" panose="02040503050406030204" pitchFamily="18" charset="0"/>
+                      </a:rPr>
+                      <m:t>⇔</m:t>
+                    </m:r>
+                    <m:f>
+                      <m:fPr>
+                        <m:ctrlPr>
+                          <a:rPr lang="pt-PT" i="1" dirty="0" smtClean="0">
+                            <a:solidFill>
+                              <a:srgbClr val="836967"/>
+                            </a:solidFill>
+                            <a:latin typeface="Cambria Math" panose="02040503050406030204" pitchFamily="18" charset="0"/>
+                          </a:rPr>
+                        </m:ctrlPr>
+                      </m:fPr>
+                      <m:num>
+                        <m:r>
+                          <a:rPr lang="pt-PT" i="1" dirty="0" smtClean="0">
+                            <a:latin typeface="Cambria Math" panose="02040503050406030204" pitchFamily="18" charset="0"/>
+                          </a:rPr>
+                          <m:t>𝐵</m:t>
+                        </m:r>
+                      </m:num>
+                      <m:den>
+                        <m:sSub>
+                          <m:sSubPr>
+                            <m:ctrlPr>
+                              <a:rPr lang="pt-PT" i="1" dirty="0" smtClean="0">
+                                <a:solidFill>
+                                  <a:srgbClr val="836967"/>
+                                </a:solidFill>
+                                <a:latin typeface="Cambria Math" panose="02040503050406030204" pitchFamily="18" charset="0"/>
+                              </a:rPr>
+                            </m:ctrlPr>
+                          </m:sSubPr>
+                          <m:e>
+                            <m:r>
+                              <a:rPr lang="pt-PT" b="0" i="1" dirty="0" smtClean="0">
+                                <a:solidFill>
+                                  <a:srgbClr val="836967"/>
+                                </a:solidFill>
+                                <a:latin typeface="Cambria Math" panose="02040503050406030204" pitchFamily="18" charset="0"/>
+                              </a:rPr>
+                              <m:t>𝑉</m:t>
+                            </m:r>
+                          </m:e>
+                          <m:sub>
+                            <m:r>
+                              <a:rPr lang="pt-PT" i="1" dirty="0" smtClean="0">
+                                <a:latin typeface="Cambria Math" panose="02040503050406030204" pitchFamily="18" charset="0"/>
+                              </a:rPr>
+                              <m:t>𝐻</m:t>
+                            </m:r>
+                          </m:sub>
+                        </m:sSub>
+                      </m:den>
+                    </m:f>
+                    <m:r>
+                      <a:rPr lang="pt-PT" i="0" dirty="0" smtClean="0">
+                        <a:latin typeface="Cambria Math" panose="02040503050406030204" pitchFamily="18" charset="0"/>
+                      </a:rPr>
+                      <m:t>=</m:t>
+                    </m:r>
+                    <m:r>
+                      <a:rPr lang="pt-PT" i="1" dirty="0" smtClean="0">
+                        <a:latin typeface="Cambria Math" panose="02040503050406030204" pitchFamily="18" charset="0"/>
+                      </a:rPr>
+                      <m:t>𝐶𝐶</m:t>
+                    </m:r>
+                    <m:r>
+                      <a:rPr lang="pt-PT" dirty="0">
+                        <a:latin typeface="Cambria Math" panose="02040503050406030204" pitchFamily="18" charset="0"/>
+                      </a:rPr>
+                      <m:t>⇔</m:t>
+                    </m:r>
+                    <m:r>
+                      <a:rPr lang="pt-PT" i="1" dirty="0" smtClean="0">
+                        <a:latin typeface="Cambria Math" panose="02040503050406030204" pitchFamily="18" charset="0"/>
+                      </a:rPr>
+                      <m:t>𝐶𝐶</m:t>
+                    </m:r>
+                    <m:r>
+                      <a:rPr lang="pt-PT" i="0" dirty="0" smtClean="0">
+                        <a:latin typeface="Cambria Math" panose="02040503050406030204" pitchFamily="18" charset="0"/>
+                      </a:rPr>
+                      <m:t>=</m:t>
+                    </m:r>
+                    <m:f>
+                      <m:fPr>
+                        <m:ctrlPr>
+                          <a:rPr lang="pt-PT" i="1" dirty="0" smtClean="0">
+                            <a:solidFill>
+                              <a:srgbClr val="836967"/>
+                            </a:solidFill>
+                            <a:latin typeface="Cambria Math" panose="02040503050406030204" pitchFamily="18" charset="0"/>
+                          </a:rPr>
+                        </m:ctrlPr>
+                      </m:fPr>
+                      <m:num>
+                        <m:r>
+                          <a:rPr lang="pt-PT" i="1" dirty="0" smtClean="0">
+                            <a:latin typeface="Cambria Math" panose="02040503050406030204" pitchFamily="18" charset="0"/>
+                          </a:rPr>
+                          <m:t>𝑚</m:t>
+                        </m:r>
+                      </m:num>
+                      <m:den>
+                        <m:sSub>
+                          <m:sSubPr>
+                            <m:ctrlPr>
+                              <a:rPr lang="pt-PT" i="1" dirty="0" smtClean="0">
+                                <a:solidFill>
+                                  <a:srgbClr val="836967"/>
+                                </a:solidFill>
+                                <a:latin typeface="Cambria Math" panose="02040503050406030204" pitchFamily="18" charset="0"/>
+                              </a:rPr>
+                            </m:ctrlPr>
+                          </m:sSubPr>
+                          <m:e>
+                            <m:r>
+                              <a:rPr lang="pt-PT" i="1" dirty="0" smtClean="0">
+                                <a:latin typeface="Cambria Math" panose="02040503050406030204" pitchFamily="18" charset="0"/>
+                              </a:rPr>
+                              <m:t>𝜇</m:t>
+                            </m:r>
+                          </m:e>
+                          <m:sub>
+                            <m:r>
+                              <a:rPr lang="pt-PT" i="0" dirty="0" smtClean="0">
+                                <a:latin typeface="Cambria Math" panose="02040503050406030204" pitchFamily="18" charset="0"/>
+                              </a:rPr>
+                              <m:t>0</m:t>
+                            </m:r>
+                          </m:sub>
+                        </m:sSub>
+                        <m:r>
+                          <a:rPr lang="pt-PT" i="0" dirty="0" smtClean="0">
+                            <a:latin typeface="Cambria Math" panose="02040503050406030204" pitchFamily="18" charset="0"/>
+                          </a:rPr>
+                          <m:t>⋅</m:t>
+                        </m:r>
+                        <m:f>
+                          <m:fPr>
+                            <m:ctrlPr>
+                              <a:rPr lang="pt-PT" i="1" dirty="0" smtClean="0">
+                                <a:solidFill>
+                                  <a:srgbClr val="836967"/>
+                                </a:solidFill>
+                                <a:latin typeface="Cambria Math" panose="02040503050406030204" pitchFamily="18" charset="0"/>
+                              </a:rPr>
+                            </m:ctrlPr>
+                          </m:fPr>
+                          <m:num>
+                            <m:r>
+                              <a:rPr lang="pt-PT" i="1" dirty="0" smtClean="0">
+                                <a:latin typeface="Cambria Math" panose="02040503050406030204" pitchFamily="18" charset="0"/>
+                              </a:rPr>
+                              <m:t>𝑁</m:t>
+                            </m:r>
+                          </m:num>
+                          <m:den>
+                            <m:r>
+                              <a:rPr lang="pt-PT" i="1" dirty="0" smtClean="0">
+                                <a:latin typeface="Cambria Math" panose="02040503050406030204" pitchFamily="18" charset="0"/>
+                              </a:rPr>
+                              <m:t>𝐿</m:t>
+                            </m:r>
+                          </m:den>
+                        </m:f>
+                      </m:den>
+                    </m:f>
+                  </m:oMath>
+                </a14:m>
+                <a:r>
+                  <a:rPr lang="pt-PT" dirty="0"/>
+                  <a:t>;</a:t>
+                </a:r>
+              </a:p>
+              <a:p>
+                <a14:m>
+                  <m:oMath xmlns:m="http://schemas.openxmlformats.org/officeDocument/2006/math">
+                    <m:f>
+                      <m:fPr>
+                        <m:ctrlPr>
+                          <a:rPr lang="pt-PT" i="1" dirty="0">
+                            <a:solidFill>
+                              <a:srgbClr val="836967"/>
+                            </a:solidFill>
+                            <a:latin typeface="Cambria Math" panose="02040503050406030204" pitchFamily="18" charset="0"/>
+                          </a:rPr>
+                        </m:ctrlPr>
+                      </m:fPr>
+                      <m:num>
+                        <m:r>
+                          <a:rPr lang="pt-PT" i="1" dirty="0">
+                            <a:latin typeface="Cambria Math" panose="02040503050406030204" pitchFamily="18" charset="0"/>
+                          </a:rPr>
+                          <m:t>𝐵</m:t>
+                        </m:r>
+                      </m:num>
+                      <m:den>
+                        <m:sSub>
+                          <m:sSubPr>
+                            <m:ctrlPr>
+                              <a:rPr lang="pt-PT" i="1" dirty="0">
+                                <a:solidFill>
+                                  <a:srgbClr val="836967"/>
+                                </a:solidFill>
+                                <a:latin typeface="Cambria Math" panose="02040503050406030204" pitchFamily="18" charset="0"/>
+                              </a:rPr>
+                            </m:ctrlPr>
+                          </m:sSubPr>
+                          <m:e>
+                            <m:r>
+                              <a:rPr lang="pt-PT" i="1" dirty="0">
+                                <a:solidFill>
+                                  <a:srgbClr val="836967"/>
+                                </a:solidFill>
+                                <a:latin typeface="Cambria Math" panose="02040503050406030204" pitchFamily="18" charset="0"/>
+                              </a:rPr>
+                              <m:t>𝑉</m:t>
+                            </m:r>
+                          </m:e>
+                          <m:sub>
+                            <m:r>
+                              <a:rPr lang="pt-PT" i="1" dirty="0">
+                                <a:latin typeface="Cambria Math" panose="02040503050406030204" pitchFamily="18" charset="0"/>
+                              </a:rPr>
+                              <m:t>𝐻</m:t>
+                            </m:r>
+                          </m:sub>
+                        </m:sSub>
+                      </m:den>
+                    </m:f>
+                  </m:oMath>
+                </a14:m>
+                <a:r>
+                  <a:rPr lang="pt-PT" dirty="0"/>
+                  <a:t> = </a:t>
+                </a:r>
+                <a14:m>
+                  <m:oMath xmlns:m="http://schemas.openxmlformats.org/officeDocument/2006/math">
+                    <m:f>
+                      <m:fPr>
+                        <m:ctrlPr>
+                          <a:rPr lang="pt-PT" i="1" dirty="0">
+                            <a:solidFill>
+                              <a:srgbClr val="836967"/>
+                            </a:solidFill>
+                            <a:latin typeface="Cambria Math" panose="02040503050406030204" pitchFamily="18" charset="0"/>
+                          </a:rPr>
+                        </m:ctrlPr>
+                      </m:fPr>
+                      <m:num>
+                        <m:r>
+                          <a:rPr lang="pt-PT" i="1" dirty="0">
+                            <a:latin typeface="Cambria Math" panose="02040503050406030204" pitchFamily="18" charset="0"/>
+                          </a:rPr>
+                          <m:t>𝑚</m:t>
+                        </m:r>
+                      </m:num>
+                      <m:den>
+                        <m:sSub>
+                          <m:sSubPr>
+                            <m:ctrlPr>
+                              <a:rPr lang="pt-PT" i="1" dirty="0">
+                                <a:solidFill>
+                                  <a:srgbClr val="836967"/>
+                                </a:solidFill>
+                                <a:latin typeface="Cambria Math" panose="02040503050406030204" pitchFamily="18" charset="0"/>
+                              </a:rPr>
+                            </m:ctrlPr>
+                          </m:sSubPr>
+                          <m:e>
+                            <m:r>
+                              <a:rPr lang="pt-PT" i="1" dirty="0">
+                                <a:latin typeface="Cambria Math" panose="02040503050406030204" pitchFamily="18" charset="0"/>
+                              </a:rPr>
+                              <m:t>𝜇</m:t>
+                            </m:r>
+                          </m:e>
+                          <m:sub>
+                            <m:r>
+                              <a:rPr lang="pt-PT" dirty="0">
+                                <a:latin typeface="Cambria Math" panose="02040503050406030204" pitchFamily="18" charset="0"/>
+                              </a:rPr>
+                              <m:t>0</m:t>
+                            </m:r>
+                          </m:sub>
+                        </m:sSub>
+                        <m:r>
+                          <a:rPr lang="pt-PT" dirty="0">
+                            <a:latin typeface="Cambria Math" panose="02040503050406030204" pitchFamily="18" charset="0"/>
+                          </a:rPr>
+                          <m:t>⋅</m:t>
+                        </m:r>
+                        <m:f>
+                          <m:fPr>
+                            <m:ctrlPr>
+                              <a:rPr lang="pt-PT" i="1" dirty="0">
+                                <a:solidFill>
+                                  <a:srgbClr val="836967"/>
+                                </a:solidFill>
+                                <a:latin typeface="Cambria Math" panose="02040503050406030204" pitchFamily="18" charset="0"/>
+                              </a:rPr>
+                            </m:ctrlPr>
+                          </m:fPr>
+                          <m:num>
+                            <m:r>
+                              <a:rPr lang="pt-PT" i="1" dirty="0">
+                                <a:latin typeface="Cambria Math" panose="02040503050406030204" pitchFamily="18" charset="0"/>
+                              </a:rPr>
+                              <m:t>𝑁</m:t>
+                            </m:r>
+                          </m:num>
+                          <m:den>
+                            <m:r>
+                              <a:rPr lang="pt-PT" i="1" dirty="0">
+                                <a:latin typeface="Cambria Math" panose="02040503050406030204" pitchFamily="18" charset="0"/>
+                              </a:rPr>
+                              <m:t>𝐿</m:t>
+                            </m:r>
+                          </m:den>
+                        </m:f>
+                      </m:den>
+                    </m:f>
+                  </m:oMath>
+                </a14:m>
+                <a:r>
+                  <a:rPr lang="pt-PT" dirty="0"/>
+                  <a:t> </a:t>
+                </a:r>
+                <a14:m>
+                  <m:oMath xmlns:m="http://schemas.openxmlformats.org/officeDocument/2006/math">
+                    <m:r>
+                      <a:rPr lang="pt-PT" dirty="0">
+                        <a:latin typeface="Cambria Math" panose="02040503050406030204" pitchFamily="18" charset="0"/>
+                      </a:rPr>
+                      <m:t>⇔</m:t>
+                    </m:r>
+                  </m:oMath>
+                </a14:m>
+                <a:r>
+                  <a:rPr lang="pt-PT" dirty="0"/>
+                  <a:t> </a:t>
+                </a:r>
+                <a14:m>
+                  <m:oMath xmlns:m="http://schemas.openxmlformats.org/officeDocument/2006/math">
+                    <m:r>
+                      <a:rPr lang="pt-PT" i="1" dirty="0">
+                        <a:latin typeface="Cambria Math" panose="02040503050406030204" pitchFamily="18" charset="0"/>
+                      </a:rPr>
+                      <m:t>𝐵</m:t>
+                    </m:r>
+                  </m:oMath>
+                </a14:m>
+                <a:r>
+                  <a:rPr lang="pt-PT" dirty="0"/>
+                  <a:t> = </a:t>
+                </a:r>
+                <a14:m>
+                  <m:oMath xmlns:m="http://schemas.openxmlformats.org/officeDocument/2006/math">
+                    <m:f>
+                      <m:fPr>
+                        <m:ctrlPr>
+                          <a:rPr lang="pt-PT" i="1" dirty="0">
+                            <a:solidFill>
+                              <a:srgbClr val="836967"/>
+                            </a:solidFill>
+                            <a:latin typeface="Cambria Math" panose="02040503050406030204" pitchFamily="18" charset="0"/>
+                          </a:rPr>
+                        </m:ctrlPr>
+                      </m:fPr>
+                      <m:num>
+                        <m:r>
+                          <a:rPr lang="pt-PT" i="1" dirty="0">
+                            <a:latin typeface="Cambria Math" panose="02040503050406030204" pitchFamily="18" charset="0"/>
+                          </a:rPr>
+                          <m:t>𝑚</m:t>
+                        </m:r>
+                      </m:num>
+                      <m:den>
+                        <m:sSub>
+                          <m:sSubPr>
+                            <m:ctrlPr>
+                              <a:rPr lang="pt-PT" i="1" dirty="0">
+                                <a:solidFill>
+                                  <a:srgbClr val="836967"/>
+                                </a:solidFill>
+                                <a:latin typeface="Cambria Math" panose="02040503050406030204" pitchFamily="18" charset="0"/>
+                              </a:rPr>
+                            </m:ctrlPr>
+                          </m:sSubPr>
+                          <m:e>
+                            <m:r>
+                              <a:rPr lang="pt-PT" i="1" dirty="0">
+                                <a:latin typeface="Cambria Math" panose="02040503050406030204" pitchFamily="18" charset="0"/>
+                              </a:rPr>
+                              <m:t>𝜇</m:t>
+                            </m:r>
+                          </m:e>
+                          <m:sub>
+                            <m:r>
+                              <a:rPr lang="pt-PT" dirty="0">
+                                <a:latin typeface="Cambria Math" panose="02040503050406030204" pitchFamily="18" charset="0"/>
+                              </a:rPr>
+                              <m:t>0</m:t>
+                            </m:r>
+                          </m:sub>
+                        </m:sSub>
+                        <m:r>
+                          <a:rPr lang="pt-PT" dirty="0">
+                            <a:latin typeface="Cambria Math" panose="02040503050406030204" pitchFamily="18" charset="0"/>
+                          </a:rPr>
+                          <m:t>⋅</m:t>
+                        </m:r>
+                        <m:f>
+                          <m:fPr>
+                            <m:ctrlPr>
+                              <a:rPr lang="pt-PT" i="1" dirty="0">
+                                <a:solidFill>
+                                  <a:srgbClr val="836967"/>
+                                </a:solidFill>
+                                <a:latin typeface="Cambria Math" panose="02040503050406030204" pitchFamily="18" charset="0"/>
+                              </a:rPr>
+                            </m:ctrlPr>
+                          </m:fPr>
+                          <m:num>
+                            <m:r>
+                              <a:rPr lang="pt-PT" i="1" dirty="0">
+                                <a:latin typeface="Cambria Math" panose="02040503050406030204" pitchFamily="18" charset="0"/>
+                              </a:rPr>
+                              <m:t>𝑁</m:t>
+                            </m:r>
+                          </m:num>
+                          <m:den>
+                            <m:r>
+                              <a:rPr lang="pt-PT" i="1" dirty="0">
+                                <a:latin typeface="Cambria Math" panose="02040503050406030204" pitchFamily="18" charset="0"/>
+                              </a:rPr>
+                              <m:t>𝐿</m:t>
+                            </m:r>
+                          </m:den>
+                        </m:f>
+                      </m:den>
+                    </m:f>
+                  </m:oMath>
+                </a14:m>
+                <a:r>
+                  <a:rPr lang="pt-PT" dirty="0"/>
+                  <a:t> </a:t>
+                </a:r>
+                <a14:m>
+                  <m:oMath xmlns:m="http://schemas.openxmlformats.org/officeDocument/2006/math">
+                    <m:r>
+                      <a:rPr lang="pt-PT" dirty="0">
+                        <a:latin typeface="Cambria Math" panose="02040503050406030204" pitchFamily="18" charset="0"/>
+                      </a:rPr>
+                      <m:t>⋅</m:t>
+                    </m:r>
+                  </m:oMath>
+                </a14:m>
+                <a:r>
+                  <a:rPr lang="pt-PT" dirty="0">
+                    <a:solidFill>
+                      <a:srgbClr val="836967"/>
+                    </a:solidFill>
+                  </a:rPr>
+                  <a:t> </a:t>
+                </a:r>
+                <a14:m>
+                  <m:oMath xmlns:m="http://schemas.openxmlformats.org/officeDocument/2006/math">
+                    <m:sSub>
+                      <m:sSubPr>
+                        <m:ctrlPr>
+                          <a:rPr lang="pt-PT" i="1" dirty="0">
+                            <a:solidFill>
+                              <a:srgbClr val="836967"/>
+                            </a:solidFill>
+                            <a:latin typeface="Cambria Math" panose="02040503050406030204" pitchFamily="18" charset="0"/>
+                          </a:rPr>
+                        </m:ctrlPr>
+                      </m:sSubPr>
+                      <m:e>
+                        <m:r>
+                          <a:rPr lang="pt-PT" i="1" dirty="0">
+                            <a:solidFill>
+                              <a:srgbClr val="836967"/>
+                            </a:solidFill>
+                            <a:latin typeface="Cambria Math" panose="02040503050406030204" pitchFamily="18" charset="0"/>
+                          </a:rPr>
+                          <m:t>𝑉</m:t>
+                        </m:r>
+                      </m:e>
+                      <m:sub>
+                        <m:r>
+                          <a:rPr lang="pt-PT" i="1" dirty="0">
+                            <a:latin typeface="Cambria Math" panose="02040503050406030204" pitchFamily="18" charset="0"/>
+                          </a:rPr>
+                          <m:t>𝐻</m:t>
+                        </m:r>
+                      </m:sub>
+                    </m:sSub>
+                  </m:oMath>
+                </a14:m>
+                <a:r>
+                  <a:rPr lang="pt-PT" dirty="0"/>
+                  <a:t>;</a:t>
+                </a:r>
+              </a:p>
+              <a:p>
+                <a:endParaRPr lang="pt-PT" dirty="0"/>
+              </a:p>
+              <a:p>
+                <a:r>
+                  <a:rPr lang="pt-PT" dirty="0"/>
+                  <a:t>Conseguimos calcular o campo para as várias distâncias medidas.</a:t>
+                </a:r>
+              </a:p>
+              <a:p>
+                <a:endParaRPr lang="pt-PT" dirty="0"/>
+              </a:p>
+            </p:txBody>
+          </p:sp>
+        </mc:Choice>
+        <mc:Fallback xmlns="">
+          <p:sp>
+            <p:nvSpPr>
+              <p:cNvPr id="3" name="Marcador de Posição de Conteúdo 2">
+                <a:extLst>
+                  <a:ext uri="{FF2B5EF4-FFF2-40B4-BE49-F238E27FC236}">
+                    <a16:creationId xmlns:a16="http://schemas.microsoft.com/office/drawing/2014/main" id="{F40447F8-6EDC-4AA2-94E7-514DA0343628}"/>
+                  </a:ext>
+                </a:extLst>
+              </p:cNvPr>
+              <p:cNvSpPr>
+                <a:spLocks noGrp="1" noRot="1" noChangeAspect="1" noMove="1" noResize="1" noEditPoints="1" noAdjustHandles="1" noChangeArrowheads="1" noChangeShapeType="1" noTextEdit="1"/>
+              </p:cNvSpPr>
+              <p:nvPr>
+                <p:ph idx="1"/>
+              </p:nvPr>
+            </p:nvSpPr>
+            <p:spPr>
+              <a:blipFill>
+                <a:blip r:embed="rId2"/>
+                <a:stretch>
+                  <a:fillRect l="-142" t="-942" r="-993"/>
+                </a:stretch>
+              </a:blipFill>
+            </p:spPr>
+            <p:txBody>
+              <a:bodyPr/>
+              <a:lstStyle/>
+              <a:p>
+                <a:r>
+                  <a:rPr lang="pt-PT">
+                    <a:noFill/>
+                  </a:rPr>
+                  <a:t> </a:t>
+                </a:r>
+              </a:p>
+            </p:txBody>
+          </p:sp>
+        </mc:Fallback>
+      </mc:AlternateContent>
+    </p:spTree>
+    <p:extLst>
+      <p:ext uri="{BB962C8B-B14F-4D97-AF65-F5344CB8AC3E}">
+        <p14:creationId xmlns:p14="http://schemas.microsoft.com/office/powerpoint/2010/main" val="3150831697"/>
+      </p:ext>
+    </p:extLst>
+  </p:cSld>
+  <p:clrMapOvr>
+    <a:masterClrMapping/>
+  </p:clrMapOvr>
+</p:sld>
+</file>
+
+<file path=ppt/slides/slide15.xml><?xml version="1.0" encoding="utf-8"?>
+<p:sld xmlns:a="http://schemas.openxmlformats.org/drawingml/2006/main" xmlns:r="http://schemas.openxmlformats.org/officeDocument/2006/relationships" xmlns:p="http://schemas.openxmlformats.org/presentationml/2006/main">
+  <p:cSld>
+    <p:bg>
+      <p:bgPr>
+        <a:solidFill>
+          <a:schemeClr val="bg1"/>
+        </a:solidFill>
+        <a:effectLst/>
+      </p:bgPr>
+    </p:bg>
+    <p:spTree>
+      <p:nvGrpSpPr>
+        <p:cNvPr id="1" name=""/>
+        <p:cNvGrpSpPr/>
+        <p:nvPr/>
+      </p:nvGrpSpPr>
+      <p:grpSpPr>
+        <a:xfrm>
+          <a:off x="0" y="0"/>
+          <a:ext cx="0" cy="0"/>
+          <a:chOff x="0" y="0"/>
+          <a:chExt cx="0" cy="0"/>
+        </a:xfrm>
+      </p:grpSpPr>
+      <p:sp useBgFill="1">
+        <p:nvSpPr>
+          <p:cNvPr id="24" name="Rectangle 8">
+            <a:extLst>
+              <a:ext uri="{FF2B5EF4-FFF2-40B4-BE49-F238E27FC236}">
+                <a16:creationId xmlns:a16="http://schemas.microsoft.com/office/drawing/2014/main" id="{9F4444CE-BC8D-4D61-B303-4C05614E62AB}"/>
+              </a:ext>
+              <a:ext uri="{C183D7F6-B498-43B3-948B-1728B52AA6E4}">
+                <adec:decorative xmlns:adec="http://schemas.microsoft.com/office/drawing/2017/decorative" val="1"/>
+              </a:ext>
+            </a:extLst>
+          </p:cNvPr>
+          <p:cNvSpPr>
+            <a:spLocks noGrp="1" noRot="1" noChangeAspect="1" noMove="1" noResize="1" noEditPoints="1" noAdjustHandles="1" noChangeArrowheads="1" noChangeShapeType="1" noTextEdit="1"/>
+          </p:cNvSpPr>
+          <p:nvPr>
+            <p:extLst>
+              <p:ext uri="{386F3935-93C4-4BCD-93E2-E3B085C9AB24}">
+                <p16:designElem xmlns:p16="http://schemas.microsoft.com/office/powerpoint/2015/main" val="1"/>
+              </p:ext>
+            </p:extLst>
+          </p:nvPr>
+        </p:nvSpPr>
+        <p:spPr>
+          <a:xfrm>
+            <a:off x="0" y="0"/>
+            <a:ext cx="12192000" cy="6858000"/>
+          </a:xfrm>
+          <a:prstGeom prst="rect">
+            <a:avLst/>
+          </a:prstGeom>
+          <a:ln>
+            <a:noFill/>
+          </a:ln>
+        </p:spPr>
+        <p:style>
+          <a:lnRef idx="2">
+            <a:schemeClr val="accent1">
+              <a:shade val="50000"/>
+            </a:schemeClr>
+          </a:lnRef>
+          <a:fillRef idx="1">
+            <a:schemeClr val="accent1"/>
+          </a:fillRef>
+          <a:effectRef idx="0">
+            <a:schemeClr val="accent1"/>
+          </a:effectRef>
+          <a:fontRef idx="minor">
+            <a:schemeClr val="lt1"/>
+          </a:fontRef>
+        </p:style>
+        <p:txBody>
+          <a:bodyPr rtlCol="0" anchor="ctr"/>
+          <a:lstStyle/>
+          <a:p>
+            <a:pPr algn="ctr"/>
+            <a:endParaRPr lang="en-US"/>
+          </a:p>
+        </p:txBody>
+      </p:sp>
+      <p:sp>
+        <p:nvSpPr>
+          <p:cNvPr id="2" name="Título 1">
+            <a:extLst>
+              <a:ext uri="{FF2B5EF4-FFF2-40B4-BE49-F238E27FC236}">
+                <a16:creationId xmlns:a16="http://schemas.microsoft.com/office/drawing/2014/main" id="{33CAADD2-77DE-418B-A894-01BC2973786C}"/>
+              </a:ext>
+            </a:extLst>
+          </p:cNvPr>
+          <p:cNvSpPr>
+            <a:spLocks noGrp="1"/>
+          </p:cNvSpPr>
+          <p:nvPr>
+            <p:ph type="title"/>
+          </p:nvPr>
+        </p:nvSpPr>
+        <p:spPr>
+          <a:xfrm>
+            <a:off x="1286933" y="609600"/>
+            <a:ext cx="9694745" cy="775317"/>
+          </a:xfrm>
+        </p:spPr>
+        <p:txBody>
+          <a:bodyPr>
+            <a:normAutofit/>
+          </a:bodyPr>
+          <a:lstStyle/>
+          <a:p>
+            <a:r>
+              <a:rPr lang="pt-PT" dirty="0"/>
+              <a:t>Verificação do princípio de sobreposição</a:t>
+            </a:r>
+          </a:p>
+        </p:txBody>
+      </p:sp>
+      <p:sp>
+        <p:nvSpPr>
+          <p:cNvPr id="25" name="Isosceles Triangle 10">
+            <a:extLst>
+              <a:ext uri="{FF2B5EF4-FFF2-40B4-BE49-F238E27FC236}">
+                <a16:creationId xmlns:a16="http://schemas.microsoft.com/office/drawing/2014/main" id="{73772B81-181F-48B7-8826-4D9686D15DF5}"/>
+              </a:ext>
+              <a:ext uri="{C183D7F6-B498-43B3-948B-1728B52AA6E4}">
+                <adec:decorative xmlns:adec="http://schemas.microsoft.com/office/drawing/2017/decorative" val="1"/>
+              </a:ext>
+            </a:extLst>
+          </p:cNvPr>
+          <p:cNvSpPr>
+            <a:spLocks noGrp="1" noRot="1" noChangeAspect="1" noMove="1" noResize="1" noEditPoints="1" noAdjustHandles="1" noChangeArrowheads="1" noChangeShapeType="1" noTextEdit="1"/>
+          </p:cNvSpPr>
+          <p:nvPr>
+            <p:extLst>
+              <p:ext uri="{386F3935-93C4-4BCD-93E2-E3B085C9AB24}">
+                <p16:designElem xmlns:p16="http://schemas.microsoft.com/office/powerpoint/2015/main" val="1"/>
+              </p:ext>
+            </p:extLst>
+          </p:nvPr>
+        </p:nvSpPr>
+        <p:spPr>
+          <a:xfrm rot="10800000">
+            <a:off x="0" y="0"/>
+            <a:ext cx="842596" cy="5666154"/>
+          </a:xfrm>
+          <a:prstGeom prst="triangle">
+            <a:avLst>
+              <a:gd name="adj" fmla="val 100000"/>
+            </a:avLst>
+          </a:prstGeom>
+          <a:solidFill>
+            <a:schemeClr val="accent1">
+              <a:alpha val="85000"/>
+            </a:schemeClr>
+          </a:solidFill>
+          <a:ln>
+            <a:noFill/>
+          </a:ln>
+          <a:effectLst/>
+        </p:spPr>
+        <p:style>
+          <a:lnRef idx="1">
+            <a:schemeClr val="accent1"/>
+          </a:lnRef>
+          <a:fillRef idx="3">
+            <a:schemeClr val="accent1"/>
+          </a:fillRef>
+          <a:effectRef idx="2">
+            <a:schemeClr val="accent1"/>
+          </a:effectRef>
+          <a:fontRef idx="minor">
+            <a:schemeClr val="lt1"/>
+          </a:fontRef>
+        </p:style>
+      </p:sp>
+      <p:sp>
+        <p:nvSpPr>
+          <p:cNvPr id="13" name="Isosceles Triangle 12">
+            <a:extLst>
+              <a:ext uri="{FF2B5EF4-FFF2-40B4-BE49-F238E27FC236}">
+                <a16:creationId xmlns:a16="http://schemas.microsoft.com/office/drawing/2014/main" id="{B2205F6E-03C6-4E92-877C-E2482F6599AA}"/>
+              </a:ext>
+              <a:ext uri="{C183D7F6-B498-43B3-948B-1728B52AA6E4}">
+                <adec:decorative xmlns:adec="http://schemas.microsoft.com/office/drawing/2017/decorative" val="1"/>
+              </a:ext>
+            </a:extLst>
+          </p:cNvPr>
+          <p:cNvSpPr>
+            <a:spLocks noGrp="1" noRot="1" noChangeAspect="1" noMove="1" noResize="1" noEditPoints="1" noAdjustHandles="1" noChangeArrowheads="1" noChangeShapeType="1" noTextEdit="1"/>
+          </p:cNvSpPr>
+          <p:nvPr>
+            <p:extLst>
+              <p:ext uri="{386F3935-93C4-4BCD-93E2-E3B085C9AB24}">
+                <p16:designElem xmlns:p16="http://schemas.microsoft.com/office/powerpoint/2015/main" val="1"/>
+              </p:ext>
+            </p:extLst>
+          </p:nvPr>
+        </p:nvSpPr>
+        <p:spPr>
+          <a:xfrm flipH="1">
+            <a:off x="11743267" y="4013200"/>
+            <a:ext cx="448733" cy="2844800"/>
+          </a:xfrm>
+          <a:prstGeom prst="triangle">
+            <a:avLst>
+              <a:gd name="adj" fmla="val 0"/>
+            </a:avLst>
+          </a:prstGeom>
+          <a:solidFill>
+            <a:schemeClr val="accent1">
+              <a:alpha val="85000"/>
+            </a:schemeClr>
+          </a:solidFill>
+          <a:ln>
+            <a:noFill/>
+          </a:ln>
+          <a:effectLst/>
+        </p:spPr>
+        <p:style>
+          <a:lnRef idx="1">
+            <a:schemeClr val="accent1"/>
+          </a:lnRef>
+          <a:fillRef idx="3">
+            <a:schemeClr val="accent1"/>
+          </a:fillRef>
+          <a:effectRef idx="2">
+            <a:schemeClr val="accent1"/>
+          </a:effectRef>
+          <a:fontRef idx="minor">
+            <a:schemeClr val="lt1"/>
+          </a:fontRef>
+        </p:style>
+      </p:sp>
+      <p:graphicFrame>
+        <p:nvGraphicFramePr>
+          <p:cNvPr id="4" name="Marcador de Posição de Conteúdo 3">
+            <a:extLst>
+              <a:ext uri="{FF2B5EF4-FFF2-40B4-BE49-F238E27FC236}">
+                <a16:creationId xmlns:a16="http://schemas.microsoft.com/office/drawing/2014/main" id="{F90A7CAC-479E-436E-B009-DB7E530B1904}"/>
+              </a:ext>
+            </a:extLst>
+          </p:cNvPr>
+          <p:cNvGraphicFramePr>
+            <a:graphicFrameLocks noGrp="1"/>
+          </p:cNvGraphicFramePr>
+          <p:nvPr>
+            <p:ph idx="1"/>
+            <p:extLst>
+              <p:ext uri="{D42A27DB-BD31-4B8C-83A1-F6EECF244321}">
+                <p14:modId xmlns:p14="http://schemas.microsoft.com/office/powerpoint/2010/main" val="491706088"/>
+              </p:ext>
+            </p:extLst>
+          </p:nvPr>
+        </p:nvGraphicFramePr>
+        <p:xfrm>
+          <a:off x="1286934" y="2104008"/>
+          <a:ext cx="9357392" cy="3938017"/>
+        </p:xfrm>
+        <a:graphic>
+          <a:graphicData uri="http://schemas.openxmlformats.org/drawingml/2006/chart">
+            <c:chart xmlns:c="http://schemas.openxmlformats.org/drawingml/2006/chart" xmlns:r="http://schemas.openxmlformats.org/officeDocument/2006/relationships" r:id="rId2"/>
+          </a:graphicData>
+        </a:graphic>
+      </p:graphicFrame>
+    </p:spTree>
+    <p:extLst>
+      <p:ext uri="{BB962C8B-B14F-4D97-AF65-F5344CB8AC3E}">
+        <p14:creationId xmlns:p14="http://schemas.microsoft.com/office/powerpoint/2010/main" val="637849929"/>
+      </p:ext>
+    </p:extLst>
+  </p:cSld>
+  <p:clrMapOvr>
+    <a:masterClrMapping/>
+  </p:clrMapOvr>
+</p:sld>
+</file>
+
+<file path=ppt/slides/slide16.xml><?xml version="1.0" encoding="utf-8"?>
+<p:sld xmlns:a="http://schemas.openxmlformats.org/drawingml/2006/main" xmlns:r="http://schemas.openxmlformats.org/officeDocument/2006/relationships" xmlns:p="http://schemas.openxmlformats.org/presentationml/2006/main">
+  <p:cSld>
     <p:spTree>
       <p:nvGrpSpPr>
         <p:cNvPr id="1" name=""/>
@@ -10628,14 +14846,6 @@
 <file path=ppt/slides/slide3.xml><?xml version="1.0" encoding="utf-8"?>
 <p:sld xmlns:a="http://schemas.openxmlformats.org/drawingml/2006/main" xmlns:r="http://schemas.openxmlformats.org/officeDocument/2006/relationships" xmlns:p="http://schemas.openxmlformats.org/presentationml/2006/main">
   <p:cSld>
-    <p:bg>
-      <p:bgPr>
-        <a:solidFill>
-          <a:schemeClr val="bg1"/>
-        </a:solidFill>
-        <a:effectLst/>
-      </p:bgPr>
-    </p:bg>
     <p:spTree>
       <p:nvGrpSpPr>
         <p:cNvPr id="1" name=""/>
@@ -10721,8 +14931,8 @@
           </a:prstGeom>
         </p:spPr>
       </p:pic>
-      <mc:AlternateContent xmlns:mc="http://schemas.openxmlformats.org/markup-compatibility/2006">
-        <mc:Choice xmlns:a14="http://schemas.microsoft.com/office/drawing/2010/main" Requires="a14">
+      <mc:AlternateContent xmlns:mc="http://schemas.openxmlformats.org/markup-compatibility/2006" xmlns:a14="http://schemas.microsoft.com/office/drawing/2010/main">
+        <mc:Choice Requires="a14">
           <p:sp>
             <p:nvSpPr>
               <p:cNvPr id="9" name="Content Placeholder 8">
@@ -10751,7 +14961,6 @@
               </a:bodyPr>
               <a:lstStyle/>
               <a:p>
-                <a:pPr/>
                 <a:r>
                   <a:rPr lang="pt-PT" sz="1800" i="1" dirty="0">
                     <a:effectLst/>
@@ -10769,7 +14978,6 @@
                 </a:endParaRPr>
               </a:p>
               <a:p>
-                <a:pPr/>
                 <a14:m>
                   <m:oMath xmlns:m="http://schemas.openxmlformats.org/officeDocument/2006/math">
                     <m:r>
@@ -11564,7 +15772,7 @@
             </p:txBody>
           </p:sp>
         </mc:Choice>
-        <mc:Fallback>
+        <mc:Fallback xmlns="">
           <p:sp>
             <p:nvSpPr>
               <p:cNvPr id="9" name="Content Placeholder 8">
@@ -11624,14 +15832,6 @@
 <file path=ppt/slides/slide4.xml><?xml version="1.0" encoding="utf-8"?>
 <p:sld xmlns:a="http://schemas.openxmlformats.org/drawingml/2006/main" xmlns:r="http://schemas.openxmlformats.org/officeDocument/2006/relationships" xmlns:p="http://schemas.openxmlformats.org/presentationml/2006/main">
   <p:cSld>
-    <p:bg>
-      <p:bgPr>
-        <a:solidFill>
-          <a:schemeClr val="bg1"/>
-        </a:solidFill>
-        <a:effectLst/>
-      </p:bgPr>
-    </p:bg>
     <p:spTree>
       <p:nvGrpSpPr>
         <p:cNvPr id="1" name=""/>
@@ -11681,8 +15881,8 @@
           </a:p>
         </p:txBody>
       </p:sp>
-      <mc:AlternateContent xmlns:mc="http://schemas.openxmlformats.org/markup-compatibility/2006">
-        <mc:Choice xmlns:a14="http://schemas.microsoft.com/office/drawing/2010/main" Requires="a14">
+      <mc:AlternateContent xmlns:mc="http://schemas.openxmlformats.org/markup-compatibility/2006" xmlns:a14="http://schemas.microsoft.com/office/drawing/2010/main">
+        <mc:Choice Requires="a14">
           <p:sp>
             <p:nvSpPr>
               <p:cNvPr id="9" name="Content Placeholder 8">
@@ -12118,7 +16318,7 @@
             </p:txBody>
           </p:sp>
         </mc:Choice>
-        <mc:Fallback>
+        <mc:Fallback xmlns="">
           <p:sp>
             <p:nvSpPr>
               <p:cNvPr id="9" name="Content Placeholder 8">
@@ -12261,8 +16461,8 @@
           </a:p>
         </p:txBody>
       </p:sp>
-      <mc:AlternateContent xmlns:mc="http://schemas.openxmlformats.org/markup-compatibility/2006">
-        <mc:Choice xmlns:a14="http://schemas.microsoft.com/office/drawing/2010/main" Requires="a14">
+      <mc:AlternateContent xmlns:mc="http://schemas.openxmlformats.org/markup-compatibility/2006" xmlns:a14="http://schemas.microsoft.com/office/drawing/2010/main">
+        <mc:Choice Requires="a14">
           <p:sp>
             <p:nvSpPr>
               <p:cNvPr id="3" name="Marcador de Posição de Conteúdo 2">
@@ -12630,7 +16830,7 @@
                   <m:oMath xmlns:m="http://schemas.openxmlformats.org/officeDocument/2006/math">
                     <m:r>
                       <a:rPr lang="pt-PT">
-                        <a:latin typeface="Calibri" panose="020F0502020204030204" pitchFamily="34" charset="0"/>
+                        <a:latin typeface="Cambria Math" panose="02040503050406030204" pitchFamily="18" charset="0"/>
                         <a:ea typeface="Times New Roman" panose="02020603050405020304" pitchFamily="18" charset="0"/>
                         <a:cs typeface="Times New Roman" panose="02020603050405020304" pitchFamily="18" charset="0"/>
                       </a:rPr>
@@ -12638,7 +16838,7 @@
                     </m:r>
                     <m:r>
                       <a:rPr lang="pt-PT">
-                        <a:latin typeface="Calibri" panose="020F0502020204030204" pitchFamily="34" charset="0"/>
+                        <a:latin typeface="Cambria Math" panose="02040503050406030204" pitchFamily="18" charset="0"/>
                         <a:ea typeface="Times New Roman" panose="02020603050405020304" pitchFamily="18" charset="0"/>
                         <a:cs typeface="Times New Roman" panose="02020603050405020304" pitchFamily="18" charset="0"/>
                       </a:rPr>
@@ -12646,7 +16846,7 @@
                     </m:r>
                     <m:r>
                       <a:rPr lang="pt-PT">
-                        <a:latin typeface="Calibri" panose="020F0502020204030204" pitchFamily="34" charset="0"/>
+                        <a:latin typeface="Cambria Math" panose="02040503050406030204" pitchFamily="18" charset="0"/>
                         <a:ea typeface="Times New Roman" panose="02020603050405020304" pitchFamily="18" charset="0"/>
                         <a:cs typeface="Times New Roman" panose="02020603050405020304" pitchFamily="18" charset="0"/>
                       </a:rPr>
@@ -12673,7 +16873,7 @@
                   <m:oMath xmlns:m="http://schemas.openxmlformats.org/officeDocument/2006/math">
                     <m:r>
                       <a:rPr lang="pt-PT">
-                        <a:latin typeface="Calibri" panose="020F0502020204030204" pitchFamily="34" charset="0"/>
+                        <a:latin typeface="Cambria Math" panose="02040503050406030204" pitchFamily="18" charset="0"/>
                         <a:ea typeface="Times New Roman" panose="02020603050405020304" pitchFamily="18" charset="0"/>
                         <a:cs typeface="Times New Roman" panose="02020603050405020304" pitchFamily="18" charset="0"/>
                       </a:rPr>
@@ -12681,7 +16881,7 @@
                     </m:r>
                     <m:r>
                       <a:rPr lang="pt-PT">
-                        <a:latin typeface="Calibri" panose="020F0502020204030204" pitchFamily="34" charset="0"/>
+                        <a:latin typeface="Cambria Math" panose="02040503050406030204" pitchFamily="18" charset="0"/>
                         <a:ea typeface="Times New Roman" panose="02020603050405020304" pitchFamily="18" charset="0"/>
                         <a:cs typeface="Times New Roman" panose="02020603050405020304" pitchFamily="18" charset="0"/>
                       </a:rPr>
@@ -12689,7 +16889,7 @@
                     </m:r>
                     <m:r>
                       <a:rPr lang="pt-PT">
-                        <a:latin typeface="Calibri" panose="020F0502020204030204" pitchFamily="34" charset="0"/>
+                        <a:latin typeface="Cambria Math" panose="02040503050406030204" pitchFamily="18" charset="0"/>
                         <a:ea typeface="Times New Roman" panose="02020603050405020304" pitchFamily="18" charset="0"/>
                         <a:cs typeface="Times New Roman" panose="02020603050405020304" pitchFamily="18" charset="0"/>
                       </a:rPr>
@@ -12698,8 +16898,8 @@
                     <m:f>
                       <m:fPr>
                         <m:ctrlPr>
-                          <a:rPr lang="pt-PT">
-                            <a:latin typeface="Calibri" panose="020F0502020204030204" pitchFamily="34" charset="0"/>
+                          <a:rPr lang="pt-PT" i="1">
+                            <a:latin typeface="Cambria Math" panose="02040503050406030204" pitchFamily="18" charset="0"/>
                             <a:ea typeface="Times New Roman" panose="02020603050405020304" pitchFamily="18" charset="0"/>
                             <a:cs typeface="Times New Roman" panose="02020603050405020304" pitchFamily="18" charset="0"/>
                           </a:rPr>
@@ -12709,8 +16909,8 @@
                         <m:sSub>
                           <m:sSubPr>
                             <m:ctrlPr>
-                              <a:rPr lang="pt-PT">
-                                <a:latin typeface="Calibri" panose="020F0502020204030204" pitchFamily="34" charset="0"/>
+                              <a:rPr lang="pt-PT" i="1">
+                                <a:latin typeface="Cambria Math" panose="02040503050406030204" pitchFamily="18" charset="0"/>
                                 <a:ea typeface="Times New Roman" panose="02020603050405020304" pitchFamily="18" charset="0"/>
                                 <a:cs typeface="Times New Roman" panose="02020603050405020304" pitchFamily="18" charset="0"/>
                               </a:rPr>
@@ -12719,7 +16919,7 @@
                           <m:e>
                             <m:r>
                               <a:rPr lang="pt-PT">
-                                <a:latin typeface="Calibri" panose="020F0502020204030204" pitchFamily="34" charset="0"/>
+                                <a:latin typeface="Cambria Math" panose="02040503050406030204" pitchFamily="18" charset="0"/>
                                 <a:ea typeface="Times New Roman" panose="02020603050405020304" pitchFamily="18" charset="0"/>
                                 <a:cs typeface="Times New Roman" panose="02020603050405020304" pitchFamily="18" charset="0"/>
                               </a:rPr>
@@ -12729,7 +16929,7 @@
                           <m:sub>
                             <m:r>
                               <a:rPr lang="pt-PT">
-                                <a:latin typeface="Calibri" panose="020F0502020204030204" pitchFamily="34" charset="0"/>
+                                <a:latin typeface="Cambria Math" panose="02040503050406030204" pitchFamily="18" charset="0"/>
                                 <a:ea typeface="Times New Roman" panose="02020603050405020304" pitchFamily="18" charset="0"/>
                                 <a:cs typeface="Times New Roman" panose="02020603050405020304" pitchFamily="18" charset="0"/>
                               </a:rPr>
@@ -12741,7 +16941,7 @@
                       <m:den>
                         <m:r>
                           <a:rPr lang="pt-PT">
-                            <a:latin typeface="Calibri" panose="020F0502020204030204" pitchFamily="34" charset="0"/>
+                            <a:latin typeface="Cambria Math" panose="02040503050406030204" pitchFamily="18" charset="0"/>
                             <a:ea typeface="Times New Roman" panose="02020603050405020304" pitchFamily="18" charset="0"/>
                             <a:cs typeface="Times New Roman" panose="02020603050405020304" pitchFamily="18" charset="0"/>
                           </a:rPr>
@@ -12751,7 +16951,7 @@
                     </m:f>
                     <m:r>
                       <a:rPr lang="pt-PT">
-                        <a:latin typeface="Calibri" panose="020F0502020204030204" pitchFamily="34" charset="0"/>
+                        <a:latin typeface="Cambria Math" panose="02040503050406030204" pitchFamily="18" charset="0"/>
                         <a:ea typeface="Times New Roman" panose="02020603050405020304" pitchFamily="18" charset="0"/>
                         <a:cs typeface="Times New Roman" panose="02020603050405020304" pitchFamily="18" charset="0"/>
                       </a:rPr>
@@ -12759,7 +16959,7 @@
                     </m:r>
                     <m:r>
                       <a:rPr lang="pt-PT">
-                        <a:latin typeface="Calibri" panose="020F0502020204030204" pitchFamily="34" charset="0"/>
+                        <a:latin typeface="Cambria Math" panose="02040503050406030204" pitchFamily="18" charset="0"/>
                         <a:ea typeface="Times New Roman" panose="02020603050405020304" pitchFamily="18" charset="0"/>
                         <a:cs typeface="Times New Roman" panose="02020603050405020304" pitchFamily="18" charset="0"/>
                       </a:rPr>
@@ -12767,7 +16967,7 @@
                     </m:r>
                     <m:r>
                       <a:rPr lang="pt-PT">
-                        <a:latin typeface="Calibri" panose="020F0502020204030204" pitchFamily="34" charset="0"/>
+                        <a:latin typeface="Cambria Math" panose="02040503050406030204" pitchFamily="18" charset="0"/>
                         <a:ea typeface="Times New Roman" panose="02020603050405020304" pitchFamily="18" charset="0"/>
                         <a:cs typeface="Times New Roman" panose="02020603050405020304" pitchFamily="18" charset="0"/>
                       </a:rPr>
@@ -12776,8 +16976,8 @@
                     <m:sSub>
                       <m:sSubPr>
                         <m:ctrlPr>
-                          <a:rPr lang="pt-PT">
-                            <a:latin typeface="Calibri" panose="020F0502020204030204" pitchFamily="34" charset="0"/>
+                          <a:rPr lang="pt-PT" i="1">
+                            <a:latin typeface="Cambria Math" panose="02040503050406030204" pitchFamily="18" charset="0"/>
                             <a:ea typeface="Times New Roman" panose="02020603050405020304" pitchFamily="18" charset="0"/>
                             <a:cs typeface="Times New Roman" panose="02020603050405020304" pitchFamily="18" charset="0"/>
                           </a:rPr>
@@ -12786,7 +16986,7 @@
                       <m:e>
                         <m:r>
                           <a:rPr lang="pt-PT">
-                            <a:latin typeface="Calibri" panose="020F0502020204030204" pitchFamily="34" charset="0"/>
+                            <a:latin typeface="Cambria Math" panose="02040503050406030204" pitchFamily="18" charset="0"/>
                             <a:ea typeface="Times New Roman" panose="02020603050405020304" pitchFamily="18" charset="0"/>
                             <a:cs typeface="Times New Roman" panose="02020603050405020304" pitchFamily="18" charset="0"/>
                           </a:rPr>
@@ -12796,7 +16996,7 @@
                       <m:sub>
                         <m:r>
                           <a:rPr lang="pt-PT">
-                            <a:latin typeface="Calibri" panose="020F0502020204030204" pitchFamily="34" charset="0"/>
+                            <a:latin typeface="Cambria Math" panose="02040503050406030204" pitchFamily="18" charset="0"/>
                             <a:ea typeface="Times New Roman" panose="02020603050405020304" pitchFamily="18" charset="0"/>
                             <a:cs typeface="Times New Roman" panose="02020603050405020304" pitchFamily="18" charset="0"/>
                           </a:rPr>
@@ -12806,7 +17006,7 @@
                     </m:sSub>
                     <m:r>
                       <a:rPr lang="pt-PT">
-                        <a:latin typeface="Calibri" panose="020F0502020204030204" pitchFamily="34" charset="0"/>
+                        <a:latin typeface="Cambria Math" panose="02040503050406030204" pitchFamily="18" charset="0"/>
                         <a:ea typeface="Times New Roman" panose="02020603050405020304" pitchFamily="18" charset="0"/>
                         <a:cs typeface="Times New Roman" panose="02020603050405020304" pitchFamily="18" charset="0"/>
                       </a:rPr>
@@ -12814,7 +17014,7 @@
                     </m:r>
                     <m:r>
                       <a:rPr lang="pt-PT">
-                        <a:latin typeface="Calibri" panose="020F0502020204030204" pitchFamily="34" charset="0"/>
+                        <a:latin typeface="Cambria Math" panose="02040503050406030204" pitchFamily="18" charset="0"/>
                         <a:ea typeface="Times New Roman" panose="02020603050405020304" pitchFamily="18" charset="0"/>
                         <a:cs typeface="Times New Roman" panose="02020603050405020304" pitchFamily="18" charset="0"/>
                       </a:rPr>
@@ -12908,7 +17108,7 @@
             </p:txBody>
           </p:sp>
         </mc:Choice>
-        <mc:Fallback>
+        <mc:Fallback xmlns="">
           <p:sp>
             <p:nvSpPr>
               <p:cNvPr id="3" name="Marcador de Posição de Conteúdo 2">
@@ -13145,7 +17345,7 @@
           <p:cNvPr id="2" name="Título 1">
             <a:extLst>
               <a:ext uri="{FF2B5EF4-FFF2-40B4-BE49-F238E27FC236}">
-                <a16:creationId xmlns:a16="http://schemas.microsoft.com/office/drawing/2014/main" id="{FCE86053-C3E9-4793-856B-477BAAB3CC0B}"/>
+                <a16:creationId xmlns:a16="http://schemas.microsoft.com/office/drawing/2014/main" id="{9B8BF9DC-C88E-43FA-B285-0BE481A92A19}"/>
               </a:ext>
             </a:extLst>
           </p:cNvPr>
@@ -13156,53 +17356,27 @@
             <p:ph type="title"/>
           </p:nvPr>
         </p:nvSpPr>
-        <p:spPr/>
+        <p:spPr>
+          <a:xfrm>
+            <a:off x="711517" y="2626407"/>
+            <a:ext cx="8596668" cy="1320800"/>
+          </a:xfrm>
+        </p:spPr>
         <p:txBody>
           <a:bodyPr/>
           <a:lstStyle/>
           <a:p>
             <a:r>
               <a:rPr lang="pt-PT" dirty="0"/>
-              <a:t>Verificação do princípio de sobreposição</a:t>
+              <a:t>Parte A- Calibração da Sonda de Hall </a:t>
             </a:r>
           </a:p>
         </p:txBody>
       </p:sp>
-      <p:graphicFrame>
-        <p:nvGraphicFramePr>
-          <p:cNvPr id="4" name="Marcador de Posição de Conteúdo 3">
-            <a:extLst>
-              <a:ext uri="{FF2B5EF4-FFF2-40B4-BE49-F238E27FC236}">
-                <a16:creationId xmlns:a16="http://schemas.microsoft.com/office/drawing/2014/main" id="{A2031860-744C-4E13-8738-CDAB78502E5E}"/>
-              </a:ext>
-            </a:extLst>
-          </p:cNvPr>
-          <p:cNvGraphicFramePr>
-            <a:graphicFrameLocks noGrp="1"/>
-          </p:cNvGraphicFramePr>
-          <p:nvPr>
-            <p:ph idx="1"/>
-            <p:extLst>
-              <p:ext uri="{D42A27DB-BD31-4B8C-83A1-F6EECF244321}">
-                <p14:modId xmlns:p14="http://schemas.microsoft.com/office/powerpoint/2010/main" val="1213075620"/>
-              </p:ext>
-            </p:extLst>
-          </p:nvPr>
-        </p:nvGraphicFramePr>
-        <p:xfrm>
-          <a:off x="677863" y="2160588"/>
-          <a:ext cx="8596312" cy="3881437"/>
-        </p:xfrm>
-        <a:graphic>
-          <a:graphicData uri="http://schemas.openxmlformats.org/drawingml/2006/chart">
-            <c:chart xmlns:c="http://schemas.openxmlformats.org/drawingml/2006/chart" xmlns:r="http://schemas.openxmlformats.org/officeDocument/2006/relationships" r:id="rId2"/>
-          </a:graphicData>
-        </a:graphic>
-      </p:graphicFrame>
     </p:spTree>
     <p:extLst>
       <p:ext uri="{BB962C8B-B14F-4D97-AF65-F5344CB8AC3E}">
-        <p14:creationId xmlns:p14="http://schemas.microsoft.com/office/powerpoint/2010/main" val="2049121099"/>
+        <p14:creationId xmlns:p14="http://schemas.microsoft.com/office/powerpoint/2010/main" val="2650743249"/>
       </p:ext>
     </p:extLst>
   </p:cSld>
@@ -13213,717 +17387,6 @@
 </file>
 
 <file path=ppt/slides/slide8.xml><?xml version="1.0" encoding="utf-8"?>
-<p:sld xmlns:a="http://schemas.openxmlformats.org/drawingml/2006/main" xmlns:r="http://schemas.openxmlformats.org/officeDocument/2006/relationships" xmlns:p="http://schemas.openxmlformats.org/presentationml/2006/main">
-  <p:cSld>
-    <p:spTree>
-      <p:nvGrpSpPr>
-        <p:cNvPr id="1" name=""/>
-        <p:cNvGrpSpPr/>
-        <p:nvPr/>
-      </p:nvGrpSpPr>
-      <p:grpSpPr>
-        <a:xfrm>
-          <a:off x="0" y="0"/>
-          <a:ext cx="0" cy="0"/>
-          <a:chOff x="0" y="0"/>
-          <a:chExt cx="0" cy="0"/>
-        </a:xfrm>
-      </p:grpSpPr>
-      <p:sp>
-        <p:nvSpPr>
-          <p:cNvPr id="2" name="Título 1">
-            <a:extLst>
-              <a:ext uri="{FF2B5EF4-FFF2-40B4-BE49-F238E27FC236}">
-                <a16:creationId xmlns:a16="http://schemas.microsoft.com/office/drawing/2014/main" id="{E2644567-ED0F-4515-8FE8-9CEA894A2EC5}"/>
-              </a:ext>
-            </a:extLst>
-          </p:cNvPr>
-          <p:cNvSpPr>
-            <a:spLocks noGrp="1"/>
-          </p:cNvSpPr>
-          <p:nvPr>
-            <p:ph type="title"/>
-          </p:nvPr>
-        </p:nvSpPr>
-        <p:spPr/>
-        <p:txBody>
-          <a:bodyPr/>
-          <a:lstStyle/>
-          <a:p>
-            <a:r>
-              <a:rPr lang="pt-PT" dirty="0"/>
-              <a:t>Verificação do princípio de sobreposição</a:t>
-            </a:r>
-          </a:p>
-        </p:txBody>
-      </p:sp>
-      <mc:AlternateContent xmlns:mc="http://schemas.openxmlformats.org/markup-compatibility/2006" xmlns:a14="http://schemas.microsoft.com/office/drawing/2010/main">
-        <mc:Choice Requires="a14">
-          <p:sp>
-            <p:nvSpPr>
-              <p:cNvPr id="3" name="Marcador de Posição de Conteúdo 2">
-                <a:extLst>
-                  <a:ext uri="{FF2B5EF4-FFF2-40B4-BE49-F238E27FC236}">
-                    <a16:creationId xmlns:a16="http://schemas.microsoft.com/office/drawing/2014/main" id="{F40447F8-6EDC-4AA2-94E7-514DA0343628}"/>
-                  </a:ext>
-                </a:extLst>
-              </p:cNvPr>
-              <p:cNvSpPr>
-                <a:spLocks noGrp="1"/>
-              </p:cNvSpPr>
-              <p:nvPr>
-                <p:ph idx="1"/>
-              </p:nvPr>
-            </p:nvSpPr>
-            <p:spPr/>
-            <p:txBody>
-              <a:bodyPr/>
-              <a:lstStyle/>
-              <a:p>
-                <a:r>
-                  <a:rPr lang="pt-PT" dirty="0"/>
-                  <a:t>Tendo previamente obtido o valor da tensão para várias distâncias e tendo em conta o seguinte:</a:t>
-                </a:r>
-              </a:p>
-              <a:p>
-                <a14:m>
-                  <m:oMath xmlns:m="http://schemas.openxmlformats.org/officeDocument/2006/math">
-                    <m:r>
-                      <a:rPr lang="pt-PT" i="1" dirty="0" smtClean="0">
-                        <a:latin typeface="Cambria Math" panose="02040503050406030204" pitchFamily="18" charset="0"/>
-                      </a:rPr>
-                      <m:t>𝐵</m:t>
-                    </m:r>
-                    <m:r>
-                      <a:rPr lang="pt-PT" i="0" dirty="0" smtClean="0">
-                        <a:latin typeface="Cambria Math" panose="02040503050406030204" pitchFamily="18" charset="0"/>
-                      </a:rPr>
-                      <m:t>=</m:t>
-                    </m:r>
-                    <m:r>
-                      <a:rPr lang="pt-PT" i="1" dirty="0" smtClean="0">
-                        <a:latin typeface="Cambria Math" panose="02040503050406030204" pitchFamily="18" charset="0"/>
-                      </a:rPr>
-                      <m:t>𝐶𝐶</m:t>
-                    </m:r>
-                    <m:r>
-                      <a:rPr lang="pt-PT" i="0" dirty="0" smtClean="0">
-                        <a:latin typeface="Cambria Math" panose="02040503050406030204" pitchFamily="18" charset="0"/>
-                      </a:rPr>
-                      <m:t>⋅</m:t>
-                    </m:r>
-                    <m:sSub>
-                      <m:sSubPr>
-                        <m:ctrlPr>
-                          <a:rPr lang="pt-PT" i="1" dirty="0" smtClean="0">
-                            <a:solidFill>
-                              <a:srgbClr val="836967"/>
-                            </a:solidFill>
-                            <a:latin typeface="Cambria Math" panose="02040503050406030204" pitchFamily="18" charset="0"/>
-                          </a:rPr>
-                        </m:ctrlPr>
-                      </m:sSubPr>
-                      <m:e>
-                        <m:r>
-                          <a:rPr lang="pt-PT" b="0" i="1" dirty="0" smtClean="0">
-                            <a:solidFill>
-                              <a:srgbClr val="836967"/>
-                            </a:solidFill>
-                            <a:latin typeface="Cambria Math" panose="02040503050406030204" pitchFamily="18" charset="0"/>
-                          </a:rPr>
-                          <m:t>𝑉</m:t>
-                        </m:r>
-                      </m:e>
-                      <m:sub>
-                        <m:r>
-                          <a:rPr lang="pt-PT" i="1" dirty="0" smtClean="0">
-                            <a:latin typeface="Cambria Math" panose="02040503050406030204" pitchFamily="18" charset="0"/>
-                          </a:rPr>
-                          <m:t>𝐻</m:t>
-                        </m:r>
-                      </m:sub>
-                    </m:sSub>
-                    <m:r>
-                      <a:rPr lang="pt-PT" i="0" dirty="0" smtClean="0">
-                        <a:latin typeface="Cambria Math" panose="02040503050406030204" pitchFamily="18" charset="0"/>
-                      </a:rPr>
-                      <m:t>⇔</m:t>
-                    </m:r>
-                    <m:f>
-                      <m:fPr>
-                        <m:ctrlPr>
-                          <a:rPr lang="pt-PT" i="1" dirty="0" smtClean="0">
-                            <a:solidFill>
-                              <a:srgbClr val="836967"/>
-                            </a:solidFill>
-                            <a:latin typeface="Cambria Math" panose="02040503050406030204" pitchFamily="18" charset="0"/>
-                          </a:rPr>
-                        </m:ctrlPr>
-                      </m:fPr>
-                      <m:num>
-                        <m:r>
-                          <a:rPr lang="pt-PT" i="1" dirty="0" smtClean="0">
-                            <a:latin typeface="Cambria Math" panose="02040503050406030204" pitchFamily="18" charset="0"/>
-                          </a:rPr>
-                          <m:t>𝐵</m:t>
-                        </m:r>
-                      </m:num>
-                      <m:den>
-                        <m:sSub>
-                          <m:sSubPr>
-                            <m:ctrlPr>
-                              <a:rPr lang="pt-PT" i="1" dirty="0" smtClean="0">
-                                <a:solidFill>
-                                  <a:srgbClr val="836967"/>
-                                </a:solidFill>
-                                <a:latin typeface="Cambria Math" panose="02040503050406030204" pitchFamily="18" charset="0"/>
-                              </a:rPr>
-                            </m:ctrlPr>
-                          </m:sSubPr>
-                          <m:e>
-                            <m:r>
-                              <a:rPr lang="pt-PT" b="0" i="1" dirty="0" smtClean="0">
-                                <a:solidFill>
-                                  <a:srgbClr val="836967"/>
-                                </a:solidFill>
-                                <a:latin typeface="Cambria Math" panose="02040503050406030204" pitchFamily="18" charset="0"/>
-                              </a:rPr>
-                              <m:t>𝑉</m:t>
-                            </m:r>
-                          </m:e>
-                          <m:sub>
-                            <m:r>
-                              <a:rPr lang="pt-PT" i="1" dirty="0" smtClean="0">
-                                <a:latin typeface="Cambria Math" panose="02040503050406030204" pitchFamily="18" charset="0"/>
-                              </a:rPr>
-                              <m:t>𝐻</m:t>
-                            </m:r>
-                          </m:sub>
-                        </m:sSub>
-                      </m:den>
-                    </m:f>
-                    <m:r>
-                      <a:rPr lang="pt-PT" i="0" dirty="0" smtClean="0">
-                        <a:latin typeface="Cambria Math" panose="02040503050406030204" pitchFamily="18" charset="0"/>
-                      </a:rPr>
-                      <m:t>=</m:t>
-                    </m:r>
-                    <m:r>
-                      <a:rPr lang="pt-PT" i="1" dirty="0" smtClean="0">
-                        <a:latin typeface="Cambria Math" panose="02040503050406030204" pitchFamily="18" charset="0"/>
-                      </a:rPr>
-                      <m:t>𝐶𝐶</m:t>
-                    </m:r>
-                    <m:r>
-                      <a:rPr lang="pt-PT" dirty="0">
-                        <a:latin typeface="Cambria Math" panose="02040503050406030204" pitchFamily="18" charset="0"/>
-                      </a:rPr>
-                      <m:t>⇔</m:t>
-                    </m:r>
-                    <m:r>
-                      <a:rPr lang="pt-PT" i="1" dirty="0" smtClean="0">
-                        <a:latin typeface="Cambria Math" panose="02040503050406030204" pitchFamily="18" charset="0"/>
-                      </a:rPr>
-                      <m:t>𝐶𝐶</m:t>
-                    </m:r>
-                    <m:r>
-                      <a:rPr lang="pt-PT" i="0" dirty="0" smtClean="0">
-                        <a:latin typeface="Cambria Math" panose="02040503050406030204" pitchFamily="18" charset="0"/>
-                      </a:rPr>
-                      <m:t>=</m:t>
-                    </m:r>
-                    <m:f>
-                      <m:fPr>
-                        <m:ctrlPr>
-                          <a:rPr lang="pt-PT" i="1" dirty="0" smtClean="0">
-                            <a:solidFill>
-                              <a:srgbClr val="836967"/>
-                            </a:solidFill>
-                            <a:latin typeface="Cambria Math" panose="02040503050406030204" pitchFamily="18" charset="0"/>
-                          </a:rPr>
-                        </m:ctrlPr>
-                      </m:fPr>
-                      <m:num>
-                        <m:r>
-                          <a:rPr lang="pt-PT" i="1" dirty="0" smtClean="0">
-                            <a:latin typeface="Cambria Math" panose="02040503050406030204" pitchFamily="18" charset="0"/>
-                          </a:rPr>
-                          <m:t>𝑚</m:t>
-                        </m:r>
-                      </m:num>
-                      <m:den>
-                        <m:sSub>
-                          <m:sSubPr>
-                            <m:ctrlPr>
-                              <a:rPr lang="pt-PT" i="1" dirty="0" smtClean="0">
-                                <a:solidFill>
-                                  <a:srgbClr val="836967"/>
-                                </a:solidFill>
-                                <a:latin typeface="Cambria Math" panose="02040503050406030204" pitchFamily="18" charset="0"/>
-                              </a:rPr>
-                            </m:ctrlPr>
-                          </m:sSubPr>
-                          <m:e>
-                            <m:r>
-                              <a:rPr lang="pt-PT" i="1" dirty="0" smtClean="0">
-                                <a:latin typeface="Cambria Math" panose="02040503050406030204" pitchFamily="18" charset="0"/>
-                              </a:rPr>
-                              <m:t>𝜇</m:t>
-                            </m:r>
-                          </m:e>
-                          <m:sub>
-                            <m:r>
-                              <a:rPr lang="pt-PT" i="0" dirty="0" smtClean="0">
-                                <a:latin typeface="Cambria Math" panose="02040503050406030204" pitchFamily="18" charset="0"/>
-                              </a:rPr>
-                              <m:t>0</m:t>
-                            </m:r>
-                          </m:sub>
-                        </m:sSub>
-                        <m:r>
-                          <a:rPr lang="pt-PT" i="0" dirty="0" smtClean="0">
-                            <a:latin typeface="Cambria Math" panose="02040503050406030204" pitchFamily="18" charset="0"/>
-                          </a:rPr>
-                          <m:t>⋅</m:t>
-                        </m:r>
-                        <m:f>
-                          <m:fPr>
-                            <m:ctrlPr>
-                              <a:rPr lang="pt-PT" i="1" dirty="0" smtClean="0">
-                                <a:solidFill>
-                                  <a:srgbClr val="836967"/>
-                                </a:solidFill>
-                                <a:latin typeface="Cambria Math" panose="02040503050406030204" pitchFamily="18" charset="0"/>
-                              </a:rPr>
-                            </m:ctrlPr>
-                          </m:fPr>
-                          <m:num>
-                            <m:r>
-                              <a:rPr lang="pt-PT" i="1" dirty="0" smtClean="0">
-                                <a:latin typeface="Cambria Math" panose="02040503050406030204" pitchFamily="18" charset="0"/>
-                              </a:rPr>
-                              <m:t>𝑁</m:t>
-                            </m:r>
-                          </m:num>
-                          <m:den>
-                            <m:r>
-                              <a:rPr lang="pt-PT" i="1" dirty="0" smtClean="0">
-                                <a:latin typeface="Cambria Math" panose="02040503050406030204" pitchFamily="18" charset="0"/>
-                              </a:rPr>
-                              <m:t>𝐿</m:t>
-                            </m:r>
-                          </m:den>
-                        </m:f>
-                      </m:den>
-                    </m:f>
-                  </m:oMath>
-                </a14:m>
-                <a:r>
-                  <a:rPr lang="pt-PT" dirty="0"/>
-                  <a:t>;</a:t>
-                </a:r>
-              </a:p>
-              <a:p>
-                <a14:m>
-                  <m:oMath xmlns:m="http://schemas.openxmlformats.org/officeDocument/2006/math">
-                    <m:f>
-                      <m:fPr>
-                        <m:ctrlPr>
-                          <a:rPr lang="pt-PT" i="1" dirty="0">
-                            <a:solidFill>
-                              <a:srgbClr val="836967"/>
-                            </a:solidFill>
-                            <a:latin typeface="Cambria Math" panose="02040503050406030204" pitchFamily="18" charset="0"/>
-                          </a:rPr>
-                        </m:ctrlPr>
-                      </m:fPr>
-                      <m:num>
-                        <m:r>
-                          <a:rPr lang="pt-PT" i="1" dirty="0">
-                            <a:latin typeface="Cambria Math" panose="02040503050406030204" pitchFamily="18" charset="0"/>
-                          </a:rPr>
-                          <m:t>𝐵</m:t>
-                        </m:r>
-                      </m:num>
-                      <m:den>
-                        <m:sSub>
-                          <m:sSubPr>
-                            <m:ctrlPr>
-                              <a:rPr lang="pt-PT" i="1" dirty="0">
-                                <a:solidFill>
-                                  <a:srgbClr val="836967"/>
-                                </a:solidFill>
-                                <a:latin typeface="Cambria Math" panose="02040503050406030204" pitchFamily="18" charset="0"/>
-                              </a:rPr>
-                            </m:ctrlPr>
-                          </m:sSubPr>
-                          <m:e>
-                            <m:r>
-                              <a:rPr lang="pt-PT" i="1" dirty="0">
-                                <a:solidFill>
-                                  <a:srgbClr val="836967"/>
-                                </a:solidFill>
-                                <a:latin typeface="Cambria Math" panose="02040503050406030204" pitchFamily="18" charset="0"/>
-                              </a:rPr>
-                              <m:t>𝑉</m:t>
-                            </m:r>
-                          </m:e>
-                          <m:sub>
-                            <m:r>
-                              <a:rPr lang="pt-PT" i="1" dirty="0">
-                                <a:latin typeface="Cambria Math" panose="02040503050406030204" pitchFamily="18" charset="0"/>
-                              </a:rPr>
-                              <m:t>𝐻</m:t>
-                            </m:r>
-                          </m:sub>
-                        </m:sSub>
-                      </m:den>
-                    </m:f>
-                  </m:oMath>
-                </a14:m>
-                <a:r>
-                  <a:rPr lang="pt-PT" dirty="0"/>
-                  <a:t> = </a:t>
-                </a:r>
-                <a14:m>
-                  <m:oMath xmlns:m="http://schemas.openxmlformats.org/officeDocument/2006/math">
-                    <m:f>
-                      <m:fPr>
-                        <m:ctrlPr>
-                          <a:rPr lang="pt-PT" i="1" dirty="0">
-                            <a:solidFill>
-                              <a:srgbClr val="836967"/>
-                            </a:solidFill>
-                            <a:latin typeface="Cambria Math" panose="02040503050406030204" pitchFamily="18" charset="0"/>
-                          </a:rPr>
-                        </m:ctrlPr>
-                      </m:fPr>
-                      <m:num>
-                        <m:r>
-                          <a:rPr lang="pt-PT" i="1" dirty="0">
-                            <a:latin typeface="Cambria Math" panose="02040503050406030204" pitchFamily="18" charset="0"/>
-                          </a:rPr>
-                          <m:t>𝑚</m:t>
-                        </m:r>
-                      </m:num>
-                      <m:den>
-                        <m:sSub>
-                          <m:sSubPr>
-                            <m:ctrlPr>
-                              <a:rPr lang="pt-PT" i="1" dirty="0">
-                                <a:solidFill>
-                                  <a:srgbClr val="836967"/>
-                                </a:solidFill>
-                                <a:latin typeface="Cambria Math" panose="02040503050406030204" pitchFamily="18" charset="0"/>
-                              </a:rPr>
-                            </m:ctrlPr>
-                          </m:sSubPr>
-                          <m:e>
-                            <m:r>
-                              <a:rPr lang="pt-PT" i="1" dirty="0">
-                                <a:latin typeface="Cambria Math" panose="02040503050406030204" pitchFamily="18" charset="0"/>
-                              </a:rPr>
-                              <m:t>𝜇</m:t>
-                            </m:r>
-                          </m:e>
-                          <m:sub>
-                            <m:r>
-                              <a:rPr lang="pt-PT" dirty="0">
-                                <a:latin typeface="Cambria Math" panose="02040503050406030204" pitchFamily="18" charset="0"/>
-                              </a:rPr>
-                              <m:t>0</m:t>
-                            </m:r>
-                          </m:sub>
-                        </m:sSub>
-                        <m:r>
-                          <a:rPr lang="pt-PT" dirty="0">
-                            <a:latin typeface="Cambria Math" panose="02040503050406030204" pitchFamily="18" charset="0"/>
-                          </a:rPr>
-                          <m:t>⋅</m:t>
-                        </m:r>
-                        <m:f>
-                          <m:fPr>
-                            <m:ctrlPr>
-                              <a:rPr lang="pt-PT" i="1" dirty="0">
-                                <a:solidFill>
-                                  <a:srgbClr val="836967"/>
-                                </a:solidFill>
-                                <a:latin typeface="Cambria Math" panose="02040503050406030204" pitchFamily="18" charset="0"/>
-                              </a:rPr>
-                            </m:ctrlPr>
-                          </m:fPr>
-                          <m:num>
-                            <m:r>
-                              <a:rPr lang="pt-PT" i="1" dirty="0">
-                                <a:latin typeface="Cambria Math" panose="02040503050406030204" pitchFamily="18" charset="0"/>
-                              </a:rPr>
-                              <m:t>𝑁</m:t>
-                            </m:r>
-                          </m:num>
-                          <m:den>
-                            <m:r>
-                              <a:rPr lang="pt-PT" i="1" dirty="0">
-                                <a:latin typeface="Cambria Math" panose="02040503050406030204" pitchFamily="18" charset="0"/>
-                              </a:rPr>
-                              <m:t>𝐿</m:t>
-                            </m:r>
-                          </m:den>
-                        </m:f>
-                      </m:den>
-                    </m:f>
-                  </m:oMath>
-                </a14:m>
-                <a:r>
-                  <a:rPr lang="pt-PT" dirty="0"/>
-                  <a:t> </a:t>
-                </a:r>
-                <a14:m>
-                  <m:oMath xmlns:m="http://schemas.openxmlformats.org/officeDocument/2006/math">
-                    <m:r>
-                      <a:rPr lang="pt-PT" dirty="0">
-                        <a:latin typeface="Cambria Math" panose="02040503050406030204" pitchFamily="18" charset="0"/>
-                      </a:rPr>
-                      <m:t>⇔</m:t>
-                    </m:r>
-                  </m:oMath>
-                </a14:m>
-                <a:r>
-                  <a:rPr lang="pt-PT" dirty="0"/>
-                  <a:t> </a:t>
-                </a:r>
-                <a14:m>
-                  <m:oMath xmlns:m="http://schemas.openxmlformats.org/officeDocument/2006/math">
-                    <m:r>
-                      <a:rPr lang="pt-PT" i="1" dirty="0">
-                        <a:latin typeface="Cambria Math" panose="02040503050406030204" pitchFamily="18" charset="0"/>
-                      </a:rPr>
-                      <m:t>𝐵</m:t>
-                    </m:r>
-                  </m:oMath>
-                </a14:m>
-                <a:r>
-                  <a:rPr lang="pt-PT" dirty="0"/>
-                  <a:t> = </a:t>
-                </a:r>
-                <a14:m>
-                  <m:oMath xmlns:m="http://schemas.openxmlformats.org/officeDocument/2006/math">
-                    <m:f>
-                      <m:fPr>
-                        <m:ctrlPr>
-                          <a:rPr lang="pt-PT" i="1" dirty="0">
-                            <a:solidFill>
-                              <a:srgbClr val="836967"/>
-                            </a:solidFill>
-                            <a:latin typeface="Cambria Math" panose="02040503050406030204" pitchFamily="18" charset="0"/>
-                          </a:rPr>
-                        </m:ctrlPr>
-                      </m:fPr>
-                      <m:num>
-                        <m:r>
-                          <a:rPr lang="pt-PT" i="1" dirty="0">
-                            <a:latin typeface="Cambria Math" panose="02040503050406030204" pitchFamily="18" charset="0"/>
-                          </a:rPr>
-                          <m:t>𝑚</m:t>
-                        </m:r>
-                      </m:num>
-                      <m:den>
-                        <m:sSub>
-                          <m:sSubPr>
-                            <m:ctrlPr>
-                              <a:rPr lang="pt-PT" i="1" dirty="0">
-                                <a:solidFill>
-                                  <a:srgbClr val="836967"/>
-                                </a:solidFill>
-                                <a:latin typeface="Cambria Math" panose="02040503050406030204" pitchFamily="18" charset="0"/>
-                              </a:rPr>
-                            </m:ctrlPr>
-                          </m:sSubPr>
-                          <m:e>
-                            <m:r>
-                              <a:rPr lang="pt-PT" i="1" dirty="0">
-                                <a:latin typeface="Cambria Math" panose="02040503050406030204" pitchFamily="18" charset="0"/>
-                              </a:rPr>
-                              <m:t>𝜇</m:t>
-                            </m:r>
-                          </m:e>
-                          <m:sub>
-                            <m:r>
-                              <a:rPr lang="pt-PT" dirty="0">
-                                <a:latin typeface="Cambria Math" panose="02040503050406030204" pitchFamily="18" charset="0"/>
-                              </a:rPr>
-                              <m:t>0</m:t>
-                            </m:r>
-                          </m:sub>
-                        </m:sSub>
-                        <m:r>
-                          <a:rPr lang="pt-PT" dirty="0">
-                            <a:latin typeface="Cambria Math" panose="02040503050406030204" pitchFamily="18" charset="0"/>
-                          </a:rPr>
-                          <m:t>⋅</m:t>
-                        </m:r>
-                        <m:f>
-                          <m:fPr>
-                            <m:ctrlPr>
-                              <a:rPr lang="pt-PT" i="1" dirty="0">
-                                <a:solidFill>
-                                  <a:srgbClr val="836967"/>
-                                </a:solidFill>
-                                <a:latin typeface="Cambria Math" panose="02040503050406030204" pitchFamily="18" charset="0"/>
-                              </a:rPr>
-                            </m:ctrlPr>
-                          </m:fPr>
-                          <m:num>
-                            <m:r>
-                              <a:rPr lang="pt-PT" i="1" dirty="0">
-                                <a:latin typeface="Cambria Math" panose="02040503050406030204" pitchFamily="18" charset="0"/>
-                              </a:rPr>
-                              <m:t>𝑁</m:t>
-                            </m:r>
-                          </m:num>
-                          <m:den>
-                            <m:r>
-                              <a:rPr lang="pt-PT" i="1" dirty="0">
-                                <a:latin typeface="Cambria Math" panose="02040503050406030204" pitchFamily="18" charset="0"/>
-                              </a:rPr>
-                              <m:t>𝐿</m:t>
-                            </m:r>
-                          </m:den>
-                        </m:f>
-                      </m:den>
-                    </m:f>
-                  </m:oMath>
-                </a14:m>
-                <a:r>
-                  <a:rPr lang="pt-PT" dirty="0"/>
-                  <a:t> </a:t>
-                </a:r>
-                <a14:m>
-                  <m:oMath xmlns:m="http://schemas.openxmlformats.org/officeDocument/2006/math">
-                    <m:r>
-                      <a:rPr lang="pt-PT" dirty="0">
-                        <a:latin typeface="Cambria Math" panose="02040503050406030204" pitchFamily="18" charset="0"/>
-                      </a:rPr>
-                      <m:t>⋅</m:t>
-                    </m:r>
-                  </m:oMath>
-                </a14:m>
-                <a:r>
-                  <a:rPr lang="pt-PT" dirty="0">
-                    <a:solidFill>
-                      <a:srgbClr val="836967"/>
-                    </a:solidFill>
-                  </a:rPr>
-                  <a:t> </a:t>
-                </a:r>
-                <a14:m>
-                  <m:oMath xmlns:m="http://schemas.openxmlformats.org/officeDocument/2006/math">
-                    <m:sSub>
-                      <m:sSubPr>
-                        <m:ctrlPr>
-                          <a:rPr lang="pt-PT" i="1" dirty="0">
-                            <a:solidFill>
-                              <a:srgbClr val="836967"/>
-                            </a:solidFill>
-                            <a:latin typeface="Cambria Math" panose="02040503050406030204" pitchFamily="18" charset="0"/>
-                          </a:rPr>
-                        </m:ctrlPr>
-                      </m:sSubPr>
-                      <m:e>
-                        <m:r>
-                          <a:rPr lang="pt-PT" i="1" dirty="0">
-                            <a:solidFill>
-                              <a:srgbClr val="836967"/>
-                            </a:solidFill>
-                            <a:latin typeface="Cambria Math" panose="02040503050406030204" pitchFamily="18" charset="0"/>
-                          </a:rPr>
-                          <m:t>𝑉</m:t>
-                        </m:r>
-                      </m:e>
-                      <m:sub>
-                        <m:r>
-                          <a:rPr lang="pt-PT" i="1" dirty="0">
-                            <a:latin typeface="Cambria Math" panose="02040503050406030204" pitchFamily="18" charset="0"/>
-                          </a:rPr>
-                          <m:t>𝐻</m:t>
-                        </m:r>
-                      </m:sub>
-                    </m:sSub>
-                  </m:oMath>
-                </a14:m>
-                <a:r>
-                  <a:rPr lang="pt-PT" dirty="0"/>
-                  <a:t>;</a:t>
-                </a:r>
-              </a:p>
-              <a:p>
-                <a:endParaRPr lang="pt-PT" dirty="0"/>
-              </a:p>
-              <a:p>
-                <a:r>
-                  <a:rPr lang="pt-PT" dirty="0"/>
-                  <a:t>Conseguimos calcular o campo para as várias distâncias medidas.</a:t>
-                </a:r>
-              </a:p>
-              <a:p>
-                <a:endParaRPr lang="pt-PT" dirty="0"/>
-              </a:p>
-            </p:txBody>
-          </p:sp>
-        </mc:Choice>
-        <mc:Fallback xmlns="">
-          <p:sp>
-            <p:nvSpPr>
-              <p:cNvPr id="3" name="Marcador de Posição de Conteúdo 2">
-                <a:extLst>
-                  <a:ext uri="{FF2B5EF4-FFF2-40B4-BE49-F238E27FC236}">
-                    <a16:creationId xmlns:a16="http://schemas.microsoft.com/office/drawing/2014/main" id="{F40447F8-6EDC-4AA2-94E7-514DA0343628}"/>
-                  </a:ext>
-                </a:extLst>
-              </p:cNvPr>
-              <p:cNvSpPr>
-                <a:spLocks noGrp="1" noRot="1" noChangeAspect="1" noMove="1" noResize="1" noEditPoints="1" noAdjustHandles="1" noChangeArrowheads="1" noChangeShapeType="1" noTextEdit="1"/>
-              </p:cNvSpPr>
-              <p:nvPr>
-                <p:ph idx="1"/>
-              </p:nvPr>
-            </p:nvSpPr>
-            <p:spPr>
-              <a:blipFill>
-                <a:blip r:embed="rId2"/>
-                <a:stretch>
-                  <a:fillRect l="-142" t="-942" r="-993"/>
-                </a:stretch>
-              </a:blipFill>
-            </p:spPr>
-            <p:txBody>
-              <a:bodyPr/>
-              <a:lstStyle/>
-              <a:p>
-                <a:r>
-                  <a:rPr lang="pt-PT">
-                    <a:noFill/>
-                  </a:rPr>
-                  <a:t> </a:t>
-                </a:r>
-              </a:p>
-            </p:txBody>
-          </p:sp>
-        </mc:Fallback>
-      </mc:AlternateContent>
-    </p:spTree>
-    <p:extLst>
-      <p:ext uri="{BB962C8B-B14F-4D97-AF65-F5344CB8AC3E}">
-        <p14:creationId xmlns:p14="http://schemas.microsoft.com/office/powerpoint/2010/main" val="3150831697"/>
-      </p:ext>
-    </p:extLst>
-  </p:cSld>
-  <p:clrMapOvr>
-    <a:masterClrMapping/>
-  </p:clrMapOvr>
-</p:sld>
-</file>
-
-<file path=ppt/slides/slide9.xml><?xml version="1.0" encoding="utf-8"?>
 <p:sld xmlns:a="http://schemas.openxmlformats.org/drawingml/2006/main" xmlns:r="http://schemas.openxmlformats.org/officeDocument/2006/relationships" xmlns:p="http://schemas.openxmlformats.org/presentationml/2006/main">
   <p:cSld>
     <p:bg>
@@ -13948,21 +17411,21 @@
           <a:chExt cx="0" cy="0"/>
         </a:xfrm>
       </p:grpSpPr>
-      <p:sp useBgFill="1">
-        <p:nvSpPr>
-          <p:cNvPr id="24" name="Rectangle 8">
+      <p:grpSp>
+        <p:nvGrpSpPr>
+          <p:cNvPr id="125" name="Group 124">
             <a:extLst>
               <a:ext uri="{FF2B5EF4-FFF2-40B4-BE49-F238E27FC236}">
-                <a16:creationId xmlns:a16="http://schemas.microsoft.com/office/drawing/2014/main" id="{9F4444CE-BC8D-4D61-B303-4C05614E62AB}"/>
+                <a16:creationId xmlns:a16="http://schemas.microsoft.com/office/drawing/2014/main" id="{B4DE830A-B531-4A3B-96F6-0ECE88B08555}"/>
               </a:ext>
               <a:ext uri="{C183D7F6-B498-43B3-948B-1728B52AA6E4}">
                 <adec:decorative xmlns:adec="http://schemas.microsoft.com/office/drawing/2017/decorative" val="1"/>
               </a:ext>
             </a:extLst>
           </p:cNvPr>
-          <p:cNvSpPr>
-            <a:spLocks noGrp="1" noRot="1" noChangeAspect="1" noMove="1" noResize="1" noEditPoints="1" noAdjustHandles="1" noChangeArrowheads="1" noChangeShapeType="1" noTextEdit="1"/>
-          </p:cNvSpPr>
+          <p:cNvGrpSpPr>
+            <a:grpSpLocks noGrp="1" noUngrp="1" noRot="1" noChangeAspect="1" noMove="1" noResize="1"/>
+          </p:cNvGrpSpPr>
           <p:nvPr>
             <p:extLst>
               <p:ext uri="{386F3935-93C4-4BCD-93E2-E3B085C9AB24}">
@@ -13970,50 +17433,687 @@
               </p:ext>
             </p:extLst>
           </p:nvPr>
-        </p:nvSpPr>
-        <p:spPr>
+        </p:nvGrpSpPr>
+        <p:grpSpPr>
           <a:xfrm>
-            <a:off x="0" y="0"/>
-            <a:ext cx="12192000" cy="6858000"/>
+            <a:off x="0" y="-8467"/>
+            <a:ext cx="12192000" cy="6866467"/>
+            <a:chOff x="0" y="-8467"/>
+            <a:chExt cx="12192000" cy="6866467"/>
           </a:xfrm>
-          <a:prstGeom prst="rect">
-            <a:avLst/>
-          </a:prstGeom>
-          <a:ln>
-            <a:noFill/>
-          </a:ln>
-        </p:spPr>
-        <p:style>
-          <a:lnRef idx="2">
-            <a:schemeClr val="accent1">
-              <a:shade val="50000"/>
-            </a:schemeClr>
-          </a:lnRef>
-          <a:fillRef idx="1">
-            <a:schemeClr val="accent1"/>
-          </a:fillRef>
-          <a:effectRef idx="0">
-            <a:schemeClr val="accent1"/>
-          </a:effectRef>
-          <a:fontRef idx="minor">
-            <a:schemeClr val="lt1"/>
-          </a:fontRef>
-        </p:style>
-        <p:txBody>
-          <a:bodyPr rtlCol="0" anchor="ctr"/>
-          <a:lstStyle/>
-          <a:p>
-            <a:pPr algn="ctr"/>
-            <a:endParaRPr lang="en-US"/>
-          </a:p>
-        </p:txBody>
-      </p:sp>
+        </p:grpSpPr>
+        <p:cxnSp>
+          <p:nvCxnSpPr>
+            <p:cNvPr id="126" name="Straight Connector 125">
+              <a:extLst>
+                <a:ext uri="{FF2B5EF4-FFF2-40B4-BE49-F238E27FC236}">
+                  <a16:creationId xmlns:a16="http://schemas.microsoft.com/office/drawing/2014/main" id="{2813DF2C-461A-4A8F-9679-A172790D1F3A}"/>
+                </a:ext>
+                <a:ext uri="{C183D7F6-B498-43B3-948B-1728B52AA6E4}">
+                  <adec:decorative xmlns:adec="http://schemas.microsoft.com/office/drawing/2017/decorative" val="1"/>
+                </a:ext>
+              </a:extLst>
+            </p:cNvPr>
+            <p:cNvCxnSpPr/>
+            <p:nvPr>
+              <p:extLst>
+                <p:ext uri="{386F3935-93C4-4BCD-93E2-E3B085C9AB24}">
+                  <p16:designElem xmlns:p16="http://schemas.microsoft.com/office/powerpoint/2015/main" val="1"/>
+                </p:ext>
+              </p:extLst>
+            </p:nvPr>
+          </p:nvCxnSpPr>
+          <p:spPr>
+            <a:xfrm>
+              <a:off x="9371012" y="0"/>
+              <a:ext cx="1219200" cy="6858000"/>
+            </a:xfrm>
+            <a:prstGeom prst="line">
+              <a:avLst/>
+            </a:prstGeom>
+            <a:ln w="9525">
+              <a:solidFill>
+                <a:schemeClr val="bg1">
+                  <a:lumMod val="75000"/>
+                </a:schemeClr>
+              </a:solidFill>
+            </a:ln>
+          </p:spPr>
+          <p:style>
+            <a:lnRef idx="2">
+              <a:schemeClr val="accent1"/>
+            </a:lnRef>
+            <a:fillRef idx="0">
+              <a:schemeClr val="accent1"/>
+            </a:fillRef>
+            <a:effectRef idx="1">
+              <a:schemeClr val="accent1"/>
+            </a:effectRef>
+            <a:fontRef idx="minor">
+              <a:schemeClr val="tx1"/>
+            </a:fontRef>
+          </p:style>
+        </p:cxnSp>
+        <p:cxnSp>
+          <p:nvCxnSpPr>
+            <p:cNvPr id="127" name="Straight Connector 126">
+              <a:extLst>
+                <a:ext uri="{FF2B5EF4-FFF2-40B4-BE49-F238E27FC236}">
+                  <a16:creationId xmlns:a16="http://schemas.microsoft.com/office/drawing/2014/main" id="{54CD3A85-C039-4249-86E4-1EB9318B5495}"/>
+                </a:ext>
+                <a:ext uri="{C183D7F6-B498-43B3-948B-1728B52AA6E4}">
+                  <adec:decorative xmlns:adec="http://schemas.microsoft.com/office/drawing/2017/decorative" val="1"/>
+                </a:ext>
+              </a:extLst>
+            </p:cNvPr>
+            <p:cNvCxnSpPr/>
+            <p:nvPr>
+              <p:extLst>
+                <p:ext uri="{386F3935-93C4-4BCD-93E2-E3B085C9AB24}">
+                  <p16:designElem xmlns:p16="http://schemas.microsoft.com/office/powerpoint/2015/main" val="1"/>
+                </p:ext>
+              </p:extLst>
+            </p:nvPr>
+          </p:nvCxnSpPr>
+          <p:spPr>
+            <a:xfrm flipH="1">
+              <a:off x="7425267" y="3681413"/>
+              <a:ext cx="4763558" cy="3176587"/>
+            </a:xfrm>
+            <a:prstGeom prst="line">
+              <a:avLst/>
+            </a:prstGeom>
+            <a:ln w="9525">
+              <a:solidFill>
+                <a:schemeClr val="bg1">
+                  <a:lumMod val="85000"/>
+                </a:schemeClr>
+              </a:solidFill>
+            </a:ln>
+          </p:spPr>
+          <p:style>
+            <a:lnRef idx="2">
+              <a:schemeClr val="accent1"/>
+            </a:lnRef>
+            <a:fillRef idx="0">
+              <a:schemeClr val="accent1"/>
+            </a:fillRef>
+            <a:effectRef idx="1">
+              <a:schemeClr val="accent1"/>
+            </a:effectRef>
+            <a:fontRef idx="minor">
+              <a:schemeClr val="tx1"/>
+            </a:fontRef>
+          </p:style>
+        </p:cxnSp>
+        <p:sp>
+          <p:nvSpPr>
+            <p:cNvPr id="189" name="Rectangle 23">
+              <a:extLst>
+                <a:ext uri="{FF2B5EF4-FFF2-40B4-BE49-F238E27FC236}">
+                  <a16:creationId xmlns:a16="http://schemas.microsoft.com/office/drawing/2014/main" id="{887EA6D2-2883-42C2-993D-094CA6D65DA3}"/>
+                </a:ext>
+                <a:ext uri="{C183D7F6-B498-43B3-948B-1728B52AA6E4}">
+                  <adec:decorative xmlns:adec="http://schemas.microsoft.com/office/drawing/2017/decorative" val="1"/>
+                </a:ext>
+              </a:extLst>
+            </p:cNvPr>
+            <p:cNvSpPr/>
+            <p:nvPr>
+              <p:extLst>
+                <p:ext uri="{386F3935-93C4-4BCD-93E2-E3B085C9AB24}">
+                  <p16:designElem xmlns:p16="http://schemas.microsoft.com/office/powerpoint/2015/main" val="1"/>
+                </p:ext>
+              </p:extLst>
+            </p:nvPr>
+          </p:nvSpPr>
+          <p:spPr>
+            <a:xfrm>
+              <a:off x="9181476" y="-8467"/>
+              <a:ext cx="3007349" cy="6866467"/>
+            </a:xfrm>
+            <a:custGeom>
+              <a:avLst/>
+              <a:gdLst/>
+              <a:ahLst/>
+              <a:cxnLst/>
+              <a:rect l="l" t="t" r="r" b="b"/>
+              <a:pathLst>
+                <a:path w="3007349" h="6866467">
+                  <a:moveTo>
+                    <a:pt x="2045532" y="0"/>
+                  </a:moveTo>
+                  <a:lnTo>
+                    <a:pt x="3007349" y="0"/>
+                  </a:lnTo>
+                  <a:lnTo>
+                    <a:pt x="3007349" y="6866467"/>
+                  </a:lnTo>
+                  <a:lnTo>
+                    <a:pt x="0" y="6866467"/>
+                  </a:lnTo>
+                  <a:lnTo>
+                    <a:pt x="2045532" y="0"/>
+                  </a:lnTo>
+                  <a:close/>
+                </a:path>
+              </a:pathLst>
+            </a:custGeom>
+            <a:solidFill>
+              <a:schemeClr val="accent1">
+                <a:alpha val="30000"/>
+              </a:schemeClr>
+            </a:solidFill>
+            <a:ln>
+              <a:noFill/>
+            </a:ln>
+            <a:effectLst/>
+          </p:spPr>
+          <p:style>
+            <a:lnRef idx="1">
+              <a:schemeClr val="accent1"/>
+            </a:lnRef>
+            <a:fillRef idx="3">
+              <a:schemeClr val="accent1"/>
+            </a:fillRef>
+            <a:effectRef idx="2">
+              <a:schemeClr val="accent1"/>
+            </a:effectRef>
+            <a:fontRef idx="minor">
+              <a:schemeClr val="lt1"/>
+            </a:fontRef>
+          </p:style>
+        </p:sp>
+        <p:sp>
+          <p:nvSpPr>
+            <p:cNvPr id="190" name="Rectangle 25">
+              <a:extLst>
+                <a:ext uri="{FF2B5EF4-FFF2-40B4-BE49-F238E27FC236}">
+                  <a16:creationId xmlns:a16="http://schemas.microsoft.com/office/drawing/2014/main" id="{3B895046-636F-4D1B-ACA4-29AA0CB3329F}"/>
+                </a:ext>
+                <a:ext uri="{C183D7F6-B498-43B3-948B-1728B52AA6E4}">
+                  <adec:decorative xmlns:adec="http://schemas.microsoft.com/office/drawing/2017/decorative" val="1"/>
+                </a:ext>
+              </a:extLst>
+            </p:cNvPr>
+            <p:cNvSpPr/>
+            <p:nvPr>
+              <p:extLst>
+                <p:ext uri="{386F3935-93C4-4BCD-93E2-E3B085C9AB24}">
+                  <p16:designElem xmlns:p16="http://schemas.microsoft.com/office/powerpoint/2015/main" val="1"/>
+                </p:ext>
+              </p:extLst>
+            </p:nvPr>
+          </p:nvSpPr>
+          <p:spPr>
+            <a:xfrm>
+              <a:off x="9603442" y="-8467"/>
+              <a:ext cx="2588558" cy="6866467"/>
+            </a:xfrm>
+            <a:custGeom>
+              <a:avLst/>
+              <a:gdLst/>
+              <a:ahLst/>
+              <a:cxnLst/>
+              <a:rect l="l" t="t" r="r" b="b"/>
+              <a:pathLst>
+                <a:path w="2573311" h="6866467">
+                  <a:moveTo>
+                    <a:pt x="0" y="0"/>
+                  </a:moveTo>
+                  <a:lnTo>
+                    <a:pt x="2573311" y="0"/>
+                  </a:lnTo>
+                  <a:lnTo>
+                    <a:pt x="2573311" y="6866467"/>
+                  </a:lnTo>
+                  <a:lnTo>
+                    <a:pt x="1202336" y="6866467"/>
+                  </a:lnTo>
+                  <a:lnTo>
+                    <a:pt x="0" y="0"/>
+                  </a:lnTo>
+                  <a:close/>
+                </a:path>
+              </a:pathLst>
+            </a:custGeom>
+            <a:solidFill>
+              <a:schemeClr val="accent1">
+                <a:alpha val="20000"/>
+              </a:schemeClr>
+            </a:solidFill>
+            <a:ln>
+              <a:noFill/>
+            </a:ln>
+            <a:effectLst/>
+          </p:spPr>
+          <p:style>
+            <a:lnRef idx="1">
+              <a:schemeClr val="accent1"/>
+            </a:lnRef>
+            <a:fillRef idx="3">
+              <a:schemeClr val="accent1"/>
+            </a:fillRef>
+            <a:effectRef idx="2">
+              <a:schemeClr val="accent1"/>
+            </a:effectRef>
+            <a:fontRef idx="minor">
+              <a:schemeClr val="lt1"/>
+            </a:fontRef>
+          </p:style>
+        </p:sp>
+        <p:sp>
+          <p:nvSpPr>
+            <p:cNvPr id="191" name="Isosceles Triangle 190">
+              <a:extLst>
+                <a:ext uri="{FF2B5EF4-FFF2-40B4-BE49-F238E27FC236}">
+                  <a16:creationId xmlns:a16="http://schemas.microsoft.com/office/drawing/2014/main" id="{C6B0CDE3-E054-4EDD-A43B-F96843D8BF51}"/>
+                </a:ext>
+                <a:ext uri="{C183D7F6-B498-43B3-948B-1728B52AA6E4}">
+                  <adec:decorative xmlns:adec="http://schemas.microsoft.com/office/drawing/2017/decorative" val="1"/>
+                </a:ext>
+              </a:extLst>
+            </p:cNvPr>
+            <p:cNvSpPr/>
+            <p:nvPr>
+              <p:extLst>
+                <p:ext uri="{386F3935-93C4-4BCD-93E2-E3B085C9AB24}">
+                  <p16:designElem xmlns:p16="http://schemas.microsoft.com/office/powerpoint/2015/main" val="1"/>
+                </p:ext>
+              </p:extLst>
+            </p:nvPr>
+          </p:nvSpPr>
+          <p:spPr>
+            <a:xfrm>
+              <a:off x="8932333" y="3048000"/>
+              <a:ext cx="3259667" cy="3810000"/>
+            </a:xfrm>
+            <a:prstGeom prst="triangle">
+              <a:avLst>
+                <a:gd name="adj" fmla="val 100000"/>
+              </a:avLst>
+            </a:prstGeom>
+            <a:solidFill>
+              <a:schemeClr val="accent2">
+                <a:alpha val="72000"/>
+              </a:schemeClr>
+            </a:solidFill>
+            <a:ln>
+              <a:noFill/>
+            </a:ln>
+            <a:effectLst/>
+          </p:spPr>
+          <p:style>
+            <a:lnRef idx="1">
+              <a:schemeClr val="accent1"/>
+            </a:lnRef>
+            <a:fillRef idx="3">
+              <a:schemeClr val="accent1"/>
+            </a:fillRef>
+            <a:effectRef idx="2">
+              <a:schemeClr val="accent1"/>
+            </a:effectRef>
+            <a:fontRef idx="minor">
+              <a:schemeClr val="lt1"/>
+            </a:fontRef>
+          </p:style>
+        </p:sp>
+        <p:sp>
+          <p:nvSpPr>
+            <p:cNvPr id="192" name="Rectangle 27">
+              <a:extLst>
+                <a:ext uri="{FF2B5EF4-FFF2-40B4-BE49-F238E27FC236}">
+                  <a16:creationId xmlns:a16="http://schemas.microsoft.com/office/drawing/2014/main" id="{3B66B1A2-F145-4C9B-85CC-4BF30D58CBC5}"/>
+                </a:ext>
+                <a:ext uri="{C183D7F6-B498-43B3-948B-1728B52AA6E4}">
+                  <adec:decorative xmlns:adec="http://schemas.microsoft.com/office/drawing/2017/decorative" val="1"/>
+                </a:ext>
+              </a:extLst>
+            </p:cNvPr>
+            <p:cNvSpPr/>
+            <p:nvPr>
+              <p:extLst>
+                <p:ext uri="{386F3935-93C4-4BCD-93E2-E3B085C9AB24}">
+                  <p16:designElem xmlns:p16="http://schemas.microsoft.com/office/powerpoint/2015/main" val="1"/>
+                </p:ext>
+              </p:extLst>
+            </p:nvPr>
+          </p:nvSpPr>
+          <p:spPr>
+            <a:xfrm>
+              <a:off x="9334500" y="-8467"/>
+              <a:ext cx="2854326" cy="6866467"/>
+            </a:xfrm>
+            <a:custGeom>
+              <a:avLst/>
+              <a:gdLst/>
+              <a:ahLst/>
+              <a:cxnLst/>
+              <a:rect l="l" t="t" r="r" b="b"/>
+              <a:pathLst>
+                <a:path w="2858013" h="6866467">
+                  <a:moveTo>
+                    <a:pt x="0" y="0"/>
+                  </a:moveTo>
+                  <a:lnTo>
+                    <a:pt x="2858013" y="0"/>
+                  </a:lnTo>
+                  <a:lnTo>
+                    <a:pt x="2858013" y="6866467"/>
+                  </a:lnTo>
+                  <a:lnTo>
+                    <a:pt x="2473942" y="6866467"/>
+                  </a:lnTo>
+                  <a:lnTo>
+                    <a:pt x="0" y="0"/>
+                  </a:lnTo>
+                  <a:close/>
+                </a:path>
+              </a:pathLst>
+            </a:custGeom>
+            <a:solidFill>
+              <a:schemeClr val="accent2">
+                <a:lumMod val="75000"/>
+                <a:alpha val="70000"/>
+              </a:schemeClr>
+            </a:solidFill>
+            <a:ln>
+              <a:noFill/>
+            </a:ln>
+            <a:effectLst/>
+          </p:spPr>
+          <p:style>
+            <a:lnRef idx="1">
+              <a:schemeClr val="accent1"/>
+            </a:lnRef>
+            <a:fillRef idx="3">
+              <a:schemeClr val="accent1"/>
+            </a:fillRef>
+            <a:effectRef idx="2">
+              <a:schemeClr val="accent1"/>
+            </a:effectRef>
+            <a:fontRef idx="minor">
+              <a:schemeClr val="lt1"/>
+            </a:fontRef>
+          </p:style>
+        </p:sp>
+        <p:sp>
+          <p:nvSpPr>
+            <p:cNvPr id="193" name="Rectangle 28">
+              <a:extLst>
+                <a:ext uri="{FF2B5EF4-FFF2-40B4-BE49-F238E27FC236}">
+                  <a16:creationId xmlns:a16="http://schemas.microsoft.com/office/drawing/2014/main" id="{5D4FC972-94B3-4035-8D31-E668C132B411}"/>
+                </a:ext>
+                <a:ext uri="{C183D7F6-B498-43B3-948B-1728B52AA6E4}">
+                  <adec:decorative xmlns:adec="http://schemas.microsoft.com/office/drawing/2017/decorative" val="1"/>
+                </a:ext>
+              </a:extLst>
+            </p:cNvPr>
+            <p:cNvSpPr/>
+            <p:nvPr>
+              <p:extLst>
+                <p:ext uri="{386F3935-93C4-4BCD-93E2-E3B085C9AB24}">
+                  <p16:designElem xmlns:p16="http://schemas.microsoft.com/office/powerpoint/2015/main" val="1"/>
+                </p:ext>
+              </p:extLst>
+            </p:nvPr>
+          </p:nvSpPr>
+          <p:spPr>
+            <a:xfrm>
+              <a:off x="10898730" y="-8467"/>
+              <a:ext cx="1290094" cy="6866467"/>
+            </a:xfrm>
+            <a:custGeom>
+              <a:avLst/>
+              <a:gdLst/>
+              <a:ahLst/>
+              <a:cxnLst/>
+              <a:rect l="l" t="t" r="r" b="b"/>
+              <a:pathLst>
+                <a:path w="1290094" h="6858000">
+                  <a:moveTo>
+                    <a:pt x="1019735" y="0"/>
+                  </a:moveTo>
+                  <a:lnTo>
+                    <a:pt x="1290094" y="0"/>
+                  </a:lnTo>
+                  <a:lnTo>
+                    <a:pt x="1290094" y="6858000"/>
+                  </a:lnTo>
+                  <a:lnTo>
+                    <a:pt x="0" y="6858000"/>
+                  </a:lnTo>
+                  <a:lnTo>
+                    <a:pt x="1019735" y="0"/>
+                  </a:lnTo>
+                  <a:close/>
+                </a:path>
+              </a:pathLst>
+            </a:custGeom>
+            <a:solidFill>
+              <a:schemeClr val="accent1">
+                <a:lumMod val="60000"/>
+                <a:lumOff val="40000"/>
+                <a:alpha val="70000"/>
+              </a:schemeClr>
+            </a:solidFill>
+            <a:ln>
+              <a:noFill/>
+            </a:ln>
+            <a:effectLst/>
+          </p:spPr>
+          <p:style>
+            <a:lnRef idx="1">
+              <a:schemeClr val="accent1"/>
+            </a:lnRef>
+            <a:fillRef idx="3">
+              <a:schemeClr val="accent1"/>
+            </a:fillRef>
+            <a:effectRef idx="2">
+              <a:schemeClr val="accent1"/>
+            </a:effectRef>
+            <a:fontRef idx="minor">
+              <a:schemeClr val="lt1"/>
+            </a:fontRef>
+          </p:style>
+        </p:sp>
+        <p:sp>
+          <p:nvSpPr>
+            <p:cNvPr id="194" name="Rectangle 29">
+              <a:extLst>
+                <a:ext uri="{FF2B5EF4-FFF2-40B4-BE49-F238E27FC236}">
+                  <a16:creationId xmlns:a16="http://schemas.microsoft.com/office/drawing/2014/main" id="{374B9941-AFBE-4A77-A50E-B6EA04A746AE}"/>
+                </a:ext>
+                <a:ext uri="{C183D7F6-B498-43B3-948B-1728B52AA6E4}">
+                  <adec:decorative xmlns:adec="http://schemas.microsoft.com/office/drawing/2017/decorative" val="1"/>
+                </a:ext>
+              </a:extLst>
+            </p:cNvPr>
+            <p:cNvSpPr/>
+            <p:nvPr>
+              <p:extLst>
+                <p:ext uri="{386F3935-93C4-4BCD-93E2-E3B085C9AB24}">
+                  <p16:designElem xmlns:p16="http://schemas.microsoft.com/office/powerpoint/2015/main" val="1"/>
+                </p:ext>
+              </p:extLst>
+            </p:nvPr>
+          </p:nvSpPr>
+          <p:spPr>
+            <a:xfrm>
+              <a:off x="10938999" y="-8467"/>
+              <a:ext cx="1249825" cy="6866467"/>
+            </a:xfrm>
+            <a:custGeom>
+              <a:avLst/>
+              <a:gdLst/>
+              <a:ahLst/>
+              <a:cxnLst/>
+              <a:rect l="l" t="t" r="r" b="b"/>
+              <a:pathLst>
+                <a:path w="1249825" h="6858000">
+                  <a:moveTo>
+                    <a:pt x="0" y="0"/>
+                  </a:moveTo>
+                  <a:lnTo>
+                    <a:pt x="1249825" y="0"/>
+                  </a:lnTo>
+                  <a:lnTo>
+                    <a:pt x="1249825" y="6858000"/>
+                  </a:lnTo>
+                  <a:lnTo>
+                    <a:pt x="1109382" y="6858000"/>
+                  </a:lnTo>
+                  <a:lnTo>
+                    <a:pt x="0" y="0"/>
+                  </a:lnTo>
+                  <a:close/>
+                </a:path>
+              </a:pathLst>
+            </a:custGeom>
+            <a:solidFill>
+              <a:schemeClr val="accent1">
+                <a:alpha val="65000"/>
+              </a:schemeClr>
+            </a:solidFill>
+            <a:ln>
+              <a:noFill/>
+            </a:ln>
+            <a:effectLst/>
+          </p:spPr>
+          <p:style>
+            <a:lnRef idx="1">
+              <a:schemeClr val="accent1"/>
+            </a:lnRef>
+            <a:fillRef idx="3">
+              <a:schemeClr val="accent1"/>
+            </a:fillRef>
+            <a:effectRef idx="2">
+              <a:schemeClr val="accent1"/>
+            </a:effectRef>
+            <a:fontRef idx="minor">
+              <a:schemeClr val="lt1"/>
+            </a:fontRef>
+          </p:style>
+        </p:sp>
+        <p:sp>
+          <p:nvSpPr>
+            <p:cNvPr id="195" name="Isosceles Triangle 194">
+              <a:extLst>
+                <a:ext uri="{FF2B5EF4-FFF2-40B4-BE49-F238E27FC236}">
+                  <a16:creationId xmlns:a16="http://schemas.microsoft.com/office/drawing/2014/main" id="{27A982C5-2C38-4CE9-BC18-94697AD657FB}"/>
+                </a:ext>
+                <a:ext uri="{C183D7F6-B498-43B3-948B-1728B52AA6E4}">
+                  <adec:decorative xmlns:adec="http://schemas.microsoft.com/office/drawing/2017/decorative" val="1"/>
+                </a:ext>
+              </a:extLst>
+            </p:cNvPr>
+            <p:cNvSpPr/>
+            <p:nvPr>
+              <p:extLst>
+                <p:ext uri="{386F3935-93C4-4BCD-93E2-E3B085C9AB24}">
+                  <p16:designElem xmlns:p16="http://schemas.microsoft.com/office/powerpoint/2015/main" val="1"/>
+                </p:ext>
+              </p:extLst>
+            </p:nvPr>
+          </p:nvSpPr>
+          <p:spPr>
+            <a:xfrm>
+              <a:off x="10371666" y="3589867"/>
+              <a:ext cx="1817159" cy="3268133"/>
+            </a:xfrm>
+            <a:prstGeom prst="triangle">
+              <a:avLst>
+                <a:gd name="adj" fmla="val 100000"/>
+              </a:avLst>
+            </a:prstGeom>
+            <a:solidFill>
+              <a:schemeClr val="accent1">
+                <a:alpha val="80000"/>
+              </a:schemeClr>
+            </a:solidFill>
+            <a:ln>
+              <a:noFill/>
+            </a:ln>
+            <a:effectLst/>
+          </p:spPr>
+          <p:style>
+            <a:lnRef idx="1">
+              <a:schemeClr val="accent1"/>
+            </a:lnRef>
+            <a:fillRef idx="3">
+              <a:schemeClr val="accent1"/>
+            </a:fillRef>
+            <a:effectRef idx="2">
+              <a:schemeClr val="accent1"/>
+            </a:effectRef>
+            <a:fontRef idx="minor">
+              <a:schemeClr val="lt1"/>
+            </a:fontRef>
+          </p:style>
+        </p:sp>
+        <p:sp>
+          <p:nvSpPr>
+            <p:cNvPr id="196" name="Isosceles Triangle 195">
+              <a:extLst>
+                <a:ext uri="{FF2B5EF4-FFF2-40B4-BE49-F238E27FC236}">
+                  <a16:creationId xmlns:a16="http://schemas.microsoft.com/office/drawing/2014/main" id="{0060D8D1-7BB1-498F-AFBB-ADAC130A9E90}"/>
+                </a:ext>
+                <a:ext uri="{C183D7F6-B498-43B3-948B-1728B52AA6E4}">
+                  <adec:decorative xmlns:adec="http://schemas.microsoft.com/office/drawing/2017/decorative" val="1"/>
+                </a:ext>
+              </a:extLst>
+            </p:cNvPr>
+            <p:cNvSpPr/>
+            <p:nvPr>
+              <p:extLst>
+                <p:ext uri="{386F3935-93C4-4BCD-93E2-E3B085C9AB24}">
+                  <p16:designElem xmlns:p16="http://schemas.microsoft.com/office/powerpoint/2015/main" val="1"/>
+                </p:ext>
+              </p:extLst>
+            </p:nvPr>
+          </p:nvSpPr>
+          <p:spPr>
+            <a:xfrm rot="10800000">
+              <a:off x="0" y="0"/>
+              <a:ext cx="842596" cy="5666154"/>
+            </a:xfrm>
+            <a:prstGeom prst="triangle">
+              <a:avLst>
+                <a:gd name="adj" fmla="val 100000"/>
+              </a:avLst>
+            </a:prstGeom>
+            <a:solidFill>
+              <a:schemeClr val="accent1">
+                <a:alpha val="85000"/>
+              </a:schemeClr>
+            </a:solidFill>
+            <a:ln>
+              <a:noFill/>
+            </a:ln>
+            <a:effectLst/>
+          </p:spPr>
+          <p:style>
+            <a:lnRef idx="1">
+              <a:schemeClr val="accent1"/>
+            </a:lnRef>
+            <a:fillRef idx="3">
+              <a:schemeClr val="accent1"/>
+            </a:fillRef>
+            <a:effectRef idx="2">
+              <a:schemeClr val="accent1"/>
+            </a:effectRef>
+            <a:fontRef idx="minor">
+              <a:schemeClr val="lt1"/>
+            </a:fontRef>
+          </p:style>
+        </p:sp>
+      </p:grpSp>
       <p:sp>
         <p:nvSpPr>
-          <p:cNvPr id="2" name="Título 1">
+          <p:cNvPr id="143" name="Título 1">
             <a:extLst>
               <a:ext uri="{FF2B5EF4-FFF2-40B4-BE49-F238E27FC236}">
-                <a16:creationId xmlns:a16="http://schemas.microsoft.com/office/drawing/2014/main" id="{33CAADD2-77DE-418B-A894-01BC2973786C}"/>
+                <a16:creationId xmlns:a16="http://schemas.microsoft.com/office/drawing/2014/main" id="{581C8A93-6C03-4C3E-9B13-45EDAC591424}"/>
               </a:ext>
             </a:extLst>
           </p:cNvPr>
@@ -14026,174 +18126,637 @@
         </p:nvSpPr>
         <p:spPr>
           <a:xfrm>
-            <a:off x="1286933" y="609600"/>
-            <a:ext cx="9694745" cy="775317"/>
+            <a:off x="985969" y="4553712"/>
+            <a:ext cx="8288032" cy="1096316"/>
           </a:xfrm>
         </p:spPr>
         <p:txBody>
-          <a:bodyPr>
+          <a:bodyPr vert="horz" lIns="91440" tIns="45720" rIns="91440" bIns="45720" rtlCol="0" anchor="b">
             <a:normAutofit/>
           </a:bodyPr>
           <a:lstStyle/>
           <a:p>
+            <a:pPr>
+              <a:lnSpc>
+                <a:spcPct val="90000"/>
+              </a:lnSpc>
+            </a:pPr>
             <a:r>
-              <a:rPr lang="pt-PT" dirty="0"/>
-              <a:t>Verificação do princípio de sobreposição</a:t>
+              <a:rPr lang="en-US" sz="3200" kern="1200" dirty="0">
+                <a:solidFill>
+                  <a:schemeClr val="accent1"/>
+                </a:solidFill>
+                <a:latin typeface="+mj-lt"/>
+                <a:ea typeface="+mj-ea"/>
+                <a:cs typeface="+mj-cs"/>
+              </a:rPr>
+              <a:t>Material </a:t>
+            </a:r>
+            <a:r>
+              <a:rPr lang="en-US" sz="3200" kern="1200" dirty="0" err="1">
+                <a:solidFill>
+                  <a:schemeClr val="accent1"/>
+                </a:solidFill>
+                <a:latin typeface="+mj-lt"/>
+                <a:ea typeface="+mj-ea"/>
+                <a:cs typeface="+mj-cs"/>
+              </a:rPr>
+              <a:t>Utilizado</a:t>
+            </a:r>
+            <a:r>
+              <a:rPr lang="en-US" sz="3200" kern="1200" dirty="0">
+                <a:solidFill>
+                  <a:schemeClr val="accent1"/>
+                </a:solidFill>
+                <a:latin typeface="+mj-lt"/>
+                <a:ea typeface="+mj-ea"/>
+                <a:cs typeface="+mj-cs"/>
+              </a:rPr>
+              <a:t>/</a:t>
+            </a:r>
+            <a:r>
+              <a:rPr lang="en-US" sz="3200" kern="1200" dirty="0" err="1">
+                <a:solidFill>
+                  <a:schemeClr val="accent1"/>
+                </a:solidFill>
+                <a:latin typeface="+mj-lt"/>
+                <a:ea typeface="+mj-ea"/>
+                <a:cs typeface="+mj-cs"/>
+              </a:rPr>
+              <a:t>Procedimento</a:t>
+            </a:r>
+            <a:r>
+              <a:rPr lang="en-US" sz="3200" kern="1200" dirty="0">
+                <a:solidFill>
+                  <a:schemeClr val="accent1"/>
+                </a:solidFill>
+                <a:latin typeface="+mj-lt"/>
+                <a:ea typeface="+mj-ea"/>
+                <a:cs typeface="+mj-cs"/>
+              </a:rPr>
+              <a:t> </a:t>
             </a:r>
           </a:p>
         </p:txBody>
       </p:sp>
+      <p:pic>
+        <p:nvPicPr>
+          <p:cNvPr id="3" name="Imagem 2">
+            <a:extLst>
+              <a:ext uri="{FF2B5EF4-FFF2-40B4-BE49-F238E27FC236}">
+                <a16:creationId xmlns:a16="http://schemas.microsoft.com/office/drawing/2014/main" id="{94990C1A-F6E1-4531-9CEE-1CD3F8752F71}"/>
+              </a:ext>
+            </a:extLst>
+          </p:cNvPr>
+          <p:cNvPicPr>
+            <a:picLocks noChangeAspect="1"/>
+          </p:cNvPicPr>
+          <p:nvPr/>
+        </p:nvPicPr>
+        <p:blipFill>
+          <a:blip r:embed="rId2">
+            <a:extLst>
+              <a:ext uri="{28A0092B-C50C-407E-A947-70E740481C1C}">
+                <a14:useLocalDpi xmlns:a14="http://schemas.microsoft.com/office/drawing/2010/main" val="0"/>
+              </a:ext>
+            </a:extLst>
+          </a:blip>
+          <a:stretch>
+            <a:fillRect/>
+          </a:stretch>
+        </p:blipFill>
+        <p:spPr>
+          <a:xfrm>
+            <a:off x="985968" y="1249982"/>
+            <a:ext cx="8288033" cy="2983690"/>
+          </a:xfrm>
+          <a:prstGeom prst="rect">
+            <a:avLst/>
+          </a:prstGeom>
+        </p:spPr>
+      </p:pic>
+    </p:spTree>
+    <p:extLst>
+      <p:ext uri="{BB962C8B-B14F-4D97-AF65-F5344CB8AC3E}">
+        <p14:creationId xmlns:p14="http://schemas.microsoft.com/office/powerpoint/2010/main" val="2411803010"/>
+      </p:ext>
+    </p:extLst>
+  </p:cSld>
+  <p:clrMapOvr>
+    <a:masterClrMapping/>
+  </p:clrMapOvr>
+</p:sld>
+</file>
+
+<file path=ppt/slides/slide9.xml><?xml version="1.0" encoding="utf-8"?>
+<p:sld xmlns:a="http://schemas.openxmlformats.org/drawingml/2006/main" xmlns:r="http://schemas.openxmlformats.org/officeDocument/2006/relationships" xmlns:p="http://schemas.openxmlformats.org/presentationml/2006/main">
+  <p:cSld>
+    <p:spTree>
+      <p:nvGrpSpPr>
+        <p:cNvPr id="1" name=""/>
+        <p:cNvGrpSpPr/>
+        <p:nvPr/>
+      </p:nvGrpSpPr>
+      <p:grpSpPr>
+        <a:xfrm>
+          <a:off x="0" y="0"/>
+          <a:ext cx="0" cy="0"/>
+          <a:chOff x="0" y="0"/>
+          <a:chExt cx="0" cy="0"/>
+        </a:xfrm>
+      </p:grpSpPr>
       <p:sp>
         <p:nvSpPr>
-          <p:cNvPr id="25" name="Isosceles Triangle 10">
+          <p:cNvPr id="2" name="Título 1">
             <a:extLst>
               <a:ext uri="{FF2B5EF4-FFF2-40B4-BE49-F238E27FC236}">
-                <a16:creationId xmlns:a16="http://schemas.microsoft.com/office/drawing/2014/main" id="{73772B81-181F-48B7-8826-4D9686D15DF5}"/>
-              </a:ext>
-              <a:ext uri="{C183D7F6-B498-43B3-948B-1728B52AA6E4}">
-                <adec:decorative xmlns:adec="http://schemas.microsoft.com/office/drawing/2017/decorative" val="1"/>
+                <a16:creationId xmlns:a16="http://schemas.microsoft.com/office/drawing/2014/main" id="{FC7F86B2-06D4-483C-9287-01CCD6F1F5FE}"/>
               </a:ext>
             </a:extLst>
           </p:cNvPr>
           <p:cNvSpPr>
-            <a:spLocks noGrp="1" noRot="1" noChangeAspect="1" noMove="1" noResize="1" noEditPoints="1" noAdjustHandles="1" noChangeArrowheads="1" noChangeShapeType="1" noTextEdit="1"/>
+            <a:spLocks noGrp="1"/>
           </p:cNvSpPr>
           <p:nvPr>
-            <p:extLst>
-              <p:ext uri="{386F3935-93C4-4BCD-93E2-E3B085C9AB24}">
-                <p16:designElem xmlns:p16="http://schemas.microsoft.com/office/powerpoint/2015/main" val="1"/>
-              </p:ext>
-            </p:extLst>
+            <p:ph type="title"/>
           </p:nvPr>
         </p:nvSpPr>
-        <p:spPr>
-          <a:xfrm rot="10800000">
-            <a:off x="0" y="0"/>
-            <a:ext cx="842596" cy="5666154"/>
-          </a:xfrm>
-          <a:prstGeom prst="triangle">
-            <a:avLst>
-              <a:gd name="adj" fmla="val 100000"/>
-            </a:avLst>
-          </a:prstGeom>
-          <a:solidFill>
-            <a:schemeClr val="accent1">
-              <a:alpha val="85000"/>
-            </a:schemeClr>
-          </a:solidFill>
-          <a:ln>
-            <a:noFill/>
-          </a:ln>
-          <a:effectLst/>
-        </p:spPr>
-        <p:style>
-          <a:lnRef idx="1">
-            <a:schemeClr val="accent1"/>
-          </a:lnRef>
-          <a:fillRef idx="3">
-            <a:schemeClr val="accent1"/>
-          </a:fillRef>
-          <a:effectRef idx="2">
-            <a:schemeClr val="accent1"/>
-          </a:effectRef>
-          <a:fontRef idx="minor">
-            <a:schemeClr val="lt1"/>
-          </a:fontRef>
-        </p:style>
+        <p:spPr/>
+        <p:txBody>
+          <a:bodyPr/>
+          <a:lstStyle/>
+          <a:p>
+            <a:r>
+              <a:rPr lang="pt-PT" dirty="0"/>
+              <a:t>Constante de calibração</a:t>
+            </a:r>
+          </a:p>
+        </p:txBody>
       </p:sp>
+      <mc:AlternateContent xmlns:mc="http://schemas.openxmlformats.org/markup-compatibility/2006" xmlns:a14="http://schemas.microsoft.com/office/drawing/2010/main">
+        <mc:Choice Requires="a14">
+          <p:sp>
+            <p:nvSpPr>
+              <p:cNvPr id="3" name="Marcador de Posição de Conteúdo 2">
+                <a:extLst>
+                  <a:ext uri="{FF2B5EF4-FFF2-40B4-BE49-F238E27FC236}">
+                    <a16:creationId xmlns:a16="http://schemas.microsoft.com/office/drawing/2014/main" id="{ADBFA215-597B-4DEC-95F4-688D4D770E71}"/>
+                  </a:ext>
+                </a:extLst>
+              </p:cNvPr>
+              <p:cNvSpPr>
+                <a:spLocks noGrp="1"/>
+              </p:cNvSpPr>
+              <p:nvPr>
+                <p:ph idx="1"/>
+              </p:nvPr>
+            </p:nvSpPr>
+            <p:spPr>
+              <a:xfrm>
+                <a:off x="463578" y="4927601"/>
+                <a:ext cx="8596668" cy="2382172"/>
+              </a:xfrm>
+            </p:spPr>
+            <p:txBody>
+              <a:bodyPr/>
+              <a:lstStyle/>
+              <a:p>
+                <a14:m>
+                  <m:oMath xmlns:m="http://schemas.openxmlformats.org/officeDocument/2006/math">
+                    <m:f>
+                      <m:fPr>
+                        <m:ctrlPr>
+                          <a:rPr lang="pt-PT" sz="1800" i="1" smtClean="0">
+                            <a:solidFill>
+                              <a:srgbClr val="836967"/>
+                            </a:solidFill>
+                            <a:latin typeface="Cambria Math" panose="02040503050406030204" pitchFamily="18" charset="0"/>
+                          </a:rPr>
+                        </m:ctrlPr>
+                      </m:fPr>
+                      <m:num>
+                        <m:r>
+                          <a:rPr lang="pt-PT" sz="1800" i="1">
+                            <a:latin typeface="Cambria Math" panose="02040503050406030204" pitchFamily="18" charset="0"/>
+                          </a:rPr>
+                          <m:t>𝑁</m:t>
+                        </m:r>
+                      </m:num>
+                      <m:den>
+                        <m:r>
+                          <a:rPr lang="pt-PT" sz="1800" i="1">
+                            <a:latin typeface="Cambria Math" panose="02040503050406030204" pitchFamily="18" charset="0"/>
+                          </a:rPr>
+                          <m:t>𝐿</m:t>
+                        </m:r>
+                      </m:den>
+                    </m:f>
+                  </m:oMath>
+                </a14:m>
+                <a:r>
+                  <a:rPr lang="pt-PT" dirty="0"/>
+                  <a:t>  = 3467 +/- 60 espiras</a:t>
+                </a:r>
+              </a:p>
+              <a:p>
+                <a14:m>
+                  <m:oMath xmlns:m="http://schemas.openxmlformats.org/officeDocument/2006/math">
+                    <m:sSub>
+                      <m:sSubPr>
+                        <m:ctrlPr>
+                          <a:rPr lang="pt-PT" sz="1800" i="1" smtClean="0">
+                            <a:solidFill>
+                              <a:srgbClr val="836967"/>
+                            </a:solidFill>
+                            <a:latin typeface="Cambria Math" panose="02040503050406030204" pitchFamily="18" charset="0"/>
+                          </a:rPr>
+                        </m:ctrlPr>
+                      </m:sSubPr>
+                      <m:e>
+                        <m:r>
+                          <a:rPr lang="pt-PT" sz="1800" i="0">
+                            <a:latin typeface="Cambria Math" panose="02040503050406030204" pitchFamily="18" charset="0"/>
+                          </a:rPr>
+                          <m:t>µ</m:t>
+                        </m:r>
+                      </m:e>
+                      <m:sub>
+                        <m:r>
+                          <a:rPr lang="pt-PT" sz="1800" i="0">
+                            <a:latin typeface="Cambria Math" panose="02040503050406030204" pitchFamily="18" charset="0"/>
+                          </a:rPr>
+                          <m:t>0</m:t>
+                        </m:r>
+                      </m:sub>
+                    </m:sSub>
+                  </m:oMath>
+                </a14:m>
+                <a:r>
+                  <a:rPr lang="pt-PT" dirty="0"/>
+                  <a:t> (permeabilidade no vácuo)= </a:t>
+                </a:r>
+                <a14:m>
+                  <m:oMath xmlns:m="http://schemas.openxmlformats.org/officeDocument/2006/math">
+                    <m:r>
+                      <a:rPr lang="pt-PT" i="1">
+                        <a:latin typeface="Cambria Math" panose="02040503050406030204" pitchFamily="18" charset="0"/>
+                      </a:rPr>
+                      <m:t>4</m:t>
+                    </m:r>
+                    <m:r>
+                      <a:rPr lang="pt-PT" i="1">
+                        <a:latin typeface="Cambria Math" panose="02040503050406030204" pitchFamily="18" charset="0"/>
+                      </a:rPr>
+                      <m:t>𝜋</m:t>
+                    </m:r>
+                    <m:r>
+                      <a:rPr lang="pt-PT" i="1">
+                        <a:latin typeface="Cambria Math" panose="02040503050406030204" pitchFamily="18" charset="0"/>
+                      </a:rPr>
+                      <m:t>×</m:t>
+                    </m:r>
+                    <m:sSup>
+                      <m:sSupPr>
+                        <m:ctrlPr>
+                          <a:rPr lang="pt-PT" i="1">
+                            <a:latin typeface="Cambria Math" panose="02040503050406030204" pitchFamily="18" charset="0"/>
+                          </a:rPr>
+                        </m:ctrlPr>
+                      </m:sSupPr>
+                      <m:e>
+                        <m:r>
+                          <a:rPr lang="pt-PT" i="1">
+                            <a:latin typeface="Cambria Math" panose="02040503050406030204" pitchFamily="18" charset="0"/>
+                          </a:rPr>
+                          <m:t>10</m:t>
+                        </m:r>
+                      </m:e>
+                      <m:sup>
+                        <m:r>
+                          <a:rPr lang="pt-PT" i="1">
+                            <a:latin typeface="Cambria Math" panose="02040503050406030204" pitchFamily="18" charset="0"/>
+                          </a:rPr>
+                          <m:t>−7</m:t>
+                        </m:r>
+                      </m:sup>
+                    </m:sSup>
+                  </m:oMath>
+                </a14:m>
+                <a:endParaRPr lang="pt-PT" dirty="0"/>
+              </a:p>
+              <a:p>
+                <a:endParaRPr lang="pt-PT" dirty="0"/>
+              </a:p>
+            </p:txBody>
+          </p:sp>
+        </mc:Choice>
+        <mc:Fallback xmlns="">
+          <p:sp>
+            <p:nvSpPr>
+              <p:cNvPr id="3" name="Marcador de Posição de Conteúdo 2">
+                <a:extLst>
+                  <a:ext uri="{FF2B5EF4-FFF2-40B4-BE49-F238E27FC236}">
+                    <a16:creationId xmlns:a16="http://schemas.microsoft.com/office/drawing/2014/main" id="{ADBFA215-597B-4DEC-95F4-688D4D770E71}"/>
+                  </a:ext>
+                </a:extLst>
+              </p:cNvPr>
+              <p:cNvSpPr>
+                <a:spLocks noGrp="1" noRot="1" noChangeAspect="1" noMove="1" noResize="1" noEditPoints="1" noAdjustHandles="1" noChangeArrowheads="1" noChangeShapeType="1" noTextEdit="1"/>
+              </p:cNvSpPr>
+              <p:nvPr>
+                <p:ph idx="1"/>
+              </p:nvPr>
+            </p:nvSpPr>
+            <p:spPr>
+              <a:xfrm>
+                <a:off x="463578" y="4927601"/>
+                <a:ext cx="8596668" cy="2382172"/>
+              </a:xfrm>
+              <a:blipFill>
+                <a:blip r:embed="rId2"/>
+                <a:stretch>
+                  <a:fillRect l="-142"/>
+                </a:stretch>
+              </a:blipFill>
+            </p:spPr>
+            <p:txBody>
+              <a:bodyPr/>
+              <a:lstStyle/>
+              <a:p>
+                <a:r>
+                  <a:rPr lang="pt-PT">
+                    <a:noFill/>
+                  </a:rPr>
+                  <a:t> </a:t>
+                </a:r>
+              </a:p>
+            </p:txBody>
+          </p:sp>
+        </mc:Fallback>
+      </mc:AlternateContent>
+      <mc:AlternateContent xmlns:mc="http://schemas.openxmlformats.org/markup-compatibility/2006" xmlns:a14="http://schemas.microsoft.com/office/drawing/2010/main">
+        <mc:Choice Requires="a14">
+          <p:sp>
+            <p:nvSpPr>
+              <p:cNvPr id="6" name="CaixaDeTexto 5">
+                <a:extLst>
+                  <a:ext uri="{FF2B5EF4-FFF2-40B4-BE49-F238E27FC236}">
+                    <a16:creationId xmlns:a16="http://schemas.microsoft.com/office/drawing/2014/main" id="{047E9E9A-9E9F-4A2C-BE00-0D2C37DAAB31}"/>
+                  </a:ext>
+                </a:extLst>
+              </p:cNvPr>
+              <p:cNvSpPr txBox="1"/>
+              <p:nvPr/>
+            </p:nvSpPr>
+            <p:spPr>
+              <a:xfrm>
+                <a:off x="1709954" y="2188147"/>
+                <a:ext cx="6103916" cy="1240853"/>
+              </a:xfrm>
+              <a:prstGeom prst="rect">
+                <a:avLst/>
+              </a:prstGeom>
+              <a:noFill/>
+            </p:spPr>
+            <p:txBody>
+              <a:bodyPr wrap="square">
+                <a:spAutoFit/>
+              </a:bodyPr>
+              <a:lstStyle/>
+              <a:p>
+                <a:pPr/>
+                <a14:m>
+                  <m:oMathPara xmlns:m="http://schemas.openxmlformats.org/officeDocument/2006/math">
+                    <m:oMathParaPr>
+                      <m:jc m:val="centerGroup"/>
+                    </m:oMathParaPr>
+                    <m:oMath xmlns:m="http://schemas.openxmlformats.org/officeDocument/2006/math">
+                      <m:r>
+                        <a:rPr lang="pt-PT" sz="2800" i="1" smtClean="0">
+                          <a:latin typeface="Cambria Math" panose="02040503050406030204" pitchFamily="18" charset="0"/>
+                        </a:rPr>
+                        <m:t>𝑐𝑐</m:t>
+                      </m:r>
+                      <m:r>
+                        <a:rPr lang="pt-PT" sz="2800" i="0">
+                          <a:latin typeface="Cambria Math" panose="02040503050406030204" pitchFamily="18" charset="0"/>
+                        </a:rPr>
+                        <m:t>= </m:t>
+                      </m:r>
+                      <m:f>
+                        <m:fPr>
+                          <m:ctrlPr>
+                            <a:rPr lang="pt-PT" sz="2800" i="1">
+                              <a:solidFill>
+                                <a:srgbClr val="836967"/>
+                              </a:solidFill>
+                              <a:latin typeface="Cambria Math" panose="02040503050406030204" pitchFamily="18" charset="0"/>
+                            </a:rPr>
+                          </m:ctrlPr>
+                        </m:fPr>
+                        <m:num>
+                          <m:sSub>
+                            <m:sSubPr>
+                              <m:ctrlPr>
+                                <a:rPr lang="pt-PT" sz="2800" i="1">
+                                  <a:solidFill>
+                                    <a:srgbClr val="836967"/>
+                                  </a:solidFill>
+                                  <a:latin typeface="Cambria Math" panose="02040503050406030204" pitchFamily="18" charset="0"/>
+                                </a:rPr>
+                              </m:ctrlPr>
+                            </m:sSubPr>
+                            <m:e>
+                              <m:r>
+                                <a:rPr lang="pt-PT" sz="2800" i="1">
+                                  <a:latin typeface="Cambria Math" panose="02040503050406030204" pitchFamily="18" charset="0"/>
+                                </a:rPr>
+                                <m:t>𝑉</m:t>
+                              </m:r>
+                            </m:e>
+                            <m:sub>
+                              <m:r>
+                                <a:rPr lang="pt-PT" sz="2800" i="1">
+                                  <a:latin typeface="Cambria Math" panose="02040503050406030204" pitchFamily="18" charset="0"/>
+                                </a:rPr>
+                                <m:t>𝐻</m:t>
+                              </m:r>
+                            </m:sub>
+                          </m:sSub>
+                        </m:num>
+                        <m:den>
+                          <m:sSub>
+                            <m:sSubPr>
+                              <m:ctrlPr>
+                                <a:rPr lang="pt-PT" sz="2800" i="1">
+                                  <a:solidFill>
+                                    <a:srgbClr val="836967"/>
+                                  </a:solidFill>
+                                  <a:latin typeface="Cambria Math" panose="02040503050406030204" pitchFamily="18" charset="0"/>
+                                </a:rPr>
+                              </m:ctrlPr>
+                            </m:sSubPr>
+                            <m:e>
+                              <m:r>
+                                <a:rPr lang="pt-PT" sz="2800" i="0">
+                                  <a:latin typeface="Cambria Math" panose="02040503050406030204" pitchFamily="18" charset="0"/>
+                                </a:rPr>
+                                <m:t>µ</m:t>
+                              </m:r>
+                            </m:e>
+                            <m:sub>
+                              <m:r>
+                                <a:rPr lang="pt-PT" sz="2800" i="0">
+                                  <a:latin typeface="Cambria Math" panose="02040503050406030204" pitchFamily="18" charset="0"/>
+                                </a:rPr>
+                                <m:t>0</m:t>
+                              </m:r>
+                            </m:sub>
+                          </m:sSub>
+                          <m:r>
+                            <a:rPr lang="pt-PT" sz="2800" i="0">
+                              <a:latin typeface="Cambria Math" panose="02040503050406030204" pitchFamily="18" charset="0"/>
+                            </a:rPr>
+                            <m:t>×</m:t>
+                          </m:r>
+                          <m:f>
+                            <m:fPr>
+                              <m:ctrlPr>
+                                <a:rPr lang="pt-PT" sz="2800" i="1">
+                                  <a:solidFill>
+                                    <a:srgbClr val="836967"/>
+                                  </a:solidFill>
+                                  <a:latin typeface="Cambria Math" panose="02040503050406030204" pitchFamily="18" charset="0"/>
+                                </a:rPr>
+                              </m:ctrlPr>
+                            </m:fPr>
+                            <m:num>
+                              <m:r>
+                                <a:rPr lang="pt-PT" sz="2800" i="1">
+                                  <a:latin typeface="Cambria Math" panose="02040503050406030204" pitchFamily="18" charset="0"/>
+                                </a:rPr>
+                                <m:t>𝑁</m:t>
+                              </m:r>
+                            </m:num>
+                            <m:den>
+                              <m:r>
+                                <a:rPr lang="pt-PT" sz="2800" i="1">
+                                  <a:latin typeface="Cambria Math" panose="02040503050406030204" pitchFamily="18" charset="0"/>
+                                </a:rPr>
+                                <m:t>𝐿</m:t>
+                              </m:r>
+                            </m:den>
+                          </m:f>
+                          <m:r>
+                            <a:rPr lang="pt-PT" sz="2800" i="0">
+                              <a:latin typeface="Cambria Math" panose="02040503050406030204" pitchFamily="18" charset="0"/>
+                            </a:rPr>
+                            <m:t>×</m:t>
+                          </m:r>
+                          <m:r>
+                            <a:rPr lang="pt-PT" sz="2800" i="1">
+                              <a:latin typeface="Cambria Math" panose="02040503050406030204" pitchFamily="18" charset="0"/>
+                            </a:rPr>
+                            <m:t>𝐼</m:t>
+                          </m:r>
+                        </m:den>
+                      </m:f>
+                    </m:oMath>
+                  </m:oMathPara>
+                </a14:m>
+                <a:endParaRPr lang="pt-PT" sz="2800" dirty="0"/>
+              </a:p>
+            </p:txBody>
+          </p:sp>
+        </mc:Choice>
+        <mc:Fallback xmlns="">
+          <p:sp>
+            <p:nvSpPr>
+              <p:cNvPr id="6" name="CaixaDeTexto 5">
+                <a:extLst>
+                  <a:ext uri="{FF2B5EF4-FFF2-40B4-BE49-F238E27FC236}">
+                    <a16:creationId xmlns:a16="http://schemas.microsoft.com/office/drawing/2014/main" id="{047E9E9A-9E9F-4A2C-BE00-0D2C37DAAB31}"/>
+                  </a:ext>
+                </a:extLst>
+              </p:cNvPr>
+              <p:cNvSpPr txBox="1">
+                <a:spLocks noRot="1" noChangeAspect="1" noMove="1" noResize="1" noEditPoints="1" noAdjustHandles="1" noChangeArrowheads="1" noChangeShapeType="1" noTextEdit="1"/>
+              </p:cNvSpPr>
+              <p:nvPr/>
+            </p:nvSpPr>
+            <p:spPr>
+              <a:xfrm>
+                <a:off x="1709954" y="2188147"/>
+                <a:ext cx="6103916" cy="1240853"/>
+              </a:xfrm>
+              <a:prstGeom prst="rect">
+                <a:avLst/>
+              </a:prstGeom>
+              <a:blipFill>
+                <a:blip r:embed="rId3"/>
+                <a:stretch>
+                  <a:fillRect/>
+                </a:stretch>
+              </a:blipFill>
+            </p:spPr>
+            <p:txBody>
+              <a:bodyPr/>
+              <a:lstStyle/>
+              <a:p>
+                <a:r>
+                  <a:rPr lang="pt-PT">
+                    <a:noFill/>
+                  </a:rPr>
+                  <a:t> </a:t>
+                </a:r>
+              </a:p>
+            </p:txBody>
+          </p:sp>
+        </mc:Fallback>
+      </mc:AlternateContent>
       <p:sp>
         <p:nvSpPr>
-          <p:cNvPr id="13" name="Isosceles Triangle 12">
+          <p:cNvPr id="7" name="CaixaDeTexto 6">
             <a:extLst>
               <a:ext uri="{FF2B5EF4-FFF2-40B4-BE49-F238E27FC236}">
-                <a16:creationId xmlns:a16="http://schemas.microsoft.com/office/drawing/2014/main" id="{B2205F6E-03C6-4E92-877C-E2482F6599AA}"/>
-              </a:ext>
-              <a:ext uri="{C183D7F6-B498-43B3-948B-1728B52AA6E4}">
-                <adec:decorative xmlns:adec="http://schemas.microsoft.com/office/drawing/2017/decorative" val="1"/>
+                <a16:creationId xmlns:a16="http://schemas.microsoft.com/office/drawing/2014/main" id="{1CB35A2E-AF4C-4ED1-A4BC-D68FC577AC17}"/>
               </a:ext>
             </a:extLst>
           </p:cNvPr>
-          <p:cNvSpPr>
-            <a:spLocks noGrp="1" noRot="1" noChangeAspect="1" noMove="1" noResize="1" noEditPoints="1" noAdjustHandles="1" noChangeArrowheads="1" noChangeShapeType="1" noTextEdit="1"/>
-          </p:cNvSpPr>
-          <p:nvPr>
-            <p:extLst>
-              <p:ext uri="{386F3935-93C4-4BCD-93E2-E3B085C9AB24}">
-                <p16:designElem xmlns:p16="http://schemas.microsoft.com/office/powerpoint/2015/main" val="1"/>
-              </p:ext>
-            </p:extLst>
-          </p:nvPr>
+          <p:cNvSpPr txBox="1"/>
+          <p:nvPr/>
         </p:nvSpPr>
         <p:spPr>
-          <a:xfrm flipH="1">
-            <a:off x="11743267" y="4013200"/>
-            <a:ext cx="448733" cy="2844800"/>
+          <a:xfrm>
+            <a:off x="783771" y="4298867"/>
+            <a:ext cx="3123211" cy="400110"/>
           </a:xfrm>
-          <a:prstGeom prst="triangle">
-            <a:avLst>
-              <a:gd name="adj" fmla="val 0"/>
-            </a:avLst>
+          <a:prstGeom prst="rect">
+            <a:avLst/>
           </a:prstGeom>
-          <a:solidFill>
-            <a:schemeClr val="accent1">
-              <a:alpha val="85000"/>
-            </a:schemeClr>
-          </a:solidFill>
-          <a:ln>
-            <a:noFill/>
-          </a:ln>
-          <a:effectLst/>
+          <a:noFill/>
         </p:spPr>
-        <p:style>
-          <a:lnRef idx="1">
-            <a:schemeClr val="accent1"/>
-          </a:lnRef>
-          <a:fillRef idx="3">
-            <a:schemeClr val="accent1"/>
-          </a:fillRef>
-          <a:effectRef idx="2">
-            <a:schemeClr val="accent1"/>
-          </a:effectRef>
-          <a:fontRef idx="minor">
-            <a:schemeClr val="lt1"/>
-          </a:fontRef>
-        </p:style>
+        <p:txBody>
+          <a:bodyPr wrap="square" rtlCol="0">
+            <a:spAutoFit/>
+          </a:bodyPr>
+          <a:lstStyle/>
+          <a:p>
+            <a:r>
+              <a:rPr lang="pt-PT" sz="2000" dirty="0">
+                <a:solidFill>
+                  <a:schemeClr val="accent1"/>
+                </a:solidFill>
+              </a:rPr>
+              <a:t>Constantes</a:t>
+            </a:r>
+          </a:p>
+        </p:txBody>
       </p:sp>
-      <p:graphicFrame>
-        <p:nvGraphicFramePr>
-          <p:cNvPr id="4" name="Marcador de Posição de Conteúdo 3">
-            <a:extLst>
-              <a:ext uri="{FF2B5EF4-FFF2-40B4-BE49-F238E27FC236}">
-                <a16:creationId xmlns:a16="http://schemas.microsoft.com/office/drawing/2014/main" id="{F90A7CAC-479E-436E-B009-DB7E530B1904}"/>
-              </a:ext>
-            </a:extLst>
-          </p:cNvPr>
-          <p:cNvGraphicFramePr>
-            <a:graphicFrameLocks noGrp="1"/>
-          </p:cNvGraphicFramePr>
-          <p:nvPr>
-            <p:ph idx="1"/>
-            <p:extLst>
-              <p:ext uri="{D42A27DB-BD31-4B8C-83A1-F6EECF244321}">
-                <p14:modId xmlns:p14="http://schemas.microsoft.com/office/powerpoint/2010/main" val="491706088"/>
-              </p:ext>
-            </p:extLst>
-          </p:nvPr>
-        </p:nvGraphicFramePr>
-        <p:xfrm>
-          <a:off x="1286934" y="2104008"/>
-          <a:ext cx="9357392" cy="3938017"/>
-        </p:xfrm>
-        <a:graphic>
-          <a:graphicData uri="http://schemas.openxmlformats.org/drawingml/2006/chart">
-            <c:chart xmlns:c="http://schemas.openxmlformats.org/drawingml/2006/chart" xmlns:r="http://schemas.openxmlformats.org/officeDocument/2006/relationships" r:id="rId2"/>
-          </a:graphicData>
-        </a:graphic>
-      </p:graphicFrame>
     </p:spTree>
     <p:extLst>
       <p:ext uri="{BB962C8B-B14F-4D97-AF65-F5344CB8AC3E}">
-        <p14:creationId xmlns:p14="http://schemas.microsoft.com/office/powerpoint/2010/main" val="637849929"/>
+        <p14:creationId xmlns:p14="http://schemas.microsoft.com/office/powerpoint/2010/main" val="3257991995"/>
       </p:ext>
     </p:extLst>
   </p:cSld>

--- a/AprestOralMCE.pptx
+++ b/AprestOralMCE.pptx
@@ -21,6 +21,7 @@
     <p:sldId id="263" r:id="rId15"/>
     <p:sldId id="260" r:id="rId16"/>
     <p:sldId id="261" r:id="rId17"/>
+    <p:sldId id="273" r:id="rId18"/>
   </p:sldIdLst>
   <p:sldSz cx="12192000" cy="6858000"/>
   <p:notesSz cx="6858000" cy="9144000"/>
@@ -14723,6 +14724,206 @@
 </p:sld>
 </file>
 
+<file path=ppt/slides/slide17.xml><?xml version="1.0" encoding="utf-8"?>
+<p:sld xmlns:a="http://schemas.openxmlformats.org/drawingml/2006/main" xmlns:r="http://schemas.openxmlformats.org/officeDocument/2006/relationships" xmlns:p="http://schemas.openxmlformats.org/presentationml/2006/main">
+  <p:cSld>
+    <p:spTree>
+      <p:nvGrpSpPr>
+        <p:cNvPr id="1" name=""/>
+        <p:cNvGrpSpPr/>
+        <p:nvPr/>
+      </p:nvGrpSpPr>
+      <p:grpSpPr>
+        <a:xfrm>
+          <a:off x="0" y="0"/>
+          <a:ext cx="0" cy="0"/>
+          <a:chOff x="0" y="0"/>
+          <a:chExt cx="0" cy="0"/>
+        </a:xfrm>
+      </p:grpSpPr>
+      <p:sp>
+        <p:nvSpPr>
+          <p:cNvPr id="2" name="Título 1">
+            <a:extLst>
+              <a:ext uri="{FF2B5EF4-FFF2-40B4-BE49-F238E27FC236}">
+                <a16:creationId xmlns:a16="http://schemas.microsoft.com/office/drawing/2014/main" id="{BBEA49CD-439B-4256-A56A-76F3B567A101}"/>
+              </a:ext>
+            </a:extLst>
+          </p:cNvPr>
+          <p:cNvSpPr>
+            <a:spLocks noGrp="1"/>
+          </p:cNvSpPr>
+          <p:nvPr>
+            <p:ph type="title"/>
+          </p:nvPr>
+        </p:nvSpPr>
+        <p:spPr/>
+        <p:txBody>
+          <a:bodyPr/>
+          <a:lstStyle/>
+          <a:p>
+            <a:r>
+              <a:rPr lang="pt-PT" dirty="0"/>
+              <a:t>Conclusão</a:t>
+            </a:r>
+          </a:p>
+        </p:txBody>
+      </p:sp>
+      <mc:AlternateContent xmlns:mc="http://schemas.openxmlformats.org/markup-compatibility/2006">
+        <mc:Choice xmlns:a14="http://schemas.microsoft.com/office/drawing/2010/main" Requires="a14">
+          <p:sp>
+            <p:nvSpPr>
+              <p:cNvPr id="3" name="Marcador de Posição de Conteúdo 2">
+                <a:extLst>
+                  <a:ext uri="{FF2B5EF4-FFF2-40B4-BE49-F238E27FC236}">
+                    <a16:creationId xmlns:a16="http://schemas.microsoft.com/office/drawing/2014/main" id="{529ED2D9-E811-470E-BBBA-AEFD48B76711}"/>
+                  </a:ext>
+                </a:extLst>
+              </p:cNvPr>
+              <p:cNvSpPr>
+                <a:spLocks noGrp="1"/>
+              </p:cNvSpPr>
+              <p:nvPr>
+                <p:ph idx="1"/>
+              </p:nvPr>
+            </p:nvSpPr>
+            <p:spPr/>
+            <p:txBody>
+              <a:bodyPr/>
+              <a:lstStyle/>
+              <a:p>
+                <a:r>
+                  <a:rPr lang="pt-PT" dirty="0"/>
+                  <a:t>A parte A foi realizada com sucesso tendo conseguido o valor da constante de calibração e um erro do mesmo inferior a 10%. </a:t>
+                </a:r>
+              </a:p>
+              <a:p>
+                <a:r>
+                  <a:rPr lang="pt-PT" dirty="0"/>
+                  <a:t>Na parte B </a:t>
+                </a:r>
+                <a:r>
+                  <a:rPr lang="pt-PT" dirty="0">
+                    <a:effectLst/>
+                    <a:ea typeface="Calibri" panose="020F0502020204030204" pitchFamily="34" charset="0"/>
+                    <a:cs typeface="Times New Roman" panose="02020603050405020304" pitchFamily="18" charset="0"/>
+                  </a:rPr>
+                  <a:t>conseguimos demonstrar que o princípio da sobreposição do campo magnético comprovou-se com a exceção no ponto de decaimento.</a:t>
+                </a:r>
+              </a:p>
+              <a:p>
+                <a:endParaRPr lang="pt-PT" dirty="0">
+                  <a:effectLst/>
+                  <a:ea typeface="Calibri" panose="020F0502020204030204" pitchFamily="34" charset="0"/>
+                  <a:cs typeface="Times New Roman" panose="02020603050405020304" pitchFamily="18" charset="0"/>
+                </a:endParaRPr>
+              </a:p>
+              <a:p>
+                <a:r>
+                  <a:rPr lang="pt-PT" dirty="0"/>
+                  <a:t>Valores obtidos:</a:t>
+                </a:r>
+              </a:p>
+              <a:p>
+                <a:pPr>
+                  <a:buFont typeface="+mj-lt"/>
+                  <a:buAutoNum type="arabicPeriod"/>
+                </a:pPr>
+                <a:r>
+                  <a:rPr lang="pt-PT" dirty="0"/>
+                  <a:t>CC = </a:t>
+                </a:r>
+                <a14:m>
+                  <m:oMath xmlns:m="http://schemas.openxmlformats.org/officeDocument/2006/math">
+                    <m:r>
+                      <a:rPr lang="pt-PT" sz="1800" i="0" smtClean="0">
+                        <a:latin typeface="Cambria Math" panose="02040503050406030204" pitchFamily="18" charset="0"/>
+                      </a:rPr>
+                      <m:t>0,6427</m:t>
+                    </m:r>
+                  </m:oMath>
+                </a14:m>
+                <a:r>
+                  <a:rPr lang="pt-PT" sz="1800" dirty="0"/>
+                  <a:t>V/A;</a:t>
+                </a:r>
+              </a:p>
+              <a:p>
+                <a:pPr>
+                  <a:buFont typeface="+mj-lt"/>
+                  <a:buAutoNum type="arabicPeriod"/>
+                </a:pPr>
+                <a:r>
+                  <a:rPr lang="pt-PT" dirty="0"/>
+                  <a:t>Erro = 9,7%;</a:t>
+                </a:r>
+              </a:p>
+              <a:p>
+                <a:pPr>
+                  <a:buFont typeface="+mj-lt"/>
+                  <a:buAutoNum type="arabicPeriod"/>
+                </a:pPr>
+                <a:r>
+                  <a:rPr lang="pt-PT" dirty="0"/>
+                  <a:t>Número de espiras = 119,6;</a:t>
+                </a:r>
+              </a:p>
+            </p:txBody>
+          </p:sp>
+        </mc:Choice>
+        <mc:Fallback>
+          <p:sp>
+            <p:nvSpPr>
+              <p:cNvPr id="3" name="Marcador de Posição de Conteúdo 2">
+                <a:extLst>
+                  <a:ext uri="{FF2B5EF4-FFF2-40B4-BE49-F238E27FC236}">
+                    <a16:creationId xmlns:a16="http://schemas.microsoft.com/office/drawing/2014/main" id="{529ED2D9-E811-470E-BBBA-AEFD48B76711}"/>
+                  </a:ext>
+                </a:extLst>
+              </p:cNvPr>
+              <p:cNvSpPr>
+                <a:spLocks noGrp="1" noRot="1" noChangeAspect="1" noMove="1" noResize="1" noEditPoints="1" noAdjustHandles="1" noChangeArrowheads="1" noChangeShapeType="1" noTextEdit="1"/>
+              </p:cNvSpPr>
+              <p:nvPr>
+                <p:ph idx="1"/>
+              </p:nvPr>
+            </p:nvSpPr>
+            <p:spPr>
+              <a:blipFill>
+                <a:blip r:embed="rId2"/>
+                <a:stretch>
+                  <a:fillRect l="-213" t="-942" r="-1135"/>
+                </a:stretch>
+              </a:blipFill>
+            </p:spPr>
+            <p:txBody>
+              <a:bodyPr/>
+              <a:lstStyle/>
+              <a:p>
+                <a:r>
+                  <a:rPr lang="pt-PT">
+                    <a:noFill/>
+                  </a:rPr>
+                  <a:t> </a:t>
+                </a:r>
+              </a:p>
+            </p:txBody>
+          </p:sp>
+        </mc:Fallback>
+      </mc:AlternateContent>
+    </p:spTree>
+    <p:extLst>
+      <p:ext uri="{BB962C8B-B14F-4D97-AF65-F5344CB8AC3E}">
+        <p14:creationId xmlns:p14="http://schemas.microsoft.com/office/powerpoint/2010/main" val="867748545"/>
+      </p:ext>
+    </p:extLst>
+  </p:cSld>
+  <p:clrMapOvr>
+    <a:masterClrMapping/>
+  </p:clrMapOvr>
+</p:sld>
+</file>
+
 <file path=ppt/slides/slide2.xml><?xml version="1.0" encoding="utf-8"?>
 <p:sld xmlns:a="http://schemas.openxmlformats.org/drawingml/2006/main" xmlns:r="http://schemas.openxmlformats.org/officeDocument/2006/relationships" xmlns:p="http://schemas.openxmlformats.org/presentationml/2006/main">
   <p:cSld>

--- a/AprestOralMCE.pptx
+++ b/AprestOralMCE.pptx
@@ -14769,8 +14769,8 @@
           </a:p>
         </p:txBody>
       </p:sp>
-      <mc:AlternateContent xmlns:mc="http://schemas.openxmlformats.org/markup-compatibility/2006">
-        <mc:Choice xmlns:a14="http://schemas.microsoft.com/office/drawing/2010/main" Requires="a14">
+      <mc:AlternateContent xmlns:mc="http://schemas.openxmlformats.org/markup-compatibility/2006" xmlns:a14="http://schemas.microsoft.com/office/drawing/2010/main">
+        <mc:Choice Requires="a14">
           <p:sp>
             <p:nvSpPr>
               <p:cNvPr id="3" name="Marcador de Posição de Conteúdo 2">
@@ -14854,8 +14854,12 @@
                   <a:buAutoNum type="arabicPeriod"/>
                 </a:pPr>
                 <a:r>
+                  <a:rPr lang="pt-PT"/>
+                  <a:t>Erro da CC </a:t>
+                </a:r>
+                <a:r>
                   <a:rPr lang="pt-PT" dirty="0"/>
-                  <a:t>Erro = 9,7%;</a:t>
+                  <a:t>= 9,7%;</a:t>
                 </a:r>
               </a:p>
               <a:p>
@@ -14871,7 +14875,7 @@
             </p:txBody>
           </p:sp>
         </mc:Choice>
-        <mc:Fallback>
+        <mc:Fallback xmlns="">
           <p:sp>
             <p:nvSpPr>
               <p:cNvPr id="3" name="Marcador de Posição de Conteúdo 2">
@@ -17411,7 +17415,7 @@
           <a:p>
             <a:r>
               <a:rPr lang="pt-PT" dirty="0"/>
-              <a:t>Valores Alcançados</a:t>
+              <a:t>Objetivos a alcançar</a:t>
             </a:r>
           </a:p>
         </p:txBody>
@@ -17440,7 +17444,7 @@
         </p:spPr>
         <p:txBody>
           <a:bodyPr>
-            <a:normAutofit fontScale="92500"/>
+            <a:normAutofit/>
           </a:bodyPr>
           <a:lstStyle/>
           <a:p>
@@ -17451,25 +17455,7 @@
                 <a:ea typeface="Times New Roman" panose="02020603050405020304" pitchFamily="18" charset="0"/>
                 <a:cs typeface="Times New Roman" panose="02020603050405020304" pitchFamily="18" charset="0"/>
               </a:rPr>
-              <a:t>A constante de calibração, </a:t>
-            </a:r>
-            <a:r>
-              <a:rPr lang="pt-PT" sz="1800" dirty="0" err="1">
-                <a:effectLst/>
-                <a:latin typeface="Calibri" panose="020F0502020204030204" pitchFamily="34" charset="0"/>
-                <a:ea typeface="Times New Roman" panose="02020603050405020304" pitchFamily="18" charset="0"/>
-                <a:cs typeface="Times New Roman" panose="02020603050405020304" pitchFamily="18" charset="0"/>
-              </a:rPr>
-              <a:t>cc</a:t>
-            </a:r>
-            <a:r>
-              <a:rPr lang="pt-PT" sz="1800" dirty="0">
-                <a:effectLst/>
-                <a:latin typeface="Calibri" panose="020F0502020204030204" pitchFamily="34" charset="0"/>
-                <a:ea typeface="Times New Roman" panose="02020603050405020304" pitchFamily="18" charset="0"/>
-                <a:cs typeface="Times New Roman" panose="02020603050405020304" pitchFamily="18" charset="0"/>
-              </a:rPr>
-              <a:t> =  0,031779955 V/A; </a:t>
+              <a:t>A constante de calibração.</a:t>
             </a:r>
           </a:p>
           <a:p>
@@ -17480,7 +17466,7 @@
                 <a:ea typeface="Times New Roman" panose="02020603050405020304" pitchFamily="18" charset="0"/>
                 <a:cs typeface="Times New Roman" panose="02020603050405020304" pitchFamily="18" charset="0"/>
               </a:rPr>
-              <a:t>Verificação do princípio da sobreposição;</a:t>
+              <a:t>Verificação do princípio da sobreposição.</a:t>
             </a:r>
             <a:endParaRPr lang="pt-PT" sz="1800" dirty="0">
               <a:effectLst/>
@@ -17497,7 +17483,7 @@
                 <a:ea typeface="Times New Roman" panose="02020603050405020304" pitchFamily="18" charset="0"/>
                 <a:cs typeface="Times New Roman" panose="02020603050405020304" pitchFamily="18" charset="0"/>
               </a:rPr>
-              <a:t>Número de espiras, N = 119,6. </a:t>
+              <a:t>Número de espiras.</a:t>
             </a:r>
             <a:endParaRPr lang="pt-PT" sz="1800" dirty="0">
               <a:effectLst/>

--- a/AprestOralMCE.pptx
+++ b/AprestOralMCE.pptx
@@ -14769,8 +14769,8 @@
           </a:p>
         </p:txBody>
       </p:sp>
-      <mc:AlternateContent xmlns:mc="http://schemas.openxmlformats.org/markup-compatibility/2006" xmlns:a14="http://schemas.microsoft.com/office/drawing/2010/main">
-        <mc:Choice Requires="a14">
+      <mc:AlternateContent xmlns:mc="http://schemas.openxmlformats.org/markup-compatibility/2006">
+        <mc:Choice xmlns:a14="http://schemas.microsoft.com/office/drawing/2010/main" Requires="a14">
           <p:sp>
             <p:nvSpPr>
               <p:cNvPr id="3" name="Marcador de Posição de Conteúdo 2">
@@ -14789,7 +14789,9 @@
             </p:nvSpPr>
             <p:spPr/>
             <p:txBody>
-              <a:bodyPr/>
+              <a:bodyPr>
+                <a:normAutofit lnSpcReduction="10000"/>
+              </a:bodyPr>
               <a:lstStyle/>
               <a:p>
                 <a:r>
@@ -14854,13 +14856,34 @@
                   <a:buAutoNum type="arabicPeriod"/>
                 </a:pPr>
                 <a:r>
-                  <a:rPr lang="pt-PT"/>
-                  <a:t>Erro da CC </a:t>
+                  <a:rPr lang="pt-PT" dirty="0"/>
+                  <a:t>Erro da CC = 9,7%;</a:t>
+                </a:r>
+              </a:p>
+              <a:p>
+                <a:pPr>
+                  <a:buFont typeface="+mj-lt"/>
+                  <a:buAutoNum type="arabicPeriod"/>
+                </a:pPr>
+                <a:r>
+                  <a:rPr lang="pt-PT" dirty="0"/>
+                  <a:t>Campo magnético Teórico (parte A) = 7,49E-6;</a:t>
+                </a:r>
+              </a:p>
+              <a:p>
+                <a:pPr>
+                  <a:buFont typeface="+mj-lt"/>
+                  <a:buAutoNum type="arabicPeriod"/>
+                </a:pPr>
+                <a:r>
+                  <a:rPr lang="pt-PT" dirty="0"/>
+                  <a:t>Campo magnético Prático (parte B</a:t>
                 </a:r>
                 <a:r>
-                  <a:rPr lang="pt-PT" dirty="0"/>
-                  <a:t>= 9,7%;</a:t>
+                  <a:rPr lang="pt-PT"/>
+                  <a:t>) = 8,96E-3;</a:t>
                 </a:r>
+                <a:endParaRPr lang="pt-PT" dirty="0"/>
               </a:p>
               <a:p>
                 <a:pPr>
@@ -14875,7 +14898,7 @@
             </p:txBody>
           </p:sp>
         </mc:Choice>
-        <mc:Fallback xmlns="">
+        <mc:Fallback>
           <p:sp>
             <p:nvSpPr>
               <p:cNvPr id="3" name="Marcador de Posição de Conteúdo 2">
@@ -14896,7 +14919,7 @@
               <a:blipFill>
                 <a:blip r:embed="rId2"/>
                 <a:stretch>
-                  <a:fillRect l="-213" t="-942" r="-1135"/>
+                  <a:fillRect l="-213" t="-1570" r="-1135" b="-942"/>
                 </a:stretch>
               </a:blipFill>
             </p:spPr>
@@ -17444,7 +17467,7 @@
         </p:spPr>
         <p:txBody>
           <a:bodyPr>
-            <a:normAutofit/>
+            <a:normAutofit fontScale="85000" lnSpcReduction="20000"/>
           </a:bodyPr>
           <a:lstStyle/>
           <a:p>
@@ -17468,6 +17491,16 @@
               </a:rPr>
               <a:t>Verificação do princípio da sobreposição.</a:t>
             </a:r>
+          </a:p>
+          <a:p>
+            <a:r>
+              <a:rPr lang="pt-PT" dirty="0">
+                <a:latin typeface="Calibri" panose="020F0502020204030204" pitchFamily="34" charset="0"/>
+                <a:ea typeface="Calibri" panose="020F0502020204030204" pitchFamily="34" charset="0"/>
+                <a:cs typeface="Times New Roman" panose="02020603050405020304" pitchFamily="18" charset="0"/>
+              </a:rPr>
+              <a:t>Medição do campo magnético.</a:t>
+            </a:r>
             <a:endParaRPr lang="pt-PT" sz="1800" dirty="0">
               <a:effectLst/>
               <a:latin typeface="Calibri" panose="020F0502020204030204" pitchFamily="34" charset="0"/>
@@ -17483,7 +17516,7 @@
                 <a:ea typeface="Times New Roman" panose="02020603050405020304" pitchFamily="18" charset="0"/>
                 <a:cs typeface="Times New Roman" panose="02020603050405020304" pitchFamily="18" charset="0"/>
               </a:rPr>
-              <a:t>Número de espiras.</a:t>
+              <a:t>Estimação do número de espiras.</a:t>
             </a:r>
             <a:endParaRPr lang="pt-PT" sz="1800" dirty="0">
               <a:effectLst/>

--- a/AprestOralMCE.pptx
+++ b/AprestOralMCE.pptx
@@ -7,10 +7,10 @@
   <p:sldIdLst>
     <p:sldId id="256" r:id="rId2"/>
     <p:sldId id="271" r:id="rId3"/>
-    <p:sldId id="259" r:id="rId4"/>
-    <p:sldId id="270" r:id="rId5"/>
-    <p:sldId id="272" r:id="rId6"/>
-    <p:sldId id="258" r:id="rId7"/>
+    <p:sldId id="258" r:id="rId4"/>
+    <p:sldId id="259" r:id="rId5"/>
+    <p:sldId id="270" r:id="rId6"/>
+    <p:sldId id="272" r:id="rId7"/>
     <p:sldId id="264" r:id="rId8"/>
     <p:sldId id="267" r:id="rId9"/>
     <p:sldId id="268" r:id="rId10"/>
@@ -14769,8 +14769,8 @@
           </a:p>
         </p:txBody>
       </p:sp>
-      <mc:AlternateContent xmlns:mc="http://schemas.openxmlformats.org/markup-compatibility/2006">
-        <mc:Choice xmlns:a14="http://schemas.microsoft.com/office/drawing/2010/main" Requires="a14">
+      <mc:AlternateContent xmlns:mc="http://schemas.openxmlformats.org/markup-compatibility/2006" xmlns:a14="http://schemas.microsoft.com/office/drawing/2010/main">
+        <mc:Choice Requires="a14">
           <p:sp>
             <p:nvSpPr>
               <p:cNvPr id="3" name="Marcador de Posição de Conteúdo 2">
@@ -14847,7 +14847,7 @@
                 </a14:m>
                 <a:r>
                   <a:rPr lang="pt-PT" sz="1800" dirty="0"/>
-                  <a:t>V/A;</a:t>
+                  <a:t> V/A;</a:t>
                 </a:r>
               </a:p>
               <a:p>
@@ -14867,7 +14867,58 @@
                 </a:pPr>
                 <a:r>
                   <a:rPr lang="pt-PT" dirty="0"/>
-                  <a:t>Campo magnético Teórico (parte A) = 7,49E-6;</a:t>
+                  <a:t>Campo magnético Teórico (parte A) </a:t>
+                </a:r>
+                <a14:m>
+                  <m:oMath xmlns:m="http://schemas.openxmlformats.org/officeDocument/2006/math">
+                    <m:r>
+                      <a:rPr lang="pt-PT" b="0" i="1" smtClean="0">
+                        <a:latin typeface="Cambria Math" panose="02040503050406030204" pitchFamily="18" charset="0"/>
+                      </a:rPr>
+                      <m:t>=7,49×</m:t>
+                    </m:r>
+                    <m:sSup>
+                      <m:sSupPr>
+                        <m:ctrlPr>
+                          <a:rPr lang="pt-PT" b="0" i="1" smtClean="0">
+                            <a:latin typeface="Cambria Math" panose="02040503050406030204" pitchFamily="18" charset="0"/>
+                          </a:rPr>
+                        </m:ctrlPr>
+                      </m:sSupPr>
+                      <m:e>
+                        <m:r>
+                          <a:rPr lang="pt-PT" b="0" i="1" smtClean="0">
+                            <a:latin typeface="Cambria Math" panose="02040503050406030204" pitchFamily="18" charset="0"/>
+                          </a:rPr>
+                          <m:t>10</m:t>
+                        </m:r>
+                      </m:e>
+                      <m:sup>
+                        <m:r>
+                          <a:rPr lang="pt-PT" b="0" i="1" smtClean="0">
+                            <a:latin typeface="Cambria Math" panose="02040503050406030204" pitchFamily="18" charset="0"/>
+                          </a:rPr>
+                          <m:t>−6</m:t>
+                        </m:r>
+                      </m:sup>
+                    </m:sSup>
+                    <m:r>
+                      <a:rPr lang="pt-PT" b="0" i="1" smtClean="0">
+                        <a:latin typeface="Cambria Math" panose="02040503050406030204" pitchFamily="18" charset="0"/>
+                      </a:rPr>
+                      <m:t> </m:t>
+                    </m:r>
+                    <m:r>
+                      <a:rPr lang="pt-PT" b="0" i="1" smtClean="0">
+                        <a:latin typeface="Cambria Math" panose="02040503050406030204" pitchFamily="18" charset="0"/>
+                      </a:rPr>
+                      <m:t>𝑇</m:t>
+                    </m:r>
+                  </m:oMath>
+                </a14:m>
+                <a:r>
+                  <a:rPr lang="pt-PT" dirty="0"/>
+                  <a:t> </a:t>
                 </a:r>
               </a:p>
               <a:p>
@@ -14877,12 +14928,55 @@
                 </a:pPr>
                 <a:r>
                   <a:rPr lang="pt-PT" dirty="0"/>
-                  <a:t>Campo magnético Prático (parte B</a:t>
+                  <a:t>Campo magnético Prático (parte B) </a:t>
                 </a:r>
-                <a:r>
-                  <a:rPr lang="pt-PT"/>
-                  <a:t>) = 8,96E-3;</a:t>
-                </a:r>
+                <a14:m>
+                  <m:oMath xmlns:m="http://schemas.openxmlformats.org/officeDocument/2006/math">
+                    <m:r>
+                      <a:rPr lang="pt-PT" b="0" i="1" smtClean="0">
+                        <a:latin typeface="Cambria Math" panose="02040503050406030204" pitchFamily="18" charset="0"/>
+                      </a:rPr>
+                      <m:t>=8,96×</m:t>
+                    </m:r>
+                    <m:sSup>
+                      <m:sSupPr>
+                        <m:ctrlPr>
+                          <a:rPr lang="pt-PT" b="0" i="1" smtClean="0">
+                            <a:latin typeface="Cambria Math" panose="02040503050406030204" pitchFamily="18" charset="0"/>
+                          </a:rPr>
+                        </m:ctrlPr>
+                      </m:sSupPr>
+                      <m:e>
+                        <m:r>
+                          <a:rPr lang="pt-PT" b="0" i="1" smtClean="0">
+                            <a:latin typeface="Cambria Math" panose="02040503050406030204" pitchFamily="18" charset="0"/>
+                          </a:rPr>
+                          <m:t>10</m:t>
+                        </m:r>
+                      </m:e>
+                      <m:sup>
+                        <m:r>
+                          <a:rPr lang="pt-PT" b="0" i="1" smtClean="0">
+                            <a:latin typeface="Cambria Math" panose="02040503050406030204" pitchFamily="18" charset="0"/>
+                          </a:rPr>
+                          <m:t>−3</m:t>
+                        </m:r>
+                      </m:sup>
+                    </m:sSup>
+                    <m:r>
+                      <a:rPr lang="pt-PT" b="0" i="1" smtClean="0">
+                        <a:latin typeface="Cambria Math" panose="02040503050406030204" pitchFamily="18" charset="0"/>
+                      </a:rPr>
+                      <m:t> </m:t>
+                    </m:r>
+                    <m:r>
+                      <a:rPr lang="pt-PT" b="0" i="1" smtClean="0">
+                        <a:latin typeface="Cambria Math" panose="02040503050406030204" pitchFamily="18" charset="0"/>
+                      </a:rPr>
+                      <m:t>𝑇</m:t>
+                    </m:r>
+                  </m:oMath>
+                </a14:m>
                 <a:endParaRPr lang="pt-PT" dirty="0"/>
               </a:p>
               <a:p>
@@ -14898,7 +14992,7 @@
             </p:txBody>
           </p:sp>
         </mc:Choice>
-        <mc:Fallback>
+        <mc:Fallback xmlns="">
           <p:sp>
             <p:nvSpPr>
               <p:cNvPr id="3" name="Marcador de Posição de Conteúdo 2">
@@ -15029,13 +15123,13 @@
           <a:p>
             <a:r>
               <a:rPr lang="pt-PT" dirty="0"/>
-              <a:t>Introdução à matéria lecionada</a:t>
+              <a:t>Objetivos a alcançar</a:t>
             </a:r>
           </a:p>
           <a:p>
             <a:r>
               <a:rPr lang="pt-PT" dirty="0"/>
-              <a:t>Resultados atingidos</a:t>
+              <a:t>Introdução à matéria lecionada</a:t>
             </a:r>
           </a:p>
           <a:p>
@@ -15072,6 +15166,156 @@
 </file>
 
 <file path=ppt/slides/slide3.xml><?xml version="1.0" encoding="utf-8"?>
+<p:sld xmlns:a="http://schemas.openxmlformats.org/drawingml/2006/main" xmlns:r="http://schemas.openxmlformats.org/officeDocument/2006/relationships" xmlns:p="http://schemas.openxmlformats.org/presentationml/2006/main">
+  <p:cSld>
+    <p:spTree>
+      <p:nvGrpSpPr>
+        <p:cNvPr id="1" name=""/>
+        <p:cNvGrpSpPr/>
+        <p:nvPr/>
+      </p:nvGrpSpPr>
+      <p:grpSpPr>
+        <a:xfrm>
+          <a:off x="0" y="0"/>
+          <a:ext cx="0" cy="0"/>
+          <a:chOff x="0" y="0"/>
+          <a:chExt cx="0" cy="0"/>
+        </a:xfrm>
+      </p:grpSpPr>
+      <p:sp>
+        <p:nvSpPr>
+          <p:cNvPr id="2" name="Título 1">
+            <a:extLst>
+              <a:ext uri="{FF2B5EF4-FFF2-40B4-BE49-F238E27FC236}">
+                <a16:creationId xmlns:a16="http://schemas.microsoft.com/office/drawing/2014/main" id="{46381669-8064-4270-A6C1-72825B1F3B25}"/>
+              </a:ext>
+            </a:extLst>
+          </p:cNvPr>
+          <p:cNvSpPr>
+            <a:spLocks noGrp="1"/>
+          </p:cNvSpPr>
+          <p:nvPr>
+            <p:ph type="title"/>
+          </p:nvPr>
+        </p:nvSpPr>
+        <p:spPr>
+          <a:xfrm>
+            <a:off x="597435" y="1266547"/>
+            <a:ext cx="8596668" cy="1320800"/>
+          </a:xfrm>
+        </p:spPr>
+        <p:txBody>
+          <a:bodyPr/>
+          <a:lstStyle/>
+          <a:p>
+            <a:r>
+              <a:rPr lang="pt-PT" dirty="0"/>
+              <a:t>Objetivos a alcançar</a:t>
+            </a:r>
+          </a:p>
+        </p:txBody>
+      </p:sp>
+      <p:sp>
+        <p:nvSpPr>
+          <p:cNvPr id="3" name="Marcador de Posição de Conteúdo 2">
+            <a:extLst>
+              <a:ext uri="{FF2B5EF4-FFF2-40B4-BE49-F238E27FC236}">
+                <a16:creationId xmlns:a16="http://schemas.microsoft.com/office/drawing/2014/main" id="{B7DCF059-4996-4BC5-AFCE-3ABD2C3749B1}"/>
+              </a:ext>
+            </a:extLst>
+          </p:cNvPr>
+          <p:cNvSpPr>
+            <a:spLocks noGrp="1"/>
+          </p:cNvSpPr>
+          <p:nvPr>
+            <p:ph idx="1"/>
+          </p:nvPr>
+        </p:nvSpPr>
+        <p:spPr>
+          <a:xfrm>
+            <a:off x="1973474" y="3006819"/>
+            <a:ext cx="5066519" cy="1236707"/>
+          </a:xfrm>
+        </p:spPr>
+        <p:txBody>
+          <a:bodyPr>
+            <a:normAutofit fontScale="85000" lnSpcReduction="20000"/>
+          </a:bodyPr>
+          <a:lstStyle/>
+          <a:p>
+            <a:r>
+              <a:rPr lang="pt-PT" sz="1800" dirty="0">
+                <a:effectLst/>
+                <a:latin typeface="Calibri" panose="020F0502020204030204" pitchFamily="34" charset="0"/>
+                <a:ea typeface="Times New Roman" panose="02020603050405020304" pitchFamily="18" charset="0"/>
+                <a:cs typeface="Times New Roman" panose="02020603050405020304" pitchFamily="18" charset="0"/>
+              </a:rPr>
+              <a:t>A constante de calibração.</a:t>
+            </a:r>
+          </a:p>
+          <a:p>
+            <a:r>
+              <a:rPr lang="pt-PT" sz="1800" dirty="0">
+                <a:effectLst/>
+                <a:latin typeface="Calibri" panose="020F0502020204030204" pitchFamily="34" charset="0"/>
+                <a:ea typeface="Times New Roman" panose="02020603050405020304" pitchFamily="18" charset="0"/>
+                <a:cs typeface="Times New Roman" panose="02020603050405020304" pitchFamily="18" charset="0"/>
+              </a:rPr>
+              <a:t>Verificação do princípio da sobreposição.</a:t>
+            </a:r>
+          </a:p>
+          <a:p>
+            <a:r>
+              <a:rPr lang="pt-PT" dirty="0">
+                <a:latin typeface="Calibri" panose="020F0502020204030204" pitchFamily="34" charset="0"/>
+                <a:ea typeface="Calibri" panose="020F0502020204030204" pitchFamily="34" charset="0"/>
+                <a:cs typeface="Times New Roman" panose="02020603050405020304" pitchFamily="18" charset="0"/>
+              </a:rPr>
+              <a:t>Medição do campo magnético.</a:t>
+            </a:r>
+            <a:endParaRPr lang="pt-PT" sz="1800" dirty="0">
+              <a:effectLst/>
+              <a:latin typeface="Calibri" panose="020F0502020204030204" pitchFamily="34" charset="0"/>
+              <a:ea typeface="Calibri" panose="020F0502020204030204" pitchFamily="34" charset="0"/>
+              <a:cs typeface="Times New Roman" panose="02020603050405020304" pitchFamily="18" charset="0"/>
+            </a:endParaRPr>
+          </a:p>
+          <a:p>
+            <a:r>
+              <a:rPr lang="pt-PT" sz="1800" dirty="0">
+                <a:effectLst/>
+                <a:latin typeface="Calibri" panose="020F0502020204030204" pitchFamily="34" charset="0"/>
+                <a:ea typeface="Times New Roman" panose="02020603050405020304" pitchFamily="18" charset="0"/>
+                <a:cs typeface="Times New Roman" panose="02020603050405020304" pitchFamily="18" charset="0"/>
+              </a:rPr>
+              <a:t>Estimação do número de espiras.</a:t>
+            </a:r>
+            <a:endParaRPr lang="pt-PT" sz="1800" dirty="0">
+              <a:effectLst/>
+              <a:latin typeface="Calibri" panose="020F0502020204030204" pitchFamily="34" charset="0"/>
+              <a:ea typeface="Calibri" panose="020F0502020204030204" pitchFamily="34" charset="0"/>
+              <a:cs typeface="Times New Roman" panose="02020603050405020304" pitchFamily="18" charset="0"/>
+            </a:endParaRPr>
+          </a:p>
+          <a:p>
+            <a:endParaRPr lang="pt-PT" dirty="0"/>
+          </a:p>
+        </p:txBody>
+      </p:sp>
+    </p:spTree>
+    <p:extLst>
+      <p:ext uri="{BB962C8B-B14F-4D97-AF65-F5344CB8AC3E}">
+        <p14:creationId xmlns:p14="http://schemas.microsoft.com/office/powerpoint/2010/main" val="1550205140"/>
+      </p:ext>
+    </p:extLst>
+  </p:cSld>
+  <p:clrMapOvr>
+    <a:masterClrMapping/>
+  </p:clrMapOvr>
+</p:sld>
+</file>
+
+<file path=ppt/slides/slide4.xml><?xml version="1.0" encoding="utf-8"?>
 <p:sld xmlns:a="http://schemas.openxmlformats.org/drawingml/2006/main" xmlns:r="http://schemas.openxmlformats.org/officeDocument/2006/relationships" xmlns:p="http://schemas.openxmlformats.org/presentationml/2006/main">
   <p:cSld>
     <p:spTree>
@@ -16057,7 +16301,7 @@
 </p:sld>
 </file>
 
-<file path=ppt/slides/slide4.xml><?xml version="1.0" encoding="utf-8"?>
+<file path=ppt/slides/slide5.xml><?xml version="1.0" encoding="utf-8"?>
 <p:sld xmlns:a="http://schemas.openxmlformats.org/drawingml/2006/main" xmlns:r="http://schemas.openxmlformats.org/officeDocument/2006/relationships" xmlns:p="http://schemas.openxmlformats.org/presentationml/2006/main">
   <p:cSld>
     <p:spTree>
@@ -16644,7 +16888,7 @@
 </p:sld>
 </file>
 
-<file path=ppt/slides/slide5.xml><?xml version="1.0" encoding="utf-8"?>
+<file path=ppt/slides/slide6.xml><?xml version="1.0" encoding="utf-8"?>
 <p:sld xmlns:a="http://schemas.openxmlformats.org/drawingml/2006/main" xmlns:r="http://schemas.openxmlformats.org/officeDocument/2006/relationships" xmlns:p="http://schemas.openxmlformats.org/presentationml/2006/main">
   <p:cSld>
     <p:spTree>
@@ -17384,156 +17628,6 @@
     <p:extLst>
       <p:ext uri="{BB962C8B-B14F-4D97-AF65-F5344CB8AC3E}">
         <p14:creationId xmlns:p14="http://schemas.microsoft.com/office/powerpoint/2010/main" val="1259330759"/>
-      </p:ext>
-    </p:extLst>
-  </p:cSld>
-  <p:clrMapOvr>
-    <a:masterClrMapping/>
-  </p:clrMapOvr>
-</p:sld>
-</file>
-
-<file path=ppt/slides/slide6.xml><?xml version="1.0" encoding="utf-8"?>
-<p:sld xmlns:a="http://schemas.openxmlformats.org/drawingml/2006/main" xmlns:r="http://schemas.openxmlformats.org/officeDocument/2006/relationships" xmlns:p="http://schemas.openxmlformats.org/presentationml/2006/main">
-  <p:cSld>
-    <p:spTree>
-      <p:nvGrpSpPr>
-        <p:cNvPr id="1" name=""/>
-        <p:cNvGrpSpPr/>
-        <p:nvPr/>
-      </p:nvGrpSpPr>
-      <p:grpSpPr>
-        <a:xfrm>
-          <a:off x="0" y="0"/>
-          <a:ext cx="0" cy="0"/>
-          <a:chOff x="0" y="0"/>
-          <a:chExt cx="0" cy="0"/>
-        </a:xfrm>
-      </p:grpSpPr>
-      <p:sp>
-        <p:nvSpPr>
-          <p:cNvPr id="2" name="Título 1">
-            <a:extLst>
-              <a:ext uri="{FF2B5EF4-FFF2-40B4-BE49-F238E27FC236}">
-                <a16:creationId xmlns:a16="http://schemas.microsoft.com/office/drawing/2014/main" id="{46381669-8064-4270-A6C1-72825B1F3B25}"/>
-              </a:ext>
-            </a:extLst>
-          </p:cNvPr>
-          <p:cNvSpPr>
-            <a:spLocks noGrp="1"/>
-          </p:cNvSpPr>
-          <p:nvPr>
-            <p:ph type="title"/>
-          </p:nvPr>
-        </p:nvSpPr>
-        <p:spPr>
-          <a:xfrm>
-            <a:off x="597435" y="1266547"/>
-            <a:ext cx="8596668" cy="1320800"/>
-          </a:xfrm>
-        </p:spPr>
-        <p:txBody>
-          <a:bodyPr/>
-          <a:lstStyle/>
-          <a:p>
-            <a:r>
-              <a:rPr lang="pt-PT" dirty="0"/>
-              <a:t>Objetivos a alcançar</a:t>
-            </a:r>
-          </a:p>
-        </p:txBody>
-      </p:sp>
-      <p:sp>
-        <p:nvSpPr>
-          <p:cNvPr id="3" name="Marcador de Posição de Conteúdo 2">
-            <a:extLst>
-              <a:ext uri="{FF2B5EF4-FFF2-40B4-BE49-F238E27FC236}">
-                <a16:creationId xmlns:a16="http://schemas.microsoft.com/office/drawing/2014/main" id="{B7DCF059-4996-4BC5-AFCE-3ABD2C3749B1}"/>
-              </a:ext>
-            </a:extLst>
-          </p:cNvPr>
-          <p:cNvSpPr>
-            <a:spLocks noGrp="1"/>
-          </p:cNvSpPr>
-          <p:nvPr>
-            <p:ph idx="1"/>
-          </p:nvPr>
-        </p:nvSpPr>
-        <p:spPr>
-          <a:xfrm>
-            <a:off x="1973474" y="3006819"/>
-            <a:ext cx="5066519" cy="1236707"/>
-          </a:xfrm>
-        </p:spPr>
-        <p:txBody>
-          <a:bodyPr>
-            <a:normAutofit fontScale="85000" lnSpcReduction="20000"/>
-          </a:bodyPr>
-          <a:lstStyle/>
-          <a:p>
-            <a:r>
-              <a:rPr lang="pt-PT" sz="1800" dirty="0">
-                <a:effectLst/>
-                <a:latin typeface="Calibri" panose="020F0502020204030204" pitchFamily="34" charset="0"/>
-                <a:ea typeface="Times New Roman" panose="02020603050405020304" pitchFamily="18" charset="0"/>
-                <a:cs typeface="Times New Roman" panose="02020603050405020304" pitchFamily="18" charset="0"/>
-              </a:rPr>
-              <a:t>A constante de calibração.</a:t>
-            </a:r>
-          </a:p>
-          <a:p>
-            <a:r>
-              <a:rPr lang="pt-PT" sz="1800" dirty="0">
-                <a:effectLst/>
-                <a:latin typeface="Calibri" panose="020F0502020204030204" pitchFamily="34" charset="0"/>
-                <a:ea typeface="Times New Roman" panose="02020603050405020304" pitchFamily="18" charset="0"/>
-                <a:cs typeface="Times New Roman" panose="02020603050405020304" pitchFamily="18" charset="0"/>
-              </a:rPr>
-              <a:t>Verificação do princípio da sobreposição.</a:t>
-            </a:r>
-          </a:p>
-          <a:p>
-            <a:r>
-              <a:rPr lang="pt-PT" dirty="0">
-                <a:latin typeface="Calibri" panose="020F0502020204030204" pitchFamily="34" charset="0"/>
-                <a:ea typeface="Calibri" panose="020F0502020204030204" pitchFamily="34" charset="0"/>
-                <a:cs typeface="Times New Roman" panose="02020603050405020304" pitchFamily="18" charset="0"/>
-              </a:rPr>
-              <a:t>Medição do campo magnético.</a:t>
-            </a:r>
-            <a:endParaRPr lang="pt-PT" sz="1800" dirty="0">
-              <a:effectLst/>
-              <a:latin typeface="Calibri" panose="020F0502020204030204" pitchFamily="34" charset="0"/>
-              <a:ea typeface="Calibri" panose="020F0502020204030204" pitchFamily="34" charset="0"/>
-              <a:cs typeface="Times New Roman" panose="02020603050405020304" pitchFamily="18" charset="0"/>
-            </a:endParaRPr>
-          </a:p>
-          <a:p>
-            <a:r>
-              <a:rPr lang="pt-PT" sz="1800" dirty="0">
-                <a:effectLst/>
-                <a:latin typeface="Calibri" panose="020F0502020204030204" pitchFamily="34" charset="0"/>
-                <a:ea typeface="Times New Roman" panose="02020603050405020304" pitchFamily="18" charset="0"/>
-                <a:cs typeface="Times New Roman" panose="02020603050405020304" pitchFamily="18" charset="0"/>
-              </a:rPr>
-              <a:t>Estimação do número de espiras.</a:t>
-            </a:r>
-            <a:endParaRPr lang="pt-PT" sz="1800" dirty="0">
-              <a:effectLst/>
-              <a:latin typeface="Calibri" panose="020F0502020204030204" pitchFamily="34" charset="0"/>
-              <a:ea typeface="Calibri" panose="020F0502020204030204" pitchFamily="34" charset="0"/>
-              <a:cs typeface="Times New Roman" panose="02020603050405020304" pitchFamily="18" charset="0"/>
-            </a:endParaRPr>
-          </a:p>
-          <a:p>
-            <a:endParaRPr lang="pt-PT" dirty="0"/>
-          </a:p>
-        </p:txBody>
-      </p:sp>
-    </p:spTree>
-    <p:extLst>
-      <p:ext uri="{BB962C8B-B14F-4D97-AF65-F5344CB8AC3E}">
-        <p14:creationId xmlns:p14="http://schemas.microsoft.com/office/powerpoint/2010/main" val="1550205140"/>
       </p:ext>
     </p:extLst>
   </p:cSld>

--- a/AprestOralMCE.pptx
+++ b/AprestOralMCE.pptx
@@ -12,8 +12,8 @@
     <p:sldId id="270" r:id="rId6"/>
     <p:sldId id="272" r:id="rId7"/>
     <p:sldId id="264" r:id="rId8"/>
-    <p:sldId id="267" r:id="rId9"/>
-    <p:sldId id="268" r:id="rId10"/>
+    <p:sldId id="268" r:id="rId9"/>
+    <p:sldId id="267" r:id="rId10"/>
     <p:sldId id="265" r:id="rId11"/>
     <p:sldId id="266" r:id="rId12"/>
     <p:sldId id="269" r:id="rId13"/>
@@ -4936,7 +4936,7 @@
           <a:p>
             <a:fld id="{F5B47447-E320-4C83-987A-FA98BF98DC25}" type="datetimeFigureOut">
               <a:rPr lang="pt-PT" smtClean="0"/>
-              <a:t>13/01/2021</a:t>
+              <a:t>14/01/2021</a:t>
             </a:fld>
             <a:endParaRPr lang="pt-PT"/>
           </a:p>
@@ -5187,7 +5187,7 @@
           <a:p>
             <a:fld id="{F5B47447-E320-4C83-987A-FA98BF98DC25}" type="datetimeFigureOut">
               <a:rPr lang="pt-PT" smtClean="0"/>
-              <a:t>13/01/2021</a:t>
+              <a:t>14/01/2021</a:t>
             </a:fld>
             <a:endParaRPr lang="pt-PT"/>
           </a:p>
@@ -5501,7 +5501,7 @@
           <a:p>
             <a:fld id="{F5B47447-E320-4C83-987A-FA98BF98DC25}" type="datetimeFigureOut">
               <a:rPr lang="pt-PT" smtClean="0"/>
-              <a:t>13/01/2021</a:t>
+              <a:t>14/01/2021</a:t>
             </a:fld>
             <a:endParaRPr lang="pt-PT"/>
           </a:p>
@@ -5842,7 +5842,7 @@
           <a:p>
             <a:fld id="{F5B47447-E320-4C83-987A-FA98BF98DC25}" type="datetimeFigureOut">
               <a:rPr lang="pt-PT" smtClean="0"/>
-              <a:t>13/01/2021</a:t>
+              <a:t>14/01/2021</a:t>
             </a:fld>
             <a:endParaRPr lang="pt-PT"/>
           </a:p>
@@ -6156,7 +6156,7 @@
           <a:p>
             <a:fld id="{F5B47447-E320-4C83-987A-FA98BF98DC25}" type="datetimeFigureOut">
               <a:rPr lang="pt-PT" smtClean="0"/>
-              <a:t>13/01/2021</a:t>
+              <a:t>14/01/2021</a:t>
             </a:fld>
             <a:endParaRPr lang="pt-PT"/>
           </a:p>
@@ -6549,7 +6549,7 @@
           <a:p>
             <a:fld id="{F5B47447-E320-4C83-987A-FA98BF98DC25}" type="datetimeFigureOut">
               <a:rPr lang="pt-PT" smtClean="0"/>
-              <a:t>13/01/2021</a:t>
+              <a:t>14/01/2021</a:t>
             </a:fld>
             <a:endParaRPr lang="pt-PT"/>
           </a:p>
@@ -6719,7 +6719,7 @@
           <a:p>
             <a:fld id="{F5B47447-E320-4C83-987A-FA98BF98DC25}" type="datetimeFigureOut">
               <a:rPr lang="pt-PT" smtClean="0"/>
-              <a:t>13/01/2021</a:t>
+              <a:t>14/01/2021</a:t>
             </a:fld>
             <a:endParaRPr lang="pt-PT"/>
           </a:p>
@@ -6899,7 +6899,7 @@
           <a:p>
             <a:fld id="{F5B47447-E320-4C83-987A-FA98BF98DC25}" type="datetimeFigureOut">
               <a:rPr lang="pt-PT" smtClean="0"/>
-              <a:t>13/01/2021</a:t>
+              <a:t>14/01/2021</a:t>
             </a:fld>
             <a:endParaRPr lang="pt-PT"/>
           </a:p>
@@ -7075,7 +7075,7 @@
           <a:p>
             <a:fld id="{F5B47447-E320-4C83-987A-FA98BF98DC25}" type="datetimeFigureOut">
               <a:rPr lang="pt-PT" smtClean="0"/>
-              <a:t>13/01/2021</a:t>
+              <a:t>14/01/2021</a:t>
             </a:fld>
             <a:endParaRPr lang="pt-PT"/>
           </a:p>
@@ -7322,7 +7322,7 @@
           <a:p>
             <a:fld id="{F5B47447-E320-4C83-987A-FA98BF98DC25}" type="datetimeFigureOut">
               <a:rPr lang="pt-PT" smtClean="0"/>
-              <a:t>13/01/2021</a:t>
+              <a:t>14/01/2021</a:t>
             </a:fld>
             <a:endParaRPr lang="pt-PT"/>
           </a:p>
@@ -7554,7 +7554,7 @@
           <a:p>
             <a:fld id="{F5B47447-E320-4C83-987A-FA98BF98DC25}" type="datetimeFigureOut">
               <a:rPr lang="pt-PT" smtClean="0"/>
-              <a:t>13/01/2021</a:t>
+              <a:t>14/01/2021</a:t>
             </a:fld>
             <a:endParaRPr lang="pt-PT"/>
           </a:p>
@@ -7928,7 +7928,7 @@
           <a:p>
             <a:fld id="{F5B47447-E320-4C83-987A-FA98BF98DC25}" type="datetimeFigureOut">
               <a:rPr lang="pt-PT" smtClean="0"/>
-              <a:t>13/01/2021</a:t>
+              <a:t>14/01/2021</a:t>
             </a:fld>
             <a:endParaRPr lang="pt-PT"/>
           </a:p>
@@ -8051,7 +8051,7 @@
           <a:p>
             <a:fld id="{F5B47447-E320-4C83-987A-FA98BF98DC25}" type="datetimeFigureOut">
               <a:rPr lang="pt-PT" smtClean="0"/>
-              <a:t>13/01/2021</a:t>
+              <a:t>14/01/2021</a:t>
             </a:fld>
             <a:endParaRPr lang="pt-PT"/>
           </a:p>
@@ -8146,7 +8146,7 @@
           <a:p>
             <a:fld id="{F5B47447-E320-4C83-987A-FA98BF98DC25}" type="datetimeFigureOut">
               <a:rPr lang="pt-PT" smtClean="0"/>
-              <a:t>13/01/2021</a:t>
+              <a:t>14/01/2021</a:t>
             </a:fld>
             <a:endParaRPr lang="pt-PT"/>
           </a:p>
@@ -8401,7 +8401,7 @@
           <a:p>
             <a:fld id="{F5B47447-E320-4C83-987A-FA98BF98DC25}" type="datetimeFigureOut">
               <a:rPr lang="pt-PT" smtClean="0"/>
-              <a:t>13/01/2021</a:t>
+              <a:t>14/01/2021</a:t>
             </a:fld>
             <a:endParaRPr lang="pt-PT"/>
           </a:p>
@@ -8664,7 +8664,7 @@
           <a:p>
             <a:fld id="{F5B47447-E320-4C83-987A-FA98BF98DC25}" type="datetimeFigureOut">
               <a:rPr lang="pt-PT" smtClean="0"/>
-              <a:t>13/01/2021</a:t>
+              <a:t>14/01/2021</a:t>
             </a:fld>
             <a:endParaRPr lang="pt-PT"/>
           </a:p>
@@ -9407,7 +9407,7 @@
           <a:p>
             <a:fld id="{F5B47447-E320-4C83-987A-FA98BF98DC25}" type="datetimeFigureOut">
               <a:rPr lang="pt-PT" smtClean="0"/>
-              <a:t>13/01/2021</a:t>
+              <a:t>14/01/2021</a:t>
             </a:fld>
             <a:endParaRPr lang="pt-PT"/>
           </a:p>
@@ -17703,6 +17703,527 @@
 <file path=ppt/slides/slide8.xml><?xml version="1.0" encoding="utf-8"?>
 <p:sld xmlns:a="http://schemas.openxmlformats.org/drawingml/2006/main" xmlns:r="http://schemas.openxmlformats.org/officeDocument/2006/relationships" xmlns:p="http://schemas.openxmlformats.org/presentationml/2006/main">
   <p:cSld>
+    <p:spTree>
+      <p:nvGrpSpPr>
+        <p:cNvPr id="1" name=""/>
+        <p:cNvGrpSpPr/>
+        <p:nvPr/>
+      </p:nvGrpSpPr>
+      <p:grpSpPr>
+        <a:xfrm>
+          <a:off x="0" y="0"/>
+          <a:ext cx="0" cy="0"/>
+          <a:chOff x="0" y="0"/>
+          <a:chExt cx="0" cy="0"/>
+        </a:xfrm>
+      </p:grpSpPr>
+      <p:sp>
+        <p:nvSpPr>
+          <p:cNvPr id="2" name="Título 1">
+            <a:extLst>
+              <a:ext uri="{FF2B5EF4-FFF2-40B4-BE49-F238E27FC236}">
+                <a16:creationId xmlns:a16="http://schemas.microsoft.com/office/drawing/2014/main" id="{FC7F86B2-06D4-483C-9287-01CCD6F1F5FE}"/>
+              </a:ext>
+            </a:extLst>
+          </p:cNvPr>
+          <p:cNvSpPr>
+            <a:spLocks noGrp="1"/>
+          </p:cNvSpPr>
+          <p:nvPr>
+            <p:ph type="title"/>
+          </p:nvPr>
+        </p:nvSpPr>
+        <p:spPr/>
+        <p:txBody>
+          <a:bodyPr/>
+          <a:lstStyle/>
+          <a:p>
+            <a:r>
+              <a:rPr lang="pt-PT" dirty="0"/>
+              <a:t>Constante de calibração</a:t>
+            </a:r>
+          </a:p>
+        </p:txBody>
+      </p:sp>
+      <mc:AlternateContent xmlns:mc="http://schemas.openxmlformats.org/markup-compatibility/2006">
+        <mc:Choice xmlns:a14="http://schemas.microsoft.com/office/drawing/2010/main" Requires="a14">
+          <p:sp>
+            <p:nvSpPr>
+              <p:cNvPr id="3" name="Marcador de Posição de Conteúdo 2">
+                <a:extLst>
+                  <a:ext uri="{FF2B5EF4-FFF2-40B4-BE49-F238E27FC236}">
+                    <a16:creationId xmlns:a16="http://schemas.microsoft.com/office/drawing/2014/main" id="{ADBFA215-597B-4DEC-95F4-688D4D770E71}"/>
+                  </a:ext>
+                </a:extLst>
+              </p:cNvPr>
+              <p:cNvSpPr>
+                <a:spLocks noGrp="1"/>
+              </p:cNvSpPr>
+              <p:nvPr>
+                <p:ph idx="1"/>
+              </p:nvPr>
+            </p:nvSpPr>
+            <p:spPr>
+              <a:xfrm>
+                <a:off x="463578" y="4927601"/>
+                <a:ext cx="8596668" cy="2382172"/>
+              </a:xfrm>
+            </p:spPr>
+            <p:txBody>
+              <a:bodyPr/>
+              <a:lstStyle/>
+              <a:p>
+                <a14:m>
+                  <m:oMath xmlns:m="http://schemas.openxmlformats.org/officeDocument/2006/math">
+                    <m:f>
+                      <m:fPr>
+                        <m:ctrlPr>
+                          <a:rPr lang="pt-PT" sz="1800" i="1" smtClean="0">
+                            <a:solidFill>
+                              <a:srgbClr val="836967"/>
+                            </a:solidFill>
+                            <a:latin typeface="Cambria Math" panose="02040503050406030204" pitchFamily="18" charset="0"/>
+                          </a:rPr>
+                        </m:ctrlPr>
+                      </m:fPr>
+                      <m:num>
+                        <m:r>
+                          <a:rPr lang="pt-PT" sz="1800" i="1">
+                            <a:latin typeface="Cambria Math" panose="02040503050406030204" pitchFamily="18" charset="0"/>
+                          </a:rPr>
+                          <m:t>𝑁</m:t>
+                        </m:r>
+                      </m:num>
+                      <m:den>
+                        <m:r>
+                          <a:rPr lang="pt-PT" sz="1800" i="1">
+                            <a:latin typeface="Cambria Math" panose="02040503050406030204" pitchFamily="18" charset="0"/>
+                          </a:rPr>
+                          <m:t>𝐿</m:t>
+                        </m:r>
+                      </m:den>
+                    </m:f>
+                  </m:oMath>
+                </a14:m>
+                <a:r>
+                  <a:rPr lang="pt-PT" dirty="0"/>
+                  <a:t>  = 3467 +/- 60 espiras</a:t>
+                </a:r>
+              </a:p>
+              <a:p>
+                <a14:m>
+                  <m:oMath xmlns:m="http://schemas.openxmlformats.org/officeDocument/2006/math">
+                    <m:sSub>
+                      <m:sSubPr>
+                        <m:ctrlPr>
+                          <a:rPr lang="pt-PT" sz="1800" i="1" smtClean="0">
+                            <a:solidFill>
+                              <a:srgbClr val="836967"/>
+                            </a:solidFill>
+                            <a:latin typeface="Cambria Math" panose="02040503050406030204" pitchFamily="18" charset="0"/>
+                          </a:rPr>
+                        </m:ctrlPr>
+                      </m:sSubPr>
+                      <m:e>
+                        <m:r>
+                          <a:rPr lang="pt-PT" sz="1800" i="0">
+                            <a:latin typeface="Cambria Math" panose="02040503050406030204" pitchFamily="18" charset="0"/>
+                          </a:rPr>
+                          <m:t>µ</m:t>
+                        </m:r>
+                      </m:e>
+                      <m:sub>
+                        <m:r>
+                          <a:rPr lang="pt-PT" sz="1800" i="0">
+                            <a:latin typeface="Cambria Math" panose="02040503050406030204" pitchFamily="18" charset="0"/>
+                          </a:rPr>
+                          <m:t>0</m:t>
+                        </m:r>
+                      </m:sub>
+                    </m:sSub>
+                  </m:oMath>
+                </a14:m>
+                <a:r>
+                  <a:rPr lang="pt-PT" dirty="0"/>
+                  <a:t> (permeabilidade no vácuo)= </a:t>
+                </a:r>
+                <a14:m>
+                  <m:oMath xmlns:m="http://schemas.openxmlformats.org/officeDocument/2006/math">
+                    <m:r>
+                      <a:rPr lang="pt-PT" i="1">
+                        <a:latin typeface="Cambria Math" panose="02040503050406030204" pitchFamily="18" charset="0"/>
+                      </a:rPr>
+                      <m:t>4</m:t>
+                    </m:r>
+                    <m:r>
+                      <a:rPr lang="pt-PT" i="1">
+                        <a:latin typeface="Cambria Math" panose="02040503050406030204" pitchFamily="18" charset="0"/>
+                      </a:rPr>
+                      <m:t>𝜋</m:t>
+                    </m:r>
+                    <m:r>
+                      <a:rPr lang="pt-PT" i="1">
+                        <a:latin typeface="Cambria Math" panose="02040503050406030204" pitchFamily="18" charset="0"/>
+                      </a:rPr>
+                      <m:t>×</m:t>
+                    </m:r>
+                    <m:sSup>
+                      <m:sSupPr>
+                        <m:ctrlPr>
+                          <a:rPr lang="pt-PT" i="1">
+                            <a:latin typeface="Cambria Math" panose="02040503050406030204" pitchFamily="18" charset="0"/>
+                          </a:rPr>
+                        </m:ctrlPr>
+                      </m:sSupPr>
+                      <m:e>
+                        <m:r>
+                          <a:rPr lang="pt-PT" i="1">
+                            <a:latin typeface="Cambria Math" panose="02040503050406030204" pitchFamily="18" charset="0"/>
+                          </a:rPr>
+                          <m:t>10</m:t>
+                        </m:r>
+                      </m:e>
+                      <m:sup>
+                        <m:r>
+                          <a:rPr lang="pt-PT" i="1">
+                            <a:latin typeface="Cambria Math" panose="02040503050406030204" pitchFamily="18" charset="0"/>
+                          </a:rPr>
+                          <m:t>−7</m:t>
+                        </m:r>
+                      </m:sup>
+                    </m:sSup>
+                  </m:oMath>
+                </a14:m>
+                <a:endParaRPr lang="pt-PT" dirty="0"/>
+              </a:p>
+              <a:p>
+                <a:pPr marL="0" indent="0">
+                  <a:buNone/>
+                </a:pPr>
+                <a:endParaRPr lang="pt-PT" dirty="0"/>
+              </a:p>
+            </p:txBody>
+          </p:sp>
+        </mc:Choice>
+        <mc:Fallback>
+          <p:sp>
+            <p:nvSpPr>
+              <p:cNvPr id="3" name="Marcador de Posição de Conteúdo 2">
+                <a:extLst>
+                  <a:ext uri="{FF2B5EF4-FFF2-40B4-BE49-F238E27FC236}">
+                    <a16:creationId xmlns:a16="http://schemas.microsoft.com/office/drawing/2014/main" id="{ADBFA215-597B-4DEC-95F4-688D4D770E71}"/>
+                  </a:ext>
+                </a:extLst>
+              </p:cNvPr>
+              <p:cNvSpPr>
+                <a:spLocks noGrp="1" noRot="1" noChangeAspect="1" noMove="1" noResize="1" noEditPoints="1" noAdjustHandles="1" noChangeArrowheads="1" noChangeShapeType="1" noTextEdit="1"/>
+              </p:cNvSpPr>
+              <p:nvPr>
+                <p:ph idx="1"/>
+              </p:nvPr>
+            </p:nvSpPr>
+            <p:spPr>
+              <a:xfrm>
+                <a:off x="463578" y="4927601"/>
+                <a:ext cx="8596668" cy="2382172"/>
+              </a:xfrm>
+              <a:blipFill>
+                <a:blip r:embed="rId2"/>
+                <a:stretch>
+                  <a:fillRect l="-142"/>
+                </a:stretch>
+              </a:blipFill>
+            </p:spPr>
+            <p:txBody>
+              <a:bodyPr/>
+              <a:lstStyle/>
+              <a:p>
+                <a:r>
+                  <a:rPr lang="pt-PT">
+                    <a:noFill/>
+                  </a:rPr>
+                  <a:t> </a:t>
+                </a:r>
+              </a:p>
+            </p:txBody>
+          </p:sp>
+        </mc:Fallback>
+      </mc:AlternateContent>
+      <mc:AlternateContent xmlns:mc="http://schemas.openxmlformats.org/markup-compatibility/2006" xmlns:a14="http://schemas.microsoft.com/office/drawing/2010/main">
+        <mc:Choice Requires="a14">
+          <p:sp>
+            <p:nvSpPr>
+              <p:cNvPr id="6" name="CaixaDeTexto 5">
+                <a:extLst>
+                  <a:ext uri="{FF2B5EF4-FFF2-40B4-BE49-F238E27FC236}">
+                    <a16:creationId xmlns:a16="http://schemas.microsoft.com/office/drawing/2014/main" id="{047E9E9A-9E9F-4A2C-BE00-0D2C37DAAB31}"/>
+                  </a:ext>
+                </a:extLst>
+              </p:cNvPr>
+              <p:cNvSpPr txBox="1"/>
+              <p:nvPr/>
+            </p:nvSpPr>
+            <p:spPr>
+              <a:xfrm>
+                <a:off x="1709954" y="2188147"/>
+                <a:ext cx="6103916" cy="1240853"/>
+              </a:xfrm>
+              <a:prstGeom prst="rect">
+                <a:avLst/>
+              </a:prstGeom>
+              <a:noFill/>
+            </p:spPr>
+            <p:txBody>
+              <a:bodyPr wrap="square">
+                <a:spAutoFit/>
+              </a:bodyPr>
+              <a:lstStyle/>
+              <a:p>
+                <a:pPr/>
+                <a14:m>
+                  <m:oMathPara xmlns:m="http://schemas.openxmlformats.org/officeDocument/2006/math">
+                    <m:oMathParaPr>
+                      <m:jc m:val="centerGroup"/>
+                    </m:oMathParaPr>
+                    <m:oMath xmlns:m="http://schemas.openxmlformats.org/officeDocument/2006/math">
+                      <m:r>
+                        <a:rPr lang="pt-PT" sz="2800" i="1" smtClean="0">
+                          <a:latin typeface="Cambria Math" panose="02040503050406030204" pitchFamily="18" charset="0"/>
+                        </a:rPr>
+                        <m:t>𝑐𝑐</m:t>
+                      </m:r>
+                      <m:r>
+                        <a:rPr lang="pt-PT" sz="2800" i="0">
+                          <a:latin typeface="Cambria Math" panose="02040503050406030204" pitchFamily="18" charset="0"/>
+                        </a:rPr>
+                        <m:t>= </m:t>
+                      </m:r>
+                      <m:f>
+                        <m:fPr>
+                          <m:ctrlPr>
+                            <a:rPr lang="pt-PT" sz="2800" i="1">
+                              <a:solidFill>
+                                <a:srgbClr val="836967"/>
+                              </a:solidFill>
+                              <a:latin typeface="Cambria Math" panose="02040503050406030204" pitchFamily="18" charset="0"/>
+                            </a:rPr>
+                          </m:ctrlPr>
+                        </m:fPr>
+                        <m:num>
+                          <m:sSub>
+                            <m:sSubPr>
+                              <m:ctrlPr>
+                                <a:rPr lang="pt-PT" sz="2800" i="1">
+                                  <a:solidFill>
+                                    <a:srgbClr val="836967"/>
+                                  </a:solidFill>
+                                  <a:latin typeface="Cambria Math" panose="02040503050406030204" pitchFamily="18" charset="0"/>
+                                </a:rPr>
+                              </m:ctrlPr>
+                            </m:sSubPr>
+                            <m:e>
+                              <m:r>
+                                <a:rPr lang="pt-PT" sz="2800" i="1">
+                                  <a:latin typeface="Cambria Math" panose="02040503050406030204" pitchFamily="18" charset="0"/>
+                                </a:rPr>
+                                <m:t>𝑉</m:t>
+                              </m:r>
+                            </m:e>
+                            <m:sub>
+                              <m:r>
+                                <a:rPr lang="pt-PT" sz="2800" i="1">
+                                  <a:latin typeface="Cambria Math" panose="02040503050406030204" pitchFamily="18" charset="0"/>
+                                </a:rPr>
+                                <m:t>𝐻</m:t>
+                              </m:r>
+                            </m:sub>
+                          </m:sSub>
+                        </m:num>
+                        <m:den>
+                          <m:sSub>
+                            <m:sSubPr>
+                              <m:ctrlPr>
+                                <a:rPr lang="pt-PT" sz="2800" i="1">
+                                  <a:solidFill>
+                                    <a:srgbClr val="836967"/>
+                                  </a:solidFill>
+                                  <a:latin typeface="Cambria Math" panose="02040503050406030204" pitchFamily="18" charset="0"/>
+                                </a:rPr>
+                              </m:ctrlPr>
+                            </m:sSubPr>
+                            <m:e>
+                              <m:r>
+                                <a:rPr lang="pt-PT" sz="2800" i="0">
+                                  <a:latin typeface="Cambria Math" panose="02040503050406030204" pitchFamily="18" charset="0"/>
+                                </a:rPr>
+                                <m:t>µ</m:t>
+                              </m:r>
+                            </m:e>
+                            <m:sub>
+                              <m:r>
+                                <a:rPr lang="pt-PT" sz="2800" i="0">
+                                  <a:latin typeface="Cambria Math" panose="02040503050406030204" pitchFamily="18" charset="0"/>
+                                </a:rPr>
+                                <m:t>0</m:t>
+                              </m:r>
+                            </m:sub>
+                          </m:sSub>
+                          <m:r>
+                            <a:rPr lang="pt-PT" sz="2800" i="0">
+                              <a:latin typeface="Cambria Math" panose="02040503050406030204" pitchFamily="18" charset="0"/>
+                            </a:rPr>
+                            <m:t>×</m:t>
+                          </m:r>
+                          <m:f>
+                            <m:fPr>
+                              <m:ctrlPr>
+                                <a:rPr lang="pt-PT" sz="2800" i="1">
+                                  <a:solidFill>
+                                    <a:srgbClr val="836967"/>
+                                  </a:solidFill>
+                                  <a:latin typeface="Cambria Math" panose="02040503050406030204" pitchFamily="18" charset="0"/>
+                                </a:rPr>
+                              </m:ctrlPr>
+                            </m:fPr>
+                            <m:num>
+                              <m:r>
+                                <a:rPr lang="pt-PT" sz="2800" i="1">
+                                  <a:latin typeface="Cambria Math" panose="02040503050406030204" pitchFamily="18" charset="0"/>
+                                </a:rPr>
+                                <m:t>𝑁</m:t>
+                              </m:r>
+                            </m:num>
+                            <m:den>
+                              <m:r>
+                                <a:rPr lang="pt-PT" sz="2800" i="1">
+                                  <a:latin typeface="Cambria Math" panose="02040503050406030204" pitchFamily="18" charset="0"/>
+                                </a:rPr>
+                                <m:t>𝐿</m:t>
+                              </m:r>
+                            </m:den>
+                          </m:f>
+                          <m:r>
+                            <a:rPr lang="pt-PT" sz="2800" i="0">
+                              <a:latin typeface="Cambria Math" panose="02040503050406030204" pitchFamily="18" charset="0"/>
+                            </a:rPr>
+                            <m:t>×</m:t>
+                          </m:r>
+                          <m:r>
+                            <a:rPr lang="pt-PT" sz="2800" i="1">
+                              <a:latin typeface="Cambria Math" panose="02040503050406030204" pitchFamily="18" charset="0"/>
+                            </a:rPr>
+                            <m:t>𝐼</m:t>
+                          </m:r>
+                        </m:den>
+                      </m:f>
+                    </m:oMath>
+                  </m:oMathPara>
+                </a14:m>
+                <a:endParaRPr lang="pt-PT" sz="2800" dirty="0"/>
+              </a:p>
+            </p:txBody>
+          </p:sp>
+        </mc:Choice>
+        <mc:Fallback xmlns="">
+          <p:sp>
+            <p:nvSpPr>
+              <p:cNvPr id="6" name="CaixaDeTexto 5">
+                <a:extLst>
+                  <a:ext uri="{FF2B5EF4-FFF2-40B4-BE49-F238E27FC236}">
+                    <a16:creationId xmlns:a16="http://schemas.microsoft.com/office/drawing/2014/main" id="{047E9E9A-9E9F-4A2C-BE00-0D2C37DAAB31}"/>
+                  </a:ext>
+                </a:extLst>
+              </p:cNvPr>
+              <p:cNvSpPr txBox="1">
+                <a:spLocks noRot="1" noChangeAspect="1" noMove="1" noResize="1" noEditPoints="1" noAdjustHandles="1" noChangeArrowheads="1" noChangeShapeType="1" noTextEdit="1"/>
+              </p:cNvSpPr>
+              <p:nvPr/>
+            </p:nvSpPr>
+            <p:spPr>
+              <a:xfrm>
+                <a:off x="1709954" y="2188147"/>
+                <a:ext cx="6103916" cy="1240853"/>
+              </a:xfrm>
+              <a:prstGeom prst="rect">
+                <a:avLst/>
+              </a:prstGeom>
+              <a:blipFill>
+                <a:blip r:embed="rId3"/>
+                <a:stretch>
+                  <a:fillRect/>
+                </a:stretch>
+              </a:blipFill>
+            </p:spPr>
+            <p:txBody>
+              <a:bodyPr/>
+              <a:lstStyle/>
+              <a:p>
+                <a:r>
+                  <a:rPr lang="pt-PT">
+                    <a:noFill/>
+                  </a:rPr>
+                  <a:t> </a:t>
+                </a:r>
+              </a:p>
+            </p:txBody>
+          </p:sp>
+        </mc:Fallback>
+      </mc:AlternateContent>
+      <p:sp>
+        <p:nvSpPr>
+          <p:cNvPr id="7" name="CaixaDeTexto 6">
+            <a:extLst>
+              <a:ext uri="{FF2B5EF4-FFF2-40B4-BE49-F238E27FC236}">
+                <a16:creationId xmlns:a16="http://schemas.microsoft.com/office/drawing/2014/main" id="{1CB35A2E-AF4C-4ED1-A4BC-D68FC577AC17}"/>
+              </a:ext>
+            </a:extLst>
+          </p:cNvPr>
+          <p:cNvSpPr txBox="1"/>
+          <p:nvPr/>
+        </p:nvSpPr>
+        <p:spPr>
+          <a:xfrm>
+            <a:off x="783771" y="4298867"/>
+            <a:ext cx="3123211" cy="400110"/>
+          </a:xfrm>
+          <a:prstGeom prst="rect">
+            <a:avLst/>
+          </a:prstGeom>
+          <a:noFill/>
+        </p:spPr>
+        <p:txBody>
+          <a:bodyPr wrap="square" rtlCol="0">
+            <a:spAutoFit/>
+          </a:bodyPr>
+          <a:lstStyle/>
+          <a:p>
+            <a:r>
+              <a:rPr lang="pt-PT" sz="2000" dirty="0">
+                <a:solidFill>
+                  <a:schemeClr val="accent1"/>
+                </a:solidFill>
+              </a:rPr>
+              <a:t>Constantes</a:t>
+            </a:r>
+          </a:p>
+        </p:txBody>
+      </p:sp>
+    </p:spTree>
+    <p:extLst>
+      <p:ext uri="{BB962C8B-B14F-4D97-AF65-F5344CB8AC3E}">
+        <p14:creationId xmlns:p14="http://schemas.microsoft.com/office/powerpoint/2010/main" val="3257991995"/>
+      </p:ext>
+    </p:extLst>
+  </p:cSld>
+  <p:clrMapOvr>
+    <a:masterClrMapping/>
+  </p:clrMapOvr>
+</p:sld>
+</file>
+
+<file path=ppt/slides/slide9.xml><?xml version="1.0" encoding="utf-8"?>
+<p:sld xmlns:a="http://schemas.openxmlformats.org/drawingml/2006/main" xmlns:r="http://schemas.openxmlformats.org/officeDocument/2006/relationships" xmlns:p="http://schemas.openxmlformats.org/presentationml/2006/main">
+  <p:cSld>
     <p:bg>
       <p:bgPr>
         <a:solidFill>
@@ -18562,524 +19083,6 @@
 </p:sld>
 </file>
 
-<file path=ppt/slides/slide9.xml><?xml version="1.0" encoding="utf-8"?>
-<p:sld xmlns:a="http://schemas.openxmlformats.org/drawingml/2006/main" xmlns:r="http://schemas.openxmlformats.org/officeDocument/2006/relationships" xmlns:p="http://schemas.openxmlformats.org/presentationml/2006/main">
-  <p:cSld>
-    <p:spTree>
-      <p:nvGrpSpPr>
-        <p:cNvPr id="1" name=""/>
-        <p:cNvGrpSpPr/>
-        <p:nvPr/>
-      </p:nvGrpSpPr>
-      <p:grpSpPr>
-        <a:xfrm>
-          <a:off x="0" y="0"/>
-          <a:ext cx="0" cy="0"/>
-          <a:chOff x="0" y="0"/>
-          <a:chExt cx="0" cy="0"/>
-        </a:xfrm>
-      </p:grpSpPr>
-      <p:sp>
-        <p:nvSpPr>
-          <p:cNvPr id="2" name="Título 1">
-            <a:extLst>
-              <a:ext uri="{FF2B5EF4-FFF2-40B4-BE49-F238E27FC236}">
-                <a16:creationId xmlns:a16="http://schemas.microsoft.com/office/drawing/2014/main" id="{FC7F86B2-06D4-483C-9287-01CCD6F1F5FE}"/>
-              </a:ext>
-            </a:extLst>
-          </p:cNvPr>
-          <p:cNvSpPr>
-            <a:spLocks noGrp="1"/>
-          </p:cNvSpPr>
-          <p:nvPr>
-            <p:ph type="title"/>
-          </p:nvPr>
-        </p:nvSpPr>
-        <p:spPr/>
-        <p:txBody>
-          <a:bodyPr/>
-          <a:lstStyle/>
-          <a:p>
-            <a:r>
-              <a:rPr lang="pt-PT" dirty="0"/>
-              <a:t>Constante de calibração</a:t>
-            </a:r>
-          </a:p>
-        </p:txBody>
-      </p:sp>
-      <mc:AlternateContent xmlns:mc="http://schemas.openxmlformats.org/markup-compatibility/2006" xmlns:a14="http://schemas.microsoft.com/office/drawing/2010/main">
-        <mc:Choice Requires="a14">
-          <p:sp>
-            <p:nvSpPr>
-              <p:cNvPr id="3" name="Marcador de Posição de Conteúdo 2">
-                <a:extLst>
-                  <a:ext uri="{FF2B5EF4-FFF2-40B4-BE49-F238E27FC236}">
-                    <a16:creationId xmlns:a16="http://schemas.microsoft.com/office/drawing/2014/main" id="{ADBFA215-597B-4DEC-95F4-688D4D770E71}"/>
-                  </a:ext>
-                </a:extLst>
-              </p:cNvPr>
-              <p:cNvSpPr>
-                <a:spLocks noGrp="1"/>
-              </p:cNvSpPr>
-              <p:nvPr>
-                <p:ph idx="1"/>
-              </p:nvPr>
-            </p:nvSpPr>
-            <p:spPr>
-              <a:xfrm>
-                <a:off x="463578" y="4927601"/>
-                <a:ext cx="8596668" cy="2382172"/>
-              </a:xfrm>
-            </p:spPr>
-            <p:txBody>
-              <a:bodyPr/>
-              <a:lstStyle/>
-              <a:p>
-                <a14:m>
-                  <m:oMath xmlns:m="http://schemas.openxmlformats.org/officeDocument/2006/math">
-                    <m:f>
-                      <m:fPr>
-                        <m:ctrlPr>
-                          <a:rPr lang="pt-PT" sz="1800" i="1" smtClean="0">
-                            <a:solidFill>
-                              <a:srgbClr val="836967"/>
-                            </a:solidFill>
-                            <a:latin typeface="Cambria Math" panose="02040503050406030204" pitchFamily="18" charset="0"/>
-                          </a:rPr>
-                        </m:ctrlPr>
-                      </m:fPr>
-                      <m:num>
-                        <m:r>
-                          <a:rPr lang="pt-PT" sz="1800" i="1">
-                            <a:latin typeface="Cambria Math" panose="02040503050406030204" pitchFamily="18" charset="0"/>
-                          </a:rPr>
-                          <m:t>𝑁</m:t>
-                        </m:r>
-                      </m:num>
-                      <m:den>
-                        <m:r>
-                          <a:rPr lang="pt-PT" sz="1800" i="1">
-                            <a:latin typeface="Cambria Math" panose="02040503050406030204" pitchFamily="18" charset="0"/>
-                          </a:rPr>
-                          <m:t>𝐿</m:t>
-                        </m:r>
-                      </m:den>
-                    </m:f>
-                  </m:oMath>
-                </a14:m>
-                <a:r>
-                  <a:rPr lang="pt-PT" dirty="0"/>
-                  <a:t>  = 3467 +/- 60 espiras</a:t>
-                </a:r>
-              </a:p>
-              <a:p>
-                <a14:m>
-                  <m:oMath xmlns:m="http://schemas.openxmlformats.org/officeDocument/2006/math">
-                    <m:sSub>
-                      <m:sSubPr>
-                        <m:ctrlPr>
-                          <a:rPr lang="pt-PT" sz="1800" i="1" smtClean="0">
-                            <a:solidFill>
-                              <a:srgbClr val="836967"/>
-                            </a:solidFill>
-                            <a:latin typeface="Cambria Math" panose="02040503050406030204" pitchFamily="18" charset="0"/>
-                          </a:rPr>
-                        </m:ctrlPr>
-                      </m:sSubPr>
-                      <m:e>
-                        <m:r>
-                          <a:rPr lang="pt-PT" sz="1800" i="0">
-                            <a:latin typeface="Cambria Math" panose="02040503050406030204" pitchFamily="18" charset="0"/>
-                          </a:rPr>
-                          <m:t>µ</m:t>
-                        </m:r>
-                      </m:e>
-                      <m:sub>
-                        <m:r>
-                          <a:rPr lang="pt-PT" sz="1800" i="0">
-                            <a:latin typeface="Cambria Math" panose="02040503050406030204" pitchFamily="18" charset="0"/>
-                          </a:rPr>
-                          <m:t>0</m:t>
-                        </m:r>
-                      </m:sub>
-                    </m:sSub>
-                  </m:oMath>
-                </a14:m>
-                <a:r>
-                  <a:rPr lang="pt-PT" dirty="0"/>
-                  <a:t> (permeabilidade no vácuo)= </a:t>
-                </a:r>
-                <a14:m>
-                  <m:oMath xmlns:m="http://schemas.openxmlformats.org/officeDocument/2006/math">
-                    <m:r>
-                      <a:rPr lang="pt-PT" i="1">
-                        <a:latin typeface="Cambria Math" panose="02040503050406030204" pitchFamily="18" charset="0"/>
-                      </a:rPr>
-                      <m:t>4</m:t>
-                    </m:r>
-                    <m:r>
-                      <a:rPr lang="pt-PT" i="1">
-                        <a:latin typeface="Cambria Math" panose="02040503050406030204" pitchFamily="18" charset="0"/>
-                      </a:rPr>
-                      <m:t>𝜋</m:t>
-                    </m:r>
-                    <m:r>
-                      <a:rPr lang="pt-PT" i="1">
-                        <a:latin typeface="Cambria Math" panose="02040503050406030204" pitchFamily="18" charset="0"/>
-                      </a:rPr>
-                      <m:t>×</m:t>
-                    </m:r>
-                    <m:sSup>
-                      <m:sSupPr>
-                        <m:ctrlPr>
-                          <a:rPr lang="pt-PT" i="1">
-                            <a:latin typeface="Cambria Math" panose="02040503050406030204" pitchFamily="18" charset="0"/>
-                          </a:rPr>
-                        </m:ctrlPr>
-                      </m:sSupPr>
-                      <m:e>
-                        <m:r>
-                          <a:rPr lang="pt-PT" i="1">
-                            <a:latin typeface="Cambria Math" panose="02040503050406030204" pitchFamily="18" charset="0"/>
-                          </a:rPr>
-                          <m:t>10</m:t>
-                        </m:r>
-                      </m:e>
-                      <m:sup>
-                        <m:r>
-                          <a:rPr lang="pt-PT" i="1">
-                            <a:latin typeface="Cambria Math" panose="02040503050406030204" pitchFamily="18" charset="0"/>
-                          </a:rPr>
-                          <m:t>−7</m:t>
-                        </m:r>
-                      </m:sup>
-                    </m:sSup>
-                  </m:oMath>
-                </a14:m>
-                <a:endParaRPr lang="pt-PT" dirty="0"/>
-              </a:p>
-              <a:p>
-                <a:endParaRPr lang="pt-PT" dirty="0"/>
-              </a:p>
-            </p:txBody>
-          </p:sp>
-        </mc:Choice>
-        <mc:Fallback xmlns="">
-          <p:sp>
-            <p:nvSpPr>
-              <p:cNvPr id="3" name="Marcador de Posição de Conteúdo 2">
-                <a:extLst>
-                  <a:ext uri="{FF2B5EF4-FFF2-40B4-BE49-F238E27FC236}">
-                    <a16:creationId xmlns:a16="http://schemas.microsoft.com/office/drawing/2014/main" id="{ADBFA215-597B-4DEC-95F4-688D4D770E71}"/>
-                  </a:ext>
-                </a:extLst>
-              </p:cNvPr>
-              <p:cNvSpPr>
-                <a:spLocks noGrp="1" noRot="1" noChangeAspect="1" noMove="1" noResize="1" noEditPoints="1" noAdjustHandles="1" noChangeArrowheads="1" noChangeShapeType="1" noTextEdit="1"/>
-              </p:cNvSpPr>
-              <p:nvPr>
-                <p:ph idx="1"/>
-              </p:nvPr>
-            </p:nvSpPr>
-            <p:spPr>
-              <a:xfrm>
-                <a:off x="463578" y="4927601"/>
-                <a:ext cx="8596668" cy="2382172"/>
-              </a:xfrm>
-              <a:blipFill>
-                <a:blip r:embed="rId2"/>
-                <a:stretch>
-                  <a:fillRect l="-142"/>
-                </a:stretch>
-              </a:blipFill>
-            </p:spPr>
-            <p:txBody>
-              <a:bodyPr/>
-              <a:lstStyle/>
-              <a:p>
-                <a:r>
-                  <a:rPr lang="pt-PT">
-                    <a:noFill/>
-                  </a:rPr>
-                  <a:t> </a:t>
-                </a:r>
-              </a:p>
-            </p:txBody>
-          </p:sp>
-        </mc:Fallback>
-      </mc:AlternateContent>
-      <mc:AlternateContent xmlns:mc="http://schemas.openxmlformats.org/markup-compatibility/2006" xmlns:a14="http://schemas.microsoft.com/office/drawing/2010/main">
-        <mc:Choice Requires="a14">
-          <p:sp>
-            <p:nvSpPr>
-              <p:cNvPr id="6" name="CaixaDeTexto 5">
-                <a:extLst>
-                  <a:ext uri="{FF2B5EF4-FFF2-40B4-BE49-F238E27FC236}">
-                    <a16:creationId xmlns:a16="http://schemas.microsoft.com/office/drawing/2014/main" id="{047E9E9A-9E9F-4A2C-BE00-0D2C37DAAB31}"/>
-                  </a:ext>
-                </a:extLst>
-              </p:cNvPr>
-              <p:cNvSpPr txBox="1"/>
-              <p:nvPr/>
-            </p:nvSpPr>
-            <p:spPr>
-              <a:xfrm>
-                <a:off x="1709954" y="2188147"/>
-                <a:ext cx="6103916" cy="1240853"/>
-              </a:xfrm>
-              <a:prstGeom prst="rect">
-                <a:avLst/>
-              </a:prstGeom>
-              <a:noFill/>
-            </p:spPr>
-            <p:txBody>
-              <a:bodyPr wrap="square">
-                <a:spAutoFit/>
-              </a:bodyPr>
-              <a:lstStyle/>
-              <a:p>
-                <a:pPr/>
-                <a14:m>
-                  <m:oMathPara xmlns:m="http://schemas.openxmlformats.org/officeDocument/2006/math">
-                    <m:oMathParaPr>
-                      <m:jc m:val="centerGroup"/>
-                    </m:oMathParaPr>
-                    <m:oMath xmlns:m="http://schemas.openxmlformats.org/officeDocument/2006/math">
-                      <m:r>
-                        <a:rPr lang="pt-PT" sz="2800" i="1" smtClean="0">
-                          <a:latin typeface="Cambria Math" panose="02040503050406030204" pitchFamily="18" charset="0"/>
-                        </a:rPr>
-                        <m:t>𝑐𝑐</m:t>
-                      </m:r>
-                      <m:r>
-                        <a:rPr lang="pt-PT" sz="2800" i="0">
-                          <a:latin typeface="Cambria Math" panose="02040503050406030204" pitchFamily="18" charset="0"/>
-                        </a:rPr>
-                        <m:t>= </m:t>
-                      </m:r>
-                      <m:f>
-                        <m:fPr>
-                          <m:ctrlPr>
-                            <a:rPr lang="pt-PT" sz="2800" i="1">
-                              <a:solidFill>
-                                <a:srgbClr val="836967"/>
-                              </a:solidFill>
-                              <a:latin typeface="Cambria Math" panose="02040503050406030204" pitchFamily="18" charset="0"/>
-                            </a:rPr>
-                          </m:ctrlPr>
-                        </m:fPr>
-                        <m:num>
-                          <m:sSub>
-                            <m:sSubPr>
-                              <m:ctrlPr>
-                                <a:rPr lang="pt-PT" sz="2800" i="1">
-                                  <a:solidFill>
-                                    <a:srgbClr val="836967"/>
-                                  </a:solidFill>
-                                  <a:latin typeface="Cambria Math" panose="02040503050406030204" pitchFamily="18" charset="0"/>
-                                </a:rPr>
-                              </m:ctrlPr>
-                            </m:sSubPr>
-                            <m:e>
-                              <m:r>
-                                <a:rPr lang="pt-PT" sz="2800" i="1">
-                                  <a:latin typeface="Cambria Math" panose="02040503050406030204" pitchFamily="18" charset="0"/>
-                                </a:rPr>
-                                <m:t>𝑉</m:t>
-                              </m:r>
-                            </m:e>
-                            <m:sub>
-                              <m:r>
-                                <a:rPr lang="pt-PT" sz="2800" i="1">
-                                  <a:latin typeface="Cambria Math" panose="02040503050406030204" pitchFamily="18" charset="0"/>
-                                </a:rPr>
-                                <m:t>𝐻</m:t>
-                              </m:r>
-                            </m:sub>
-                          </m:sSub>
-                        </m:num>
-                        <m:den>
-                          <m:sSub>
-                            <m:sSubPr>
-                              <m:ctrlPr>
-                                <a:rPr lang="pt-PT" sz="2800" i="1">
-                                  <a:solidFill>
-                                    <a:srgbClr val="836967"/>
-                                  </a:solidFill>
-                                  <a:latin typeface="Cambria Math" panose="02040503050406030204" pitchFamily="18" charset="0"/>
-                                </a:rPr>
-                              </m:ctrlPr>
-                            </m:sSubPr>
-                            <m:e>
-                              <m:r>
-                                <a:rPr lang="pt-PT" sz="2800" i="0">
-                                  <a:latin typeface="Cambria Math" panose="02040503050406030204" pitchFamily="18" charset="0"/>
-                                </a:rPr>
-                                <m:t>µ</m:t>
-                              </m:r>
-                            </m:e>
-                            <m:sub>
-                              <m:r>
-                                <a:rPr lang="pt-PT" sz="2800" i="0">
-                                  <a:latin typeface="Cambria Math" panose="02040503050406030204" pitchFamily="18" charset="0"/>
-                                </a:rPr>
-                                <m:t>0</m:t>
-                              </m:r>
-                            </m:sub>
-                          </m:sSub>
-                          <m:r>
-                            <a:rPr lang="pt-PT" sz="2800" i="0">
-                              <a:latin typeface="Cambria Math" panose="02040503050406030204" pitchFamily="18" charset="0"/>
-                            </a:rPr>
-                            <m:t>×</m:t>
-                          </m:r>
-                          <m:f>
-                            <m:fPr>
-                              <m:ctrlPr>
-                                <a:rPr lang="pt-PT" sz="2800" i="1">
-                                  <a:solidFill>
-                                    <a:srgbClr val="836967"/>
-                                  </a:solidFill>
-                                  <a:latin typeface="Cambria Math" panose="02040503050406030204" pitchFamily="18" charset="0"/>
-                                </a:rPr>
-                              </m:ctrlPr>
-                            </m:fPr>
-                            <m:num>
-                              <m:r>
-                                <a:rPr lang="pt-PT" sz="2800" i="1">
-                                  <a:latin typeface="Cambria Math" panose="02040503050406030204" pitchFamily="18" charset="0"/>
-                                </a:rPr>
-                                <m:t>𝑁</m:t>
-                              </m:r>
-                            </m:num>
-                            <m:den>
-                              <m:r>
-                                <a:rPr lang="pt-PT" sz="2800" i="1">
-                                  <a:latin typeface="Cambria Math" panose="02040503050406030204" pitchFamily="18" charset="0"/>
-                                </a:rPr>
-                                <m:t>𝐿</m:t>
-                              </m:r>
-                            </m:den>
-                          </m:f>
-                          <m:r>
-                            <a:rPr lang="pt-PT" sz="2800" i="0">
-                              <a:latin typeface="Cambria Math" panose="02040503050406030204" pitchFamily="18" charset="0"/>
-                            </a:rPr>
-                            <m:t>×</m:t>
-                          </m:r>
-                          <m:r>
-                            <a:rPr lang="pt-PT" sz="2800" i="1">
-                              <a:latin typeface="Cambria Math" panose="02040503050406030204" pitchFamily="18" charset="0"/>
-                            </a:rPr>
-                            <m:t>𝐼</m:t>
-                          </m:r>
-                        </m:den>
-                      </m:f>
-                    </m:oMath>
-                  </m:oMathPara>
-                </a14:m>
-                <a:endParaRPr lang="pt-PT" sz="2800" dirty="0"/>
-              </a:p>
-            </p:txBody>
-          </p:sp>
-        </mc:Choice>
-        <mc:Fallback xmlns="">
-          <p:sp>
-            <p:nvSpPr>
-              <p:cNvPr id="6" name="CaixaDeTexto 5">
-                <a:extLst>
-                  <a:ext uri="{FF2B5EF4-FFF2-40B4-BE49-F238E27FC236}">
-                    <a16:creationId xmlns:a16="http://schemas.microsoft.com/office/drawing/2014/main" id="{047E9E9A-9E9F-4A2C-BE00-0D2C37DAAB31}"/>
-                  </a:ext>
-                </a:extLst>
-              </p:cNvPr>
-              <p:cNvSpPr txBox="1">
-                <a:spLocks noRot="1" noChangeAspect="1" noMove="1" noResize="1" noEditPoints="1" noAdjustHandles="1" noChangeArrowheads="1" noChangeShapeType="1" noTextEdit="1"/>
-              </p:cNvSpPr>
-              <p:nvPr/>
-            </p:nvSpPr>
-            <p:spPr>
-              <a:xfrm>
-                <a:off x="1709954" y="2188147"/>
-                <a:ext cx="6103916" cy="1240853"/>
-              </a:xfrm>
-              <a:prstGeom prst="rect">
-                <a:avLst/>
-              </a:prstGeom>
-              <a:blipFill>
-                <a:blip r:embed="rId3"/>
-                <a:stretch>
-                  <a:fillRect/>
-                </a:stretch>
-              </a:blipFill>
-            </p:spPr>
-            <p:txBody>
-              <a:bodyPr/>
-              <a:lstStyle/>
-              <a:p>
-                <a:r>
-                  <a:rPr lang="pt-PT">
-                    <a:noFill/>
-                  </a:rPr>
-                  <a:t> </a:t>
-                </a:r>
-              </a:p>
-            </p:txBody>
-          </p:sp>
-        </mc:Fallback>
-      </mc:AlternateContent>
-      <p:sp>
-        <p:nvSpPr>
-          <p:cNvPr id="7" name="CaixaDeTexto 6">
-            <a:extLst>
-              <a:ext uri="{FF2B5EF4-FFF2-40B4-BE49-F238E27FC236}">
-                <a16:creationId xmlns:a16="http://schemas.microsoft.com/office/drawing/2014/main" id="{1CB35A2E-AF4C-4ED1-A4BC-D68FC577AC17}"/>
-              </a:ext>
-            </a:extLst>
-          </p:cNvPr>
-          <p:cNvSpPr txBox="1"/>
-          <p:nvPr/>
-        </p:nvSpPr>
-        <p:spPr>
-          <a:xfrm>
-            <a:off x="783771" y="4298867"/>
-            <a:ext cx="3123211" cy="400110"/>
-          </a:xfrm>
-          <a:prstGeom prst="rect">
-            <a:avLst/>
-          </a:prstGeom>
-          <a:noFill/>
-        </p:spPr>
-        <p:txBody>
-          <a:bodyPr wrap="square" rtlCol="0">
-            <a:spAutoFit/>
-          </a:bodyPr>
-          <a:lstStyle/>
-          <a:p>
-            <a:r>
-              <a:rPr lang="pt-PT" sz="2000" dirty="0">
-                <a:solidFill>
-                  <a:schemeClr val="accent1"/>
-                </a:solidFill>
-              </a:rPr>
-              <a:t>Constantes</a:t>
-            </a:r>
-          </a:p>
-        </p:txBody>
-      </p:sp>
-    </p:spTree>
-    <p:extLst>
-      <p:ext uri="{BB962C8B-B14F-4D97-AF65-F5344CB8AC3E}">
-        <p14:creationId xmlns:p14="http://schemas.microsoft.com/office/powerpoint/2010/main" val="3257991995"/>
-      </p:ext>
-    </p:extLst>
-  </p:cSld>
-  <p:clrMapOvr>
-    <a:masterClrMapping/>
-  </p:clrMapOvr>
-</p:sld>
-</file>
-
 <file path=ppt/theme/theme1.xml><?xml version="1.0" encoding="utf-8"?>
 <a:theme xmlns:a="http://schemas.openxmlformats.org/drawingml/2006/main" name="Faceta">
   <a:themeElements>

--- a/AprestOralMCE.pptx
+++ b/AprestOralMCE.pptx
@@ -17775,44 +17775,6 @@
               <a:p>
                 <a14:m>
                   <m:oMath xmlns:m="http://schemas.openxmlformats.org/officeDocument/2006/math">
-                    <m:f>
-                      <m:fPr>
-                        <m:ctrlPr>
-                          <a:rPr lang="pt-PT" sz="1800" i="1" smtClean="0">
-                            <a:solidFill>
-                              <a:srgbClr val="836967"/>
-                            </a:solidFill>
-                            <a:latin typeface="Cambria Math" panose="02040503050406030204" pitchFamily="18" charset="0"/>
-                          </a:rPr>
-                        </m:ctrlPr>
-                      </m:fPr>
-                      <m:num>
-                        <m:r>
-                          <a:rPr lang="pt-PT" sz="1800" i="1">
-                            <a:latin typeface="Cambria Math" panose="02040503050406030204" pitchFamily="18" charset="0"/>
-                          </a:rPr>
-                          <m:t>𝑁</m:t>
-                        </m:r>
-                      </m:num>
-                      <m:den>
-                        <m:r>
-                          <a:rPr lang="pt-PT" sz="1800" i="1">
-                            <a:latin typeface="Cambria Math" panose="02040503050406030204" pitchFamily="18" charset="0"/>
-                          </a:rPr>
-                          <m:t>𝐿</m:t>
-                        </m:r>
-                      </m:den>
-                    </m:f>
-                  </m:oMath>
-                </a14:m>
-                <a:r>
-                  <a:rPr lang="pt-PT" dirty="0"/>
-                  <a:t>  = 3467 +/- 60 espiras</a:t>
-                </a:r>
-              </a:p>
-              <a:p>
-                <a14:m>
-                  <m:oMath xmlns:m="http://schemas.openxmlformats.org/officeDocument/2006/math">
                     <m:sSub>
                       <m:sSubPr>
                         <m:ctrlPr>
@@ -17930,7 +17892,7 @@
               <a:blipFill>
                 <a:blip r:embed="rId2"/>
                 <a:stretch>
-                  <a:fillRect l="-142"/>
+                  <a:fillRect l="-142" t="-1535"/>
                 </a:stretch>
               </a:blipFill>
             </p:spPr>

--- a/AprestOralMCE.pptx
+++ b/AprestOralMCE.pptx
@@ -11660,8 +11660,8 @@
           </a:graphicData>
         </a:graphic>
       </p:graphicFrame>
-      <mc:AlternateContent xmlns:mc="http://schemas.openxmlformats.org/markup-compatibility/2006" xmlns:a14="http://schemas.microsoft.com/office/drawing/2010/main">
-        <mc:Choice Requires="a14">
+      <mc:AlternateContent xmlns:mc="http://schemas.openxmlformats.org/markup-compatibility/2006">
+        <mc:Choice xmlns:a14="http://schemas.microsoft.com/office/drawing/2010/main" Requires="a14">
           <p:sp>
             <p:nvSpPr>
               <p:cNvPr id="40" name="CaixaDeTexto 39">
@@ -11788,13 +11788,18 @@
                 </a14:m>
                 <a:r>
                   <a:rPr lang="pt-PT" sz="2800" dirty="0"/>
-                  <a:t>V/A</a:t>
+                  <a:t> </a:t>
                 </a:r>
+                <a:r>
+                  <a:rPr lang="pt-PT" sz="2800"/>
+                  <a:t>V/T</a:t>
+                </a:r>
+                <a:endParaRPr lang="pt-PT" sz="2800" dirty="0"/>
               </a:p>
             </p:txBody>
           </p:sp>
         </mc:Choice>
-        <mc:Fallback xmlns="">
+        <mc:Fallback>
           <p:sp>
             <p:nvSpPr>
               <p:cNvPr id="40" name="CaixaDeTexto 39">
@@ -17745,8 +17750,8 @@
           </a:p>
         </p:txBody>
       </p:sp>
-      <mc:AlternateContent xmlns:mc="http://schemas.openxmlformats.org/markup-compatibility/2006">
-        <mc:Choice xmlns:a14="http://schemas.microsoft.com/office/drawing/2010/main" Requires="a14">
+      <mc:AlternateContent xmlns:mc="http://schemas.openxmlformats.org/markup-compatibility/2006" xmlns:a14="http://schemas.microsoft.com/office/drawing/2010/main">
+        <mc:Choice Requires="a14">
           <p:sp>
             <p:nvSpPr>
               <p:cNvPr id="3" name="Marcador de Posição de Conteúdo 2">
@@ -17867,7 +17872,7 @@
             </p:txBody>
           </p:sp>
         </mc:Choice>
-        <mc:Fallback>
+        <mc:Fallback xmlns="">
           <p:sp>
             <p:nvSpPr>
               <p:cNvPr id="3" name="Marcador de Posição de Conteúdo 2">

--- a/AprestOralMCE.pptx
+++ b/AprestOralMCE.pptx
@@ -11660,8 +11660,8 @@
           </a:graphicData>
         </a:graphic>
       </p:graphicFrame>
-      <mc:AlternateContent xmlns:mc="http://schemas.openxmlformats.org/markup-compatibility/2006">
-        <mc:Choice xmlns:a14="http://schemas.microsoft.com/office/drawing/2010/main" Requires="a14">
+      <mc:AlternateContent xmlns:mc="http://schemas.openxmlformats.org/markup-compatibility/2006" xmlns:a14="http://schemas.microsoft.com/office/drawing/2010/main">
+        <mc:Choice Requires="a14">
           <p:sp>
             <p:nvSpPr>
               <p:cNvPr id="40" name="CaixaDeTexto 39">
@@ -11799,7 +11799,7 @@
             </p:txBody>
           </p:sp>
         </mc:Choice>
-        <mc:Fallback>
+        <mc:Fallback xmlns="">
           <p:sp>
             <p:nvSpPr>
               <p:cNvPr id="40" name="CaixaDeTexto 39">
@@ -14774,8 +14774,8 @@
           </a:p>
         </p:txBody>
       </p:sp>
-      <mc:AlternateContent xmlns:mc="http://schemas.openxmlformats.org/markup-compatibility/2006" xmlns:a14="http://schemas.microsoft.com/office/drawing/2010/main">
-        <mc:Choice Requires="a14">
+      <mc:AlternateContent xmlns:mc="http://schemas.openxmlformats.org/markup-compatibility/2006">
+        <mc:Choice xmlns:a14="http://schemas.microsoft.com/office/drawing/2010/main" Requires="a14">
           <p:sp>
             <p:nvSpPr>
               <p:cNvPr id="3" name="Marcador de Posição de Conteúdo 2">
@@ -14852,8 +14852,13 @@
                 </a14:m>
                 <a:r>
                   <a:rPr lang="pt-PT" sz="1800" dirty="0"/>
-                  <a:t> V/A;</a:t>
+                  <a:t> </a:t>
                 </a:r>
+                <a:r>
+                  <a:rPr lang="pt-PT" sz="1800"/>
+                  <a:t>V/T;</a:t>
+                </a:r>
+                <a:endParaRPr lang="pt-PT" sz="1800" dirty="0"/>
               </a:p>
               <a:p>
                 <a:pPr>
@@ -14997,7 +15002,7 @@
             </p:txBody>
           </p:sp>
         </mc:Choice>
-        <mc:Fallback xmlns="">
+        <mc:Fallback>
           <p:sp>
             <p:nvSpPr>
               <p:cNvPr id="3" name="Marcador de Posição de Conteúdo 2">

--- a/AprestOralMCE.pptx
+++ b/AprestOralMCE.pptx
@@ -11660,8 +11660,8 @@
           </a:graphicData>
         </a:graphic>
       </p:graphicFrame>
-      <mc:AlternateContent xmlns:mc="http://schemas.openxmlformats.org/markup-compatibility/2006" xmlns:a14="http://schemas.microsoft.com/office/drawing/2010/main">
-        <mc:Choice Requires="a14">
+      <mc:AlternateContent xmlns:mc="http://schemas.openxmlformats.org/markup-compatibility/2006">
+        <mc:Choice xmlns:a14="http://schemas.microsoft.com/office/drawing/2010/main" Requires="a14">
           <p:sp>
             <p:nvSpPr>
               <p:cNvPr id="40" name="CaixaDeTexto 39">
@@ -11788,13 +11788,13 @@
                 </a14:m>
                 <a:r>
                   <a:rPr lang="pt-PT" sz="2800" dirty="0"/>
-                  <a:t>V/A</a:t>
+                  <a:t>V/T</a:t>
                 </a:r>
               </a:p>
             </p:txBody>
           </p:sp>
         </mc:Choice>
-        <mc:Fallback xmlns="">
+        <mc:Fallback>
           <p:sp>
             <p:nvSpPr>
               <p:cNvPr id="40" name="CaixaDeTexto 39">
@@ -14769,8 +14769,8 @@
           </a:p>
         </p:txBody>
       </p:sp>
-      <mc:AlternateContent xmlns:mc="http://schemas.openxmlformats.org/markup-compatibility/2006" xmlns:a14="http://schemas.microsoft.com/office/drawing/2010/main">
-        <mc:Choice Requires="a14">
+      <mc:AlternateContent xmlns:mc="http://schemas.openxmlformats.org/markup-compatibility/2006">
+        <mc:Choice xmlns:a14="http://schemas.microsoft.com/office/drawing/2010/main" Requires="a14">
           <p:sp>
             <p:nvSpPr>
               <p:cNvPr id="3" name="Marcador de Posição de Conteúdo 2">
@@ -14847,7 +14847,7 @@
                 </a14:m>
                 <a:r>
                   <a:rPr lang="pt-PT" sz="1800" dirty="0"/>
-                  <a:t> V/A;</a:t>
+                  <a:t> V/T;</a:t>
                 </a:r>
               </a:p>
               <a:p>
@@ -14992,7 +14992,7 @@
             </p:txBody>
           </p:sp>
         </mc:Choice>
-        <mc:Fallback xmlns="">
+        <mc:Fallback>
           <p:sp>
             <p:nvSpPr>
               <p:cNvPr id="3" name="Marcador de Posição de Conteúdo 2">
@@ -17745,8 +17745,8 @@
           </a:p>
         </p:txBody>
       </p:sp>
-      <mc:AlternateContent xmlns:mc="http://schemas.openxmlformats.org/markup-compatibility/2006">
-        <mc:Choice xmlns:a14="http://schemas.microsoft.com/office/drawing/2010/main" Requires="a14">
+      <mc:AlternateContent xmlns:mc="http://schemas.openxmlformats.org/markup-compatibility/2006" xmlns:a14="http://schemas.microsoft.com/office/drawing/2010/main">
+        <mc:Choice Requires="a14">
           <p:sp>
             <p:nvSpPr>
               <p:cNvPr id="3" name="Marcador de Posição de Conteúdo 2">
@@ -17867,7 +17867,7 @@
             </p:txBody>
           </p:sp>
         </mc:Choice>
-        <mc:Fallback>
+        <mc:Fallback xmlns="">
           <p:sp>
             <p:nvSpPr>
               <p:cNvPr id="3" name="Marcador de Posição de Conteúdo 2">

--- a/AprestOralMCE.pptx
+++ b/AprestOralMCE.pptx
@@ -11788,7 +11788,7 @@
                 </a14:m>
                 <a:r>
                   <a:rPr lang="pt-PT" sz="2800" dirty="0"/>
-                  <a:t>V/T</a:t>
+                  <a:t> V/T</a:t>
                 </a:r>
               </a:p>
             </p:txBody>
@@ -14769,8 +14769,8 @@
           </a:p>
         </p:txBody>
       </p:sp>
-      <mc:AlternateContent xmlns:mc="http://schemas.openxmlformats.org/markup-compatibility/2006">
-        <mc:Choice xmlns:a14="http://schemas.microsoft.com/office/drawing/2010/main" Requires="a14">
+      <mc:AlternateContent xmlns:mc="http://schemas.openxmlformats.org/markup-compatibility/2006" xmlns:a14="http://schemas.microsoft.com/office/drawing/2010/main">
+        <mc:Choice Requires="a14">
           <p:sp>
             <p:nvSpPr>
               <p:cNvPr id="3" name="Marcador de Posição de Conteúdo 2">
@@ -14992,7 +14992,7 @@
             </p:txBody>
           </p:sp>
         </mc:Choice>
-        <mc:Fallback>
+        <mc:Fallback xmlns="">
           <p:sp>
             <p:nvSpPr>
               <p:cNvPr id="3" name="Marcador de Posição de Conteúdo 2">
